--- a/The Clean Coder.pptx
+++ b/The Clean Coder.pptx
@@ -7,6 +7,8 @@
   <p:sldIdLst>
     <p:sldId id="256" r:id="rId2"/>
     <p:sldId id="257" r:id="rId3"/>
+    <p:sldId id="258" r:id="rId4"/>
+    <p:sldId id="259" r:id="rId5"/>
   </p:sldIdLst>
   <p:sldSz cx="12192000" cy="6858000"/>
   <p:notesSz cx="6858000" cy="9144000"/>
@@ -105,6 +107,11 @@
       </a:defRPr>
     </a:lvl9pPr>
   </p:defaultTextStyle>
+  <p:extLst>
+    <p:ext uri="{EFAFB233-063F-42B5-8137-9DF3F51BA10A}">
+      <p15:sldGuideLst xmlns:p15="http://schemas.microsoft.com/office/powerpoint/2012/main"/>
+    </p:ext>
+  </p:extLst>
 </p:presentation>
 </file>
 
@@ -203,7 +210,7 @@
           <a:effectLst/>
           <a:extLst>
             <a:ext uri="{91240B29-F687-4f45-9708-019B960494DF}">
-              <a14:hiddenLine xmlns:a14="http://schemas.microsoft.com/office/drawing/2010/main" xmlns="" w="9525">
+              <a14:hiddenLine xmlns="" xmlns:a14="http://schemas.microsoft.com/office/drawing/2010/main" w="9525">
                 <a:solidFill>
                   <a:srgbClr val="000000"/>
                 </a:solidFill>
@@ -396,7 +403,7 @@
             <a:fld id="{B61BEF0D-F0BB-DE4B-95CE-6DB70DBA9567}" type="datetimeFigureOut">
               <a:rPr lang="en-US" smtClean="0"/>
               <a:pPr/>
-              <a:t>7/1/2019</a:t>
+              <a:t>7/8/2019</a:t>
             </a:fld>
             <a:endParaRPr lang="en-US" dirty="0"/>
           </a:p>
@@ -716,7 +723,7 @@
             <a:fld id="{B61BEF0D-F0BB-DE4B-95CE-6DB70DBA9567}" type="datetimeFigureOut">
               <a:rPr lang="en-US" smtClean="0"/>
               <a:pPr/>
-              <a:t>7/1/2019</a:t>
+              <a:t>7/8/2019</a:t>
             </a:fld>
             <a:endParaRPr lang="en-US" dirty="0"/>
           </a:p>
@@ -1206,7 +1213,7 @@
             <a:fld id="{B61BEF0D-F0BB-DE4B-95CE-6DB70DBA9567}" type="datetimeFigureOut">
               <a:rPr lang="en-US" smtClean="0"/>
               <a:pPr/>
-              <a:t>7/1/2019</a:t>
+              <a:t>7/8/2019</a:t>
             </a:fld>
             <a:endParaRPr lang="en-US" dirty="0"/>
           </a:p>
@@ -1577,7 +1584,7 @@
             <a:fld id="{B61BEF0D-F0BB-DE4B-95CE-6DB70DBA9567}" type="datetimeFigureOut">
               <a:rPr lang="en-US" smtClean="0"/>
               <a:pPr/>
-              <a:t>7/1/2019</a:t>
+              <a:t>7/8/2019</a:t>
             </a:fld>
             <a:endParaRPr lang="en-US" dirty="0"/>
           </a:p>
@@ -1733,7 +1740,7 @@
           <a:ln/>
           <a:extLst>
             <a:ext uri="{91240B29-F687-4f45-9708-019B960494DF}">
-              <a14:hiddenLine xmlns:a14="http://schemas.microsoft.com/office/drawing/2010/main" xmlns="" w="9525">
+              <a14:hiddenLine xmlns="" xmlns:a14="http://schemas.microsoft.com/office/drawing/2010/main" w="9525">
                 <a:solidFill>
                   <a:srgbClr val="000000"/>
                 </a:solidFill>
@@ -1852,7 +1859,7 @@
             <a:fld id="{B61BEF0D-F0BB-DE4B-95CE-6DB70DBA9567}" type="datetimeFigureOut">
               <a:rPr lang="en-US" smtClean="0"/>
               <a:pPr/>
-              <a:t>7/1/2019</a:t>
+              <a:t>7/8/2019</a:t>
             </a:fld>
             <a:endParaRPr lang="en-US" dirty="0"/>
           </a:p>
@@ -2010,7 +2017,7 @@
           <a:ln/>
           <a:extLst>
             <a:ext uri="{91240B29-F687-4f45-9708-019B960494DF}">
-              <a14:hiddenLine xmlns:a14="http://schemas.microsoft.com/office/drawing/2010/main" xmlns="" w="9525">
+              <a14:hiddenLine xmlns="" xmlns:a14="http://schemas.microsoft.com/office/drawing/2010/main" w="9525">
                 <a:solidFill>
                   <a:srgbClr val="000000"/>
                 </a:solidFill>
@@ -2139,7 +2146,7 @@
             <a:fld id="{B61BEF0D-F0BB-DE4B-95CE-6DB70DBA9567}" type="datetimeFigureOut">
               <a:rPr lang="en-US" smtClean="0"/>
               <a:pPr/>
-              <a:t>7/1/2019</a:t>
+              <a:t>7/8/2019</a:t>
             </a:fld>
             <a:endParaRPr lang="en-US" dirty="0"/>
           </a:p>
@@ -2295,7 +2302,7 @@
           <a:ln/>
           <a:extLst>
             <a:ext uri="{91240B29-F687-4f45-9708-019B960494DF}">
-              <a14:hiddenLine xmlns:a14="http://schemas.microsoft.com/office/drawing/2010/main" xmlns="" w="9525">
+              <a14:hiddenLine xmlns="" xmlns:a14="http://schemas.microsoft.com/office/drawing/2010/main" w="9525">
                 <a:solidFill>
                   <a:srgbClr val="000000"/>
                 </a:solidFill>
@@ -2424,7 +2431,7 @@
             <a:fld id="{B61BEF0D-F0BB-DE4B-95CE-6DB70DBA9567}" type="datetimeFigureOut">
               <a:rPr lang="en-US" smtClean="0"/>
               <a:pPr/>
-              <a:t>7/1/2019</a:t>
+              <a:t>7/8/2019</a:t>
             </a:fld>
             <a:endParaRPr lang="en-US" dirty="0"/>
           </a:p>
@@ -2769,7 +2776,7 @@
             <a:fld id="{B61BEF0D-F0BB-DE4B-95CE-6DB70DBA9567}" type="datetimeFigureOut">
               <a:rPr lang="en-US" smtClean="0"/>
               <a:pPr/>
-              <a:t>7/1/2019</a:t>
+              <a:t>7/8/2019</a:t>
             </a:fld>
             <a:endParaRPr lang="en-US" dirty="0"/>
           </a:p>
@@ -2925,7 +2932,7 @@
           <a:ln/>
           <a:extLst>
             <a:ext uri="{91240B29-F687-4f45-9708-019B960494DF}">
-              <a14:hiddenLine xmlns:a14="http://schemas.microsoft.com/office/drawing/2010/main" xmlns="" w="9525">
+              <a14:hiddenLine xmlns="" xmlns:a14="http://schemas.microsoft.com/office/drawing/2010/main" w="9525">
                 <a:solidFill>
                   <a:srgbClr val="000000"/>
                 </a:solidFill>
@@ -3110,7 +3117,7 @@
             <a:fld id="{B61BEF0D-F0BB-DE4B-95CE-6DB70DBA9567}" type="datetimeFigureOut">
               <a:rPr lang="en-US" smtClean="0"/>
               <a:pPr/>
-              <a:t>7/1/2019</a:t>
+              <a:t>7/8/2019</a:t>
             </a:fld>
             <a:endParaRPr lang="en-US" dirty="0"/>
           </a:p>
@@ -3266,7 +3273,7 @@
           <a:ln/>
           <a:extLst>
             <a:ext uri="{91240B29-F687-4f45-9708-019B960494DF}">
-              <a14:hiddenLine xmlns:a14="http://schemas.microsoft.com/office/drawing/2010/main" xmlns="" w="9525">
+              <a14:hiddenLine xmlns="" xmlns:a14="http://schemas.microsoft.com/office/drawing/2010/main" w="9525">
                 <a:solidFill>
                   <a:srgbClr val="000000"/>
                 </a:solidFill>
@@ -3589,7 +3596,7 @@
             <a:fld id="{B61BEF0D-F0BB-DE4B-95CE-6DB70DBA9567}" type="datetimeFigureOut">
               <a:rPr lang="en-US" smtClean="0"/>
               <a:pPr/>
-              <a:t>7/1/2019</a:t>
+              <a:t>7/8/2019</a:t>
             </a:fld>
             <a:endParaRPr lang="en-US" dirty="0"/>
           </a:p>
@@ -3745,7 +3752,7 @@
           <a:ln/>
           <a:extLst>
             <a:ext uri="{91240B29-F687-4f45-9708-019B960494DF}">
-              <a14:hiddenLine xmlns:a14="http://schemas.microsoft.com/office/drawing/2010/main" xmlns="" w="9525">
+              <a14:hiddenLine xmlns="" xmlns:a14="http://schemas.microsoft.com/office/drawing/2010/main" w="9525">
                 <a:solidFill>
                   <a:srgbClr val="000000"/>
                 </a:solidFill>
@@ -3812,7 +3819,7 @@
             <a:fld id="{B61BEF0D-F0BB-DE4B-95CE-6DB70DBA9567}" type="datetimeFigureOut">
               <a:rPr lang="en-US" smtClean="0"/>
               <a:pPr/>
-              <a:t>7/1/2019</a:t>
+              <a:t>7/8/2019</a:t>
             </a:fld>
             <a:endParaRPr lang="en-US" dirty="0"/>
           </a:p>
@@ -3909,7 +3916,7 @@
             <a:fld id="{B61BEF0D-F0BB-DE4B-95CE-6DB70DBA9567}" type="datetimeFigureOut">
               <a:rPr lang="en-US" smtClean="0"/>
               <a:pPr/>
-              <a:t>7/1/2019</a:t>
+              <a:t>7/8/2019</a:t>
             </a:fld>
             <a:endParaRPr lang="en-US" dirty="0"/>
           </a:p>
@@ -4178,7 +4185,7 @@
           <a:ln/>
           <a:extLst>
             <a:ext uri="{91240B29-F687-4f45-9708-019B960494DF}">
-              <a14:hiddenLine xmlns:a14="http://schemas.microsoft.com/office/drawing/2010/main" xmlns="" w="9525">
+              <a14:hiddenLine xmlns="" xmlns:a14="http://schemas.microsoft.com/office/drawing/2010/main" w="9525">
                 <a:solidFill>
                   <a:srgbClr val="000000"/>
                 </a:solidFill>
@@ -4378,7 +4385,7 @@
             <a:fld id="{B61BEF0D-F0BB-DE4B-95CE-6DB70DBA9567}" type="datetimeFigureOut">
               <a:rPr lang="en-US" smtClean="0"/>
               <a:pPr/>
-              <a:t>7/1/2019</a:t>
+              <a:t>7/8/2019</a:t>
             </a:fld>
             <a:endParaRPr lang="en-US" dirty="0"/>
           </a:p>
@@ -4693,7 +4700,7 @@
             <a:fld id="{B61BEF0D-F0BB-DE4B-95CE-6DB70DBA9567}" type="datetimeFigureOut">
               <a:rPr lang="en-US" smtClean="0"/>
               <a:pPr/>
-              <a:t>7/1/2019</a:t>
+              <a:t>7/8/2019</a:t>
             </a:fld>
             <a:endParaRPr lang="en-US" dirty="0"/>
           </a:p>
@@ -4965,7 +4972,7 @@
             <a:fld id="{B61BEF0D-F0BB-DE4B-95CE-6DB70DBA9567}" type="datetimeFigureOut">
               <a:rPr lang="en-US" smtClean="0"/>
               <a:pPr/>
-              <a:t>7/1/2019</a:t>
+              <a:t>7/8/2019</a:t>
             </a:fld>
             <a:endParaRPr lang="en-US" dirty="0"/>
           </a:p>
@@ -6105,6 +6112,801 @@
 </p:sld>
 </file>
 
+<file path=ppt/slides/slide3.xml><?xml version="1.0" encoding="utf-8"?>
+<p:sld xmlns:a="http://schemas.openxmlformats.org/drawingml/2006/main" xmlns:r="http://schemas.openxmlformats.org/officeDocument/2006/relationships" xmlns:p="http://schemas.openxmlformats.org/presentationml/2006/main">
+  <p:cSld>
+    <p:spTree>
+      <p:nvGrpSpPr>
+        <p:cNvPr id="1" name=""/>
+        <p:cNvGrpSpPr/>
+        <p:nvPr/>
+      </p:nvGrpSpPr>
+      <p:grpSpPr>
+        <a:xfrm>
+          <a:off x="0" y="0"/>
+          <a:ext cx="0" cy="0"/>
+          <a:chOff x="0" y="0"/>
+          <a:chExt cx="0" cy="0"/>
+        </a:xfrm>
+      </p:grpSpPr>
+      <p:sp>
+        <p:nvSpPr>
+          <p:cNvPr id="2" name="Title 1"/>
+          <p:cNvSpPr>
+            <a:spLocks noGrp="1"/>
+          </p:cNvSpPr>
+          <p:nvPr>
+            <p:ph type="title"/>
+          </p:nvPr>
+        </p:nvSpPr>
+        <p:spPr>
+          <a:xfrm>
+            <a:off x="444500" y="266700"/>
+            <a:ext cx="11341100" cy="685800"/>
+          </a:xfrm>
+        </p:spPr>
+        <p:txBody>
+          <a:bodyPr/>
+          <a:lstStyle/>
+          <a:p>
+            <a:pPr algn="r" rtl="1"/>
+            <a:r>
+              <a:rPr lang="fa-IR" sz="4400" dirty="0" smtClean="0">
+                <a:effectLst>
+                  <a:outerShdw blurRad="38100" dist="38100" dir="2700000" algn="tl">
+                    <a:srgbClr val="000000">
+                      <a:alpha val="43137"/>
+                    </a:srgbClr>
+                  </a:outerShdw>
+                </a:effectLst>
+                <a:latin typeface="Adobe Arabic" panose="02040503050201020203" pitchFamily="18" charset="-78"/>
+                <a:cs typeface="Adobe Arabic" panose="02040503050201020203" pitchFamily="18" charset="-78"/>
+              </a:rPr>
+              <a:t>فصل اول : حرفه ای گری </a:t>
+            </a:r>
+            <a:endParaRPr lang="en-US" sz="4400" dirty="0">
+              <a:effectLst>
+                <a:outerShdw blurRad="38100" dist="38100" dir="2700000" algn="tl">
+                  <a:srgbClr val="000000">
+                    <a:alpha val="43137"/>
+                  </a:srgbClr>
+                </a:outerShdw>
+              </a:effectLst>
+              <a:latin typeface="Adobe Arabic" panose="02040503050201020203" pitchFamily="18" charset="-78"/>
+              <a:cs typeface="Adobe Arabic" panose="02040503050201020203" pitchFamily="18" charset="-78"/>
+            </a:endParaRPr>
+          </a:p>
+        </p:txBody>
+      </p:sp>
+      <p:sp>
+        <p:nvSpPr>
+          <p:cNvPr id="3" name="Content Placeholder 2"/>
+          <p:cNvSpPr>
+            <a:spLocks noGrp="1"/>
+          </p:cNvSpPr>
+          <p:nvPr>
+            <p:ph idx="1"/>
+          </p:nvPr>
+        </p:nvSpPr>
+        <p:spPr>
+          <a:xfrm>
+            <a:off x="739556" y="1041400"/>
+            <a:ext cx="10750988" cy="533400"/>
+          </a:xfrm>
+        </p:spPr>
+        <p:txBody>
+          <a:bodyPr anchor="t">
+            <a:noAutofit/>
+          </a:bodyPr>
+          <a:lstStyle/>
+          <a:p>
+            <a:pPr marL="0" indent="0" algn="r" rtl="1">
+              <a:buNone/>
+            </a:pPr>
+            <a:r>
+              <a:rPr lang="fa-IR" sz="3200" dirty="0" smtClean="0">
+                <a:effectLst>
+                  <a:outerShdw blurRad="38100" dist="38100" dir="2700000" algn="tl">
+                    <a:srgbClr val="000000">
+                      <a:alpha val="43137"/>
+                    </a:srgbClr>
+                  </a:outerShdw>
+                </a:effectLst>
+                <a:latin typeface="Adobe Arabic" panose="02040503050201020203" pitchFamily="18" charset="-78"/>
+                <a:cs typeface="Adobe Arabic" panose="02040503050201020203" pitchFamily="18" charset="-78"/>
+              </a:rPr>
+              <a:t>حرفه ای گری در مورد مسئولیت پذیری است .</a:t>
+            </a:r>
+          </a:p>
+        </p:txBody>
+      </p:sp>
+      <p:sp>
+        <p:nvSpPr>
+          <p:cNvPr id="6" name="TextBox 5"/>
+          <p:cNvSpPr txBox="1"/>
+          <p:nvPr/>
+        </p:nvSpPr>
+        <p:spPr>
+          <a:xfrm>
+            <a:off x="4140200" y="2235200"/>
+            <a:ext cx="6616700" cy="3970318"/>
+          </a:xfrm>
+          <a:prstGeom prst="rect">
+            <a:avLst/>
+          </a:prstGeom>
+          <a:noFill/>
+        </p:spPr>
+        <p:txBody>
+          <a:bodyPr wrap="square" rtlCol="0">
+            <a:spAutoFit/>
+          </a:bodyPr>
+          <a:lstStyle/>
+          <a:p>
+            <a:pPr marL="457200" indent="-457200" algn="r" rtl="1">
+              <a:buFont typeface="Arial" panose="020B0604020202020204" pitchFamily="34" charset="0"/>
+              <a:buChar char="•"/>
+            </a:pPr>
+            <a:r>
+              <a:rPr lang="fa-IR" sz="2800" dirty="0">
+                <a:latin typeface="Adobe Arabic" panose="02040503050201020203" pitchFamily="18" charset="-78"/>
+                <a:cs typeface="Adobe Arabic" panose="02040503050201020203" pitchFamily="18" charset="-78"/>
+              </a:rPr>
+              <a:t>ضرر </a:t>
+            </a:r>
+            <a:r>
+              <a:rPr lang="fa-IR" sz="2800" dirty="0" smtClean="0">
+                <a:latin typeface="Adobe Arabic" panose="02040503050201020203" pitchFamily="18" charset="-78"/>
+                <a:cs typeface="Adobe Arabic" panose="02040503050201020203" pitchFamily="18" charset="-78"/>
+              </a:rPr>
+              <a:t>نزنید.</a:t>
+            </a:r>
+            <a:endParaRPr lang="fa-IR" sz="2800" dirty="0">
+              <a:latin typeface="Adobe Arabic" panose="02040503050201020203" pitchFamily="18" charset="-78"/>
+              <a:cs typeface="Adobe Arabic" panose="02040503050201020203" pitchFamily="18" charset="-78"/>
+            </a:endParaRPr>
+          </a:p>
+          <a:p>
+            <a:pPr marL="457200" indent="-457200" algn="r" rtl="1">
+              <a:buFont typeface="Arial" panose="020B0604020202020204" pitchFamily="34" charset="0"/>
+              <a:buChar char="•"/>
+            </a:pPr>
+            <a:r>
+              <a:rPr lang="fa-IR" sz="2800" dirty="0">
+                <a:latin typeface="Adobe Arabic" panose="02040503050201020203" pitchFamily="18" charset="-78"/>
+                <a:cs typeface="Adobe Arabic" panose="02040503050201020203" pitchFamily="18" charset="-78"/>
+              </a:rPr>
+              <a:t>وجدان کاری داشته </a:t>
+            </a:r>
+            <a:r>
+              <a:rPr lang="fa-IR" sz="2800" dirty="0" smtClean="0">
+                <a:latin typeface="Adobe Arabic" panose="02040503050201020203" pitchFamily="18" charset="-78"/>
+                <a:cs typeface="Adobe Arabic" panose="02040503050201020203" pitchFamily="18" charset="-78"/>
+              </a:rPr>
+              <a:t>باشید. </a:t>
+            </a:r>
+            <a:endParaRPr lang="fa-IR" sz="2800" dirty="0">
+              <a:latin typeface="Adobe Arabic" panose="02040503050201020203" pitchFamily="18" charset="-78"/>
+              <a:cs typeface="Adobe Arabic" panose="02040503050201020203" pitchFamily="18" charset="-78"/>
+            </a:endParaRPr>
+          </a:p>
+          <a:p>
+            <a:pPr marL="457200" indent="-457200" algn="r" rtl="1">
+              <a:buFont typeface="Arial" panose="020B0604020202020204" pitchFamily="34" charset="0"/>
+              <a:buChar char="•"/>
+            </a:pPr>
+            <a:r>
+              <a:rPr lang="fa-IR" sz="2800" dirty="0">
+                <a:latin typeface="Adobe Arabic" panose="02040503050201020203" pitchFamily="18" charset="-78"/>
+                <a:cs typeface="Adobe Arabic" panose="02040503050201020203" pitchFamily="18" charset="-78"/>
+              </a:rPr>
+              <a:t>در زمینه ی فنی ، اطلاعات کافی داشته </a:t>
+            </a:r>
+            <a:r>
+              <a:rPr lang="fa-IR" sz="2800" dirty="0" smtClean="0">
+                <a:latin typeface="Adobe Arabic" panose="02040503050201020203" pitchFamily="18" charset="-78"/>
+                <a:cs typeface="Adobe Arabic" panose="02040503050201020203" pitchFamily="18" charset="-78"/>
+              </a:rPr>
+              <a:t>باشید. </a:t>
+            </a:r>
+            <a:endParaRPr lang="fa-IR" sz="2800" dirty="0">
+              <a:latin typeface="Adobe Arabic" panose="02040503050201020203" pitchFamily="18" charset="-78"/>
+              <a:cs typeface="Adobe Arabic" panose="02040503050201020203" pitchFamily="18" charset="-78"/>
+            </a:endParaRPr>
+          </a:p>
+          <a:p>
+            <a:pPr marL="457200" indent="-457200" algn="r" rtl="1">
+              <a:buFont typeface="Arial" panose="020B0604020202020204" pitchFamily="34" charset="0"/>
+              <a:buChar char="•"/>
+            </a:pPr>
+            <a:r>
+              <a:rPr lang="fa-IR" sz="2800" dirty="0" smtClean="0">
+                <a:latin typeface="Adobe Arabic" panose="02040503050201020203" pitchFamily="18" charset="-78"/>
+                <a:cs typeface="Adobe Arabic" panose="02040503050201020203" pitchFamily="18" charset="-78"/>
+              </a:rPr>
+              <a:t>به صورت پیوسته </a:t>
+            </a:r>
+            <a:r>
+              <a:rPr lang="fa-IR" sz="2800" dirty="0">
+                <a:latin typeface="Adobe Arabic" panose="02040503050201020203" pitchFamily="18" charset="-78"/>
+                <a:cs typeface="Adobe Arabic" panose="02040503050201020203" pitchFamily="18" charset="-78"/>
+              </a:rPr>
+              <a:t>در حال یادگیری باشید </a:t>
+            </a:r>
+            <a:r>
+              <a:rPr lang="fa-IR" sz="2800" dirty="0" smtClean="0">
+                <a:latin typeface="Adobe Arabic" panose="02040503050201020203" pitchFamily="18" charset="-78"/>
+                <a:cs typeface="Adobe Arabic" panose="02040503050201020203" pitchFamily="18" charset="-78"/>
+              </a:rPr>
+              <a:t>.</a:t>
+            </a:r>
+            <a:endParaRPr lang="fa-IR" sz="2800" dirty="0">
+              <a:latin typeface="Adobe Arabic" panose="02040503050201020203" pitchFamily="18" charset="-78"/>
+              <a:cs typeface="Adobe Arabic" panose="02040503050201020203" pitchFamily="18" charset="-78"/>
+            </a:endParaRPr>
+          </a:p>
+          <a:p>
+            <a:pPr marL="457200" indent="-457200" algn="r" rtl="1">
+              <a:buFont typeface="Arial" panose="020B0604020202020204" pitchFamily="34" charset="0"/>
+              <a:buChar char="•"/>
+            </a:pPr>
+            <a:r>
+              <a:rPr lang="fa-IR" sz="2800" dirty="0">
+                <a:latin typeface="Adobe Arabic" panose="02040503050201020203" pitchFamily="18" charset="-78"/>
+                <a:cs typeface="Adobe Arabic" panose="02040503050201020203" pitchFamily="18" charset="-78"/>
+              </a:rPr>
+              <a:t>تمرین کنید .</a:t>
+            </a:r>
+          </a:p>
+          <a:p>
+            <a:pPr marL="457200" indent="-457200" algn="r" rtl="1">
+              <a:buFont typeface="Arial" panose="020B0604020202020204" pitchFamily="34" charset="0"/>
+              <a:buChar char="•"/>
+            </a:pPr>
+            <a:r>
+              <a:rPr lang="fa-IR" sz="2800" dirty="0">
+                <a:latin typeface="Adobe Arabic" panose="02040503050201020203" pitchFamily="18" charset="-78"/>
+                <a:cs typeface="Adobe Arabic" panose="02040503050201020203" pitchFamily="18" charset="-78"/>
+              </a:rPr>
+              <a:t>همکاری کنید.</a:t>
+            </a:r>
+          </a:p>
+          <a:p>
+            <a:pPr marL="457200" indent="-457200" algn="r" rtl="1">
+              <a:buFont typeface="Arial" panose="020B0604020202020204" pitchFamily="34" charset="0"/>
+              <a:buChar char="•"/>
+            </a:pPr>
+            <a:r>
+              <a:rPr lang="fa-IR" sz="2800" dirty="0" smtClean="0">
+                <a:latin typeface="Adobe Arabic" panose="02040503050201020203" pitchFamily="18" charset="-78"/>
+                <a:cs typeface="Adobe Arabic" panose="02040503050201020203" pitchFamily="18" charset="-78"/>
+              </a:rPr>
+              <a:t>برای تازه کارها مثل آموزگار باشید . </a:t>
+            </a:r>
+            <a:endParaRPr lang="fa-IR" sz="2800" dirty="0">
+              <a:latin typeface="Adobe Arabic" panose="02040503050201020203" pitchFamily="18" charset="-78"/>
+              <a:cs typeface="Adobe Arabic" panose="02040503050201020203" pitchFamily="18" charset="-78"/>
+            </a:endParaRPr>
+          </a:p>
+          <a:p>
+            <a:pPr marL="457200" indent="-457200" algn="r" rtl="1">
+              <a:buFont typeface="Arial" panose="020B0604020202020204" pitchFamily="34" charset="0"/>
+              <a:buChar char="•"/>
+            </a:pPr>
+            <a:r>
+              <a:rPr lang="fa-IR" sz="2800" dirty="0">
+                <a:latin typeface="Adobe Arabic" panose="02040503050201020203" pitchFamily="18" charset="-78"/>
+                <a:cs typeface="Adobe Arabic" panose="02040503050201020203" pitchFamily="18" charset="-78"/>
+              </a:rPr>
+              <a:t>دامین </a:t>
+            </a:r>
+            <a:r>
+              <a:rPr lang="fa-IR" sz="2800" dirty="0" smtClean="0">
+                <a:latin typeface="Adobe Arabic" panose="02040503050201020203" pitchFamily="18" charset="-78"/>
+                <a:cs typeface="Adobe Arabic" panose="02040503050201020203" pitchFamily="18" charset="-78"/>
+              </a:rPr>
+              <a:t>خود </a:t>
+            </a:r>
+            <a:r>
+              <a:rPr lang="fa-IR" sz="2800" dirty="0">
+                <a:latin typeface="Adobe Arabic" panose="02040503050201020203" pitchFamily="18" charset="-78"/>
+                <a:cs typeface="Adobe Arabic" panose="02040503050201020203" pitchFamily="18" charset="-78"/>
+              </a:rPr>
+              <a:t>رو </a:t>
+            </a:r>
+            <a:r>
+              <a:rPr lang="fa-IR" sz="2800" dirty="0" smtClean="0">
+                <a:latin typeface="Adobe Arabic" panose="02040503050201020203" pitchFamily="18" charset="-78"/>
+                <a:cs typeface="Adobe Arabic" panose="02040503050201020203" pitchFamily="18" charset="-78"/>
+              </a:rPr>
+              <a:t>بشناسید.</a:t>
+            </a:r>
+          </a:p>
+          <a:p>
+            <a:pPr marL="457200" indent="-457200" algn="r" rtl="1">
+              <a:buFont typeface="Arial" panose="020B0604020202020204" pitchFamily="34" charset="0"/>
+              <a:buChar char="•"/>
+            </a:pPr>
+            <a:r>
+              <a:rPr lang="fa-IR" sz="2800" dirty="0" smtClean="0">
+                <a:latin typeface="Adobe Arabic" panose="02040503050201020203" pitchFamily="18" charset="-78"/>
+                <a:cs typeface="Adobe Arabic" panose="02040503050201020203" pitchFamily="18" charset="-78"/>
+              </a:rPr>
+              <a:t>فروتن باشید. </a:t>
+            </a:r>
+            <a:endParaRPr lang="en-US" sz="2800" dirty="0">
+              <a:latin typeface="Adobe Arabic" panose="02040503050201020203" pitchFamily="18" charset="-78"/>
+              <a:cs typeface="Adobe Arabic" panose="02040503050201020203" pitchFamily="18" charset="-78"/>
+            </a:endParaRPr>
+          </a:p>
+        </p:txBody>
+      </p:sp>
+    </p:spTree>
+    <p:extLst>
+      <p:ext uri="{BB962C8B-B14F-4D97-AF65-F5344CB8AC3E}">
+        <p14:creationId xmlns:p14="http://schemas.microsoft.com/office/powerpoint/2010/main" val="2187083425"/>
+      </p:ext>
+    </p:extLst>
+  </p:cSld>
+  <p:clrMapOvr>
+    <a:masterClrMapping/>
+  </p:clrMapOvr>
+</p:sld>
+</file>
+
+<file path=ppt/slides/slide4.xml><?xml version="1.0" encoding="utf-8"?>
+<p:sld xmlns:a="http://schemas.openxmlformats.org/drawingml/2006/main" xmlns:r="http://schemas.openxmlformats.org/officeDocument/2006/relationships" xmlns:p="http://schemas.openxmlformats.org/presentationml/2006/main">
+  <p:cSld>
+    <p:spTree>
+      <p:nvGrpSpPr>
+        <p:cNvPr id="1" name=""/>
+        <p:cNvGrpSpPr/>
+        <p:nvPr/>
+      </p:nvGrpSpPr>
+      <p:grpSpPr>
+        <a:xfrm>
+          <a:off x="0" y="0"/>
+          <a:ext cx="0" cy="0"/>
+          <a:chOff x="0" y="0"/>
+          <a:chExt cx="0" cy="0"/>
+        </a:xfrm>
+      </p:grpSpPr>
+      <p:sp>
+        <p:nvSpPr>
+          <p:cNvPr id="2" name="Title 1"/>
+          <p:cNvSpPr>
+            <a:spLocks noGrp="1"/>
+          </p:cNvSpPr>
+          <p:nvPr>
+            <p:ph type="title"/>
+          </p:nvPr>
+        </p:nvSpPr>
+        <p:spPr/>
+        <p:txBody>
+          <a:bodyPr/>
+          <a:lstStyle/>
+          <a:p>
+            <a:pPr algn="r" rtl="1"/>
+            <a:r>
+              <a:rPr lang="fa-IR" sz="4800" dirty="0" smtClean="0">
+                <a:effectLst>
+                  <a:outerShdw blurRad="38100" dist="38100" dir="2700000" algn="tl">
+                    <a:srgbClr val="000000">
+                      <a:alpha val="43137"/>
+                    </a:srgbClr>
+                  </a:outerShdw>
+                </a:effectLst>
+                <a:latin typeface="Adobe Arabic" panose="02040503050201020203" pitchFamily="18" charset="-78"/>
+                <a:cs typeface="Adobe Arabic" panose="02040503050201020203" pitchFamily="18" charset="-78"/>
+              </a:rPr>
+              <a:t>ضرر نزنید </a:t>
+            </a:r>
+            <a:r>
+              <a:rPr lang="en-US" sz="4800" dirty="0" smtClean="0">
+                <a:effectLst>
+                  <a:outerShdw blurRad="38100" dist="38100" dir="2700000" algn="tl">
+                    <a:srgbClr val="000000">
+                      <a:alpha val="43137"/>
+                    </a:srgbClr>
+                  </a:outerShdw>
+                </a:effectLst>
+                <a:latin typeface="Adobe Arabic" panose="02040503050201020203" pitchFamily="18" charset="-78"/>
+                <a:cs typeface="Adobe Arabic" panose="02040503050201020203" pitchFamily="18" charset="-78"/>
+              </a:rPr>
+              <a:t>!!!</a:t>
+            </a:r>
+            <a:endParaRPr lang="en-US" sz="4800" dirty="0">
+              <a:effectLst>
+                <a:outerShdw blurRad="38100" dist="38100" dir="2700000" algn="tl">
+                  <a:srgbClr val="000000">
+                    <a:alpha val="43137"/>
+                  </a:srgbClr>
+                </a:outerShdw>
+              </a:effectLst>
+              <a:latin typeface="Adobe Arabic" panose="02040503050201020203" pitchFamily="18" charset="-78"/>
+              <a:cs typeface="Adobe Arabic" panose="02040503050201020203" pitchFamily="18" charset="-78"/>
+            </a:endParaRPr>
+          </a:p>
+        </p:txBody>
+      </p:sp>
+      <p:pic>
+        <p:nvPicPr>
+          <p:cNvPr id="5" name="Picture 4"/>
+          <p:cNvPicPr>
+            <a:picLocks noChangeAspect="1"/>
+          </p:cNvPicPr>
+          <p:nvPr/>
+        </p:nvPicPr>
+        <p:blipFill>
+          <a:blip r:embed="rId2">
+            <a:extLst>
+              <a:ext uri="{BEBA8EAE-BF5A-486C-A8C5-ECC9F3942E4B}">
+                <a14:imgProps xmlns:a14="http://schemas.microsoft.com/office/drawing/2010/main">
+                  <a14:imgLayer r:embed="rId3">
+                    <a14:imgEffect>
+                      <a14:sharpenSoften amount="50000"/>
+                    </a14:imgEffect>
+                  </a14:imgLayer>
+                </a14:imgProps>
+              </a:ext>
+              <a:ext uri="{28A0092B-C50C-407E-A947-70E740481C1C}">
+                <a14:useLocalDpi xmlns:a14="http://schemas.microsoft.com/office/drawing/2010/main" val="0"/>
+              </a:ext>
+            </a:extLst>
+          </a:blip>
+          <a:stretch>
+            <a:fillRect/>
+          </a:stretch>
+        </p:blipFill>
+        <p:spPr>
+          <a:xfrm>
+            <a:off x="190500" y="2505399"/>
+            <a:ext cx="4377123" cy="3282842"/>
+          </a:xfrm>
+          <a:prstGeom prst="ellipse">
+            <a:avLst/>
+          </a:prstGeom>
+          <a:ln>
+            <a:solidFill>
+              <a:schemeClr val="accent6">
+                <a:lumMod val="40000"/>
+                <a:lumOff val="60000"/>
+              </a:schemeClr>
+            </a:solidFill>
+          </a:ln>
+          <a:effectLst>
+            <a:softEdge rad="112500"/>
+          </a:effectLst>
+        </p:spPr>
+      </p:pic>
+      <p:sp>
+        <p:nvSpPr>
+          <p:cNvPr id="4" name="TextBox 3"/>
+          <p:cNvSpPr txBox="1"/>
+          <p:nvPr/>
+        </p:nvSpPr>
+        <p:spPr>
+          <a:xfrm>
+            <a:off x="2847598" y="2679698"/>
+            <a:ext cx="8534400" cy="3108543"/>
+          </a:xfrm>
+          <a:prstGeom prst="rect">
+            <a:avLst/>
+          </a:prstGeom>
+          <a:noFill/>
+        </p:spPr>
+        <p:txBody>
+          <a:bodyPr wrap="square" rtlCol="0">
+            <a:spAutoFit/>
+          </a:bodyPr>
+          <a:lstStyle/>
+          <a:p>
+            <a:pPr marL="457200" indent="-457200" algn="r" rtl="1">
+              <a:buFont typeface="Arial" panose="020B0604020202020204" pitchFamily="34" charset="0"/>
+              <a:buChar char="•"/>
+            </a:pPr>
+            <a:r>
+              <a:rPr lang="fa-IR" sz="2800" dirty="0">
+                <a:effectLst>
+                  <a:outerShdw blurRad="38100" dist="38100" dir="2700000" algn="tl">
+                    <a:srgbClr val="000000">
+                      <a:alpha val="43137"/>
+                    </a:srgbClr>
+                  </a:outerShdw>
+                </a:effectLst>
+                <a:latin typeface="Adobe Arabic" panose="02040503050201020203" pitchFamily="18" charset="-78"/>
+                <a:cs typeface="Adobe Arabic" panose="02040503050201020203" pitchFamily="18" charset="-78"/>
+              </a:rPr>
+              <a:t> باگ ایجاد </a:t>
+            </a:r>
+            <a:r>
+              <a:rPr lang="fa-IR" sz="2800" dirty="0" smtClean="0">
+                <a:effectLst>
+                  <a:outerShdw blurRad="38100" dist="38100" dir="2700000" algn="tl">
+                    <a:srgbClr val="000000">
+                      <a:alpha val="43137"/>
+                    </a:srgbClr>
+                  </a:outerShdw>
+                </a:effectLst>
+                <a:latin typeface="Adobe Arabic" panose="02040503050201020203" pitchFamily="18" charset="-78"/>
+                <a:cs typeface="Adobe Arabic" panose="02040503050201020203" pitchFamily="18" charset="-78"/>
+              </a:rPr>
+              <a:t>نکنید .</a:t>
+            </a:r>
+            <a:endParaRPr lang="fa-IR" sz="2800" dirty="0">
+              <a:effectLst>
+                <a:outerShdw blurRad="38100" dist="38100" dir="2700000" algn="tl">
+                  <a:srgbClr val="000000">
+                    <a:alpha val="43137"/>
+                  </a:srgbClr>
+                </a:outerShdw>
+              </a:effectLst>
+              <a:latin typeface="Adobe Arabic" panose="02040503050201020203" pitchFamily="18" charset="-78"/>
+              <a:cs typeface="Adobe Arabic" panose="02040503050201020203" pitchFamily="18" charset="-78"/>
+            </a:endParaRPr>
+          </a:p>
+          <a:p>
+            <a:pPr marL="457200" indent="-457200" algn="r" rtl="1">
+              <a:buFont typeface="Arial" panose="020B0604020202020204" pitchFamily="34" charset="0"/>
+              <a:buChar char="•"/>
+            </a:pPr>
+            <a:r>
+              <a:rPr lang="fa-IR" sz="2800" dirty="0">
+                <a:effectLst>
+                  <a:outerShdw blurRad="38100" dist="38100" dir="2700000" algn="tl">
+                    <a:srgbClr val="000000">
+                      <a:alpha val="43137"/>
+                    </a:srgbClr>
+                  </a:outerShdw>
+                </a:effectLst>
+                <a:latin typeface="Adobe Arabic" panose="02040503050201020203" pitchFamily="18" charset="-78"/>
+                <a:cs typeface="Adobe Arabic" panose="02040503050201020203" pitchFamily="18" charset="-78"/>
+              </a:rPr>
+              <a:t> معذرت خواهی </a:t>
+            </a:r>
+            <a:r>
+              <a:rPr lang="fa-IR" sz="2800" dirty="0" smtClean="0">
+                <a:effectLst>
+                  <a:outerShdw blurRad="38100" dist="38100" dir="2700000" algn="tl">
+                    <a:srgbClr val="000000">
+                      <a:alpha val="43137"/>
+                    </a:srgbClr>
+                  </a:outerShdw>
+                </a:effectLst>
+                <a:latin typeface="Adobe Arabic" panose="02040503050201020203" pitchFamily="18" charset="-78"/>
+                <a:cs typeface="Adobe Arabic" panose="02040503050201020203" pitchFamily="18" charset="-78"/>
+              </a:rPr>
+              <a:t>کنید .</a:t>
+            </a:r>
+            <a:endParaRPr lang="fa-IR" sz="2800" dirty="0">
+              <a:effectLst>
+                <a:outerShdw blurRad="38100" dist="38100" dir="2700000" algn="tl">
+                  <a:srgbClr val="000000">
+                    <a:alpha val="43137"/>
+                  </a:srgbClr>
+                </a:outerShdw>
+              </a:effectLst>
+              <a:latin typeface="Adobe Arabic" panose="02040503050201020203" pitchFamily="18" charset="-78"/>
+              <a:cs typeface="Adobe Arabic" panose="02040503050201020203" pitchFamily="18" charset="-78"/>
+            </a:endParaRPr>
+          </a:p>
+          <a:p>
+            <a:pPr marL="457200" indent="-457200" algn="r" rtl="1">
+              <a:buFont typeface="Arial" panose="020B0604020202020204" pitchFamily="34" charset="0"/>
+              <a:buChar char="•"/>
+            </a:pPr>
+            <a:r>
+              <a:rPr lang="fa-IR" sz="2800" dirty="0">
+                <a:effectLst>
+                  <a:outerShdw blurRad="38100" dist="38100" dir="2700000" algn="tl">
+                    <a:srgbClr val="000000">
+                      <a:alpha val="43137"/>
+                    </a:srgbClr>
+                  </a:outerShdw>
+                </a:effectLst>
+                <a:latin typeface="Adobe Arabic" panose="02040503050201020203" pitchFamily="18" charset="-78"/>
+                <a:cs typeface="Adobe Arabic" panose="02040503050201020203" pitchFamily="18" charset="-78"/>
+              </a:rPr>
+              <a:t>تیم کنترل کیفیت نباید خطایی </a:t>
+            </a:r>
+            <a:r>
+              <a:rPr lang="fa-IR" sz="2800" dirty="0" smtClean="0">
+                <a:effectLst>
+                  <a:outerShdw blurRad="38100" dist="38100" dir="2700000" algn="tl">
+                    <a:srgbClr val="000000">
+                      <a:alpha val="43137"/>
+                    </a:srgbClr>
+                  </a:outerShdw>
+                </a:effectLst>
+                <a:latin typeface="Adobe Arabic" panose="02040503050201020203" pitchFamily="18" charset="-78"/>
+                <a:cs typeface="Adobe Arabic" panose="02040503050201020203" pitchFamily="18" charset="-78"/>
+              </a:rPr>
+              <a:t>بیابد. </a:t>
+            </a:r>
+            <a:endParaRPr lang="fa-IR" sz="2800" dirty="0">
+              <a:effectLst>
+                <a:outerShdw blurRad="38100" dist="38100" dir="2700000" algn="tl">
+                  <a:srgbClr val="000000">
+                    <a:alpha val="43137"/>
+                  </a:srgbClr>
+                </a:outerShdw>
+              </a:effectLst>
+              <a:latin typeface="Adobe Arabic" panose="02040503050201020203" pitchFamily="18" charset="-78"/>
+              <a:cs typeface="Adobe Arabic" panose="02040503050201020203" pitchFamily="18" charset="-78"/>
+            </a:endParaRPr>
+          </a:p>
+          <a:p>
+            <a:pPr marL="457200" indent="-457200" algn="r" rtl="1">
+              <a:buFont typeface="Arial" panose="020B0604020202020204" pitchFamily="34" charset="0"/>
+              <a:buChar char="•"/>
+            </a:pPr>
+            <a:r>
+              <a:rPr lang="fa-IR" sz="2800" dirty="0">
+                <a:effectLst>
+                  <a:outerShdw blurRad="38100" dist="38100" dir="2700000" algn="tl">
+                    <a:srgbClr val="000000">
+                      <a:alpha val="43137"/>
+                    </a:srgbClr>
+                  </a:outerShdw>
+                </a:effectLst>
+                <a:latin typeface="Adobe Arabic" panose="02040503050201020203" pitchFamily="18" charset="-78"/>
+                <a:cs typeface="Adobe Arabic" panose="02040503050201020203" pitchFamily="18" charset="-78"/>
+              </a:rPr>
+              <a:t> باید مطمئن باشید که کدتان کار می کند . </a:t>
+            </a:r>
+          </a:p>
+          <a:p>
+            <a:pPr marL="457200" indent="-457200" algn="r" rtl="1">
+              <a:buFont typeface="Arial" panose="020B0604020202020204" pitchFamily="34" charset="0"/>
+              <a:buChar char="•"/>
+            </a:pPr>
+            <a:r>
+              <a:rPr lang="fa-IR" sz="2800" dirty="0">
+                <a:effectLst>
+                  <a:outerShdw blurRad="38100" dist="38100" dir="2700000" algn="tl">
+                    <a:srgbClr val="000000">
+                      <a:alpha val="43137"/>
+                    </a:srgbClr>
+                  </a:outerShdw>
+                </a:effectLst>
+                <a:latin typeface="Adobe Arabic" panose="02040503050201020203" pitchFamily="18" charset="-78"/>
+                <a:cs typeface="Adobe Arabic" panose="02040503050201020203" pitchFamily="18" charset="-78"/>
+              </a:rPr>
+              <a:t>تست های خودکار داشته باشید .</a:t>
+            </a:r>
+          </a:p>
+          <a:p>
+            <a:pPr marL="457200" indent="-457200" algn="r" rtl="1">
+              <a:buFont typeface="Arial" panose="020B0604020202020204" pitchFamily="34" charset="0"/>
+              <a:buChar char="•"/>
+            </a:pPr>
+            <a:r>
+              <a:rPr lang="fa-IR" sz="2800" dirty="0">
+                <a:effectLst>
+                  <a:outerShdw blurRad="38100" dist="38100" dir="2700000" algn="tl">
+                    <a:srgbClr val="000000">
+                      <a:alpha val="43137"/>
+                    </a:srgbClr>
+                  </a:outerShdw>
+                </a:effectLst>
+                <a:latin typeface="Adobe Arabic" panose="02040503050201020203" pitchFamily="18" charset="-78"/>
+                <a:cs typeface="Adobe Arabic" panose="02040503050201020203" pitchFamily="18" charset="-78"/>
+              </a:rPr>
+              <a:t>به ساختار صدمه </a:t>
+            </a:r>
+            <a:r>
+              <a:rPr lang="fa-IR" sz="2800" dirty="0" smtClean="0">
+                <a:effectLst>
+                  <a:outerShdw blurRad="38100" dist="38100" dir="2700000" algn="tl">
+                    <a:srgbClr val="000000">
+                      <a:alpha val="43137"/>
+                    </a:srgbClr>
+                  </a:outerShdw>
+                </a:effectLst>
+                <a:latin typeface="Adobe Arabic" panose="02040503050201020203" pitchFamily="18" charset="-78"/>
+                <a:cs typeface="Adobe Arabic" panose="02040503050201020203" pitchFamily="18" charset="-78"/>
+              </a:rPr>
+              <a:t>نزنید. </a:t>
+            </a:r>
+            <a:endParaRPr lang="fa-IR" sz="2800" dirty="0">
+              <a:effectLst>
+                <a:outerShdw blurRad="38100" dist="38100" dir="2700000" algn="tl">
+                  <a:srgbClr val="000000">
+                    <a:alpha val="43137"/>
+                  </a:srgbClr>
+                </a:outerShdw>
+              </a:effectLst>
+              <a:latin typeface="Adobe Arabic" panose="02040503050201020203" pitchFamily="18" charset="-78"/>
+              <a:cs typeface="Adobe Arabic" panose="02040503050201020203" pitchFamily="18" charset="-78"/>
+            </a:endParaRPr>
+          </a:p>
+          <a:p>
+            <a:pPr marL="457200" indent="-457200" algn="r" rtl="1">
+              <a:buFont typeface="Arial" panose="020B0604020202020204" pitchFamily="34" charset="0"/>
+              <a:buChar char="•"/>
+            </a:pPr>
+            <a:r>
+              <a:rPr lang="fa-IR" sz="2800" dirty="0">
+                <a:effectLst>
+                  <a:outerShdw blurRad="38100" dist="38100" dir="2700000" algn="tl">
+                    <a:srgbClr val="000000">
+                      <a:alpha val="43137"/>
+                    </a:srgbClr>
+                  </a:outerShdw>
+                </a:effectLst>
+                <a:latin typeface="Adobe Arabic" panose="02040503050201020203" pitchFamily="18" charset="-78"/>
+                <a:cs typeface="Adobe Arabic" panose="02040503050201020203" pitchFamily="18" charset="-78"/>
+              </a:rPr>
+              <a:t>باید بتوانید هر لحظه که اراده می کنید ، کدتان را </a:t>
+            </a:r>
+            <a:r>
+              <a:rPr lang="en-US" sz="2800" dirty="0">
+                <a:effectLst>
+                  <a:outerShdw blurRad="38100" dist="38100" dir="2700000" algn="tl">
+                    <a:srgbClr val="000000">
+                      <a:alpha val="43137"/>
+                    </a:srgbClr>
+                  </a:outerShdw>
+                </a:effectLst>
+                <a:latin typeface="Adobe Arabic" panose="02040503050201020203" pitchFamily="18" charset="-78"/>
+                <a:cs typeface="Adobe Arabic" panose="02040503050201020203" pitchFamily="18" charset="-78"/>
+              </a:rPr>
+              <a:t>Refactor </a:t>
+            </a:r>
+            <a:r>
+              <a:rPr lang="fa-IR" sz="2800" dirty="0" smtClean="0">
+                <a:effectLst>
+                  <a:outerShdw blurRad="38100" dist="38100" dir="2700000" algn="tl">
+                    <a:srgbClr val="000000">
+                      <a:alpha val="43137"/>
+                    </a:srgbClr>
+                  </a:outerShdw>
+                </a:effectLst>
+                <a:latin typeface="Adobe Arabic" panose="02040503050201020203" pitchFamily="18" charset="-78"/>
+                <a:cs typeface="Adobe Arabic" panose="02040503050201020203" pitchFamily="18" charset="-78"/>
+              </a:rPr>
+              <a:t> کنید </a:t>
+            </a:r>
+            <a:r>
+              <a:rPr lang="fa-IR" sz="2800" dirty="0">
+                <a:effectLst>
+                  <a:outerShdw blurRad="38100" dist="38100" dir="2700000" algn="tl">
+                    <a:srgbClr val="000000">
+                      <a:alpha val="43137"/>
+                    </a:srgbClr>
+                  </a:outerShdw>
+                </a:effectLst>
+                <a:latin typeface="Adobe Arabic" panose="02040503050201020203" pitchFamily="18" charset="-78"/>
+                <a:cs typeface="Adobe Arabic" panose="02040503050201020203" pitchFamily="18" charset="-78"/>
+              </a:rPr>
+              <a:t>. </a:t>
+            </a:r>
+            <a:endParaRPr lang="en-US" sz="2800" dirty="0">
+              <a:effectLst>
+                <a:outerShdw blurRad="38100" dist="38100" dir="2700000" algn="tl">
+                  <a:srgbClr val="000000">
+                    <a:alpha val="43137"/>
+                  </a:srgbClr>
+                </a:outerShdw>
+              </a:effectLst>
+              <a:latin typeface="Adobe Arabic" panose="02040503050201020203" pitchFamily="18" charset="-78"/>
+              <a:cs typeface="Adobe Arabic" panose="02040503050201020203" pitchFamily="18" charset="-78"/>
+            </a:endParaRPr>
+          </a:p>
+        </p:txBody>
+      </p:sp>
+    </p:spTree>
+    <p:extLst>
+      <p:ext uri="{BB962C8B-B14F-4D97-AF65-F5344CB8AC3E}">
+        <p14:creationId xmlns:p14="http://schemas.microsoft.com/office/powerpoint/2010/main" val="703082084"/>
+      </p:ext>
+    </p:extLst>
+  </p:cSld>
+  <p:clrMapOvr>
+    <a:masterClrMapping/>
+  </p:clrMapOvr>
+</p:sld>
+</file>
+
 <file path=ppt/theme/theme1.xml><?xml version="1.0" encoding="utf-8"?>
 <a:theme xmlns:a="http://schemas.openxmlformats.org/drawingml/2006/main" name="Quotable">
   <a:themeElements>

--- a/The Clean Coder.pptx
+++ b/The Clean Coder.pptx
@@ -9,6 +9,8 @@
     <p:sldId id="257" r:id="rId3"/>
     <p:sldId id="258" r:id="rId4"/>
     <p:sldId id="259" r:id="rId5"/>
+    <p:sldId id="260" r:id="rId6"/>
+    <p:sldId id="261" r:id="rId7"/>
   </p:sldIdLst>
   <p:sldSz cx="12192000" cy="6858000"/>
   <p:notesSz cx="6858000" cy="9144000"/>
@@ -210,7 +212,7 @@
           <a:effectLst/>
           <a:extLst>
             <a:ext uri="{91240B29-F687-4f45-9708-019B960494DF}">
-              <a14:hiddenLine xmlns="" xmlns:a14="http://schemas.microsoft.com/office/drawing/2010/main" w="9525">
+              <a14:hiddenLine xmlns:a14="http://schemas.microsoft.com/office/drawing/2010/main" xmlns="" w="9525">
                 <a:solidFill>
                   <a:srgbClr val="000000"/>
                 </a:solidFill>
@@ -403,7 +405,7 @@
             <a:fld id="{B61BEF0D-F0BB-DE4B-95CE-6DB70DBA9567}" type="datetimeFigureOut">
               <a:rPr lang="en-US" smtClean="0"/>
               <a:pPr/>
-              <a:t>7/8/2019</a:t>
+              <a:t>7/9/2019</a:t>
             </a:fld>
             <a:endParaRPr lang="en-US" dirty="0"/>
           </a:p>
@@ -723,7 +725,7 @@
             <a:fld id="{B61BEF0D-F0BB-DE4B-95CE-6DB70DBA9567}" type="datetimeFigureOut">
               <a:rPr lang="en-US" smtClean="0"/>
               <a:pPr/>
-              <a:t>7/8/2019</a:t>
+              <a:t>7/9/2019</a:t>
             </a:fld>
             <a:endParaRPr lang="en-US" dirty="0"/>
           </a:p>
@@ -1213,7 +1215,7 @@
             <a:fld id="{B61BEF0D-F0BB-DE4B-95CE-6DB70DBA9567}" type="datetimeFigureOut">
               <a:rPr lang="en-US" smtClean="0"/>
               <a:pPr/>
-              <a:t>7/8/2019</a:t>
+              <a:t>7/9/2019</a:t>
             </a:fld>
             <a:endParaRPr lang="en-US" dirty="0"/>
           </a:p>
@@ -1584,7 +1586,7 @@
             <a:fld id="{B61BEF0D-F0BB-DE4B-95CE-6DB70DBA9567}" type="datetimeFigureOut">
               <a:rPr lang="en-US" smtClean="0"/>
               <a:pPr/>
-              <a:t>7/8/2019</a:t>
+              <a:t>7/9/2019</a:t>
             </a:fld>
             <a:endParaRPr lang="en-US" dirty="0"/>
           </a:p>
@@ -1740,7 +1742,7 @@
           <a:ln/>
           <a:extLst>
             <a:ext uri="{91240B29-F687-4f45-9708-019B960494DF}">
-              <a14:hiddenLine xmlns="" xmlns:a14="http://schemas.microsoft.com/office/drawing/2010/main" w="9525">
+              <a14:hiddenLine xmlns:a14="http://schemas.microsoft.com/office/drawing/2010/main" xmlns="" w="9525">
                 <a:solidFill>
                   <a:srgbClr val="000000"/>
                 </a:solidFill>
@@ -1859,7 +1861,7 @@
             <a:fld id="{B61BEF0D-F0BB-DE4B-95CE-6DB70DBA9567}" type="datetimeFigureOut">
               <a:rPr lang="en-US" smtClean="0"/>
               <a:pPr/>
-              <a:t>7/8/2019</a:t>
+              <a:t>7/9/2019</a:t>
             </a:fld>
             <a:endParaRPr lang="en-US" dirty="0"/>
           </a:p>
@@ -2017,7 +2019,7 @@
           <a:ln/>
           <a:extLst>
             <a:ext uri="{91240B29-F687-4f45-9708-019B960494DF}">
-              <a14:hiddenLine xmlns="" xmlns:a14="http://schemas.microsoft.com/office/drawing/2010/main" w="9525">
+              <a14:hiddenLine xmlns:a14="http://schemas.microsoft.com/office/drawing/2010/main" xmlns="" w="9525">
                 <a:solidFill>
                   <a:srgbClr val="000000"/>
                 </a:solidFill>
@@ -2146,7 +2148,7 @@
             <a:fld id="{B61BEF0D-F0BB-DE4B-95CE-6DB70DBA9567}" type="datetimeFigureOut">
               <a:rPr lang="en-US" smtClean="0"/>
               <a:pPr/>
-              <a:t>7/8/2019</a:t>
+              <a:t>7/9/2019</a:t>
             </a:fld>
             <a:endParaRPr lang="en-US" dirty="0"/>
           </a:p>
@@ -2302,7 +2304,7 @@
           <a:ln/>
           <a:extLst>
             <a:ext uri="{91240B29-F687-4f45-9708-019B960494DF}">
-              <a14:hiddenLine xmlns="" xmlns:a14="http://schemas.microsoft.com/office/drawing/2010/main" w="9525">
+              <a14:hiddenLine xmlns:a14="http://schemas.microsoft.com/office/drawing/2010/main" xmlns="" w="9525">
                 <a:solidFill>
                   <a:srgbClr val="000000"/>
                 </a:solidFill>
@@ -2431,7 +2433,7 @@
             <a:fld id="{B61BEF0D-F0BB-DE4B-95CE-6DB70DBA9567}" type="datetimeFigureOut">
               <a:rPr lang="en-US" smtClean="0"/>
               <a:pPr/>
-              <a:t>7/8/2019</a:t>
+              <a:t>7/9/2019</a:t>
             </a:fld>
             <a:endParaRPr lang="en-US" dirty="0"/>
           </a:p>
@@ -2776,7 +2778,7 @@
             <a:fld id="{B61BEF0D-F0BB-DE4B-95CE-6DB70DBA9567}" type="datetimeFigureOut">
               <a:rPr lang="en-US" smtClean="0"/>
               <a:pPr/>
-              <a:t>7/8/2019</a:t>
+              <a:t>7/9/2019</a:t>
             </a:fld>
             <a:endParaRPr lang="en-US" dirty="0"/>
           </a:p>
@@ -2932,7 +2934,7 @@
           <a:ln/>
           <a:extLst>
             <a:ext uri="{91240B29-F687-4f45-9708-019B960494DF}">
-              <a14:hiddenLine xmlns="" xmlns:a14="http://schemas.microsoft.com/office/drawing/2010/main" w="9525">
+              <a14:hiddenLine xmlns:a14="http://schemas.microsoft.com/office/drawing/2010/main" xmlns="" w="9525">
                 <a:solidFill>
                   <a:srgbClr val="000000"/>
                 </a:solidFill>
@@ -3117,7 +3119,7 @@
             <a:fld id="{B61BEF0D-F0BB-DE4B-95CE-6DB70DBA9567}" type="datetimeFigureOut">
               <a:rPr lang="en-US" smtClean="0"/>
               <a:pPr/>
-              <a:t>7/8/2019</a:t>
+              <a:t>7/9/2019</a:t>
             </a:fld>
             <a:endParaRPr lang="en-US" dirty="0"/>
           </a:p>
@@ -3273,7 +3275,7 @@
           <a:ln/>
           <a:extLst>
             <a:ext uri="{91240B29-F687-4f45-9708-019B960494DF}">
-              <a14:hiddenLine xmlns="" xmlns:a14="http://schemas.microsoft.com/office/drawing/2010/main" w="9525">
+              <a14:hiddenLine xmlns:a14="http://schemas.microsoft.com/office/drawing/2010/main" xmlns="" w="9525">
                 <a:solidFill>
                   <a:srgbClr val="000000"/>
                 </a:solidFill>
@@ -3596,7 +3598,7 @@
             <a:fld id="{B61BEF0D-F0BB-DE4B-95CE-6DB70DBA9567}" type="datetimeFigureOut">
               <a:rPr lang="en-US" smtClean="0"/>
               <a:pPr/>
-              <a:t>7/8/2019</a:t>
+              <a:t>7/9/2019</a:t>
             </a:fld>
             <a:endParaRPr lang="en-US" dirty="0"/>
           </a:p>
@@ -3752,7 +3754,7 @@
           <a:ln/>
           <a:extLst>
             <a:ext uri="{91240B29-F687-4f45-9708-019B960494DF}">
-              <a14:hiddenLine xmlns="" xmlns:a14="http://schemas.microsoft.com/office/drawing/2010/main" w="9525">
+              <a14:hiddenLine xmlns:a14="http://schemas.microsoft.com/office/drawing/2010/main" xmlns="" w="9525">
                 <a:solidFill>
                   <a:srgbClr val="000000"/>
                 </a:solidFill>
@@ -3819,7 +3821,7 @@
             <a:fld id="{B61BEF0D-F0BB-DE4B-95CE-6DB70DBA9567}" type="datetimeFigureOut">
               <a:rPr lang="en-US" smtClean="0"/>
               <a:pPr/>
-              <a:t>7/8/2019</a:t>
+              <a:t>7/9/2019</a:t>
             </a:fld>
             <a:endParaRPr lang="en-US" dirty="0"/>
           </a:p>
@@ -3916,7 +3918,7 @@
             <a:fld id="{B61BEF0D-F0BB-DE4B-95CE-6DB70DBA9567}" type="datetimeFigureOut">
               <a:rPr lang="en-US" smtClean="0"/>
               <a:pPr/>
-              <a:t>7/8/2019</a:t>
+              <a:t>7/9/2019</a:t>
             </a:fld>
             <a:endParaRPr lang="en-US" dirty="0"/>
           </a:p>
@@ -4185,7 +4187,7 @@
           <a:ln/>
           <a:extLst>
             <a:ext uri="{91240B29-F687-4f45-9708-019B960494DF}">
-              <a14:hiddenLine xmlns="" xmlns:a14="http://schemas.microsoft.com/office/drawing/2010/main" w="9525">
+              <a14:hiddenLine xmlns:a14="http://schemas.microsoft.com/office/drawing/2010/main" xmlns="" w="9525">
                 <a:solidFill>
                   <a:srgbClr val="000000"/>
                 </a:solidFill>
@@ -4385,7 +4387,7 @@
             <a:fld id="{B61BEF0D-F0BB-DE4B-95CE-6DB70DBA9567}" type="datetimeFigureOut">
               <a:rPr lang="en-US" smtClean="0"/>
               <a:pPr/>
-              <a:t>7/8/2019</a:t>
+              <a:t>7/9/2019</a:t>
             </a:fld>
             <a:endParaRPr lang="en-US" dirty="0"/>
           </a:p>
@@ -4700,7 +4702,7 @@
             <a:fld id="{B61BEF0D-F0BB-DE4B-95CE-6DB70DBA9567}" type="datetimeFigureOut">
               <a:rPr lang="en-US" smtClean="0"/>
               <a:pPr/>
-              <a:t>7/8/2019</a:t>
+              <a:t>7/9/2019</a:t>
             </a:fld>
             <a:endParaRPr lang="en-US" dirty="0"/>
           </a:p>
@@ -4972,7 +4974,7 @@
             <a:fld id="{B61BEF0D-F0BB-DE4B-95CE-6DB70DBA9567}" type="datetimeFigureOut">
               <a:rPr lang="en-US" smtClean="0"/>
               <a:pPr/>
-              <a:t>7/8/2019</a:t>
+              <a:t>7/9/2019</a:t>
             </a:fld>
             <a:endParaRPr lang="en-US" dirty="0"/>
           </a:p>
@@ -5775,13 +5777,6 @@
                 <a:solidFill>
                   <a:schemeClr val="tx1"/>
                 </a:solidFill>
-                <a:effectLst>
-                  <a:outerShdw blurRad="12700" dist="38100" dir="2700000" algn="tl" rotWithShape="0">
-                    <a:schemeClr val="bg1">
-                      <a:lumMod val="50000"/>
-                    </a:schemeClr>
-                  </a:outerShdw>
-                </a:effectLst>
                 <a:latin typeface="Adobe Arabic" panose="02040503050201020203" pitchFamily="18" charset="-78"/>
                 <a:cs typeface="Adobe Arabic" panose="02040503050201020203" pitchFamily="18" charset="-78"/>
               </a:rPr>
@@ -5797,13 +5792,6 @@
               <a:solidFill>
                 <a:schemeClr val="tx1"/>
               </a:solidFill>
-              <a:effectLst>
-                <a:outerShdw blurRad="12700" dist="38100" dir="2700000" algn="tl" rotWithShape="0">
-                  <a:schemeClr val="bg1">
-                    <a:lumMod val="50000"/>
-                  </a:schemeClr>
-                </a:outerShdw>
-              </a:effectLst>
               <a:latin typeface="Adobe Arabic" panose="02040503050201020203" pitchFamily="18" charset="-78"/>
               <a:cs typeface="Adobe Arabic" panose="02040503050201020203" pitchFamily="18" charset="-78"/>
             </a:endParaRPr>
@@ -6204,7 +6192,10 @@
               <a:buNone/>
             </a:pPr>
             <a:r>
-              <a:rPr lang="fa-IR" sz="3200" dirty="0" smtClean="0">
+              <a:rPr lang="fa-IR" sz="3200" b="1" dirty="0" smtClean="0">
+                <a:solidFill>
+                  <a:srgbClr val="FFFF00"/>
+                </a:solidFill>
                 <a:effectLst>
                   <a:outerShdw blurRad="38100" dist="38100" dir="2700000" algn="tl">
                     <a:srgbClr val="000000">
@@ -6215,7 +6206,75 @@
                 <a:latin typeface="Adobe Arabic" panose="02040503050201020203" pitchFamily="18" charset="-78"/>
                 <a:cs typeface="Adobe Arabic" panose="02040503050201020203" pitchFamily="18" charset="-78"/>
               </a:rPr>
-              <a:t>حرفه ای گری در مورد مسئولیت پذیری است .</a:t>
+              <a:t>مهمترین اصل </a:t>
+            </a:r>
+            <a:r>
+              <a:rPr lang="fa-IR" sz="3200" b="1" dirty="0" smtClean="0">
+                <a:solidFill>
+                  <a:srgbClr val="FFFF00"/>
+                </a:solidFill>
+                <a:effectLst>
+                  <a:outerShdw blurRad="38100" dist="38100" dir="2700000" algn="tl">
+                    <a:srgbClr val="000000">
+                      <a:alpha val="43137"/>
+                    </a:srgbClr>
+                  </a:outerShdw>
+                </a:effectLst>
+                <a:latin typeface="Adobe Arabic" panose="02040503050201020203" pitchFamily="18" charset="-78"/>
+                <a:cs typeface="Adobe Arabic" panose="02040503050201020203" pitchFamily="18" charset="-78"/>
+              </a:rPr>
+              <a:t>حرفه </a:t>
+            </a:r>
+            <a:r>
+              <a:rPr lang="fa-IR" sz="3200" b="1" dirty="0" smtClean="0">
+                <a:solidFill>
+                  <a:srgbClr val="FFFF00"/>
+                </a:solidFill>
+                <a:effectLst>
+                  <a:outerShdw blurRad="38100" dist="38100" dir="2700000" algn="tl">
+                    <a:srgbClr val="000000">
+                      <a:alpha val="43137"/>
+                    </a:srgbClr>
+                  </a:outerShdw>
+                </a:effectLst>
+                <a:latin typeface="Adobe Arabic" panose="02040503050201020203" pitchFamily="18" charset="-78"/>
+                <a:cs typeface="Adobe Arabic" panose="02040503050201020203" pitchFamily="18" charset="-78"/>
+              </a:rPr>
+              <a:t>ای گری </a:t>
+            </a:r>
+            <a:r>
+              <a:rPr lang="fa-IR" sz="3200" b="1" dirty="0" smtClean="0">
+                <a:solidFill>
+                  <a:srgbClr val="FFFF00"/>
+                </a:solidFill>
+                <a:effectLst>
+                  <a:outerShdw blurRad="38100" dist="38100" dir="2700000" algn="tl">
+                    <a:srgbClr val="000000">
+                      <a:alpha val="43137"/>
+                    </a:srgbClr>
+                  </a:outerShdw>
+                </a:effectLst>
+                <a:latin typeface="Adobe Arabic" panose="02040503050201020203" pitchFamily="18" charset="-78"/>
+                <a:cs typeface="Adobe Arabic" panose="02040503050201020203" pitchFamily="18" charset="-78"/>
+              </a:rPr>
+              <a:t>، </a:t>
+            </a:r>
+            <a:r>
+              <a:rPr lang="fa-IR" sz="3200" b="1" dirty="0" smtClean="0">
+                <a:solidFill>
+                  <a:srgbClr val="FFFF00"/>
+                </a:solidFill>
+                <a:effectLst>
+                  <a:outerShdw blurRad="38100" dist="38100" dir="2700000" algn="tl">
+                    <a:srgbClr val="000000">
+                      <a:alpha val="43137"/>
+                    </a:srgbClr>
+                  </a:outerShdw>
+                </a:effectLst>
+                <a:latin typeface="Adobe Arabic" panose="02040503050201020203" pitchFamily="18" charset="-78"/>
+                <a:cs typeface="Adobe Arabic" panose="02040503050201020203" pitchFamily="18" charset="-78"/>
+              </a:rPr>
+              <a:t>مسئولیت پذیری است .</a:t>
             </a:r>
           </a:p>
         </p:txBody>
@@ -6228,8 +6287,8 @@
         </p:nvSpPr>
         <p:spPr>
           <a:xfrm>
-            <a:off x="4140200" y="2235200"/>
-            <a:ext cx="6616700" cy="3970318"/>
+            <a:off x="3911600" y="2235200"/>
+            <a:ext cx="6845300" cy="3970318"/>
           </a:xfrm>
           <a:prstGeom prst="rect">
             <a:avLst/>
@@ -6275,7 +6334,35 @@
                 <a:latin typeface="Adobe Arabic" panose="02040503050201020203" pitchFamily="18" charset="-78"/>
                 <a:cs typeface="Adobe Arabic" panose="02040503050201020203" pitchFamily="18" charset="-78"/>
               </a:rPr>
-              <a:t>وجدان کاری داشته </a:t>
+              <a:t>وجدان کاری </a:t>
+            </a:r>
+            <a:r>
+              <a:rPr lang="fa-IR" sz="2800" dirty="0" smtClean="0">
+                <a:latin typeface="Adobe Arabic" panose="02040503050201020203" pitchFamily="18" charset="-78"/>
+                <a:cs typeface="Adobe Arabic" panose="02040503050201020203" pitchFamily="18" charset="-78"/>
+              </a:rPr>
+              <a:t> </a:t>
+            </a:r>
+            <a:r>
+              <a:rPr lang="fa-IR" sz="2800" b="1" dirty="0" smtClean="0">
+                <a:latin typeface="Adobe Arabic" panose="02040503050201020203" pitchFamily="18" charset="-78"/>
+                <a:cs typeface="Adobe Arabic" panose="02040503050201020203" pitchFamily="18" charset="-78"/>
+              </a:rPr>
+              <a:t>( اخلاق حرفه‌ای )</a:t>
+            </a:r>
+            <a:r>
+              <a:rPr lang="fa-IR" sz="2800" dirty="0" smtClean="0">
+                <a:latin typeface="Adobe Arabic" panose="02040503050201020203" pitchFamily="18" charset="-78"/>
+                <a:cs typeface="Adobe Arabic" panose="02040503050201020203" pitchFamily="18" charset="-78"/>
+              </a:rPr>
+              <a:t> </a:t>
+            </a:r>
+            <a:r>
+              <a:rPr lang="fa-IR" sz="2800" dirty="0" smtClean="0">
+                <a:latin typeface="Adobe Arabic" panose="02040503050201020203" pitchFamily="18" charset="-78"/>
+                <a:cs typeface="Adobe Arabic" panose="02040503050201020203" pitchFamily="18" charset="-78"/>
+              </a:rPr>
+              <a:t>داشته </a:t>
             </a:r>
             <a:r>
               <a:rPr lang="fa-IR" sz="2800" dirty="0" smtClean="0">
@@ -6480,14 +6567,22 @@
             <p:ph type="title"/>
           </p:nvPr>
         </p:nvSpPr>
-        <p:spPr/>
+        <p:spPr>
+          <a:xfrm>
+            <a:off x="9575800" y="2177580"/>
+            <a:ext cx="2123698" cy="655638"/>
+          </a:xfrm>
+        </p:spPr>
         <p:txBody>
           <a:bodyPr/>
           <a:lstStyle/>
           <a:p>
             <a:pPr algn="r" rtl="1"/>
             <a:r>
-              <a:rPr lang="fa-IR" sz="4800" dirty="0" smtClean="0">
+              <a:rPr lang="fa-IR" sz="4400" dirty="0" smtClean="0">
+                <a:solidFill>
+                  <a:schemeClr val="tx1"/>
+                </a:solidFill>
                 <a:effectLst>
                   <a:outerShdw blurRad="38100" dist="38100" dir="2700000" algn="tl">
                     <a:srgbClr val="000000">
@@ -6501,7 +6596,10 @@
               <a:t>ضرر نزنید </a:t>
             </a:r>
             <a:r>
-              <a:rPr lang="en-US" sz="4800" dirty="0" smtClean="0">
+              <a:rPr lang="en-US" sz="4400" dirty="0" smtClean="0">
+                <a:solidFill>
+                  <a:schemeClr val="tx1"/>
+                </a:solidFill>
                 <a:effectLst>
                   <a:outerShdw blurRad="38100" dist="38100" dir="2700000" algn="tl">
                     <a:srgbClr val="000000">
@@ -6514,7 +6612,10 @@
               </a:rPr>
               <a:t>!!!</a:t>
             </a:r>
-            <a:endParaRPr lang="en-US" sz="4800" dirty="0">
+            <a:endParaRPr lang="en-US" sz="4400" dirty="0">
+              <a:solidFill>
+                <a:schemeClr val="tx1"/>
+              </a:solidFill>
               <a:effectLst>
                 <a:outerShdw blurRad="38100" dist="38100" dir="2700000" algn="tl">
                   <a:srgbClr val="000000">
@@ -6559,19 +6660,14 @@
         </p:blipFill>
         <p:spPr>
           <a:xfrm>
-            <a:off x="190500" y="2505399"/>
-            <a:ext cx="4377123" cy="3282842"/>
+            <a:off x="358398" y="4300122"/>
+            <a:ext cx="3111112" cy="1728788"/>
           </a:xfrm>
-          <a:prstGeom prst="ellipse">
+          <a:prstGeom prst="rect">
             <a:avLst/>
           </a:prstGeom>
           <a:ln>
-            <a:solidFill>
-              <a:schemeClr val="accent6">
-                <a:lumMod val="40000"/>
-                <a:lumOff val="60000"/>
-              </a:schemeClr>
-            </a:solidFill>
+            <a:noFill/>
           </a:ln>
           <a:effectLst>
             <a:softEdge rad="112500"/>
@@ -6586,8 +6682,8 @@
         </p:nvSpPr>
         <p:spPr>
           <a:xfrm>
-            <a:off x="2847598" y="2679698"/>
-            <a:ext cx="8534400" cy="3108543"/>
+            <a:off x="4254500" y="2920367"/>
+            <a:ext cx="6949698" cy="3108543"/>
           </a:xfrm>
           <a:prstGeom prst="rect">
             <a:avLst/>
@@ -6595,7 +6691,7 @@
           <a:noFill/>
         </p:spPr>
         <p:txBody>
-          <a:bodyPr wrap="square" rtlCol="0">
+          <a:bodyPr wrap="square" numCol="1" rtlCol="0">
             <a:spAutoFit/>
           </a:bodyPr>
           <a:lstStyle/>
@@ -6894,10 +6990,819 @@
           </a:p>
         </p:txBody>
       </p:sp>
+      <p:sp>
+        <p:nvSpPr>
+          <p:cNvPr id="6" name="Title 1"/>
+          <p:cNvSpPr txBox="1">
+            <a:spLocks/>
+          </p:cNvSpPr>
+          <p:nvPr/>
+        </p:nvSpPr>
+        <p:spPr>
+          <a:xfrm>
+            <a:off x="358398" y="546100"/>
+            <a:ext cx="11341100" cy="685800"/>
+          </a:xfrm>
+          <a:prstGeom prst="rect">
+            <a:avLst/>
+          </a:prstGeom>
+          <a:effectLst>
+            <a:outerShdw blurRad="50800" dir="14400000">
+              <a:srgbClr val="000000">
+                <a:alpha val="60000"/>
+              </a:srgbClr>
+            </a:outerShdw>
+          </a:effectLst>
+        </p:spPr>
+        <p:txBody>
+          <a:bodyPr vert="horz" lIns="91440" tIns="45720" rIns="91440" bIns="45720" rtlCol="0" anchor="b">
+            <a:noAutofit/>
+          </a:bodyPr>
+          <a:lstStyle>
+            <a:lvl1pPr algn="l" defTabSz="457200" rtl="0" eaLnBrk="1" latinLnBrk="0" hangingPunct="1">
+              <a:spcBef>
+                <a:spcPct val="0"/>
+              </a:spcBef>
+              <a:buNone/>
+              <a:defRPr sz="4000" b="1" kern="1200">
+                <a:solidFill>
+                  <a:srgbClr val="FEFEFE"/>
+                </a:solidFill>
+                <a:latin typeface="+mj-lt"/>
+                <a:ea typeface="+mj-ea"/>
+                <a:cs typeface="+mj-cs"/>
+              </a:defRPr>
+            </a:lvl1pPr>
+            <a:lvl2pPr eaLnBrk="1" hangingPunct="1">
+              <a:defRPr>
+                <a:solidFill>
+                  <a:schemeClr val="tx2"/>
+                </a:solidFill>
+              </a:defRPr>
+            </a:lvl2pPr>
+            <a:lvl3pPr eaLnBrk="1" hangingPunct="1">
+              <a:defRPr>
+                <a:solidFill>
+                  <a:schemeClr val="tx2"/>
+                </a:solidFill>
+              </a:defRPr>
+            </a:lvl3pPr>
+            <a:lvl4pPr eaLnBrk="1" hangingPunct="1">
+              <a:defRPr>
+                <a:solidFill>
+                  <a:schemeClr val="tx2"/>
+                </a:solidFill>
+              </a:defRPr>
+            </a:lvl4pPr>
+            <a:lvl5pPr eaLnBrk="1" hangingPunct="1">
+              <a:defRPr>
+                <a:solidFill>
+                  <a:schemeClr val="tx2"/>
+                </a:solidFill>
+              </a:defRPr>
+            </a:lvl5pPr>
+            <a:lvl6pPr eaLnBrk="1" hangingPunct="1">
+              <a:defRPr>
+                <a:solidFill>
+                  <a:schemeClr val="tx2"/>
+                </a:solidFill>
+              </a:defRPr>
+            </a:lvl6pPr>
+            <a:lvl7pPr eaLnBrk="1" hangingPunct="1">
+              <a:defRPr>
+                <a:solidFill>
+                  <a:schemeClr val="tx2"/>
+                </a:solidFill>
+              </a:defRPr>
+            </a:lvl7pPr>
+            <a:lvl8pPr eaLnBrk="1" hangingPunct="1">
+              <a:defRPr>
+                <a:solidFill>
+                  <a:schemeClr val="tx2"/>
+                </a:solidFill>
+              </a:defRPr>
+            </a:lvl8pPr>
+            <a:lvl9pPr eaLnBrk="1" hangingPunct="1">
+              <a:defRPr>
+                <a:solidFill>
+                  <a:schemeClr val="tx2"/>
+                </a:solidFill>
+              </a:defRPr>
+            </a:lvl9pPr>
+          </a:lstStyle>
+          <a:p>
+            <a:pPr algn="r" rtl="1"/>
+            <a:r>
+              <a:rPr lang="fa-IR" sz="4400" dirty="0" smtClean="0">
+                <a:effectLst>
+                  <a:outerShdw blurRad="38100" dist="38100" dir="2700000" algn="tl">
+                    <a:srgbClr val="000000">
+                      <a:alpha val="43137"/>
+                    </a:srgbClr>
+                  </a:outerShdw>
+                </a:effectLst>
+                <a:latin typeface="Adobe Arabic" panose="02040503050201020203" pitchFamily="18" charset="-78"/>
+                <a:cs typeface="Adobe Arabic" panose="02040503050201020203" pitchFamily="18" charset="-78"/>
+              </a:rPr>
+              <a:t>فصل اول : حرفه ای گری </a:t>
+            </a:r>
+            <a:endParaRPr lang="en-US" sz="4400" dirty="0">
+              <a:effectLst>
+                <a:outerShdw blurRad="38100" dist="38100" dir="2700000" algn="tl">
+                  <a:srgbClr val="000000">
+                    <a:alpha val="43137"/>
+                  </a:srgbClr>
+                </a:outerShdw>
+              </a:effectLst>
+              <a:latin typeface="Adobe Arabic" panose="02040503050201020203" pitchFamily="18" charset="-78"/>
+              <a:cs typeface="Adobe Arabic" panose="02040503050201020203" pitchFamily="18" charset="-78"/>
+            </a:endParaRPr>
+          </a:p>
+        </p:txBody>
+      </p:sp>
     </p:spTree>
     <p:extLst>
       <p:ext uri="{BB962C8B-B14F-4D97-AF65-F5344CB8AC3E}">
         <p14:creationId xmlns:p14="http://schemas.microsoft.com/office/powerpoint/2010/main" val="703082084"/>
+      </p:ext>
+    </p:extLst>
+  </p:cSld>
+  <p:clrMapOvr>
+    <a:masterClrMapping/>
+  </p:clrMapOvr>
+</p:sld>
+</file>
+
+<file path=ppt/slides/slide5.xml><?xml version="1.0" encoding="utf-8"?>
+<p:sld xmlns:a="http://schemas.openxmlformats.org/drawingml/2006/main" xmlns:r="http://schemas.openxmlformats.org/officeDocument/2006/relationships" xmlns:p="http://schemas.openxmlformats.org/presentationml/2006/main">
+  <p:cSld>
+    <p:spTree>
+      <p:nvGrpSpPr>
+        <p:cNvPr id="1" name=""/>
+        <p:cNvGrpSpPr/>
+        <p:nvPr/>
+      </p:nvGrpSpPr>
+      <p:grpSpPr>
+        <a:xfrm>
+          <a:off x="0" y="0"/>
+          <a:ext cx="0" cy="0"/>
+          <a:chOff x="0" y="0"/>
+          <a:chExt cx="0" cy="0"/>
+        </a:xfrm>
+      </p:grpSpPr>
+      <p:sp>
+        <p:nvSpPr>
+          <p:cNvPr id="2" name="Title 1"/>
+          <p:cNvSpPr>
+            <a:spLocks noGrp="1"/>
+          </p:cNvSpPr>
+          <p:nvPr>
+            <p:ph type="title"/>
+          </p:nvPr>
+        </p:nvSpPr>
+        <p:spPr>
+          <a:xfrm>
+            <a:off x="3492500" y="2034688"/>
+            <a:ext cx="7818249" cy="970450"/>
+          </a:xfrm>
+        </p:spPr>
+        <p:txBody>
+          <a:bodyPr/>
+          <a:lstStyle/>
+          <a:p>
+            <a:pPr algn="r" rtl="1"/>
+            <a:r>
+              <a:rPr lang="fa-IR" sz="4400" dirty="0">
+                <a:effectLst>
+                  <a:outerShdw blurRad="38100" dist="38100" dir="2700000" algn="tl">
+                    <a:srgbClr val="000000">
+                      <a:alpha val="43137"/>
+                    </a:srgbClr>
+                  </a:outerShdw>
+                </a:effectLst>
+                <a:latin typeface="Adobe Arabic" panose="02040503050201020203" pitchFamily="18" charset="-78"/>
+                <a:cs typeface="Adobe Arabic" panose="02040503050201020203" pitchFamily="18" charset="-78"/>
+              </a:rPr>
+              <a:t>وجدان کاری  ( اخلاق حرفه‌ای ) داشته باشید. </a:t>
+            </a:r>
+            <a:endParaRPr lang="fa-IR" sz="4400" dirty="0">
+              <a:effectLst>
+                <a:outerShdw blurRad="38100" dist="38100" dir="2700000" algn="tl">
+                  <a:srgbClr val="000000">
+                    <a:alpha val="43137"/>
+                  </a:srgbClr>
+                </a:outerShdw>
+              </a:effectLst>
+              <a:latin typeface="Adobe Arabic" panose="02040503050201020203" pitchFamily="18" charset="-78"/>
+              <a:cs typeface="Adobe Arabic" panose="02040503050201020203" pitchFamily="18" charset="-78"/>
+            </a:endParaRPr>
+          </a:p>
+        </p:txBody>
+      </p:sp>
+      <p:sp>
+        <p:nvSpPr>
+          <p:cNvPr id="4" name="TextBox 3"/>
+          <p:cNvSpPr txBox="1"/>
+          <p:nvPr/>
+        </p:nvSpPr>
+        <p:spPr>
+          <a:xfrm>
+            <a:off x="919351" y="3365498"/>
+            <a:ext cx="10391398" cy="2677656"/>
+          </a:xfrm>
+          <a:prstGeom prst="rect">
+            <a:avLst/>
+          </a:prstGeom>
+          <a:noFill/>
+        </p:spPr>
+        <p:txBody>
+          <a:bodyPr wrap="square" numCol="1" rtlCol="0">
+            <a:spAutoFit/>
+          </a:bodyPr>
+          <a:lstStyle/>
+          <a:p>
+            <a:pPr marL="457200" indent="-457200" algn="r" rtl="1">
+              <a:buFont typeface="Wingdings" panose="05000000000000000000" pitchFamily="2" charset="2"/>
+              <a:buChar char="ü"/>
+            </a:pPr>
+            <a:r>
+              <a:rPr lang="fa-IR" sz="2800" dirty="0" smtClean="0">
+                <a:effectLst>
+                  <a:outerShdw blurRad="38100" dist="38100" dir="2700000" algn="tl">
+                    <a:srgbClr val="000000">
+                      <a:alpha val="43137"/>
+                    </a:srgbClr>
+                  </a:outerShdw>
+                </a:effectLst>
+                <a:latin typeface="Adobe Arabic" panose="02040503050201020203" pitchFamily="18" charset="-78"/>
+                <a:cs typeface="Adobe Arabic" panose="02040503050201020203" pitchFamily="18" charset="-78"/>
+              </a:rPr>
+              <a:t>حرفه ی</a:t>
+            </a:r>
+            <a:r>
+              <a:rPr lang="fa-IR" sz="2800" dirty="0" smtClean="0">
+                <a:effectLst>
+                  <a:outerShdw blurRad="38100" dist="38100" dir="2700000" algn="tl">
+                    <a:srgbClr val="000000">
+                      <a:alpha val="43137"/>
+                    </a:srgbClr>
+                  </a:outerShdw>
+                </a:effectLst>
+                <a:latin typeface="Adobe Arabic" panose="02040503050201020203" pitchFamily="18" charset="-78"/>
+                <a:cs typeface="Adobe Arabic" panose="02040503050201020203" pitchFamily="18" charset="-78"/>
+              </a:rPr>
+              <a:t> شما ، مسئولیت شماست .</a:t>
+            </a:r>
+          </a:p>
+          <a:p>
+            <a:pPr marL="457200" indent="-457200" algn="r" rtl="1">
+              <a:buFont typeface="Wingdings" panose="05000000000000000000" pitchFamily="2" charset="2"/>
+              <a:buChar char="ü"/>
+            </a:pPr>
+            <a:r>
+              <a:rPr lang="fa-IR" sz="2800" dirty="0" smtClean="0">
+                <a:effectLst>
+                  <a:outerShdw blurRad="38100" dist="38100" dir="2700000" algn="tl">
+                    <a:srgbClr val="000000">
+                      <a:alpha val="43137"/>
+                    </a:srgbClr>
+                  </a:outerShdw>
+                </a:effectLst>
+                <a:latin typeface="Adobe Arabic" panose="02040503050201020203" pitchFamily="18" charset="-78"/>
+                <a:cs typeface="Adobe Arabic" panose="02040503050201020203" pitchFamily="18" charset="-78"/>
+              </a:rPr>
+              <a:t>استخدام کننده ی شما وظیفه ای برای افزایش سطح مهارت و دانش  شما ندارد .</a:t>
+            </a:r>
+            <a:endParaRPr lang="fa-IR" sz="2800" dirty="0">
+              <a:effectLst>
+                <a:outerShdw blurRad="38100" dist="38100" dir="2700000" algn="tl">
+                  <a:srgbClr val="000000">
+                    <a:alpha val="43137"/>
+                  </a:srgbClr>
+                </a:outerShdw>
+              </a:effectLst>
+              <a:latin typeface="Adobe Arabic" panose="02040503050201020203" pitchFamily="18" charset="-78"/>
+              <a:cs typeface="Adobe Arabic" panose="02040503050201020203" pitchFamily="18" charset="-78"/>
+            </a:endParaRPr>
+          </a:p>
+          <a:p>
+            <a:pPr marL="457200" indent="-457200" algn="r" rtl="1">
+              <a:buFont typeface="Wingdings" panose="05000000000000000000" pitchFamily="2" charset="2"/>
+              <a:buChar char="ü"/>
+            </a:pPr>
+            <a:r>
+              <a:rPr lang="fa-IR" sz="2800" dirty="0">
+                <a:effectLst>
+                  <a:outerShdw blurRad="38100" dist="38100" dir="2700000" algn="tl">
+                    <a:srgbClr val="000000">
+                      <a:alpha val="43137"/>
+                    </a:srgbClr>
+                  </a:outerShdw>
+                </a:effectLst>
+                <a:latin typeface="Adobe Arabic" panose="02040503050201020203" pitchFamily="18" charset="-78"/>
+                <a:cs typeface="Adobe Arabic" panose="02040503050201020203" pitchFamily="18" charset="-78"/>
+              </a:rPr>
+              <a:t> </a:t>
+            </a:r>
+            <a:r>
+              <a:rPr lang="fa-IR" sz="2800" dirty="0" smtClean="0">
+                <a:effectLst>
+                  <a:outerShdw blurRad="38100" dist="38100" dir="2700000" algn="tl">
+                    <a:srgbClr val="000000">
+                      <a:alpha val="43137"/>
+                    </a:srgbClr>
+                  </a:outerShdw>
+                </a:effectLst>
+                <a:latin typeface="Adobe Arabic" panose="02040503050201020203" pitchFamily="18" charset="-78"/>
+                <a:cs typeface="Adobe Arabic" panose="02040503050201020203" pitchFamily="18" charset="-78"/>
+              </a:rPr>
+              <a:t>وقت خود را تقسیم کنید : </a:t>
+            </a:r>
+          </a:p>
+          <a:p>
+            <a:pPr marL="1371600" lvl="2" indent="-457200" algn="r" rtl="1">
+              <a:buFont typeface="Wingdings" panose="05000000000000000000" pitchFamily="2" charset="2"/>
+              <a:buChar char="ü"/>
+            </a:pPr>
+            <a:r>
+              <a:rPr lang="fa-IR" sz="2800" dirty="0" smtClean="0">
+                <a:effectLst>
+                  <a:outerShdw blurRad="38100" dist="38100" dir="2700000" algn="tl">
+                    <a:srgbClr val="000000">
+                      <a:alpha val="43137"/>
+                    </a:srgbClr>
+                  </a:outerShdw>
+                </a:effectLst>
+                <a:latin typeface="Adobe Arabic" panose="02040503050201020203" pitchFamily="18" charset="-78"/>
+                <a:cs typeface="Adobe Arabic" panose="02040503050201020203" pitchFamily="18" charset="-78"/>
+              </a:rPr>
+              <a:t>40 ساعت کار</a:t>
+            </a:r>
+          </a:p>
+          <a:p>
+            <a:pPr marL="1371600" lvl="2" indent="-457200" algn="r" rtl="1">
+              <a:buFont typeface="Wingdings" panose="05000000000000000000" pitchFamily="2" charset="2"/>
+              <a:buChar char="ü"/>
+            </a:pPr>
+            <a:r>
+              <a:rPr lang="fa-IR" sz="2800" dirty="0" smtClean="0">
+                <a:effectLst>
+                  <a:outerShdw blurRad="38100" dist="38100" dir="2700000" algn="tl">
+                    <a:srgbClr val="000000">
+                      <a:alpha val="43137"/>
+                    </a:srgbClr>
+                  </a:outerShdw>
+                </a:effectLst>
+                <a:latin typeface="Adobe Arabic" panose="02040503050201020203" pitchFamily="18" charset="-78"/>
+                <a:cs typeface="Adobe Arabic" panose="02040503050201020203" pitchFamily="18" charset="-78"/>
+              </a:rPr>
+              <a:t>20 ساعت برای خودتان </a:t>
+            </a:r>
+          </a:p>
+          <a:p>
+            <a:pPr marL="914400" lvl="1" indent="-457200" algn="r" rtl="1">
+              <a:buFont typeface="Arial" panose="020B0604020202020204" pitchFamily="34" charset="0"/>
+              <a:buChar char="•"/>
+            </a:pPr>
+            <a:endParaRPr lang="en-US" sz="2800" dirty="0">
+              <a:effectLst>
+                <a:outerShdw blurRad="38100" dist="38100" dir="2700000" algn="tl">
+                  <a:srgbClr val="000000">
+                    <a:alpha val="43137"/>
+                  </a:srgbClr>
+                </a:outerShdw>
+              </a:effectLst>
+              <a:latin typeface="Adobe Arabic" panose="02040503050201020203" pitchFamily="18" charset="-78"/>
+              <a:cs typeface="Adobe Arabic" panose="02040503050201020203" pitchFamily="18" charset="-78"/>
+            </a:endParaRPr>
+          </a:p>
+        </p:txBody>
+      </p:sp>
+      <p:sp>
+        <p:nvSpPr>
+          <p:cNvPr id="6" name="Title 1"/>
+          <p:cNvSpPr txBox="1">
+            <a:spLocks/>
+          </p:cNvSpPr>
+          <p:nvPr/>
+        </p:nvSpPr>
+        <p:spPr>
+          <a:xfrm>
+            <a:off x="444500" y="596900"/>
+            <a:ext cx="11341100" cy="685800"/>
+          </a:xfrm>
+          <a:prstGeom prst="rect">
+            <a:avLst/>
+          </a:prstGeom>
+          <a:effectLst>
+            <a:outerShdw blurRad="50800" dir="14400000">
+              <a:srgbClr val="000000">
+                <a:alpha val="60000"/>
+              </a:srgbClr>
+            </a:outerShdw>
+          </a:effectLst>
+        </p:spPr>
+        <p:txBody>
+          <a:bodyPr vert="horz" lIns="91440" tIns="45720" rIns="91440" bIns="45720" rtlCol="0" anchor="b">
+            <a:noAutofit/>
+          </a:bodyPr>
+          <a:lstStyle>
+            <a:lvl1pPr algn="l" defTabSz="457200" rtl="0" eaLnBrk="1" latinLnBrk="0" hangingPunct="1">
+              <a:spcBef>
+                <a:spcPct val="0"/>
+              </a:spcBef>
+              <a:buNone/>
+              <a:defRPr sz="4000" b="1" kern="1200">
+                <a:solidFill>
+                  <a:srgbClr val="FEFEFE"/>
+                </a:solidFill>
+                <a:latin typeface="+mj-lt"/>
+                <a:ea typeface="+mj-ea"/>
+                <a:cs typeface="+mj-cs"/>
+              </a:defRPr>
+            </a:lvl1pPr>
+            <a:lvl2pPr eaLnBrk="1" hangingPunct="1">
+              <a:defRPr>
+                <a:solidFill>
+                  <a:schemeClr val="tx2"/>
+                </a:solidFill>
+              </a:defRPr>
+            </a:lvl2pPr>
+            <a:lvl3pPr eaLnBrk="1" hangingPunct="1">
+              <a:defRPr>
+                <a:solidFill>
+                  <a:schemeClr val="tx2"/>
+                </a:solidFill>
+              </a:defRPr>
+            </a:lvl3pPr>
+            <a:lvl4pPr eaLnBrk="1" hangingPunct="1">
+              <a:defRPr>
+                <a:solidFill>
+                  <a:schemeClr val="tx2"/>
+                </a:solidFill>
+              </a:defRPr>
+            </a:lvl4pPr>
+            <a:lvl5pPr eaLnBrk="1" hangingPunct="1">
+              <a:defRPr>
+                <a:solidFill>
+                  <a:schemeClr val="tx2"/>
+                </a:solidFill>
+              </a:defRPr>
+            </a:lvl5pPr>
+            <a:lvl6pPr eaLnBrk="1" hangingPunct="1">
+              <a:defRPr>
+                <a:solidFill>
+                  <a:schemeClr val="tx2"/>
+                </a:solidFill>
+              </a:defRPr>
+            </a:lvl6pPr>
+            <a:lvl7pPr eaLnBrk="1" hangingPunct="1">
+              <a:defRPr>
+                <a:solidFill>
+                  <a:schemeClr val="tx2"/>
+                </a:solidFill>
+              </a:defRPr>
+            </a:lvl7pPr>
+            <a:lvl8pPr eaLnBrk="1" hangingPunct="1">
+              <a:defRPr>
+                <a:solidFill>
+                  <a:schemeClr val="tx2"/>
+                </a:solidFill>
+              </a:defRPr>
+            </a:lvl8pPr>
+            <a:lvl9pPr eaLnBrk="1" hangingPunct="1">
+              <a:defRPr>
+                <a:solidFill>
+                  <a:schemeClr val="tx2"/>
+                </a:solidFill>
+              </a:defRPr>
+            </a:lvl9pPr>
+          </a:lstStyle>
+          <a:p>
+            <a:pPr algn="r" rtl="1"/>
+            <a:r>
+              <a:rPr lang="fa-IR" sz="4400" dirty="0" smtClean="0">
+                <a:effectLst>
+                  <a:outerShdw blurRad="38100" dist="38100" dir="2700000" algn="tl">
+                    <a:srgbClr val="000000">
+                      <a:alpha val="43137"/>
+                    </a:srgbClr>
+                  </a:outerShdw>
+                </a:effectLst>
+                <a:latin typeface="Adobe Arabic" panose="02040503050201020203" pitchFamily="18" charset="-78"/>
+                <a:cs typeface="Adobe Arabic" panose="02040503050201020203" pitchFamily="18" charset="-78"/>
+              </a:rPr>
+              <a:t>فصل اول : حرفه ای گری </a:t>
+            </a:r>
+            <a:endParaRPr lang="en-US" sz="4400" dirty="0">
+              <a:effectLst>
+                <a:outerShdw blurRad="38100" dist="38100" dir="2700000" algn="tl">
+                  <a:srgbClr val="000000">
+                    <a:alpha val="43137"/>
+                  </a:srgbClr>
+                </a:outerShdw>
+              </a:effectLst>
+              <a:latin typeface="Adobe Arabic" panose="02040503050201020203" pitchFamily="18" charset="-78"/>
+              <a:cs typeface="Adobe Arabic" panose="02040503050201020203" pitchFamily="18" charset="-78"/>
+            </a:endParaRPr>
+          </a:p>
+        </p:txBody>
+      </p:sp>
+      <p:pic>
+        <p:nvPicPr>
+          <p:cNvPr id="3" name="Picture 2"/>
+          <p:cNvPicPr>
+            <a:picLocks noChangeAspect="1"/>
+          </p:cNvPicPr>
+          <p:nvPr/>
+        </p:nvPicPr>
+        <p:blipFill>
+          <a:blip r:embed="rId2">
+            <a:extLst>
+              <a:ext uri="{28A0092B-C50C-407E-A947-70E740481C1C}">
+                <a14:useLocalDpi xmlns:a14="http://schemas.microsoft.com/office/drawing/2010/main" val="0"/>
+              </a:ext>
+            </a:extLst>
+          </a:blip>
+          <a:stretch>
+            <a:fillRect/>
+          </a:stretch>
+        </p:blipFill>
+        <p:spPr>
+          <a:xfrm>
+            <a:off x="330200" y="111614"/>
+            <a:ext cx="2952850" cy="1656371"/>
+          </a:xfrm>
+          <a:prstGeom prst="rect">
+            <a:avLst/>
+          </a:prstGeom>
+          <a:ln>
+            <a:noFill/>
+          </a:ln>
+          <a:effectLst>
+            <a:softEdge rad="112500"/>
+          </a:effectLst>
+        </p:spPr>
+      </p:pic>
+    </p:spTree>
+    <p:extLst>
+      <p:ext uri="{BB962C8B-B14F-4D97-AF65-F5344CB8AC3E}">
+        <p14:creationId xmlns:p14="http://schemas.microsoft.com/office/powerpoint/2010/main" val="902296240"/>
+      </p:ext>
+    </p:extLst>
+  </p:cSld>
+  <p:clrMapOvr>
+    <a:masterClrMapping/>
+  </p:clrMapOvr>
+</p:sld>
+</file>
+
+<file path=ppt/slides/slide6.xml><?xml version="1.0" encoding="utf-8"?>
+<p:sld xmlns:a="http://schemas.openxmlformats.org/drawingml/2006/main" xmlns:r="http://schemas.openxmlformats.org/officeDocument/2006/relationships" xmlns:p="http://schemas.openxmlformats.org/presentationml/2006/main">
+  <p:cSld>
+    <p:spTree>
+      <p:nvGrpSpPr>
+        <p:cNvPr id="1" name=""/>
+        <p:cNvGrpSpPr/>
+        <p:nvPr/>
+      </p:nvGrpSpPr>
+      <p:grpSpPr>
+        <a:xfrm>
+          <a:off x="0" y="0"/>
+          <a:ext cx="0" cy="0"/>
+          <a:chOff x="0" y="0"/>
+          <a:chExt cx="0" cy="0"/>
+        </a:xfrm>
+      </p:grpSpPr>
+      <p:sp>
+        <p:nvSpPr>
+          <p:cNvPr id="2" name="Title 1"/>
+          <p:cNvSpPr>
+            <a:spLocks noGrp="1"/>
+          </p:cNvSpPr>
+          <p:nvPr>
+            <p:ph type="title"/>
+          </p:nvPr>
+        </p:nvSpPr>
+        <p:spPr>
+          <a:xfrm>
+            <a:off x="1213602" y="1767985"/>
+            <a:ext cx="10571998" cy="970450"/>
+          </a:xfrm>
+        </p:spPr>
+        <p:txBody>
+          <a:bodyPr/>
+          <a:lstStyle/>
+          <a:p>
+            <a:pPr algn="r" rtl="1"/>
+            <a:r>
+              <a:rPr lang="fa-IR" sz="4400" dirty="0">
+                <a:latin typeface="Adobe Arabic" panose="02040503050201020203" pitchFamily="18" charset="-78"/>
+                <a:cs typeface="Adobe Arabic" panose="02040503050201020203" pitchFamily="18" charset="-78"/>
+              </a:rPr>
+              <a:t>در زمینه ی فنی ، اطلاعات کافی داشته باشید. </a:t>
+            </a:r>
+            <a:endParaRPr lang="fa-IR" sz="4400" dirty="0">
+              <a:latin typeface="Adobe Arabic" panose="02040503050201020203" pitchFamily="18" charset="-78"/>
+              <a:cs typeface="Adobe Arabic" panose="02040503050201020203" pitchFamily="18" charset="-78"/>
+            </a:endParaRPr>
+          </a:p>
+        </p:txBody>
+      </p:sp>
+      <p:sp>
+        <p:nvSpPr>
+          <p:cNvPr id="4" name="TextBox 3"/>
+          <p:cNvSpPr txBox="1"/>
+          <p:nvPr/>
+        </p:nvSpPr>
+        <p:spPr>
+          <a:xfrm>
+            <a:off x="919350" y="2738435"/>
+            <a:ext cx="10612249" cy="1815882"/>
+          </a:xfrm>
+          <a:prstGeom prst="rect">
+            <a:avLst/>
+          </a:prstGeom>
+          <a:noFill/>
+        </p:spPr>
+        <p:txBody>
+          <a:bodyPr wrap="square" numCol="1" rtlCol="0" anchor="t">
+            <a:spAutoFit/>
+          </a:bodyPr>
+          <a:lstStyle/>
+          <a:p>
+            <a:pPr lvl="1" algn="r" rtl="1"/>
+            <a:r>
+              <a:rPr lang="fa-IR" sz="2800" b="1" dirty="0" smtClean="0">
+                <a:latin typeface="Adobe Arabic" panose="02040503050201020203" pitchFamily="18" charset="-78"/>
+                <a:cs typeface="Adobe Arabic" panose="02040503050201020203" pitchFamily="18" charset="-78"/>
+              </a:rPr>
+              <a:t>باید در زمینه های زیر دانش فنی داشته باشید :</a:t>
+            </a:r>
+          </a:p>
+          <a:p>
+            <a:pPr marL="914400" lvl="1" indent="-457200" algn="r" rtl="1">
+              <a:buFont typeface="Wingdings" panose="05000000000000000000" pitchFamily="2" charset="2"/>
+              <a:buChar char="ü"/>
+            </a:pPr>
+            <a:endParaRPr lang="fa-IR" sz="2800" b="1" dirty="0" smtClean="0">
+              <a:latin typeface="Adobe Arabic" panose="02040503050201020203" pitchFamily="18" charset="-78"/>
+              <a:cs typeface="Adobe Arabic" panose="02040503050201020203" pitchFamily="18" charset="-78"/>
+            </a:endParaRPr>
+          </a:p>
+          <a:p>
+            <a:pPr marL="914400" lvl="1" indent="-457200" algn="r" rtl="1">
+              <a:buFont typeface="Wingdings" panose="05000000000000000000" pitchFamily="2" charset="2"/>
+              <a:buChar char="ü"/>
+            </a:pPr>
+            <a:endParaRPr lang="fa-IR" sz="2800" dirty="0" smtClean="0">
+              <a:latin typeface="Adobe Arabic" panose="02040503050201020203" pitchFamily="18" charset="-78"/>
+              <a:cs typeface="Adobe Arabic" panose="02040503050201020203" pitchFamily="18" charset="-78"/>
+            </a:endParaRPr>
+          </a:p>
+          <a:p>
+            <a:pPr lvl="1" algn="r" rtl="1"/>
+            <a:endParaRPr lang="en-US" sz="2800" dirty="0">
+              <a:latin typeface="Adobe Arabic" panose="02040503050201020203" pitchFamily="18" charset="-78"/>
+              <a:cs typeface="Adobe Arabic" panose="02040503050201020203" pitchFamily="18" charset="-78"/>
+            </a:endParaRPr>
+          </a:p>
+        </p:txBody>
+      </p:sp>
+      <p:sp>
+        <p:nvSpPr>
+          <p:cNvPr id="6" name="Title 1"/>
+          <p:cNvSpPr txBox="1">
+            <a:spLocks/>
+          </p:cNvSpPr>
+          <p:nvPr/>
+        </p:nvSpPr>
+        <p:spPr>
+          <a:xfrm>
+            <a:off x="444500" y="596900"/>
+            <a:ext cx="11341100" cy="685800"/>
+          </a:xfrm>
+          <a:prstGeom prst="rect">
+            <a:avLst/>
+          </a:prstGeom>
+          <a:effectLst>
+            <a:outerShdw blurRad="50800" dir="14400000">
+              <a:srgbClr val="000000">
+                <a:alpha val="60000"/>
+              </a:srgbClr>
+            </a:outerShdw>
+          </a:effectLst>
+        </p:spPr>
+        <p:txBody>
+          <a:bodyPr vert="horz" lIns="91440" tIns="45720" rIns="91440" bIns="45720" rtlCol="0" anchor="b">
+            <a:noAutofit/>
+          </a:bodyPr>
+          <a:lstStyle>
+            <a:lvl1pPr algn="l" defTabSz="457200" rtl="0" eaLnBrk="1" latinLnBrk="0" hangingPunct="1">
+              <a:spcBef>
+                <a:spcPct val="0"/>
+              </a:spcBef>
+              <a:buNone/>
+              <a:defRPr sz="4000" b="1" kern="1200">
+                <a:solidFill>
+                  <a:srgbClr val="FEFEFE"/>
+                </a:solidFill>
+                <a:latin typeface="+mj-lt"/>
+                <a:ea typeface="+mj-ea"/>
+                <a:cs typeface="+mj-cs"/>
+              </a:defRPr>
+            </a:lvl1pPr>
+            <a:lvl2pPr eaLnBrk="1" hangingPunct="1">
+              <a:defRPr>
+                <a:solidFill>
+                  <a:schemeClr val="tx2"/>
+                </a:solidFill>
+              </a:defRPr>
+            </a:lvl2pPr>
+            <a:lvl3pPr eaLnBrk="1" hangingPunct="1">
+              <a:defRPr>
+                <a:solidFill>
+                  <a:schemeClr val="tx2"/>
+                </a:solidFill>
+              </a:defRPr>
+            </a:lvl3pPr>
+            <a:lvl4pPr eaLnBrk="1" hangingPunct="1">
+              <a:defRPr>
+                <a:solidFill>
+                  <a:schemeClr val="tx2"/>
+                </a:solidFill>
+              </a:defRPr>
+            </a:lvl4pPr>
+            <a:lvl5pPr eaLnBrk="1" hangingPunct="1">
+              <a:defRPr>
+                <a:solidFill>
+                  <a:schemeClr val="tx2"/>
+                </a:solidFill>
+              </a:defRPr>
+            </a:lvl5pPr>
+            <a:lvl6pPr eaLnBrk="1" hangingPunct="1">
+              <a:defRPr>
+                <a:solidFill>
+                  <a:schemeClr val="tx2"/>
+                </a:solidFill>
+              </a:defRPr>
+            </a:lvl6pPr>
+            <a:lvl7pPr eaLnBrk="1" hangingPunct="1">
+              <a:defRPr>
+                <a:solidFill>
+                  <a:schemeClr val="tx2"/>
+                </a:solidFill>
+              </a:defRPr>
+            </a:lvl7pPr>
+            <a:lvl8pPr eaLnBrk="1" hangingPunct="1">
+              <a:defRPr>
+                <a:solidFill>
+                  <a:schemeClr val="tx2"/>
+                </a:solidFill>
+              </a:defRPr>
+            </a:lvl8pPr>
+            <a:lvl9pPr eaLnBrk="1" hangingPunct="1">
+              <a:defRPr>
+                <a:solidFill>
+                  <a:schemeClr val="tx2"/>
+                </a:solidFill>
+              </a:defRPr>
+            </a:lvl9pPr>
+          </a:lstStyle>
+          <a:p>
+            <a:pPr algn="r" rtl="1"/>
+            <a:r>
+              <a:rPr lang="fa-IR" sz="4400" dirty="0" smtClean="0">
+                <a:effectLst>
+                  <a:outerShdw blurRad="38100" dist="38100" dir="2700000" algn="tl">
+                    <a:srgbClr val="000000">
+                      <a:alpha val="43137"/>
+                    </a:srgbClr>
+                  </a:outerShdw>
+                </a:effectLst>
+                <a:latin typeface="Adobe Arabic" panose="02040503050201020203" pitchFamily="18" charset="-78"/>
+                <a:cs typeface="Adobe Arabic" panose="02040503050201020203" pitchFamily="18" charset="-78"/>
+              </a:rPr>
+              <a:t>فصل اول : حرفه ای گری </a:t>
+            </a:r>
+            <a:endParaRPr lang="en-US" sz="4400" dirty="0">
+              <a:effectLst>
+                <a:outerShdw blurRad="38100" dist="38100" dir="2700000" algn="tl">
+                  <a:srgbClr val="000000">
+                    <a:alpha val="43137"/>
+                  </a:srgbClr>
+                </a:outerShdw>
+              </a:effectLst>
+              <a:latin typeface="Adobe Arabic" panose="02040503050201020203" pitchFamily="18" charset="-78"/>
+              <a:cs typeface="Adobe Arabic" panose="02040503050201020203" pitchFamily="18" charset="-78"/>
+            </a:endParaRPr>
+          </a:p>
+        </p:txBody>
+      </p:sp>
+    </p:spTree>
+    <p:extLst>
+      <p:ext uri="{BB962C8B-B14F-4D97-AF65-F5344CB8AC3E}">
+        <p14:creationId xmlns:p14="http://schemas.microsoft.com/office/powerpoint/2010/main" val="37955342"/>
       </p:ext>
     </p:extLst>
   </p:cSld>

--- a/The Clean Coder.pptx
+++ b/The Clean Coder.pptx
@@ -11,6 +11,25 @@
     <p:sldId id="259" r:id="rId5"/>
     <p:sldId id="260" r:id="rId6"/>
     <p:sldId id="261" r:id="rId7"/>
+    <p:sldId id="262" r:id="rId8"/>
+    <p:sldId id="263" r:id="rId9"/>
+    <p:sldId id="264" r:id="rId10"/>
+    <p:sldId id="265" r:id="rId11"/>
+    <p:sldId id="267" r:id="rId12"/>
+    <p:sldId id="268" r:id="rId13"/>
+    <p:sldId id="269" r:id="rId14"/>
+    <p:sldId id="270" r:id="rId15"/>
+    <p:sldId id="271" r:id="rId16"/>
+    <p:sldId id="272" r:id="rId17"/>
+    <p:sldId id="273" r:id="rId18"/>
+    <p:sldId id="274" r:id="rId19"/>
+    <p:sldId id="275" r:id="rId20"/>
+    <p:sldId id="276" r:id="rId21"/>
+    <p:sldId id="277" r:id="rId22"/>
+    <p:sldId id="278" r:id="rId23"/>
+    <p:sldId id="279" r:id="rId24"/>
+    <p:sldId id="280" r:id="rId25"/>
+    <p:sldId id="281" r:id="rId26"/>
   </p:sldIdLst>
   <p:sldSz cx="12192000" cy="6858000"/>
   <p:notesSz cx="6858000" cy="9144000"/>
@@ -212,7 +231,7 @@
           <a:effectLst/>
           <a:extLst>
             <a:ext uri="{91240B29-F687-4f45-9708-019B960494DF}">
-              <a14:hiddenLine xmlns:a14="http://schemas.microsoft.com/office/drawing/2010/main" xmlns="" w="9525">
+              <a14:hiddenLine xmlns="" xmlns:a14="http://schemas.microsoft.com/office/drawing/2010/main" w="9525">
                 <a:solidFill>
                   <a:srgbClr val="000000"/>
                 </a:solidFill>
@@ -405,7 +424,7 @@
             <a:fld id="{B61BEF0D-F0BB-DE4B-95CE-6DB70DBA9567}" type="datetimeFigureOut">
               <a:rPr lang="en-US" smtClean="0"/>
               <a:pPr/>
-              <a:t>7/9/2019</a:t>
+              <a:t>7/10/2019</a:t>
             </a:fld>
             <a:endParaRPr lang="en-US" dirty="0"/>
           </a:p>
@@ -725,7 +744,7 @@
             <a:fld id="{B61BEF0D-F0BB-DE4B-95CE-6DB70DBA9567}" type="datetimeFigureOut">
               <a:rPr lang="en-US" smtClean="0"/>
               <a:pPr/>
-              <a:t>7/9/2019</a:t>
+              <a:t>7/10/2019</a:t>
             </a:fld>
             <a:endParaRPr lang="en-US" dirty="0"/>
           </a:p>
@@ -1215,7 +1234,7 @@
             <a:fld id="{B61BEF0D-F0BB-DE4B-95CE-6DB70DBA9567}" type="datetimeFigureOut">
               <a:rPr lang="en-US" smtClean="0"/>
               <a:pPr/>
-              <a:t>7/9/2019</a:t>
+              <a:t>7/10/2019</a:t>
             </a:fld>
             <a:endParaRPr lang="en-US" dirty="0"/>
           </a:p>
@@ -1586,7 +1605,7 @@
             <a:fld id="{B61BEF0D-F0BB-DE4B-95CE-6DB70DBA9567}" type="datetimeFigureOut">
               <a:rPr lang="en-US" smtClean="0"/>
               <a:pPr/>
-              <a:t>7/9/2019</a:t>
+              <a:t>7/10/2019</a:t>
             </a:fld>
             <a:endParaRPr lang="en-US" dirty="0"/>
           </a:p>
@@ -1742,7 +1761,7 @@
           <a:ln/>
           <a:extLst>
             <a:ext uri="{91240B29-F687-4f45-9708-019B960494DF}">
-              <a14:hiddenLine xmlns:a14="http://schemas.microsoft.com/office/drawing/2010/main" xmlns="" w="9525">
+              <a14:hiddenLine xmlns="" xmlns:a14="http://schemas.microsoft.com/office/drawing/2010/main" w="9525">
                 <a:solidFill>
                   <a:srgbClr val="000000"/>
                 </a:solidFill>
@@ -1861,7 +1880,7 @@
             <a:fld id="{B61BEF0D-F0BB-DE4B-95CE-6DB70DBA9567}" type="datetimeFigureOut">
               <a:rPr lang="en-US" smtClean="0"/>
               <a:pPr/>
-              <a:t>7/9/2019</a:t>
+              <a:t>7/10/2019</a:t>
             </a:fld>
             <a:endParaRPr lang="en-US" dirty="0"/>
           </a:p>
@@ -2019,7 +2038,7 @@
           <a:ln/>
           <a:extLst>
             <a:ext uri="{91240B29-F687-4f45-9708-019B960494DF}">
-              <a14:hiddenLine xmlns:a14="http://schemas.microsoft.com/office/drawing/2010/main" xmlns="" w="9525">
+              <a14:hiddenLine xmlns="" xmlns:a14="http://schemas.microsoft.com/office/drawing/2010/main" w="9525">
                 <a:solidFill>
                   <a:srgbClr val="000000"/>
                 </a:solidFill>
@@ -2148,7 +2167,7 @@
             <a:fld id="{B61BEF0D-F0BB-DE4B-95CE-6DB70DBA9567}" type="datetimeFigureOut">
               <a:rPr lang="en-US" smtClean="0"/>
               <a:pPr/>
-              <a:t>7/9/2019</a:t>
+              <a:t>7/10/2019</a:t>
             </a:fld>
             <a:endParaRPr lang="en-US" dirty="0"/>
           </a:p>
@@ -2304,7 +2323,7 @@
           <a:ln/>
           <a:extLst>
             <a:ext uri="{91240B29-F687-4f45-9708-019B960494DF}">
-              <a14:hiddenLine xmlns:a14="http://schemas.microsoft.com/office/drawing/2010/main" xmlns="" w="9525">
+              <a14:hiddenLine xmlns="" xmlns:a14="http://schemas.microsoft.com/office/drawing/2010/main" w="9525">
                 <a:solidFill>
                   <a:srgbClr val="000000"/>
                 </a:solidFill>
@@ -2433,7 +2452,7 @@
             <a:fld id="{B61BEF0D-F0BB-DE4B-95CE-6DB70DBA9567}" type="datetimeFigureOut">
               <a:rPr lang="en-US" smtClean="0"/>
               <a:pPr/>
-              <a:t>7/9/2019</a:t>
+              <a:t>7/10/2019</a:t>
             </a:fld>
             <a:endParaRPr lang="en-US" dirty="0"/>
           </a:p>
@@ -2778,7 +2797,7 @@
             <a:fld id="{B61BEF0D-F0BB-DE4B-95CE-6DB70DBA9567}" type="datetimeFigureOut">
               <a:rPr lang="en-US" smtClean="0"/>
               <a:pPr/>
-              <a:t>7/9/2019</a:t>
+              <a:t>7/10/2019</a:t>
             </a:fld>
             <a:endParaRPr lang="en-US" dirty="0"/>
           </a:p>
@@ -2934,7 +2953,7 @@
           <a:ln/>
           <a:extLst>
             <a:ext uri="{91240B29-F687-4f45-9708-019B960494DF}">
-              <a14:hiddenLine xmlns:a14="http://schemas.microsoft.com/office/drawing/2010/main" xmlns="" w="9525">
+              <a14:hiddenLine xmlns="" xmlns:a14="http://schemas.microsoft.com/office/drawing/2010/main" w="9525">
                 <a:solidFill>
                   <a:srgbClr val="000000"/>
                 </a:solidFill>
@@ -3119,7 +3138,7 @@
             <a:fld id="{B61BEF0D-F0BB-DE4B-95CE-6DB70DBA9567}" type="datetimeFigureOut">
               <a:rPr lang="en-US" smtClean="0"/>
               <a:pPr/>
-              <a:t>7/9/2019</a:t>
+              <a:t>7/10/2019</a:t>
             </a:fld>
             <a:endParaRPr lang="en-US" dirty="0"/>
           </a:p>
@@ -3275,7 +3294,7 @@
           <a:ln/>
           <a:extLst>
             <a:ext uri="{91240B29-F687-4f45-9708-019B960494DF}">
-              <a14:hiddenLine xmlns:a14="http://schemas.microsoft.com/office/drawing/2010/main" xmlns="" w="9525">
+              <a14:hiddenLine xmlns="" xmlns:a14="http://schemas.microsoft.com/office/drawing/2010/main" w="9525">
                 <a:solidFill>
                   <a:srgbClr val="000000"/>
                 </a:solidFill>
@@ -3598,7 +3617,7 @@
             <a:fld id="{B61BEF0D-F0BB-DE4B-95CE-6DB70DBA9567}" type="datetimeFigureOut">
               <a:rPr lang="en-US" smtClean="0"/>
               <a:pPr/>
-              <a:t>7/9/2019</a:t>
+              <a:t>7/10/2019</a:t>
             </a:fld>
             <a:endParaRPr lang="en-US" dirty="0"/>
           </a:p>
@@ -3754,7 +3773,7 @@
           <a:ln/>
           <a:extLst>
             <a:ext uri="{91240B29-F687-4f45-9708-019B960494DF}">
-              <a14:hiddenLine xmlns:a14="http://schemas.microsoft.com/office/drawing/2010/main" xmlns="" w="9525">
+              <a14:hiddenLine xmlns="" xmlns:a14="http://schemas.microsoft.com/office/drawing/2010/main" w="9525">
                 <a:solidFill>
                   <a:srgbClr val="000000"/>
                 </a:solidFill>
@@ -3821,7 +3840,7 @@
             <a:fld id="{B61BEF0D-F0BB-DE4B-95CE-6DB70DBA9567}" type="datetimeFigureOut">
               <a:rPr lang="en-US" smtClean="0"/>
               <a:pPr/>
-              <a:t>7/9/2019</a:t>
+              <a:t>7/10/2019</a:t>
             </a:fld>
             <a:endParaRPr lang="en-US" dirty="0"/>
           </a:p>
@@ -3918,7 +3937,7 @@
             <a:fld id="{B61BEF0D-F0BB-DE4B-95CE-6DB70DBA9567}" type="datetimeFigureOut">
               <a:rPr lang="en-US" smtClean="0"/>
               <a:pPr/>
-              <a:t>7/9/2019</a:t>
+              <a:t>7/10/2019</a:t>
             </a:fld>
             <a:endParaRPr lang="en-US" dirty="0"/>
           </a:p>
@@ -4187,7 +4206,7 @@
           <a:ln/>
           <a:extLst>
             <a:ext uri="{91240B29-F687-4f45-9708-019B960494DF}">
-              <a14:hiddenLine xmlns:a14="http://schemas.microsoft.com/office/drawing/2010/main" xmlns="" w="9525">
+              <a14:hiddenLine xmlns="" xmlns:a14="http://schemas.microsoft.com/office/drawing/2010/main" w="9525">
                 <a:solidFill>
                   <a:srgbClr val="000000"/>
                 </a:solidFill>
@@ -4387,7 +4406,7 @@
             <a:fld id="{B61BEF0D-F0BB-DE4B-95CE-6DB70DBA9567}" type="datetimeFigureOut">
               <a:rPr lang="en-US" smtClean="0"/>
               <a:pPr/>
-              <a:t>7/9/2019</a:t>
+              <a:t>7/10/2019</a:t>
             </a:fld>
             <a:endParaRPr lang="en-US" dirty="0"/>
           </a:p>
@@ -4702,7 +4721,7 @@
             <a:fld id="{B61BEF0D-F0BB-DE4B-95CE-6DB70DBA9567}" type="datetimeFigureOut">
               <a:rPr lang="en-US" smtClean="0"/>
               <a:pPr/>
-              <a:t>7/9/2019</a:t>
+              <a:t>7/10/2019</a:t>
             </a:fld>
             <a:endParaRPr lang="en-US" dirty="0"/>
           </a:p>
@@ -4974,7 +4993,7 @@
             <a:fld id="{B61BEF0D-F0BB-DE4B-95CE-6DB70DBA9567}" type="datetimeFigureOut">
               <a:rPr lang="en-US" smtClean="0"/>
               <a:pPr/>
-              <a:t>7/9/2019</a:t>
+              <a:t>7/10/2019</a:t>
             </a:fld>
             <a:endParaRPr lang="en-US" dirty="0"/>
           </a:p>
@@ -5728,6 +5747,4135 @@
 </p:sld>
 </file>
 
+<file path=ppt/slides/slide10.xml><?xml version="1.0" encoding="utf-8"?>
+<p:sld xmlns:a="http://schemas.openxmlformats.org/drawingml/2006/main" xmlns:r="http://schemas.openxmlformats.org/officeDocument/2006/relationships" xmlns:p="http://schemas.openxmlformats.org/presentationml/2006/main">
+  <p:cSld>
+    <p:spTree>
+      <p:nvGrpSpPr>
+        <p:cNvPr id="1" name=""/>
+        <p:cNvGrpSpPr/>
+        <p:nvPr/>
+      </p:nvGrpSpPr>
+      <p:grpSpPr>
+        <a:xfrm>
+          <a:off x="0" y="0"/>
+          <a:ext cx="0" cy="0"/>
+          <a:chOff x="0" y="0"/>
+          <a:chExt cx="0" cy="0"/>
+        </a:xfrm>
+      </p:grpSpPr>
+      <p:sp>
+        <p:nvSpPr>
+          <p:cNvPr id="2" name="Title 1"/>
+          <p:cNvSpPr>
+            <a:spLocks noGrp="1"/>
+          </p:cNvSpPr>
+          <p:nvPr>
+            <p:ph type="title"/>
+          </p:nvPr>
+        </p:nvSpPr>
+        <p:spPr>
+          <a:xfrm>
+            <a:off x="1213602" y="1767985"/>
+            <a:ext cx="10571998" cy="970450"/>
+          </a:xfrm>
+        </p:spPr>
+        <p:txBody>
+          <a:bodyPr/>
+          <a:lstStyle/>
+          <a:p>
+            <a:pPr algn="r" rtl="1"/>
+            <a:r>
+              <a:rPr lang="fa-IR" sz="4400" dirty="0">
+                <a:latin typeface="Adobe Arabic" panose="02040503050201020203" pitchFamily="18" charset="-78"/>
+                <a:cs typeface="Adobe Arabic" panose="02040503050201020203" pitchFamily="18" charset="-78"/>
+              </a:rPr>
+              <a:t>در زمینه ی فنی ، اطلاعات کافی داشته باشید. </a:t>
+            </a:r>
+          </a:p>
+        </p:txBody>
+      </p:sp>
+      <p:sp>
+        <p:nvSpPr>
+          <p:cNvPr id="4" name="TextBox 3"/>
+          <p:cNvSpPr txBox="1"/>
+          <p:nvPr/>
+        </p:nvSpPr>
+        <p:spPr>
+          <a:xfrm>
+            <a:off x="919350" y="2738435"/>
+            <a:ext cx="10612249" cy="4339650"/>
+          </a:xfrm>
+          <a:prstGeom prst="rect">
+            <a:avLst/>
+          </a:prstGeom>
+          <a:noFill/>
+        </p:spPr>
+        <p:txBody>
+          <a:bodyPr wrap="square" numCol="1" rtlCol="0" anchor="t">
+            <a:spAutoFit/>
+          </a:bodyPr>
+          <a:lstStyle/>
+          <a:p>
+            <a:pPr marL="914400" lvl="1" indent="-457200" algn="r" rtl="1">
+              <a:buFont typeface="Wingdings" panose="05000000000000000000" pitchFamily="2" charset="2"/>
+              <a:buChar char="ü"/>
+            </a:pPr>
+            <a:r>
+              <a:rPr lang="fa-IR" sz="2800" b="1" i="1" dirty="0" smtClean="0">
+                <a:latin typeface="Adobe Arabic" panose="02040503050201020203" pitchFamily="18" charset="-78"/>
+                <a:cs typeface="Adobe Arabic" panose="02040503050201020203" pitchFamily="18" charset="-78"/>
+              </a:rPr>
+              <a:t>آشنایی با ابزارهای کمکی :</a:t>
+            </a:r>
+          </a:p>
+          <a:p>
+            <a:pPr lvl="1" algn="r" rtl="1"/>
+            <a:r>
+              <a:rPr lang="fa-IR" sz="2800" b="1" i="1" dirty="0">
+                <a:latin typeface="Adobe Arabic" panose="02040503050201020203" pitchFamily="18" charset="-78"/>
+                <a:cs typeface="Adobe Arabic" panose="02040503050201020203" pitchFamily="18" charset="-78"/>
+              </a:rPr>
+              <a:t>	</a:t>
+            </a:r>
+            <a:endParaRPr lang="fa-IR" sz="2400" dirty="0" smtClean="0">
+              <a:latin typeface="Adobe Arabic" panose="02040503050201020203" pitchFamily="18" charset="-78"/>
+              <a:cs typeface="Adobe Arabic" panose="02040503050201020203" pitchFamily="18" charset="-78"/>
+            </a:endParaRPr>
+          </a:p>
+          <a:p>
+            <a:pPr marL="1714500" lvl="3" indent="-342900" algn="r" rtl="1">
+              <a:buFont typeface="Wingdings" panose="05000000000000000000" pitchFamily="2" charset="2"/>
+              <a:buChar char="ü"/>
+            </a:pPr>
+            <a:r>
+              <a:rPr lang="en-US" sz="2400" dirty="0">
+                <a:latin typeface="Adobe Arabic" panose="02040503050201020203" pitchFamily="18" charset="-78"/>
+                <a:cs typeface="Adobe Arabic" panose="02040503050201020203" pitchFamily="18" charset="-78"/>
+              </a:rPr>
+              <a:t>UML</a:t>
+            </a:r>
+            <a:endParaRPr lang="en-US" sz="2400" dirty="0" smtClean="0">
+              <a:latin typeface="Adobe Arabic" panose="02040503050201020203" pitchFamily="18" charset="-78"/>
+              <a:cs typeface="Adobe Arabic" panose="02040503050201020203" pitchFamily="18" charset="-78"/>
+            </a:endParaRPr>
+          </a:p>
+          <a:p>
+            <a:pPr marL="1714500" lvl="3" indent="-342900" algn="r" rtl="1">
+              <a:buFont typeface="Wingdings" panose="05000000000000000000" pitchFamily="2" charset="2"/>
+              <a:buChar char="ü"/>
+            </a:pPr>
+            <a:r>
+              <a:rPr lang="fa-IR" sz="2400" dirty="0" smtClean="0">
+                <a:latin typeface="Adobe Arabic" panose="02040503050201020203" pitchFamily="18" charset="-78"/>
+                <a:cs typeface="Adobe Arabic" panose="02040503050201020203" pitchFamily="18" charset="-78"/>
+              </a:rPr>
+              <a:t>دیاگرام های جریان داده / </a:t>
+            </a:r>
+            <a:r>
+              <a:rPr lang="en-US" sz="2400" dirty="0" smtClean="0">
+                <a:latin typeface="Adobe Arabic" panose="02040503050201020203" pitchFamily="18" charset="-78"/>
+                <a:cs typeface="Adobe Arabic" panose="02040503050201020203" pitchFamily="18" charset="-78"/>
+              </a:rPr>
+              <a:t>DFD</a:t>
+            </a:r>
+          </a:p>
+          <a:p>
+            <a:pPr marL="1714500" lvl="3" indent="-342900" algn="r" rtl="1">
+              <a:buFont typeface="Wingdings" panose="05000000000000000000" pitchFamily="2" charset="2"/>
+              <a:buChar char="ü"/>
+            </a:pPr>
+            <a:r>
+              <a:rPr lang="en-US" sz="2400" dirty="0">
+                <a:latin typeface="Adobe Arabic" panose="02040503050201020203" pitchFamily="18" charset="-78"/>
+                <a:cs typeface="Adobe Arabic" panose="02040503050201020203" pitchFamily="18" charset="-78"/>
+              </a:rPr>
+              <a:t>Structure Charts</a:t>
+            </a:r>
+            <a:endParaRPr lang="en-US" sz="2400" dirty="0" smtClean="0">
+              <a:latin typeface="Adobe Arabic" panose="02040503050201020203" pitchFamily="18" charset="-78"/>
+              <a:cs typeface="Adobe Arabic" panose="02040503050201020203" pitchFamily="18" charset="-78"/>
+            </a:endParaRPr>
+          </a:p>
+          <a:p>
+            <a:pPr marL="1714500" lvl="3" indent="-342900" algn="r" rtl="1">
+              <a:buFont typeface="Wingdings" panose="05000000000000000000" pitchFamily="2" charset="2"/>
+              <a:buChar char="ü"/>
+            </a:pPr>
+            <a:r>
+              <a:rPr lang="fa-IR" sz="2400" dirty="0" smtClean="0">
+                <a:latin typeface="Adobe Arabic" panose="02040503050201020203" pitchFamily="18" charset="-78"/>
+                <a:cs typeface="Adobe Arabic" panose="02040503050201020203" pitchFamily="18" charset="-78"/>
+              </a:rPr>
+              <a:t>شبکه های پتری / </a:t>
+            </a:r>
+            <a:r>
+              <a:rPr lang="en-US" sz="2400" dirty="0" smtClean="0">
+                <a:latin typeface="Adobe Arabic" panose="02040503050201020203" pitchFamily="18" charset="-78"/>
+                <a:cs typeface="Adobe Arabic" panose="02040503050201020203" pitchFamily="18" charset="-78"/>
+              </a:rPr>
+              <a:t>Petri Nets</a:t>
+            </a:r>
+            <a:r>
+              <a:rPr lang="fa-IR" sz="2400" dirty="0" smtClean="0">
+                <a:latin typeface="Adobe Arabic" panose="02040503050201020203" pitchFamily="18" charset="-78"/>
+                <a:cs typeface="Adobe Arabic" panose="02040503050201020203" pitchFamily="18" charset="-78"/>
+              </a:rPr>
+              <a:t> </a:t>
+            </a:r>
+            <a:endParaRPr lang="en-US" sz="2400" dirty="0" smtClean="0">
+              <a:latin typeface="Adobe Arabic" panose="02040503050201020203" pitchFamily="18" charset="-78"/>
+              <a:cs typeface="Adobe Arabic" panose="02040503050201020203" pitchFamily="18" charset="-78"/>
+            </a:endParaRPr>
+          </a:p>
+          <a:p>
+            <a:pPr marL="1714500" lvl="3" indent="-342900" algn="r" rtl="1">
+              <a:buFont typeface="Wingdings" panose="05000000000000000000" pitchFamily="2" charset="2"/>
+              <a:buChar char="ü"/>
+            </a:pPr>
+            <a:r>
+              <a:rPr lang="fa-IR" sz="2400" dirty="0" smtClean="0">
+                <a:latin typeface="Adobe Arabic" panose="02040503050201020203" pitchFamily="18" charset="-78"/>
+                <a:cs typeface="Adobe Arabic" panose="02040503050201020203" pitchFamily="18" charset="-78"/>
+              </a:rPr>
+              <a:t>جداول انتقال حالت / </a:t>
+            </a:r>
+            <a:r>
+              <a:rPr lang="en-US" sz="2400" dirty="0">
+                <a:latin typeface="Adobe Arabic" panose="02040503050201020203" pitchFamily="18" charset="-78"/>
+                <a:cs typeface="Adobe Arabic" panose="02040503050201020203" pitchFamily="18" charset="-78"/>
+              </a:rPr>
+              <a:t>State Transition Diagrams and Tables</a:t>
+            </a:r>
+            <a:endParaRPr lang="fa-IR" sz="2400" dirty="0" smtClean="0">
+              <a:latin typeface="Adobe Arabic" panose="02040503050201020203" pitchFamily="18" charset="-78"/>
+              <a:cs typeface="Adobe Arabic" panose="02040503050201020203" pitchFamily="18" charset="-78"/>
+            </a:endParaRPr>
+          </a:p>
+          <a:p>
+            <a:pPr marL="1714500" lvl="3" indent="-342900" algn="r" rtl="1">
+              <a:buFont typeface="Wingdings" panose="05000000000000000000" pitchFamily="2" charset="2"/>
+              <a:buChar char="ü"/>
+            </a:pPr>
+            <a:r>
+              <a:rPr lang="fa-IR" sz="2400" dirty="0" smtClean="0">
+                <a:latin typeface="Adobe Arabic" panose="02040503050201020203" pitchFamily="18" charset="-78"/>
+                <a:cs typeface="Adobe Arabic" panose="02040503050201020203" pitchFamily="18" charset="-78"/>
+              </a:rPr>
+              <a:t>فلوچارت ها / </a:t>
+            </a:r>
+            <a:r>
+              <a:rPr lang="en-US" sz="2400" dirty="0" smtClean="0">
+                <a:latin typeface="Adobe Arabic" panose="02040503050201020203" pitchFamily="18" charset="-78"/>
+                <a:cs typeface="Adobe Arabic" panose="02040503050201020203" pitchFamily="18" charset="-78"/>
+              </a:rPr>
+              <a:t>Flowcharts</a:t>
+            </a:r>
+          </a:p>
+          <a:p>
+            <a:pPr marL="1714500" lvl="3" indent="-342900" algn="r" rtl="1">
+              <a:buFont typeface="Wingdings" panose="05000000000000000000" pitchFamily="2" charset="2"/>
+              <a:buChar char="ü"/>
+            </a:pPr>
+            <a:r>
+              <a:rPr lang="fa-IR" sz="2400" dirty="0" smtClean="0">
+                <a:latin typeface="Adobe Arabic" panose="02040503050201020203" pitchFamily="18" charset="-78"/>
+                <a:cs typeface="Adobe Arabic" panose="02040503050201020203" pitchFamily="18" charset="-78"/>
+              </a:rPr>
+              <a:t>جداول تصمیم گیری / </a:t>
+            </a:r>
+            <a:r>
+              <a:rPr lang="en-US" sz="2400" dirty="0" smtClean="0">
+                <a:latin typeface="Adobe Arabic" panose="02040503050201020203" pitchFamily="18" charset="-78"/>
+                <a:cs typeface="Adobe Arabic" panose="02040503050201020203" pitchFamily="18" charset="-78"/>
+              </a:rPr>
+              <a:t>Decision  Tables</a:t>
+            </a:r>
+            <a:endParaRPr lang="fa-IR" sz="2400" dirty="0" smtClean="0">
+              <a:latin typeface="Adobe Arabic" panose="02040503050201020203" pitchFamily="18" charset="-78"/>
+              <a:cs typeface="Adobe Arabic" panose="02040503050201020203" pitchFamily="18" charset="-78"/>
+            </a:endParaRPr>
+          </a:p>
+          <a:p>
+            <a:pPr marL="914400" lvl="1" indent="-457200" algn="r" rtl="1">
+              <a:buFont typeface="Wingdings" panose="05000000000000000000" pitchFamily="2" charset="2"/>
+              <a:buChar char="ü"/>
+            </a:pPr>
+            <a:endParaRPr lang="fa-IR" sz="2400" dirty="0" smtClean="0">
+              <a:latin typeface="Adobe Arabic" panose="02040503050201020203" pitchFamily="18" charset="-78"/>
+              <a:cs typeface="Adobe Arabic" panose="02040503050201020203" pitchFamily="18" charset="-78"/>
+            </a:endParaRPr>
+          </a:p>
+          <a:p>
+            <a:pPr lvl="1" algn="r" rtl="1"/>
+            <a:endParaRPr lang="en-US" sz="2800" dirty="0">
+              <a:latin typeface="Adobe Arabic" panose="02040503050201020203" pitchFamily="18" charset="-78"/>
+              <a:cs typeface="Adobe Arabic" panose="02040503050201020203" pitchFamily="18" charset="-78"/>
+            </a:endParaRPr>
+          </a:p>
+        </p:txBody>
+      </p:sp>
+      <p:sp>
+        <p:nvSpPr>
+          <p:cNvPr id="6" name="Title 1"/>
+          <p:cNvSpPr txBox="1">
+            <a:spLocks/>
+          </p:cNvSpPr>
+          <p:nvPr/>
+        </p:nvSpPr>
+        <p:spPr>
+          <a:xfrm>
+            <a:off x="444500" y="596900"/>
+            <a:ext cx="11341100" cy="685800"/>
+          </a:xfrm>
+          <a:prstGeom prst="rect">
+            <a:avLst/>
+          </a:prstGeom>
+          <a:effectLst>
+            <a:outerShdw blurRad="50800" dir="14400000">
+              <a:srgbClr val="000000">
+                <a:alpha val="60000"/>
+              </a:srgbClr>
+            </a:outerShdw>
+          </a:effectLst>
+        </p:spPr>
+        <p:txBody>
+          <a:bodyPr vert="horz" lIns="91440" tIns="45720" rIns="91440" bIns="45720" rtlCol="0" anchor="b">
+            <a:noAutofit/>
+          </a:bodyPr>
+          <a:lstStyle>
+            <a:lvl1pPr algn="l" defTabSz="457200" rtl="0" eaLnBrk="1" latinLnBrk="0" hangingPunct="1">
+              <a:spcBef>
+                <a:spcPct val="0"/>
+              </a:spcBef>
+              <a:buNone/>
+              <a:defRPr sz="4000" b="1" kern="1200">
+                <a:solidFill>
+                  <a:srgbClr val="FEFEFE"/>
+                </a:solidFill>
+                <a:latin typeface="+mj-lt"/>
+                <a:ea typeface="+mj-ea"/>
+                <a:cs typeface="+mj-cs"/>
+              </a:defRPr>
+            </a:lvl1pPr>
+            <a:lvl2pPr eaLnBrk="1" hangingPunct="1">
+              <a:defRPr>
+                <a:solidFill>
+                  <a:schemeClr val="tx2"/>
+                </a:solidFill>
+              </a:defRPr>
+            </a:lvl2pPr>
+            <a:lvl3pPr eaLnBrk="1" hangingPunct="1">
+              <a:defRPr>
+                <a:solidFill>
+                  <a:schemeClr val="tx2"/>
+                </a:solidFill>
+              </a:defRPr>
+            </a:lvl3pPr>
+            <a:lvl4pPr eaLnBrk="1" hangingPunct="1">
+              <a:defRPr>
+                <a:solidFill>
+                  <a:schemeClr val="tx2"/>
+                </a:solidFill>
+              </a:defRPr>
+            </a:lvl4pPr>
+            <a:lvl5pPr eaLnBrk="1" hangingPunct="1">
+              <a:defRPr>
+                <a:solidFill>
+                  <a:schemeClr val="tx2"/>
+                </a:solidFill>
+              </a:defRPr>
+            </a:lvl5pPr>
+            <a:lvl6pPr eaLnBrk="1" hangingPunct="1">
+              <a:defRPr>
+                <a:solidFill>
+                  <a:schemeClr val="tx2"/>
+                </a:solidFill>
+              </a:defRPr>
+            </a:lvl6pPr>
+            <a:lvl7pPr eaLnBrk="1" hangingPunct="1">
+              <a:defRPr>
+                <a:solidFill>
+                  <a:schemeClr val="tx2"/>
+                </a:solidFill>
+              </a:defRPr>
+            </a:lvl7pPr>
+            <a:lvl8pPr eaLnBrk="1" hangingPunct="1">
+              <a:defRPr>
+                <a:solidFill>
+                  <a:schemeClr val="tx2"/>
+                </a:solidFill>
+              </a:defRPr>
+            </a:lvl8pPr>
+            <a:lvl9pPr eaLnBrk="1" hangingPunct="1">
+              <a:defRPr>
+                <a:solidFill>
+                  <a:schemeClr val="tx2"/>
+                </a:solidFill>
+              </a:defRPr>
+            </a:lvl9pPr>
+          </a:lstStyle>
+          <a:p>
+            <a:pPr algn="r" rtl="1"/>
+            <a:r>
+              <a:rPr lang="fa-IR" sz="4400" dirty="0" smtClean="0">
+                <a:effectLst>
+                  <a:outerShdw blurRad="38100" dist="38100" dir="2700000" algn="tl">
+                    <a:srgbClr val="000000">
+                      <a:alpha val="43137"/>
+                    </a:srgbClr>
+                  </a:outerShdw>
+                </a:effectLst>
+                <a:latin typeface="Adobe Arabic" panose="02040503050201020203" pitchFamily="18" charset="-78"/>
+                <a:cs typeface="Adobe Arabic" panose="02040503050201020203" pitchFamily="18" charset="-78"/>
+              </a:rPr>
+              <a:t>فصل اول : حرفه ای گری </a:t>
+            </a:r>
+            <a:endParaRPr lang="en-US" sz="4400" dirty="0">
+              <a:effectLst>
+                <a:outerShdw blurRad="38100" dist="38100" dir="2700000" algn="tl">
+                  <a:srgbClr val="000000">
+                    <a:alpha val="43137"/>
+                  </a:srgbClr>
+                </a:outerShdw>
+              </a:effectLst>
+              <a:latin typeface="Adobe Arabic" panose="02040503050201020203" pitchFamily="18" charset="-78"/>
+              <a:cs typeface="Adobe Arabic" panose="02040503050201020203" pitchFamily="18" charset="-78"/>
+            </a:endParaRPr>
+          </a:p>
+        </p:txBody>
+      </p:sp>
+    </p:spTree>
+    <p:extLst>
+      <p:ext uri="{BB962C8B-B14F-4D97-AF65-F5344CB8AC3E}">
+        <p14:creationId xmlns:p14="http://schemas.microsoft.com/office/powerpoint/2010/main" val="1619387389"/>
+      </p:ext>
+    </p:extLst>
+  </p:cSld>
+  <p:clrMapOvr>
+    <a:masterClrMapping/>
+  </p:clrMapOvr>
+</p:sld>
+</file>
+
+<file path=ppt/slides/slide11.xml><?xml version="1.0" encoding="utf-8"?>
+<p:sld xmlns:a="http://schemas.openxmlformats.org/drawingml/2006/main" xmlns:r="http://schemas.openxmlformats.org/officeDocument/2006/relationships" xmlns:p="http://schemas.openxmlformats.org/presentationml/2006/main">
+  <p:cSld>
+    <p:spTree>
+      <p:nvGrpSpPr>
+        <p:cNvPr id="1" name=""/>
+        <p:cNvGrpSpPr/>
+        <p:nvPr/>
+      </p:nvGrpSpPr>
+      <p:grpSpPr>
+        <a:xfrm>
+          <a:off x="0" y="0"/>
+          <a:ext cx="0" cy="0"/>
+          <a:chOff x="0" y="0"/>
+          <a:chExt cx="0" cy="0"/>
+        </a:xfrm>
+      </p:grpSpPr>
+      <p:sp>
+        <p:nvSpPr>
+          <p:cNvPr id="2" name="Title 1"/>
+          <p:cNvSpPr>
+            <a:spLocks noGrp="1"/>
+          </p:cNvSpPr>
+          <p:nvPr>
+            <p:ph type="title"/>
+          </p:nvPr>
+        </p:nvSpPr>
+        <p:spPr>
+          <a:xfrm>
+            <a:off x="3492500" y="2034688"/>
+            <a:ext cx="7818249" cy="970450"/>
+          </a:xfrm>
+        </p:spPr>
+        <p:txBody>
+          <a:bodyPr/>
+          <a:lstStyle/>
+          <a:p>
+            <a:pPr algn="r" rtl="1"/>
+            <a:r>
+              <a:rPr lang="fa-IR" sz="4400" dirty="0" smtClean="0">
+                <a:effectLst>
+                  <a:outerShdw blurRad="38100" dist="38100" dir="2700000" algn="tl">
+                    <a:srgbClr val="000000">
+                      <a:alpha val="43137"/>
+                    </a:srgbClr>
+                  </a:outerShdw>
+                </a:effectLst>
+                <a:latin typeface="Adobe Arabic" panose="02040503050201020203" pitchFamily="18" charset="-78"/>
+                <a:cs typeface="Adobe Arabic" panose="02040503050201020203" pitchFamily="18" charset="-78"/>
+              </a:rPr>
+              <a:t>یادگیری مداوم داشته باشید. </a:t>
+            </a:r>
+            <a:endParaRPr lang="fa-IR" sz="4400" dirty="0">
+              <a:effectLst>
+                <a:outerShdw blurRad="38100" dist="38100" dir="2700000" algn="tl">
+                  <a:srgbClr val="000000">
+                    <a:alpha val="43137"/>
+                  </a:srgbClr>
+                </a:outerShdw>
+              </a:effectLst>
+              <a:latin typeface="Adobe Arabic" panose="02040503050201020203" pitchFamily="18" charset="-78"/>
+              <a:cs typeface="Adobe Arabic" panose="02040503050201020203" pitchFamily="18" charset="-78"/>
+            </a:endParaRPr>
+          </a:p>
+        </p:txBody>
+      </p:sp>
+      <p:sp>
+        <p:nvSpPr>
+          <p:cNvPr id="4" name="TextBox 3"/>
+          <p:cNvSpPr txBox="1"/>
+          <p:nvPr/>
+        </p:nvSpPr>
+        <p:spPr>
+          <a:xfrm>
+            <a:off x="919351" y="3213098"/>
+            <a:ext cx="9888349" cy="2677656"/>
+          </a:xfrm>
+          <a:prstGeom prst="rect">
+            <a:avLst/>
+          </a:prstGeom>
+          <a:noFill/>
+        </p:spPr>
+        <p:txBody>
+          <a:bodyPr wrap="square" numCol="1" rtlCol="0">
+            <a:spAutoFit/>
+          </a:bodyPr>
+          <a:lstStyle/>
+          <a:p>
+            <a:pPr marL="457200" indent="-457200" algn="r" rtl="1">
+              <a:buFont typeface="Wingdings" panose="05000000000000000000" pitchFamily="2" charset="2"/>
+              <a:buChar char="ü"/>
+            </a:pPr>
+            <a:r>
+              <a:rPr lang="fa-IR" sz="2800" dirty="0" smtClean="0">
+                <a:effectLst>
+                  <a:outerShdw blurRad="38100" dist="38100" dir="2700000" algn="tl">
+                    <a:srgbClr val="000000">
+                      <a:alpha val="43137"/>
+                    </a:srgbClr>
+                  </a:outerShdw>
+                </a:effectLst>
+                <a:latin typeface="Adobe Arabic" panose="02040503050201020203" pitchFamily="18" charset="-78"/>
+                <a:cs typeface="Adobe Arabic" panose="02040503050201020203" pitchFamily="18" charset="-78"/>
+              </a:rPr>
+              <a:t>کتاب بخوانید . </a:t>
+            </a:r>
+          </a:p>
+          <a:p>
+            <a:pPr marL="457200" indent="-457200" algn="r" rtl="1">
+              <a:buFont typeface="Wingdings" panose="05000000000000000000" pitchFamily="2" charset="2"/>
+              <a:buChar char="ü"/>
+            </a:pPr>
+            <a:r>
+              <a:rPr lang="fa-IR" sz="2800" dirty="0" smtClean="0">
+                <a:effectLst>
+                  <a:outerShdw blurRad="38100" dist="38100" dir="2700000" algn="tl">
+                    <a:srgbClr val="000000">
+                      <a:alpha val="43137"/>
+                    </a:srgbClr>
+                  </a:outerShdw>
+                </a:effectLst>
+                <a:latin typeface="Adobe Arabic" panose="02040503050201020203" pitchFamily="18" charset="-78"/>
+                <a:cs typeface="Adobe Arabic" panose="02040503050201020203" pitchFamily="18" charset="-78"/>
+              </a:rPr>
+              <a:t>مقاله بخوانید. </a:t>
+            </a:r>
+          </a:p>
+          <a:p>
+            <a:pPr marL="457200" indent="-457200" algn="r" rtl="1">
+              <a:buFont typeface="Wingdings" panose="05000000000000000000" pitchFamily="2" charset="2"/>
+              <a:buChar char="ü"/>
+            </a:pPr>
+            <a:r>
+              <a:rPr lang="fa-IR" sz="2800" dirty="0" smtClean="0">
+                <a:effectLst>
+                  <a:outerShdw blurRad="38100" dist="38100" dir="2700000" algn="tl">
+                    <a:srgbClr val="000000">
+                      <a:alpha val="43137"/>
+                    </a:srgbClr>
+                  </a:outerShdw>
+                </a:effectLst>
+                <a:latin typeface="Adobe Arabic" panose="02040503050201020203" pitchFamily="18" charset="-78"/>
+                <a:cs typeface="Adobe Arabic" panose="02040503050201020203" pitchFamily="18" charset="-78"/>
+              </a:rPr>
+              <a:t> فیلم آموزشی نگاه کنید </a:t>
+            </a:r>
+          </a:p>
+          <a:p>
+            <a:pPr marL="457200" indent="-457200" algn="r" rtl="1">
+              <a:buFont typeface="Wingdings" panose="05000000000000000000" pitchFamily="2" charset="2"/>
+              <a:buChar char="ü"/>
+            </a:pPr>
+            <a:r>
+              <a:rPr lang="fa-IR" sz="2800" dirty="0" smtClean="0">
+                <a:effectLst>
+                  <a:outerShdw blurRad="38100" dist="38100" dir="2700000" algn="tl">
+                    <a:srgbClr val="000000">
+                      <a:alpha val="43137"/>
+                    </a:srgbClr>
+                  </a:outerShdw>
+                </a:effectLst>
+                <a:latin typeface="Adobe Arabic" panose="02040503050201020203" pitchFamily="18" charset="-78"/>
+                <a:cs typeface="Adobe Arabic" panose="02040503050201020203" pitchFamily="18" charset="-78"/>
+              </a:rPr>
+              <a:t>به کنفرانس ها بروید </a:t>
+            </a:r>
+          </a:p>
+          <a:p>
+            <a:pPr marL="457200" indent="-457200" algn="r" rtl="1">
+              <a:buFont typeface="Wingdings" panose="05000000000000000000" pitchFamily="2" charset="2"/>
+              <a:buChar char="ü"/>
+            </a:pPr>
+            <a:r>
+              <a:rPr lang="fa-IR" sz="2800" dirty="0" smtClean="0">
+                <a:effectLst>
+                  <a:outerShdw blurRad="38100" dist="38100" dir="2700000" algn="tl">
+                    <a:srgbClr val="000000">
+                      <a:alpha val="43137"/>
+                    </a:srgbClr>
+                  </a:outerShdw>
+                </a:effectLst>
+                <a:latin typeface="Adobe Arabic" panose="02040503050201020203" pitchFamily="18" charset="-78"/>
+                <a:cs typeface="Adobe Arabic" panose="02040503050201020203" pitchFamily="18" charset="-78"/>
+              </a:rPr>
+              <a:t>عضو گروه های برنامه نویسی شوید . </a:t>
+            </a:r>
+          </a:p>
+          <a:p>
+            <a:pPr lvl="1" algn="r" rtl="1"/>
+            <a:endParaRPr lang="en-US" sz="2800" dirty="0">
+              <a:effectLst>
+                <a:outerShdw blurRad="38100" dist="38100" dir="2700000" algn="tl">
+                  <a:srgbClr val="000000">
+                    <a:alpha val="43137"/>
+                  </a:srgbClr>
+                </a:outerShdw>
+              </a:effectLst>
+              <a:latin typeface="Adobe Arabic" panose="02040503050201020203" pitchFamily="18" charset="-78"/>
+              <a:cs typeface="Adobe Arabic" panose="02040503050201020203" pitchFamily="18" charset="-78"/>
+            </a:endParaRPr>
+          </a:p>
+        </p:txBody>
+      </p:sp>
+      <p:sp>
+        <p:nvSpPr>
+          <p:cNvPr id="6" name="Title 1"/>
+          <p:cNvSpPr txBox="1">
+            <a:spLocks/>
+          </p:cNvSpPr>
+          <p:nvPr/>
+        </p:nvSpPr>
+        <p:spPr>
+          <a:xfrm>
+            <a:off x="444500" y="596900"/>
+            <a:ext cx="11341100" cy="685800"/>
+          </a:xfrm>
+          <a:prstGeom prst="rect">
+            <a:avLst/>
+          </a:prstGeom>
+          <a:effectLst>
+            <a:outerShdw blurRad="50800" dir="14400000">
+              <a:srgbClr val="000000">
+                <a:alpha val="60000"/>
+              </a:srgbClr>
+            </a:outerShdw>
+          </a:effectLst>
+        </p:spPr>
+        <p:txBody>
+          <a:bodyPr vert="horz" lIns="91440" tIns="45720" rIns="91440" bIns="45720" rtlCol="0" anchor="b">
+            <a:noAutofit/>
+          </a:bodyPr>
+          <a:lstStyle>
+            <a:lvl1pPr algn="l" defTabSz="457200" rtl="0" eaLnBrk="1" latinLnBrk="0" hangingPunct="1">
+              <a:spcBef>
+                <a:spcPct val="0"/>
+              </a:spcBef>
+              <a:buNone/>
+              <a:defRPr sz="4000" b="1" kern="1200">
+                <a:solidFill>
+                  <a:srgbClr val="FEFEFE"/>
+                </a:solidFill>
+                <a:latin typeface="+mj-lt"/>
+                <a:ea typeface="+mj-ea"/>
+                <a:cs typeface="+mj-cs"/>
+              </a:defRPr>
+            </a:lvl1pPr>
+            <a:lvl2pPr eaLnBrk="1" hangingPunct="1">
+              <a:defRPr>
+                <a:solidFill>
+                  <a:schemeClr val="tx2"/>
+                </a:solidFill>
+              </a:defRPr>
+            </a:lvl2pPr>
+            <a:lvl3pPr eaLnBrk="1" hangingPunct="1">
+              <a:defRPr>
+                <a:solidFill>
+                  <a:schemeClr val="tx2"/>
+                </a:solidFill>
+              </a:defRPr>
+            </a:lvl3pPr>
+            <a:lvl4pPr eaLnBrk="1" hangingPunct="1">
+              <a:defRPr>
+                <a:solidFill>
+                  <a:schemeClr val="tx2"/>
+                </a:solidFill>
+              </a:defRPr>
+            </a:lvl4pPr>
+            <a:lvl5pPr eaLnBrk="1" hangingPunct="1">
+              <a:defRPr>
+                <a:solidFill>
+                  <a:schemeClr val="tx2"/>
+                </a:solidFill>
+              </a:defRPr>
+            </a:lvl5pPr>
+            <a:lvl6pPr eaLnBrk="1" hangingPunct="1">
+              <a:defRPr>
+                <a:solidFill>
+                  <a:schemeClr val="tx2"/>
+                </a:solidFill>
+              </a:defRPr>
+            </a:lvl6pPr>
+            <a:lvl7pPr eaLnBrk="1" hangingPunct="1">
+              <a:defRPr>
+                <a:solidFill>
+                  <a:schemeClr val="tx2"/>
+                </a:solidFill>
+              </a:defRPr>
+            </a:lvl7pPr>
+            <a:lvl8pPr eaLnBrk="1" hangingPunct="1">
+              <a:defRPr>
+                <a:solidFill>
+                  <a:schemeClr val="tx2"/>
+                </a:solidFill>
+              </a:defRPr>
+            </a:lvl8pPr>
+            <a:lvl9pPr eaLnBrk="1" hangingPunct="1">
+              <a:defRPr>
+                <a:solidFill>
+                  <a:schemeClr val="tx2"/>
+                </a:solidFill>
+              </a:defRPr>
+            </a:lvl9pPr>
+          </a:lstStyle>
+          <a:p>
+            <a:pPr algn="r" rtl="1"/>
+            <a:r>
+              <a:rPr lang="fa-IR" sz="4400" dirty="0" smtClean="0">
+                <a:effectLst>
+                  <a:outerShdw blurRad="38100" dist="38100" dir="2700000" algn="tl">
+                    <a:srgbClr val="000000">
+                      <a:alpha val="43137"/>
+                    </a:srgbClr>
+                  </a:outerShdw>
+                </a:effectLst>
+                <a:latin typeface="Adobe Arabic" panose="02040503050201020203" pitchFamily="18" charset="-78"/>
+                <a:cs typeface="Adobe Arabic" panose="02040503050201020203" pitchFamily="18" charset="-78"/>
+              </a:rPr>
+              <a:t>فصل اول : حرفه ای گری </a:t>
+            </a:r>
+            <a:endParaRPr lang="en-US" sz="4400" dirty="0">
+              <a:effectLst>
+                <a:outerShdw blurRad="38100" dist="38100" dir="2700000" algn="tl">
+                  <a:srgbClr val="000000">
+                    <a:alpha val="43137"/>
+                  </a:srgbClr>
+                </a:outerShdw>
+              </a:effectLst>
+              <a:latin typeface="Adobe Arabic" panose="02040503050201020203" pitchFamily="18" charset="-78"/>
+              <a:cs typeface="Adobe Arabic" panose="02040503050201020203" pitchFamily="18" charset="-78"/>
+            </a:endParaRPr>
+          </a:p>
+        </p:txBody>
+      </p:sp>
+    </p:spTree>
+    <p:extLst>
+      <p:ext uri="{BB962C8B-B14F-4D97-AF65-F5344CB8AC3E}">
+        <p14:creationId xmlns:p14="http://schemas.microsoft.com/office/powerpoint/2010/main" val="2204301040"/>
+      </p:ext>
+    </p:extLst>
+  </p:cSld>
+  <p:clrMapOvr>
+    <a:masterClrMapping/>
+  </p:clrMapOvr>
+</p:sld>
+</file>
+
+<file path=ppt/slides/slide12.xml><?xml version="1.0" encoding="utf-8"?>
+<p:sld xmlns:a="http://schemas.openxmlformats.org/drawingml/2006/main" xmlns:r="http://schemas.openxmlformats.org/officeDocument/2006/relationships" xmlns:p="http://schemas.openxmlformats.org/presentationml/2006/main">
+  <p:cSld>
+    <p:spTree>
+      <p:nvGrpSpPr>
+        <p:cNvPr id="1" name=""/>
+        <p:cNvGrpSpPr/>
+        <p:nvPr/>
+      </p:nvGrpSpPr>
+      <p:grpSpPr>
+        <a:xfrm>
+          <a:off x="0" y="0"/>
+          <a:ext cx="0" cy="0"/>
+          <a:chOff x="0" y="0"/>
+          <a:chExt cx="0" cy="0"/>
+        </a:xfrm>
+      </p:grpSpPr>
+      <p:sp>
+        <p:nvSpPr>
+          <p:cNvPr id="2" name="Title 1"/>
+          <p:cNvSpPr>
+            <a:spLocks noGrp="1"/>
+          </p:cNvSpPr>
+          <p:nvPr>
+            <p:ph type="title"/>
+          </p:nvPr>
+        </p:nvSpPr>
+        <p:spPr>
+          <a:xfrm>
+            <a:off x="3492500" y="2034688"/>
+            <a:ext cx="7818249" cy="970450"/>
+          </a:xfrm>
+        </p:spPr>
+        <p:txBody>
+          <a:bodyPr/>
+          <a:lstStyle/>
+          <a:p>
+            <a:pPr algn="r" rtl="1"/>
+            <a:r>
+              <a:rPr lang="fa-IR" sz="4400" dirty="0">
+                <a:latin typeface="Adobe Arabic" panose="02040503050201020203" pitchFamily="18" charset="-78"/>
+                <a:cs typeface="Adobe Arabic" panose="02040503050201020203" pitchFamily="18" charset="-78"/>
+              </a:rPr>
+              <a:t>تمرین کنید</a:t>
+            </a:r>
+            <a:r>
+              <a:rPr lang="fa-IR" sz="4400" dirty="0" smtClean="0">
+                <a:effectLst>
+                  <a:outerShdw blurRad="38100" dist="38100" dir="2700000" algn="tl">
+                    <a:srgbClr val="000000">
+                      <a:alpha val="43137"/>
+                    </a:srgbClr>
+                  </a:outerShdw>
+                </a:effectLst>
+                <a:latin typeface="Adobe Arabic" panose="02040503050201020203" pitchFamily="18" charset="-78"/>
+                <a:cs typeface="Adobe Arabic" panose="02040503050201020203" pitchFamily="18" charset="-78"/>
+              </a:rPr>
+              <a:t>. </a:t>
+            </a:r>
+            <a:endParaRPr lang="fa-IR" sz="4400" dirty="0">
+              <a:effectLst>
+                <a:outerShdw blurRad="38100" dist="38100" dir="2700000" algn="tl">
+                  <a:srgbClr val="000000">
+                    <a:alpha val="43137"/>
+                  </a:srgbClr>
+                </a:outerShdw>
+              </a:effectLst>
+              <a:latin typeface="Adobe Arabic" panose="02040503050201020203" pitchFamily="18" charset="-78"/>
+              <a:cs typeface="Adobe Arabic" panose="02040503050201020203" pitchFamily="18" charset="-78"/>
+            </a:endParaRPr>
+          </a:p>
+        </p:txBody>
+      </p:sp>
+      <p:sp>
+        <p:nvSpPr>
+          <p:cNvPr id="4" name="TextBox 3"/>
+          <p:cNvSpPr txBox="1"/>
+          <p:nvPr/>
+        </p:nvSpPr>
+        <p:spPr>
+          <a:xfrm>
+            <a:off x="919351" y="3213098"/>
+            <a:ext cx="9888349" cy="1384995"/>
+          </a:xfrm>
+          <a:prstGeom prst="rect">
+            <a:avLst/>
+          </a:prstGeom>
+          <a:noFill/>
+        </p:spPr>
+        <p:txBody>
+          <a:bodyPr wrap="square" numCol="1" rtlCol="0">
+            <a:spAutoFit/>
+          </a:bodyPr>
+          <a:lstStyle/>
+          <a:p>
+            <a:pPr marL="457200" indent="-457200" algn="r" rtl="1">
+              <a:buFont typeface="Wingdings" panose="05000000000000000000" pitchFamily="2" charset="2"/>
+              <a:buChar char="ü"/>
+            </a:pPr>
+            <a:r>
+              <a:rPr lang="en-US" sz="2800" dirty="0" smtClean="0">
+                <a:effectLst>
+                  <a:outerShdw blurRad="38100" dist="38100" dir="2700000" algn="tl">
+                    <a:srgbClr val="000000">
+                      <a:alpha val="43137"/>
+                    </a:srgbClr>
+                  </a:outerShdw>
+                </a:effectLst>
+                <a:latin typeface="Adobe Arabic" panose="02040503050201020203" pitchFamily="18" charset="-78"/>
+                <a:cs typeface="Adobe Arabic" panose="02040503050201020203" pitchFamily="18" charset="-78"/>
+              </a:rPr>
+              <a:t>Kata</a:t>
+            </a:r>
+            <a:endParaRPr lang="fa-IR" sz="2800" dirty="0" smtClean="0">
+              <a:effectLst>
+                <a:outerShdw blurRad="38100" dist="38100" dir="2700000" algn="tl">
+                  <a:srgbClr val="000000">
+                    <a:alpha val="43137"/>
+                  </a:srgbClr>
+                </a:outerShdw>
+              </a:effectLst>
+              <a:latin typeface="Adobe Arabic" panose="02040503050201020203" pitchFamily="18" charset="-78"/>
+              <a:cs typeface="Adobe Arabic" panose="02040503050201020203" pitchFamily="18" charset="-78"/>
+            </a:endParaRPr>
+          </a:p>
+          <a:p>
+            <a:pPr marL="457200" indent="-457200" algn="r" rtl="1">
+              <a:buFont typeface="Wingdings" panose="05000000000000000000" pitchFamily="2" charset="2"/>
+              <a:buChar char="ü"/>
+            </a:pPr>
+            <a:r>
+              <a:rPr lang="en-US" sz="2800" dirty="0" err="1" smtClean="0">
+                <a:effectLst>
+                  <a:outerShdw blurRad="38100" dist="38100" dir="2700000" algn="tl">
+                    <a:srgbClr val="000000">
+                      <a:alpha val="43137"/>
+                    </a:srgbClr>
+                  </a:outerShdw>
+                </a:effectLst>
+                <a:latin typeface="Adobe Arabic" panose="02040503050201020203" pitchFamily="18" charset="-78"/>
+                <a:cs typeface="Adobe Arabic" panose="02040503050201020203" pitchFamily="18" charset="-78"/>
+              </a:rPr>
+              <a:t>Wase</a:t>
+            </a:r>
+            <a:endParaRPr lang="fa-IR" sz="2800" dirty="0" smtClean="0">
+              <a:effectLst>
+                <a:outerShdw blurRad="38100" dist="38100" dir="2700000" algn="tl">
+                  <a:srgbClr val="000000">
+                    <a:alpha val="43137"/>
+                  </a:srgbClr>
+                </a:outerShdw>
+              </a:effectLst>
+              <a:latin typeface="Adobe Arabic" panose="02040503050201020203" pitchFamily="18" charset="-78"/>
+              <a:cs typeface="Adobe Arabic" panose="02040503050201020203" pitchFamily="18" charset="-78"/>
+            </a:endParaRPr>
+          </a:p>
+          <a:p>
+            <a:pPr marL="457200" indent="-457200" algn="r" rtl="1">
+              <a:buFont typeface="Wingdings" panose="05000000000000000000" pitchFamily="2" charset="2"/>
+              <a:buChar char="ü"/>
+            </a:pPr>
+            <a:r>
+              <a:rPr lang="en-US" sz="2800" dirty="0" smtClean="0">
+                <a:effectLst>
+                  <a:outerShdw blurRad="38100" dist="38100" dir="2700000" algn="tl">
+                    <a:srgbClr val="000000">
+                      <a:alpha val="43137"/>
+                    </a:srgbClr>
+                  </a:outerShdw>
+                </a:effectLst>
+                <a:latin typeface="Adobe Arabic" panose="02040503050201020203" pitchFamily="18" charset="-78"/>
+                <a:cs typeface="Adobe Arabic" panose="02040503050201020203" pitchFamily="18" charset="-78"/>
+              </a:rPr>
+              <a:t>Code Dojo</a:t>
+            </a:r>
+            <a:endParaRPr lang="fa-IR" sz="2800" dirty="0" smtClean="0">
+              <a:effectLst>
+                <a:outerShdw blurRad="38100" dist="38100" dir="2700000" algn="tl">
+                  <a:srgbClr val="000000">
+                    <a:alpha val="43137"/>
+                  </a:srgbClr>
+                </a:outerShdw>
+              </a:effectLst>
+              <a:latin typeface="Adobe Arabic" panose="02040503050201020203" pitchFamily="18" charset="-78"/>
+              <a:cs typeface="Adobe Arabic" panose="02040503050201020203" pitchFamily="18" charset="-78"/>
+            </a:endParaRPr>
+          </a:p>
+        </p:txBody>
+      </p:sp>
+      <p:sp>
+        <p:nvSpPr>
+          <p:cNvPr id="6" name="Title 1"/>
+          <p:cNvSpPr txBox="1">
+            <a:spLocks/>
+          </p:cNvSpPr>
+          <p:nvPr/>
+        </p:nvSpPr>
+        <p:spPr>
+          <a:xfrm>
+            <a:off x="444500" y="596900"/>
+            <a:ext cx="11341100" cy="685800"/>
+          </a:xfrm>
+          <a:prstGeom prst="rect">
+            <a:avLst/>
+          </a:prstGeom>
+          <a:effectLst>
+            <a:outerShdw blurRad="50800" dir="14400000">
+              <a:srgbClr val="000000">
+                <a:alpha val="60000"/>
+              </a:srgbClr>
+            </a:outerShdw>
+          </a:effectLst>
+        </p:spPr>
+        <p:txBody>
+          <a:bodyPr vert="horz" lIns="91440" tIns="45720" rIns="91440" bIns="45720" rtlCol="0" anchor="b">
+            <a:noAutofit/>
+          </a:bodyPr>
+          <a:lstStyle>
+            <a:lvl1pPr algn="l" defTabSz="457200" rtl="0" eaLnBrk="1" latinLnBrk="0" hangingPunct="1">
+              <a:spcBef>
+                <a:spcPct val="0"/>
+              </a:spcBef>
+              <a:buNone/>
+              <a:defRPr sz="4000" b="1" kern="1200">
+                <a:solidFill>
+                  <a:srgbClr val="FEFEFE"/>
+                </a:solidFill>
+                <a:latin typeface="+mj-lt"/>
+                <a:ea typeface="+mj-ea"/>
+                <a:cs typeface="+mj-cs"/>
+              </a:defRPr>
+            </a:lvl1pPr>
+            <a:lvl2pPr eaLnBrk="1" hangingPunct="1">
+              <a:defRPr>
+                <a:solidFill>
+                  <a:schemeClr val="tx2"/>
+                </a:solidFill>
+              </a:defRPr>
+            </a:lvl2pPr>
+            <a:lvl3pPr eaLnBrk="1" hangingPunct="1">
+              <a:defRPr>
+                <a:solidFill>
+                  <a:schemeClr val="tx2"/>
+                </a:solidFill>
+              </a:defRPr>
+            </a:lvl3pPr>
+            <a:lvl4pPr eaLnBrk="1" hangingPunct="1">
+              <a:defRPr>
+                <a:solidFill>
+                  <a:schemeClr val="tx2"/>
+                </a:solidFill>
+              </a:defRPr>
+            </a:lvl4pPr>
+            <a:lvl5pPr eaLnBrk="1" hangingPunct="1">
+              <a:defRPr>
+                <a:solidFill>
+                  <a:schemeClr val="tx2"/>
+                </a:solidFill>
+              </a:defRPr>
+            </a:lvl5pPr>
+            <a:lvl6pPr eaLnBrk="1" hangingPunct="1">
+              <a:defRPr>
+                <a:solidFill>
+                  <a:schemeClr val="tx2"/>
+                </a:solidFill>
+              </a:defRPr>
+            </a:lvl6pPr>
+            <a:lvl7pPr eaLnBrk="1" hangingPunct="1">
+              <a:defRPr>
+                <a:solidFill>
+                  <a:schemeClr val="tx2"/>
+                </a:solidFill>
+              </a:defRPr>
+            </a:lvl7pPr>
+            <a:lvl8pPr eaLnBrk="1" hangingPunct="1">
+              <a:defRPr>
+                <a:solidFill>
+                  <a:schemeClr val="tx2"/>
+                </a:solidFill>
+              </a:defRPr>
+            </a:lvl8pPr>
+            <a:lvl9pPr eaLnBrk="1" hangingPunct="1">
+              <a:defRPr>
+                <a:solidFill>
+                  <a:schemeClr val="tx2"/>
+                </a:solidFill>
+              </a:defRPr>
+            </a:lvl9pPr>
+          </a:lstStyle>
+          <a:p>
+            <a:pPr algn="r" rtl="1"/>
+            <a:r>
+              <a:rPr lang="fa-IR" sz="4400" dirty="0" smtClean="0">
+                <a:effectLst>
+                  <a:outerShdw blurRad="38100" dist="38100" dir="2700000" algn="tl">
+                    <a:srgbClr val="000000">
+                      <a:alpha val="43137"/>
+                    </a:srgbClr>
+                  </a:outerShdw>
+                </a:effectLst>
+                <a:latin typeface="Adobe Arabic" panose="02040503050201020203" pitchFamily="18" charset="-78"/>
+                <a:cs typeface="Adobe Arabic" panose="02040503050201020203" pitchFamily="18" charset="-78"/>
+              </a:rPr>
+              <a:t>فصل اول : حرفه ای گری </a:t>
+            </a:r>
+            <a:endParaRPr lang="en-US" sz="4400" dirty="0">
+              <a:effectLst>
+                <a:outerShdw blurRad="38100" dist="38100" dir="2700000" algn="tl">
+                  <a:srgbClr val="000000">
+                    <a:alpha val="43137"/>
+                  </a:srgbClr>
+                </a:outerShdw>
+              </a:effectLst>
+              <a:latin typeface="Adobe Arabic" panose="02040503050201020203" pitchFamily="18" charset="-78"/>
+              <a:cs typeface="Adobe Arabic" panose="02040503050201020203" pitchFamily="18" charset="-78"/>
+            </a:endParaRPr>
+          </a:p>
+        </p:txBody>
+      </p:sp>
+    </p:spTree>
+    <p:extLst>
+      <p:ext uri="{BB962C8B-B14F-4D97-AF65-F5344CB8AC3E}">
+        <p14:creationId xmlns:p14="http://schemas.microsoft.com/office/powerpoint/2010/main" val="3014631473"/>
+      </p:ext>
+    </p:extLst>
+  </p:cSld>
+  <p:clrMapOvr>
+    <a:masterClrMapping/>
+  </p:clrMapOvr>
+</p:sld>
+</file>
+
+<file path=ppt/slides/slide13.xml><?xml version="1.0" encoding="utf-8"?>
+<p:sld xmlns:a="http://schemas.openxmlformats.org/drawingml/2006/main" xmlns:r="http://schemas.openxmlformats.org/officeDocument/2006/relationships" xmlns:p="http://schemas.openxmlformats.org/presentationml/2006/main">
+  <p:cSld>
+    <p:spTree>
+      <p:nvGrpSpPr>
+        <p:cNvPr id="1" name=""/>
+        <p:cNvGrpSpPr/>
+        <p:nvPr/>
+      </p:nvGrpSpPr>
+      <p:grpSpPr>
+        <a:xfrm>
+          <a:off x="0" y="0"/>
+          <a:ext cx="0" cy="0"/>
+          <a:chOff x="0" y="0"/>
+          <a:chExt cx="0" cy="0"/>
+        </a:xfrm>
+      </p:grpSpPr>
+      <p:sp>
+        <p:nvSpPr>
+          <p:cNvPr id="2" name="Title 1"/>
+          <p:cNvSpPr>
+            <a:spLocks noGrp="1"/>
+          </p:cNvSpPr>
+          <p:nvPr>
+            <p:ph type="title"/>
+          </p:nvPr>
+        </p:nvSpPr>
+        <p:spPr>
+          <a:xfrm>
+            <a:off x="3492500" y="2034688"/>
+            <a:ext cx="7818249" cy="970450"/>
+          </a:xfrm>
+        </p:spPr>
+        <p:txBody>
+          <a:bodyPr/>
+          <a:lstStyle/>
+          <a:p>
+            <a:pPr algn="r" rtl="1"/>
+            <a:r>
+              <a:rPr lang="fa-IR" sz="4400" dirty="0">
+                <a:latin typeface="Adobe Arabic" panose="02040503050201020203" pitchFamily="18" charset="-78"/>
+                <a:cs typeface="Adobe Arabic" panose="02040503050201020203" pitchFamily="18" charset="-78"/>
+              </a:rPr>
+              <a:t>همکاری کنید</a:t>
+            </a:r>
+            <a:r>
+              <a:rPr lang="fa-IR" sz="4400" dirty="0" smtClean="0">
+                <a:latin typeface="Adobe Arabic" panose="02040503050201020203" pitchFamily="18" charset="-78"/>
+                <a:cs typeface="Adobe Arabic" panose="02040503050201020203" pitchFamily="18" charset="-78"/>
+              </a:rPr>
+              <a:t>.</a:t>
+            </a:r>
+            <a:r>
+              <a:rPr lang="fa-IR" sz="4400" dirty="0" smtClean="0">
+                <a:effectLst>
+                  <a:outerShdw blurRad="38100" dist="38100" dir="2700000" algn="tl">
+                    <a:srgbClr val="000000">
+                      <a:alpha val="43137"/>
+                    </a:srgbClr>
+                  </a:outerShdw>
+                </a:effectLst>
+                <a:latin typeface="Adobe Arabic" panose="02040503050201020203" pitchFamily="18" charset="-78"/>
+                <a:cs typeface="Adobe Arabic" panose="02040503050201020203" pitchFamily="18" charset="-78"/>
+              </a:rPr>
+              <a:t> </a:t>
+            </a:r>
+            <a:endParaRPr lang="fa-IR" sz="4400" dirty="0">
+              <a:effectLst>
+                <a:outerShdw blurRad="38100" dist="38100" dir="2700000" algn="tl">
+                  <a:srgbClr val="000000">
+                    <a:alpha val="43137"/>
+                  </a:srgbClr>
+                </a:outerShdw>
+              </a:effectLst>
+              <a:latin typeface="Adobe Arabic" panose="02040503050201020203" pitchFamily="18" charset="-78"/>
+              <a:cs typeface="Adobe Arabic" panose="02040503050201020203" pitchFamily="18" charset="-78"/>
+            </a:endParaRPr>
+          </a:p>
+        </p:txBody>
+      </p:sp>
+      <p:sp>
+        <p:nvSpPr>
+          <p:cNvPr id="4" name="TextBox 3"/>
+          <p:cNvSpPr txBox="1"/>
+          <p:nvPr/>
+        </p:nvSpPr>
+        <p:spPr>
+          <a:xfrm>
+            <a:off x="919351" y="3213098"/>
+            <a:ext cx="9888349" cy="954107"/>
+          </a:xfrm>
+          <a:prstGeom prst="rect">
+            <a:avLst/>
+          </a:prstGeom>
+          <a:noFill/>
+        </p:spPr>
+        <p:txBody>
+          <a:bodyPr wrap="square" numCol="1" rtlCol="0">
+            <a:spAutoFit/>
+          </a:bodyPr>
+          <a:lstStyle/>
+          <a:p>
+            <a:pPr algn="r" rtl="1"/>
+            <a:r>
+              <a:rPr lang="fa-IR" sz="2800" dirty="0" smtClean="0">
+                <a:effectLst>
+                  <a:outerShdw blurRad="38100" dist="38100" dir="2700000" algn="tl">
+                    <a:srgbClr val="000000">
+                      <a:alpha val="43137"/>
+                    </a:srgbClr>
+                  </a:outerShdw>
+                </a:effectLst>
+                <a:latin typeface="Adobe Arabic" panose="02040503050201020203" pitchFamily="18" charset="-78"/>
+                <a:cs typeface="Adobe Arabic" panose="02040503050201020203" pitchFamily="18" charset="-78"/>
+              </a:rPr>
+              <a:t>یکی بهترین روش دیگر برای یادگیری و تمرین کردن ، همکاری با سایرین است . زمانی که با سایر برنامه نویسان همکاری می کنید ، از یکدیگر می آموزید . </a:t>
+            </a:r>
+            <a:endParaRPr lang="fa-IR" sz="2800" dirty="0" smtClean="0">
+              <a:effectLst>
+                <a:outerShdw blurRad="38100" dist="38100" dir="2700000" algn="tl">
+                  <a:srgbClr val="000000">
+                    <a:alpha val="43137"/>
+                  </a:srgbClr>
+                </a:outerShdw>
+              </a:effectLst>
+              <a:latin typeface="Adobe Arabic" panose="02040503050201020203" pitchFamily="18" charset="-78"/>
+              <a:cs typeface="Adobe Arabic" panose="02040503050201020203" pitchFamily="18" charset="-78"/>
+            </a:endParaRPr>
+          </a:p>
+        </p:txBody>
+      </p:sp>
+      <p:sp>
+        <p:nvSpPr>
+          <p:cNvPr id="6" name="Title 1"/>
+          <p:cNvSpPr txBox="1">
+            <a:spLocks/>
+          </p:cNvSpPr>
+          <p:nvPr/>
+        </p:nvSpPr>
+        <p:spPr>
+          <a:xfrm>
+            <a:off x="444500" y="596900"/>
+            <a:ext cx="11341100" cy="685800"/>
+          </a:xfrm>
+          <a:prstGeom prst="rect">
+            <a:avLst/>
+          </a:prstGeom>
+          <a:effectLst>
+            <a:outerShdw blurRad="50800" dir="14400000">
+              <a:srgbClr val="000000">
+                <a:alpha val="60000"/>
+              </a:srgbClr>
+            </a:outerShdw>
+          </a:effectLst>
+        </p:spPr>
+        <p:txBody>
+          <a:bodyPr vert="horz" lIns="91440" tIns="45720" rIns="91440" bIns="45720" rtlCol="0" anchor="b">
+            <a:noAutofit/>
+          </a:bodyPr>
+          <a:lstStyle>
+            <a:lvl1pPr algn="l" defTabSz="457200" rtl="0" eaLnBrk="1" latinLnBrk="0" hangingPunct="1">
+              <a:spcBef>
+                <a:spcPct val="0"/>
+              </a:spcBef>
+              <a:buNone/>
+              <a:defRPr sz="4000" b="1" kern="1200">
+                <a:solidFill>
+                  <a:srgbClr val="FEFEFE"/>
+                </a:solidFill>
+                <a:latin typeface="+mj-lt"/>
+                <a:ea typeface="+mj-ea"/>
+                <a:cs typeface="+mj-cs"/>
+              </a:defRPr>
+            </a:lvl1pPr>
+            <a:lvl2pPr eaLnBrk="1" hangingPunct="1">
+              <a:defRPr>
+                <a:solidFill>
+                  <a:schemeClr val="tx2"/>
+                </a:solidFill>
+              </a:defRPr>
+            </a:lvl2pPr>
+            <a:lvl3pPr eaLnBrk="1" hangingPunct="1">
+              <a:defRPr>
+                <a:solidFill>
+                  <a:schemeClr val="tx2"/>
+                </a:solidFill>
+              </a:defRPr>
+            </a:lvl3pPr>
+            <a:lvl4pPr eaLnBrk="1" hangingPunct="1">
+              <a:defRPr>
+                <a:solidFill>
+                  <a:schemeClr val="tx2"/>
+                </a:solidFill>
+              </a:defRPr>
+            </a:lvl4pPr>
+            <a:lvl5pPr eaLnBrk="1" hangingPunct="1">
+              <a:defRPr>
+                <a:solidFill>
+                  <a:schemeClr val="tx2"/>
+                </a:solidFill>
+              </a:defRPr>
+            </a:lvl5pPr>
+            <a:lvl6pPr eaLnBrk="1" hangingPunct="1">
+              <a:defRPr>
+                <a:solidFill>
+                  <a:schemeClr val="tx2"/>
+                </a:solidFill>
+              </a:defRPr>
+            </a:lvl6pPr>
+            <a:lvl7pPr eaLnBrk="1" hangingPunct="1">
+              <a:defRPr>
+                <a:solidFill>
+                  <a:schemeClr val="tx2"/>
+                </a:solidFill>
+              </a:defRPr>
+            </a:lvl7pPr>
+            <a:lvl8pPr eaLnBrk="1" hangingPunct="1">
+              <a:defRPr>
+                <a:solidFill>
+                  <a:schemeClr val="tx2"/>
+                </a:solidFill>
+              </a:defRPr>
+            </a:lvl8pPr>
+            <a:lvl9pPr eaLnBrk="1" hangingPunct="1">
+              <a:defRPr>
+                <a:solidFill>
+                  <a:schemeClr val="tx2"/>
+                </a:solidFill>
+              </a:defRPr>
+            </a:lvl9pPr>
+          </a:lstStyle>
+          <a:p>
+            <a:pPr algn="r" rtl="1"/>
+            <a:r>
+              <a:rPr lang="fa-IR" sz="4400" dirty="0" smtClean="0">
+                <a:effectLst>
+                  <a:outerShdw blurRad="38100" dist="38100" dir="2700000" algn="tl">
+                    <a:srgbClr val="000000">
+                      <a:alpha val="43137"/>
+                    </a:srgbClr>
+                  </a:outerShdw>
+                </a:effectLst>
+                <a:latin typeface="Adobe Arabic" panose="02040503050201020203" pitchFamily="18" charset="-78"/>
+                <a:cs typeface="Adobe Arabic" panose="02040503050201020203" pitchFamily="18" charset="-78"/>
+              </a:rPr>
+              <a:t>فصل اول : حرفه ای گری </a:t>
+            </a:r>
+            <a:endParaRPr lang="en-US" sz="4400" dirty="0">
+              <a:effectLst>
+                <a:outerShdw blurRad="38100" dist="38100" dir="2700000" algn="tl">
+                  <a:srgbClr val="000000">
+                    <a:alpha val="43137"/>
+                  </a:srgbClr>
+                </a:outerShdw>
+              </a:effectLst>
+              <a:latin typeface="Adobe Arabic" panose="02040503050201020203" pitchFamily="18" charset="-78"/>
+              <a:cs typeface="Adobe Arabic" panose="02040503050201020203" pitchFamily="18" charset="-78"/>
+            </a:endParaRPr>
+          </a:p>
+        </p:txBody>
+      </p:sp>
+      <p:sp>
+        <p:nvSpPr>
+          <p:cNvPr id="5" name="Title 1"/>
+          <p:cNvSpPr txBox="1">
+            <a:spLocks/>
+          </p:cNvSpPr>
+          <p:nvPr/>
+        </p:nvSpPr>
+        <p:spPr>
+          <a:xfrm>
+            <a:off x="3492500" y="4167205"/>
+            <a:ext cx="7818249" cy="970450"/>
+          </a:xfrm>
+          <a:prstGeom prst="rect">
+            <a:avLst/>
+          </a:prstGeom>
+          <a:effectLst>
+            <a:outerShdw blurRad="50800" dir="14400000">
+              <a:srgbClr val="000000">
+                <a:alpha val="60000"/>
+              </a:srgbClr>
+            </a:outerShdw>
+          </a:effectLst>
+        </p:spPr>
+        <p:txBody>
+          <a:bodyPr vert="horz" lIns="91440" tIns="45720" rIns="91440" bIns="45720" rtlCol="0" anchor="b">
+            <a:noAutofit/>
+          </a:bodyPr>
+          <a:lstStyle>
+            <a:lvl1pPr algn="l" defTabSz="457200" rtl="0" eaLnBrk="1" latinLnBrk="0" hangingPunct="1">
+              <a:spcBef>
+                <a:spcPct val="0"/>
+              </a:spcBef>
+              <a:buNone/>
+              <a:defRPr sz="4000" b="1" kern="1200">
+                <a:solidFill>
+                  <a:srgbClr val="FEFEFE"/>
+                </a:solidFill>
+                <a:latin typeface="+mj-lt"/>
+                <a:ea typeface="+mj-ea"/>
+                <a:cs typeface="+mj-cs"/>
+              </a:defRPr>
+            </a:lvl1pPr>
+            <a:lvl2pPr eaLnBrk="1" hangingPunct="1">
+              <a:defRPr>
+                <a:solidFill>
+                  <a:schemeClr val="tx2"/>
+                </a:solidFill>
+              </a:defRPr>
+            </a:lvl2pPr>
+            <a:lvl3pPr eaLnBrk="1" hangingPunct="1">
+              <a:defRPr>
+                <a:solidFill>
+                  <a:schemeClr val="tx2"/>
+                </a:solidFill>
+              </a:defRPr>
+            </a:lvl3pPr>
+            <a:lvl4pPr eaLnBrk="1" hangingPunct="1">
+              <a:defRPr>
+                <a:solidFill>
+                  <a:schemeClr val="tx2"/>
+                </a:solidFill>
+              </a:defRPr>
+            </a:lvl4pPr>
+            <a:lvl5pPr eaLnBrk="1" hangingPunct="1">
+              <a:defRPr>
+                <a:solidFill>
+                  <a:schemeClr val="tx2"/>
+                </a:solidFill>
+              </a:defRPr>
+            </a:lvl5pPr>
+            <a:lvl6pPr eaLnBrk="1" hangingPunct="1">
+              <a:defRPr>
+                <a:solidFill>
+                  <a:schemeClr val="tx2"/>
+                </a:solidFill>
+              </a:defRPr>
+            </a:lvl6pPr>
+            <a:lvl7pPr eaLnBrk="1" hangingPunct="1">
+              <a:defRPr>
+                <a:solidFill>
+                  <a:schemeClr val="tx2"/>
+                </a:solidFill>
+              </a:defRPr>
+            </a:lvl7pPr>
+            <a:lvl8pPr eaLnBrk="1" hangingPunct="1">
+              <a:defRPr>
+                <a:solidFill>
+                  <a:schemeClr val="tx2"/>
+                </a:solidFill>
+              </a:defRPr>
+            </a:lvl8pPr>
+            <a:lvl9pPr eaLnBrk="1" hangingPunct="1">
+              <a:defRPr>
+                <a:solidFill>
+                  <a:schemeClr val="tx2"/>
+                </a:solidFill>
+              </a:defRPr>
+            </a:lvl9pPr>
+          </a:lstStyle>
+          <a:p>
+            <a:pPr algn="r" rtl="1"/>
+            <a:r>
+              <a:rPr lang="fa-IR" sz="4400" dirty="0" smtClean="0">
+                <a:latin typeface="Adobe Arabic" panose="02040503050201020203" pitchFamily="18" charset="-78"/>
+                <a:cs typeface="Adobe Arabic" panose="02040503050201020203" pitchFamily="18" charset="-78"/>
+              </a:rPr>
+              <a:t>آموزش دهید.</a:t>
+            </a:r>
+            <a:r>
+              <a:rPr lang="fa-IR" sz="4400" dirty="0" smtClean="0">
+                <a:effectLst>
+                  <a:outerShdw blurRad="38100" dist="38100" dir="2700000" algn="tl">
+                    <a:srgbClr val="000000">
+                      <a:alpha val="43137"/>
+                    </a:srgbClr>
+                  </a:outerShdw>
+                </a:effectLst>
+                <a:latin typeface="Adobe Arabic" panose="02040503050201020203" pitchFamily="18" charset="-78"/>
+                <a:cs typeface="Adobe Arabic" panose="02040503050201020203" pitchFamily="18" charset="-78"/>
+              </a:rPr>
+              <a:t> </a:t>
+            </a:r>
+            <a:endParaRPr lang="fa-IR" sz="4400" dirty="0">
+              <a:effectLst>
+                <a:outerShdw blurRad="38100" dist="38100" dir="2700000" algn="tl">
+                  <a:srgbClr val="000000">
+                    <a:alpha val="43137"/>
+                  </a:srgbClr>
+                </a:outerShdw>
+              </a:effectLst>
+              <a:latin typeface="Adobe Arabic" panose="02040503050201020203" pitchFamily="18" charset="-78"/>
+              <a:cs typeface="Adobe Arabic" panose="02040503050201020203" pitchFamily="18" charset="-78"/>
+            </a:endParaRPr>
+          </a:p>
+        </p:txBody>
+      </p:sp>
+      <p:sp>
+        <p:nvSpPr>
+          <p:cNvPr id="7" name="TextBox 6"/>
+          <p:cNvSpPr txBox="1"/>
+          <p:nvPr/>
+        </p:nvSpPr>
+        <p:spPr>
+          <a:xfrm>
+            <a:off x="919351" y="5345615"/>
+            <a:ext cx="9888349" cy="954107"/>
+          </a:xfrm>
+          <a:prstGeom prst="rect">
+            <a:avLst/>
+          </a:prstGeom>
+          <a:noFill/>
+        </p:spPr>
+        <p:txBody>
+          <a:bodyPr wrap="square" numCol="1" rtlCol="0">
+            <a:spAutoFit/>
+          </a:bodyPr>
+          <a:lstStyle/>
+          <a:p>
+            <a:pPr algn="r" rtl="1"/>
+            <a:r>
+              <a:rPr lang="fa-IR" sz="2800" dirty="0" smtClean="0">
+                <a:effectLst>
+                  <a:outerShdw blurRad="38100" dist="38100" dir="2700000" algn="tl">
+                    <a:srgbClr val="000000">
+                      <a:alpha val="43137"/>
+                    </a:srgbClr>
+                  </a:outerShdw>
+                </a:effectLst>
+                <a:latin typeface="Adobe Arabic" panose="02040503050201020203" pitchFamily="18" charset="-78"/>
+                <a:cs typeface="Adobe Arabic" panose="02040503050201020203" pitchFamily="18" charset="-78"/>
+              </a:rPr>
+              <a:t>یکی از بهترین روش های یادگیری ، آموزش دادن به سایرین است . حرفه ای ها ، آموزش دادن به تازه کارها را وظیفه ی شخصی خود می دانند . </a:t>
+            </a:r>
+            <a:endParaRPr lang="fa-IR" sz="2800" dirty="0" smtClean="0">
+              <a:effectLst>
+                <a:outerShdw blurRad="38100" dist="38100" dir="2700000" algn="tl">
+                  <a:srgbClr val="000000">
+                    <a:alpha val="43137"/>
+                  </a:srgbClr>
+                </a:outerShdw>
+              </a:effectLst>
+              <a:latin typeface="Adobe Arabic" panose="02040503050201020203" pitchFamily="18" charset="-78"/>
+              <a:cs typeface="Adobe Arabic" panose="02040503050201020203" pitchFamily="18" charset="-78"/>
+            </a:endParaRPr>
+          </a:p>
+        </p:txBody>
+      </p:sp>
+    </p:spTree>
+    <p:extLst>
+      <p:ext uri="{BB962C8B-B14F-4D97-AF65-F5344CB8AC3E}">
+        <p14:creationId xmlns:p14="http://schemas.microsoft.com/office/powerpoint/2010/main" val="2231236761"/>
+      </p:ext>
+    </p:extLst>
+  </p:cSld>
+  <p:clrMapOvr>
+    <a:masterClrMapping/>
+  </p:clrMapOvr>
+</p:sld>
+</file>
+
+<file path=ppt/slides/slide14.xml><?xml version="1.0" encoding="utf-8"?>
+<p:sld xmlns:a="http://schemas.openxmlformats.org/drawingml/2006/main" xmlns:r="http://schemas.openxmlformats.org/officeDocument/2006/relationships" xmlns:p="http://schemas.openxmlformats.org/presentationml/2006/main">
+  <p:cSld>
+    <p:spTree>
+      <p:nvGrpSpPr>
+        <p:cNvPr id="1" name=""/>
+        <p:cNvGrpSpPr/>
+        <p:nvPr/>
+      </p:nvGrpSpPr>
+      <p:grpSpPr>
+        <a:xfrm>
+          <a:off x="0" y="0"/>
+          <a:ext cx="0" cy="0"/>
+          <a:chOff x="0" y="0"/>
+          <a:chExt cx="0" cy="0"/>
+        </a:xfrm>
+      </p:grpSpPr>
+      <p:sp>
+        <p:nvSpPr>
+          <p:cNvPr id="2" name="Title 1"/>
+          <p:cNvSpPr>
+            <a:spLocks noGrp="1"/>
+          </p:cNvSpPr>
+          <p:nvPr>
+            <p:ph type="title"/>
+          </p:nvPr>
+        </p:nvSpPr>
+        <p:spPr>
+          <a:xfrm>
+            <a:off x="3492500" y="2034688"/>
+            <a:ext cx="7818249" cy="970450"/>
+          </a:xfrm>
+        </p:spPr>
+        <p:txBody>
+          <a:bodyPr/>
+          <a:lstStyle/>
+          <a:p>
+            <a:pPr algn="r" rtl="1"/>
+            <a:r>
+              <a:rPr lang="fa-IR" sz="4400" dirty="0" smtClean="0">
+                <a:latin typeface="Adobe Arabic" panose="02040503050201020203" pitchFamily="18" charset="-78"/>
+                <a:cs typeface="Adobe Arabic" panose="02040503050201020203" pitchFamily="18" charset="-78"/>
+              </a:rPr>
+              <a:t>دامین خود را بشناسید.</a:t>
+            </a:r>
+            <a:r>
+              <a:rPr lang="fa-IR" sz="4400" dirty="0" smtClean="0">
+                <a:effectLst>
+                  <a:outerShdw blurRad="38100" dist="38100" dir="2700000" algn="tl">
+                    <a:srgbClr val="000000">
+                      <a:alpha val="43137"/>
+                    </a:srgbClr>
+                  </a:outerShdw>
+                </a:effectLst>
+                <a:latin typeface="Adobe Arabic" panose="02040503050201020203" pitchFamily="18" charset="-78"/>
+                <a:cs typeface="Adobe Arabic" panose="02040503050201020203" pitchFamily="18" charset="-78"/>
+              </a:rPr>
+              <a:t> </a:t>
+            </a:r>
+            <a:endParaRPr lang="fa-IR" sz="4400" dirty="0">
+              <a:effectLst>
+                <a:outerShdw blurRad="38100" dist="38100" dir="2700000" algn="tl">
+                  <a:srgbClr val="000000">
+                    <a:alpha val="43137"/>
+                  </a:srgbClr>
+                </a:outerShdw>
+              </a:effectLst>
+              <a:latin typeface="Adobe Arabic" panose="02040503050201020203" pitchFamily="18" charset="-78"/>
+              <a:cs typeface="Adobe Arabic" panose="02040503050201020203" pitchFamily="18" charset="-78"/>
+            </a:endParaRPr>
+          </a:p>
+        </p:txBody>
+      </p:sp>
+      <p:sp>
+        <p:nvSpPr>
+          <p:cNvPr id="4" name="TextBox 3"/>
+          <p:cNvSpPr txBox="1"/>
+          <p:nvPr/>
+        </p:nvSpPr>
+        <p:spPr>
+          <a:xfrm>
+            <a:off x="919351" y="3109118"/>
+            <a:ext cx="9888349" cy="954107"/>
+          </a:xfrm>
+          <a:prstGeom prst="rect">
+            <a:avLst/>
+          </a:prstGeom>
+          <a:noFill/>
+        </p:spPr>
+        <p:txBody>
+          <a:bodyPr wrap="square" numCol="1" rtlCol="0">
+            <a:spAutoFit/>
+          </a:bodyPr>
+          <a:lstStyle/>
+          <a:p>
+            <a:pPr algn="r" rtl="1"/>
+            <a:r>
+              <a:rPr lang="fa-IR" sz="2800" dirty="0" smtClean="0">
+                <a:effectLst>
+                  <a:outerShdw blurRad="38100" dist="38100" dir="2700000" algn="tl">
+                    <a:srgbClr val="000000">
+                      <a:alpha val="43137"/>
+                    </a:srgbClr>
+                  </a:outerShdw>
+                </a:effectLst>
+                <a:latin typeface="Adobe Arabic" panose="02040503050201020203" pitchFamily="18" charset="-78"/>
+                <a:cs typeface="Adobe Arabic" panose="02040503050201020203" pitchFamily="18" charset="-78"/>
+              </a:rPr>
+              <a:t>دانستن دامین ( تجارت ) مسئله ای که برای آن برنامه نویسی می کنند ، وظیفه ای هر برنامه نویسی است . برای مثال اگر برنامه حسابداری می نویسید ، باید در زمینه ی حسابداری اطلاعات کافی داشته باشید. </a:t>
+            </a:r>
+            <a:endParaRPr lang="fa-IR" sz="2800" dirty="0" smtClean="0">
+              <a:effectLst>
+                <a:outerShdw blurRad="38100" dist="38100" dir="2700000" algn="tl">
+                  <a:srgbClr val="000000">
+                    <a:alpha val="43137"/>
+                  </a:srgbClr>
+                </a:outerShdw>
+              </a:effectLst>
+              <a:latin typeface="Adobe Arabic" panose="02040503050201020203" pitchFamily="18" charset="-78"/>
+              <a:cs typeface="Adobe Arabic" panose="02040503050201020203" pitchFamily="18" charset="-78"/>
+            </a:endParaRPr>
+          </a:p>
+        </p:txBody>
+      </p:sp>
+      <p:sp>
+        <p:nvSpPr>
+          <p:cNvPr id="6" name="Title 1"/>
+          <p:cNvSpPr txBox="1">
+            <a:spLocks/>
+          </p:cNvSpPr>
+          <p:nvPr/>
+        </p:nvSpPr>
+        <p:spPr>
+          <a:xfrm>
+            <a:off x="444500" y="596900"/>
+            <a:ext cx="11341100" cy="685800"/>
+          </a:xfrm>
+          <a:prstGeom prst="rect">
+            <a:avLst/>
+          </a:prstGeom>
+          <a:effectLst>
+            <a:outerShdw blurRad="50800" dir="14400000">
+              <a:srgbClr val="000000">
+                <a:alpha val="60000"/>
+              </a:srgbClr>
+            </a:outerShdw>
+          </a:effectLst>
+        </p:spPr>
+        <p:txBody>
+          <a:bodyPr vert="horz" lIns="91440" tIns="45720" rIns="91440" bIns="45720" rtlCol="0" anchor="b">
+            <a:noAutofit/>
+          </a:bodyPr>
+          <a:lstStyle>
+            <a:lvl1pPr algn="l" defTabSz="457200" rtl="0" eaLnBrk="1" latinLnBrk="0" hangingPunct="1">
+              <a:spcBef>
+                <a:spcPct val="0"/>
+              </a:spcBef>
+              <a:buNone/>
+              <a:defRPr sz="4000" b="1" kern="1200">
+                <a:solidFill>
+                  <a:srgbClr val="FEFEFE"/>
+                </a:solidFill>
+                <a:latin typeface="+mj-lt"/>
+                <a:ea typeface="+mj-ea"/>
+                <a:cs typeface="+mj-cs"/>
+              </a:defRPr>
+            </a:lvl1pPr>
+            <a:lvl2pPr eaLnBrk="1" hangingPunct="1">
+              <a:defRPr>
+                <a:solidFill>
+                  <a:schemeClr val="tx2"/>
+                </a:solidFill>
+              </a:defRPr>
+            </a:lvl2pPr>
+            <a:lvl3pPr eaLnBrk="1" hangingPunct="1">
+              <a:defRPr>
+                <a:solidFill>
+                  <a:schemeClr val="tx2"/>
+                </a:solidFill>
+              </a:defRPr>
+            </a:lvl3pPr>
+            <a:lvl4pPr eaLnBrk="1" hangingPunct="1">
+              <a:defRPr>
+                <a:solidFill>
+                  <a:schemeClr val="tx2"/>
+                </a:solidFill>
+              </a:defRPr>
+            </a:lvl4pPr>
+            <a:lvl5pPr eaLnBrk="1" hangingPunct="1">
+              <a:defRPr>
+                <a:solidFill>
+                  <a:schemeClr val="tx2"/>
+                </a:solidFill>
+              </a:defRPr>
+            </a:lvl5pPr>
+            <a:lvl6pPr eaLnBrk="1" hangingPunct="1">
+              <a:defRPr>
+                <a:solidFill>
+                  <a:schemeClr val="tx2"/>
+                </a:solidFill>
+              </a:defRPr>
+            </a:lvl6pPr>
+            <a:lvl7pPr eaLnBrk="1" hangingPunct="1">
+              <a:defRPr>
+                <a:solidFill>
+                  <a:schemeClr val="tx2"/>
+                </a:solidFill>
+              </a:defRPr>
+            </a:lvl7pPr>
+            <a:lvl8pPr eaLnBrk="1" hangingPunct="1">
+              <a:defRPr>
+                <a:solidFill>
+                  <a:schemeClr val="tx2"/>
+                </a:solidFill>
+              </a:defRPr>
+            </a:lvl8pPr>
+            <a:lvl9pPr eaLnBrk="1" hangingPunct="1">
+              <a:defRPr>
+                <a:solidFill>
+                  <a:schemeClr val="tx2"/>
+                </a:solidFill>
+              </a:defRPr>
+            </a:lvl9pPr>
+          </a:lstStyle>
+          <a:p>
+            <a:pPr algn="r" rtl="1"/>
+            <a:r>
+              <a:rPr lang="fa-IR" sz="4400" dirty="0" smtClean="0">
+                <a:effectLst>
+                  <a:outerShdw blurRad="38100" dist="38100" dir="2700000" algn="tl">
+                    <a:srgbClr val="000000">
+                      <a:alpha val="43137"/>
+                    </a:srgbClr>
+                  </a:outerShdw>
+                </a:effectLst>
+                <a:latin typeface="Adobe Arabic" panose="02040503050201020203" pitchFamily="18" charset="-78"/>
+                <a:cs typeface="Adobe Arabic" panose="02040503050201020203" pitchFamily="18" charset="-78"/>
+              </a:rPr>
+              <a:t>فصل اول : حرفه ای گری </a:t>
+            </a:r>
+            <a:endParaRPr lang="en-US" sz="4400" dirty="0">
+              <a:effectLst>
+                <a:outerShdw blurRad="38100" dist="38100" dir="2700000" algn="tl">
+                  <a:srgbClr val="000000">
+                    <a:alpha val="43137"/>
+                  </a:srgbClr>
+                </a:outerShdw>
+              </a:effectLst>
+              <a:latin typeface="Adobe Arabic" panose="02040503050201020203" pitchFamily="18" charset="-78"/>
+              <a:cs typeface="Adobe Arabic" panose="02040503050201020203" pitchFamily="18" charset="-78"/>
+            </a:endParaRPr>
+          </a:p>
+        </p:txBody>
+      </p:sp>
+      <p:sp>
+        <p:nvSpPr>
+          <p:cNvPr id="5" name="Title 1"/>
+          <p:cNvSpPr txBox="1">
+            <a:spLocks/>
+          </p:cNvSpPr>
+          <p:nvPr/>
+        </p:nvSpPr>
+        <p:spPr>
+          <a:xfrm>
+            <a:off x="3492500" y="4167205"/>
+            <a:ext cx="7818249" cy="970450"/>
+          </a:xfrm>
+          <a:prstGeom prst="rect">
+            <a:avLst/>
+          </a:prstGeom>
+          <a:effectLst>
+            <a:outerShdw blurRad="50800" dir="14400000">
+              <a:srgbClr val="000000">
+                <a:alpha val="60000"/>
+              </a:srgbClr>
+            </a:outerShdw>
+          </a:effectLst>
+        </p:spPr>
+        <p:txBody>
+          <a:bodyPr vert="horz" lIns="91440" tIns="45720" rIns="91440" bIns="45720" rtlCol="0" anchor="b">
+            <a:noAutofit/>
+          </a:bodyPr>
+          <a:lstStyle>
+            <a:lvl1pPr algn="l" defTabSz="457200" rtl="0" eaLnBrk="1" latinLnBrk="0" hangingPunct="1">
+              <a:spcBef>
+                <a:spcPct val="0"/>
+              </a:spcBef>
+              <a:buNone/>
+              <a:defRPr sz="4000" b="1" kern="1200">
+                <a:solidFill>
+                  <a:srgbClr val="FEFEFE"/>
+                </a:solidFill>
+                <a:latin typeface="+mj-lt"/>
+                <a:ea typeface="+mj-ea"/>
+                <a:cs typeface="+mj-cs"/>
+              </a:defRPr>
+            </a:lvl1pPr>
+            <a:lvl2pPr eaLnBrk="1" hangingPunct="1">
+              <a:defRPr>
+                <a:solidFill>
+                  <a:schemeClr val="tx2"/>
+                </a:solidFill>
+              </a:defRPr>
+            </a:lvl2pPr>
+            <a:lvl3pPr eaLnBrk="1" hangingPunct="1">
+              <a:defRPr>
+                <a:solidFill>
+                  <a:schemeClr val="tx2"/>
+                </a:solidFill>
+              </a:defRPr>
+            </a:lvl3pPr>
+            <a:lvl4pPr eaLnBrk="1" hangingPunct="1">
+              <a:defRPr>
+                <a:solidFill>
+                  <a:schemeClr val="tx2"/>
+                </a:solidFill>
+              </a:defRPr>
+            </a:lvl4pPr>
+            <a:lvl5pPr eaLnBrk="1" hangingPunct="1">
+              <a:defRPr>
+                <a:solidFill>
+                  <a:schemeClr val="tx2"/>
+                </a:solidFill>
+              </a:defRPr>
+            </a:lvl5pPr>
+            <a:lvl6pPr eaLnBrk="1" hangingPunct="1">
+              <a:defRPr>
+                <a:solidFill>
+                  <a:schemeClr val="tx2"/>
+                </a:solidFill>
+              </a:defRPr>
+            </a:lvl6pPr>
+            <a:lvl7pPr eaLnBrk="1" hangingPunct="1">
+              <a:defRPr>
+                <a:solidFill>
+                  <a:schemeClr val="tx2"/>
+                </a:solidFill>
+              </a:defRPr>
+            </a:lvl7pPr>
+            <a:lvl8pPr eaLnBrk="1" hangingPunct="1">
+              <a:defRPr>
+                <a:solidFill>
+                  <a:schemeClr val="tx2"/>
+                </a:solidFill>
+              </a:defRPr>
+            </a:lvl8pPr>
+            <a:lvl9pPr eaLnBrk="1" hangingPunct="1">
+              <a:defRPr>
+                <a:solidFill>
+                  <a:schemeClr val="tx2"/>
+                </a:solidFill>
+              </a:defRPr>
+            </a:lvl9pPr>
+          </a:lstStyle>
+          <a:p>
+            <a:pPr algn="r" rtl="1"/>
+            <a:r>
+              <a:rPr lang="fa-IR" sz="4400" dirty="0" smtClean="0">
+                <a:latin typeface="Adobe Arabic" panose="02040503050201020203" pitchFamily="18" charset="-78"/>
+                <a:cs typeface="Adobe Arabic" panose="02040503050201020203" pitchFamily="18" charset="-78"/>
+              </a:rPr>
+              <a:t>مشکل استخدام کننده ی شما ، مشکل شماست.</a:t>
+            </a:r>
+            <a:r>
+              <a:rPr lang="fa-IR" sz="4400" dirty="0" smtClean="0">
+                <a:effectLst>
+                  <a:outerShdw blurRad="38100" dist="38100" dir="2700000" algn="tl">
+                    <a:srgbClr val="000000">
+                      <a:alpha val="43137"/>
+                    </a:srgbClr>
+                  </a:outerShdw>
+                </a:effectLst>
+                <a:latin typeface="Adobe Arabic" panose="02040503050201020203" pitchFamily="18" charset="-78"/>
+                <a:cs typeface="Adobe Arabic" panose="02040503050201020203" pitchFamily="18" charset="-78"/>
+              </a:rPr>
+              <a:t> </a:t>
+            </a:r>
+            <a:endParaRPr lang="fa-IR" sz="4400" dirty="0">
+              <a:effectLst>
+                <a:outerShdw blurRad="38100" dist="38100" dir="2700000" algn="tl">
+                  <a:srgbClr val="000000">
+                    <a:alpha val="43137"/>
+                  </a:srgbClr>
+                </a:outerShdw>
+              </a:effectLst>
+              <a:latin typeface="Adobe Arabic" panose="02040503050201020203" pitchFamily="18" charset="-78"/>
+              <a:cs typeface="Adobe Arabic" panose="02040503050201020203" pitchFamily="18" charset="-78"/>
+            </a:endParaRPr>
+          </a:p>
+        </p:txBody>
+      </p:sp>
+      <p:sp>
+        <p:nvSpPr>
+          <p:cNvPr id="7" name="TextBox 6"/>
+          <p:cNvSpPr txBox="1"/>
+          <p:nvPr/>
+        </p:nvSpPr>
+        <p:spPr>
+          <a:xfrm>
+            <a:off x="919351" y="5241635"/>
+            <a:ext cx="9888349" cy="954107"/>
+          </a:xfrm>
+          <a:prstGeom prst="rect">
+            <a:avLst/>
+          </a:prstGeom>
+          <a:noFill/>
+        </p:spPr>
+        <p:txBody>
+          <a:bodyPr wrap="square" numCol="1" rtlCol="0">
+            <a:spAutoFit/>
+          </a:bodyPr>
+          <a:lstStyle/>
+          <a:p>
+            <a:pPr algn="r" rtl="1"/>
+            <a:r>
+              <a:rPr lang="fa-IR" sz="2800" dirty="0">
+                <a:latin typeface="Adobe Arabic" panose="02040503050201020203" pitchFamily="18" charset="-78"/>
+                <a:cs typeface="Adobe Arabic" panose="02040503050201020203" pitchFamily="18" charset="-78"/>
+              </a:rPr>
+              <a:t>مشکل استخدام کننده ی شما ، مشکل شماست.</a:t>
+            </a:r>
+            <a:r>
+              <a:rPr lang="fa-IR" sz="2800" dirty="0">
+                <a:effectLst>
+                  <a:outerShdw blurRad="38100" dist="38100" dir="2700000" algn="tl">
+                    <a:srgbClr val="000000">
+                      <a:alpha val="43137"/>
+                    </a:srgbClr>
+                  </a:outerShdw>
+                </a:effectLst>
+                <a:latin typeface="Adobe Arabic" panose="02040503050201020203" pitchFamily="18" charset="-78"/>
+                <a:cs typeface="Adobe Arabic" panose="02040503050201020203" pitchFamily="18" charset="-78"/>
+              </a:rPr>
+              <a:t> </a:t>
+            </a:r>
+            <a:r>
+              <a:rPr lang="fa-IR" sz="2800" dirty="0" smtClean="0">
+                <a:effectLst>
+                  <a:outerShdw blurRad="38100" dist="38100" dir="2700000" algn="tl">
+                    <a:srgbClr val="000000">
+                      <a:alpha val="43137"/>
+                    </a:srgbClr>
+                  </a:outerShdw>
+                </a:effectLst>
+                <a:latin typeface="Adobe Arabic" panose="02040503050201020203" pitchFamily="18" charset="-78"/>
+                <a:cs typeface="Adobe Arabic" panose="02040503050201020203" pitchFamily="18" charset="-78"/>
+              </a:rPr>
+              <a:t>شما باید در مورد این مشکلات اطلاعات داشته باشید و به دنبال بهترین راه حل بگردید .  نباید در دام « ما – در برابر – آنها » بیافتید . </a:t>
+            </a:r>
+            <a:endParaRPr lang="fa-IR" sz="2800" dirty="0">
+              <a:effectLst>
+                <a:outerShdw blurRad="38100" dist="38100" dir="2700000" algn="tl">
+                  <a:srgbClr val="000000">
+                    <a:alpha val="43137"/>
+                  </a:srgbClr>
+                </a:outerShdw>
+              </a:effectLst>
+              <a:latin typeface="Adobe Arabic" panose="02040503050201020203" pitchFamily="18" charset="-78"/>
+              <a:cs typeface="Adobe Arabic" panose="02040503050201020203" pitchFamily="18" charset="-78"/>
+            </a:endParaRPr>
+          </a:p>
+        </p:txBody>
+      </p:sp>
+    </p:spTree>
+    <p:extLst>
+      <p:ext uri="{BB962C8B-B14F-4D97-AF65-F5344CB8AC3E}">
+        <p14:creationId xmlns:p14="http://schemas.microsoft.com/office/powerpoint/2010/main" val="1121143605"/>
+      </p:ext>
+    </p:extLst>
+  </p:cSld>
+  <p:clrMapOvr>
+    <a:masterClrMapping/>
+  </p:clrMapOvr>
+</p:sld>
+</file>
+
+<file path=ppt/slides/slide15.xml><?xml version="1.0" encoding="utf-8"?>
+<p:sld xmlns:a="http://schemas.openxmlformats.org/drawingml/2006/main" xmlns:r="http://schemas.openxmlformats.org/officeDocument/2006/relationships" xmlns:p="http://schemas.openxmlformats.org/presentationml/2006/main">
+  <p:cSld>
+    <p:spTree>
+      <p:nvGrpSpPr>
+        <p:cNvPr id="1" name=""/>
+        <p:cNvGrpSpPr/>
+        <p:nvPr/>
+      </p:nvGrpSpPr>
+      <p:grpSpPr>
+        <a:xfrm>
+          <a:off x="0" y="0"/>
+          <a:ext cx="0" cy="0"/>
+          <a:chOff x="0" y="0"/>
+          <a:chExt cx="0" cy="0"/>
+        </a:xfrm>
+      </p:grpSpPr>
+      <p:sp>
+        <p:nvSpPr>
+          <p:cNvPr id="2" name="Title 1"/>
+          <p:cNvSpPr>
+            <a:spLocks noGrp="1"/>
+          </p:cNvSpPr>
+          <p:nvPr>
+            <p:ph type="title"/>
+          </p:nvPr>
+        </p:nvSpPr>
+        <p:spPr>
+          <a:xfrm>
+            <a:off x="3492501" y="1837035"/>
+            <a:ext cx="7818249" cy="970450"/>
+          </a:xfrm>
+        </p:spPr>
+        <p:txBody>
+          <a:bodyPr/>
+          <a:lstStyle/>
+          <a:p>
+            <a:pPr algn="r" rtl="1"/>
+            <a:r>
+              <a:rPr lang="fa-IR" sz="4400" dirty="0">
+                <a:latin typeface="Adobe Arabic" panose="02040503050201020203" pitchFamily="18" charset="-78"/>
+                <a:cs typeface="Adobe Arabic" panose="02040503050201020203" pitchFamily="18" charset="-78"/>
+              </a:rPr>
+              <a:t>فروتن باشید</a:t>
+            </a:r>
+            <a:r>
+              <a:rPr lang="fa-IR" sz="4400" dirty="0" smtClean="0">
+                <a:latin typeface="Adobe Arabic" panose="02040503050201020203" pitchFamily="18" charset="-78"/>
+                <a:cs typeface="Adobe Arabic" panose="02040503050201020203" pitchFamily="18" charset="-78"/>
+              </a:rPr>
+              <a:t>.</a:t>
+            </a:r>
+            <a:r>
+              <a:rPr lang="fa-IR" sz="4400" dirty="0" smtClean="0">
+                <a:effectLst>
+                  <a:outerShdw blurRad="38100" dist="38100" dir="2700000" algn="tl">
+                    <a:srgbClr val="000000">
+                      <a:alpha val="43137"/>
+                    </a:srgbClr>
+                  </a:outerShdw>
+                </a:effectLst>
+                <a:latin typeface="Adobe Arabic" panose="02040503050201020203" pitchFamily="18" charset="-78"/>
+                <a:cs typeface="Adobe Arabic" panose="02040503050201020203" pitchFamily="18" charset="-78"/>
+              </a:rPr>
+              <a:t> </a:t>
+            </a:r>
+            <a:endParaRPr lang="fa-IR" sz="4400" dirty="0">
+              <a:effectLst>
+                <a:outerShdw blurRad="38100" dist="38100" dir="2700000" algn="tl">
+                  <a:srgbClr val="000000">
+                    <a:alpha val="43137"/>
+                  </a:srgbClr>
+                </a:outerShdw>
+              </a:effectLst>
+              <a:latin typeface="Adobe Arabic" panose="02040503050201020203" pitchFamily="18" charset="-78"/>
+              <a:cs typeface="Adobe Arabic" panose="02040503050201020203" pitchFamily="18" charset="-78"/>
+            </a:endParaRPr>
+          </a:p>
+        </p:txBody>
+      </p:sp>
+      <p:sp>
+        <p:nvSpPr>
+          <p:cNvPr id="4" name="TextBox 3"/>
+          <p:cNvSpPr txBox="1"/>
+          <p:nvPr/>
+        </p:nvSpPr>
+        <p:spPr>
+          <a:xfrm>
+            <a:off x="1009650" y="2807485"/>
+            <a:ext cx="9888349" cy="1815882"/>
+          </a:xfrm>
+          <a:prstGeom prst="rect">
+            <a:avLst/>
+          </a:prstGeom>
+          <a:noFill/>
+        </p:spPr>
+        <p:txBody>
+          <a:bodyPr wrap="square" numCol="1" rtlCol="0">
+            <a:spAutoFit/>
+          </a:bodyPr>
+          <a:lstStyle/>
+          <a:p>
+            <a:pPr marL="457200" indent="-457200" algn="r" rtl="1">
+              <a:buFont typeface="Wingdings" panose="05000000000000000000" pitchFamily="2" charset="2"/>
+              <a:buChar char="ü"/>
+            </a:pPr>
+            <a:r>
+              <a:rPr lang="fa-IR" sz="2800" dirty="0" smtClean="0">
+                <a:effectLst>
+                  <a:outerShdw blurRad="38100" dist="38100" dir="2700000" algn="tl">
+                    <a:srgbClr val="000000">
+                      <a:alpha val="43137"/>
+                    </a:srgbClr>
+                  </a:outerShdw>
+                </a:effectLst>
+                <a:latin typeface="Adobe Arabic" panose="02040503050201020203" pitchFamily="18" charset="-78"/>
+                <a:cs typeface="Adobe Arabic" panose="02040503050201020203" pitchFamily="18" charset="-78"/>
+              </a:rPr>
+              <a:t>برنامه نویسی  عمل « خلق » کردن است . </a:t>
+            </a:r>
+          </a:p>
+          <a:p>
+            <a:pPr marL="457200" indent="-457200" algn="r" rtl="1">
+              <a:buFont typeface="Wingdings" panose="05000000000000000000" pitchFamily="2" charset="2"/>
+              <a:buChar char="ü"/>
+            </a:pPr>
+            <a:r>
+              <a:rPr lang="fa-IR" sz="2800" dirty="0" smtClean="0">
+                <a:effectLst>
+                  <a:outerShdw blurRad="38100" dist="38100" dir="2700000" algn="tl">
+                    <a:srgbClr val="000000">
+                      <a:alpha val="43137"/>
+                    </a:srgbClr>
+                  </a:outerShdw>
+                </a:effectLst>
+                <a:latin typeface="Adobe Arabic" panose="02040503050201020203" pitchFamily="18" charset="-78"/>
+                <a:cs typeface="Adobe Arabic" panose="02040503050201020203" pitchFamily="18" charset="-78"/>
+              </a:rPr>
+              <a:t>برنامه نویسی  عمل « دستور دادن » است .</a:t>
+            </a:r>
+          </a:p>
+          <a:p>
+            <a:pPr marL="457200" indent="-457200" algn="r" rtl="1">
+              <a:buFont typeface="Wingdings" panose="05000000000000000000" pitchFamily="2" charset="2"/>
+              <a:buChar char="ü"/>
+            </a:pPr>
+            <a:r>
+              <a:rPr lang="fa-IR" sz="2800" dirty="0" smtClean="0">
+                <a:effectLst>
+                  <a:outerShdw blurRad="38100" dist="38100" dir="2700000" algn="tl">
+                    <a:srgbClr val="000000">
+                      <a:alpha val="43137"/>
+                    </a:srgbClr>
+                  </a:outerShdw>
+                </a:effectLst>
+                <a:latin typeface="Adobe Arabic" panose="02040503050201020203" pitchFamily="18" charset="-78"/>
+                <a:cs typeface="Adobe Arabic" panose="02040503050201020203" pitchFamily="18" charset="-78"/>
+              </a:rPr>
+              <a:t>برنامه نویسی عملی عالی از « </a:t>
+            </a:r>
+            <a:r>
+              <a:rPr lang="fa-IR" sz="2800" dirty="0" smtClean="0">
+                <a:latin typeface="Adobe Arabic" panose="02040503050201020203" pitchFamily="18" charset="-78"/>
+                <a:cs typeface="Adobe Arabic" panose="02040503050201020203" pitchFamily="18" charset="-78"/>
+              </a:rPr>
+              <a:t>خودبزرگ </a:t>
+            </a:r>
+            <a:r>
+              <a:rPr lang="fa-IR" sz="2800" dirty="0">
+                <a:latin typeface="Adobe Arabic" panose="02040503050201020203" pitchFamily="18" charset="-78"/>
+                <a:cs typeface="Adobe Arabic" panose="02040503050201020203" pitchFamily="18" charset="-78"/>
+              </a:rPr>
+              <a:t>بین و متکبر </a:t>
+            </a:r>
+            <a:r>
+              <a:rPr lang="fa-IR" sz="2800" dirty="0" smtClean="0">
+                <a:effectLst>
+                  <a:outerShdw blurRad="38100" dist="38100" dir="2700000" algn="tl">
+                    <a:srgbClr val="000000">
+                      <a:alpha val="43137"/>
+                    </a:srgbClr>
+                  </a:outerShdw>
+                </a:effectLst>
+                <a:latin typeface="Adobe Arabic" panose="02040503050201020203" pitchFamily="18" charset="-78"/>
+                <a:cs typeface="Adobe Arabic" panose="02040503050201020203" pitchFamily="18" charset="-78"/>
+              </a:rPr>
+              <a:t>» است. </a:t>
+            </a:r>
+            <a:r>
+              <a:rPr lang="fa-IR" sz="2800" dirty="0" smtClean="0">
+                <a:effectLst>
+                  <a:outerShdw blurRad="38100" dist="38100" dir="2700000" algn="tl">
+                    <a:srgbClr val="000000">
+                      <a:alpha val="43137"/>
+                    </a:srgbClr>
+                  </a:outerShdw>
+                </a:effectLst>
+                <a:latin typeface="Adobe Arabic" panose="02040503050201020203" pitchFamily="18" charset="-78"/>
+                <a:cs typeface="Adobe Arabic" panose="02040503050201020203" pitchFamily="18" charset="-78"/>
+              </a:rPr>
+              <a:t> </a:t>
+            </a:r>
+          </a:p>
+          <a:p>
+            <a:pPr algn="r" rtl="1"/>
+            <a:endParaRPr lang="fa-IR" sz="2800" dirty="0" smtClean="0">
+              <a:effectLst>
+                <a:outerShdw blurRad="38100" dist="38100" dir="2700000" algn="tl">
+                  <a:srgbClr val="000000">
+                    <a:alpha val="43137"/>
+                  </a:srgbClr>
+                </a:outerShdw>
+              </a:effectLst>
+              <a:latin typeface="Adobe Arabic" panose="02040503050201020203" pitchFamily="18" charset="-78"/>
+              <a:cs typeface="Adobe Arabic" panose="02040503050201020203" pitchFamily="18" charset="-78"/>
+            </a:endParaRPr>
+          </a:p>
+        </p:txBody>
+      </p:sp>
+      <p:sp>
+        <p:nvSpPr>
+          <p:cNvPr id="6" name="Title 1"/>
+          <p:cNvSpPr txBox="1">
+            <a:spLocks/>
+          </p:cNvSpPr>
+          <p:nvPr/>
+        </p:nvSpPr>
+        <p:spPr>
+          <a:xfrm>
+            <a:off x="444500" y="596900"/>
+            <a:ext cx="11341100" cy="685800"/>
+          </a:xfrm>
+          <a:prstGeom prst="rect">
+            <a:avLst/>
+          </a:prstGeom>
+          <a:effectLst>
+            <a:outerShdw blurRad="50800" dir="14400000">
+              <a:srgbClr val="000000">
+                <a:alpha val="60000"/>
+              </a:srgbClr>
+            </a:outerShdw>
+          </a:effectLst>
+        </p:spPr>
+        <p:txBody>
+          <a:bodyPr vert="horz" lIns="91440" tIns="45720" rIns="91440" bIns="45720" rtlCol="0" anchor="b">
+            <a:noAutofit/>
+          </a:bodyPr>
+          <a:lstStyle>
+            <a:lvl1pPr algn="l" defTabSz="457200" rtl="0" eaLnBrk="1" latinLnBrk="0" hangingPunct="1">
+              <a:spcBef>
+                <a:spcPct val="0"/>
+              </a:spcBef>
+              <a:buNone/>
+              <a:defRPr sz="4000" b="1" kern="1200">
+                <a:solidFill>
+                  <a:srgbClr val="FEFEFE"/>
+                </a:solidFill>
+                <a:latin typeface="+mj-lt"/>
+                <a:ea typeface="+mj-ea"/>
+                <a:cs typeface="+mj-cs"/>
+              </a:defRPr>
+            </a:lvl1pPr>
+            <a:lvl2pPr eaLnBrk="1" hangingPunct="1">
+              <a:defRPr>
+                <a:solidFill>
+                  <a:schemeClr val="tx2"/>
+                </a:solidFill>
+              </a:defRPr>
+            </a:lvl2pPr>
+            <a:lvl3pPr eaLnBrk="1" hangingPunct="1">
+              <a:defRPr>
+                <a:solidFill>
+                  <a:schemeClr val="tx2"/>
+                </a:solidFill>
+              </a:defRPr>
+            </a:lvl3pPr>
+            <a:lvl4pPr eaLnBrk="1" hangingPunct="1">
+              <a:defRPr>
+                <a:solidFill>
+                  <a:schemeClr val="tx2"/>
+                </a:solidFill>
+              </a:defRPr>
+            </a:lvl4pPr>
+            <a:lvl5pPr eaLnBrk="1" hangingPunct="1">
+              <a:defRPr>
+                <a:solidFill>
+                  <a:schemeClr val="tx2"/>
+                </a:solidFill>
+              </a:defRPr>
+            </a:lvl5pPr>
+            <a:lvl6pPr eaLnBrk="1" hangingPunct="1">
+              <a:defRPr>
+                <a:solidFill>
+                  <a:schemeClr val="tx2"/>
+                </a:solidFill>
+              </a:defRPr>
+            </a:lvl6pPr>
+            <a:lvl7pPr eaLnBrk="1" hangingPunct="1">
+              <a:defRPr>
+                <a:solidFill>
+                  <a:schemeClr val="tx2"/>
+                </a:solidFill>
+              </a:defRPr>
+            </a:lvl7pPr>
+            <a:lvl8pPr eaLnBrk="1" hangingPunct="1">
+              <a:defRPr>
+                <a:solidFill>
+                  <a:schemeClr val="tx2"/>
+                </a:solidFill>
+              </a:defRPr>
+            </a:lvl8pPr>
+            <a:lvl9pPr eaLnBrk="1" hangingPunct="1">
+              <a:defRPr>
+                <a:solidFill>
+                  <a:schemeClr val="tx2"/>
+                </a:solidFill>
+              </a:defRPr>
+            </a:lvl9pPr>
+          </a:lstStyle>
+          <a:p>
+            <a:pPr algn="r" rtl="1"/>
+            <a:r>
+              <a:rPr lang="fa-IR" sz="4400" dirty="0" smtClean="0">
+                <a:effectLst>
+                  <a:outerShdw blurRad="38100" dist="38100" dir="2700000" algn="tl">
+                    <a:srgbClr val="000000">
+                      <a:alpha val="43137"/>
+                    </a:srgbClr>
+                  </a:outerShdw>
+                </a:effectLst>
+                <a:latin typeface="Adobe Arabic" panose="02040503050201020203" pitchFamily="18" charset="-78"/>
+                <a:cs typeface="Adobe Arabic" panose="02040503050201020203" pitchFamily="18" charset="-78"/>
+              </a:rPr>
+              <a:t>فصل اول : حرفه ای گری </a:t>
+            </a:r>
+            <a:endParaRPr lang="en-US" sz="4400" dirty="0">
+              <a:effectLst>
+                <a:outerShdw blurRad="38100" dist="38100" dir="2700000" algn="tl">
+                  <a:srgbClr val="000000">
+                    <a:alpha val="43137"/>
+                  </a:srgbClr>
+                </a:outerShdw>
+              </a:effectLst>
+              <a:latin typeface="Adobe Arabic" panose="02040503050201020203" pitchFamily="18" charset="-78"/>
+              <a:cs typeface="Adobe Arabic" panose="02040503050201020203" pitchFamily="18" charset="-78"/>
+            </a:endParaRPr>
+          </a:p>
+        </p:txBody>
+      </p:sp>
+      <p:sp>
+        <p:nvSpPr>
+          <p:cNvPr id="7" name="TextBox 6"/>
+          <p:cNvSpPr txBox="1"/>
+          <p:nvPr/>
+        </p:nvSpPr>
+        <p:spPr>
+          <a:xfrm>
+            <a:off x="596900" y="4332270"/>
+            <a:ext cx="10713850" cy="2246769"/>
+          </a:xfrm>
+          <a:prstGeom prst="rect">
+            <a:avLst/>
+          </a:prstGeom>
+          <a:noFill/>
+        </p:spPr>
+        <p:txBody>
+          <a:bodyPr wrap="square" numCol="1" rtlCol="0">
+            <a:spAutoFit/>
+          </a:bodyPr>
+          <a:lstStyle/>
+          <a:p>
+            <a:pPr algn="just" rtl="1"/>
+            <a:r>
+              <a:rPr lang="fa-IR" sz="2800" dirty="0" smtClean="0">
+                <a:latin typeface="Adobe Arabic" panose="02040503050201020203" pitchFamily="18" charset="-78"/>
+                <a:cs typeface="Adobe Arabic" panose="02040503050201020203" pitchFamily="18" charset="-78"/>
+              </a:rPr>
+              <a:t>حرفه ای ها می دانند که «خودبزرگ بین و متکبر »  هستند . یک حرفه ای ، به کاری که می کند افتخار می کند و با اعتماد به نفسی که دارد  ، ریسک می کند . با این حال یک حرفه ای می داند که زمان هایی هم می آید که تصمیماتش اشتباه بوده ، توانایی کافی نداشته و نتوانسته تحلیل ریسک درستی انجام دهد ، و به خاطر شکستش مورد تمسخر قرار می گیرد . اگر تمسخر جایز بود آن را می پذیرد ، </a:t>
+            </a:r>
+            <a:r>
+              <a:rPr lang="fa-IR" sz="2800" dirty="0">
+                <a:latin typeface="Adobe Arabic" panose="02040503050201020203" pitchFamily="18" charset="-78"/>
+                <a:cs typeface="Adobe Arabic" panose="02040503050201020203" pitchFamily="18" charset="-78"/>
+              </a:rPr>
+              <a:t>، ولی دیگران را تمسخر نمی کند </a:t>
+            </a:r>
+            <a:r>
+              <a:rPr lang="fa-IR" sz="2800" dirty="0" smtClean="0">
+                <a:latin typeface="Adobe Arabic" panose="02040503050201020203" pitchFamily="18" charset="-78"/>
+                <a:cs typeface="Adobe Arabic" panose="02040503050201020203" pitchFamily="18" charset="-78"/>
+              </a:rPr>
+              <a:t>. اگر تمسخرها بی مورد بودند ، فقط به آنها می خندد و از آنها رد می شود ، چون می داند که ممکن است خودش هم اشتباه کند . </a:t>
+            </a:r>
+            <a:endParaRPr lang="fa-IR" sz="2800" dirty="0">
+              <a:effectLst>
+                <a:outerShdw blurRad="38100" dist="38100" dir="2700000" algn="tl">
+                  <a:srgbClr val="000000">
+                    <a:alpha val="43137"/>
+                  </a:srgbClr>
+                </a:outerShdw>
+              </a:effectLst>
+              <a:latin typeface="Adobe Arabic" panose="02040503050201020203" pitchFamily="18" charset="-78"/>
+              <a:cs typeface="Adobe Arabic" panose="02040503050201020203" pitchFamily="18" charset="-78"/>
+            </a:endParaRPr>
+          </a:p>
+        </p:txBody>
+      </p:sp>
+    </p:spTree>
+    <p:extLst>
+      <p:ext uri="{BB962C8B-B14F-4D97-AF65-F5344CB8AC3E}">
+        <p14:creationId xmlns:p14="http://schemas.microsoft.com/office/powerpoint/2010/main" val="3584108474"/>
+      </p:ext>
+    </p:extLst>
+  </p:cSld>
+  <p:clrMapOvr>
+    <a:masterClrMapping/>
+  </p:clrMapOvr>
+</p:sld>
+</file>
+
+<file path=ppt/slides/slide16.xml><?xml version="1.0" encoding="utf-8"?>
+<p:sld xmlns:a="http://schemas.openxmlformats.org/drawingml/2006/main" xmlns:r="http://schemas.openxmlformats.org/officeDocument/2006/relationships" xmlns:p="http://schemas.openxmlformats.org/presentationml/2006/main">
+  <p:cSld>
+    <p:spTree>
+      <p:nvGrpSpPr>
+        <p:cNvPr id="1" name=""/>
+        <p:cNvGrpSpPr/>
+        <p:nvPr/>
+      </p:nvGrpSpPr>
+      <p:grpSpPr>
+        <a:xfrm>
+          <a:off x="0" y="0"/>
+          <a:ext cx="0" cy="0"/>
+          <a:chOff x="0" y="0"/>
+          <a:chExt cx="0" cy="0"/>
+        </a:xfrm>
+      </p:grpSpPr>
+      <p:sp>
+        <p:nvSpPr>
+          <p:cNvPr id="2" name="Title 1"/>
+          <p:cNvSpPr>
+            <a:spLocks noGrp="1"/>
+          </p:cNvSpPr>
+          <p:nvPr>
+            <p:ph type="title"/>
+          </p:nvPr>
+        </p:nvSpPr>
+        <p:spPr>
+          <a:xfrm>
+            <a:off x="444500" y="266700"/>
+            <a:ext cx="11341100" cy="685800"/>
+          </a:xfrm>
+        </p:spPr>
+        <p:txBody>
+          <a:bodyPr/>
+          <a:lstStyle/>
+          <a:p>
+            <a:pPr algn="r" rtl="1"/>
+            <a:r>
+              <a:rPr lang="fa-IR" sz="4400" dirty="0" smtClean="0">
+                <a:effectLst>
+                  <a:outerShdw blurRad="38100" dist="38100" dir="2700000" algn="tl">
+                    <a:srgbClr val="000000">
+                      <a:alpha val="43137"/>
+                    </a:srgbClr>
+                  </a:outerShdw>
+                </a:effectLst>
+                <a:latin typeface="Adobe Arabic" panose="02040503050201020203" pitchFamily="18" charset="-78"/>
+                <a:cs typeface="Adobe Arabic" panose="02040503050201020203" pitchFamily="18" charset="-78"/>
+              </a:rPr>
+              <a:t>فصل </a:t>
+            </a:r>
+            <a:r>
+              <a:rPr lang="fa-IR" sz="4400" dirty="0" smtClean="0">
+                <a:effectLst>
+                  <a:outerShdw blurRad="38100" dist="38100" dir="2700000" algn="tl">
+                    <a:srgbClr val="000000">
+                      <a:alpha val="43137"/>
+                    </a:srgbClr>
+                  </a:outerShdw>
+                </a:effectLst>
+                <a:latin typeface="Adobe Arabic" panose="02040503050201020203" pitchFamily="18" charset="-78"/>
+                <a:cs typeface="Adobe Arabic" panose="02040503050201020203" pitchFamily="18" charset="-78"/>
+              </a:rPr>
+              <a:t>دوم </a:t>
+            </a:r>
+            <a:r>
+              <a:rPr lang="fa-IR" sz="4400" dirty="0" smtClean="0">
+                <a:effectLst>
+                  <a:outerShdw blurRad="38100" dist="38100" dir="2700000" algn="tl">
+                    <a:srgbClr val="000000">
+                      <a:alpha val="43137"/>
+                    </a:srgbClr>
+                  </a:outerShdw>
+                </a:effectLst>
+                <a:latin typeface="Adobe Arabic" panose="02040503050201020203" pitchFamily="18" charset="-78"/>
+                <a:cs typeface="Adobe Arabic" panose="02040503050201020203" pitchFamily="18" charset="-78"/>
+              </a:rPr>
+              <a:t>: </a:t>
+            </a:r>
+            <a:r>
+              <a:rPr lang="fa-IR" sz="4400" dirty="0" smtClean="0">
+                <a:effectLst>
+                  <a:outerShdw blurRad="38100" dist="38100" dir="2700000" algn="tl">
+                    <a:srgbClr val="000000">
+                      <a:alpha val="43137"/>
+                    </a:srgbClr>
+                  </a:outerShdw>
+                </a:effectLst>
+                <a:latin typeface="Adobe Arabic" panose="02040503050201020203" pitchFamily="18" charset="-78"/>
+                <a:cs typeface="Adobe Arabic" panose="02040503050201020203" pitchFamily="18" charset="-78"/>
+              </a:rPr>
+              <a:t>« نه » بگوئید </a:t>
+            </a:r>
+            <a:endParaRPr lang="en-US" sz="4400" dirty="0">
+              <a:effectLst>
+                <a:outerShdw blurRad="38100" dist="38100" dir="2700000" algn="tl">
+                  <a:srgbClr val="000000">
+                    <a:alpha val="43137"/>
+                  </a:srgbClr>
+                </a:outerShdw>
+              </a:effectLst>
+              <a:latin typeface="Adobe Arabic" panose="02040503050201020203" pitchFamily="18" charset="-78"/>
+              <a:cs typeface="Adobe Arabic" panose="02040503050201020203" pitchFamily="18" charset="-78"/>
+            </a:endParaRPr>
+          </a:p>
+        </p:txBody>
+      </p:sp>
+      <p:sp>
+        <p:nvSpPr>
+          <p:cNvPr id="3" name="Content Placeholder 2"/>
+          <p:cNvSpPr>
+            <a:spLocks noGrp="1"/>
+          </p:cNvSpPr>
+          <p:nvPr>
+            <p:ph idx="1"/>
+          </p:nvPr>
+        </p:nvSpPr>
+        <p:spPr>
+          <a:xfrm>
+            <a:off x="838200" y="952500"/>
+            <a:ext cx="10629900" cy="533400"/>
+          </a:xfrm>
+        </p:spPr>
+        <p:txBody>
+          <a:bodyPr anchor="t">
+            <a:noAutofit/>
+          </a:bodyPr>
+          <a:lstStyle/>
+          <a:p>
+            <a:pPr marL="0" indent="0" algn="r" rtl="1">
+              <a:buNone/>
+            </a:pPr>
+            <a:r>
+              <a:rPr lang="fa-IR" sz="3200" b="1" dirty="0" smtClean="0">
+                <a:solidFill>
+                  <a:srgbClr val="FFFF00"/>
+                </a:solidFill>
+                <a:effectLst>
+                  <a:outerShdw blurRad="38100" dist="38100" dir="2700000" algn="tl">
+                    <a:srgbClr val="000000">
+                      <a:alpha val="43137"/>
+                    </a:srgbClr>
+                  </a:outerShdw>
+                </a:effectLst>
+                <a:latin typeface="Adobe Arabic" panose="02040503050201020203" pitchFamily="18" charset="-78"/>
+                <a:cs typeface="Adobe Arabic" panose="02040503050201020203" pitchFamily="18" charset="-78"/>
+              </a:rPr>
+              <a:t>حرفه ای ها ، حقیقت را می گویند . </a:t>
+            </a:r>
+            <a:r>
+              <a:rPr lang="fa-IR" sz="3200" b="1" dirty="0" smtClean="0">
+                <a:solidFill>
+                  <a:srgbClr val="FFFF00"/>
+                </a:solidFill>
+                <a:effectLst>
+                  <a:outerShdw blurRad="38100" dist="38100" dir="2700000" algn="tl">
+                    <a:srgbClr val="000000">
+                      <a:alpha val="43137"/>
+                    </a:srgbClr>
+                  </a:outerShdw>
+                </a:effectLst>
+                <a:latin typeface="Adobe Arabic" panose="02040503050201020203" pitchFamily="18" charset="-78"/>
+                <a:cs typeface="Adobe Arabic" panose="02040503050201020203" pitchFamily="18" charset="-78"/>
+              </a:rPr>
+              <a:t>حرفه ای ها شجاعت لازم برای « نه » گفتن به مدیران را دارند. </a:t>
+            </a:r>
+            <a:endParaRPr lang="fa-IR" sz="3200" b="1" dirty="0" smtClean="0">
+              <a:solidFill>
+                <a:srgbClr val="FFFF00"/>
+              </a:solidFill>
+              <a:effectLst>
+                <a:outerShdw blurRad="38100" dist="38100" dir="2700000" algn="tl">
+                  <a:srgbClr val="000000">
+                    <a:alpha val="43137"/>
+                  </a:srgbClr>
+                </a:outerShdw>
+              </a:effectLst>
+              <a:latin typeface="Adobe Arabic" panose="02040503050201020203" pitchFamily="18" charset="-78"/>
+              <a:cs typeface="Adobe Arabic" panose="02040503050201020203" pitchFamily="18" charset="-78"/>
+            </a:endParaRPr>
+          </a:p>
+        </p:txBody>
+      </p:sp>
+      <p:sp>
+        <p:nvSpPr>
+          <p:cNvPr id="6" name="TextBox 5"/>
+          <p:cNvSpPr txBox="1"/>
+          <p:nvPr/>
+        </p:nvSpPr>
+        <p:spPr>
+          <a:xfrm>
+            <a:off x="2997200" y="4331091"/>
+            <a:ext cx="7200900" cy="523220"/>
+          </a:xfrm>
+          <a:prstGeom prst="rect">
+            <a:avLst/>
+          </a:prstGeom>
+          <a:noFill/>
+        </p:spPr>
+        <p:txBody>
+          <a:bodyPr wrap="square" rtlCol="0">
+            <a:spAutoFit/>
+          </a:bodyPr>
+          <a:lstStyle/>
+          <a:p>
+            <a:pPr algn="r" rtl="1"/>
+            <a:r>
+              <a:rPr lang="fa-IR" sz="2800" dirty="0" smtClean="0">
+                <a:latin typeface="Adobe Arabic" panose="02040503050201020203" pitchFamily="18" charset="-78"/>
+                <a:cs typeface="Adobe Arabic" panose="02040503050201020203" pitchFamily="18" charset="-78"/>
+              </a:rPr>
+              <a:t>انجام بده ، یا انجام نده . هیچ « تلاشی » وجود نداره . 	</a:t>
+            </a:r>
+            <a:endParaRPr lang="en-US" sz="2800" dirty="0">
+              <a:latin typeface="Adobe Arabic" panose="02040503050201020203" pitchFamily="18" charset="-78"/>
+              <a:cs typeface="Adobe Arabic" panose="02040503050201020203" pitchFamily="18" charset="-78"/>
+            </a:endParaRPr>
+          </a:p>
+        </p:txBody>
+      </p:sp>
+      <p:pic>
+        <p:nvPicPr>
+          <p:cNvPr id="4" name="Picture 3"/>
+          <p:cNvPicPr>
+            <a:picLocks noChangeAspect="1"/>
+          </p:cNvPicPr>
+          <p:nvPr/>
+        </p:nvPicPr>
+        <p:blipFill>
+          <a:blip r:embed="rId2">
+            <a:extLst>
+              <a:ext uri="{28A0092B-C50C-407E-A947-70E740481C1C}">
+                <a14:useLocalDpi xmlns:a14="http://schemas.microsoft.com/office/drawing/2010/main" val="0"/>
+              </a:ext>
+            </a:extLst>
+          </a:blip>
+          <a:stretch>
+            <a:fillRect/>
+          </a:stretch>
+        </p:blipFill>
+        <p:spPr>
+          <a:xfrm>
+            <a:off x="266700" y="2584450"/>
+            <a:ext cx="3187700" cy="4016502"/>
+          </a:xfrm>
+          <a:prstGeom prst="rect">
+            <a:avLst/>
+          </a:prstGeom>
+          <a:ln>
+            <a:noFill/>
+          </a:ln>
+          <a:effectLst>
+            <a:softEdge rad="112500"/>
+          </a:effectLst>
+        </p:spPr>
+      </p:pic>
+    </p:spTree>
+    <p:extLst>
+      <p:ext uri="{BB962C8B-B14F-4D97-AF65-F5344CB8AC3E}">
+        <p14:creationId xmlns:p14="http://schemas.microsoft.com/office/powerpoint/2010/main" val="3507509341"/>
+      </p:ext>
+    </p:extLst>
+  </p:cSld>
+  <p:clrMapOvr>
+    <a:masterClrMapping/>
+  </p:clrMapOvr>
+</p:sld>
+</file>
+
+<file path=ppt/slides/slide17.xml><?xml version="1.0" encoding="utf-8"?>
+<p:sld xmlns:a="http://schemas.openxmlformats.org/drawingml/2006/main" xmlns:r="http://schemas.openxmlformats.org/officeDocument/2006/relationships" xmlns:p="http://schemas.openxmlformats.org/presentationml/2006/main">
+  <p:cSld>
+    <p:spTree>
+      <p:nvGrpSpPr>
+        <p:cNvPr id="1" name=""/>
+        <p:cNvGrpSpPr/>
+        <p:nvPr/>
+      </p:nvGrpSpPr>
+      <p:grpSpPr>
+        <a:xfrm>
+          <a:off x="0" y="0"/>
+          <a:ext cx="0" cy="0"/>
+          <a:chOff x="0" y="0"/>
+          <a:chExt cx="0" cy="0"/>
+        </a:xfrm>
+      </p:grpSpPr>
+      <p:sp>
+        <p:nvSpPr>
+          <p:cNvPr id="2" name="Title 1"/>
+          <p:cNvSpPr>
+            <a:spLocks noGrp="1"/>
+          </p:cNvSpPr>
+          <p:nvPr>
+            <p:ph type="title"/>
+          </p:nvPr>
+        </p:nvSpPr>
+        <p:spPr>
+          <a:xfrm>
+            <a:off x="406400" y="647700"/>
+            <a:ext cx="11341100" cy="685800"/>
+          </a:xfrm>
+        </p:spPr>
+        <p:txBody>
+          <a:bodyPr/>
+          <a:lstStyle/>
+          <a:p>
+            <a:pPr algn="r" rtl="1"/>
+            <a:r>
+              <a:rPr lang="fa-IR" sz="4400" dirty="0" smtClean="0">
+                <a:effectLst>
+                  <a:outerShdw blurRad="38100" dist="38100" dir="2700000" algn="tl">
+                    <a:srgbClr val="000000">
+                      <a:alpha val="43137"/>
+                    </a:srgbClr>
+                  </a:outerShdw>
+                </a:effectLst>
+                <a:latin typeface="Adobe Arabic" panose="02040503050201020203" pitchFamily="18" charset="-78"/>
+                <a:cs typeface="Adobe Arabic" panose="02040503050201020203" pitchFamily="18" charset="-78"/>
+              </a:rPr>
+              <a:t>فصل </a:t>
+            </a:r>
+            <a:r>
+              <a:rPr lang="fa-IR" sz="4400" dirty="0" smtClean="0">
+                <a:effectLst>
+                  <a:outerShdw blurRad="38100" dist="38100" dir="2700000" algn="tl">
+                    <a:srgbClr val="000000">
+                      <a:alpha val="43137"/>
+                    </a:srgbClr>
+                  </a:outerShdw>
+                </a:effectLst>
+                <a:latin typeface="Adobe Arabic" panose="02040503050201020203" pitchFamily="18" charset="-78"/>
+                <a:cs typeface="Adobe Arabic" panose="02040503050201020203" pitchFamily="18" charset="-78"/>
+              </a:rPr>
+              <a:t>دوم </a:t>
+            </a:r>
+            <a:r>
+              <a:rPr lang="fa-IR" sz="4400" dirty="0" smtClean="0">
+                <a:effectLst>
+                  <a:outerShdw blurRad="38100" dist="38100" dir="2700000" algn="tl">
+                    <a:srgbClr val="000000">
+                      <a:alpha val="43137"/>
+                    </a:srgbClr>
+                  </a:outerShdw>
+                </a:effectLst>
+                <a:latin typeface="Adobe Arabic" panose="02040503050201020203" pitchFamily="18" charset="-78"/>
+                <a:cs typeface="Adobe Arabic" panose="02040503050201020203" pitchFamily="18" charset="-78"/>
+              </a:rPr>
+              <a:t>: </a:t>
+            </a:r>
+            <a:r>
+              <a:rPr lang="fa-IR" sz="4400" dirty="0" smtClean="0">
+                <a:effectLst>
+                  <a:outerShdw blurRad="38100" dist="38100" dir="2700000" algn="tl">
+                    <a:srgbClr val="000000">
+                      <a:alpha val="43137"/>
+                    </a:srgbClr>
+                  </a:outerShdw>
+                </a:effectLst>
+                <a:latin typeface="Adobe Arabic" panose="02040503050201020203" pitchFamily="18" charset="-78"/>
+                <a:cs typeface="Adobe Arabic" panose="02040503050201020203" pitchFamily="18" charset="-78"/>
+              </a:rPr>
+              <a:t>« نه » بگوئید </a:t>
+            </a:r>
+            <a:endParaRPr lang="en-US" sz="4400" dirty="0">
+              <a:effectLst>
+                <a:outerShdw blurRad="38100" dist="38100" dir="2700000" algn="tl">
+                  <a:srgbClr val="000000">
+                    <a:alpha val="43137"/>
+                  </a:srgbClr>
+                </a:outerShdw>
+              </a:effectLst>
+              <a:latin typeface="Adobe Arabic" panose="02040503050201020203" pitchFamily="18" charset="-78"/>
+              <a:cs typeface="Adobe Arabic" panose="02040503050201020203" pitchFamily="18" charset="-78"/>
+            </a:endParaRPr>
+          </a:p>
+        </p:txBody>
+      </p:sp>
+      <p:sp>
+        <p:nvSpPr>
+          <p:cNvPr id="7" name="Title 1"/>
+          <p:cNvSpPr txBox="1">
+            <a:spLocks/>
+          </p:cNvSpPr>
+          <p:nvPr/>
+        </p:nvSpPr>
+        <p:spPr>
+          <a:xfrm>
+            <a:off x="3929251" y="1964035"/>
+            <a:ext cx="7818249" cy="970450"/>
+          </a:xfrm>
+          <a:prstGeom prst="rect">
+            <a:avLst/>
+          </a:prstGeom>
+          <a:effectLst>
+            <a:outerShdw blurRad="50800" dir="14400000">
+              <a:srgbClr val="000000">
+                <a:alpha val="60000"/>
+              </a:srgbClr>
+            </a:outerShdw>
+          </a:effectLst>
+        </p:spPr>
+        <p:txBody>
+          <a:bodyPr vert="horz" lIns="91440" tIns="45720" rIns="91440" bIns="45720" rtlCol="0" anchor="b">
+            <a:noAutofit/>
+          </a:bodyPr>
+          <a:lstStyle>
+            <a:lvl1pPr algn="l" defTabSz="457200" rtl="0" eaLnBrk="1" latinLnBrk="0" hangingPunct="1">
+              <a:spcBef>
+                <a:spcPct val="0"/>
+              </a:spcBef>
+              <a:buNone/>
+              <a:defRPr sz="4000" b="1" kern="1200">
+                <a:solidFill>
+                  <a:srgbClr val="FEFEFE"/>
+                </a:solidFill>
+                <a:latin typeface="+mj-lt"/>
+                <a:ea typeface="+mj-ea"/>
+                <a:cs typeface="+mj-cs"/>
+              </a:defRPr>
+            </a:lvl1pPr>
+            <a:lvl2pPr eaLnBrk="1" hangingPunct="1">
+              <a:defRPr>
+                <a:solidFill>
+                  <a:schemeClr val="tx2"/>
+                </a:solidFill>
+              </a:defRPr>
+            </a:lvl2pPr>
+            <a:lvl3pPr eaLnBrk="1" hangingPunct="1">
+              <a:defRPr>
+                <a:solidFill>
+                  <a:schemeClr val="tx2"/>
+                </a:solidFill>
+              </a:defRPr>
+            </a:lvl3pPr>
+            <a:lvl4pPr eaLnBrk="1" hangingPunct="1">
+              <a:defRPr>
+                <a:solidFill>
+                  <a:schemeClr val="tx2"/>
+                </a:solidFill>
+              </a:defRPr>
+            </a:lvl4pPr>
+            <a:lvl5pPr eaLnBrk="1" hangingPunct="1">
+              <a:defRPr>
+                <a:solidFill>
+                  <a:schemeClr val="tx2"/>
+                </a:solidFill>
+              </a:defRPr>
+            </a:lvl5pPr>
+            <a:lvl6pPr eaLnBrk="1" hangingPunct="1">
+              <a:defRPr>
+                <a:solidFill>
+                  <a:schemeClr val="tx2"/>
+                </a:solidFill>
+              </a:defRPr>
+            </a:lvl6pPr>
+            <a:lvl7pPr eaLnBrk="1" hangingPunct="1">
+              <a:defRPr>
+                <a:solidFill>
+                  <a:schemeClr val="tx2"/>
+                </a:solidFill>
+              </a:defRPr>
+            </a:lvl7pPr>
+            <a:lvl8pPr eaLnBrk="1" hangingPunct="1">
+              <a:defRPr>
+                <a:solidFill>
+                  <a:schemeClr val="tx2"/>
+                </a:solidFill>
+              </a:defRPr>
+            </a:lvl8pPr>
+            <a:lvl9pPr eaLnBrk="1" hangingPunct="1">
+              <a:defRPr>
+                <a:solidFill>
+                  <a:schemeClr val="tx2"/>
+                </a:solidFill>
+              </a:defRPr>
+            </a:lvl9pPr>
+          </a:lstStyle>
+          <a:p>
+            <a:pPr algn="r" rtl="1"/>
+            <a:r>
+              <a:rPr lang="fa-IR" sz="4400" dirty="0" smtClean="0">
+                <a:latin typeface="Adobe Arabic" panose="02040503050201020203" pitchFamily="18" charset="-78"/>
+                <a:cs typeface="Adobe Arabic" panose="02040503050201020203" pitchFamily="18" charset="-78"/>
+              </a:rPr>
+              <a:t>معامله کنید </a:t>
+            </a:r>
+            <a:endParaRPr lang="fa-IR" sz="4400" dirty="0">
+              <a:effectLst>
+                <a:outerShdw blurRad="38100" dist="38100" dir="2700000" algn="tl">
+                  <a:srgbClr val="000000">
+                    <a:alpha val="43137"/>
+                  </a:srgbClr>
+                </a:outerShdw>
+              </a:effectLst>
+              <a:latin typeface="Adobe Arabic" panose="02040503050201020203" pitchFamily="18" charset="-78"/>
+              <a:cs typeface="Adobe Arabic" panose="02040503050201020203" pitchFamily="18" charset="-78"/>
+            </a:endParaRPr>
+          </a:p>
+        </p:txBody>
+      </p:sp>
+      <p:sp>
+        <p:nvSpPr>
+          <p:cNvPr id="8" name="TextBox 7"/>
+          <p:cNvSpPr txBox="1"/>
+          <p:nvPr/>
+        </p:nvSpPr>
+        <p:spPr>
+          <a:xfrm>
+            <a:off x="596900" y="2934485"/>
+            <a:ext cx="10713850" cy="954107"/>
+          </a:xfrm>
+          <a:prstGeom prst="rect">
+            <a:avLst/>
+          </a:prstGeom>
+          <a:noFill/>
+        </p:spPr>
+        <p:txBody>
+          <a:bodyPr wrap="square" numCol="1" rtlCol="0">
+            <a:spAutoFit/>
+          </a:bodyPr>
+          <a:lstStyle/>
+          <a:p>
+            <a:pPr algn="just" rtl="1"/>
+            <a:r>
+              <a:rPr lang="fa-IR" sz="2800" dirty="0">
+                <a:latin typeface="Adobe Arabic" panose="02040503050201020203" pitchFamily="18" charset="-78"/>
+                <a:cs typeface="Adobe Arabic" panose="02040503050201020203" pitchFamily="18" charset="-78"/>
+              </a:rPr>
+              <a:t> </a:t>
+            </a:r>
+            <a:r>
+              <a:rPr lang="fa-IR" sz="2800" dirty="0" smtClean="0">
+                <a:latin typeface="Adobe Arabic" panose="02040503050201020203" pitchFamily="18" charset="-78"/>
+                <a:cs typeface="Adobe Arabic" panose="02040503050201020203" pitchFamily="18" charset="-78"/>
+              </a:rPr>
+              <a:t>بهترین خروجی ، هدفی است که شما و مدیرانتان با هم به اشتراک می گذارید . برای پیدا کردن این هدف باید معامله کنید .</a:t>
+            </a:r>
+            <a:endParaRPr lang="fa-IR" sz="2800" dirty="0">
+              <a:effectLst>
+                <a:outerShdw blurRad="38100" dist="38100" dir="2700000" algn="tl">
+                  <a:srgbClr val="000000">
+                    <a:alpha val="43137"/>
+                  </a:srgbClr>
+                </a:outerShdw>
+              </a:effectLst>
+              <a:latin typeface="Adobe Arabic" panose="02040503050201020203" pitchFamily="18" charset="-78"/>
+              <a:cs typeface="Adobe Arabic" panose="02040503050201020203" pitchFamily="18" charset="-78"/>
+            </a:endParaRPr>
+          </a:p>
+        </p:txBody>
+      </p:sp>
+      <p:sp>
+        <p:nvSpPr>
+          <p:cNvPr id="9" name="Title 1"/>
+          <p:cNvSpPr txBox="1">
+            <a:spLocks/>
+          </p:cNvSpPr>
+          <p:nvPr/>
+        </p:nvSpPr>
+        <p:spPr>
+          <a:xfrm>
+            <a:off x="3929250" y="3888592"/>
+            <a:ext cx="7818249" cy="970450"/>
+          </a:xfrm>
+          <a:prstGeom prst="rect">
+            <a:avLst/>
+          </a:prstGeom>
+          <a:effectLst>
+            <a:outerShdw blurRad="50800" dir="14400000">
+              <a:srgbClr val="000000">
+                <a:alpha val="60000"/>
+              </a:srgbClr>
+            </a:outerShdw>
+          </a:effectLst>
+        </p:spPr>
+        <p:txBody>
+          <a:bodyPr vert="horz" lIns="91440" tIns="45720" rIns="91440" bIns="45720" rtlCol="0" anchor="b">
+            <a:noAutofit/>
+          </a:bodyPr>
+          <a:lstStyle>
+            <a:lvl1pPr algn="l" defTabSz="457200" rtl="0" eaLnBrk="1" latinLnBrk="0" hangingPunct="1">
+              <a:spcBef>
+                <a:spcPct val="0"/>
+              </a:spcBef>
+              <a:buNone/>
+              <a:defRPr sz="4000" b="1" kern="1200">
+                <a:solidFill>
+                  <a:srgbClr val="FEFEFE"/>
+                </a:solidFill>
+                <a:latin typeface="+mj-lt"/>
+                <a:ea typeface="+mj-ea"/>
+                <a:cs typeface="+mj-cs"/>
+              </a:defRPr>
+            </a:lvl1pPr>
+            <a:lvl2pPr eaLnBrk="1" hangingPunct="1">
+              <a:defRPr>
+                <a:solidFill>
+                  <a:schemeClr val="tx2"/>
+                </a:solidFill>
+              </a:defRPr>
+            </a:lvl2pPr>
+            <a:lvl3pPr eaLnBrk="1" hangingPunct="1">
+              <a:defRPr>
+                <a:solidFill>
+                  <a:schemeClr val="tx2"/>
+                </a:solidFill>
+              </a:defRPr>
+            </a:lvl3pPr>
+            <a:lvl4pPr eaLnBrk="1" hangingPunct="1">
+              <a:defRPr>
+                <a:solidFill>
+                  <a:schemeClr val="tx2"/>
+                </a:solidFill>
+              </a:defRPr>
+            </a:lvl4pPr>
+            <a:lvl5pPr eaLnBrk="1" hangingPunct="1">
+              <a:defRPr>
+                <a:solidFill>
+                  <a:schemeClr val="tx2"/>
+                </a:solidFill>
+              </a:defRPr>
+            </a:lvl5pPr>
+            <a:lvl6pPr eaLnBrk="1" hangingPunct="1">
+              <a:defRPr>
+                <a:solidFill>
+                  <a:schemeClr val="tx2"/>
+                </a:solidFill>
+              </a:defRPr>
+            </a:lvl6pPr>
+            <a:lvl7pPr eaLnBrk="1" hangingPunct="1">
+              <a:defRPr>
+                <a:solidFill>
+                  <a:schemeClr val="tx2"/>
+                </a:solidFill>
+              </a:defRPr>
+            </a:lvl7pPr>
+            <a:lvl8pPr eaLnBrk="1" hangingPunct="1">
+              <a:defRPr>
+                <a:solidFill>
+                  <a:schemeClr val="tx2"/>
+                </a:solidFill>
+              </a:defRPr>
+            </a:lvl8pPr>
+            <a:lvl9pPr eaLnBrk="1" hangingPunct="1">
+              <a:defRPr>
+                <a:solidFill>
+                  <a:schemeClr val="tx2"/>
+                </a:solidFill>
+              </a:defRPr>
+            </a:lvl9pPr>
+          </a:lstStyle>
+          <a:p>
+            <a:pPr algn="r" rtl="1"/>
+            <a:r>
+              <a:rPr lang="fa-IR" sz="4400" dirty="0" smtClean="0">
+                <a:latin typeface="Adobe Arabic" panose="02040503050201020203" pitchFamily="18" charset="-78"/>
+                <a:cs typeface="Adobe Arabic" panose="02040503050201020203" pitchFamily="18" charset="-78"/>
+              </a:rPr>
+              <a:t>چرا « دلیل » مهم نیست !  </a:t>
+            </a:r>
+            <a:endParaRPr lang="fa-IR" sz="4400" dirty="0">
+              <a:effectLst>
+                <a:outerShdw blurRad="38100" dist="38100" dir="2700000" algn="tl">
+                  <a:srgbClr val="000000">
+                    <a:alpha val="43137"/>
+                  </a:srgbClr>
+                </a:outerShdw>
+              </a:effectLst>
+              <a:latin typeface="Adobe Arabic" panose="02040503050201020203" pitchFamily="18" charset="-78"/>
+              <a:cs typeface="Adobe Arabic" panose="02040503050201020203" pitchFamily="18" charset="-78"/>
+            </a:endParaRPr>
+          </a:p>
+        </p:txBody>
+      </p:sp>
+      <p:sp>
+        <p:nvSpPr>
+          <p:cNvPr id="10" name="TextBox 9"/>
+          <p:cNvSpPr txBox="1"/>
+          <p:nvPr/>
+        </p:nvSpPr>
+        <p:spPr>
+          <a:xfrm>
+            <a:off x="596900" y="4905208"/>
+            <a:ext cx="10713850" cy="1384995"/>
+          </a:xfrm>
+          <a:prstGeom prst="rect">
+            <a:avLst/>
+          </a:prstGeom>
+          <a:noFill/>
+        </p:spPr>
+        <p:txBody>
+          <a:bodyPr wrap="square" numCol="1" rtlCol="0">
+            <a:spAutoFit/>
+          </a:bodyPr>
+          <a:lstStyle/>
+          <a:p>
+            <a:pPr algn="just" rtl="1"/>
+            <a:r>
+              <a:rPr lang="fa-IR" sz="2800" dirty="0" smtClean="0">
+                <a:latin typeface="Adobe Arabic" panose="02040503050201020203" pitchFamily="18" charset="-78"/>
+                <a:cs typeface="Adobe Arabic" panose="02040503050201020203" pitchFamily="18" charset="-78"/>
+              </a:rPr>
+              <a:t>دلیل اینکه امکان انجام کاری وجود ندارد ، نسبت به « حقیقت عدم انجام کار » در اهمیت بسیار پائین تری وجود دارد . </a:t>
+            </a:r>
+            <a:r>
+              <a:rPr lang="fa-IR" sz="2800" dirty="0" smtClean="0">
+                <a:effectLst>
+                  <a:outerShdw blurRad="38100" dist="38100" dir="2700000" algn="tl">
+                    <a:srgbClr val="000000">
+                      <a:alpha val="43137"/>
+                    </a:srgbClr>
+                  </a:outerShdw>
+                </a:effectLst>
+                <a:latin typeface="Adobe Arabic" panose="02040503050201020203" pitchFamily="18" charset="-78"/>
+                <a:cs typeface="Adobe Arabic" panose="02040503050201020203" pitchFamily="18" charset="-78"/>
+              </a:rPr>
+              <a:t>اگر جزئیات زیادی بگوئید ، ممکن است مدیر سعی کند</a:t>
+            </a:r>
+            <a:r>
+              <a:rPr lang="en-US" sz="2800" dirty="0" smtClean="0">
+                <a:effectLst>
+                  <a:outerShdw blurRad="38100" dist="38100" dir="2700000" algn="tl">
+                    <a:srgbClr val="000000">
+                      <a:alpha val="43137"/>
+                    </a:srgbClr>
+                  </a:outerShdw>
+                </a:effectLst>
+                <a:latin typeface="Adobe Arabic" panose="02040503050201020203" pitchFamily="18" charset="-78"/>
+                <a:cs typeface="Adobe Arabic" panose="02040503050201020203" pitchFamily="18" charset="-78"/>
+              </a:rPr>
+              <a:t>  </a:t>
+            </a:r>
+            <a:r>
+              <a:rPr lang="fa-IR" sz="2800" dirty="0">
+                <a:effectLst>
+                  <a:outerShdw blurRad="38100" dist="38100" dir="2700000" algn="tl">
+                    <a:srgbClr val="000000">
+                      <a:alpha val="43137"/>
+                    </a:srgbClr>
+                  </a:outerShdw>
+                </a:effectLst>
+                <a:latin typeface="Adobe Arabic" panose="02040503050201020203" pitchFamily="18" charset="-78"/>
+                <a:cs typeface="Adobe Arabic" panose="02040503050201020203" pitchFamily="18" charset="-78"/>
+              </a:rPr>
+              <a:t> </a:t>
+            </a:r>
+            <a:r>
+              <a:rPr lang="fa-IR" sz="2800" dirty="0" smtClean="0">
+                <a:effectLst>
+                  <a:outerShdw blurRad="38100" dist="38100" dir="2700000" algn="tl">
+                    <a:srgbClr val="000000">
+                      <a:alpha val="43137"/>
+                    </a:srgbClr>
+                  </a:outerShdw>
+                </a:effectLst>
+                <a:latin typeface="Adobe Arabic" panose="02040503050201020203" pitchFamily="18" charset="-78"/>
+                <a:cs typeface="Adobe Arabic" panose="02040503050201020203" pitchFamily="18" charset="-78"/>
+              </a:rPr>
+              <a:t>در کار شما دخالت کند یا اصطلاحا شما را « </a:t>
+            </a:r>
+            <a:r>
+              <a:rPr lang="en-US" sz="2800" dirty="0" smtClean="0">
+                <a:effectLst>
+                  <a:outerShdw blurRad="38100" dist="38100" dir="2700000" algn="tl">
+                    <a:srgbClr val="000000">
+                      <a:alpha val="43137"/>
+                    </a:srgbClr>
+                  </a:outerShdw>
+                </a:effectLst>
+                <a:latin typeface="Adobe Arabic" panose="02040503050201020203" pitchFamily="18" charset="-78"/>
+                <a:cs typeface="Adobe Arabic" panose="02040503050201020203" pitchFamily="18" charset="-78"/>
+              </a:rPr>
+              <a:t>micro management</a:t>
+            </a:r>
+            <a:r>
+              <a:rPr lang="fa-IR" sz="2800" dirty="0" smtClean="0">
+                <a:effectLst>
+                  <a:outerShdw blurRad="38100" dist="38100" dir="2700000" algn="tl">
+                    <a:srgbClr val="000000">
+                      <a:alpha val="43137"/>
+                    </a:srgbClr>
+                  </a:outerShdw>
+                </a:effectLst>
+                <a:latin typeface="Adobe Arabic" panose="02040503050201020203" pitchFamily="18" charset="-78"/>
+                <a:cs typeface="Adobe Arabic" panose="02040503050201020203" pitchFamily="18" charset="-78"/>
+              </a:rPr>
+              <a:t> » کند</a:t>
+            </a:r>
+            <a:endParaRPr lang="fa-IR" sz="2800" dirty="0">
+              <a:effectLst>
+                <a:outerShdw blurRad="38100" dist="38100" dir="2700000" algn="tl">
+                  <a:srgbClr val="000000">
+                    <a:alpha val="43137"/>
+                  </a:srgbClr>
+                </a:outerShdw>
+              </a:effectLst>
+              <a:latin typeface="Adobe Arabic" panose="02040503050201020203" pitchFamily="18" charset="-78"/>
+              <a:cs typeface="Adobe Arabic" panose="02040503050201020203" pitchFamily="18" charset="-78"/>
+            </a:endParaRPr>
+          </a:p>
+        </p:txBody>
+      </p:sp>
+    </p:spTree>
+    <p:extLst>
+      <p:ext uri="{BB962C8B-B14F-4D97-AF65-F5344CB8AC3E}">
+        <p14:creationId xmlns:p14="http://schemas.microsoft.com/office/powerpoint/2010/main" val="2852644924"/>
+      </p:ext>
+    </p:extLst>
+  </p:cSld>
+  <p:clrMapOvr>
+    <a:masterClrMapping/>
+  </p:clrMapOvr>
+</p:sld>
+</file>
+
+<file path=ppt/slides/slide18.xml><?xml version="1.0" encoding="utf-8"?>
+<p:sld xmlns:a="http://schemas.openxmlformats.org/drawingml/2006/main" xmlns:r="http://schemas.openxmlformats.org/officeDocument/2006/relationships" xmlns:p="http://schemas.openxmlformats.org/presentationml/2006/main">
+  <p:cSld>
+    <p:spTree>
+      <p:nvGrpSpPr>
+        <p:cNvPr id="1" name=""/>
+        <p:cNvGrpSpPr/>
+        <p:nvPr/>
+      </p:nvGrpSpPr>
+      <p:grpSpPr>
+        <a:xfrm>
+          <a:off x="0" y="0"/>
+          <a:ext cx="0" cy="0"/>
+          <a:chOff x="0" y="0"/>
+          <a:chExt cx="0" cy="0"/>
+        </a:xfrm>
+      </p:grpSpPr>
+      <p:sp>
+        <p:nvSpPr>
+          <p:cNvPr id="2" name="Title 1"/>
+          <p:cNvSpPr>
+            <a:spLocks noGrp="1"/>
+          </p:cNvSpPr>
+          <p:nvPr>
+            <p:ph type="title"/>
+          </p:nvPr>
+        </p:nvSpPr>
+        <p:spPr>
+          <a:xfrm>
+            <a:off x="406400" y="647700"/>
+            <a:ext cx="11341100" cy="685800"/>
+          </a:xfrm>
+        </p:spPr>
+        <p:txBody>
+          <a:bodyPr/>
+          <a:lstStyle/>
+          <a:p>
+            <a:pPr algn="r" rtl="1"/>
+            <a:r>
+              <a:rPr lang="fa-IR" sz="4400" dirty="0" smtClean="0">
+                <a:effectLst>
+                  <a:outerShdw blurRad="38100" dist="38100" dir="2700000" algn="tl">
+                    <a:srgbClr val="000000">
+                      <a:alpha val="43137"/>
+                    </a:srgbClr>
+                  </a:outerShdw>
+                </a:effectLst>
+                <a:latin typeface="Adobe Arabic" panose="02040503050201020203" pitchFamily="18" charset="-78"/>
+                <a:cs typeface="Adobe Arabic" panose="02040503050201020203" pitchFamily="18" charset="-78"/>
+              </a:rPr>
+              <a:t>فصل </a:t>
+            </a:r>
+            <a:r>
+              <a:rPr lang="fa-IR" sz="4400" dirty="0" smtClean="0">
+                <a:effectLst>
+                  <a:outerShdw blurRad="38100" dist="38100" dir="2700000" algn="tl">
+                    <a:srgbClr val="000000">
+                      <a:alpha val="43137"/>
+                    </a:srgbClr>
+                  </a:outerShdw>
+                </a:effectLst>
+                <a:latin typeface="Adobe Arabic" panose="02040503050201020203" pitchFamily="18" charset="-78"/>
+                <a:cs typeface="Adobe Arabic" panose="02040503050201020203" pitchFamily="18" charset="-78"/>
+              </a:rPr>
+              <a:t>دوم </a:t>
+            </a:r>
+            <a:r>
+              <a:rPr lang="fa-IR" sz="4400" dirty="0" smtClean="0">
+                <a:effectLst>
+                  <a:outerShdw blurRad="38100" dist="38100" dir="2700000" algn="tl">
+                    <a:srgbClr val="000000">
+                      <a:alpha val="43137"/>
+                    </a:srgbClr>
+                  </a:outerShdw>
+                </a:effectLst>
+                <a:latin typeface="Adobe Arabic" panose="02040503050201020203" pitchFamily="18" charset="-78"/>
+                <a:cs typeface="Adobe Arabic" panose="02040503050201020203" pitchFamily="18" charset="-78"/>
+              </a:rPr>
+              <a:t>: </a:t>
+            </a:r>
+            <a:r>
+              <a:rPr lang="fa-IR" sz="4400" dirty="0" smtClean="0">
+                <a:effectLst>
+                  <a:outerShdw blurRad="38100" dist="38100" dir="2700000" algn="tl">
+                    <a:srgbClr val="000000">
+                      <a:alpha val="43137"/>
+                    </a:srgbClr>
+                  </a:outerShdw>
+                </a:effectLst>
+                <a:latin typeface="Adobe Arabic" panose="02040503050201020203" pitchFamily="18" charset="-78"/>
+                <a:cs typeface="Adobe Arabic" panose="02040503050201020203" pitchFamily="18" charset="-78"/>
+              </a:rPr>
+              <a:t>« نه » بگوئید </a:t>
+            </a:r>
+            <a:endParaRPr lang="en-US" sz="4400" dirty="0">
+              <a:effectLst>
+                <a:outerShdw blurRad="38100" dist="38100" dir="2700000" algn="tl">
+                  <a:srgbClr val="000000">
+                    <a:alpha val="43137"/>
+                  </a:srgbClr>
+                </a:outerShdw>
+              </a:effectLst>
+              <a:latin typeface="Adobe Arabic" panose="02040503050201020203" pitchFamily="18" charset="-78"/>
+              <a:cs typeface="Adobe Arabic" panose="02040503050201020203" pitchFamily="18" charset="-78"/>
+            </a:endParaRPr>
+          </a:p>
+        </p:txBody>
+      </p:sp>
+      <p:sp>
+        <p:nvSpPr>
+          <p:cNvPr id="7" name="Title 1"/>
+          <p:cNvSpPr txBox="1">
+            <a:spLocks/>
+          </p:cNvSpPr>
+          <p:nvPr/>
+        </p:nvSpPr>
+        <p:spPr>
+          <a:xfrm>
+            <a:off x="3929251" y="1964035"/>
+            <a:ext cx="7818249" cy="970450"/>
+          </a:xfrm>
+          <a:prstGeom prst="rect">
+            <a:avLst/>
+          </a:prstGeom>
+          <a:effectLst>
+            <a:outerShdw blurRad="50800" dir="14400000">
+              <a:srgbClr val="000000">
+                <a:alpha val="60000"/>
+              </a:srgbClr>
+            </a:outerShdw>
+          </a:effectLst>
+        </p:spPr>
+        <p:txBody>
+          <a:bodyPr vert="horz" lIns="91440" tIns="45720" rIns="91440" bIns="45720" rtlCol="0" anchor="b">
+            <a:noAutofit/>
+          </a:bodyPr>
+          <a:lstStyle>
+            <a:lvl1pPr algn="l" defTabSz="457200" rtl="0" eaLnBrk="1" latinLnBrk="0" hangingPunct="1">
+              <a:spcBef>
+                <a:spcPct val="0"/>
+              </a:spcBef>
+              <a:buNone/>
+              <a:defRPr sz="4000" b="1" kern="1200">
+                <a:solidFill>
+                  <a:srgbClr val="FEFEFE"/>
+                </a:solidFill>
+                <a:latin typeface="+mj-lt"/>
+                <a:ea typeface="+mj-ea"/>
+                <a:cs typeface="+mj-cs"/>
+              </a:defRPr>
+            </a:lvl1pPr>
+            <a:lvl2pPr eaLnBrk="1" hangingPunct="1">
+              <a:defRPr>
+                <a:solidFill>
+                  <a:schemeClr val="tx2"/>
+                </a:solidFill>
+              </a:defRPr>
+            </a:lvl2pPr>
+            <a:lvl3pPr eaLnBrk="1" hangingPunct="1">
+              <a:defRPr>
+                <a:solidFill>
+                  <a:schemeClr val="tx2"/>
+                </a:solidFill>
+              </a:defRPr>
+            </a:lvl3pPr>
+            <a:lvl4pPr eaLnBrk="1" hangingPunct="1">
+              <a:defRPr>
+                <a:solidFill>
+                  <a:schemeClr val="tx2"/>
+                </a:solidFill>
+              </a:defRPr>
+            </a:lvl4pPr>
+            <a:lvl5pPr eaLnBrk="1" hangingPunct="1">
+              <a:defRPr>
+                <a:solidFill>
+                  <a:schemeClr val="tx2"/>
+                </a:solidFill>
+              </a:defRPr>
+            </a:lvl5pPr>
+            <a:lvl6pPr eaLnBrk="1" hangingPunct="1">
+              <a:defRPr>
+                <a:solidFill>
+                  <a:schemeClr val="tx2"/>
+                </a:solidFill>
+              </a:defRPr>
+            </a:lvl6pPr>
+            <a:lvl7pPr eaLnBrk="1" hangingPunct="1">
+              <a:defRPr>
+                <a:solidFill>
+                  <a:schemeClr val="tx2"/>
+                </a:solidFill>
+              </a:defRPr>
+            </a:lvl7pPr>
+            <a:lvl8pPr eaLnBrk="1" hangingPunct="1">
+              <a:defRPr>
+                <a:solidFill>
+                  <a:schemeClr val="tx2"/>
+                </a:solidFill>
+              </a:defRPr>
+            </a:lvl8pPr>
+            <a:lvl9pPr eaLnBrk="1" hangingPunct="1">
+              <a:defRPr>
+                <a:solidFill>
+                  <a:schemeClr val="tx2"/>
+                </a:solidFill>
+              </a:defRPr>
+            </a:lvl9pPr>
+          </a:lstStyle>
+          <a:p>
+            <a:pPr algn="r" rtl="1"/>
+            <a:r>
+              <a:rPr lang="fa-IR" sz="4400" dirty="0" smtClean="0">
+                <a:latin typeface="Adobe Arabic" panose="02040503050201020203" pitchFamily="18" charset="-78"/>
+                <a:cs typeface="Adobe Arabic" panose="02040503050201020203" pitchFamily="18" charset="-78"/>
+              </a:rPr>
+              <a:t>خطر بالا </a:t>
+            </a:r>
+            <a:endParaRPr lang="fa-IR" sz="4400" dirty="0">
+              <a:effectLst>
+                <a:outerShdw blurRad="38100" dist="38100" dir="2700000" algn="tl">
+                  <a:srgbClr val="000000">
+                    <a:alpha val="43137"/>
+                  </a:srgbClr>
+                </a:outerShdw>
+              </a:effectLst>
+              <a:latin typeface="Adobe Arabic" panose="02040503050201020203" pitchFamily="18" charset="-78"/>
+              <a:cs typeface="Adobe Arabic" panose="02040503050201020203" pitchFamily="18" charset="-78"/>
+            </a:endParaRPr>
+          </a:p>
+        </p:txBody>
+      </p:sp>
+      <p:sp>
+        <p:nvSpPr>
+          <p:cNvPr id="8" name="TextBox 7"/>
+          <p:cNvSpPr txBox="1"/>
+          <p:nvPr/>
+        </p:nvSpPr>
+        <p:spPr>
+          <a:xfrm>
+            <a:off x="406400" y="2934485"/>
+            <a:ext cx="10904350" cy="954107"/>
+          </a:xfrm>
+          <a:prstGeom prst="rect">
+            <a:avLst/>
+          </a:prstGeom>
+          <a:noFill/>
+        </p:spPr>
+        <p:txBody>
+          <a:bodyPr wrap="square" numCol="1" rtlCol="0">
+            <a:spAutoFit/>
+          </a:bodyPr>
+          <a:lstStyle/>
+          <a:p>
+            <a:pPr algn="just" rtl="1"/>
+            <a:r>
+              <a:rPr lang="fa-IR" sz="2800" dirty="0" smtClean="0">
+                <a:latin typeface="Adobe Arabic" panose="02040503050201020203" pitchFamily="18" charset="-78"/>
+                <a:cs typeface="Adobe Arabic" panose="02040503050201020203" pitchFamily="18" charset="-78"/>
+              </a:rPr>
+              <a:t>وقتی هزینه ی شکست بسیار بالاست ، باید کاملا مصمم باشید تا بهترین و دقیق ترین اطلاعات را به مدیران بدهید .</a:t>
+            </a:r>
+          </a:p>
+          <a:p>
+            <a:pPr algn="just" rtl="1"/>
+            <a:r>
+              <a:rPr lang="fa-IR" sz="2800" dirty="0" smtClean="0">
+                <a:latin typeface="Adobe Arabic" panose="02040503050201020203" pitchFamily="18" charset="-78"/>
+                <a:cs typeface="Adobe Arabic" panose="02040503050201020203" pitchFamily="18" charset="-78"/>
+              </a:rPr>
+              <a:t>تغییرات در تخمین انجام کارها را به سرعت اطلاع رسانی کنید .  </a:t>
+            </a:r>
+            <a:endParaRPr lang="fa-IR" sz="2800" dirty="0">
+              <a:effectLst>
+                <a:outerShdw blurRad="38100" dist="38100" dir="2700000" algn="tl">
+                  <a:srgbClr val="000000">
+                    <a:alpha val="43137"/>
+                  </a:srgbClr>
+                </a:outerShdw>
+              </a:effectLst>
+              <a:latin typeface="Adobe Arabic" panose="02040503050201020203" pitchFamily="18" charset="-78"/>
+              <a:cs typeface="Adobe Arabic" panose="02040503050201020203" pitchFamily="18" charset="-78"/>
+            </a:endParaRPr>
+          </a:p>
+        </p:txBody>
+      </p:sp>
+      <p:sp>
+        <p:nvSpPr>
+          <p:cNvPr id="9" name="Title 1"/>
+          <p:cNvSpPr txBox="1">
+            <a:spLocks/>
+          </p:cNvSpPr>
+          <p:nvPr/>
+        </p:nvSpPr>
+        <p:spPr>
+          <a:xfrm>
+            <a:off x="3929250" y="3888592"/>
+            <a:ext cx="7818249" cy="970450"/>
+          </a:xfrm>
+          <a:prstGeom prst="rect">
+            <a:avLst/>
+          </a:prstGeom>
+          <a:effectLst>
+            <a:outerShdw blurRad="50800" dir="14400000">
+              <a:srgbClr val="000000">
+                <a:alpha val="60000"/>
+              </a:srgbClr>
+            </a:outerShdw>
+          </a:effectLst>
+        </p:spPr>
+        <p:txBody>
+          <a:bodyPr vert="horz" lIns="91440" tIns="45720" rIns="91440" bIns="45720" rtlCol="0" anchor="b">
+            <a:noAutofit/>
+          </a:bodyPr>
+          <a:lstStyle>
+            <a:lvl1pPr algn="l" defTabSz="457200" rtl="0" eaLnBrk="1" latinLnBrk="0" hangingPunct="1">
+              <a:spcBef>
+                <a:spcPct val="0"/>
+              </a:spcBef>
+              <a:buNone/>
+              <a:defRPr sz="4000" b="1" kern="1200">
+                <a:solidFill>
+                  <a:srgbClr val="FEFEFE"/>
+                </a:solidFill>
+                <a:latin typeface="+mj-lt"/>
+                <a:ea typeface="+mj-ea"/>
+                <a:cs typeface="+mj-cs"/>
+              </a:defRPr>
+            </a:lvl1pPr>
+            <a:lvl2pPr eaLnBrk="1" hangingPunct="1">
+              <a:defRPr>
+                <a:solidFill>
+                  <a:schemeClr val="tx2"/>
+                </a:solidFill>
+              </a:defRPr>
+            </a:lvl2pPr>
+            <a:lvl3pPr eaLnBrk="1" hangingPunct="1">
+              <a:defRPr>
+                <a:solidFill>
+                  <a:schemeClr val="tx2"/>
+                </a:solidFill>
+              </a:defRPr>
+            </a:lvl3pPr>
+            <a:lvl4pPr eaLnBrk="1" hangingPunct="1">
+              <a:defRPr>
+                <a:solidFill>
+                  <a:schemeClr val="tx2"/>
+                </a:solidFill>
+              </a:defRPr>
+            </a:lvl4pPr>
+            <a:lvl5pPr eaLnBrk="1" hangingPunct="1">
+              <a:defRPr>
+                <a:solidFill>
+                  <a:schemeClr val="tx2"/>
+                </a:solidFill>
+              </a:defRPr>
+            </a:lvl5pPr>
+            <a:lvl6pPr eaLnBrk="1" hangingPunct="1">
+              <a:defRPr>
+                <a:solidFill>
+                  <a:schemeClr val="tx2"/>
+                </a:solidFill>
+              </a:defRPr>
+            </a:lvl6pPr>
+            <a:lvl7pPr eaLnBrk="1" hangingPunct="1">
+              <a:defRPr>
+                <a:solidFill>
+                  <a:schemeClr val="tx2"/>
+                </a:solidFill>
+              </a:defRPr>
+            </a:lvl7pPr>
+            <a:lvl8pPr eaLnBrk="1" hangingPunct="1">
+              <a:defRPr>
+                <a:solidFill>
+                  <a:schemeClr val="tx2"/>
+                </a:solidFill>
+              </a:defRPr>
+            </a:lvl8pPr>
+            <a:lvl9pPr eaLnBrk="1" hangingPunct="1">
+              <a:defRPr>
+                <a:solidFill>
+                  <a:schemeClr val="tx2"/>
+                </a:solidFill>
+              </a:defRPr>
+            </a:lvl9pPr>
+          </a:lstStyle>
+          <a:p>
+            <a:pPr algn="r" rtl="1"/>
+            <a:r>
+              <a:rPr lang="fa-IR" sz="4400" dirty="0" smtClean="0">
+                <a:latin typeface="Adobe Arabic" panose="02040503050201020203" pitchFamily="18" charset="-78"/>
+                <a:cs typeface="Adobe Arabic" panose="02040503050201020203" pitchFamily="18" charset="-78"/>
+              </a:rPr>
+              <a:t>چرا « دلیل » مهم نیست !  </a:t>
+            </a:r>
+            <a:endParaRPr lang="fa-IR" sz="4400" dirty="0">
+              <a:effectLst>
+                <a:outerShdw blurRad="38100" dist="38100" dir="2700000" algn="tl">
+                  <a:srgbClr val="000000">
+                    <a:alpha val="43137"/>
+                  </a:srgbClr>
+                </a:outerShdw>
+              </a:effectLst>
+              <a:latin typeface="Adobe Arabic" panose="02040503050201020203" pitchFamily="18" charset="-78"/>
+              <a:cs typeface="Adobe Arabic" panose="02040503050201020203" pitchFamily="18" charset="-78"/>
+            </a:endParaRPr>
+          </a:p>
+        </p:txBody>
+      </p:sp>
+      <p:sp>
+        <p:nvSpPr>
+          <p:cNvPr id="10" name="TextBox 9"/>
+          <p:cNvSpPr txBox="1"/>
+          <p:nvPr/>
+        </p:nvSpPr>
+        <p:spPr>
+          <a:xfrm>
+            <a:off x="596900" y="4905208"/>
+            <a:ext cx="10713850" cy="1384995"/>
+          </a:xfrm>
+          <a:prstGeom prst="rect">
+            <a:avLst/>
+          </a:prstGeom>
+          <a:noFill/>
+        </p:spPr>
+        <p:txBody>
+          <a:bodyPr wrap="square" numCol="1" rtlCol="0">
+            <a:spAutoFit/>
+          </a:bodyPr>
+          <a:lstStyle/>
+          <a:p>
+            <a:pPr algn="just" rtl="1"/>
+            <a:r>
+              <a:rPr lang="fa-IR" sz="2800" dirty="0" smtClean="0">
+                <a:latin typeface="Adobe Arabic" panose="02040503050201020203" pitchFamily="18" charset="-78"/>
+                <a:cs typeface="Adobe Arabic" panose="02040503050201020203" pitchFamily="18" charset="-78"/>
+              </a:rPr>
+              <a:t>دلیل اینکه چرا امکان انجام کاری وجود ندارد ، نسبت به « حقیقت عدم انجام کار » در اهمیت بسیار پائین تری وجود دارد . </a:t>
+            </a:r>
+            <a:r>
+              <a:rPr lang="fa-IR" sz="2800" dirty="0" smtClean="0">
+                <a:effectLst>
+                  <a:outerShdw blurRad="38100" dist="38100" dir="2700000" algn="tl">
+                    <a:srgbClr val="000000">
+                      <a:alpha val="43137"/>
+                    </a:srgbClr>
+                  </a:outerShdw>
+                </a:effectLst>
+                <a:latin typeface="Adobe Arabic" panose="02040503050201020203" pitchFamily="18" charset="-78"/>
+                <a:cs typeface="Adobe Arabic" panose="02040503050201020203" pitchFamily="18" charset="-78"/>
+              </a:rPr>
+              <a:t>اگر جزئیات زیادی بگوئید ، ممکن است مدیر سعی کند</a:t>
+            </a:r>
+            <a:r>
+              <a:rPr lang="en-US" sz="2800" dirty="0" smtClean="0">
+                <a:effectLst>
+                  <a:outerShdw blurRad="38100" dist="38100" dir="2700000" algn="tl">
+                    <a:srgbClr val="000000">
+                      <a:alpha val="43137"/>
+                    </a:srgbClr>
+                  </a:outerShdw>
+                </a:effectLst>
+                <a:latin typeface="Adobe Arabic" panose="02040503050201020203" pitchFamily="18" charset="-78"/>
+                <a:cs typeface="Adobe Arabic" panose="02040503050201020203" pitchFamily="18" charset="-78"/>
+              </a:rPr>
+              <a:t> </a:t>
+            </a:r>
+            <a:r>
+              <a:rPr lang="fa-IR" sz="2800" dirty="0" smtClean="0">
+                <a:effectLst>
+                  <a:outerShdw blurRad="38100" dist="38100" dir="2700000" algn="tl">
+                    <a:srgbClr val="000000">
+                      <a:alpha val="43137"/>
+                    </a:srgbClr>
+                  </a:outerShdw>
+                </a:effectLst>
+                <a:latin typeface="Adobe Arabic" panose="02040503050201020203" pitchFamily="18" charset="-78"/>
+                <a:cs typeface="Adobe Arabic" panose="02040503050201020203" pitchFamily="18" charset="-78"/>
+              </a:rPr>
+              <a:t> در کار شما دخالت کند یا اصطلاحا شما را « </a:t>
+            </a:r>
+            <a:r>
+              <a:rPr lang="en-US" sz="2800" dirty="0" smtClean="0">
+                <a:effectLst>
+                  <a:outerShdw blurRad="38100" dist="38100" dir="2700000" algn="tl">
+                    <a:srgbClr val="000000">
+                      <a:alpha val="43137"/>
+                    </a:srgbClr>
+                  </a:outerShdw>
+                </a:effectLst>
+                <a:latin typeface="Adobe Arabic" panose="02040503050201020203" pitchFamily="18" charset="-78"/>
+                <a:cs typeface="Adobe Arabic" panose="02040503050201020203" pitchFamily="18" charset="-78"/>
+              </a:rPr>
+              <a:t>micro management</a:t>
+            </a:r>
+            <a:r>
+              <a:rPr lang="fa-IR" sz="2800" dirty="0" smtClean="0">
+                <a:effectLst>
+                  <a:outerShdw blurRad="38100" dist="38100" dir="2700000" algn="tl">
+                    <a:srgbClr val="000000">
+                      <a:alpha val="43137"/>
+                    </a:srgbClr>
+                  </a:outerShdw>
+                </a:effectLst>
+                <a:latin typeface="Adobe Arabic" panose="02040503050201020203" pitchFamily="18" charset="-78"/>
+                <a:cs typeface="Adobe Arabic" panose="02040503050201020203" pitchFamily="18" charset="-78"/>
+              </a:rPr>
+              <a:t> » کند.</a:t>
+            </a:r>
+            <a:endParaRPr lang="fa-IR" sz="2800" dirty="0">
+              <a:effectLst>
+                <a:outerShdw blurRad="38100" dist="38100" dir="2700000" algn="tl">
+                  <a:srgbClr val="000000">
+                    <a:alpha val="43137"/>
+                  </a:srgbClr>
+                </a:outerShdw>
+              </a:effectLst>
+              <a:latin typeface="Adobe Arabic" panose="02040503050201020203" pitchFamily="18" charset="-78"/>
+              <a:cs typeface="Adobe Arabic" panose="02040503050201020203" pitchFamily="18" charset="-78"/>
+            </a:endParaRPr>
+          </a:p>
+        </p:txBody>
+      </p:sp>
+    </p:spTree>
+    <p:extLst>
+      <p:ext uri="{BB962C8B-B14F-4D97-AF65-F5344CB8AC3E}">
+        <p14:creationId xmlns:p14="http://schemas.microsoft.com/office/powerpoint/2010/main" val="1492569664"/>
+      </p:ext>
+    </p:extLst>
+  </p:cSld>
+  <p:clrMapOvr>
+    <a:masterClrMapping/>
+  </p:clrMapOvr>
+</p:sld>
+</file>
+
+<file path=ppt/slides/slide19.xml><?xml version="1.0" encoding="utf-8"?>
+<p:sld xmlns:a="http://schemas.openxmlformats.org/drawingml/2006/main" xmlns:r="http://schemas.openxmlformats.org/officeDocument/2006/relationships" xmlns:p="http://schemas.openxmlformats.org/presentationml/2006/main">
+  <p:cSld>
+    <p:spTree>
+      <p:nvGrpSpPr>
+        <p:cNvPr id="1" name=""/>
+        <p:cNvGrpSpPr/>
+        <p:nvPr/>
+      </p:nvGrpSpPr>
+      <p:grpSpPr>
+        <a:xfrm>
+          <a:off x="0" y="0"/>
+          <a:ext cx="0" cy="0"/>
+          <a:chOff x="0" y="0"/>
+          <a:chExt cx="0" cy="0"/>
+        </a:xfrm>
+      </p:grpSpPr>
+      <p:sp>
+        <p:nvSpPr>
+          <p:cNvPr id="2" name="Title 1"/>
+          <p:cNvSpPr>
+            <a:spLocks noGrp="1"/>
+          </p:cNvSpPr>
+          <p:nvPr>
+            <p:ph type="title"/>
+          </p:nvPr>
+        </p:nvSpPr>
+        <p:spPr>
+          <a:xfrm>
+            <a:off x="406400" y="647700"/>
+            <a:ext cx="11341100" cy="685800"/>
+          </a:xfrm>
+        </p:spPr>
+        <p:txBody>
+          <a:bodyPr/>
+          <a:lstStyle/>
+          <a:p>
+            <a:pPr algn="r" rtl="1"/>
+            <a:r>
+              <a:rPr lang="fa-IR" sz="4400" dirty="0" smtClean="0">
+                <a:effectLst>
+                  <a:outerShdw blurRad="38100" dist="38100" dir="2700000" algn="tl">
+                    <a:srgbClr val="000000">
+                      <a:alpha val="43137"/>
+                    </a:srgbClr>
+                  </a:outerShdw>
+                </a:effectLst>
+                <a:latin typeface="Adobe Arabic" panose="02040503050201020203" pitchFamily="18" charset="-78"/>
+                <a:cs typeface="Adobe Arabic" panose="02040503050201020203" pitchFamily="18" charset="-78"/>
+              </a:rPr>
+              <a:t>فصل </a:t>
+            </a:r>
+            <a:r>
+              <a:rPr lang="fa-IR" sz="4400" dirty="0" smtClean="0">
+                <a:effectLst>
+                  <a:outerShdw blurRad="38100" dist="38100" dir="2700000" algn="tl">
+                    <a:srgbClr val="000000">
+                      <a:alpha val="43137"/>
+                    </a:srgbClr>
+                  </a:outerShdw>
+                </a:effectLst>
+                <a:latin typeface="Adobe Arabic" panose="02040503050201020203" pitchFamily="18" charset="-78"/>
+                <a:cs typeface="Adobe Arabic" panose="02040503050201020203" pitchFamily="18" charset="-78"/>
+              </a:rPr>
+              <a:t>دوم </a:t>
+            </a:r>
+            <a:r>
+              <a:rPr lang="fa-IR" sz="4400" dirty="0" smtClean="0">
+                <a:effectLst>
+                  <a:outerShdw blurRad="38100" dist="38100" dir="2700000" algn="tl">
+                    <a:srgbClr val="000000">
+                      <a:alpha val="43137"/>
+                    </a:srgbClr>
+                  </a:outerShdw>
+                </a:effectLst>
+                <a:latin typeface="Adobe Arabic" panose="02040503050201020203" pitchFamily="18" charset="-78"/>
+                <a:cs typeface="Adobe Arabic" panose="02040503050201020203" pitchFamily="18" charset="-78"/>
+              </a:rPr>
+              <a:t>: </a:t>
+            </a:r>
+            <a:r>
+              <a:rPr lang="fa-IR" sz="4400" dirty="0" smtClean="0">
+                <a:effectLst>
+                  <a:outerShdw blurRad="38100" dist="38100" dir="2700000" algn="tl">
+                    <a:srgbClr val="000000">
+                      <a:alpha val="43137"/>
+                    </a:srgbClr>
+                  </a:outerShdw>
+                </a:effectLst>
+                <a:latin typeface="Adobe Arabic" panose="02040503050201020203" pitchFamily="18" charset="-78"/>
+                <a:cs typeface="Adobe Arabic" panose="02040503050201020203" pitchFamily="18" charset="-78"/>
+              </a:rPr>
+              <a:t>« نه » بگوئید </a:t>
+            </a:r>
+            <a:endParaRPr lang="en-US" sz="4400" dirty="0">
+              <a:effectLst>
+                <a:outerShdw blurRad="38100" dist="38100" dir="2700000" algn="tl">
+                  <a:srgbClr val="000000">
+                    <a:alpha val="43137"/>
+                  </a:srgbClr>
+                </a:outerShdw>
+              </a:effectLst>
+              <a:latin typeface="Adobe Arabic" panose="02040503050201020203" pitchFamily="18" charset="-78"/>
+              <a:cs typeface="Adobe Arabic" panose="02040503050201020203" pitchFamily="18" charset="-78"/>
+            </a:endParaRPr>
+          </a:p>
+        </p:txBody>
+      </p:sp>
+      <p:sp>
+        <p:nvSpPr>
+          <p:cNvPr id="7" name="Title 1"/>
+          <p:cNvSpPr txBox="1">
+            <a:spLocks/>
+          </p:cNvSpPr>
+          <p:nvPr/>
+        </p:nvSpPr>
+        <p:spPr>
+          <a:xfrm>
+            <a:off x="3929251" y="1964035"/>
+            <a:ext cx="7818249" cy="970450"/>
+          </a:xfrm>
+          <a:prstGeom prst="rect">
+            <a:avLst/>
+          </a:prstGeom>
+          <a:effectLst>
+            <a:outerShdw blurRad="50800" dir="14400000">
+              <a:srgbClr val="000000">
+                <a:alpha val="60000"/>
+              </a:srgbClr>
+            </a:outerShdw>
+          </a:effectLst>
+        </p:spPr>
+        <p:txBody>
+          <a:bodyPr vert="horz" lIns="91440" tIns="45720" rIns="91440" bIns="45720" rtlCol="0" anchor="b">
+            <a:noAutofit/>
+          </a:bodyPr>
+          <a:lstStyle>
+            <a:lvl1pPr algn="l" defTabSz="457200" rtl="0" eaLnBrk="1" latinLnBrk="0" hangingPunct="1">
+              <a:spcBef>
+                <a:spcPct val="0"/>
+              </a:spcBef>
+              <a:buNone/>
+              <a:defRPr sz="4000" b="1" kern="1200">
+                <a:solidFill>
+                  <a:srgbClr val="FEFEFE"/>
+                </a:solidFill>
+                <a:latin typeface="+mj-lt"/>
+                <a:ea typeface="+mj-ea"/>
+                <a:cs typeface="+mj-cs"/>
+              </a:defRPr>
+            </a:lvl1pPr>
+            <a:lvl2pPr eaLnBrk="1" hangingPunct="1">
+              <a:defRPr>
+                <a:solidFill>
+                  <a:schemeClr val="tx2"/>
+                </a:solidFill>
+              </a:defRPr>
+            </a:lvl2pPr>
+            <a:lvl3pPr eaLnBrk="1" hangingPunct="1">
+              <a:defRPr>
+                <a:solidFill>
+                  <a:schemeClr val="tx2"/>
+                </a:solidFill>
+              </a:defRPr>
+            </a:lvl3pPr>
+            <a:lvl4pPr eaLnBrk="1" hangingPunct="1">
+              <a:defRPr>
+                <a:solidFill>
+                  <a:schemeClr val="tx2"/>
+                </a:solidFill>
+              </a:defRPr>
+            </a:lvl4pPr>
+            <a:lvl5pPr eaLnBrk="1" hangingPunct="1">
+              <a:defRPr>
+                <a:solidFill>
+                  <a:schemeClr val="tx2"/>
+                </a:solidFill>
+              </a:defRPr>
+            </a:lvl5pPr>
+            <a:lvl6pPr eaLnBrk="1" hangingPunct="1">
+              <a:defRPr>
+                <a:solidFill>
+                  <a:schemeClr val="tx2"/>
+                </a:solidFill>
+              </a:defRPr>
+            </a:lvl6pPr>
+            <a:lvl7pPr eaLnBrk="1" hangingPunct="1">
+              <a:defRPr>
+                <a:solidFill>
+                  <a:schemeClr val="tx2"/>
+                </a:solidFill>
+              </a:defRPr>
+            </a:lvl7pPr>
+            <a:lvl8pPr eaLnBrk="1" hangingPunct="1">
+              <a:defRPr>
+                <a:solidFill>
+                  <a:schemeClr val="tx2"/>
+                </a:solidFill>
+              </a:defRPr>
+            </a:lvl8pPr>
+            <a:lvl9pPr eaLnBrk="1" hangingPunct="1">
+              <a:defRPr>
+                <a:solidFill>
+                  <a:schemeClr val="tx2"/>
+                </a:solidFill>
+              </a:defRPr>
+            </a:lvl9pPr>
+          </a:lstStyle>
+          <a:p>
+            <a:pPr algn="r" rtl="1"/>
+            <a:r>
+              <a:rPr lang="fa-IR" sz="4400" dirty="0" smtClean="0">
+                <a:latin typeface="Adobe Arabic" panose="02040503050201020203" pitchFamily="18" charset="-78"/>
+                <a:cs typeface="Adobe Arabic" panose="02040503050201020203" pitchFamily="18" charset="-78"/>
+              </a:rPr>
+              <a:t>یک بازیگر تیم بودن</a:t>
+            </a:r>
+            <a:endParaRPr lang="fa-IR" sz="4400" dirty="0">
+              <a:effectLst>
+                <a:outerShdw blurRad="38100" dist="38100" dir="2700000" algn="tl">
+                  <a:srgbClr val="000000">
+                    <a:alpha val="43137"/>
+                  </a:srgbClr>
+                </a:outerShdw>
+              </a:effectLst>
+              <a:latin typeface="Adobe Arabic" panose="02040503050201020203" pitchFamily="18" charset="-78"/>
+              <a:cs typeface="Adobe Arabic" panose="02040503050201020203" pitchFamily="18" charset="-78"/>
+            </a:endParaRPr>
+          </a:p>
+        </p:txBody>
+      </p:sp>
+      <p:sp>
+        <p:nvSpPr>
+          <p:cNvPr id="8" name="TextBox 7"/>
+          <p:cNvSpPr txBox="1"/>
+          <p:nvPr/>
+        </p:nvSpPr>
+        <p:spPr>
+          <a:xfrm>
+            <a:off x="406400" y="2934485"/>
+            <a:ext cx="10904350" cy="1815882"/>
+          </a:xfrm>
+          <a:prstGeom prst="rect">
+            <a:avLst/>
+          </a:prstGeom>
+          <a:noFill/>
+        </p:spPr>
+        <p:txBody>
+          <a:bodyPr wrap="square" numCol="1" rtlCol="0">
+            <a:spAutoFit/>
+          </a:bodyPr>
+          <a:lstStyle/>
+          <a:p>
+            <a:pPr marL="457200" indent="-457200" algn="just" rtl="1">
+              <a:buFont typeface="Wingdings" panose="05000000000000000000" pitchFamily="2" charset="2"/>
+              <a:buChar char="ü"/>
+            </a:pPr>
+            <a:r>
+              <a:rPr lang="fa-IR" sz="2800" dirty="0" smtClean="0">
+                <a:latin typeface="Adobe Arabic" panose="02040503050201020203" pitchFamily="18" charset="-78"/>
+                <a:cs typeface="Adobe Arabic" panose="02040503050201020203" pitchFamily="18" charset="-78"/>
+              </a:rPr>
+              <a:t>یک بازیگر تیم بودن به این معناست که کار خود را به خوبی انجام دهید ، وقتی هم تیمی های شما به مشکلی در کارشان برخوردند ، به آنها کمک کنید .</a:t>
+            </a:r>
+          </a:p>
+          <a:p>
+            <a:pPr marL="457200" indent="-457200" algn="just" rtl="1">
+              <a:buFont typeface="Wingdings" panose="05000000000000000000" pitchFamily="2" charset="2"/>
+              <a:buChar char="ü"/>
+            </a:pPr>
+            <a:r>
+              <a:rPr lang="fa-IR" sz="2800" dirty="0" smtClean="0">
+                <a:effectLst>
+                  <a:outerShdw blurRad="38100" dist="38100" dir="2700000" algn="tl">
+                    <a:srgbClr val="000000">
+                      <a:alpha val="43137"/>
+                    </a:srgbClr>
+                  </a:outerShdw>
+                </a:effectLst>
+                <a:latin typeface="Adobe Arabic" panose="02040503050201020203" pitchFamily="18" charset="-78"/>
+                <a:cs typeface="Adobe Arabic" panose="02040503050201020203" pitchFamily="18" charset="-78"/>
+              </a:rPr>
+              <a:t>یک بازیگر تیم به صورت مرتب با دیگر اعضای تیم ارتباط برقرار می کند و حواسش به سایرین هست . </a:t>
+            </a:r>
+          </a:p>
+          <a:p>
+            <a:pPr marL="457200" indent="-457200" algn="just" rtl="1">
+              <a:buFont typeface="Wingdings" panose="05000000000000000000" pitchFamily="2" charset="2"/>
+              <a:buChar char="ü"/>
+            </a:pPr>
+            <a:r>
+              <a:rPr lang="fa-IR" sz="2800" dirty="0" smtClean="0">
+                <a:effectLst>
+                  <a:outerShdw blurRad="38100" dist="38100" dir="2700000" algn="tl">
+                    <a:srgbClr val="000000">
+                      <a:alpha val="43137"/>
+                    </a:srgbClr>
+                  </a:outerShdw>
+                </a:effectLst>
+                <a:latin typeface="Adobe Arabic" panose="02040503050201020203" pitchFamily="18" charset="-78"/>
+                <a:cs typeface="Adobe Arabic" panose="02040503050201020203" pitchFamily="18" charset="-78"/>
+              </a:rPr>
+              <a:t>بازیگر تیم کسی نیست که همیشه « بعله » بگوید . </a:t>
+            </a:r>
+            <a:endParaRPr lang="fa-IR" sz="2800" dirty="0">
+              <a:effectLst>
+                <a:outerShdw blurRad="38100" dist="38100" dir="2700000" algn="tl">
+                  <a:srgbClr val="000000">
+                    <a:alpha val="43137"/>
+                  </a:srgbClr>
+                </a:outerShdw>
+              </a:effectLst>
+              <a:latin typeface="Adobe Arabic" panose="02040503050201020203" pitchFamily="18" charset="-78"/>
+              <a:cs typeface="Adobe Arabic" panose="02040503050201020203" pitchFamily="18" charset="-78"/>
+            </a:endParaRPr>
+          </a:p>
+        </p:txBody>
+      </p:sp>
+    </p:spTree>
+    <p:extLst>
+      <p:ext uri="{BB962C8B-B14F-4D97-AF65-F5344CB8AC3E}">
+        <p14:creationId xmlns:p14="http://schemas.microsoft.com/office/powerpoint/2010/main" val="3853177781"/>
+      </p:ext>
+    </p:extLst>
+  </p:cSld>
+  <p:clrMapOvr>
+    <a:masterClrMapping/>
+  </p:clrMapOvr>
+</p:sld>
+</file>
+
 <file path=ppt/slides/slide2.xml><?xml version="1.0" encoding="utf-8"?>
 <p:sld xmlns:a="http://schemas.openxmlformats.org/drawingml/2006/main" xmlns:r="http://schemas.openxmlformats.org/officeDocument/2006/relationships" xmlns:p="http://schemas.openxmlformats.org/presentationml/2006/main">
   <p:cSld>
@@ -6100,6 +10248,2063 @@
 </p:sld>
 </file>
 
+<file path=ppt/slides/slide20.xml><?xml version="1.0" encoding="utf-8"?>
+<p:sld xmlns:a="http://schemas.openxmlformats.org/drawingml/2006/main" xmlns:r="http://schemas.openxmlformats.org/officeDocument/2006/relationships" xmlns:p="http://schemas.openxmlformats.org/presentationml/2006/main">
+  <p:cSld>
+    <p:spTree>
+      <p:nvGrpSpPr>
+        <p:cNvPr id="1" name=""/>
+        <p:cNvGrpSpPr/>
+        <p:nvPr/>
+      </p:nvGrpSpPr>
+      <p:grpSpPr>
+        <a:xfrm>
+          <a:off x="0" y="0"/>
+          <a:ext cx="0" cy="0"/>
+          <a:chOff x="0" y="0"/>
+          <a:chExt cx="0" cy="0"/>
+        </a:xfrm>
+      </p:grpSpPr>
+      <p:sp>
+        <p:nvSpPr>
+          <p:cNvPr id="2" name="Title 1"/>
+          <p:cNvSpPr>
+            <a:spLocks noGrp="1"/>
+          </p:cNvSpPr>
+          <p:nvPr>
+            <p:ph type="title"/>
+          </p:nvPr>
+        </p:nvSpPr>
+        <p:spPr>
+          <a:xfrm>
+            <a:off x="406400" y="647700"/>
+            <a:ext cx="11341100" cy="685800"/>
+          </a:xfrm>
+        </p:spPr>
+        <p:txBody>
+          <a:bodyPr/>
+          <a:lstStyle/>
+          <a:p>
+            <a:pPr algn="r" rtl="1"/>
+            <a:r>
+              <a:rPr lang="fa-IR" sz="4400" dirty="0" smtClean="0">
+                <a:effectLst>
+                  <a:outerShdw blurRad="38100" dist="38100" dir="2700000" algn="tl">
+                    <a:srgbClr val="000000">
+                      <a:alpha val="43137"/>
+                    </a:srgbClr>
+                  </a:outerShdw>
+                </a:effectLst>
+                <a:latin typeface="Adobe Arabic" panose="02040503050201020203" pitchFamily="18" charset="-78"/>
+                <a:cs typeface="Adobe Arabic" panose="02040503050201020203" pitchFamily="18" charset="-78"/>
+              </a:rPr>
+              <a:t>فصل </a:t>
+            </a:r>
+            <a:r>
+              <a:rPr lang="fa-IR" sz="4400" dirty="0" smtClean="0">
+                <a:effectLst>
+                  <a:outerShdw blurRad="38100" dist="38100" dir="2700000" algn="tl">
+                    <a:srgbClr val="000000">
+                      <a:alpha val="43137"/>
+                    </a:srgbClr>
+                  </a:outerShdw>
+                </a:effectLst>
+                <a:latin typeface="Adobe Arabic" panose="02040503050201020203" pitchFamily="18" charset="-78"/>
+                <a:cs typeface="Adobe Arabic" panose="02040503050201020203" pitchFamily="18" charset="-78"/>
+              </a:rPr>
+              <a:t>دوم </a:t>
+            </a:r>
+            <a:r>
+              <a:rPr lang="fa-IR" sz="4400" dirty="0" smtClean="0">
+                <a:effectLst>
+                  <a:outerShdw blurRad="38100" dist="38100" dir="2700000" algn="tl">
+                    <a:srgbClr val="000000">
+                      <a:alpha val="43137"/>
+                    </a:srgbClr>
+                  </a:outerShdw>
+                </a:effectLst>
+                <a:latin typeface="Adobe Arabic" panose="02040503050201020203" pitchFamily="18" charset="-78"/>
+                <a:cs typeface="Adobe Arabic" panose="02040503050201020203" pitchFamily="18" charset="-78"/>
+              </a:rPr>
+              <a:t>: </a:t>
+            </a:r>
+            <a:r>
+              <a:rPr lang="fa-IR" sz="4400" dirty="0" smtClean="0">
+                <a:effectLst>
+                  <a:outerShdw blurRad="38100" dist="38100" dir="2700000" algn="tl">
+                    <a:srgbClr val="000000">
+                      <a:alpha val="43137"/>
+                    </a:srgbClr>
+                  </a:outerShdw>
+                </a:effectLst>
+                <a:latin typeface="Adobe Arabic" panose="02040503050201020203" pitchFamily="18" charset="-78"/>
+                <a:cs typeface="Adobe Arabic" panose="02040503050201020203" pitchFamily="18" charset="-78"/>
+              </a:rPr>
+              <a:t>« نه » بگوئید </a:t>
+            </a:r>
+            <a:endParaRPr lang="en-US" sz="4400" dirty="0">
+              <a:effectLst>
+                <a:outerShdw blurRad="38100" dist="38100" dir="2700000" algn="tl">
+                  <a:srgbClr val="000000">
+                    <a:alpha val="43137"/>
+                  </a:srgbClr>
+                </a:outerShdw>
+              </a:effectLst>
+              <a:latin typeface="Adobe Arabic" panose="02040503050201020203" pitchFamily="18" charset="-78"/>
+              <a:cs typeface="Adobe Arabic" panose="02040503050201020203" pitchFamily="18" charset="-78"/>
+            </a:endParaRPr>
+          </a:p>
+        </p:txBody>
+      </p:sp>
+      <p:sp>
+        <p:nvSpPr>
+          <p:cNvPr id="7" name="Title 1"/>
+          <p:cNvSpPr txBox="1">
+            <a:spLocks/>
+          </p:cNvSpPr>
+          <p:nvPr/>
+        </p:nvSpPr>
+        <p:spPr>
+          <a:xfrm>
+            <a:off x="3929251" y="1964035"/>
+            <a:ext cx="7818249" cy="970450"/>
+          </a:xfrm>
+          <a:prstGeom prst="rect">
+            <a:avLst/>
+          </a:prstGeom>
+          <a:effectLst>
+            <a:outerShdw blurRad="50800" dir="14400000">
+              <a:srgbClr val="000000">
+                <a:alpha val="60000"/>
+              </a:srgbClr>
+            </a:outerShdw>
+          </a:effectLst>
+        </p:spPr>
+        <p:txBody>
+          <a:bodyPr vert="horz" lIns="91440" tIns="45720" rIns="91440" bIns="45720" rtlCol="0" anchor="b">
+            <a:noAutofit/>
+          </a:bodyPr>
+          <a:lstStyle>
+            <a:lvl1pPr algn="l" defTabSz="457200" rtl="0" eaLnBrk="1" latinLnBrk="0" hangingPunct="1">
+              <a:spcBef>
+                <a:spcPct val="0"/>
+              </a:spcBef>
+              <a:buNone/>
+              <a:defRPr sz="4000" b="1" kern="1200">
+                <a:solidFill>
+                  <a:srgbClr val="FEFEFE"/>
+                </a:solidFill>
+                <a:latin typeface="+mj-lt"/>
+                <a:ea typeface="+mj-ea"/>
+                <a:cs typeface="+mj-cs"/>
+              </a:defRPr>
+            </a:lvl1pPr>
+            <a:lvl2pPr eaLnBrk="1" hangingPunct="1">
+              <a:defRPr>
+                <a:solidFill>
+                  <a:schemeClr val="tx2"/>
+                </a:solidFill>
+              </a:defRPr>
+            </a:lvl2pPr>
+            <a:lvl3pPr eaLnBrk="1" hangingPunct="1">
+              <a:defRPr>
+                <a:solidFill>
+                  <a:schemeClr val="tx2"/>
+                </a:solidFill>
+              </a:defRPr>
+            </a:lvl3pPr>
+            <a:lvl4pPr eaLnBrk="1" hangingPunct="1">
+              <a:defRPr>
+                <a:solidFill>
+                  <a:schemeClr val="tx2"/>
+                </a:solidFill>
+              </a:defRPr>
+            </a:lvl4pPr>
+            <a:lvl5pPr eaLnBrk="1" hangingPunct="1">
+              <a:defRPr>
+                <a:solidFill>
+                  <a:schemeClr val="tx2"/>
+                </a:solidFill>
+              </a:defRPr>
+            </a:lvl5pPr>
+            <a:lvl6pPr eaLnBrk="1" hangingPunct="1">
+              <a:defRPr>
+                <a:solidFill>
+                  <a:schemeClr val="tx2"/>
+                </a:solidFill>
+              </a:defRPr>
+            </a:lvl6pPr>
+            <a:lvl7pPr eaLnBrk="1" hangingPunct="1">
+              <a:defRPr>
+                <a:solidFill>
+                  <a:schemeClr val="tx2"/>
+                </a:solidFill>
+              </a:defRPr>
+            </a:lvl7pPr>
+            <a:lvl8pPr eaLnBrk="1" hangingPunct="1">
+              <a:defRPr>
+                <a:solidFill>
+                  <a:schemeClr val="tx2"/>
+                </a:solidFill>
+              </a:defRPr>
+            </a:lvl8pPr>
+            <a:lvl9pPr eaLnBrk="1" hangingPunct="1">
+              <a:defRPr>
+                <a:solidFill>
+                  <a:schemeClr val="tx2"/>
+                </a:solidFill>
+              </a:defRPr>
+            </a:lvl9pPr>
+          </a:lstStyle>
+          <a:p>
+            <a:pPr algn="r" rtl="1"/>
+            <a:r>
+              <a:rPr lang="fa-IR" sz="4400" dirty="0" smtClean="0">
+                <a:latin typeface="Adobe Arabic" panose="02040503050201020203" pitchFamily="18" charset="-78"/>
+                <a:cs typeface="Adobe Arabic" panose="02040503050201020203" pitchFamily="18" charset="-78"/>
+              </a:rPr>
+              <a:t>یک بازیگر تیم بودن</a:t>
+            </a:r>
+            <a:endParaRPr lang="fa-IR" sz="4400" dirty="0">
+              <a:effectLst>
+                <a:outerShdw blurRad="38100" dist="38100" dir="2700000" algn="tl">
+                  <a:srgbClr val="000000">
+                    <a:alpha val="43137"/>
+                  </a:srgbClr>
+                </a:outerShdw>
+              </a:effectLst>
+              <a:latin typeface="Adobe Arabic" panose="02040503050201020203" pitchFamily="18" charset="-78"/>
+              <a:cs typeface="Adobe Arabic" panose="02040503050201020203" pitchFamily="18" charset="-78"/>
+            </a:endParaRPr>
+          </a:p>
+        </p:txBody>
+      </p:sp>
+      <p:sp>
+        <p:nvSpPr>
+          <p:cNvPr id="8" name="TextBox 7"/>
+          <p:cNvSpPr txBox="1"/>
+          <p:nvPr/>
+        </p:nvSpPr>
+        <p:spPr>
+          <a:xfrm>
+            <a:off x="406400" y="2934485"/>
+            <a:ext cx="10904350" cy="1815882"/>
+          </a:xfrm>
+          <a:prstGeom prst="rect">
+            <a:avLst/>
+          </a:prstGeom>
+          <a:noFill/>
+        </p:spPr>
+        <p:txBody>
+          <a:bodyPr wrap="square" numCol="1" rtlCol="0">
+            <a:spAutoFit/>
+          </a:bodyPr>
+          <a:lstStyle/>
+          <a:p>
+            <a:pPr marL="457200" indent="-457200" algn="just" rtl="1">
+              <a:buFont typeface="Wingdings" panose="05000000000000000000" pitchFamily="2" charset="2"/>
+              <a:buChar char="ü"/>
+            </a:pPr>
+            <a:r>
+              <a:rPr lang="fa-IR" sz="2800" dirty="0" smtClean="0">
+                <a:latin typeface="Adobe Arabic" panose="02040503050201020203" pitchFamily="18" charset="-78"/>
+                <a:cs typeface="Adobe Arabic" panose="02040503050201020203" pitchFamily="18" charset="-78"/>
+              </a:rPr>
+              <a:t>یک بازیگر تیم بودن به این معناست که کار خود را به خوبی انجام دهید ، وقتی هم تیمی های شما به مشکلی در کارشان برخوردند ، به آنها کمک کنید .</a:t>
+            </a:r>
+          </a:p>
+          <a:p>
+            <a:pPr marL="457200" indent="-457200" algn="just" rtl="1">
+              <a:buFont typeface="Wingdings" panose="05000000000000000000" pitchFamily="2" charset="2"/>
+              <a:buChar char="ü"/>
+            </a:pPr>
+            <a:r>
+              <a:rPr lang="fa-IR" sz="2800" dirty="0" smtClean="0">
+                <a:effectLst>
+                  <a:outerShdw blurRad="38100" dist="38100" dir="2700000" algn="tl">
+                    <a:srgbClr val="000000">
+                      <a:alpha val="43137"/>
+                    </a:srgbClr>
+                  </a:outerShdw>
+                </a:effectLst>
+                <a:latin typeface="Adobe Arabic" panose="02040503050201020203" pitchFamily="18" charset="-78"/>
+                <a:cs typeface="Adobe Arabic" panose="02040503050201020203" pitchFamily="18" charset="-78"/>
+              </a:rPr>
+              <a:t>یک بازیگر تیم به صورت مرتب با دیگر اعضای تیم ارتباط برقرار می کند و حواسش به سایرین هست . </a:t>
+            </a:r>
+          </a:p>
+          <a:p>
+            <a:pPr marL="457200" indent="-457200" algn="just" rtl="1">
+              <a:buFont typeface="Wingdings" panose="05000000000000000000" pitchFamily="2" charset="2"/>
+              <a:buChar char="ü"/>
+            </a:pPr>
+            <a:r>
+              <a:rPr lang="fa-IR" sz="2800" dirty="0" smtClean="0">
+                <a:effectLst>
+                  <a:outerShdw blurRad="38100" dist="38100" dir="2700000" algn="tl">
+                    <a:srgbClr val="000000">
+                      <a:alpha val="43137"/>
+                    </a:srgbClr>
+                  </a:outerShdw>
+                </a:effectLst>
+                <a:latin typeface="Adobe Arabic" panose="02040503050201020203" pitchFamily="18" charset="-78"/>
+                <a:cs typeface="Adobe Arabic" panose="02040503050201020203" pitchFamily="18" charset="-78"/>
+              </a:rPr>
+              <a:t>بازیگر تیم کسی نیست که همیشه « بعله » بگوید . </a:t>
+            </a:r>
+            <a:endParaRPr lang="fa-IR" sz="2800" dirty="0">
+              <a:effectLst>
+                <a:outerShdw blurRad="38100" dist="38100" dir="2700000" algn="tl">
+                  <a:srgbClr val="000000">
+                    <a:alpha val="43137"/>
+                  </a:srgbClr>
+                </a:outerShdw>
+              </a:effectLst>
+              <a:latin typeface="Adobe Arabic" panose="02040503050201020203" pitchFamily="18" charset="-78"/>
+              <a:cs typeface="Adobe Arabic" panose="02040503050201020203" pitchFamily="18" charset="-78"/>
+            </a:endParaRPr>
+          </a:p>
+        </p:txBody>
+      </p:sp>
+    </p:spTree>
+    <p:extLst>
+      <p:ext uri="{BB962C8B-B14F-4D97-AF65-F5344CB8AC3E}">
+        <p14:creationId xmlns:p14="http://schemas.microsoft.com/office/powerpoint/2010/main" val="2666029235"/>
+      </p:ext>
+    </p:extLst>
+  </p:cSld>
+  <p:clrMapOvr>
+    <a:masterClrMapping/>
+  </p:clrMapOvr>
+</p:sld>
+</file>
+
+<file path=ppt/slides/slide21.xml><?xml version="1.0" encoding="utf-8"?>
+<p:sld xmlns:a="http://schemas.openxmlformats.org/drawingml/2006/main" xmlns:r="http://schemas.openxmlformats.org/officeDocument/2006/relationships" xmlns:p="http://schemas.openxmlformats.org/presentationml/2006/main">
+  <p:cSld>
+    <p:spTree>
+      <p:nvGrpSpPr>
+        <p:cNvPr id="1" name=""/>
+        <p:cNvGrpSpPr/>
+        <p:nvPr/>
+      </p:nvGrpSpPr>
+      <p:grpSpPr>
+        <a:xfrm>
+          <a:off x="0" y="0"/>
+          <a:ext cx="0" cy="0"/>
+          <a:chOff x="0" y="0"/>
+          <a:chExt cx="0" cy="0"/>
+        </a:xfrm>
+      </p:grpSpPr>
+      <p:sp>
+        <p:nvSpPr>
+          <p:cNvPr id="2" name="Title 1"/>
+          <p:cNvSpPr>
+            <a:spLocks noGrp="1"/>
+          </p:cNvSpPr>
+          <p:nvPr>
+            <p:ph type="title"/>
+          </p:nvPr>
+        </p:nvSpPr>
+        <p:spPr>
+          <a:xfrm>
+            <a:off x="406400" y="647700"/>
+            <a:ext cx="11341100" cy="685800"/>
+          </a:xfrm>
+        </p:spPr>
+        <p:txBody>
+          <a:bodyPr/>
+          <a:lstStyle/>
+          <a:p>
+            <a:pPr algn="r" rtl="1"/>
+            <a:r>
+              <a:rPr lang="fa-IR" sz="4400" dirty="0" smtClean="0">
+                <a:effectLst>
+                  <a:outerShdw blurRad="38100" dist="38100" dir="2700000" algn="tl">
+                    <a:srgbClr val="000000">
+                      <a:alpha val="43137"/>
+                    </a:srgbClr>
+                  </a:outerShdw>
+                </a:effectLst>
+                <a:latin typeface="Adobe Arabic" panose="02040503050201020203" pitchFamily="18" charset="-78"/>
+                <a:cs typeface="Adobe Arabic" panose="02040503050201020203" pitchFamily="18" charset="-78"/>
+              </a:rPr>
+              <a:t>فصل </a:t>
+            </a:r>
+            <a:r>
+              <a:rPr lang="fa-IR" sz="4400" dirty="0" smtClean="0">
+                <a:effectLst>
+                  <a:outerShdw blurRad="38100" dist="38100" dir="2700000" algn="tl">
+                    <a:srgbClr val="000000">
+                      <a:alpha val="43137"/>
+                    </a:srgbClr>
+                  </a:outerShdw>
+                </a:effectLst>
+                <a:latin typeface="Adobe Arabic" panose="02040503050201020203" pitchFamily="18" charset="-78"/>
+                <a:cs typeface="Adobe Arabic" panose="02040503050201020203" pitchFamily="18" charset="-78"/>
+              </a:rPr>
+              <a:t>دوم </a:t>
+            </a:r>
+            <a:r>
+              <a:rPr lang="fa-IR" sz="4400" dirty="0" smtClean="0">
+                <a:effectLst>
+                  <a:outerShdw blurRad="38100" dist="38100" dir="2700000" algn="tl">
+                    <a:srgbClr val="000000">
+                      <a:alpha val="43137"/>
+                    </a:srgbClr>
+                  </a:outerShdw>
+                </a:effectLst>
+                <a:latin typeface="Adobe Arabic" panose="02040503050201020203" pitchFamily="18" charset="-78"/>
+                <a:cs typeface="Adobe Arabic" panose="02040503050201020203" pitchFamily="18" charset="-78"/>
+              </a:rPr>
+              <a:t>: </a:t>
+            </a:r>
+            <a:r>
+              <a:rPr lang="fa-IR" sz="4400" dirty="0" smtClean="0">
+                <a:effectLst>
+                  <a:outerShdw blurRad="38100" dist="38100" dir="2700000" algn="tl">
+                    <a:srgbClr val="000000">
+                      <a:alpha val="43137"/>
+                    </a:srgbClr>
+                  </a:outerShdw>
+                </a:effectLst>
+                <a:latin typeface="Adobe Arabic" panose="02040503050201020203" pitchFamily="18" charset="-78"/>
+                <a:cs typeface="Adobe Arabic" panose="02040503050201020203" pitchFamily="18" charset="-78"/>
+              </a:rPr>
+              <a:t>« نه » بگوئید </a:t>
+            </a:r>
+            <a:endParaRPr lang="en-US" sz="4400" dirty="0">
+              <a:effectLst>
+                <a:outerShdw blurRad="38100" dist="38100" dir="2700000" algn="tl">
+                  <a:srgbClr val="000000">
+                    <a:alpha val="43137"/>
+                  </a:srgbClr>
+                </a:outerShdw>
+              </a:effectLst>
+              <a:latin typeface="Adobe Arabic" panose="02040503050201020203" pitchFamily="18" charset="-78"/>
+              <a:cs typeface="Adobe Arabic" panose="02040503050201020203" pitchFamily="18" charset="-78"/>
+            </a:endParaRPr>
+          </a:p>
+        </p:txBody>
+      </p:sp>
+      <p:sp>
+        <p:nvSpPr>
+          <p:cNvPr id="7" name="Title 1"/>
+          <p:cNvSpPr txBox="1">
+            <a:spLocks/>
+          </p:cNvSpPr>
+          <p:nvPr/>
+        </p:nvSpPr>
+        <p:spPr>
+          <a:xfrm>
+            <a:off x="3929251" y="1760835"/>
+            <a:ext cx="7818249" cy="970450"/>
+          </a:xfrm>
+          <a:prstGeom prst="rect">
+            <a:avLst/>
+          </a:prstGeom>
+          <a:effectLst>
+            <a:outerShdw blurRad="50800" dir="14400000">
+              <a:srgbClr val="000000">
+                <a:alpha val="60000"/>
+              </a:srgbClr>
+            </a:outerShdw>
+          </a:effectLst>
+        </p:spPr>
+        <p:txBody>
+          <a:bodyPr vert="horz" lIns="91440" tIns="45720" rIns="91440" bIns="45720" rtlCol="0" anchor="b">
+            <a:noAutofit/>
+          </a:bodyPr>
+          <a:lstStyle>
+            <a:lvl1pPr algn="l" defTabSz="457200" rtl="0" eaLnBrk="1" latinLnBrk="0" hangingPunct="1">
+              <a:spcBef>
+                <a:spcPct val="0"/>
+              </a:spcBef>
+              <a:buNone/>
+              <a:defRPr sz="4000" b="1" kern="1200">
+                <a:solidFill>
+                  <a:srgbClr val="FEFEFE"/>
+                </a:solidFill>
+                <a:latin typeface="+mj-lt"/>
+                <a:ea typeface="+mj-ea"/>
+                <a:cs typeface="+mj-cs"/>
+              </a:defRPr>
+            </a:lvl1pPr>
+            <a:lvl2pPr eaLnBrk="1" hangingPunct="1">
+              <a:defRPr>
+                <a:solidFill>
+                  <a:schemeClr val="tx2"/>
+                </a:solidFill>
+              </a:defRPr>
+            </a:lvl2pPr>
+            <a:lvl3pPr eaLnBrk="1" hangingPunct="1">
+              <a:defRPr>
+                <a:solidFill>
+                  <a:schemeClr val="tx2"/>
+                </a:solidFill>
+              </a:defRPr>
+            </a:lvl3pPr>
+            <a:lvl4pPr eaLnBrk="1" hangingPunct="1">
+              <a:defRPr>
+                <a:solidFill>
+                  <a:schemeClr val="tx2"/>
+                </a:solidFill>
+              </a:defRPr>
+            </a:lvl4pPr>
+            <a:lvl5pPr eaLnBrk="1" hangingPunct="1">
+              <a:defRPr>
+                <a:solidFill>
+                  <a:schemeClr val="tx2"/>
+                </a:solidFill>
+              </a:defRPr>
+            </a:lvl5pPr>
+            <a:lvl6pPr eaLnBrk="1" hangingPunct="1">
+              <a:defRPr>
+                <a:solidFill>
+                  <a:schemeClr val="tx2"/>
+                </a:solidFill>
+              </a:defRPr>
+            </a:lvl6pPr>
+            <a:lvl7pPr eaLnBrk="1" hangingPunct="1">
+              <a:defRPr>
+                <a:solidFill>
+                  <a:schemeClr val="tx2"/>
+                </a:solidFill>
+              </a:defRPr>
+            </a:lvl7pPr>
+            <a:lvl8pPr eaLnBrk="1" hangingPunct="1">
+              <a:defRPr>
+                <a:solidFill>
+                  <a:schemeClr val="tx2"/>
+                </a:solidFill>
+              </a:defRPr>
+            </a:lvl8pPr>
+            <a:lvl9pPr eaLnBrk="1" hangingPunct="1">
+              <a:defRPr>
+                <a:solidFill>
+                  <a:schemeClr val="tx2"/>
+                </a:solidFill>
+              </a:defRPr>
+            </a:lvl9pPr>
+          </a:lstStyle>
+          <a:p>
+            <a:pPr algn="r" rtl="1"/>
+            <a:r>
+              <a:rPr lang="fa-IR" sz="4400" dirty="0" smtClean="0">
+                <a:latin typeface="Adobe Arabic" panose="02040503050201020203" pitchFamily="18" charset="-78"/>
+                <a:cs typeface="Adobe Arabic" panose="02040503050201020203" pitchFamily="18" charset="-78"/>
+              </a:rPr>
+              <a:t>تلاش کردن</a:t>
+            </a:r>
+            <a:endParaRPr lang="fa-IR" sz="4400" dirty="0">
+              <a:effectLst>
+                <a:outerShdw blurRad="38100" dist="38100" dir="2700000" algn="tl">
+                  <a:srgbClr val="000000">
+                    <a:alpha val="43137"/>
+                  </a:srgbClr>
+                </a:outerShdw>
+              </a:effectLst>
+              <a:latin typeface="Adobe Arabic" panose="02040503050201020203" pitchFamily="18" charset="-78"/>
+              <a:cs typeface="Adobe Arabic" panose="02040503050201020203" pitchFamily="18" charset="-78"/>
+            </a:endParaRPr>
+          </a:p>
+        </p:txBody>
+      </p:sp>
+      <p:pic>
+        <p:nvPicPr>
+          <p:cNvPr id="6" name="Picture 5"/>
+          <p:cNvPicPr>
+            <a:picLocks noChangeAspect="1"/>
+          </p:cNvPicPr>
+          <p:nvPr/>
+        </p:nvPicPr>
+        <p:blipFill>
+          <a:blip r:embed="rId2">
+            <a:extLst>
+              <a:ext uri="{28A0092B-C50C-407E-A947-70E740481C1C}">
+                <a14:useLocalDpi xmlns:a14="http://schemas.microsoft.com/office/drawing/2010/main" val="0"/>
+              </a:ext>
+            </a:extLst>
+          </a:blip>
+          <a:stretch>
+            <a:fillRect/>
+          </a:stretch>
+        </p:blipFill>
+        <p:spPr>
+          <a:xfrm>
+            <a:off x="182769" y="2598763"/>
+            <a:ext cx="3187700" cy="4016502"/>
+          </a:xfrm>
+          <a:prstGeom prst="rect">
+            <a:avLst/>
+          </a:prstGeom>
+          <a:ln>
+            <a:noFill/>
+          </a:ln>
+          <a:effectLst>
+            <a:softEdge rad="112500"/>
+          </a:effectLst>
+        </p:spPr>
+      </p:pic>
+      <p:sp>
+        <p:nvSpPr>
+          <p:cNvPr id="5" name="TextBox 4"/>
+          <p:cNvSpPr txBox="1"/>
+          <p:nvPr/>
+        </p:nvSpPr>
+        <p:spPr>
+          <a:xfrm>
+            <a:off x="266700" y="806728"/>
+            <a:ext cx="3019839" cy="954107"/>
+          </a:xfrm>
+          <a:prstGeom prst="rect">
+            <a:avLst/>
+          </a:prstGeom>
+          <a:noFill/>
+        </p:spPr>
+        <p:txBody>
+          <a:bodyPr wrap="square" rtlCol="0">
+            <a:spAutoFit/>
+          </a:bodyPr>
+          <a:lstStyle/>
+          <a:p>
+            <a:pPr algn="ctr" rtl="1"/>
+            <a:r>
+              <a:rPr lang="fa-IR" sz="2800" b="1" dirty="0" smtClean="0">
+                <a:ln w="0"/>
+                <a:effectLst>
+                  <a:outerShdw blurRad="38100" dist="19050" dir="2700000" algn="tl" rotWithShape="0">
+                    <a:schemeClr val="dk1">
+                      <a:alpha val="40000"/>
+                    </a:schemeClr>
+                  </a:outerShdw>
+                </a:effectLst>
+                <a:latin typeface="Adobe Arabic" panose="02040503050201020203" pitchFamily="18" charset="-78"/>
+                <a:cs typeface="Adobe Arabic" panose="02040503050201020203" pitchFamily="18" charset="-78"/>
+              </a:rPr>
+              <a:t>انجام بده ، یا انجام نده .</a:t>
+            </a:r>
+          </a:p>
+          <a:p>
+            <a:pPr algn="ctr" rtl="1"/>
+            <a:r>
+              <a:rPr lang="fa-IR" sz="2800" b="1" dirty="0" smtClean="0">
+                <a:ln w="0"/>
+                <a:effectLst>
+                  <a:outerShdw blurRad="38100" dist="19050" dir="2700000" algn="tl" rotWithShape="0">
+                    <a:schemeClr val="dk1">
+                      <a:alpha val="40000"/>
+                    </a:schemeClr>
+                  </a:outerShdw>
+                </a:effectLst>
+                <a:latin typeface="Adobe Arabic" panose="02040503050201020203" pitchFamily="18" charset="-78"/>
+                <a:cs typeface="Adobe Arabic" panose="02040503050201020203" pitchFamily="18" charset="-78"/>
+              </a:rPr>
+              <a:t>هیچ « تلاشی » وجود نداره . 	</a:t>
+            </a:r>
+            <a:endParaRPr lang="en-US" sz="2800" b="1" dirty="0">
+              <a:ln w="0"/>
+              <a:effectLst>
+                <a:outerShdw blurRad="38100" dist="19050" dir="2700000" algn="tl" rotWithShape="0">
+                  <a:schemeClr val="dk1">
+                    <a:alpha val="40000"/>
+                  </a:schemeClr>
+                </a:outerShdw>
+              </a:effectLst>
+              <a:latin typeface="Adobe Arabic" panose="02040503050201020203" pitchFamily="18" charset="-78"/>
+              <a:cs typeface="Adobe Arabic" panose="02040503050201020203" pitchFamily="18" charset="-78"/>
+            </a:endParaRPr>
+          </a:p>
+        </p:txBody>
+      </p:sp>
+      <p:sp>
+        <p:nvSpPr>
+          <p:cNvPr id="3" name="TextBox 2"/>
+          <p:cNvSpPr txBox="1"/>
+          <p:nvPr/>
+        </p:nvSpPr>
+        <p:spPr>
+          <a:xfrm>
+            <a:off x="3034748" y="2810129"/>
+            <a:ext cx="8639579" cy="3416320"/>
+          </a:xfrm>
+          <a:prstGeom prst="rect">
+            <a:avLst/>
+          </a:prstGeom>
+          <a:noFill/>
+        </p:spPr>
+        <p:txBody>
+          <a:bodyPr wrap="square" rtlCol="0">
+            <a:spAutoFit/>
+          </a:bodyPr>
+          <a:lstStyle/>
+          <a:p>
+            <a:pPr algn="r" rtl="1"/>
+            <a:r>
+              <a:rPr lang="fa-IR" sz="2700" dirty="0" smtClean="0">
+                <a:latin typeface="Adobe Arabic" panose="02040503050201020203" pitchFamily="18" charset="-78"/>
+                <a:cs typeface="Adobe Arabic" panose="02040503050201020203" pitchFamily="18" charset="-78"/>
+              </a:rPr>
+              <a:t>برداشت های مختلفی که  از « تلاش می کنم » یا « سعی می کنم » برداشت می شه:</a:t>
+            </a:r>
+          </a:p>
+          <a:p>
+            <a:pPr marL="342900" indent="-342900" algn="r" rtl="1">
+              <a:buFont typeface="Wingdings" panose="05000000000000000000" pitchFamily="2" charset="2"/>
+              <a:buChar char="ü"/>
+            </a:pPr>
+            <a:r>
+              <a:rPr lang="fa-IR" sz="2700" dirty="0" smtClean="0">
+                <a:latin typeface="Adobe Arabic" panose="02040503050201020203" pitchFamily="18" charset="-78"/>
+                <a:cs typeface="Adobe Arabic" panose="02040503050201020203" pitchFamily="18" charset="-78"/>
+              </a:rPr>
+              <a:t> من بیشتر تلاش می کنم !  ( آیا تا به حال تلاش نمی کردی !؟ ) </a:t>
+            </a:r>
+          </a:p>
+          <a:p>
+            <a:pPr marL="342900" indent="-342900" algn="r" rtl="1">
+              <a:buFont typeface="Wingdings" panose="05000000000000000000" pitchFamily="2" charset="2"/>
+              <a:buChar char="ü"/>
+            </a:pPr>
+            <a:r>
+              <a:rPr lang="fa-IR" sz="2700" dirty="0" smtClean="0">
+                <a:latin typeface="Adobe Arabic" panose="02040503050201020203" pitchFamily="18" charset="-78"/>
+                <a:cs typeface="Adobe Arabic" panose="02040503050201020203" pitchFamily="18" charset="-78"/>
+              </a:rPr>
+              <a:t>قول به تلاش بیشتر به معنای قبول این است که شما از همه ی توانتان استفاده نمی کردید . </a:t>
+            </a:r>
+          </a:p>
+          <a:p>
+            <a:pPr marL="342900" indent="-342900" algn="r" rtl="1">
+              <a:buFont typeface="Wingdings" panose="05000000000000000000" pitchFamily="2" charset="2"/>
+              <a:buChar char="ü"/>
+            </a:pPr>
+            <a:r>
+              <a:rPr lang="fa-IR" sz="2700" dirty="0" smtClean="0">
+                <a:latin typeface="Adobe Arabic" panose="02040503050201020203" pitchFamily="18" charset="-78"/>
+                <a:cs typeface="Adobe Arabic" panose="02040503050201020203" pitchFamily="18" charset="-78"/>
+              </a:rPr>
+              <a:t>قول به تلاش بیشتر یعنی هدف با زحمت بیشتر قابل دستیابی است ، بنابراین با قول به تلاش بیشتر شما تعهد می کنید که « موفق » باشید و این باری اضافی بر دوشتان خواهد بود . </a:t>
+            </a:r>
+          </a:p>
+          <a:p>
+            <a:pPr marL="342900" indent="-342900" algn="r" rtl="1">
+              <a:buFont typeface="Wingdings" panose="05000000000000000000" pitchFamily="2" charset="2"/>
+              <a:buChar char="ü"/>
+            </a:pPr>
+            <a:r>
+              <a:rPr lang="fa-IR" sz="2700" dirty="0" smtClean="0">
+                <a:latin typeface="Adobe Arabic" panose="02040503050201020203" pitchFamily="18" charset="-78"/>
+                <a:cs typeface="Adobe Arabic" panose="02040503050201020203" pitchFamily="18" charset="-78"/>
+              </a:rPr>
+              <a:t>اگر تلاش شما به نتیجه ی دلخواه نرسید ، یعنی شما شکست خوردید . </a:t>
+            </a:r>
+          </a:p>
+          <a:p>
+            <a:pPr marL="342900" indent="-342900" algn="r" rtl="1">
+              <a:buFont typeface="Wingdings" panose="05000000000000000000" pitchFamily="2" charset="2"/>
+              <a:buChar char="ü"/>
+            </a:pPr>
+            <a:r>
+              <a:rPr lang="fa-IR" sz="2700" dirty="0" smtClean="0">
+                <a:latin typeface="Adobe Arabic" panose="02040503050201020203" pitchFamily="18" charset="-78"/>
+                <a:cs typeface="Adobe Arabic" panose="02040503050201020203" pitchFamily="18" charset="-78"/>
+              </a:rPr>
+              <a:t>قول به تلاش بیشتر یعنی قول می دهید که نقشه و رفتارتان را عوض می کنید. </a:t>
+            </a:r>
+          </a:p>
+          <a:p>
+            <a:pPr marL="342900" indent="-342900" algn="r" rtl="1">
+              <a:buFont typeface="Wingdings" panose="05000000000000000000" pitchFamily="2" charset="2"/>
+              <a:buChar char="ü"/>
+            </a:pPr>
+            <a:r>
+              <a:rPr lang="fa-IR" sz="2700" dirty="0" smtClean="0">
+                <a:latin typeface="Adobe Arabic" panose="02040503050201020203" pitchFamily="18" charset="-78"/>
+                <a:cs typeface="Adobe Arabic" panose="02040503050201020203" pitchFamily="18" charset="-78"/>
+              </a:rPr>
+              <a:t>اگر هیچ کدام از موارد بالا درست نیست یعنی شما دارید « </a:t>
+            </a:r>
+            <a:r>
+              <a:rPr lang="fa-IR" sz="2700" i="1" dirty="0" smtClean="0">
+                <a:latin typeface="Adobe Arabic" panose="02040503050201020203" pitchFamily="18" charset="-78"/>
+                <a:cs typeface="Adobe Arabic" panose="02040503050201020203" pitchFamily="18" charset="-78"/>
+              </a:rPr>
+              <a:t>دروغ می گوئید </a:t>
+            </a:r>
+            <a:r>
+              <a:rPr lang="fa-IR" sz="2700" dirty="0" smtClean="0">
+                <a:latin typeface="Adobe Arabic" panose="02040503050201020203" pitchFamily="18" charset="-78"/>
+                <a:cs typeface="Adobe Arabic" panose="02040503050201020203" pitchFamily="18" charset="-78"/>
+              </a:rPr>
+              <a:t>» </a:t>
+            </a:r>
+            <a:endParaRPr lang="en-US" sz="2700" dirty="0">
+              <a:latin typeface="Adobe Arabic" panose="02040503050201020203" pitchFamily="18" charset="-78"/>
+              <a:cs typeface="Adobe Arabic" panose="02040503050201020203" pitchFamily="18" charset="-78"/>
+            </a:endParaRPr>
+          </a:p>
+        </p:txBody>
+      </p:sp>
+    </p:spTree>
+    <p:extLst>
+      <p:ext uri="{BB962C8B-B14F-4D97-AF65-F5344CB8AC3E}">
+        <p14:creationId xmlns:p14="http://schemas.microsoft.com/office/powerpoint/2010/main" val="251368186"/>
+      </p:ext>
+    </p:extLst>
+  </p:cSld>
+  <p:clrMapOvr>
+    <a:masterClrMapping/>
+  </p:clrMapOvr>
+</p:sld>
+</file>
+
+<file path=ppt/slides/slide22.xml><?xml version="1.0" encoding="utf-8"?>
+<p:sld xmlns:a="http://schemas.openxmlformats.org/drawingml/2006/main" xmlns:r="http://schemas.openxmlformats.org/officeDocument/2006/relationships" xmlns:p="http://schemas.openxmlformats.org/presentationml/2006/main">
+  <p:cSld>
+    <p:spTree>
+      <p:nvGrpSpPr>
+        <p:cNvPr id="1" name=""/>
+        <p:cNvGrpSpPr/>
+        <p:nvPr/>
+      </p:nvGrpSpPr>
+      <p:grpSpPr>
+        <a:xfrm>
+          <a:off x="0" y="0"/>
+          <a:ext cx="0" cy="0"/>
+          <a:chOff x="0" y="0"/>
+          <a:chExt cx="0" cy="0"/>
+        </a:xfrm>
+      </p:grpSpPr>
+      <p:sp>
+        <p:nvSpPr>
+          <p:cNvPr id="2" name="Title 1"/>
+          <p:cNvSpPr>
+            <a:spLocks noGrp="1"/>
+          </p:cNvSpPr>
+          <p:nvPr>
+            <p:ph type="title"/>
+          </p:nvPr>
+        </p:nvSpPr>
+        <p:spPr>
+          <a:xfrm>
+            <a:off x="406400" y="647700"/>
+            <a:ext cx="11341100" cy="685800"/>
+          </a:xfrm>
+        </p:spPr>
+        <p:txBody>
+          <a:bodyPr/>
+          <a:lstStyle/>
+          <a:p>
+            <a:pPr algn="r" rtl="1"/>
+            <a:r>
+              <a:rPr lang="fa-IR" sz="4400" dirty="0" smtClean="0">
+                <a:effectLst>
+                  <a:outerShdw blurRad="38100" dist="38100" dir="2700000" algn="tl">
+                    <a:srgbClr val="000000">
+                      <a:alpha val="43137"/>
+                    </a:srgbClr>
+                  </a:outerShdw>
+                </a:effectLst>
+                <a:latin typeface="Adobe Arabic" panose="02040503050201020203" pitchFamily="18" charset="-78"/>
+                <a:cs typeface="Adobe Arabic" panose="02040503050201020203" pitchFamily="18" charset="-78"/>
+              </a:rPr>
+              <a:t>فصل </a:t>
+            </a:r>
+            <a:r>
+              <a:rPr lang="fa-IR" sz="4400" dirty="0" smtClean="0">
+                <a:effectLst>
+                  <a:outerShdw blurRad="38100" dist="38100" dir="2700000" algn="tl">
+                    <a:srgbClr val="000000">
+                      <a:alpha val="43137"/>
+                    </a:srgbClr>
+                  </a:outerShdw>
+                </a:effectLst>
+                <a:latin typeface="Adobe Arabic" panose="02040503050201020203" pitchFamily="18" charset="-78"/>
+                <a:cs typeface="Adobe Arabic" panose="02040503050201020203" pitchFamily="18" charset="-78"/>
+              </a:rPr>
+              <a:t>دوم </a:t>
+            </a:r>
+            <a:r>
+              <a:rPr lang="fa-IR" sz="4400" dirty="0" smtClean="0">
+                <a:effectLst>
+                  <a:outerShdw blurRad="38100" dist="38100" dir="2700000" algn="tl">
+                    <a:srgbClr val="000000">
+                      <a:alpha val="43137"/>
+                    </a:srgbClr>
+                  </a:outerShdw>
+                </a:effectLst>
+                <a:latin typeface="Adobe Arabic" panose="02040503050201020203" pitchFamily="18" charset="-78"/>
+                <a:cs typeface="Adobe Arabic" panose="02040503050201020203" pitchFamily="18" charset="-78"/>
+              </a:rPr>
+              <a:t>: </a:t>
+            </a:r>
+            <a:r>
+              <a:rPr lang="fa-IR" sz="4400" dirty="0" smtClean="0">
+                <a:effectLst>
+                  <a:outerShdw blurRad="38100" dist="38100" dir="2700000" algn="tl">
+                    <a:srgbClr val="000000">
+                      <a:alpha val="43137"/>
+                    </a:srgbClr>
+                  </a:outerShdw>
+                </a:effectLst>
+                <a:latin typeface="Adobe Arabic" panose="02040503050201020203" pitchFamily="18" charset="-78"/>
+                <a:cs typeface="Adobe Arabic" panose="02040503050201020203" pitchFamily="18" charset="-78"/>
+              </a:rPr>
+              <a:t>« نه » بگوئید </a:t>
+            </a:r>
+            <a:endParaRPr lang="en-US" sz="4400" dirty="0">
+              <a:effectLst>
+                <a:outerShdw blurRad="38100" dist="38100" dir="2700000" algn="tl">
+                  <a:srgbClr val="000000">
+                    <a:alpha val="43137"/>
+                  </a:srgbClr>
+                </a:outerShdw>
+              </a:effectLst>
+              <a:latin typeface="Adobe Arabic" panose="02040503050201020203" pitchFamily="18" charset="-78"/>
+              <a:cs typeface="Adobe Arabic" panose="02040503050201020203" pitchFamily="18" charset="-78"/>
+            </a:endParaRPr>
+          </a:p>
+        </p:txBody>
+      </p:sp>
+      <p:sp>
+        <p:nvSpPr>
+          <p:cNvPr id="7" name="Title 1"/>
+          <p:cNvSpPr txBox="1">
+            <a:spLocks/>
+          </p:cNvSpPr>
+          <p:nvPr/>
+        </p:nvSpPr>
+        <p:spPr>
+          <a:xfrm>
+            <a:off x="3929251" y="1964035"/>
+            <a:ext cx="7818249" cy="970450"/>
+          </a:xfrm>
+          <a:prstGeom prst="rect">
+            <a:avLst/>
+          </a:prstGeom>
+          <a:effectLst>
+            <a:outerShdw blurRad="50800" dir="14400000">
+              <a:srgbClr val="000000">
+                <a:alpha val="60000"/>
+              </a:srgbClr>
+            </a:outerShdw>
+          </a:effectLst>
+        </p:spPr>
+        <p:txBody>
+          <a:bodyPr vert="horz" lIns="91440" tIns="45720" rIns="91440" bIns="45720" rtlCol="0" anchor="b">
+            <a:noAutofit/>
+          </a:bodyPr>
+          <a:lstStyle>
+            <a:lvl1pPr algn="l" defTabSz="457200" rtl="0" eaLnBrk="1" latinLnBrk="0" hangingPunct="1">
+              <a:spcBef>
+                <a:spcPct val="0"/>
+              </a:spcBef>
+              <a:buNone/>
+              <a:defRPr sz="4000" b="1" kern="1200">
+                <a:solidFill>
+                  <a:srgbClr val="FEFEFE"/>
+                </a:solidFill>
+                <a:latin typeface="+mj-lt"/>
+                <a:ea typeface="+mj-ea"/>
+                <a:cs typeface="+mj-cs"/>
+              </a:defRPr>
+            </a:lvl1pPr>
+            <a:lvl2pPr eaLnBrk="1" hangingPunct="1">
+              <a:defRPr>
+                <a:solidFill>
+                  <a:schemeClr val="tx2"/>
+                </a:solidFill>
+              </a:defRPr>
+            </a:lvl2pPr>
+            <a:lvl3pPr eaLnBrk="1" hangingPunct="1">
+              <a:defRPr>
+                <a:solidFill>
+                  <a:schemeClr val="tx2"/>
+                </a:solidFill>
+              </a:defRPr>
+            </a:lvl3pPr>
+            <a:lvl4pPr eaLnBrk="1" hangingPunct="1">
+              <a:defRPr>
+                <a:solidFill>
+                  <a:schemeClr val="tx2"/>
+                </a:solidFill>
+              </a:defRPr>
+            </a:lvl4pPr>
+            <a:lvl5pPr eaLnBrk="1" hangingPunct="1">
+              <a:defRPr>
+                <a:solidFill>
+                  <a:schemeClr val="tx2"/>
+                </a:solidFill>
+              </a:defRPr>
+            </a:lvl5pPr>
+            <a:lvl6pPr eaLnBrk="1" hangingPunct="1">
+              <a:defRPr>
+                <a:solidFill>
+                  <a:schemeClr val="tx2"/>
+                </a:solidFill>
+              </a:defRPr>
+            </a:lvl6pPr>
+            <a:lvl7pPr eaLnBrk="1" hangingPunct="1">
+              <a:defRPr>
+                <a:solidFill>
+                  <a:schemeClr val="tx2"/>
+                </a:solidFill>
+              </a:defRPr>
+            </a:lvl7pPr>
+            <a:lvl8pPr eaLnBrk="1" hangingPunct="1">
+              <a:defRPr>
+                <a:solidFill>
+                  <a:schemeClr val="tx2"/>
+                </a:solidFill>
+              </a:defRPr>
+            </a:lvl8pPr>
+            <a:lvl9pPr eaLnBrk="1" hangingPunct="1">
+              <a:defRPr>
+                <a:solidFill>
+                  <a:schemeClr val="tx2"/>
+                </a:solidFill>
+              </a:defRPr>
+            </a:lvl9pPr>
+          </a:lstStyle>
+          <a:p>
+            <a:pPr algn="r" rtl="1"/>
+            <a:r>
+              <a:rPr lang="fa-IR" sz="4400" dirty="0" smtClean="0">
+                <a:latin typeface="Adobe Arabic" panose="02040503050201020203" pitchFamily="18" charset="-78"/>
+                <a:cs typeface="Adobe Arabic" panose="02040503050201020203" pitchFamily="18" charset="-78"/>
+              </a:rPr>
+              <a:t>پرخاشگری منفعلانه </a:t>
+            </a:r>
+            <a:endParaRPr lang="fa-IR" sz="4400" dirty="0">
+              <a:effectLst>
+                <a:outerShdw blurRad="38100" dist="38100" dir="2700000" algn="tl">
+                  <a:srgbClr val="000000">
+                    <a:alpha val="43137"/>
+                  </a:srgbClr>
+                </a:outerShdw>
+              </a:effectLst>
+              <a:latin typeface="Adobe Arabic" panose="02040503050201020203" pitchFamily="18" charset="-78"/>
+              <a:cs typeface="Adobe Arabic" panose="02040503050201020203" pitchFamily="18" charset="-78"/>
+            </a:endParaRPr>
+          </a:p>
+        </p:txBody>
+      </p:sp>
+      <p:sp>
+        <p:nvSpPr>
+          <p:cNvPr id="8" name="TextBox 7"/>
+          <p:cNvSpPr txBox="1"/>
+          <p:nvPr/>
+        </p:nvSpPr>
+        <p:spPr>
+          <a:xfrm>
+            <a:off x="406400" y="2934485"/>
+            <a:ext cx="10904350" cy="2862322"/>
+          </a:xfrm>
+          <a:prstGeom prst="rect">
+            <a:avLst/>
+          </a:prstGeom>
+          <a:noFill/>
+        </p:spPr>
+        <p:txBody>
+          <a:bodyPr wrap="square" numCol="1" rtlCol="0">
+            <a:spAutoFit/>
+          </a:bodyPr>
+          <a:lstStyle/>
+          <a:p>
+            <a:pPr algn="just" rtl="1"/>
+            <a:r>
+              <a:rPr lang="fa-IR" sz="2800" dirty="0">
+                <a:latin typeface="Adobe Arabic" panose="02040503050201020203" pitchFamily="18" charset="-78"/>
+                <a:cs typeface="Adobe Arabic" panose="02040503050201020203" pitchFamily="18" charset="-78"/>
+              </a:rPr>
+              <a:t>نوعی بیان غیرمستقیم خصومت است مثلاً به شکل فردافکنی </a:t>
+            </a:r>
+            <a:r>
+              <a:rPr lang="fa-IR" sz="2800" dirty="0" smtClean="0">
+                <a:latin typeface="Adobe Arabic" panose="02040503050201020203" pitchFamily="18" charset="-78"/>
+                <a:cs typeface="Adobe Arabic" panose="02040503050201020203" pitchFamily="18" charset="-78"/>
+              </a:rPr>
+              <a:t>( تعلل ) ،</a:t>
+            </a:r>
+            <a:r>
+              <a:rPr lang="fa-IR" sz="2800" dirty="0">
+                <a:latin typeface="Adobe Arabic" panose="02040503050201020203" pitchFamily="18" charset="-78"/>
+                <a:cs typeface="Adobe Arabic" panose="02040503050201020203" pitchFamily="18" charset="-78"/>
+              </a:rPr>
+              <a:t> </a:t>
+            </a:r>
+            <a:r>
+              <a:rPr lang="fa-IR" sz="2800" dirty="0" smtClean="0">
+                <a:latin typeface="Adobe Arabic" panose="02040503050201020203" pitchFamily="18" charset="-78"/>
+                <a:cs typeface="Adobe Arabic" panose="02040503050201020203" pitchFamily="18" charset="-78"/>
+              </a:rPr>
+              <a:t>طعن ، یکدندگی ، ترشرویی ، </a:t>
+            </a:r>
+            <a:r>
+              <a:rPr lang="fa-IR" sz="2800" dirty="0">
+                <a:latin typeface="Adobe Arabic" panose="02040503050201020203" pitchFamily="18" charset="-78"/>
+                <a:cs typeface="Adobe Arabic" panose="02040503050201020203" pitchFamily="18" charset="-78"/>
+              </a:rPr>
+              <a:t>یا انجام ندادن عمدی و چندبارهٔ وظایفی که به شخص محول </a:t>
+            </a:r>
+            <a:r>
+              <a:rPr lang="fa-IR" sz="2800" dirty="0" smtClean="0">
+                <a:latin typeface="Adobe Arabic" panose="02040503050201020203" pitchFamily="18" charset="-78"/>
+                <a:cs typeface="Adobe Arabic" panose="02040503050201020203" pitchFamily="18" charset="-78"/>
+              </a:rPr>
+              <a:t>شده‌است . </a:t>
+            </a:r>
+          </a:p>
+          <a:p>
+            <a:pPr algn="just" rtl="1"/>
+            <a:r>
+              <a:rPr lang="fa-IR" sz="2800" dirty="0" smtClean="0">
+                <a:latin typeface="Adobe Arabic" panose="02040503050201020203" pitchFamily="18" charset="-78"/>
+                <a:cs typeface="Adobe Arabic" panose="02040503050201020203" pitchFamily="18" charset="-78"/>
+              </a:rPr>
+              <a:t>شما می توانید سند سازی کنید و در لحظه ی موعود علیه هم تیمی یا مدیران خود استفاده کنید و یا می توانید در صورت لزوم به صورت صریح موضوع را با سایرین در میان بگذارید . </a:t>
+            </a:r>
+          </a:p>
+          <a:p>
+            <a:pPr algn="just" rtl="1"/>
+            <a:endParaRPr lang="fa-IR" sz="2800" dirty="0">
+              <a:effectLst>
+                <a:outerShdw blurRad="38100" dist="38100" dir="2700000" algn="tl">
+                  <a:srgbClr val="000000">
+                    <a:alpha val="43137"/>
+                  </a:srgbClr>
+                </a:outerShdw>
+              </a:effectLst>
+              <a:latin typeface="Adobe Arabic" panose="02040503050201020203" pitchFamily="18" charset="-78"/>
+              <a:cs typeface="Adobe Arabic" panose="02040503050201020203" pitchFamily="18" charset="-78"/>
+            </a:endParaRPr>
+          </a:p>
+          <a:p>
+            <a:pPr algn="ctr" rtl="1"/>
+            <a:r>
+              <a:rPr lang="fa-IR" sz="4000" b="1" dirty="0" smtClean="0">
+                <a:effectLst>
+                  <a:outerShdw blurRad="38100" dist="38100" dir="2700000" algn="tl">
+                    <a:srgbClr val="000000">
+                      <a:alpha val="43137"/>
+                    </a:srgbClr>
+                  </a:outerShdw>
+                </a:effectLst>
+                <a:latin typeface="Adobe Arabic" panose="02040503050201020203" pitchFamily="18" charset="-78"/>
+                <a:cs typeface="Adobe Arabic" panose="02040503050201020203" pitchFamily="18" charset="-78"/>
+              </a:rPr>
+              <a:t>پرخاشگری منفعلانه انجام ندهید . </a:t>
+            </a:r>
+            <a:endParaRPr lang="fa-IR" sz="4000" b="1" dirty="0">
+              <a:effectLst>
+                <a:outerShdw blurRad="38100" dist="38100" dir="2700000" algn="tl">
+                  <a:srgbClr val="000000">
+                    <a:alpha val="43137"/>
+                  </a:srgbClr>
+                </a:outerShdw>
+              </a:effectLst>
+              <a:latin typeface="Adobe Arabic" panose="02040503050201020203" pitchFamily="18" charset="-78"/>
+              <a:cs typeface="Adobe Arabic" panose="02040503050201020203" pitchFamily="18" charset="-78"/>
+            </a:endParaRPr>
+          </a:p>
+        </p:txBody>
+      </p:sp>
+    </p:spTree>
+    <p:extLst>
+      <p:ext uri="{BB962C8B-B14F-4D97-AF65-F5344CB8AC3E}">
+        <p14:creationId xmlns:p14="http://schemas.microsoft.com/office/powerpoint/2010/main" val="4007056030"/>
+      </p:ext>
+    </p:extLst>
+  </p:cSld>
+  <p:clrMapOvr>
+    <a:masterClrMapping/>
+  </p:clrMapOvr>
+</p:sld>
+</file>
+
+<file path=ppt/slides/slide23.xml><?xml version="1.0" encoding="utf-8"?>
+<p:sld xmlns:a="http://schemas.openxmlformats.org/drawingml/2006/main" xmlns:r="http://schemas.openxmlformats.org/officeDocument/2006/relationships" xmlns:p="http://schemas.openxmlformats.org/presentationml/2006/main">
+  <p:cSld>
+    <p:spTree>
+      <p:nvGrpSpPr>
+        <p:cNvPr id="1" name=""/>
+        <p:cNvGrpSpPr/>
+        <p:nvPr/>
+      </p:nvGrpSpPr>
+      <p:grpSpPr>
+        <a:xfrm>
+          <a:off x="0" y="0"/>
+          <a:ext cx="0" cy="0"/>
+          <a:chOff x="0" y="0"/>
+          <a:chExt cx="0" cy="0"/>
+        </a:xfrm>
+      </p:grpSpPr>
+      <p:sp>
+        <p:nvSpPr>
+          <p:cNvPr id="2" name="Title 1"/>
+          <p:cNvSpPr>
+            <a:spLocks noGrp="1"/>
+          </p:cNvSpPr>
+          <p:nvPr>
+            <p:ph type="title"/>
+          </p:nvPr>
+        </p:nvSpPr>
+        <p:spPr>
+          <a:xfrm>
+            <a:off x="406400" y="647700"/>
+            <a:ext cx="11341100" cy="685800"/>
+          </a:xfrm>
+        </p:spPr>
+        <p:txBody>
+          <a:bodyPr/>
+          <a:lstStyle/>
+          <a:p>
+            <a:pPr algn="r" rtl="1"/>
+            <a:r>
+              <a:rPr lang="fa-IR" sz="4400" dirty="0" smtClean="0">
+                <a:effectLst>
+                  <a:outerShdw blurRad="38100" dist="38100" dir="2700000" algn="tl">
+                    <a:srgbClr val="000000">
+                      <a:alpha val="43137"/>
+                    </a:srgbClr>
+                  </a:outerShdw>
+                </a:effectLst>
+                <a:latin typeface="Adobe Arabic" panose="02040503050201020203" pitchFamily="18" charset="-78"/>
+                <a:cs typeface="Adobe Arabic" panose="02040503050201020203" pitchFamily="18" charset="-78"/>
+              </a:rPr>
+              <a:t>فصل </a:t>
+            </a:r>
+            <a:r>
+              <a:rPr lang="fa-IR" sz="4400" dirty="0" smtClean="0">
+                <a:effectLst>
+                  <a:outerShdw blurRad="38100" dist="38100" dir="2700000" algn="tl">
+                    <a:srgbClr val="000000">
+                      <a:alpha val="43137"/>
+                    </a:srgbClr>
+                  </a:outerShdw>
+                </a:effectLst>
+                <a:latin typeface="Adobe Arabic" panose="02040503050201020203" pitchFamily="18" charset="-78"/>
+                <a:cs typeface="Adobe Arabic" panose="02040503050201020203" pitchFamily="18" charset="-78"/>
+              </a:rPr>
+              <a:t>دوم </a:t>
+            </a:r>
+            <a:r>
+              <a:rPr lang="fa-IR" sz="4400" dirty="0" smtClean="0">
+                <a:effectLst>
+                  <a:outerShdw blurRad="38100" dist="38100" dir="2700000" algn="tl">
+                    <a:srgbClr val="000000">
+                      <a:alpha val="43137"/>
+                    </a:srgbClr>
+                  </a:outerShdw>
+                </a:effectLst>
+                <a:latin typeface="Adobe Arabic" panose="02040503050201020203" pitchFamily="18" charset="-78"/>
+                <a:cs typeface="Adobe Arabic" panose="02040503050201020203" pitchFamily="18" charset="-78"/>
+              </a:rPr>
+              <a:t>: </a:t>
+            </a:r>
+            <a:r>
+              <a:rPr lang="fa-IR" sz="4400" dirty="0" smtClean="0">
+                <a:effectLst>
+                  <a:outerShdw blurRad="38100" dist="38100" dir="2700000" algn="tl">
+                    <a:srgbClr val="000000">
+                      <a:alpha val="43137"/>
+                    </a:srgbClr>
+                  </a:outerShdw>
+                </a:effectLst>
+                <a:latin typeface="Adobe Arabic" panose="02040503050201020203" pitchFamily="18" charset="-78"/>
+                <a:cs typeface="Adobe Arabic" panose="02040503050201020203" pitchFamily="18" charset="-78"/>
+              </a:rPr>
+              <a:t>« نه » بگوئید </a:t>
+            </a:r>
+            <a:endParaRPr lang="en-US" sz="4400" dirty="0">
+              <a:effectLst>
+                <a:outerShdw blurRad="38100" dist="38100" dir="2700000" algn="tl">
+                  <a:srgbClr val="000000">
+                    <a:alpha val="43137"/>
+                  </a:srgbClr>
+                </a:outerShdw>
+              </a:effectLst>
+              <a:latin typeface="Adobe Arabic" panose="02040503050201020203" pitchFamily="18" charset="-78"/>
+              <a:cs typeface="Adobe Arabic" panose="02040503050201020203" pitchFamily="18" charset="-78"/>
+            </a:endParaRPr>
+          </a:p>
+        </p:txBody>
+      </p:sp>
+      <p:sp>
+        <p:nvSpPr>
+          <p:cNvPr id="7" name="Title 1"/>
+          <p:cNvSpPr txBox="1">
+            <a:spLocks/>
+          </p:cNvSpPr>
+          <p:nvPr/>
+        </p:nvSpPr>
+        <p:spPr>
+          <a:xfrm>
+            <a:off x="3929251" y="1964035"/>
+            <a:ext cx="7818249" cy="970450"/>
+          </a:xfrm>
+          <a:prstGeom prst="rect">
+            <a:avLst/>
+          </a:prstGeom>
+          <a:effectLst>
+            <a:outerShdw blurRad="50800" dir="14400000">
+              <a:srgbClr val="000000">
+                <a:alpha val="60000"/>
+              </a:srgbClr>
+            </a:outerShdw>
+          </a:effectLst>
+        </p:spPr>
+        <p:txBody>
+          <a:bodyPr vert="horz" lIns="91440" tIns="45720" rIns="91440" bIns="45720" rtlCol="0" anchor="b">
+            <a:noAutofit/>
+          </a:bodyPr>
+          <a:lstStyle>
+            <a:lvl1pPr algn="l" defTabSz="457200" rtl="0" eaLnBrk="1" latinLnBrk="0" hangingPunct="1">
+              <a:spcBef>
+                <a:spcPct val="0"/>
+              </a:spcBef>
+              <a:buNone/>
+              <a:defRPr sz="4000" b="1" kern="1200">
+                <a:solidFill>
+                  <a:srgbClr val="FEFEFE"/>
+                </a:solidFill>
+                <a:latin typeface="+mj-lt"/>
+                <a:ea typeface="+mj-ea"/>
+                <a:cs typeface="+mj-cs"/>
+              </a:defRPr>
+            </a:lvl1pPr>
+            <a:lvl2pPr eaLnBrk="1" hangingPunct="1">
+              <a:defRPr>
+                <a:solidFill>
+                  <a:schemeClr val="tx2"/>
+                </a:solidFill>
+              </a:defRPr>
+            </a:lvl2pPr>
+            <a:lvl3pPr eaLnBrk="1" hangingPunct="1">
+              <a:defRPr>
+                <a:solidFill>
+                  <a:schemeClr val="tx2"/>
+                </a:solidFill>
+              </a:defRPr>
+            </a:lvl3pPr>
+            <a:lvl4pPr eaLnBrk="1" hangingPunct="1">
+              <a:defRPr>
+                <a:solidFill>
+                  <a:schemeClr val="tx2"/>
+                </a:solidFill>
+              </a:defRPr>
+            </a:lvl4pPr>
+            <a:lvl5pPr eaLnBrk="1" hangingPunct="1">
+              <a:defRPr>
+                <a:solidFill>
+                  <a:schemeClr val="tx2"/>
+                </a:solidFill>
+              </a:defRPr>
+            </a:lvl5pPr>
+            <a:lvl6pPr eaLnBrk="1" hangingPunct="1">
+              <a:defRPr>
+                <a:solidFill>
+                  <a:schemeClr val="tx2"/>
+                </a:solidFill>
+              </a:defRPr>
+            </a:lvl6pPr>
+            <a:lvl7pPr eaLnBrk="1" hangingPunct="1">
+              <a:defRPr>
+                <a:solidFill>
+                  <a:schemeClr val="tx2"/>
+                </a:solidFill>
+              </a:defRPr>
+            </a:lvl7pPr>
+            <a:lvl8pPr eaLnBrk="1" hangingPunct="1">
+              <a:defRPr>
+                <a:solidFill>
+                  <a:schemeClr val="tx2"/>
+                </a:solidFill>
+              </a:defRPr>
+            </a:lvl8pPr>
+            <a:lvl9pPr eaLnBrk="1" hangingPunct="1">
+              <a:defRPr>
+                <a:solidFill>
+                  <a:schemeClr val="tx2"/>
+                </a:solidFill>
+              </a:defRPr>
+            </a:lvl9pPr>
+          </a:lstStyle>
+          <a:p>
+            <a:pPr algn="r" rtl="1"/>
+            <a:r>
+              <a:rPr lang="fa-IR" sz="4400" dirty="0" smtClean="0">
+                <a:latin typeface="Adobe Arabic" panose="02040503050201020203" pitchFamily="18" charset="-78"/>
+                <a:cs typeface="Adobe Arabic" panose="02040503050201020203" pitchFamily="18" charset="-78"/>
+              </a:rPr>
+              <a:t>هزینه ی « بعله » گفتن </a:t>
+            </a:r>
+            <a:endParaRPr lang="fa-IR" sz="4400" dirty="0">
+              <a:effectLst>
+                <a:outerShdw blurRad="38100" dist="38100" dir="2700000" algn="tl">
+                  <a:srgbClr val="000000">
+                    <a:alpha val="43137"/>
+                  </a:srgbClr>
+                </a:outerShdw>
+              </a:effectLst>
+              <a:latin typeface="Adobe Arabic" panose="02040503050201020203" pitchFamily="18" charset="-78"/>
+              <a:cs typeface="Adobe Arabic" panose="02040503050201020203" pitchFamily="18" charset="-78"/>
+            </a:endParaRPr>
+          </a:p>
+        </p:txBody>
+      </p:sp>
+      <p:sp>
+        <p:nvSpPr>
+          <p:cNvPr id="8" name="TextBox 7"/>
+          <p:cNvSpPr txBox="1"/>
+          <p:nvPr/>
+        </p:nvSpPr>
+        <p:spPr>
+          <a:xfrm>
+            <a:off x="406400" y="3186133"/>
+            <a:ext cx="10904350" cy="2000548"/>
+          </a:xfrm>
+          <a:prstGeom prst="rect">
+            <a:avLst/>
+          </a:prstGeom>
+          <a:noFill/>
+        </p:spPr>
+        <p:txBody>
+          <a:bodyPr wrap="square" numCol="1" rtlCol="0">
+            <a:spAutoFit/>
+          </a:bodyPr>
+          <a:lstStyle/>
+          <a:p>
+            <a:pPr algn="just" rtl="1"/>
+            <a:r>
+              <a:rPr lang="fa-IR" sz="2800" dirty="0" smtClean="0">
+                <a:latin typeface="Adobe Arabic" panose="02040503050201020203" pitchFamily="18" charset="-78"/>
+                <a:cs typeface="Adobe Arabic" panose="02040503050201020203" pitchFamily="18" charset="-78"/>
+              </a:rPr>
+              <a:t>تیم های سالم ، می خواهند راه هایی پیدا کنند که « </a:t>
+            </a:r>
+            <a:r>
+              <a:rPr lang="fa-IR" sz="2800" b="1" i="1" dirty="0" smtClean="0">
+                <a:latin typeface="Adobe Arabic" panose="02040503050201020203" pitchFamily="18" charset="-78"/>
+                <a:cs typeface="Adobe Arabic" panose="02040503050201020203" pitchFamily="18" charset="-78"/>
+              </a:rPr>
+              <a:t>بعله</a:t>
+            </a:r>
+            <a:r>
+              <a:rPr lang="fa-IR" sz="2800" dirty="0" smtClean="0">
+                <a:latin typeface="Adobe Arabic" panose="02040503050201020203" pitchFamily="18" charset="-78"/>
+                <a:cs typeface="Adobe Arabic" panose="02040503050201020203" pitchFamily="18" charset="-78"/>
+              </a:rPr>
+              <a:t> » بگویند .</a:t>
+            </a:r>
+          </a:p>
+          <a:p>
+            <a:pPr algn="just" rtl="1"/>
+            <a:endParaRPr lang="fa-IR" sz="2800" dirty="0">
+              <a:latin typeface="Adobe Arabic" panose="02040503050201020203" pitchFamily="18" charset="-78"/>
+              <a:cs typeface="Adobe Arabic" panose="02040503050201020203" pitchFamily="18" charset="-78"/>
+            </a:endParaRPr>
+          </a:p>
+          <a:p>
+            <a:pPr algn="just" rtl="1"/>
+            <a:r>
+              <a:rPr lang="fa-IR" sz="2800" dirty="0" smtClean="0">
+                <a:latin typeface="Adobe Arabic" panose="02040503050201020203" pitchFamily="18" charset="-78"/>
+                <a:cs typeface="Adobe Arabic" panose="02040503050201020203" pitchFamily="18" charset="-78"/>
+              </a:rPr>
+              <a:t>گاهی اوقات برای اینکه « </a:t>
+            </a:r>
+            <a:r>
+              <a:rPr lang="fa-IR" sz="2800" b="1" i="1" dirty="0" smtClean="0">
+                <a:latin typeface="Adobe Arabic" panose="02040503050201020203" pitchFamily="18" charset="-78"/>
+                <a:cs typeface="Adobe Arabic" panose="02040503050201020203" pitchFamily="18" charset="-78"/>
+              </a:rPr>
+              <a:t>بعله</a:t>
+            </a:r>
+            <a:r>
+              <a:rPr lang="fa-IR" sz="2800" dirty="0" smtClean="0">
+                <a:latin typeface="Adobe Arabic" panose="02040503050201020203" pitchFamily="18" charset="-78"/>
+                <a:cs typeface="Adobe Arabic" panose="02040503050201020203" pitchFamily="18" charset="-78"/>
+              </a:rPr>
+              <a:t> » درست را بگوئید ، نباید از « </a:t>
+            </a:r>
+            <a:r>
+              <a:rPr lang="fa-IR" sz="2800" b="1" i="1" dirty="0" smtClean="0">
+                <a:latin typeface="Adobe Arabic" panose="02040503050201020203" pitchFamily="18" charset="-78"/>
+                <a:cs typeface="Adobe Arabic" panose="02040503050201020203" pitchFamily="18" charset="-78"/>
+              </a:rPr>
+              <a:t>نه</a:t>
+            </a:r>
+            <a:r>
+              <a:rPr lang="fa-IR" sz="2800" dirty="0" smtClean="0">
+                <a:latin typeface="Adobe Arabic" panose="02040503050201020203" pitchFamily="18" charset="-78"/>
+                <a:cs typeface="Adobe Arabic" panose="02040503050201020203" pitchFamily="18" charset="-78"/>
+              </a:rPr>
+              <a:t> » گفتن ترسید . </a:t>
+            </a:r>
+          </a:p>
+          <a:p>
+            <a:pPr algn="just" rtl="1"/>
+            <a:endParaRPr lang="fa-IR" sz="4000" b="1" dirty="0">
+              <a:effectLst>
+                <a:outerShdw blurRad="38100" dist="38100" dir="2700000" algn="tl">
+                  <a:srgbClr val="000000">
+                    <a:alpha val="43137"/>
+                  </a:srgbClr>
+                </a:outerShdw>
+              </a:effectLst>
+              <a:latin typeface="Adobe Arabic" panose="02040503050201020203" pitchFamily="18" charset="-78"/>
+              <a:cs typeface="Adobe Arabic" panose="02040503050201020203" pitchFamily="18" charset="-78"/>
+            </a:endParaRPr>
+          </a:p>
+        </p:txBody>
+      </p:sp>
+    </p:spTree>
+    <p:extLst>
+      <p:ext uri="{BB962C8B-B14F-4D97-AF65-F5344CB8AC3E}">
+        <p14:creationId xmlns:p14="http://schemas.microsoft.com/office/powerpoint/2010/main" val="2867377788"/>
+      </p:ext>
+    </p:extLst>
+  </p:cSld>
+  <p:clrMapOvr>
+    <a:masterClrMapping/>
+  </p:clrMapOvr>
+</p:sld>
+</file>
+
+<file path=ppt/slides/slide24.xml><?xml version="1.0" encoding="utf-8"?>
+<p:sld xmlns:a="http://schemas.openxmlformats.org/drawingml/2006/main" xmlns:r="http://schemas.openxmlformats.org/officeDocument/2006/relationships" xmlns:p="http://schemas.openxmlformats.org/presentationml/2006/main">
+  <p:cSld>
+    <p:spTree>
+      <p:nvGrpSpPr>
+        <p:cNvPr id="1" name=""/>
+        <p:cNvGrpSpPr/>
+        <p:nvPr/>
+      </p:nvGrpSpPr>
+      <p:grpSpPr>
+        <a:xfrm>
+          <a:off x="0" y="0"/>
+          <a:ext cx="0" cy="0"/>
+          <a:chOff x="0" y="0"/>
+          <a:chExt cx="0" cy="0"/>
+        </a:xfrm>
+      </p:grpSpPr>
+      <p:sp>
+        <p:nvSpPr>
+          <p:cNvPr id="2" name="Title 1"/>
+          <p:cNvSpPr>
+            <a:spLocks noGrp="1"/>
+          </p:cNvSpPr>
+          <p:nvPr>
+            <p:ph type="title"/>
+          </p:nvPr>
+        </p:nvSpPr>
+        <p:spPr>
+          <a:xfrm>
+            <a:off x="381000" y="571500"/>
+            <a:ext cx="11341100" cy="685800"/>
+          </a:xfrm>
+        </p:spPr>
+        <p:txBody>
+          <a:bodyPr/>
+          <a:lstStyle/>
+          <a:p>
+            <a:pPr algn="r" rtl="1"/>
+            <a:r>
+              <a:rPr lang="fa-IR" sz="4400" dirty="0" smtClean="0">
+                <a:effectLst>
+                  <a:outerShdw blurRad="38100" dist="38100" dir="2700000" algn="tl">
+                    <a:srgbClr val="000000">
+                      <a:alpha val="43137"/>
+                    </a:srgbClr>
+                  </a:outerShdw>
+                </a:effectLst>
+                <a:latin typeface="Adobe Arabic" panose="02040503050201020203" pitchFamily="18" charset="-78"/>
+                <a:cs typeface="Adobe Arabic" panose="02040503050201020203" pitchFamily="18" charset="-78"/>
+              </a:rPr>
+              <a:t>فصل </a:t>
+            </a:r>
+            <a:r>
+              <a:rPr lang="fa-IR" sz="4400" dirty="0" smtClean="0">
+                <a:effectLst>
+                  <a:outerShdw blurRad="38100" dist="38100" dir="2700000" algn="tl">
+                    <a:srgbClr val="000000">
+                      <a:alpha val="43137"/>
+                    </a:srgbClr>
+                  </a:outerShdw>
+                </a:effectLst>
+                <a:latin typeface="Adobe Arabic" panose="02040503050201020203" pitchFamily="18" charset="-78"/>
+                <a:cs typeface="Adobe Arabic" panose="02040503050201020203" pitchFamily="18" charset="-78"/>
+              </a:rPr>
+              <a:t>سوم </a:t>
+            </a:r>
+            <a:r>
+              <a:rPr lang="fa-IR" sz="4400" dirty="0" smtClean="0">
+                <a:effectLst>
+                  <a:outerShdw blurRad="38100" dist="38100" dir="2700000" algn="tl">
+                    <a:srgbClr val="000000">
+                      <a:alpha val="43137"/>
+                    </a:srgbClr>
+                  </a:outerShdw>
+                </a:effectLst>
+                <a:latin typeface="Adobe Arabic" panose="02040503050201020203" pitchFamily="18" charset="-78"/>
+                <a:cs typeface="Adobe Arabic" panose="02040503050201020203" pitchFamily="18" charset="-78"/>
+              </a:rPr>
+              <a:t>: </a:t>
+            </a:r>
+            <a:r>
+              <a:rPr lang="fa-IR" sz="4400" dirty="0" smtClean="0">
+                <a:effectLst>
+                  <a:outerShdw blurRad="38100" dist="38100" dir="2700000" algn="tl">
+                    <a:srgbClr val="000000">
+                      <a:alpha val="43137"/>
+                    </a:srgbClr>
+                  </a:outerShdw>
+                </a:effectLst>
+                <a:latin typeface="Adobe Arabic" panose="02040503050201020203" pitchFamily="18" charset="-78"/>
+                <a:cs typeface="Adobe Arabic" panose="02040503050201020203" pitchFamily="18" charset="-78"/>
+              </a:rPr>
+              <a:t>« بعله » بگوئید </a:t>
+            </a:r>
+            <a:endParaRPr lang="en-US" sz="4400" dirty="0">
+              <a:effectLst>
+                <a:outerShdw blurRad="38100" dist="38100" dir="2700000" algn="tl">
+                  <a:srgbClr val="000000">
+                    <a:alpha val="43137"/>
+                  </a:srgbClr>
+                </a:outerShdw>
+              </a:effectLst>
+              <a:latin typeface="Adobe Arabic" panose="02040503050201020203" pitchFamily="18" charset="-78"/>
+              <a:cs typeface="Adobe Arabic" panose="02040503050201020203" pitchFamily="18" charset="-78"/>
+            </a:endParaRPr>
+          </a:p>
+        </p:txBody>
+      </p:sp>
+      <p:pic>
+        <p:nvPicPr>
+          <p:cNvPr id="7" name="Content Placeholder 6"/>
+          <p:cNvPicPr>
+            <a:picLocks noGrp="1" noChangeAspect="1"/>
+          </p:cNvPicPr>
+          <p:nvPr>
+            <p:ph idx="1"/>
+          </p:nvPr>
+        </p:nvPicPr>
+        <p:blipFill>
+          <a:blip r:embed="rId2">
+            <a:extLst>
+              <a:ext uri="{28A0092B-C50C-407E-A947-70E740481C1C}">
+                <a14:useLocalDpi xmlns:a14="http://schemas.microsoft.com/office/drawing/2010/main" val="0"/>
+              </a:ext>
+            </a:extLst>
+          </a:blip>
+          <a:stretch>
+            <a:fillRect/>
+          </a:stretch>
+        </p:blipFill>
+        <p:spPr>
+          <a:xfrm>
+            <a:off x="381000" y="2472826"/>
+            <a:ext cx="6000496" cy="4000331"/>
+          </a:xfrm>
+        </p:spPr>
+      </p:pic>
+    </p:spTree>
+    <p:extLst>
+      <p:ext uri="{BB962C8B-B14F-4D97-AF65-F5344CB8AC3E}">
+        <p14:creationId xmlns:p14="http://schemas.microsoft.com/office/powerpoint/2010/main" val="4159001804"/>
+      </p:ext>
+    </p:extLst>
+  </p:cSld>
+  <p:clrMapOvr>
+    <a:masterClrMapping/>
+  </p:clrMapOvr>
+</p:sld>
+</file>
+
+<file path=ppt/slides/slide25.xml><?xml version="1.0" encoding="utf-8"?>
+<p:sld xmlns:a="http://schemas.openxmlformats.org/drawingml/2006/main" xmlns:r="http://schemas.openxmlformats.org/officeDocument/2006/relationships" xmlns:p="http://schemas.openxmlformats.org/presentationml/2006/main">
+  <p:cSld>
+    <p:spTree>
+      <p:nvGrpSpPr>
+        <p:cNvPr id="1" name=""/>
+        <p:cNvGrpSpPr/>
+        <p:nvPr/>
+      </p:nvGrpSpPr>
+      <p:grpSpPr>
+        <a:xfrm>
+          <a:off x="0" y="0"/>
+          <a:ext cx="0" cy="0"/>
+          <a:chOff x="0" y="0"/>
+          <a:chExt cx="0" cy="0"/>
+        </a:xfrm>
+      </p:grpSpPr>
+      <p:sp>
+        <p:nvSpPr>
+          <p:cNvPr id="2" name="Title 1"/>
+          <p:cNvSpPr>
+            <a:spLocks noGrp="1"/>
+          </p:cNvSpPr>
+          <p:nvPr>
+            <p:ph type="title"/>
+          </p:nvPr>
+        </p:nvSpPr>
+        <p:spPr>
+          <a:xfrm>
+            <a:off x="381000" y="571500"/>
+            <a:ext cx="11341100" cy="685800"/>
+          </a:xfrm>
+        </p:spPr>
+        <p:txBody>
+          <a:bodyPr/>
+          <a:lstStyle/>
+          <a:p>
+            <a:pPr algn="r" rtl="1"/>
+            <a:r>
+              <a:rPr lang="fa-IR" sz="4400" dirty="0" smtClean="0">
+                <a:effectLst>
+                  <a:outerShdw blurRad="38100" dist="38100" dir="2700000" algn="tl">
+                    <a:srgbClr val="000000">
+                      <a:alpha val="43137"/>
+                    </a:srgbClr>
+                  </a:outerShdw>
+                </a:effectLst>
+                <a:latin typeface="Adobe Arabic" panose="02040503050201020203" pitchFamily="18" charset="-78"/>
+                <a:cs typeface="Adobe Arabic" panose="02040503050201020203" pitchFamily="18" charset="-78"/>
+              </a:rPr>
+              <a:t>فصل </a:t>
+            </a:r>
+            <a:r>
+              <a:rPr lang="fa-IR" sz="4400" dirty="0" smtClean="0">
+                <a:effectLst>
+                  <a:outerShdw blurRad="38100" dist="38100" dir="2700000" algn="tl">
+                    <a:srgbClr val="000000">
+                      <a:alpha val="43137"/>
+                    </a:srgbClr>
+                  </a:outerShdw>
+                </a:effectLst>
+                <a:latin typeface="Adobe Arabic" panose="02040503050201020203" pitchFamily="18" charset="-78"/>
+                <a:cs typeface="Adobe Arabic" panose="02040503050201020203" pitchFamily="18" charset="-78"/>
+              </a:rPr>
+              <a:t>سوم </a:t>
+            </a:r>
+            <a:r>
+              <a:rPr lang="fa-IR" sz="4400" dirty="0" smtClean="0">
+                <a:effectLst>
+                  <a:outerShdw blurRad="38100" dist="38100" dir="2700000" algn="tl">
+                    <a:srgbClr val="000000">
+                      <a:alpha val="43137"/>
+                    </a:srgbClr>
+                  </a:outerShdw>
+                </a:effectLst>
+                <a:latin typeface="Adobe Arabic" panose="02040503050201020203" pitchFamily="18" charset="-78"/>
+                <a:cs typeface="Adobe Arabic" panose="02040503050201020203" pitchFamily="18" charset="-78"/>
+              </a:rPr>
+              <a:t>: </a:t>
+            </a:r>
+            <a:r>
+              <a:rPr lang="fa-IR" sz="4400" dirty="0" smtClean="0">
+                <a:effectLst>
+                  <a:outerShdw blurRad="38100" dist="38100" dir="2700000" algn="tl">
+                    <a:srgbClr val="000000">
+                      <a:alpha val="43137"/>
+                    </a:srgbClr>
+                  </a:outerShdw>
+                </a:effectLst>
+                <a:latin typeface="Adobe Arabic" panose="02040503050201020203" pitchFamily="18" charset="-78"/>
+                <a:cs typeface="Adobe Arabic" panose="02040503050201020203" pitchFamily="18" charset="-78"/>
+              </a:rPr>
+              <a:t>« بعله » بگوئید </a:t>
+            </a:r>
+            <a:endParaRPr lang="en-US" sz="4400" dirty="0">
+              <a:effectLst>
+                <a:outerShdw blurRad="38100" dist="38100" dir="2700000" algn="tl">
+                  <a:srgbClr val="000000">
+                    <a:alpha val="43137"/>
+                  </a:srgbClr>
+                </a:outerShdw>
+              </a:effectLst>
+              <a:latin typeface="Adobe Arabic" panose="02040503050201020203" pitchFamily="18" charset="-78"/>
+              <a:cs typeface="Adobe Arabic" panose="02040503050201020203" pitchFamily="18" charset="-78"/>
+            </a:endParaRPr>
+          </a:p>
+        </p:txBody>
+      </p:sp>
+      <p:sp>
+        <p:nvSpPr>
+          <p:cNvPr id="5" name="Title 1"/>
+          <p:cNvSpPr txBox="1">
+            <a:spLocks/>
+          </p:cNvSpPr>
+          <p:nvPr/>
+        </p:nvSpPr>
+        <p:spPr>
+          <a:xfrm>
+            <a:off x="3662551" y="1653277"/>
+            <a:ext cx="7818249" cy="970450"/>
+          </a:xfrm>
+          <a:prstGeom prst="rect">
+            <a:avLst/>
+          </a:prstGeom>
+          <a:effectLst>
+            <a:outerShdw blurRad="50800" dir="14400000">
+              <a:srgbClr val="000000">
+                <a:alpha val="60000"/>
+              </a:srgbClr>
+            </a:outerShdw>
+          </a:effectLst>
+        </p:spPr>
+        <p:txBody>
+          <a:bodyPr vert="horz" lIns="91440" tIns="45720" rIns="91440" bIns="45720" rtlCol="0" anchor="b">
+            <a:noAutofit/>
+          </a:bodyPr>
+          <a:lstStyle>
+            <a:lvl1pPr algn="l" defTabSz="457200" rtl="0" eaLnBrk="1" latinLnBrk="0" hangingPunct="1">
+              <a:spcBef>
+                <a:spcPct val="0"/>
+              </a:spcBef>
+              <a:buNone/>
+              <a:defRPr sz="4000" b="1" kern="1200">
+                <a:solidFill>
+                  <a:srgbClr val="FEFEFE"/>
+                </a:solidFill>
+                <a:latin typeface="+mj-lt"/>
+                <a:ea typeface="+mj-ea"/>
+                <a:cs typeface="+mj-cs"/>
+              </a:defRPr>
+            </a:lvl1pPr>
+            <a:lvl2pPr eaLnBrk="1" hangingPunct="1">
+              <a:defRPr>
+                <a:solidFill>
+                  <a:schemeClr val="tx2"/>
+                </a:solidFill>
+              </a:defRPr>
+            </a:lvl2pPr>
+            <a:lvl3pPr eaLnBrk="1" hangingPunct="1">
+              <a:defRPr>
+                <a:solidFill>
+                  <a:schemeClr val="tx2"/>
+                </a:solidFill>
+              </a:defRPr>
+            </a:lvl3pPr>
+            <a:lvl4pPr eaLnBrk="1" hangingPunct="1">
+              <a:defRPr>
+                <a:solidFill>
+                  <a:schemeClr val="tx2"/>
+                </a:solidFill>
+              </a:defRPr>
+            </a:lvl4pPr>
+            <a:lvl5pPr eaLnBrk="1" hangingPunct="1">
+              <a:defRPr>
+                <a:solidFill>
+                  <a:schemeClr val="tx2"/>
+                </a:solidFill>
+              </a:defRPr>
+            </a:lvl5pPr>
+            <a:lvl6pPr eaLnBrk="1" hangingPunct="1">
+              <a:defRPr>
+                <a:solidFill>
+                  <a:schemeClr val="tx2"/>
+                </a:solidFill>
+              </a:defRPr>
+            </a:lvl6pPr>
+            <a:lvl7pPr eaLnBrk="1" hangingPunct="1">
+              <a:defRPr>
+                <a:solidFill>
+                  <a:schemeClr val="tx2"/>
+                </a:solidFill>
+              </a:defRPr>
+            </a:lvl7pPr>
+            <a:lvl8pPr eaLnBrk="1" hangingPunct="1">
+              <a:defRPr>
+                <a:solidFill>
+                  <a:schemeClr val="tx2"/>
+                </a:solidFill>
+              </a:defRPr>
+            </a:lvl8pPr>
+            <a:lvl9pPr eaLnBrk="1" hangingPunct="1">
+              <a:defRPr>
+                <a:solidFill>
+                  <a:schemeClr val="tx2"/>
+                </a:solidFill>
+              </a:defRPr>
+            </a:lvl9pPr>
+          </a:lstStyle>
+          <a:p>
+            <a:pPr algn="r" rtl="1"/>
+            <a:r>
+              <a:rPr lang="fa-IR" dirty="0" smtClean="0">
+                <a:latin typeface="Adobe Arabic" panose="02040503050201020203" pitchFamily="18" charset="-78"/>
+                <a:cs typeface="Adobe Arabic" panose="02040503050201020203" pitchFamily="18" charset="-78"/>
+              </a:rPr>
+              <a:t>زبان « تعهد »</a:t>
+            </a:r>
+          </a:p>
+        </p:txBody>
+      </p:sp>
+      <p:sp>
+        <p:nvSpPr>
+          <p:cNvPr id="4" name="TextBox 3"/>
+          <p:cNvSpPr txBox="1"/>
+          <p:nvPr/>
+        </p:nvSpPr>
+        <p:spPr>
+          <a:xfrm>
+            <a:off x="822034" y="2623727"/>
+            <a:ext cx="10459031" cy="1815882"/>
+          </a:xfrm>
+          <a:prstGeom prst="rect">
+            <a:avLst/>
+          </a:prstGeom>
+          <a:noFill/>
+        </p:spPr>
+        <p:txBody>
+          <a:bodyPr wrap="square" rtlCol="0">
+            <a:spAutoFit/>
+          </a:bodyPr>
+          <a:lstStyle/>
+          <a:p>
+            <a:pPr algn="r" rtl="1"/>
+            <a:r>
+              <a:rPr lang="fa-IR" sz="2800" b="1" i="1" dirty="0" smtClean="0">
+                <a:latin typeface="Adobe Arabic" panose="02040503050201020203" pitchFamily="18" charset="-78"/>
+                <a:cs typeface="Adobe Arabic" panose="02040503050201020203" pitchFamily="18" charset="-78"/>
+              </a:rPr>
+              <a:t>سه قسمت ایجاد یک تعهد : </a:t>
+            </a:r>
+          </a:p>
+          <a:p>
+            <a:pPr marL="914400" lvl="1" indent="-457200" algn="r" rtl="1">
+              <a:buFont typeface="Wingdings" panose="05000000000000000000" pitchFamily="2" charset="2"/>
+              <a:buChar char="ü"/>
+            </a:pPr>
+            <a:r>
+              <a:rPr lang="fa-IR" sz="2800" dirty="0" smtClean="0">
+                <a:latin typeface="Adobe Arabic" panose="02040503050201020203" pitchFamily="18" charset="-78"/>
+                <a:cs typeface="Adobe Arabic" panose="02040503050201020203" pitchFamily="18" charset="-78"/>
+              </a:rPr>
+              <a:t>شما می گوئید که « قصد » انجام کاری را دارید. </a:t>
+            </a:r>
+          </a:p>
+          <a:p>
+            <a:pPr marL="914400" lvl="1" indent="-457200" algn="r" rtl="1">
+              <a:buFont typeface="Wingdings" panose="05000000000000000000" pitchFamily="2" charset="2"/>
+              <a:buChar char="ü"/>
+            </a:pPr>
+            <a:r>
+              <a:rPr lang="fa-IR" sz="2800" dirty="0" smtClean="0">
+                <a:latin typeface="Adobe Arabic" panose="02040503050201020203" pitchFamily="18" charset="-78"/>
+                <a:cs typeface="Adobe Arabic" panose="02040503050201020203" pitchFamily="18" charset="-78"/>
+              </a:rPr>
+              <a:t>شما « می خواهید » آن کار را انجام دهید .</a:t>
+            </a:r>
+          </a:p>
+          <a:p>
+            <a:pPr marL="914400" lvl="1" indent="-457200" algn="r" rtl="1">
+              <a:buFont typeface="Wingdings" panose="05000000000000000000" pitchFamily="2" charset="2"/>
+              <a:buChar char="ü"/>
+            </a:pPr>
+            <a:r>
+              <a:rPr lang="fa-IR" sz="2800" dirty="0" smtClean="0">
+                <a:latin typeface="Adobe Arabic" panose="02040503050201020203" pitchFamily="18" charset="-78"/>
+                <a:cs typeface="Adobe Arabic" panose="02040503050201020203" pitchFamily="18" charset="-78"/>
+              </a:rPr>
+              <a:t>شما « واقعا آن را انجام می دهید » . </a:t>
+            </a:r>
+            <a:endParaRPr lang="en-US" sz="2800" dirty="0">
+              <a:latin typeface="Adobe Arabic" panose="02040503050201020203" pitchFamily="18" charset="-78"/>
+              <a:cs typeface="Adobe Arabic" panose="02040503050201020203" pitchFamily="18" charset="-78"/>
+            </a:endParaRPr>
+          </a:p>
+        </p:txBody>
+      </p:sp>
+      <p:sp>
+        <p:nvSpPr>
+          <p:cNvPr id="8" name="TextBox 7"/>
+          <p:cNvSpPr txBox="1"/>
+          <p:nvPr/>
+        </p:nvSpPr>
+        <p:spPr>
+          <a:xfrm>
+            <a:off x="1021769" y="4782110"/>
+            <a:ext cx="10459031" cy="1815882"/>
+          </a:xfrm>
+          <a:prstGeom prst="rect">
+            <a:avLst/>
+          </a:prstGeom>
+          <a:noFill/>
+        </p:spPr>
+        <p:txBody>
+          <a:bodyPr wrap="square" rtlCol="0">
+            <a:spAutoFit/>
+          </a:bodyPr>
+          <a:lstStyle/>
+          <a:p>
+            <a:pPr algn="r" rtl="1"/>
+            <a:r>
+              <a:rPr lang="fa-IR" sz="2800" b="1" i="1" dirty="0" smtClean="0">
+                <a:latin typeface="Adobe Arabic" panose="02040503050201020203" pitchFamily="18" charset="-78"/>
+                <a:cs typeface="Adobe Arabic" panose="02040503050201020203" pitchFamily="18" charset="-78"/>
+              </a:rPr>
+              <a:t>نشانه های عدم تعهد : </a:t>
+            </a:r>
+          </a:p>
+          <a:p>
+            <a:pPr marL="914400" lvl="1" indent="-457200" algn="r" rtl="1">
+              <a:buFont typeface="Wingdings" panose="05000000000000000000" pitchFamily="2" charset="2"/>
+              <a:buChar char="ü"/>
+            </a:pPr>
+            <a:r>
+              <a:rPr lang="fa-IR" sz="2800" dirty="0" smtClean="0">
+                <a:latin typeface="Adobe Arabic" panose="02040503050201020203" pitchFamily="18" charset="-78"/>
+                <a:cs typeface="Adobe Arabic" panose="02040503050201020203" pitchFamily="18" charset="-78"/>
+              </a:rPr>
+              <a:t>باید / نیاز داریم </a:t>
+            </a:r>
+          </a:p>
+          <a:p>
+            <a:pPr marL="914400" lvl="1" indent="-457200" algn="r" rtl="1">
+              <a:buFont typeface="Wingdings" panose="05000000000000000000" pitchFamily="2" charset="2"/>
+              <a:buChar char="ü"/>
+            </a:pPr>
+            <a:r>
+              <a:rPr lang="fa-IR" sz="2800" dirty="0" smtClean="0">
+                <a:latin typeface="Adobe Arabic" panose="02040503050201020203" pitchFamily="18" charset="-78"/>
+                <a:cs typeface="Adobe Arabic" panose="02040503050201020203" pitchFamily="18" charset="-78"/>
+              </a:rPr>
+              <a:t>امیدوارم / </a:t>
+            </a:r>
+            <a:r>
+              <a:rPr lang="fa-IR" sz="2800" smtClean="0">
+                <a:latin typeface="Adobe Arabic" panose="02040503050201020203" pitchFamily="18" charset="-78"/>
+                <a:cs typeface="Adobe Arabic" panose="02040503050201020203" pitchFamily="18" charset="-78"/>
+              </a:rPr>
+              <a:t>انشاء الله</a:t>
+            </a:r>
+          </a:p>
+          <a:p>
+            <a:pPr lvl="1" algn="r" rtl="1"/>
+            <a:endParaRPr lang="fa-IR" sz="2800" dirty="0" smtClean="0">
+              <a:latin typeface="Adobe Arabic" panose="02040503050201020203" pitchFamily="18" charset="-78"/>
+              <a:cs typeface="Adobe Arabic" panose="02040503050201020203" pitchFamily="18" charset="-78"/>
+            </a:endParaRPr>
+          </a:p>
+        </p:txBody>
+      </p:sp>
+    </p:spTree>
+    <p:extLst>
+      <p:ext uri="{BB962C8B-B14F-4D97-AF65-F5344CB8AC3E}">
+        <p14:creationId xmlns:p14="http://schemas.microsoft.com/office/powerpoint/2010/main" val="3814213397"/>
+      </p:ext>
+    </p:extLst>
+  </p:cSld>
+  <p:clrMapOvr>
+    <a:masterClrMapping/>
+  </p:clrMapOvr>
+</p:sld>
+</file>
+
 <file path=ppt/slides/slide3.xml><?xml version="1.0" encoding="utf-8"?>
 <p:sld xmlns:a="http://schemas.openxmlformats.org/drawingml/2006/main" xmlns:r="http://schemas.openxmlformats.org/officeDocument/2006/relationships" xmlns:p="http://schemas.openxmlformats.org/presentationml/2006/main">
   <p:cSld>
@@ -6206,75 +12411,7 @@
                 <a:latin typeface="Adobe Arabic" panose="02040503050201020203" pitchFamily="18" charset="-78"/>
                 <a:cs typeface="Adobe Arabic" panose="02040503050201020203" pitchFamily="18" charset="-78"/>
               </a:rPr>
-              <a:t>مهمترین اصل </a:t>
-            </a:r>
-            <a:r>
-              <a:rPr lang="fa-IR" sz="3200" b="1" dirty="0" smtClean="0">
-                <a:solidFill>
-                  <a:srgbClr val="FFFF00"/>
-                </a:solidFill>
-                <a:effectLst>
-                  <a:outerShdw blurRad="38100" dist="38100" dir="2700000" algn="tl">
-                    <a:srgbClr val="000000">
-                      <a:alpha val="43137"/>
-                    </a:srgbClr>
-                  </a:outerShdw>
-                </a:effectLst>
-                <a:latin typeface="Adobe Arabic" panose="02040503050201020203" pitchFamily="18" charset="-78"/>
-                <a:cs typeface="Adobe Arabic" panose="02040503050201020203" pitchFamily="18" charset="-78"/>
-              </a:rPr>
-              <a:t>حرفه </a:t>
-            </a:r>
-            <a:r>
-              <a:rPr lang="fa-IR" sz="3200" b="1" dirty="0" smtClean="0">
-                <a:solidFill>
-                  <a:srgbClr val="FFFF00"/>
-                </a:solidFill>
-                <a:effectLst>
-                  <a:outerShdw blurRad="38100" dist="38100" dir="2700000" algn="tl">
-                    <a:srgbClr val="000000">
-                      <a:alpha val="43137"/>
-                    </a:srgbClr>
-                  </a:outerShdw>
-                </a:effectLst>
-                <a:latin typeface="Adobe Arabic" panose="02040503050201020203" pitchFamily="18" charset="-78"/>
-                <a:cs typeface="Adobe Arabic" panose="02040503050201020203" pitchFamily="18" charset="-78"/>
-              </a:rPr>
-              <a:t>ای گری </a:t>
-            </a:r>
-            <a:r>
-              <a:rPr lang="fa-IR" sz="3200" b="1" dirty="0" smtClean="0">
-                <a:solidFill>
-                  <a:srgbClr val="FFFF00"/>
-                </a:solidFill>
-                <a:effectLst>
-                  <a:outerShdw blurRad="38100" dist="38100" dir="2700000" algn="tl">
-                    <a:srgbClr val="000000">
-                      <a:alpha val="43137"/>
-                    </a:srgbClr>
-                  </a:outerShdw>
-                </a:effectLst>
-                <a:latin typeface="Adobe Arabic" panose="02040503050201020203" pitchFamily="18" charset="-78"/>
-                <a:cs typeface="Adobe Arabic" panose="02040503050201020203" pitchFamily="18" charset="-78"/>
-              </a:rPr>
-              <a:t>، </a:t>
-            </a:r>
-            <a:r>
-              <a:rPr lang="fa-IR" sz="3200" b="1" dirty="0" smtClean="0">
-                <a:solidFill>
-                  <a:srgbClr val="FFFF00"/>
-                </a:solidFill>
-                <a:effectLst>
-                  <a:outerShdw blurRad="38100" dist="38100" dir="2700000" algn="tl">
-                    <a:srgbClr val="000000">
-                      <a:alpha val="43137"/>
-                    </a:srgbClr>
-                  </a:outerShdw>
-                </a:effectLst>
-                <a:latin typeface="Adobe Arabic" panose="02040503050201020203" pitchFamily="18" charset="-78"/>
-                <a:cs typeface="Adobe Arabic" panose="02040503050201020203" pitchFamily="18" charset="-78"/>
-              </a:rPr>
-              <a:t>مسئولیت پذیری است .</a:t>
+              <a:t>مهمترین اصل حرفه ای گری ، مسئولیت پذیری است .</a:t>
             </a:r>
           </a:p>
         </p:txBody>
@@ -6355,21 +12492,7 @@
                 <a:latin typeface="Adobe Arabic" panose="02040503050201020203" pitchFamily="18" charset="-78"/>
                 <a:cs typeface="Adobe Arabic" panose="02040503050201020203" pitchFamily="18" charset="-78"/>
               </a:rPr>
-              <a:t> </a:t>
-            </a:r>
-            <a:r>
-              <a:rPr lang="fa-IR" sz="2800" dirty="0" smtClean="0">
-                <a:latin typeface="Adobe Arabic" panose="02040503050201020203" pitchFamily="18" charset="-78"/>
-                <a:cs typeface="Adobe Arabic" panose="02040503050201020203" pitchFamily="18" charset="-78"/>
-              </a:rPr>
-              <a:t>داشته </a:t>
-            </a:r>
-            <a:r>
-              <a:rPr lang="fa-IR" sz="2800" dirty="0" smtClean="0">
-                <a:latin typeface="Adobe Arabic" panose="02040503050201020203" pitchFamily="18" charset="-78"/>
-                <a:cs typeface="Adobe Arabic" panose="02040503050201020203" pitchFamily="18" charset="-78"/>
-              </a:rPr>
-              <a:t>باشید. </a:t>
+              <a:t> داشته باشید. </a:t>
             </a:r>
             <a:endParaRPr lang="fa-IR" sz="2800" dirty="0">
               <a:latin typeface="Adobe Arabic" panose="02040503050201020203" pitchFamily="18" charset="-78"/>
@@ -6410,14 +12533,7 @@
                 <a:latin typeface="Adobe Arabic" panose="02040503050201020203" pitchFamily="18" charset="-78"/>
                 <a:cs typeface="Adobe Arabic" panose="02040503050201020203" pitchFamily="18" charset="-78"/>
               </a:rPr>
-              <a:t>به صورت پیوسته </a:t>
-            </a:r>
-            <a:r>
-              <a:rPr lang="fa-IR" sz="2800" dirty="0">
-                <a:latin typeface="Adobe Arabic" panose="02040503050201020203" pitchFamily="18" charset="-78"/>
-                <a:cs typeface="Adobe Arabic" panose="02040503050201020203" pitchFamily="18" charset="-78"/>
-              </a:rPr>
-              <a:t>در حال یادگیری باشید </a:t>
+              <a:t>یادگیری مداوم داشته باشید</a:t>
             </a:r>
             <a:r>
               <a:rPr lang="fa-IR" sz="2800" dirty="0" smtClean="0">
@@ -6467,7 +12583,14 @@
                 <a:latin typeface="Adobe Arabic" panose="02040503050201020203" pitchFamily="18" charset="-78"/>
                 <a:cs typeface="Adobe Arabic" panose="02040503050201020203" pitchFamily="18" charset="-78"/>
               </a:rPr>
-              <a:t>برای تازه کارها مثل آموزگار باشید . </a:t>
+              <a:t>آموزش دادن</a:t>
+            </a:r>
+            <a:r>
+              <a:rPr lang="fa-IR" sz="2800" dirty="0" smtClean="0">
+                <a:latin typeface="Adobe Arabic" panose="02040503050201020203" pitchFamily="18" charset="-78"/>
+                <a:cs typeface="Adobe Arabic" panose="02040503050201020203" pitchFamily="18" charset="-78"/>
+              </a:rPr>
+              <a:t>. </a:t>
             </a:r>
             <a:endParaRPr lang="fa-IR" sz="2800" dirty="0">
               <a:latin typeface="Adobe Arabic" panose="02040503050201020203" pitchFamily="18" charset="-78"/>
@@ -7185,17 +13308,6 @@
               </a:rPr>
               <a:t>وجدان کاری  ( اخلاق حرفه‌ای ) داشته باشید. </a:t>
             </a:r>
-            <a:endParaRPr lang="fa-IR" sz="4400" dirty="0">
-              <a:effectLst>
-                <a:outerShdw blurRad="38100" dist="38100" dir="2700000" algn="tl">
-                  <a:srgbClr val="000000">
-                    <a:alpha val="43137"/>
-                  </a:srgbClr>
-                </a:outerShdw>
-              </a:effectLst>
-              <a:latin typeface="Adobe Arabic" panose="02040503050201020203" pitchFamily="18" charset="-78"/>
-              <a:cs typeface="Adobe Arabic" panose="02040503050201020203" pitchFamily="18" charset="-78"/>
-            </a:endParaRPr>
           </a:p>
         </p:txBody>
       </p:sp>
@@ -7237,21 +13349,7 @@
                 <a:latin typeface="Adobe Arabic" panose="02040503050201020203" pitchFamily="18" charset="-78"/>
                 <a:cs typeface="Adobe Arabic" panose="02040503050201020203" pitchFamily="18" charset="-78"/>
               </a:rPr>
-              <a:t>حرفه ی</a:t>
-            </a:r>
-            <a:r>
-              <a:rPr lang="fa-IR" sz="2800" dirty="0" smtClean="0">
-                <a:effectLst>
-                  <a:outerShdw blurRad="38100" dist="38100" dir="2700000" algn="tl">
-                    <a:srgbClr val="000000">
-                      <a:alpha val="43137"/>
-                    </a:srgbClr>
-                  </a:outerShdw>
-                </a:effectLst>
-                <a:latin typeface="Adobe Arabic" panose="02040503050201020203" pitchFamily="18" charset="-78"/>
-                <a:cs typeface="Adobe Arabic" panose="02040503050201020203" pitchFamily="18" charset="-78"/>
-              </a:rPr>
-              <a:t> شما ، مسئولیت شماست .</a:t>
+              <a:t>حرفه ی شما ، مسئولیت شماست .</a:t>
             </a:r>
           </a:p>
           <a:p>
@@ -7602,10 +13700,6 @@
               </a:rPr>
               <a:t>در زمینه ی فنی ، اطلاعات کافی داشته باشید. </a:t>
             </a:r>
-            <a:endParaRPr lang="fa-IR" sz="4400" dirty="0">
-              <a:latin typeface="Adobe Arabic" panose="02040503050201020203" pitchFamily="18" charset="-78"/>
-              <a:cs typeface="Adobe Arabic" panose="02040503050201020203" pitchFamily="18" charset="-78"/>
-            </a:endParaRPr>
           </a:p>
         </p:txBody>
       </p:sp>
@@ -7618,7 +13712,7 @@
         <p:spPr>
           <a:xfrm>
             <a:off x="919350" y="2738435"/>
-            <a:ext cx="10612249" cy="1815882"/>
+            <a:ext cx="10612249" cy="2554545"/>
           </a:xfrm>
           <a:prstGeom prst="rect">
             <a:avLst/>
@@ -7655,7 +13749,69 @@
               <a:buFont typeface="Wingdings" panose="05000000000000000000" pitchFamily="2" charset="2"/>
               <a:buChar char="ü"/>
             </a:pPr>
-            <a:endParaRPr lang="fa-IR" sz="2800" dirty="0" smtClean="0">
+            <a:r>
+              <a:rPr lang="fa-IR" sz="2800" b="1" i="1" dirty="0" smtClean="0">
+                <a:latin typeface="Adobe Arabic" panose="02040503050201020203" pitchFamily="18" charset="-78"/>
+                <a:cs typeface="Adobe Arabic" panose="02040503050201020203" pitchFamily="18" charset="-78"/>
+              </a:rPr>
+              <a:t>الگوهای طراحی : </a:t>
+            </a:r>
+            <a:r>
+              <a:rPr lang="fa-IR" sz="2400" dirty="0" smtClean="0">
+                <a:latin typeface="Adobe Arabic" panose="02040503050201020203" pitchFamily="18" charset="-78"/>
+                <a:cs typeface="Adobe Arabic" panose="02040503050201020203" pitchFamily="18" charset="-78"/>
+              </a:rPr>
+              <a:t>باید بتوانید 24 الگوی طراحی </a:t>
+            </a:r>
+            <a:r>
+              <a:rPr lang="en-US" sz="2400" dirty="0" smtClean="0">
+                <a:latin typeface="Adobe Arabic" panose="02040503050201020203" pitchFamily="18" charset="-78"/>
+                <a:cs typeface="Adobe Arabic" panose="02040503050201020203" pitchFamily="18" charset="-78"/>
+              </a:rPr>
+              <a:t> </a:t>
+            </a:r>
+            <a:r>
+              <a:rPr lang="fa-IR" sz="2400" dirty="0" smtClean="0">
+                <a:latin typeface="Adobe Arabic" panose="02040503050201020203" pitchFamily="18" charset="-78"/>
+                <a:cs typeface="Adobe Arabic" panose="02040503050201020203" pitchFamily="18" charset="-78"/>
+              </a:rPr>
+              <a:t>مشخص شده در</a:t>
+            </a:r>
+            <a:r>
+              <a:rPr lang="en-US" sz="2400" dirty="0" smtClean="0">
+                <a:latin typeface="Adobe Arabic" panose="02040503050201020203" pitchFamily="18" charset="-78"/>
+                <a:cs typeface="Adobe Arabic" panose="02040503050201020203" pitchFamily="18" charset="-78"/>
+              </a:rPr>
+              <a:t> </a:t>
+            </a:r>
+            <a:r>
+              <a:rPr lang="fa-IR" sz="2400" dirty="0" smtClean="0">
+                <a:latin typeface="Adobe Arabic" panose="02040503050201020203" pitchFamily="18" charset="-78"/>
+                <a:cs typeface="Adobe Arabic" panose="02040503050201020203" pitchFamily="18" charset="-78"/>
+              </a:rPr>
+              <a:t> کتاب  </a:t>
+            </a:r>
+            <a:r>
+              <a:rPr lang="en-US" sz="2400" dirty="0" smtClean="0">
+                <a:latin typeface="Adobe Arabic" panose="02040503050201020203" pitchFamily="18" charset="-78"/>
+                <a:cs typeface="Adobe Arabic" panose="02040503050201020203" pitchFamily="18" charset="-78"/>
+              </a:rPr>
+              <a:t>GOF</a:t>
+            </a:r>
+            <a:r>
+              <a:rPr lang="fa-IR" sz="2400" dirty="0" smtClean="0">
+                <a:latin typeface="Adobe Arabic" panose="02040503050201020203" pitchFamily="18" charset="-78"/>
+                <a:cs typeface="Adobe Arabic" panose="02040503050201020203" pitchFamily="18" charset="-78"/>
+              </a:rPr>
+              <a:t> را شرح دهید و به معماری ساخت یافته ی شی گرا بر اساس الگوهای طراحی ، آشنایی داشته باشد . </a:t>
+            </a:r>
+          </a:p>
+          <a:p>
+            <a:pPr marL="914400" lvl="1" indent="-457200" algn="r" rtl="1">
+              <a:buFont typeface="Wingdings" panose="05000000000000000000" pitchFamily="2" charset="2"/>
+              <a:buChar char="ü"/>
+            </a:pPr>
+            <a:endParaRPr lang="fa-IR" sz="2400" dirty="0" smtClean="0">
               <a:latin typeface="Adobe Arabic" panose="02040503050201020203" pitchFamily="18" charset="-78"/>
               <a:cs typeface="Adobe Arabic" panose="02040503050201020203" pitchFamily="18" charset="-78"/>
             </a:endParaRPr>
@@ -7799,10 +13955,1213 @@
           </a:p>
         </p:txBody>
       </p:sp>
+      <p:pic>
+        <p:nvPicPr>
+          <p:cNvPr id="5" name="Picture 4"/>
+          <p:cNvPicPr>
+            <a:picLocks noChangeAspect="1"/>
+          </p:cNvPicPr>
+          <p:nvPr/>
+        </p:nvPicPr>
+        <p:blipFill>
+          <a:blip r:embed="rId2">
+            <a:extLst>
+              <a:ext uri="{28A0092B-C50C-407E-A947-70E740481C1C}">
+                <a14:useLocalDpi xmlns:a14="http://schemas.microsoft.com/office/drawing/2010/main" val="0"/>
+              </a:ext>
+            </a:extLst>
+          </a:blip>
+          <a:stretch>
+            <a:fillRect/>
+          </a:stretch>
+        </p:blipFill>
+        <p:spPr>
+          <a:xfrm>
+            <a:off x="1213602" y="4569982"/>
+            <a:ext cx="1748366" cy="2178733"/>
+          </a:xfrm>
+          <a:prstGeom prst="rect">
+            <a:avLst/>
+          </a:prstGeom>
+        </p:spPr>
+      </p:pic>
+      <p:pic>
+        <p:nvPicPr>
+          <p:cNvPr id="7" name="Picture 6"/>
+          <p:cNvPicPr>
+            <a:picLocks noChangeAspect="1"/>
+          </p:cNvPicPr>
+          <p:nvPr/>
+        </p:nvPicPr>
+        <p:blipFill>
+          <a:blip r:embed="rId3">
+            <a:extLst>
+              <a:ext uri="{28A0092B-C50C-407E-A947-70E740481C1C}">
+                <a14:useLocalDpi xmlns:a14="http://schemas.microsoft.com/office/drawing/2010/main" val="0"/>
+              </a:ext>
+            </a:extLst>
+          </a:blip>
+          <a:stretch>
+            <a:fillRect/>
+          </a:stretch>
+        </p:blipFill>
+        <p:spPr>
+          <a:xfrm>
+            <a:off x="3256220" y="4569982"/>
+            <a:ext cx="1680986" cy="2178733"/>
+          </a:xfrm>
+          <a:prstGeom prst="rect">
+            <a:avLst/>
+          </a:prstGeom>
+        </p:spPr>
+      </p:pic>
     </p:spTree>
     <p:extLst>
       <p:ext uri="{BB962C8B-B14F-4D97-AF65-F5344CB8AC3E}">
         <p14:creationId xmlns:p14="http://schemas.microsoft.com/office/powerpoint/2010/main" val="37955342"/>
+      </p:ext>
+    </p:extLst>
+  </p:cSld>
+  <p:clrMapOvr>
+    <a:masterClrMapping/>
+  </p:clrMapOvr>
+</p:sld>
+</file>
+
+<file path=ppt/slides/slide7.xml><?xml version="1.0" encoding="utf-8"?>
+<p:sld xmlns:a="http://schemas.openxmlformats.org/drawingml/2006/main" xmlns:r="http://schemas.openxmlformats.org/officeDocument/2006/relationships" xmlns:p="http://schemas.openxmlformats.org/presentationml/2006/main">
+  <p:cSld>
+    <p:spTree>
+      <p:nvGrpSpPr>
+        <p:cNvPr id="1" name=""/>
+        <p:cNvGrpSpPr/>
+        <p:nvPr/>
+      </p:nvGrpSpPr>
+      <p:grpSpPr>
+        <a:xfrm>
+          <a:off x="0" y="0"/>
+          <a:ext cx="0" cy="0"/>
+          <a:chOff x="0" y="0"/>
+          <a:chExt cx="0" cy="0"/>
+        </a:xfrm>
+      </p:grpSpPr>
+      <p:sp>
+        <p:nvSpPr>
+          <p:cNvPr id="2" name="Title 1"/>
+          <p:cNvSpPr>
+            <a:spLocks noGrp="1"/>
+          </p:cNvSpPr>
+          <p:nvPr>
+            <p:ph type="title"/>
+          </p:nvPr>
+        </p:nvSpPr>
+        <p:spPr>
+          <a:xfrm>
+            <a:off x="1213602" y="1767985"/>
+            <a:ext cx="10571998" cy="970450"/>
+          </a:xfrm>
+        </p:spPr>
+        <p:txBody>
+          <a:bodyPr/>
+          <a:lstStyle/>
+          <a:p>
+            <a:pPr algn="r" rtl="1"/>
+            <a:r>
+              <a:rPr lang="fa-IR" sz="4400" dirty="0">
+                <a:latin typeface="Adobe Arabic" panose="02040503050201020203" pitchFamily="18" charset="-78"/>
+                <a:cs typeface="Adobe Arabic" panose="02040503050201020203" pitchFamily="18" charset="-78"/>
+              </a:rPr>
+              <a:t>در زمینه ی فنی ، اطلاعات کافی داشته باشید. </a:t>
+            </a:r>
+          </a:p>
+        </p:txBody>
+      </p:sp>
+      <p:sp>
+        <p:nvSpPr>
+          <p:cNvPr id="4" name="TextBox 3"/>
+          <p:cNvSpPr txBox="1"/>
+          <p:nvPr/>
+        </p:nvSpPr>
+        <p:spPr>
+          <a:xfrm>
+            <a:off x="919350" y="2738435"/>
+            <a:ext cx="10612249" cy="1754326"/>
+          </a:xfrm>
+          <a:prstGeom prst="rect">
+            <a:avLst/>
+          </a:prstGeom>
+          <a:noFill/>
+        </p:spPr>
+        <p:txBody>
+          <a:bodyPr wrap="square" numCol="1" rtlCol="0" anchor="t">
+            <a:spAutoFit/>
+          </a:bodyPr>
+          <a:lstStyle/>
+          <a:p>
+            <a:pPr lvl="1" algn="r" rtl="1"/>
+            <a:endParaRPr lang="fa-IR" sz="2800" b="1" dirty="0" smtClean="0">
+              <a:latin typeface="Adobe Arabic" panose="02040503050201020203" pitchFamily="18" charset="-78"/>
+              <a:cs typeface="Adobe Arabic" panose="02040503050201020203" pitchFamily="18" charset="-78"/>
+            </a:endParaRPr>
+          </a:p>
+          <a:p>
+            <a:pPr marL="914400" lvl="1" indent="-457200" algn="r" rtl="1">
+              <a:buFont typeface="Wingdings" panose="05000000000000000000" pitchFamily="2" charset="2"/>
+              <a:buChar char="ü"/>
+            </a:pPr>
+            <a:r>
+              <a:rPr lang="fa-IR" sz="2800" b="1" i="1" dirty="0" smtClean="0">
+                <a:latin typeface="Adobe Arabic" panose="02040503050201020203" pitchFamily="18" charset="-78"/>
+                <a:cs typeface="Adobe Arabic" panose="02040503050201020203" pitchFamily="18" charset="-78"/>
+              </a:rPr>
+              <a:t>اصول طراحی : </a:t>
+            </a:r>
+            <a:r>
+              <a:rPr lang="fa-IR" sz="2400" dirty="0" smtClean="0">
+                <a:latin typeface="Adobe Arabic" panose="02040503050201020203" pitchFamily="18" charset="-78"/>
+                <a:cs typeface="Adobe Arabic" panose="02040503050201020203" pitchFamily="18" charset="-78"/>
+              </a:rPr>
+              <a:t>باید درک درستی از اصول </a:t>
+            </a:r>
+            <a:r>
+              <a:rPr lang="en-US" sz="2400" dirty="0" smtClean="0">
+                <a:latin typeface="Adobe Arabic" panose="02040503050201020203" pitchFamily="18" charset="-78"/>
+                <a:cs typeface="Adobe Arabic" panose="02040503050201020203" pitchFamily="18" charset="-78"/>
+              </a:rPr>
+              <a:t>SOLID </a:t>
+            </a:r>
+            <a:r>
+              <a:rPr lang="fa-IR" sz="2400" dirty="0" smtClean="0">
+                <a:latin typeface="Adobe Arabic" panose="02040503050201020203" pitchFamily="18" charset="-78"/>
+                <a:cs typeface="Adobe Arabic" panose="02040503050201020203" pitchFamily="18" charset="-78"/>
+              </a:rPr>
+              <a:t> داشته باشید </a:t>
+            </a:r>
+          </a:p>
+          <a:p>
+            <a:pPr marL="914400" lvl="1" indent="-457200" algn="r" rtl="1">
+              <a:buFont typeface="Wingdings" panose="05000000000000000000" pitchFamily="2" charset="2"/>
+              <a:buChar char="ü"/>
+            </a:pPr>
+            <a:endParaRPr lang="fa-IR" sz="2400" dirty="0" smtClean="0">
+              <a:latin typeface="Adobe Arabic" panose="02040503050201020203" pitchFamily="18" charset="-78"/>
+              <a:cs typeface="Adobe Arabic" panose="02040503050201020203" pitchFamily="18" charset="-78"/>
+            </a:endParaRPr>
+          </a:p>
+          <a:p>
+            <a:pPr lvl="1" algn="r" rtl="1"/>
+            <a:endParaRPr lang="en-US" sz="2800" dirty="0">
+              <a:latin typeface="Adobe Arabic" panose="02040503050201020203" pitchFamily="18" charset="-78"/>
+              <a:cs typeface="Adobe Arabic" panose="02040503050201020203" pitchFamily="18" charset="-78"/>
+            </a:endParaRPr>
+          </a:p>
+        </p:txBody>
+      </p:sp>
+      <p:sp>
+        <p:nvSpPr>
+          <p:cNvPr id="6" name="Title 1"/>
+          <p:cNvSpPr txBox="1">
+            <a:spLocks/>
+          </p:cNvSpPr>
+          <p:nvPr/>
+        </p:nvSpPr>
+        <p:spPr>
+          <a:xfrm>
+            <a:off x="444500" y="596900"/>
+            <a:ext cx="11341100" cy="685800"/>
+          </a:xfrm>
+          <a:prstGeom prst="rect">
+            <a:avLst/>
+          </a:prstGeom>
+          <a:effectLst>
+            <a:outerShdw blurRad="50800" dir="14400000">
+              <a:srgbClr val="000000">
+                <a:alpha val="60000"/>
+              </a:srgbClr>
+            </a:outerShdw>
+          </a:effectLst>
+        </p:spPr>
+        <p:txBody>
+          <a:bodyPr vert="horz" lIns="91440" tIns="45720" rIns="91440" bIns="45720" rtlCol="0" anchor="b">
+            <a:noAutofit/>
+          </a:bodyPr>
+          <a:lstStyle>
+            <a:lvl1pPr algn="l" defTabSz="457200" rtl="0" eaLnBrk="1" latinLnBrk="0" hangingPunct="1">
+              <a:spcBef>
+                <a:spcPct val="0"/>
+              </a:spcBef>
+              <a:buNone/>
+              <a:defRPr sz="4000" b="1" kern="1200">
+                <a:solidFill>
+                  <a:srgbClr val="FEFEFE"/>
+                </a:solidFill>
+                <a:latin typeface="+mj-lt"/>
+                <a:ea typeface="+mj-ea"/>
+                <a:cs typeface="+mj-cs"/>
+              </a:defRPr>
+            </a:lvl1pPr>
+            <a:lvl2pPr eaLnBrk="1" hangingPunct="1">
+              <a:defRPr>
+                <a:solidFill>
+                  <a:schemeClr val="tx2"/>
+                </a:solidFill>
+              </a:defRPr>
+            </a:lvl2pPr>
+            <a:lvl3pPr eaLnBrk="1" hangingPunct="1">
+              <a:defRPr>
+                <a:solidFill>
+                  <a:schemeClr val="tx2"/>
+                </a:solidFill>
+              </a:defRPr>
+            </a:lvl3pPr>
+            <a:lvl4pPr eaLnBrk="1" hangingPunct="1">
+              <a:defRPr>
+                <a:solidFill>
+                  <a:schemeClr val="tx2"/>
+                </a:solidFill>
+              </a:defRPr>
+            </a:lvl4pPr>
+            <a:lvl5pPr eaLnBrk="1" hangingPunct="1">
+              <a:defRPr>
+                <a:solidFill>
+                  <a:schemeClr val="tx2"/>
+                </a:solidFill>
+              </a:defRPr>
+            </a:lvl5pPr>
+            <a:lvl6pPr eaLnBrk="1" hangingPunct="1">
+              <a:defRPr>
+                <a:solidFill>
+                  <a:schemeClr val="tx2"/>
+                </a:solidFill>
+              </a:defRPr>
+            </a:lvl6pPr>
+            <a:lvl7pPr eaLnBrk="1" hangingPunct="1">
+              <a:defRPr>
+                <a:solidFill>
+                  <a:schemeClr val="tx2"/>
+                </a:solidFill>
+              </a:defRPr>
+            </a:lvl7pPr>
+            <a:lvl8pPr eaLnBrk="1" hangingPunct="1">
+              <a:defRPr>
+                <a:solidFill>
+                  <a:schemeClr val="tx2"/>
+                </a:solidFill>
+              </a:defRPr>
+            </a:lvl8pPr>
+            <a:lvl9pPr eaLnBrk="1" hangingPunct="1">
+              <a:defRPr>
+                <a:solidFill>
+                  <a:schemeClr val="tx2"/>
+                </a:solidFill>
+              </a:defRPr>
+            </a:lvl9pPr>
+          </a:lstStyle>
+          <a:p>
+            <a:pPr algn="r" rtl="1"/>
+            <a:r>
+              <a:rPr lang="fa-IR" sz="4400" dirty="0" smtClean="0">
+                <a:effectLst>
+                  <a:outerShdw blurRad="38100" dist="38100" dir="2700000" algn="tl">
+                    <a:srgbClr val="000000">
+                      <a:alpha val="43137"/>
+                    </a:srgbClr>
+                  </a:outerShdw>
+                </a:effectLst>
+                <a:latin typeface="Adobe Arabic" panose="02040503050201020203" pitchFamily="18" charset="-78"/>
+                <a:cs typeface="Adobe Arabic" panose="02040503050201020203" pitchFamily="18" charset="-78"/>
+              </a:rPr>
+              <a:t>فصل اول : حرفه ای گری </a:t>
+            </a:r>
+            <a:endParaRPr lang="en-US" sz="4400" dirty="0">
+              <a:effectLst>
+                <a:outerShdw blurRad="38100" dist="38100" dir="2700000" algn="tl">
+                  <a:srgbClr val="000000">
+                    <a:alpha val="43137"/>
+                  </a:srgbClr>
+                </a:outerShdw>
+              </a:effectLst>
+              <a:latin typeface="Adobe Arabic" panose="02040503050201020203" pitchFamily="18" charset="-78"/>
+              <a:cs typeface="Adobe Arabic" panose="02040503050201020203" pitchFamily="18" charset="-78"/>
+            </a:endParaRPr>
+          </a:p>
+        </p:txBody>
+      </p:sp>
+      <p:pic>
+        <p:nvPicPr>
+          <p:cNvPr id="3" name="Picture 2"/>
+          <p:cNvPicPr>
+            <a:picLocks noChangeAspect="1"/>
+          </p:cNvPicPr>
+          <p:nvPr/>
+        </p:nvPicPr>
+        <p:blipFill>
+          <a:blip r:embed="rId2">
+            <a:extLst>
+              <a:ext uri="{28A0092B-C50C-407E-A947-70E740481C1C}">
+                <a14:useLocalDpi xmlns:a14="http://schemas.microsoft.com/office/drawing/2010/main" val="0"/>
+              </a:ext>
+            </a:extLst>
+          </a:blip>
+          <a:stretch>
+            <a:fillRect/>
+          </a:stretch>
+        </p:blipFill>
+        <p:spPr>
+          <a:xfrm>
+            <a:off x="444501" y="4142769"/>
+            <a:ext cx="2882900" cy="2509341"/>
+          </a:xfrm>
+          <a:prstGeom prst="rect">
+            <a:avLst/>
+          </a:prstGeom>
+        </p:spPr>
+      </p:pic>
+    </p:spTree>
+    <p:extLst>
+      <p:ext uri="{BB962C8B-B14F-4D97-AF65-F5344CB8AC3E}">
+        <p14:creationId xmlns:p14="http://schemas.microsoft.com/office/powerpoint/2010/main" val="3581953517"/>
+      </p:ext>
+    </p:extLst>
+  </p:cSld>
+  <p:clrMapOvr>
+    <a:masterClrMapping/>
+  </p:clrMapOvr>
+</p:sld>
+</file>
+
+<file path=ppt/slides/slide8.xml><?xml version="1.0" encoding="utf-8"?>
+<p:sld xmlns:a="http://schemas.openxmlformats.org/drawingml/2006/main" xmlns:r="http://schemas.openxmlformats.org/officeDocument/2006/relationships" xmlns:p="http://schemas.openxmlformats.org/presentationml/2006/main">
+  <p:cSld>
+    <p:spTree>
+      <p:nvGrpSpPr>
+        <p:cNvPr id="1" name=""/>
+        <p:cNvGrpSpPr/>
+        <p:nvPr/>
+      </p:nvGrpSpPr>
+      <p:grpSpPr>
+        <a:xfrm>
+          <a:off x="0" y="0"/>
+          <a:ext cx="0" cy="0"/>
+          <a:chOff x="0" y="0"/>
+          <a:chExt cx="0" cy="0"/>
+        </a:xfrm>
+      </p:grpSpPr>
+      <p:sp>
+        <p:nvSpPr>
+          <p:cNvPr id="2" name="Title 1"/>
+          <p:cNvSpPr>
+            <a:spLocks noGrp="1"/>
+          </p:cNvSpPr>
+          <p:nvPr>
+            <p:ph type="title"/>
+          </p:nvPr>
+        </p:nvSpPr>
+        <p:spPr>
+          <a:xfrm>
+            <a:off x="1213602" y="1767985"/>
+            <a:ext cx="10571998" cy="970450"/>
+          </a:xfrm>
+        </p:spPr>
+        <p:txBody>
+          <a:bodyPr/>
+          <a:lstStyle/>
+          <a:p>
+            <a:pPr algn="r" rtl="1"/>
+            <a:r>
+              <a:rPr lang="fa-IR" sz="4400" dirty="0">
+                <a:latin typeface="Adobe Arabic" panose="02040503050201020203" pitchFamily="18" charset="-78"/>
+                <a:cs typeface="Adobe Arabic" panose="02040503050201020203" pitchFamily="18" charset="-78"/>
+              </a:rPr>
+              <a:t>در زمینه ی فنی ، اطلاعات کافی داشته باشید. </a:t>
+            </a:r>
+          </a:p>
+        </p:txBody>
+      </p:sp>
+      <p:sp>
+        <p:nvSpPr>
+          <p:cNvPr id="4" name="TextBox 3"/>
+          <p:cNvSpPr txBox="1"/>
+          <p:nvPr/>
+        </p:nvSpPr>
+        <p:spPr>
+          <a:xfrm>
+            <a:off x="919350" y="2738435"/>
+            <a:ext cx="10612249" cy="3970318"/>
+          </a:xfrm>
+          <a:prstGeom prst="rect">
+            <a:avLst/>
+          </a:prstGeom>
+          <a:noFill/>
+        </p:spPr>
+        <p:txBody>
+          <a:bodyPr wrap="square" numCol="1" rtlCol="0" anchor="t">
+            <a:spAutoFit/>
+          </a:bodyPr>
+          <a:lstStyle/>
+          <a:p>
+            <a:pPr marL="914400" lvl="1" indent="-457200" algn="r" rtl="1">
+              <a:buFont typeface="Wingdings" panose="05000000000000000000" pitchFamily="2" charset="2"/>
+              <a:buChar char="ü"/>
+            </a:pPr>
+            <a:r>
+              <a:rPr lang="fa-IR" sz="2800" b="1" i="1" dirty="0" smtClean="0">
+                <a:latin typeface="Adobe Arabic" panose="02040503050201020203" pitchFamily="18" charset="-78"/>
+                <a:cs typeface="Adobe Arabic" panose="02040503050201020203" pitchFamily="18" charset="-78"/>
+              </a:rPr>
+              <a:t>آشنایی با متدهای توسعه ی پروژه :</a:t>
+            </a:r>
+          </a:p>
+          <a:p>
+            <a:pPr lvl="1" algn="r" rtl="1"/>
+            <a:r>
+              <a:rPr lang="fa-IR" sz="2800" b="1" i="1" dirty="0">
+                <a:latin typeface="Adobe Arabic" panose="02040503050201020203" pitchFamily="18" charset="-78"/>
+                <a:cs typeface="Adobe Arabic" panose="02040503050201020203" pitchFamily="18" charset="-78"/>
+              </a:rPr>
+              <a:t>	</a:t>
+            </a:r>
+            <a:r>
+              <a:rPr lang="fa-IR" sz="2800" b="1" i="1" dirty="0" smtClean="0">
+                <a:latin typeface="Adobe Arabic" panose="02040503050201020203" pitchFamily="18" charset="-78"/>
+                <a:cs typeface="Adobe Arabic" panose="02040503050201020203" pitchFamily="18" charset="-78"/>
+              </a:rPr>
+              <a:t> </a:t>
+            </a:r>
+            <a:r>
+              <a:rPr lang="fa-IR" sz="2400" dirty="0" smtClean="0">
+                <a:latin typeface="Adobe Arabic" panose="02040503050201020203" pitchFamily="18" charset="-78"/>
+                <a:cs typeface="Adobe Arabic" panose="02040503050201020203" pitchFamily="18" charset="-78"/>
+              </a:rPr>
+              <a:t>باید با موارد زیر آشنا باشید :</a:t>
+            </a:r>
+          </a:p>
+          <a:p>
+            <a:pPr lvl="1" algn="r" rtl="1"/>
+            <a:endParaRPr lang="fa-IR" sz="2400" dirty="0" smtClean="0">
+              <a:latin typeface="Adobe Arabic" panose="02040503050201020203" pitchFamily="18" charset="-78"/>
+              <a:cs typeface="Adobe Arabic" panose="02040503050201020203" pitchFamily="18" charset="-78"/>
+            </a:endParaRPr>
+          </a:p>
+          <a:p>
+            <a:pPr marL="1714500" lvl="3" indent="-342900" algn="r" rtl="1">
+              <a:buFont typeface="Wingdings" panose="05000000000000000000" pitchFamily="2" charset="2"/>
+              <a:buChar char="ü"/>
+            </a:pPr>
+            <a:r>
+              <a:rPr lang="en-US" sz="2400" dirty="0" smtClean="0">
+                <a:latin typeface="Adobe Arabic" panose="02040503050201020203" pitchFamily="18" charset="-78"/>
+                <a:cs typeface="Adobe Arabic" panose="02040503050201020203" pitchFamily="18" charset="-78"/>
+              </a:rPr>
+              <a:t>SCRUM</a:t>
+            </a:r>
+          </a:p>
+          <a:p>
+            <a:pPr marL="1714500" lvl="3" indent="-342900" algn="r" rtl="1">
+              <a:buFont typeface="Wingdings" panose="05000000000000000000" pitchFamily="2" charset="2"/>
+              <a:buChar char="ü"/>
+            </a:pPr>
+            <a:r>
+              <a:rPr lang="en-US" sz="2400" dirty="0" smtClean="0">
+                <a:latin typeface="Adobe Arabic" panose="02040503050201020203" pitchFamily="18" charset="-78"/>
+                <a:cs typeface="Adobe Arabic" panose="02040503050201020203" pitchFamily="18" charset="-78"/>
+              </a:rPr>
+              <a:t>XP</a:t>
+            </a:r>
+          </a:p>
+          <a:p>
+            <a:pPr marL="1714500" lvl="3" indent="-342900" algn="r" rtl="1">
+              <a:buFont typeface="Wingdings" panose="05000000000000000000" pitchFamily="2" charset="2"/>
+              <a:buChar char="ü"/>
+            </a:pPr>
+            <a:r>
+              <a:rPr lang="en-US" sz="2400" dirty="0" smtClean="0">
+                <a:latin typeface="Adobe Arabic" panose="02040503050201020203" pitchFamily="18" charset="-78"/>
+                <a:cs typeface="Adobe Arabic" panose="02040503050201020203" pitchFamily="18" charset="-78"/>
+              </a:rPr>
+              <a:t>LEAN</a:t>
+            </a:r>
+          </a:p>
+          <a:p>
+            <a:pPr marL="1714500" lvl="3" indent="-342900" algn="r" rtl="1">
+              <a:buFont typeface="Wingdings" panose="05000000000000000000" pitchFamily="2" charset="2"/>
+              <a:buChar char="ü"/>
+            </a:pPr>
+            <a:r>
+              <a:rPr lang="en-US" sz="2400" dirty="0" smtClean="0">
+                <a:latin typeface="Adobe Arabic" panose="02040503050201020203" pitchFamily="18" charset="-78"/>
+                <a:cs typeface="Adobe Arabic" panose="02040503050201020203" pitchFamily="18" charset="-78"/>
+              </a:rPr>
+              <a:t>Kanban</a:t>
+            </a:r>
+          </a:p>
+          <a:p>
+            <a:pPr marL="1714500" lvl="3" indent="-342900" algn="r" rtl="1">
+              <a:buFont typeface="Wingdings" panose="05000000000000000000" pitchFamily="2" charset="2"/>
+              <a:buChar char="ü"/>
+            </a:pPr>
+            <a:r>
+              <a:rPr lang="en-US" sz="2400" dirty="0" smtClean="0">
+                <a:latin typeface="Adobe Arabic" panose="02040503050201020203" pitchFamily="18" charset="-78"/>
+                <a:cs typeface="Adobe Arabic" panose="02040503050201020203" pitchFamily="18" charset="-78"/>
+              </a:rPr>
+              <a:t>Waterfall</a:t>
+            </a:r>
+            <a:endParaRPr lang="fa-IR" sz="2400" dirty="0" smtClean="0">
+              <a:latin typeface="Adobe Arabic" panose="02040503050201020203" pitchFamily="18" charset="-78"/>
+              <a:cs typeface="Adobe Arabic" panose="02040503050201020203" pitchFamily="18" charset="-78"/>
+            </a:endParaRPr>
+          </a:p>
+          <a:p>
+            <a:pPr marL="914400" lvl="1" indent="-457200" algn="r" rtl="1">
+              <a:buFont typeface="Wingdings" panose="05000000000000000000" pitchFamily="2" charset="2"/>
+              <a:buChar char="ü"/>
+            </a:pPr>
+            <a:endParaRPr lang="fa-IR" sz="2400" dirty="0" smtClean="0">
+              <a:latin typeface="Adobe Arabic" panose="02040503050201020203" pitchFamily="18" charset="-78"/>
+              <a:cs typeface="Adobe Arabic" panose="02040503050201020203" pitchFamily="18" charset="-78"/>
+            </a:endParaRPr>
+          </a:p>
+          <a:p>
+            <a:pPr lvl="1" algn="r" rtl="1"/>
+            <a:endParaRPr lang="en-US" sz="2800" dirty="0">
+              <a:latin typeface="Adobe Arabic" panose="02040503050201020203" pitchFamily="18" charset="-78"/>
+              <a:cs typeface="Adobe Arabic" panose="02040503050201020203" pitchFamily="18" charset="-78"/>
+            </a:endParaRPr>
+          </a:p>
+        </p:txBody>
+      </p:sp>
+      <p:sp>
+        <p:nvSpPr>
+          <p:cNvPr id="6" name="Title 1"/>
+          <p:cNvSpPr txBox="1">
+            <a:spLocks/>
+          </p:cNvSpPr>
+          <p:nvPr/>
+        </p:nvSpPr>
+        <p:spPr>
+          <a:xfrm>
+            <a:off x="444500" y="596900"/>
+            <a:ext cx="11341100" cy="685800"/>
+          </a:xfrm>
+          <a:prstGeom prst="rect">
+            <a:avLst/>
+          </a:prstGeom>
+          <a:effectLst>
+            <a:outerShdw blurRad="50800" dir="14400000">
+              <a:srgbClr val="000000">
+                <a:alpha val="60000"/>
+              </a:srgbClr>
+            </a:outerShdw>
+          </a:effectLst>
+        </p:spPr>
+        <p:txBody>
+          <a:bodyPr vert="horz" lIns="91440" tIns="45720" rIns="91440" bIns="45720" rtlCol="0" anchor="b">
+            <a:noAutofit/>
+          </a:bodyPr>
+          <a:lstStyle>
+            <a:lvl1pPr algn="l" defTabSz="457200" rtl="0" eaLnBrk="1" latinLnBrk="0" hangingPunct="1">
+              <a:spcBef>
+                <a:spcPct val="0"/>
+              </a:spcBef>
+              <a:buNone/>
+              <a:defRPr sz="4000" b="1" kern="1200">
+                <a:solidFill>
+                  <a:srgbClr val="FEFEFE"/>
+                </a:solidFill>
+                <a:latin typeface="+mj-lt"/>
+                <a:ea typeface="+mj-ea"/>
+                <a:cs typeface="+mj-cs"/>
+              </a:defRPr>
+            </a:lvl1pPr>
+            <a:lvl2pPr eaLnBrk="1" hangingPunct="1">
+              <a:defRPr>
+                <a:solidFill>
+                  <a:schemeClr val="tx2"/>
+                </a:solidFill>
+              </a:defRPr>
+            </a:lvl2pPr>
+            <a:lvl3pPr eaLnBrk="1" hangingPunct="1">
+              <a:defRPr>
+                <a:solidFill>
+                  <a:schemeClr val="tx2"/>
+                </a:solidFill>
+              </a:defRPr>
+            </a:lvl3pPr>
+            <a:lvl4pPr eaLnBrk="1" hangingPunct="1">
+              <a:defRPr>
+                <a:solidFill>
+                  <a:schemeClr val="tx2"/>
+                </a:solidFill>
+              </a:defRPr>
+            </a:lvl4pPr>
+            <a:lvl5pPr eaLnBrk="1" hangingPunct="1">
+              <a:defRPr>
+                <a:solidFill>
+                  <a:schemeClr val="tx2"/>
+                </a:solidFill>
+              </a:defRPr>
+            </a:lvl5pPr>
+            <a:lvl6pPr eaLnBrk="1" hangingPunct="1">
+              <a:defRPr>
+                <a:solidFill>
+                  <a:schemeClr val="tx2"/>
+                </a:solidFill>
+              </a:defRPr>
+            </a:lvl6pPr>
+            <a:lvl7pPr eaLnBrk="1" hangingPunct="1">
+              <a:defRPr>
+                <a:solidFill>
+                  <a:schemeClr val="tx2"/>
+                </a:solidFill>
+              </a:defRPr>
+            </a:lvl7pPr>
+            <a:lvl8pPr eaLnBrk="1" hangingPunct="1">
+              <a:defRPr>
+                <a:solidFill>
+                  <a:schemeClr val="tx2"/>
+                </a:solidFill>
+              </a:defRPr>
+            </a:lvl8pPr>
+            <a:lvl9pPr eaLnBrk="1" hangingPunct="1">
+              <a:defRPr>
+                <a:solidFill>
+                  <a:schemeClr val="tx2"/>
+                </a:solidFill>
+              </a:defRPr>
+            </a:lvl9pPr>
+          </a:lstStyle>
+          <a:p>
+            <a:pPr algn="r" rtl="1"/>
+            <a:r>
+              <a:rPr lang="fa-IR" sz="4400" dirty="0" smtClean="0">
+                <a:effectLst>
+                  <a:outerShdw blurRad="38100" dist="38100" dir="2700000" algn="tl">
+                    <a:srgbClr val="000000">
+                      <a:alpha val="43137"/>
+                    </a:srgbClr>
+                  </a:outerShdw>
+                </a:effectLst>
+                <a:latin typeface="Adobe Arabic" panose="02040503050201020203" pitchFamily="18" charset="-78"/>
+                <a:cs typeface="Adobe Arabic" panose="02040503050201020203" pitchFamily="18" charset="-78"/>
+              </a:rPr>
+              <a:t>فصل اول : حرفه ای گری </a:t>
+            </a:r>
+            <a:endParaRPr lang="en-US" sz="4400" dirty="0">
+              <a:effectLst>
+                <a:outerShdw blurRad="38100" dist="38100" dir="2700000" algn="tl">
+                  <a:srgbClr val="000000">
+                    <a:alpha val="43137"/>
+                  </a:srgbClr>
+                </a:outerShdw>
+              </a:effectLst>
+              <a:latin typeface="Adobe Arabic" panose="02040503050201020203" pitchFamily="18" charset="-78"/>
+              <a:cs typeface="Adobe Arabic" panose="02040503050201020203" pitchFamily="18" charset="-78"/>
+            </a:endParaRPr>
+          </a:p>
+        </p:txBody>
+      </p:sp>
+      <p:sp>
+        <p:nvSpPr>
+          <p:cNvPr id="5" name="TextBox 4"/>
+          <p:cNvSpPr txBox="1"/>
+          <p:nvPr/>
+        </p:nvSpPr>
+        <p:spPr>
+          <a:xfrm>
+            <a:off x="3987800" y="4738982"/>
+            <a:ext cx="2717800" cy="830997"/>
+          </a:xfrm>
+          <a:prstGeom prst="rect">
+            <a:avLst/>
+          </a:prstGeom>
+          <a:noFill/>
+        </p:spPr>
+        <p:txBody>
+          <a:bodyPr wrap="square" rtlCol="0">
+            <a:spAutoFit/>
+          </a:bodyPr>
+          <a:lstStyle/>
+          <a:p>
+            <a:pPr marL="285750" indent="-285750" algn="r" rtl="1">
+              <a:buFont typeface="Wingdings" panose="05000000000000000000" pitchFamily="2" charset="2"/>
+              <a:buChar char="ü"/>
+            </a:pPr>
+            <a:r>
+              <a:rPr lang="fa-IR" sz="2400" dirty="0" smtClean="0">
+                <a:latin typeface="Adobe Arabic" panose="02040503050201020203" pitchFamily="18" charset="-78"/>
+                <a:cs typeface="Adobe Arabic" panose="02040503050201020203" pitchFamily="18" charset="-78"/>
+              </a:rPr>
+              <a:t>آنالیز ساخت یافته </a:t>
+            </a:r>
+          </a:p>
+          <a:p>
+            <a:pPr marL="285750" indent="-285750" algn="r" rtl="1">
+              <a:buFont typeface="Wingdings" panose="05000000000000000000" pitchFamily="2" charset="2"/>
+              <a:buChar char="ü"/>
+            </a:pPr>
+            <a:r>
+              <a:rPr lang="fa-IR" sz="2400" dirty="0" smtClean="0">
+                <a:latin typeface="Adobe Arabic" panose="02040503050201020203" pitchFamily="18" charset="-78"/>
+                <a:cs typeface="Adobe Arabic" panose="02040503050201020203" pitchFamily="18" charset="-78"/>
+              </a:rPr>
+              <a:t>طراحی ساخت یافت </a:t>
+            </a:r>
+            <a:endParaRPr lang="en-US" sz="2400" dirty="0">
+              <a:latin typeface="Adobe Arabic" panose="02040503050201020203" pitchFamily="18" charset="-78"/>
+              <a:cs typeface="Adobe Arabic" panose="02040503050201020203" pitchFamily="18" charset="-78"/>
+            </a:endParaRPr>
+          </a:p>
+        </p:txBody>
+      </p:sp>
+    </p:spTree>
+    <p:extLst>
+      <p:ext uri="{BB962C8B-B14F-4D97-AF65-F5344CB8AC3E}">
+        <p14:creationId xmlns:p14="http://schemas.microsoft.com/office/powerpoint/2010/main" val="2068292741"/>
+      </p:ext>
+    </p:extLst>
+  </p:cSld>
+  <p:clrMapOvr>
+    <a:masterClrMapping/>
+  </p:clrMapOvr>
+</p:sld>
+</file>
+
+<file path=ppt/slides/slide9.xml><?xml version="1.0" encoding="utf-8"?>
+<p:sld xmlns:a="http://schemas.openxmlformats.org/drawingml/2006/main" xmlns:r="http://schemas.openxmlformats.org/officeDocument/2006/relationships" xmlns:p="http://schemas.openxmlformats.org/presentationml/2006/main">
+  <p:cSld>
+    <p:spTree>
+      <p:nvGrpSpPr>
+        <p:cNvPr id="1" name=""/>
+        <p:cNvGrpSpPr/>
+        <p:nvPr/>
+      </p:nvGrpSpPr>
+      <p:grpSpPr>
+        <a:xfrm>
+          <a:off x="0" y="0"/>
+          <a:ext cx="0" cy="0"/>
+          <a:chOff x="0" y="0"/>
+          <a:chExt cx="0" cy="0"/>
+        </a:xfrm>
+      </p:grpSpPr>
+      <p:sp>
+        <p:nvSpPr>
+          <p:cNvPr id="2" name="Title 1"/>
+          <p:cNvSpPr>
+            <a:spLocks noGrp="1"/>
+          </p:cNvSpPr>
+          <p:nvPr>
+            <p:ph type="title"/>
+          </p:nvPr>
+        </p:nvSpPr>
+        <p:spPr>
+          <a:xfrm>
+            <a:off x="1213602" y="1767985"/>
+            <a:ext cx="10571998" cy="970450"/>
+          </a:xfrm>
+        </p:spPr>
+        <p:txBody>
+          <a:bodyPr/>
+          <a:lstStyle/>
+          <a:p>
+            <a:pPr algn="r" rtl="1"/>
+            <a:r>
+              <a:rPr lang="fa-IR" sz="4400" dirty="0">
+                <a:latin typeface="Adobe Arabic" panose="02040503050201020203" pitchFamily="18" charset="-78"/>
+                <a:cs typeface="Adobe Arabic" panose="02040503050201020203" pitchFamily="18" charset="-78"/>
+              </a:rPr>
+              <a:t>در زمینه ی فنی ، اطلاعات کافی داشته باشید. </a:t>
+            </a:r>
+          </a:p>
+        </p:txBody>
+      </p:sp>
+      <p:sp>
+        <p:nvSpPr>
+          <p:cNvPr id="4" name="TextBox 3"/>
+          <p:cNvSpPr txBox="1"/>
+          <p:nvPr/>
+        </p:nvSpPr>
+        <p:spPr>
+          <a:xfrm>
+            <a:off x="919350" y="2738435"/>
+            <a:ext cx="10612249" cy="3600986"/>
+          </a:xfrm>
+          <a:prstGeom prst="rect">
+            <a:avLst/>
+          </a:prstGeom>
+          <a:noFill/>
+        </p:spPr>
+        <p:txBody>
+          <a:bodyPr wrap="square" numCol="1" rtlCol="0" anchor="t">
+            <a:spAutoFit/>
+          </a:bodyPr>
+          <a:lstStyle/>
+          <a:p>
+            <a:pPr marL="914400" lvl="1" indent="-457200" algn="r" rtl="1">
+              <a:buFont typeface="Wingdings" panose="05000000000000000000" pitchFamily="2" charset="2"/>
+              <a:buChar char="ü"/>
+            </a:pPr>
+            <a:r>
+              <a:rPr lang="fa-IR" sz="2800" b="1" i="1" dirty="0" smtClean="0">
+                <a:latin typeface="Adobe Arabic" panose="02040503050201020203" pitchFamily="18" charset="-78"/>
+                <a:cs typeface="Adobe Arabic" panose="02040503050201020203" pitchFamily="18" charset="-78"/>
+              </a:rPr>
+              <a:t>انتظام و تعهد به :</a:t>
+            </a:r>
+          </a:p>
+          <a:p>
+            <a:pPr lvl="1" algn="r" rtl="1"/>
+            <a:endParaRPr lang="fa-IR" sz="2800" b="1" i="1" dirty="0" smtClean="0">
+              <a:latin typeface="Adobe Arabic" panose="02040503050201020203" pitchFamily="18" charset="-78"/>
+              <a:cs typeface="Adobe Arabic" panose="02040503050201020203" pitchFamily="18" charset="-78"/>
+            </a:endParaRPr>
+          </a:p>
+          <a:p>
+            <a:pPr marL="1257300" lvl="2" indent="-342900" algn="r" rtl="1">
+              <a:buFont typeface="Wingdings" panose="05000000000000000000" pitchFamily="2" charset="2"/>
+              <a:buChar char="ü"/>
+            </a:pPr>
+            <a:r>
+              <a:rPr lang="fa-IR" sz="2400" dirty="0" smtClean="0">
+                <a:latin typeface="Adobe Arabic" panose="02040503050201020203" pitchFamily="18" charset="-78"/>
+                <a:cs typeface="Adobe Arabic" panose="02040503050201020203" pitchFamily="18" charset="-78"/>
+              </a:rPr>
+              <a:t>اجرای </a:t>
+            </a:r>
+            <a:r>
+              <a:rPr lang="en-US" sz="2400" dirty="0" smtClean="0">
+                <a:latin typeface="Adobe Arabic" panose="02040503050201020203" pitchFamily="18" charset="-78"/>
+                <a:cs typeface="Adobe Arabic" panose="02040503050201020203" pitchFamily="18" charset="-78"/>
+              </a:rPr>
+              <a:t>TDD</a:t>
+            </a:r>
+          </a:p>
+          <a:p>
+            <a:pPr marL="1257300" lvl="2" indent="-342900" algn="r" rtl="1">
+              <a:buFont typeface="Wingdings" panose="05000000000000000000" pitchFamily="2" charset="2"/>
+              <a:buChar char="ü"/>
+            </a:pPr>
+            <a:r>
+              <a:rPr lang="fa-IR" sz="2400" dirty="0" smtClean="0">
+                <a:latin typeface="Adobe Arabic" panose="02040503050201020203" pitchFamily="18" charset="-78"/>
+                <a:cs typeface="Adobe Arabic" panose="02040503050201020203" pitchFamily="18" charset="-78"/>
+              </a:rPr>
+              <a:t>طراحی شی گرا / </a:t>
+            </a:r>
+            <a:r>
+              <a:rPr lang="en-US" sz="2400" dirty="0">
+                <a:latin typeface="Adobe Arabic" panose="02040503050201020203" pitchFamily="18" charset="-78"/>
+                <a:cs typeface="Adobe Arabic" panose="02040503050201020203" pitchFamily="18" charset="-78"/>
+              </a:rPr>
+              <a:t> Object-Oriented design</a:t>
+            </a:r>
+            <a:endParaRPr lang="en-US" sz="2400" dirty="0" smtClean="0">
+              <a:latin typeface="Adobe Arabic" panose="02040503050201020203" pitchFamily="18" charset="-78"/>
+              <a:cs typeface="Adobe Arabic" panose="02040503050201020203" pitchFamily="18" charset="-78"/>
+            </a:endParaRPr>
+          </a:p>
+          <a:p>
+            <a:pPr marL="1257300" lvl="2" indent="-342900" algn="r" rtl="1">
+              <a:buFont typeface="Wingdings" panose="05000000000000000000" pitchFamily="2" charset="2"/>
+              <a:buChar char="ü"/>
+            </a:pPr>
+            <a:r>
+              <a:rPr lang="fa-IR" sz="2400" dirty="0" smtClean="0">
+                <a:latin typeface="Adobe Arabic" panose="02040503050201020203" pitchFamily="18" charset="-78"/>
+                <a:cs typeface="Adobe Arabic" panose="02040503050201020203" pitchFamily="18" charset="-78"/>
+              </a:rPr>
+              <a:t>برنامه نویسی ساخت یافته / </a:t>
+            </a:r>
+            <a:r>
+              <a:rPr lang="en-US" sz="2400" dirty="0">
+                <a:latin typeface="Adobe Arabic" panose="02040503050201020203" pitchFamily="18" charset="-78"/>
+                <a:cs typeface="Adobe Arabic" panose="02040503050201020203" pitchFamily="18" charset="-78"/>
+              </a:rPr>
+              <a:t>Structured Programming</a:t>
+            </a:r>
+            <a:endParaRPr lang="en-US" sz="2400" dirty="0" smtClean="0">
+              <a:latin typeface="Adobe Arabic" panose="02040503050201020203" pitchFamily="18" charset="-78"/>
+              <a:cs typeface="Adobe Arabic" panose="02040503050201020203" pitchFamily="18" charset="-78"/>
+            </a:endParaRPr>
+          </a:p>
+          <a:p>
+            <a:pPr marL="1257300" lvl="2" indent="-342900" algn="r" rtl="1">
+              <a:buFont typeface="Wingdings" panose="05000000000000000000" pitchFamily="2" charset="2"/>
+              <a:buChar char="ü"/>
+            </a:pPr>
+            <a:r>
+              <a:rPr lang="fa-IR" sz="2400" dirty="0" smtClean="0">
+                <a:latin typeface="Adobe Arabic" panose="02040503050201020203" pitchFamily="18" charset="-78"/>
+                <a:cs typeface="Adobe Arabic" panose="02040503050201020203" pitchFamily="18" charset="-78"/>
+              </a:rPr>
+              <a:t>برنامه نویسی دو-نفره / </a:t>
+            </a:r>
+            <a:r>
+              <a:rPr lang="en-US" sz="2400" dirty="0" smtClean="0">
+                <a:latin typeface="Adobe Arabic" panose="02040503050201020203" pitchFamily="18" charset="-78"/>
+                <a:cs typeface="Adobe Arabic" panose="02040503050201020203" pitchFamily="18" charset="-78"/>
+              </a:rPr>
+              <a:t>Pair-Programing</a:t>
+            </a:r>
+          </a:p>
+          <a:p>
+            <a:pPr marL="1257300" lvl="2" indent="-342900" algn="r" rtl="1">
+              <a:buFont typeface="Wingdings" panose="05000000000000000000" pitchFamily="2" charset="2"/>
+              <a:buChar char="ü"/>
+            </a:pPr>
+            <a:r>
+              <a:rPr lang="fa-IR" sz="2400" dirty="0" smtClean="0">
+                <a:latin typeface="Adobe Arabic" panose="02040503050201020203" pitchFamily="18" charset="-78"/>
+                <a:cs typeface="Adobe Arabic" panose="02040503050201020203" pitchFamily="18" charset="-78"/>
+              </a:rPr>
+              <a:t>یکپارچه سازی مداوم</a:t>
+            </a:r>
+            <a:r>
+              <a:rPr lang="en-US" sz="2400" dirty="0" smtClean="0">
+                <a:latin typeface="Adobe Arabic" panose="02040503050201020203" pitchFamily="18" charset="-78"/>
+                <a:cs typeface="Adobe Arabic" panose="02040503050201020203" pitchFamily="18" charset="-78"/>
+              </a:rPr>
+              <a:t> / </a:t>
+            </a:r>
+            <a:r>
+              <a:rPr lang="fa-IR" sz="2400" dirty="0" smtClean="0">
+                <a:latin typeface="Adobe Arabic" panose="02040503050201020203" pitchFamily="18" charset="-78"/>
+                <a:cs typeface="Adobe Arabic" panose="02040503050201020203" pitchFamily="18" charset="-78"/>
+              </a:rPr>
+              <a:t> </a:t>
+            </a:r>
+            <a:r>
+              <a:rPr lang="en-US" sz="2400" dirty="0" smtClean="0">
+                <a:latin typeface="Adobe Arabic" panose="02040503050201020203" pitchFamily="18" charset="-78"/>
+                <a:cs typeface="Adobe Arabic" panose="02040503050201020203" pitchFamily="18" charset="-78"/>
+              </a:rPr>
+              <a:t>   </a:t>
+            </a:r>
+            <a:r>
+              <a:rPr lang="en-US" sz="2400" dirty="0">
+                <a:latin typeface="Adobe Arabic" panose="02040503050201020203" pitchFamily="18" charset="-78"/>
+                <a:cs typeface="Adobe Arabic" panose="02040503050201020203" pitchFamily="18" charset="-78"/>
+              </a:rPr>
+              <a:t>Continuous Integration</a:t>
+            </a:r>
+            <a:endParaRPr lang="fa-IR" sz="2400" dirty="0" smtClean="0">
+              <a:latin typeface="Adobe Arabic" panose="02040503050201020203" pitchFamily="18" charset="-78"/>
+              <a:cs typeface="Adobe Arabic" panose="02040503050201020203" pitchFamily="18" charset="-78"/>
+            </a:endParaRPr>
+          </a:p>
+          <a:p>
+            <a:pPr marL="914400" lvl="1" indent="-457200" algn="r" rtl="1">
+              <a:buFont typeface="Wingdings" panose="05000000000000000000" pitchFamily="2" charset="2"/>
+              <a:buChar char="ü"/>
+            </a:pPr>
+            <a:endParaRPr lang="fa-IR" sz="2400" dirty="0" smtClean="0">
+              <a:latin typeface="Adobe Arabic" panose="02040503050201020203" pitchFamily="18" charset="-78"/>
+              <a:cs typeface="Adobe Arabic" panose="02040503050201020203" pitchFamily="18" charset="-78"/>
+            </a:endParaRPr>
+          </a:p>
+          <a:p>
+            <a:pPr lvl="1" algn="r" rtl="1"/>
+            <a:endParaRPr lang="en-US" sz="2800" dirty="0">
+              <a:latin typeface="Adobe Arabic" panose="02040503050201020203" pitchFamily="18" charset="-78"/>
+              <a:cs typeface="Adobe Arabic" panose="02040503050201020203" pitchFamily="18" charset="-78"/>
+            </a:endParaRPr>
+          </a:p>
+        </p:txBody>
+      </p:sp>
+      <p:sp>
+        <p:nvSpPr>
+          <p:cNvPr id="6" name="Title 1"/>
+          <p:cNvSpPr txBox="1">
+            <a:spLocks/>
+          </p:cNvSpPr>
+          <p:nvPr/>
+        </p:nvSpPr>
+        <p:spPr>
+          <a:xfrm>
+            <a:off x="444500" y="596900"/>
+            <a:ext cx="11341100" cy="685800"/>
+          </a:xfrm>
+          <a:prstGeom prst="rect">
+            <a:avLst/>
+          </a:prstGeom>
+          <a:effectLst>
+            <a:outerShdw blurRad="50800" dir="14400000">
+              <a:srgbClr val="000000">
+                <a:alpha val="60000"/>
+              </a:srgbClr>
+            </a:outerShdw>
+          </a:effectLst>
+        </p:spPr>
+        <p:txBody>
+          <a:bodyPr vert="horz" lIns="91440" tIns="45720" rIns="91440" bIns="45720" rtlCol="0" anchor="b">
+            <a:noAutofit/>
+          </a:bodyPr>
+          <a:lstStyle>
+            <a:lvl1pPr algn="l" defTabSz="457200" rtl="0" eaLnBrk="1" latinLnBrk="0" hangingPunct="1">
+              <a:spcBef>
+                <a:spcPct val="0"/>
+              </a:spcBef>
+              <a:buNone/>
+              <a:defRPr sz="4000" b="1" kern="1200">
+                <a:solidFill>
+                  <a:srgbClr val="FEFEFE"/>
+                </a:solidFill>
+                <a:latin typeface="+mj-lt"/>
+                <a:ea typeface="+mj-ea"/>
+                <a:cs typeface="+mj-cs"/>
+              </a:defRPr>
+            </a:lvl1pPr>
+            <a:lvl2pPr eaLnBrk="1" hangingPunct="1">
+              <a:defRPr>
+                <a:solidFill>
+                  <a:schemeClr val="tx2"/>
+                </a:solidFill>
+              </a:defRPr>
+            </a:lvl2pPr>
+            <a:lvl3pPr eaLnBrk="1" hangingPunct="1">
+              <a:defRPr>
+                <a:solidFill>
+                  <a:schemeClr val="tx2"/>
+                </a:solidFill>
+              </a:defRPr>
+            </a:lvl3pPr>
+            <a:lvl4pPr eaLnBrk="1" hangingPunct="1">
+              <a:defRPr>
+                <a:solidFill>
+                  <a:schemeClr val="tx2"/>
+                </a:solidFill>
+              </a:defRPr>
+            </a:lvl4pPr>
+            <a:lvl5pPr eaLnBrk="1" hangingPunct="1">
+              <a:defRPr>
+                <a:solidFill>
+                  <a:schemeClr val="tx2"/>
+                </a:solidFill>
+              </a:defRPr>
+            </a:lvl5pPr>
+            <a:lvl6pPr eaLnBrk="1" hangingPunct="1">
+              <a:defRPr>
+                <a:solidFill>
+                  <a:schemeClr val="tx2"/>
+                </a:solidFill>
+              </a:defRPr>
+            </a:lvl6pPr>
+            <a:lvl7pPr eaLnBrk="1" hangingPunct="1">
+              <a:defRPr>
+                <a:solidFill>
+                  <a:schemeClr val="tx2"/>
+                </a:solidFill>
+              </a:defRPr>
+            </a:lvl7pPr>
+            <a:lvl8pPr eaLnBrk="1" hangingPunct="1">
+              <a:defRPr>
+                <a:solidFill>
+                  <a:schemeClr val="tx2"/>
+                </a:solidFill>
+              </a:defRPr>
+            </a:lvl8pPr>
+            <a:lvl9pPr eaLnBrk="1" hangingPunct="1">
+              <a:defRPr>
+                <a:solidFill>
+                  <a:schemeClr val="tx2"/>
+                </a:solidFill>
+              </a:defRPr>
+            </a:lvl9pPr>
+          </a:lstStyle>
+          <a:p>
+            <a:pPr algn="r" rtl="1"/>
+            <a:r>
+              <a:rPr lang="fa-IR" sz="4400" dirty="0" smtClean="0">
+                <a:effectLst>
+                  <a:outerShdw blurRad="38100" dist="38100" dir="2700000" algn="tl">
+                    <a:srgbClr val="000000">
+                      <a:alpha val="43137"/>
+                    </a:srgbClr>
+                  </a:outerShdw>
+                </a:effectLst>
+                <a:latin typeface="Adobe Arabic" panose="02040503050201020203" pitchFamily="18" charset="-78"/>
+                <a:cs typeface="Adobe Arabic" panose="02040503050201020203" pitchFamily="18" charset="-78"/>
+              </a:rPr>
+              <a:t>فصل اول : حرفه ای گری </a:t>
+            </a:r>
+            <a:endParaRPr lang="en-US" sz="4400" dirty="0">
+              <a:effectLst>
+                <a:outerShdw blurRad="38100" dist="38100" dir="2700000" algn="tl">
+                  <a:srgbClr val="000000">
+                    <a:alpha val="43137"/>
+                  </a:srgbClr>
+                </a:outerShdw>
+              </a:effectLst>
+              <a:latin typeface="Adobe Arabic" panose="02040503050201020203" pitchFamily="18" charset="-78"/>
+              <a:cs typeface="Adobe Arabic" panose="02040503050201020203" pitchFamily="18" charset="-78"/>
+            </a:endParaRPr>
+          </a:p>
+        </p:txBody>
+      </p:sp>
+      <p:pic>
+        <p:nvPicPr>
+          <p:cNvPr id="3" name="Picture 2"/>
+          <p:cNvPicPr>
+            <a:picLocks noChangeAspect="1"/>
+          </p:cNvPicPr>
+          <p:nvPr/>
+        </p:nvPicPr>
+        <p:blipFill>
+          <a:blip r:embed="rId2">
+            <a:extLst>
+              <a:ext uri="{28A0092B-C50C-407E-A947-70E740481C1C}">
+                <a14:useLocalDpi xmlns:a14="http://schemas.microsoft.com/office/drawing/2010/main" val="0"/>
+              </a:ext>
+            </a:extLst>
+          </a:blip>
+          <a:stretch>
+            <a:fillRect/>
+          </a:stretch>
+        </p:blipFill>
+        <p:spPr>
+          <a:xfrm>
+            <a:off x="147962" y="185734"/>
+            <a:ext cx="3674738" cy="2756054"/>
+          </a:xfrm>
+          <a:prstGeom prst="rect">
+            <a:avLst/>
+          </a:prstGeom>
+        </p:spPr>
+      </p:pic>
+      <p:pic>
+        <p:nvPicPr>
+          <p:cNvPr id="7" name="Picture 6"/>
+          <p:cNvPicPr>
+            <a:picLocks noChangeAspect="1"/>
+          </p:cNvPicPr>
+          <p:nvPr/>
+        </p:nvPicPr>
+        <p:blipFill>
+          <a:blip r:embed="rId3">
+            <a:extLst>
+              <a:ext uri="{28A0092B-C50C-407E-A947-70E740481C1C}">
+                <a14:useLocalDpi xmlns:a14="http://schemas.microsoft.com/office/drawing/2010/main" val="0"/>
+              </a:ext>
+            </a:extLst>
+          </a:blip>
+          <a:stretch>
+            <a:fillRect/>
+          </a:stretch>
+        </p:blipFill>
+        <p:spPr>
+          <a:xfrm>
+            <a:off x="147962" y="4102100"/>
+            <a:ext cx="5369941" cy="2623236"/>
+          </a:xfrm>
+          <a:prstGeom prst="rect">
+            <a:avLst/>
+          </a:prstGeom>
+        </p:spPr>
+      </p:pic>
+    </p:spTree>
+    <p:extLst>
+      <p:ext uri="{BB962C8B-B14F-4D97-AF65-F5344CB8AC3E}">
+        <p14:creationId xmlns:p14="http://schemas.microsoft.com/office/powerpoint/2010/main" val="3628732413"/>
       </p:ext>
     </p:extLst>
   </p:cSld>

--- a/The Clean Coder.pptx
+++ b/The Clean Coder.pptx
@@ -24,12 +24,11 @@
     <p:sldId id="273" r:id="rId18"/>
     <p:sldId id="274" r:id="rId19"/>
     <p:sldId id="275" r:id="rId20"/>
-    <p:sldId id="276" r:id="rId21"/>
-    <p:sldId id="277" r:id="rId22"/>
-    <p:sldId id="278" r:id="rId23"/>
-    <p:sldId id="279" r:id="rId24"/>
-    <p:sldId id="280" r:id="rId25"/>
-    <p:sldId id="281" r:id="rId26"/>
+    <p:sldId id="277" r:id="rId21"/>
+    <p:sldId id="278" r:id="rId22"/>
+    <p:sldId id="279" r:id="rId23"/>
+    <p:sldId id="280" r:id="rId24"/>
+    <p:sldId id="281" r:id="rId25"/>
   </p:sldIdLst>
   <p:sldSz cx="12192000" cy="6858000"/>
   <p:notesSz cx="6858000" cy="9144000"/>
@@ -231,7 +230,7 @@
           <a:effectLst/>
           <a:extLst>
             <a:ext uri="{91240B29-F687-4f45-9708-019B960494DF}">
-              <a14:hiddenLine xmlns="" xmlns:a14="http://schemas.microsoft.com/office/drawing/2010/main" w="9525">
+              <a14:hiddenLine xmlns:a14="http://schemas.microsoft.com/office/drawing/2010/main" xmlns="" w="9525">
                 <a:solidFill>
                   <a:srgbClr val="000000"/>
                 </a:solidFill>
@@ -282,7 +281,7 @@
           </a:lstStyle>
           <a:p>
             <a:r>
-              <a:rPr lang="en-US" smtClean="0"/>
+              <a:rPr lang="en-US"/>
               <a:t>Click to edit Master title style</a:t>
             </a:r>
             <a:endParaRPr lang="en-US" dirty="0"/>
@@ -399,7 +398,7 @@
           </a:lstStyle>
           <a:p>
             <a:r>
-              <a:rPr lang="en-US" smtClean="0"/>
+              <a:rPr lang="en-US"/>
               <a:t>Click to edit Master subtitle style</a:t>
             </a:r>
             <a:endParaRPr lang="en-US" dirty="0"/>
@@ -424,7 +423,7 @@
             <a:fld id="{B61BEF0D-F0BB-DE4B-95CE-6DB70DBA9567}" type="datetimeFigureOut">
               <a:rPr lang="en-US" smtClean="0"/>
               <a:pPr/>
-              <a:t>7/10/2019</a:t>
+              <a:t>2/13/2022</a:t>
             </a:fld>
             <a:endParaRPr lang="en-US" dirty="0"/>
           </a:p>
@@ -530,7 +529,7 @@
           </a:lstStyle>
           <a:p>
             <a:r>
-              <a:rPr lang="en-US" smtClean="0"/>
+              <a:rPr lang="en-US"/>
               <a:t>Click to edit Master title style</a:t>
             </a:r>
             <a:endParaRPr lang="en-US" dirty="0"/>
@@ -652,7 +651,7 @@
           </a:lstStyle>
           <a:p>
             <a:r>
-              <a:rPr lang="en-US" smtClean="0"/>
+              <a:rPr lang="en-US"/>
               <a:t>Click icon to add picture</a:t>
             </a:r>
             <a:endParaRPr lang="en-US" dirty="0"/>
@@ -720,7 +719,7 @@
           <a:p>
             <a:pPr lvl="0"/>
             <a:r>
-              <a:rPr lang="en-US" smtClean="0"/>
+              <a:rPr lang="en-US"/>
               <a:t>Edit Master text styles</a:t>
             </a:r>
           </a:p>
@@ -744,7 +743,7 @@
             <a:fld id="{B61BEF0D-F0BB-DE4B-95CE-6DB70DBA9567}" type="datetimeFigureOut">
               <a:rPr lang="en-US" smtClean="0"/>
               <a:pPr/>
-              <a:t>7/10/2019</a:t>
+              <a:t>2/13/2022</a:t>
             </a:fld>
             <a:endParaRPr lang="en-US" dirty="0"/>
           </a:p>
@@ -1056,7 +1055,7 @@
           </a:lstStyle>
           <a:p>
             <a:r>
-              <a:rPr lang="en-US" smtClean="0"/>
+              <a:rPr lang="en-US"/>
               <a:t>Click to edit Master title style</a:t>
             </a:r>
             <a:endParaRPr lang="en-US" dirty="0"/>
@@ -1176,7 +1175,7 @@
           <a:p>
             <a:pPr lvl="0"/>
             <a:r>
-              <a:rPr lang="en-US" smtClean="0"/>
+              <a:rPr lang="en-US"/>
               <a:t>Edit Master text styles</a:t>
             </a:r>
           </a:p>
@@ -1210,7 +1209,7 @@
           <a:p>
             <a:pPr lvl="0"/>
             <a:r>
-              <a:rPr lang="en-US" smtClean="0"/>
+              <a:rPr lang="en-US"/>
               <a:t>Edit Master text styles</a:t>
             </a:r>
           </a:p>
@@ -1234,7 +1233,7 @@
             <a:fld id="{B61BEF0D-F0BB-DE4B-95CE-6DB70DBA9567}" type="datetimeFigureOut">
               <a:rPr lang="en-US" smtClean="0"/>
               <a:pPr/>
-              <a:t>7/10/2019</a:t>
+              <a:t>2/13/2022</a:t>
             </a:fld>
             <a:endParaRPr lang="en-US" dirty="0"/>
           </a:p>
@@ -1546,7 +1545,7 @@
           </a:lstStyle>
           <a:p>
             <a:r>
-              <a:rPr lang="en-US" smtClean="0"/>
+              <a:rPr lang="en-US"/>
               <a:t>Click to edit Master title style</a:t>
             </a:r>
             <a:endParaRPr lang="en-US" dirty="0"/>
@@ -1581,7 +1580,7 @@
           <a:p>
             <a:pPr lvl="0"/>
             <a:r>
-              <a:rPr lang="en-US" smtClean="0"/>
+              <a:rPr lang="en-US"/>
               <a:t>Edit Master text styles</a:t>
             </a:r>
           </a:p>
@@ -1605,7 +1604,7 @@
             <a:fld id="{B61BEF0D-F0BB-DE4B-95CE-6DB70DBA9567}" type="datetimeFigureOut">
               <a:rPr lang="en-US" smtClean="0"/>
               <a:pPr/>
-              <a:t>7/10/2019</a:t>
+              <a:t>2/13/2022</a:t>
             </a:fld>
             <a:endParaRPr lang="en-US" dirty="0"/>
           </a:p>
@@ -1761,7 +1760,7 @@
           <a:ln/>
           <a:extLst>
             <a:ext uri="{91240B29-F687-4f45-9708-019B960494DF}">
-              <a14:hiddenLine xmlns="" xmlns:a14="http://schemas.microsoft.com/office/drawing/2010/main" w="9525">
+              <a14:hiddenLine xmlns:a14="http://schemas.microsoft.com/office/drawing/2010/main" xmlns="" w="9525">
                 <a:solidFill>
                   <a:srgbClr val="000000"/>
                 </a:solidFill>
@@ -1803,7 +1802,7 @@
           <a:lstStyle/>
           <a:p>
             <a:r>
-              <a:rPr lang="en-US" smtClean="0"/>
+              <a:rPr lang="en-US"/>
               <a:t>Click to edit Master title style</a:t>
             </a:r>
             <a:endParaRPr lang="en-US" dirty="0"/>
@@ -1827,35 +1826,35 @@
           <a:p>
             <a:pPr lvl="0"/>
             <a:r>
-              <a:rPr lang="en-US" smtClean="0"/>
+              <a:rPr lang="en-US"/>
               <a:t>Edit Master text styles</a:t>
             </a:r>
           </a:p>
           <a:p>
             <a:pPr lvl="1"/>
             <a:r>
-              <a:rPr lang="en-US" smtClean="0"/>
+              <a:rPr lang="en-US"/>
               <a:t>Second level</a:t>
             </a:r>
           </a:p>
           <a:p>
             <a:pPr lvl="2"/>
             <a:r>
-              <a:rPr lang="en-US" smtClean="0"/>
+              <a:rPr lang="en-US"/>
               <a:t>Third level</a:t>
             </a:r>
           </a:p>
           <a:p>
             <a:pPr lvl="3"/>
             <a:r>
-              <a:rPr lang="en-US" smtClean="0"/>
+              <a:rPr lang="en-US"/>
               <a:t>Fourth level</a:t>
             </a:r>
           </a:p>
           <a:p>
             <a:pPr lvl="4"/>
             <a:r>
-              <a:rPr lang="en-US" smtClean="0"/>
+              <a:rPr lang="en-US"/>
               <a:t>Fifth level</a:t>
             </a:r>
             <a:endParaRPr lang="en-US" dirty="0"/>
@@ -1880,7 +1879,7 @@
             <a:fld id="{B61BEF0D-F0BB-DE4B-95CE-6DB70DBA9567}" type="datetimeFigureOut">
               <a:rPr lang="en-US" smtClean="0"/>
               <a:pPr/>
-              <a:t>7/10/2019</a:t>
+              <a:t>2/13/2022</a:t>
             </a:fld>
             <a:endParaRPr lang="en-US" dirty="0"/>
           </a:p>
@@ -2038,7 +2037,7 @@
           <a:ln/>
           <a:extLst>
             <a:ext uri="{91240B29-F687-4f45-9708-019B960494DF}">
-              <a14:hiddenLine xmlns="" xmlns:a14="http://schemas.microsoft.com/office/drawing/2010/main" w="9525">
+              <a14:hiddenLine xmlns:a14="http://schemas.microsoft.com/office/drawing/2010/main" xmlns="" w="9525">
                 <a:solidFill>
                   <a:srgbClr val="000000"/>
                 </a:solidFill>
@@ -2085,7 +2084,7 @@
           <a:lstStyle/>
           <a:p>
             <a:r>
-              <a:rPr lang="en-US" smtClean="0"/>
+              <a:rPr lang="en-US"/>
               <a:t>Click to edit Master title style</a:t>
             </a:r>
             <a:endParaRPr lang="en-US" dirty="0"/>
@@ -2114,35 +2113,35 @@
           <a:p>
             <a:pPr lvl="0"/>
             <a:r>
-              <a:rPr lang="en-US" smtClean="0"/>
+              <a:rPr lang="en-US"/>
               <a:t>Edit Master text styles</a:t>
             </a:r>
           </a:p>
           <a:p>
             <a:pPr lvl="1"/>
             <a:r>
-              <a:rPr lang="en-US" smtClean="0"/>
+              <a:rPr lang="en-US"/>
               <a:t>Second level</a:t>
             </a:r>
           </a:p>
           <a:p>
             <a:pPr lvl="2"/>
             <a:r>
-              <a:rPr lang="en-US" smtClean="0"/>
+              <a:rPr lang="en-US"/>
               <a:t>Third level</a:t>
             </a:r>
           </a:p>
           <a:p>
             <a:pPr lvl="3"/>
             <a:r>
-              <a:rPr lang="en-US" smtClean="0"/>
+              <a:rPr lang="en-US"/>
               <a:t>Fourth level</a:t>
             </a:r>
           </a:p>
           <a:p>
             <a:pPr lvl="4"/>
             <a:r>
-              <a:rPr lang="en-US" smtClean="0"/>
+              <a:rPr lang="en-US"/>
               <a:t>Fifth level</a:t>
             </a:r>
             <a:endParaRPr lang="en-US" dirty="0"/>
@@ -2167,7 +2166,7 @@
             <a:fld id="{B61BEF0D-F0BB-DE4B-95CE-6DB70DBA9567}" type="datetimeFigureOut">
               <a:rPr lang="en-US" smtClean="0"/>
               <a:pPr/>
-              <a:t>7/10/2019</a:t>
+              <a:t>2/13/2022</a:t>
             </a:fld>
             <a:endParaRPr lang="en-US" dirty="0"/>
           </a:p>
@@ -2323,7 +2322,7 @@
           <a:ln/>
           <a:extLst>
             <a:ext uri="{91240B29-F687-4f45-9708-019B960494DF}">
-              <a14:hiddenLine xmlns="" xmlns:a14="http://schemas.microsoft.com/office/drawing/2010/main" w="9525">
+              <a14:hiddenLine xmlns:a14="http://schemas.microsoft.com/office/drawing/2010/main" xmlns="" w="9525">
                 <a:solidFill>
                   <a:srgbClr val="000000"/>
                 </a:solidFill>
@@ -2370,7 +2369,7 @@
           <a:lstStyle/>
           <a:p>
             <a:r>
-              <a:rPr lang="en-US" smtClean="0"/>
+              <a:rPr lang="en-US"/>
               <a:t>Click to edit Master title style</a:t>
             </a:r>
             <a:endParaRPr lang="en-US" dirty="0"/>
@@ -2399,35 +2398,35 @@
           <a:p>
             <a:pPr lvl="0"/>
             <a:r>
-              <a:rPr lang="en-US" smtClean="0"/>
+              <a:rPr lang="en-US"/>
               <a:t>Edit Master text styles</a:t>
             </a:r>
           </a:p>
           <a:p>
             <a:pPr lvl="1"/>
             <a:r>
-              <a:rPr lang="en-US" smtClean="0"/>
+              <a:rPr lang="en-US"/>
               <a:t>Second level</a:t>
             </a:r>
           </a:p>
           <a:p>
             <a:pPr lvl="2"/>
             <a:r>
-              <a:rPr lang="en-US" smtClean="0"/>
+              <a:rPr lang="en-US"/>
               <a:t>Third level</a:t>
             </a:r>
           </a:p>
           <a:p>
             <a:pPr lvl="3"/>
             <a:r>
-              <a:rPr lang="en-US" smtClean="0"/>
+              <a:rPr lang="en-US"/>
               <a:t>Fourth level</a:t>
             </a:r>
           </a:p>
           <a:p>
             <a:pPr lvl="4"/>
             <a:r>
-              <a:rPr lang="en-US" smtClean="0"/>
+              <a:rPr lang="en-US"/>
               <a:t>Fifth level</a:t>
             </a:r>
             <a:endParaRPr lang="en-US" dirty="0"/>
@@ -2452,7 +2451,7 @@
             <a:fld id="{B61BEF0D-F0BB-DE4B-95CE-6DB70DBA9567}" type="datetimeFigureOut">
               <a:rPr lang="en-US" smtClean="0"/>
               <a:pPr/>
-              <a:t>7/10/2019</a:t>
+              <a:t>2/13/2022</a:t>
             </a:fld>
             <a:endParaRPr lang="en-US" dirty="0"/>
           </a:p>
@@ -2653,7 +2652,7 @@
           </a:lstStyle>
           <a:p>
             <a:r>
-              <a:rPr lang="en-US" smtClean="0"/>
+              <a:rPr lang="en-US"/>
               <a:t>Click to edit Master title style</a:t>
             </a:r>
             <a:endParaRPr lang="en-US" dirty="0"/>
@@ -2773,7 +2772,7 @@
           <a:p>
             <a:pPr lvl="0"/>
             <a:r>
-              <a:rPr lang="en-US" smtClean="0"/>
+              <a:rPr lang="en-US"/>
               <a:t>Edit Master text styles</a:t>
             </a:r>
           </a:p>
@@ -2797,7 +2796,7 @@
             <a:fld id="{B61BEF0D-F0BB-DE4B-95CE-6DB70DBA9567}" type="datetimeFigureOut">
               <a:rPr lang="en-US" smtClean="0"/>
               <a:pPr/>
-              <a:t>7/10/2019</a:t>
+              <a:t>2/13/2022</a:t>
             </a:fld>
             <a:endParaRPr lang="en-US" dirty="0"/>
           </a:p>
@@ -2953,7 +2952,7 @@
           <a:ln/>
           <a:extLst>
             <a:ext uri="{91240B29-F687-4f45-9708-019B960494DF}">
-              <a14:hiddenLine xmlns="" xmlns:a14="http://schemas.microsoft.com/office/drawing/2010/main" w="9525">
+              <a14:hiddenLine xmlns:a14="http://schemas.microsoft.com/office/drawing/2010/main" xmlns="" w="9525">
                 <a:solidFill>
                   <a:srgbClr val="000000"/>
                 </a:solidFill>
@@ -2995,7 +2994,7 @@
           <a:lstStyle/>
           <a:p>
             <a:r>
-              <a:rPr lang="en-US" smtClean="0"/>
+              <a:rPr lang="en-US"/>
               <a:t>Click to edit Master title style</a:t>
             </a:r>
             <a:endParaRPr lang="en-US" dirty="0"/>
@@ -3026,35 +3025,35 @@
           <a:p>
             <a:pPr lvl="0"/>
             <a:r>
-              <a:rPr lang="en-US" smtClean="0"/>
+              <a:rPr lang="en-US"/>
               <a:t>Edit Master text styles</a:t>
             </a:r>
           </a:p>
           <a:p>
             <a:pPr lvl="1"/>
             <a:r>
-              <a:rPr lang="en-US" smtClean="0"/>
+              <a:rPr lang="en-US"/>
               <a:t>Second level</a:t>
             </a:r>
           </a:p>
           <a:p>
             <a:pPr lvl="2"/>
             <a:r>
-              <a:rPr lang="en-US" smtClean="0"/>
+              <a:rPr lang="en-US"/>
               <a:t>Third level</a:t>
             </a:r>
           </a:p>
           <a:p>
             <a:pPr lvl="3"/>
             <a:r>
-              <a:rPr lang="en-US" smtClean="0"/>
+              <a:rPr lang="en-US"/>
               <a:t>Fourth level</a:t>
             </a:r>
           </a:p>
           <a:p>
             <a:pPr lvl="4"/>
             <a:r>
-              <a:rPr lang="en-US" smtClean="0"/>
+              <a:rPr lang="en-US"/>
               <a:t>Fifth level</a:t>
             </a:r>
             <a:endParaRPr lang="en-US" dirty="0"/>
@@ -3085,35 +3084,35 @@
           <a:p>
             <a:pPr lvl="0"/>
             <a:r>
-              <a:rPr lang="en-US" smtClean="0"/>
+              <a:rPr lang="en-US"/>
               <a:t>Edit Master text styles</a:t>
             </a:r>
           </a:p>
           <a:p>
             <a:pPr lvl="1"/>
             <a:r>
-              <a:rPr lang="en-US" smtClean="0"/>
+              <a:rPr lang="en-US"/>
               <a:t>Second level</a:t>
             </a:r>
           </a:p>
           <a:p>
             <a:pPr lvl="2"/>
             <a:r>
-              <a:rPr lang="en-US" smtClean="0"/>
+              <a:rPr lang="en-US"/>
               <a:t>Third level</a:t>
             </a:r>
           </a:p>
           <a:p>
             <a:pPr lvl="3"/>
             <a:r>
-              <a:rPr lang="en-US" smtClean="0"/>
+              <a:rPr lang="en-US"/>
               <a:t>Fourth level</a:t>
             </a:r>
           </a:p>
           <a:p>
             <a:pPr lvl="4"/>
             <a:r>
-              <a:rPr lang="en-US" smtClean="0"/>
+              <a:rPr lang="en-US"/>
               <a:t>Fifth level</a:t>
             </a:r>
             <a:endParaRPr lang="en-US" dirty="0"/>
@@ -3138,7 +3137,7 @@
             <a:fld id="{B61BEF0D-F0BB-DE4B-95CE-6DB70DBA9567}" type="datetimeFigureOut">
               <a:rPr lang="en-US" smtClean="0"/>
               <a:pPr/>
-              <a:t>7/10/2019</a:t>
+              <a:t>2/13/2022</a:t>
             </a:fld>
             <a:endParaRPr lang="en-US" dirty="0"/>
           </a:p>
@@ -3294,7 +3293,7 @@
           <a:ln/>
           <a:extLst>
             <a:ext uri="{91240B29-F687-4f45-9708-019B960494DF}">
-              <a14:hiddenLine xmlns="" xmlns:a14="http://schemas.microsoft.com/office/drawing/2010/main" w="9525">
+              <a14:hiddenLine xmlns:a14="http://schemas.microsoft.com/office/drawing/2010/main" xmlns="" w="9525">
                 <a:solidFill>
                   <a:srgbClr val="000000"/>
                 </a:solidFill>
@@ -3340,7 +3339,7 @@
           </a:lstStyle>
           <a:p>
             <a:r>
-              <a:rPr lang="en-US" smtClean="0"/>
+              <a:rPr lang="en-US"/>
               <a:t>Click to edit Master title style</a:t>
             </a:r>
             <a:endParaRPr lang="en-US" dirty="0"/>
@@ -3408,7 +3407,7 @@
           <a:p>
             <a:pPr lvl="0"/>
             <a:r>
-              <a:rPr lang="en-US" smtClean="0"/>
+              <a:rPr lang="en-US"/>
               <a:t>Edit Master text styles</a:t>
             </a:r>
           </a:p>
@@ -3438,35 +3437,35 @@
           <a:p>
             <a:pPr lvl="0"/>
             <a:r>
-              <a:rPr lang="en-US" smtClean="0"/>
+              <a:rPr lang="en-US"/>
               <a:t>Edit Master text styles</a:t>
             </a:r>
           </a:p>
           <a:p>
             <a:pPr lvl="1"/>
             <a:r>
-              <a:rPr lang="en-US" smtClean="0"/>
+              <a:rPr lang="en-US"/>
               <a:t>Second level</a:t>
             </a:r>
           </a:p>
           <a:p>
             <a:pPr lvl="2"/>
             <a:r>
-              <a:rPr lang="en-US" smtClean="0"/>
+              <a:rPr lang="en-US"/>
               <a:t>Third level</a:t>
             </a:r>
           </a:p>
           <a:p>
             <a:pPr lvl="3"/>
             <a:r>
-              <a:rPr lang="en-US" smtClean="0"/>
+              <a:rPr lang="en-US"/>
               <a:t>Fourth level</a:t>
             </a:r>
           </a:p>
           <a:p>
             <a:pPr lvl="4"/>
             <a:r>
-              <a:rPr lang="en-US" smtClean="0"/>
+              <a:rPr lang="en-US"/>
               <a:t>Fifth level</a:t>
             </a:r>
             <a:endParaRPr lang="en-US" dirty="0"/>
@@ -3534,7 +3533,7 @@
           <a:p>
             <a:pPr lvl="0"/>
             <a:r>
-              <a:rPr lang="en-US" smtClean="0"/>
+              <a:rPr lang="en-US"/>
               <a:t>Edit Master text styles</a:t>
             </a:r>
           </a:p>
@@ -3564,35 +3563,35 @@
           <a:p>
             <a:pPr lvl="0"/>
             <a:r>
-              <a:rPr lang="en-US" smtClean="0"/>
+              <a:rPr lang="en-US"/>
               <a:t>Edit Master text styles</a:t>
             </a:r>
           </a:p>
           <a:p>
             <a:pPr lvl="1"/>
             <a:r>
-              <a:rPr lang="en-US" smtClean="0"/>
+              <a:rPr lang="en-US"/>
               <a:t>Second level</a:t>
             </a:r>
           </a:p>
           <a:p>
             <a:pPr lvl="2"/>
             <a:r>
-              <a:rPr lang="en-US" smtClean="0"/>
+              <a:rPr lang="en-US"/>
               <a:t>Third level</a:t>
             </a:r>
           </a:p>
           <a:p>
             <a:pPr lvl="3"/>
             <a:r>
-              <a:rPr lang="en-US" smtClean="0"/>
+              <a:rPr lang="en-US"/>
               <a:t>Fourth level</a:t>
             </a:r>
           </a:p>
           <a:p>
             <a:pPr lvl="4"/>
             <a:r>
-              <a:rPr lang="en-US" smtClean="0"/>
+              <a:rPr lang="en-US"/>
               <a:t>Fifth level</a:t>
             </a:r>
             <a:endParaRPr lang="en-US" dirty="0"/>
@@ -3617,7 +3616,7 @@
             <a:fld id="{B61BEF0D-F0BB-DE4B-95CE-6DB70DBA9567}" type="datetimeFigureOut">
               <a:rPr lang="en-US" smtClean="0"/>
               <a:pPr/>
-              <a:t>7/10/2019</a:t>
+              <a:t>2/13/2022</a:t>
             </a:fld>
             <a:endParaRPr lang="en-US" dirty="0"/>
           </a:p>
@@ -3773,7 +3772,7 @@
           <a:ln/>
           <a:extLst>
             <a:ext uri="{91240B29-F687-4f45-9708-019B960494DF}">
-              <a14:hiddenLine xmlns="" xmlns:a14="http://schemas.microsoft.com/office/drawing/2010/main" w="9525">
+              <a14:hiddenLine xmlns:a14="http://schemas.microsoft.com/office/drawing/2010/main" xmlns="" w="9525">
                 <a:solidFill>
                   <a:srgbClr val="000000"/>
                 </a:solidFill>
@@ -3815,7 +3814,7 @@
           <a:lstStyle/>
           <a:p>
             <a:r>
-              <a:rPr lang="en-US" smtClean="0"/>
+              <a:rPr lang="en-US"/>
               <a:t>Click to edit Master title style</a:t>
             </a:r>
             <a:endParaRPr lang="en-US" dirty="0"/>
@@ -3840,7 +3839,7 @@
             <a:fld id="{B61BEF0D-F0BB-DE4B-95CE-6DB70DBA9567}" type="datetimeFigureOut">
               <a:rPr lang="en-US" smtClean="0"/>
               <a:pPr/>
-              <a:t>7/10/2019</a:t>
+              <a:t>2/13/2022</a:t>
             </a:fld>
             <a:endParaRPr lang="en-US" dirty="0"/>
           </a:p>
@@ -3937,7 +3936,7 @@
             <a:fld id="{B61BEF0D-F0BB-DE4B-95CE-6DB70DBA9567}" type="datetimeFigureOut">
               <a:rPr lang="en-US" smtClean="0"/>
               <a:pPr/>
-              <a:t>7/10/2019</a:t>
+              <a:t>2/13/2022</a:t>
             </a:fld>
             <a:endParaRPr lang="en-US" dirty="0"/>
           </a:p>
@@ -4206,7 +4205,7 @@
           <a:ln/>
           <a:extLst>
             <a:ext uri="{91240B29-F687-4f45-9708-019B960494DF}">
-              <a14:hiddenLine xmlns="" xmlns:a14="http://schemas.microsoft.com/office/drawing/2010/main" w="9525">
+              <a14:hiddenLine xmlns:a14="http://schemas.microsoft.com/office/drawing/2010/main" xmlns="" w="9525">
                 <a:solidFill>
                   <a:srgbClr val="000000"/>
                 </a:solidFill>
@@ -4257,7 +4256,7 @@
           </a:lstStyle>
           <a:p>
             <a:r>
-              <a:rPr lang="en-US" smtClean="0"/>
+              <a:rPr lang="en-US"/>
               <a:t>Click to edit Master title style</a:t>
             </a:r>
             <a:endParaRPr lang="en-US" dirty="0"/>
@@ -4288,35 +4287,35 @@
           <a:p>
             <a:pPr lvl="0"/>
             <a:r>
-              <a:rPr lang="en-US" smtClean="0"/>
+              <a:rPr lang="en-US"/>
               <a:t>Edit Master text styles</a:t>
             </a:r>
           </a:p>
           <a:p>
             <a:pPr lvl="1"/>
             <a:r>
-              <a:rPr lang="en-US" smtClean="0"/>
+              <a:rPr lang="en-US"/>
               <a:t>Second level</a:t>
             </a:r>
           </a:p>
           <a:p>
             <a:pPr lvl="2"/>
             <a:r>
-              <a:rPr lang="en-US" smtClean="0"/>
+              <a:rPr lang="en-US"/>
               <a:t>Third level</a:t>
             </a:r>
           </a:p>
           <a:p>
             <a:pPr lvl="3"/>
             <a:r>
-              <a:rPr lang="en-US" smtClean="0"/>
+              <a:rPr lang="en-US"/>
               <a:t>Fourth level</a:t>
             </a:r>
           </a:p>
           <a:p>
             <a:pPr lvl="4"/>
             <a:r>
-              <a:rPr lang="en-US" smtClean="0"/>
+              <a:rPr lang="en-US"/>
               <a:t>Fifth level</a:t>
             </a:r>
             <a:endParaRPr lang="en-US" dirty="0"/>
@@ -4382,7 +4381,7 @@
           <a:p>
             <a:pPr lvl="0"/>
             <a:r>
-              <a:rPr lang="en-US" smtClean="0"/>
+              <a:rPr lang="en-US"/>
               <a:t>Edit Master text styles</a:t>
             </a:r>
           </a:p>
@@ -4406,7 +4405,7 @@
             <a:fld id="{B61BEF0D-F0BB-DE4B-95CE-6DB70DBA9567}" type="datetimeFigureOut">
               <a:rPr lang="en-US" smtClean="0"/>
               <a:pPr/>
-              <a:t>7/10/2019</a:t>
+              <a:t>2/13/2022</a:t>
             </a:fld>
             <a:endParaRPr lang="en-US" dirty="0"/>
           </a:p>
@@ -4512,7 +4511,7 @@
           </a:lstStyle>
           <a:p>
             <a:r>
-              <a:rPr lang="en-US" smtClean="0"/>
+              <a:rPr lang="en-US"/>
               <a:t>Click to edit Master title style</a:t>
             </a:r>
             <a:endParaRPr lang="en-US" dirty="0"/>
@@ -4624,7 +4623,7 @@
           </a:lstStyle>
           <a:p>
             <a:r>
-              <a:rPr lang="en-US" smtClean="0"/>
+              <a:rPr lang="en-US"/>
               <a:t>Click icon to add picture</a:t>
             </a:r>
             <a:endParaRPr lang="en-US" dirty="0"/>
@@ -4692,7 +4691,7 @@
           <a:p>
             <a:pPr lvl="0"/>
             <a:r>
-              <a:rPr lang="en-US" smtClean="0"/>
+              <a:rPr lang="en-US"/>
               <a:t>Edit Master text styles</a:t>
             </a:r>
           </a:p>
@@ -4721,7 +4720,7 @@
             <a:fld id="{B61BEF0D-F0BB-DE4B-95CE-6DB70DBA9567}" type="datetimeFigureOut">
               <a:rPr lang="en-US" smtClean="0"/>
               <a:pPr/>
-              <a:t>7/10/2019</a:t>
+              <a:t>2/13/2022</a:t>
             </a:fld>
             <a:endParaRPr lang="en-US" dirty="0"/>
           </a:p>
@@ -4848,7 +4847,7 @@
           <a:lstStyle/>
           <a:p>
             <a:r>
-              <a:rPr lang="en-US" smtClean="0"/>
+              <a:rPr lang="en-US"/>
               <a:t>Click to edit Master title style</a:t>
             </a:r>
             <a:endParaRPr lang="en-US" dirty="0"/>
@@ -4889,35 +4888,35 @@
           <a:p>
             <a:pPr lvl="0"/>
             <a:r>
-              <a:rPr lang="en-US" smtClean="0"/>
+              <a:rPr lang="en-US"/>
               <a:t>Edit Master text styles</a:t>
             </a:r>
           </a:p>
           <a:p>
             <a:pPr lvl="1"/>
             <a:r>
-              <a:rPr lang="en-US" smtClean="0"/>
+              <a:rPr lang="en-US"/>
               <a:t>Second level</a:t>
             </a:r>
           </a:p>
           <a:p>
             <a:pPr lvl="2"/>
             <a:r>
-              <a:rPr lang="en-US" smtClean="0"/>
+              <a:rPr lang="en-US"/>
               <a:t>Third level</a:t>
             </a:r>
           </a:p>
           <a:p>
             <a:pPr lvl="3"/>
             <a:r>
-              <a:rPr lang="en-US" smtClean="0"/>
+              <a:rPr lang="en-US"/>
               <a:t>Fourth level</a:t>
             </a:r>
           </a:p>
           <a:p>
             <a:pPr lvl="4"/>
             <a:r>
-              <a:rPr lang="en-US" smtClean="0"/>
+              <a:rPr lang="en-US"/>
               <a:t>Fifth level</a:t>
             </a:r>
             <a:endParaRPr lang="en-US" dirty="0"/>
@@ -4993,7 +4992,7 @@
             <a:fld id="{B61BEF0D-F0BB-DE4B-95CE-6DB70DBA9567}" type="datetimeFigureOut">
               <a:rPr lang="en-US" smtClean="0"/>
               <a:pPr/>
-              <a:t>7/10/2019</a:t>
+              <a:t>2/13/2022</a:t>
             </a:fld>
             <a:endParaRPr lang="en-US" dirty="0"/>
           </a:p>
@@ -5465,14 +5464,11 @@
           <a:p>
             <a:pPr algn="ctr"/>
             <a:r>
-              <a:rPr lang="en-US" sz="6600" dirty="0" smtClean="0">
+              <a:rPr lang="en-US" sz="6600" dirty="0">
                 <a:latin typeface="Agency FB" panose="020B0503020202020204" pitchFamily="34" charset="0"/>
               </a:rPr>
               <a:t>The Clean Coder</a:t>
             </a:r>
-            <a:endParaRPr lang="en-US" sz="6600" dirty="0">
-              <a:latin typeface="Agency FB" panose="020B0503020202020204" pitchFamily="34" charset="0"/>
-            </a:endParaRPr>
           </a:p>
         </p:txBody>
       </p:sp>
@@ -5500,7 +5496,7 @@
           <a:p>
             <a:pPr algn="ctr"/>
             <a:r>
-              <a:rPr lang="en-US" sz="2800" dirty="0" smtClean="0">
+              <a:rPr lang="en-US" sz="2800" dirty="0">
                 <a:ln w="0"/>
                 <a:solidFill>
                   <a:schemeClr val="bg1"/>
@@ -5510,14 +5506,6 @@
               </a:rPr>
               <a:t>Robert C. Martin ( Uncle Bob ) </a:t>
             </a:r>
-            <a:endParaRPr lang="en-US" sz="2800" dirty="0">
-              <a:ln w="0"/>
-              <a:solidFill>
-                <a:schemeClr val="bg1"/>
-              </a:solidFill>
-              <a:latin typeface="Adobe Arabic" panose="02040503050201020203" pitchFamily="18" charset="-78"/>
-              <a:cs typeface="Adobe Arabic" panose="02040503050201020203" pitchFamily="18" charset="-78"/>
-            </a:endParaRPr>
           </a:p>
         </p:txBody>
       </p:sp>
@@ -5545,7 +5533,7 @@
           <a:p>
             <a:pPr algn="ctr"/>
             <a:r>
-              <a:rPr lang="en-US" sz="2400" b="1" dirty="0" smtClean="0">
+              <a:rPr lang="en-US" sz="2400" b="1" dirty="0">
                 <a:solidFill>
                   <a:schemeClr val="bg1">
                     <a:lumMod val="95000"/>
@@ -5557,16 +5545,6 @@
               </a:rPr>
               <a:t>A Code Of Conduct For Professional Programmer</a:t>
             </a:r>
-            <a:endParaRPr lang="en-US" sz="2400" b="1" dirty="0">
-              <a:solidFill>
-                <a:schemeClr val="bg1">
-                  <a:lumMod val="95000"/>
-                  <a:lumOff val="5000"/>
-                </a:schemeClr>
-              </a:solidFill>
-              <a:latin typeface="Calibri" panose="020F0502020204030204" pitchFamily="34" charset="0"/>
-              <a:cs typeface="Calibri" panose="020F0502020204030204" pitchFamily="34" charset="0"/>
-            </a:endParaRPr>
           </a:p>
         </p:txBody>
       </p:sp>
@@ -5579,7 +5557,7 @@
         <p:spPr>
           <a:xfrm>
             <a:off x="2463116" y="3029904"/>
-            <a:ext cx="7265767" cy="769441"/>
+            <a:ext cx="7265767" cy="1446550"/>
           </a:xfrm>
           <a:prstGeom prst="rect">
             <a:avLst/>
@@ -5594,7 +5572,7 @@
           <a:p>
             <a:pPr algn="ctr"/>
             <a:r>
-              <a:rPr lang="fa-IR" sz="4400" b="1" dirty="0" smtClean="0">
+              <a:rPr lang="fa-IR" sz="4400" b="1" dirty="0">
                 <a:ln w="13462">
                   <a:solidFill>
                     <a:schemeClr val="bg1"/>
@@ -5612,8 +5590,8 @@
                     <a:schemeClr val="accent5"/>
                   </a:outerShdw>
                 </a:effectLst>
-                <a:latin typeface="Adobe Arabic" panose="02040503050201020203" pitchFamily="18" charset="-78"/>
-                <a:cs typeface="Adobe Arabic" panose="02040503050201020203" pitchFamily="18" charset="-78"/>
+                <a:latin typeface="Calibri" panose="020F0502020204030204" pitchFamily="34" charset="0"/>
+                <a:cs typeface="Calibri" panose="020F0502020204030204" pitchFamily="34" charset="0"/>
               </a:rPr>
               <a:t>دستورالعمل هایی برای برنامه نویسان حرفه ای</a:t>
             </a:r>
@@ -5635,8 +5613,8 @@
                   <a:schemeClr val="accent5"/>
                 </a:outerShdw>
               </a:effectLst>
-              <a:latin typeface="Adobe Arabic" panose="02040503050201020203" pitchFamily="18" charset="-78"/>
-              <a:cs typeface="Adobe Arabic" panose="02040503050201020203" pitchFamily="18" charset="-78"/>
+              <a:latin typeface="Calibri" panose="020F0502020204030204" pitchFamily="34" charset="0"/>
+              <a:cs typeface="Calibri" panose="020F0502020204030204" pitchFamily="34" charset="0"/>
             </a:endParaRPr>
           </a:p>
         </p:txBody>
@@ -5650,7 +5628,7 @@
         <p:spPr>
           <a:xfrm>
             <a:off x="0" y="6457890"/>
-            <a:ext cx="2311400" cy="400110"/>
+            <a:ext cx="3127664" cy="400110"/>
           </a:xfrm>
           <a:prstGeom prst="rect">
             <a:avLst/>
@@ -5664,15 +5642,15 @@
           <a:lstStyle/>
           <a:p>
             <a:r>
-              <a:rPr lang="fa-IR" sz="2000" dirty="0" smtClean="0">
-                <a:latin typeface="Adobe Arabic" panose="02040503050201020203" pitchFamily="18" charset="-78"/>
-                <a:cs typeface="Adobe Arabic" panose="02040503050201020203" pitchFamily="18" charset="-78"/>
-              </a:rPr>
-              <a:t>تیرماه 1398</a:t>
+              <a:rPr lang="fa-IR" sz="2000" dirty="0">
+                <a:latin typeface="Calibri" panose="020F0502020204030204" pitchFamily="34" charset="0"/>
+                <a:cs typeface="Calibri" panose="020F0502020204030204" pitchFamily="34" charset="0"/>
+              </a:rPr>
+              <a:t>تیرماه 1398 – اسفند 1400</a:t>
             </a:r>
             <a:endParaRPr lang="en-US" sz="2000" dirty="0">
-              <a:latin typeface="Adobe Arabic" panose="02040503050201020203" pitchFamily="18" charset="-78"/>
-              <a:cs typeface="Adobe Arabic" panose="02040503050201020203" pitchFamily="18" charset="-78"/>
+              <a:latin typeface="Calibri" panose="020F0502020204030204" pitchFamily="34" charset="0"/>
+              <a:cs typeface="Calibri" panose="020F0502020204030204" pitchFamily="34" charset="0"/>
             </a:endParaRPr>
           </a:p>
         </p:txBody>
@@ -5685,8 +5663,8 @@
         </p:nvSpPr>
         <p:spPr>
           <a:xfrm>
-            <a:off x="4755729" y="4200324"/>
-            <a:ext cx="2680542" cy="584775"/>
+            <a:off x="4457569" y="4292658"/>
+            <a:ext cx="3276859" cy="584775"/>
           </a:xfrm>
           <a:prstGeom prst="rect">
             <a:avLst/>
@@ -5711,8 +5689,8 @@
                     </a:srgbClr>
                   </a:innerShdw>
                 </a:effectLst>
-                <a:latin typeface="Adobe Arabic" panose="02040503050201020203" pitchFamily="18" charset="-78"/>
-                <a:cs typeface="Adobe Arabic" panose="02040503050201020203" pitchFamily="18" charset="-78"/>
+                <a:latin typeface="Calibri" panose="020F0502020204030204" pitchFamily="34" charset="0"/>
+                <a:cs typeface="Calibri" panose="020F0502020204030204" pitchFamily="34" charset="0"/>
               </a:rPr>
               <a:t>ارائه دهنده : رضا پویا</a:t>
             </a:r>
@@ -5728,8 +5706,8 @@
                   </a:srgbClr>
                 </a:innerShdw>
               </a:effectLst>
-              <a:latin typeface="Adobe Arabic" panose="02040503050201020203" pitchFamily="18" charset="-78"/>
-              <a:cs typeface="Adobe Arabic" panose="02040503050201020203" pitchFamily="18" charset="-78"/>
+              <a:latin typeface="Calibri" panose="020F0502020204030204" pitchFamily="34" charset="0"/>
+              <a:cs typeface="Calibri" panose="020F0502020204030204" pitchFamily="34" charset="0"/>
             </a:endParaRPr>
           </a:p>
         </p:txBody>
@@ -5786,9 +5764,9 @@
           <a:p>
             <a:pPr algn="r" rtl="1"/>
             <a:r>
-              <a:rPr lang="fa-IR" sz="4400" dirty="0">
-                <a:latin typeface="Adobe Arabic" panose="02040503050201020203" pitchFamily="18" charset="-78"/>
-                <a:cs typeface="Adobe Arabic" panose="02040503050201020203" pitchFamily="18" charset="-78"/>
+              <a:rPr lang="fa-IR" sz="3600" dirty="0">
+                <a:latin typeface="Calibri" panose="020F0502020204030204" pitchFamily="34" charset="0"/>
+                <a:cs typeface="Calibri" panose="020F0502020204030204" pitchFamily="34" charset="0"/>
               </a:rPr>
               <a:t>در زمینه ی فنی ، اطلاعات کافی داشته باشید. </a:t>
             </a:r>
@@ -5822,9 +5800,9 @@
               <a:buChar char="ü"/>
             </a:pPr>
             <a:r>
-              <a:rPr lang="fa-IR" sz="2800" b="1" i="1" dirty="0" smtClean="0">
-                <a:latin typeface="Adobe Arabic" panose="02040503050201020203" pitchFamily="18" charset="-78"/>
-                <a:cs typeface="Adobe Arabic" panose="02040503050201020203" pitchFamily="18" charset="-78"/>
+              <a:rPr lang="fa-IR" sz="2800" b="1" i="1" dirty="0">
+                <a:latin typeface="Calibri" panose="020F0502020204030204" pitchFamily="34" charset="0"/>
+                <a:cs typeface="Calibri" panose="020F0502020204030204" pitchFamily="34" charset="0"/>
               </a:rPr>
               <a:t>آشنایی با ابزارهای کمکی :</a:t>
             </a:r>
@@ -5833,14 +5811,14 @@
             <a:pPr lvl="1" algn="r" rtl="1"/>
             <a:r>
               <a:rPr lang="fa-IR" sz="2800" b="1" i="1" dirty="0">
-                <a:latin typeface="Adobe Arabic" panose="02040503050201020203" pitchFamily="18" charset="-78"/>
-                <a:cs typeface="Adobe Arabic" panose="02040503050201020203" pitchFamily="18" charset="-78"/>
+                <a:latin typeface="Calibri" panose="020F0502020204030204" pitchFamily="34" charset="0"/>
+                <a:cs typeface="Calibri" panose="020F0502020204030204" pitchFamily="34" charset="0"/>
               </a:rPr>
               <a:t>	</a:t>
             </a:r>
-            <a:endParaRPr lang="fa-IR" sz="2400" dirty="0" smtClean="0">
-              <a:latin typeface="Adobe Arabic" panose="02040503050201020203" pitchFamily="18" charset="-78"/>
-              <a:cs typeface="Adobe Arabic" panose="02040503050201020203" pitchFamily="18" charset="-78"/>
+            <a:endParaRPr lang="fa-IR" sz="2400" dirty="0">
+              <a:latin typeface="Calibri" panose="020F0502020204030204" pitchFamily="34" charset="0"/>
+              <a:cs typeface="Calibri" panose="020F0502020204030204" pitchFamily="34" charset="0"/>
             </a:endParaRPr>
           </a:p>
           <a:p>
@@ -5850,15 +5828,11 @@
             </a:pPr>
             <a:r>
               <a:rPr lang="en-US" sz="2400" dirty="0">
-                <a:latin typeface="Adobe Arabic" panose="02040503050201020203" pitchFamily="18" charset="-78"/>
-                <a:cs typeface="Adobe Arabic" panose="02040503050201020203" pitchFamily="18" charset="-78"/>
+                <a:latin typeface="Calibri" panose="020F0502020204030204" pitchFamily="34" charset="0"/>
+                <a:cs typeface="Calibri" panose="020F0502020204030204" pitchFamily="34" charset="0"/>
               </a:rPr>
               <a:t>UML</a:t>
             </a:r>
-            <a:endParaRPr lang="en-US" sz="2400" dirty="0" smtClean="0">
-              <a:latin typeface="Adobe Arabic" panose="02040503050201020203" pitchFamily="18" charset="-78"/>
-              <a:cs typeface="Adobe Arabic" panose="02040503050201020203" pitchFamily="18" charset="-78"/>
-            </a:endParaRPr>
           </a:p>
           <a:p>
             <a:pPr marL="1714500" lvl="3" indent="-342900" algn="r" rtl="1">
@@ -5866,16 +5840,16 @@
               <a:buChar char="ü"/>
             </a:pPr>
             <a:r>
-              <a:rPr lang="fa-IR" sz="2400" dirty="0" smtClean="0">
-                <a:latin typeface="Adobe Arabic" panose="02040503050201020203" pitchFamily="18" charset="-78"/>
-                <a:cs typeface="Adobe Arabic" panose="02040503050201020203" pitchFamily="18" charset="-78"/>
+              <a:rPr lang="fa-IR" sz="2400" dirty="0">
+                <a:latin typeface="Calibri" panose="020F0502020204030204" pitchFamily="34" charset="0"/>
+                <a:cs typeface="Calibri" panose="020F0502020204030204" pitchFamily="34" charset="0"/>
               </a:rPr>
               <a:t>دیاگرام های جریان داده / </a:t>
             </a:r>
             <a:r>
-              <a:rPr lang="en-US" sz="2400" dirty="0" smtClean="0">
-                <a:latin typeface="Adobe Arabic" panose="02040503050201020203" pitchFamily="18" charset="-78"/>
-                <a:cs typeface="Adobe Arabic" panose="02040503050201020203" pitchFamily="18" charset="-78"/>
+              <a:rPr lang="en-US" sz="2400" dirty="0">
+                <a:latin typeface="Calibri" panose="020F0502020204030204" pitchFamily="34" charset="0"/>
+                <a:cs typeface="Calibri" panose="020F0502020204030204" pitchFamily="34" charset="0"/>
               </a:rPr>
               <a:t>DFD</a:t>
             </a:r>
@@ -5887,15 +5861,11 @@
             </a:pPr>
             <a:r>
               <a:rPr lang="en-US" sz="2400" dirty="0">
-                <a:latin typeface="Adobe Arabic" panose="02040503050201020203" pitchFamily="18" charset="-78"/>
-                <a:cs typeface="Adobe Arabic" panose="02040503050201020203" pitchFamily="18" charset="-78"/>
+                <a:latin typeface="Calibri" panose="020F0502020204030204" pitchFamily="34" charset="0"/>
+                <a:cs typeface="Calibri" panose="020F0502020204030204" pitchFamily="34" charset="0"/>
               </a:rPr>
               <a:t>Structure Charts</a:t>
             </a:r>
-            <a:endParaRPr lang="en-US" sz="2400" dirty="0" smtClean="0">
-              <a:latin typeface="Adobe Arabic" panose="02040503050201020203" pitchFamily="18" charset="-78"/>
-              <a:cs typeface="Adobe Arabic" panose="02040503050201020203" pitchFamily="18" charset="-78"/>
-            </a:endParaRPr>
           </a:p>
           <a:p>
             <a:pPr marL="1714500" lvl="3" indent="-342900" algn="r" rtl="1">
@@ -5903,29 +5873,29 @@
               <a:buChar char="ü"/>
             </a:pPr>
             <a:r>
-              <a:rPr lang="fa-IR" sz="2400" dirty="0" smtClean="0">
-                <a:latin typeface="Adobe Arabic" panose="02040503050201020203" pitchFamily="18" charset="-78"/>
-                <a:cs typeface="Adobe Arabic" panose="02040503050201020203" pitchFamily="18" charset="-78"/>
+              <a:rPr lang="fa-IR" sz="2400" dirty="0">
+                <a:latin typeface="Calibri" panose="020F0502020204030204" pitchFamily="34" charset="0"/>
+                <a:cs typeface="Calibri" panose="020F0502020204030204" pitchFamily="34" charset="0"/>
               </a:rPr>
               <a:t>شبکه های پتری / </a:t>
             </a:r>
             <a:r>
-              <a:rPr lang="en-US" sz="2400" dirty="0" smtClean="0">
-                <a:latin typeface="Adobe Arabic" panose="02040503050201020203" pitchFamily="18" charset="-78"/>
-                <a:cs typeface="Adobe Arabic" panose="02040503050201020203" pitchFamily="18" charset="-78"/>
+              <a:rPr lang="en-US" sz="2400" dirty="0">
+                <a:latin typeface="Calibri" panose="020F0502020204030204" pitchFamily="34" charset="0"/>
+                <a:cs typeface="Calibri" panose="020F0502020204030204" pitchFamily="34" charset="0"/>
               </a:rPr>
               <a:t>Petri Nets</a:t>
             </a:r>
             <a:r>
-              <a:rPr lang="fa-IR" sz="2400" dirty="0" smtClean="0">
-                <a:latin typeface="Adobe Arabic" panose="02040503050201020203" pitchFamily="18" charset="-78"/>
-                <a:cs typeface="Adobe Arabic" panose="02040503050201020203" pitchFamily="18" charset="-78"/>
+              <a:rPr lang="fa-IR" sz="2400" dirty="0">
+                <a:latin typeface="Calibri" panose="020F0502020204030204" pitchFamily="34" charset="0"/>
+                <a:cs typeface="Calibri" panose="020F0502020204030204" pitchFamily="34" charset="0"/>
               </a:rPr>
               <a:t> </a:t>
             </a:r>
-            <a:endParaRPr lang="en-US" sz="2400" dirty="0" smtClean="0">
-              <a:latin typeface="Adobe Arabic" panose="02040503050201020203" pitchFamily="18" charset="-78"/>
-              <a:cs typeface="Adobe Arabic" panose="02040503050201020203" pitchFamily="18" charset="-78"/>
+            <a:endParaRPr lang="en-US" sz="2400" dirty="0">
+              <a:latin typeface="Calibri" panose="020F0502020204030204" pitchFamily="34" charset="0"/>
+              <a:cs typeface="Calibri" panose="020F0502020204030204" pitchFamily="34" charset="0"/>
             </a:endParaRPr>
           </a:p>
           <a:p>
@@ -5934,22 +5904,22 @@
               <a:buChar char="ü"/>
             </a:pPr>
             <a:r>
-              <a:rPr lang="fa-IR" sz="2400" dirty="0" smtClean="0">
-                <a:latin typeface="Adobe Arabic" panose="02040503050201020203" pitchFamily="18" charset="-78"/>
-                <a:cs typeface="Adobe Arabic" panose="02040503050201020203" pitchFamily="18" charset="-78"/>
+              <a:rPr lang="fa-IR" sz="2400" dirty="0">
+                <a:latin typeface="Calibri" panose="020F0502020204030204" pitchFamily="34" charset="0"/>
+                <a:cs typeface="Calibri" panose="020F0502020204030204" pitchFamily="34" charset="0"/>
               </a:rPr>
               <a:t>جداول انتقال حالت / </a:t>
             </a:r>
             <a:r>
               <a:rPr lang="en-US" sz="2400" dirty="0">
-                <a:latin typeface="Adobe Arabic" panose="02040503050201020203" pitchFamily="18" charset="-78"/>
-                <a:cs typeface="Adobe Arabic" panose="02040503050201020203" pitchFamily="18" charset="-78"/>
+                <a:latin typeface="Calibri" panose="020F0502020204030204" pitchFamily="34" charset="0"/>
+                <a:cs typeface="Calibri" panose="020F0502020204030204" pitchFamily="34" charset="0"/>
               </a:rPr>
               <a:t>State Transition Diagrams and Tables</a:t>
             </a:r>
-            <a:endParaRPr lang="fa-IR" sz="2400" dirty="0" smtClean="0">
-              <a:latin typeface="Adobe Arabic" panose="02040503050201020203" pitchFamily="18" charset="-78"/>
-              <a:cs typeface="Adobe Arabic" panose="02040503050201020203" pitchFamily="18" charset="-78"/>
+            <a:endParaRPr lang="fa-IR" sz="2400" dirty="0">
+              <a:latin typeface="Calibri" panose="020F0502020204030204" pitchFamily="34" charset="0"/>
+              <a:cs typeface="Calibri" panose="020F0502020204030204" pitchFamily="34" charset="0"/>
             </a:endParaRPr>
           </a:p>
           <a:p>
@@ -5958,16 +5928,16 @@
               <a:buChar char="ü"/>
             </a:pPr>
             <a:r>
-              <a:rPr lang="fa-IR" sz="2400" dirty="0" smtClean="0">
-                <a:latin typeface="Adobe Arabic" panose="02040503050201020203" pitchFamily="18" charset="-78"/>
-                <a:cs typeface="Adobe Arabic" panose="02040503050201020203" pitchFamily="18" charset="-78"/>
+              <a:rPr lang="fa-IR" sz="2400" dirty="0">
+                <a:latin typeface="Calibri" panose="020F0502020204030204" pitchFamily="34" charset="0"/>
+                <a:cs typeface="Calibri" panose="020F0502020204030204" pitchFamily="34" charset="0"/>
               </a:rPr>
               <a:t>فلوچارت ها / </a:t>
             </a:r>
             <a:r>
-              <a:rPr lang="en-US" sz="2400" dirty="0" smtClean="0">
-                <a:latin typeface="Adobe Arabic" panose="02040503050201020203" pitchFamily="18" charset="-78"/>
-                <a:cs typeface="Adobe Arabic" panose="02040503050201020203" pitchFamily="18" charset="-78"/>
+              <a:rPr lang="en-US" sz="2400" dirty="0">
+                <a:latin typeface="Calibri" panose="020F0502020204030204" pitchFamily="34" charset="0"/>
+                <a:cs typeface="Calibri" panose="020F0502020204030204" pitchFamily="34" charset="0"/>
               </a:rPr>
               <a:t>Flowcharts</a:t>
             </a:r>
@@ -5978,22 +5948,22 @@
               <a:buChar char="ü"/>
             </a:pPr>
             <a:r>
-              <a:rPr lang="fa-IR" sz="2400" dirty="0" smtClean="0">
-                <a:latin typeface="Adobe Arabic" panose="02040503050201020203" pitchFamily="18" charset="-78"/>
-                <a:cs typeface="Adobe Arabic" panose="02040503050201020203" pitchFamily="18" charset="-78"/>
+              <a:rPr lang="fa-IR" sz="2400" dirty="0">
+                <a:latin typeface="Calibri" panose="020F0502020204030204" pitchFamily="34" charset="0"/>
+                <a:cs typeface="Calibri" panose="020F0502020204030204" pitchFamily="34" charset="0"/>
               </a:rPr>
               <a:t>جداول تصمیم گیری / </a:t>
             </a:r>
             <a:r>
-              <a:rPr lang="en-US" sz="2400" dirty="0" smtClean="0">
-                <a:latin typeface="Adobe Arabic" panose="02040503050201020203" pitchFamily="18" charset="-78"/>
-                <a:cs typeface="Adobe Arabic" panose="02040503050201020203" pitchFamily="18" charset="-78"/>
+              <a:rPr lang="en-US" sz="2400" dirty="0">
+                <a:latin typeface="Calibri" panose="020F0502020204030204" pitchFamily="34" charset="0"/>
+                <a:cs typeface="Calibri" panose="020F0502020204030204" pitchFamily="34" charset="0"/>
               </a:rPr>
               <a:t>Decision  Tables</a:t>
             </a:r>
-            <a:endParaRPr lang="fa-IR" sz="2400" dirty="0" smtClean="0">
-              <a:latin typeface="Adobe Arabic" panose="02040503050201020203" pitchFamily="18" charset="-78"/>
-              <a:cs typeface="Adobe Arabic" panose="02040503050201020203" pitchFamily="18" charset="-78"/>
+            <a:endParaRPr lang="fa-IR" sz="2400" dirty="0">
+              <a:latin typeface="Calibri" panose="020F0502020204030204" pitchFamily="34" charset="0"/>
+              <a:cs typeface="Calibri" panose="020F0502020204030204" pitchFamily="34" charset="0"/>
             </a:endParaRPr>
           </a:p>
           <a:p>
@@ -6001,16 +5971,16 @@
               <a:buFont typeface="Wingdings" panose="05000000000000000000" pitchFamily="2" charset="2"/>
               <a:buChar char="ü"/>
             </a:pPr>
-            <a:endParaRPr lang="fa-IR" sz="2400" dirty="0" smtClean="0">
-              <a:latin typeface="Adobe Arabic" panose="02040503050201020203" pitchFamily="18" charset="-78"/>
-              <a:cs typeface="Adobe Arabic" panose="02040503050201020203" pitchFamily="18" charset="-78"/>
+            <a:endParaRPr lang="fa-IR" sz="2400" dirty="0">
+              <a:latin typeface="Calibri" panose="020F0502020204030204" pitchFamily="34" charset="0"/>
+              <a:cs typeface="Calibri" panose="020F0502020204030204" pitchFamily="34" charset="0"/>
             </a:endParaRPr>
           </a:p>
           <a:p>
             <a:pPr lvl="1" algn="r" rtl="1"/>
             <a:endParaRPr lang="en-US" sz="2800" dirty="0">
-              <a:latin typeface="Adobe Arabic" panose="02040503050201020203" pitchFamily="18" charset="-78"/>
-              <a:cs typeface="Adobe Arabic" panose="02040503050201020203" pitchFamily="18" charset="-78"/>
+              <a:latin typeface="Calibri" panose="020F0502020204030204" pitchFamily="34" charset="0"/>
+              <a:cs typeface="Calibri" panose="020F0502020204030204" pitchFamily="34" charset="0"/>
             </a:endParaRPr>
           </a:p>
         </p:txBody>
@@ -6118,7 +6088,7 @@
           <a:p>
             <a:pPr algn="r" rtl="1"/>
             <a:r>
-              <a:rPr lang="fa-IR" sz="4400" dirty="0" smtClean="0">
+              <a:rPr lang="fa-IR" sz="4400" dirty="0">
                 <a:effectLst>
                   <a:outerShdw blurRad="38100" dist="38100" dir="2700000" algn="tl">
                     <a:srgbClr val="000000">
@@ -6197,7 +6167,7 @@
           <a:p>
             <a:pPr algn="r" rtl="1"/>
             <a:r>
-              <a:rPr lang="fa-IR" sz="4400" dirty="0" smtClean="0">
+              <a:rPr lang="fa-IR" sz="3600" dirty="0">
                 <a:effectLst>
                   <a:outerShdw blurRad="38100" dist="38100" dir="2700000" algn="tl">
                     <a:srgbClr val="000000">
@@ -6205,22 +6175,11 @@
                     </a:srgbClr>
                   </a:outerShdw>
                 </a:effectLst>
-                <a:latin typeface="Adobe Arabic" panose="02040503050201020203" pitchFamily="18" charset="-78"/>
-                <a:cs typeface="Adobe Arabic" panose="02040503050201020203" pitchFamily="18" charset="-78"/>
+                <a:latin typeface="Calibri" panose="020F0502020204030204" pitchFamily="34" charset="0"/>
+                <a:cs typeface="Calibri" panose="020F0502020204030204" pitchFamily="34" charset="0"/>
               </a:rPr>
               <a:t>یادگیری مداوم داشته باشید. </a:t>
             </a:r>
-            <a:endParaRPr lang="fa-IR" sz="4400" dirty="0">
-              <a:effectLst>
-                <a:outerShdw blurRad="38100" dist="38100" dir="2700000" algn="tl">
-                  <a:srgbClr val="000000">
-                    <a:alpha val="43137"/>
-                  </a:srgbClr>
-                </a:outerShdw>
-              </a:effectLst>
-              <a:latin typeface="Adobe Arabic" panose="02040503050201020203" pitchFamily="18" charset="-78"/>
-              <a:cs typeface="Adobe Arabic" panose="02040503050201020203" pitchFamily="18" charset="-78"/>
-            </a:endParaRPr>
           </a:p>
         </p:txBody>
       </p:sp>
@@ -6251,7 +6210,7 @@
               <a:buChar char="ü"/>
             </a:pPr>
             <a:r>
-              <a:rPr lang="fa-IR" sz="2800" dirty="0" smtClean="0">
+              <a:rPr lang="fa-IR" sz="2800" dirty="0">
                 <a:effectLst>
                   <a:outerShdw blurRad="38100" dist="38100" dir="2700000" algn="tl">
                     <a:srgbClr val="000000">
@@ -6259,8 +6218,8 @@
                     </a:srgbClr>
                   </a:outerShdw>
                 </a:effectLst>
-                <a:latin typeface="Adobe Arabic" panose="02040503050201020203" pitchFamily="18" charset="-78"/>
-                <a:cs typeface="Adobe Arabic" panose="02040503050201020203" pitchFamily="18" charset="-78"/>
+                <a:latin typeface="Calibri" panose="020F0502020204030204" pitchFamily="34" charset="0"/>
+                <a:cs typeface="Calibri" panose="020F0502020204030204" pitchFamily="34" charset="0"/>
               </a:rPr>
               <a:t>کتاب بخوانید . </a:t>
             </a:r>
@@ -6271,7 +6230,7 @@
               <a:buChar char="ü"/>
             </a:pPr>
             <a:r>
-              <a:rPr lang="fa-IR" sz="2800" dirty="0" smtClean="0">
+              <a:rPr lang="fa-IR" sz="2800" dirty="0">
                 <a:effectLst>
                   <a:outerShdw blurRad="38100" dist="38100" dir="2700000" algn="tl">
                     <a:srgbClr val="000000">
@@ -6279,8 +6238,8 @@
                     </a:srgbClr>
                   </a:outerShdw>
                 </a:effectLst>
-                <a:latin typeface="Adobe Arabic" panose="02040503050201020203" pitchFamily="18" charset="-78"/>
-                <a:cs typeface="Adobe Arabic" panose="02040503050201020203" pitchFamily="18" charset="-78"/>
+                <a:latin typeface="Calibri" panose="020F0502020204030204" pitchFamily="34" charset="0"/>
+                <a:cs typeface="Calibri" panose="020F0502020204030204" pitchFamily="34" charset="0"/>
               </a:rPr>
               <a:t>مقاله بخوانید. </a:t>
             </a:r>
@@ -6291,7 +6250,7 @@
               <a:buChar char="ü"/>
             </a:pPr>
             <a:r>
-              <a:rPr lang="fa-IR" sz="2800" dirty="0" smtClean="0">
+              <a:rPr lang="fa-IR" sz="2800" dirty="0">
                 <a:effectLst>
                   <a:outerShdw blurRad="38100" dist="38100" dir="2700000" algn="tl">
                     <a:srgbClr val="000000">
@@ -6299,8 +6258,8 @@
                     </a:srgbClr>
                   </a:outerShdw>
                 </a:effectLst>
-                <a:latin typeface="Adobe Arabic" panose="02040503050201020203" pitchFamily="18" charset="-78"/>
-                <a:cs typeface="Adobe Arabic" panose="02040503050201020203" pitchFamily="18" charset="-78"/>
+                <a:latin typeface="Calibri" panose="020F0502020204030204" pitchFamily="34" charset="0"/>
+                <a:cs typeface="Calibri" panose="020F0502020204030204" pitchFamily="34" charset="0"/>
               </a:rPr>
               <a:t> فیلم آموزشی نگاه کنید </a:t>
             </a:r>
@@ -6311,7 +6270,7 @@
               <a:buChar char="ü"/>
             </a:pPr>
             <a:r>
-              <a:rPr lang="fa-IR" sz="2800" dirty="0" smtClean="0">
+              <a:rPr lang="fa-IR" sz="2800" dirty="0">
                 <a:effectLst>
                   <a:outerShdw blurRad="38100" dist="38100" dir="2700000" algn="tl">
                     <a:srgbClr val="000000">
@@ -6319,8 +6278,8 @@
                     </a:srgbClr>
                   </a:outerShdw>
                 </a:effectLst>
-                <a:latin typeface="Adobe Arabic" panose="02040503050201020203" pitchFamily="18" charset="-78"/>
-                <a:cs typeface="Adobe Arabic" panose="02040503050201020203" pitchFamily="18" charset="-78"/>
+                <a:latin typeface="Calibri" panose="020F0502020204030204" pitchFamily="34" charset="0"/>
+                <a:cs typeface="Calibri" panose="020F0502020204030204" pitchFamily="34" charset="0"/>
               </a:rPr>
               <a:t>به کنفرانس ها بروید </a:t>
             </a:r>
@@ -6331,7 +6290,7 @@
               <a:buChar char="ü"/>
             </a:pPr>
             <a:r>
-              <a:rPr lang="fa-IR" sz="2800" dirty="0" smtClean="0">
+              <a:rPr lang="fa-IR" sz="2800" dirty="0">
                 <a:effectLst>
                   <a:outerShdw blurRad="38100" dist="38100" dir="2700000" algn="tl">
                     <a:srgbClr val="000000">
@@ -6339,8 +6298,8 @@
                     </a:srgbClr>
                   </a:outerShdw>
                 </a:effectLst>
-                <a:latin typeface="Adobe Arabic" panose="02040503050201020203" pitchFamily="18" charset="-78"/>
-                <a:cs typeface="Adobe Arabic" panose="02040503050201020203" pitchFamily="18" charset="-78"/>
+                <a:latin typeface="Calibri" panose="020F0502020204030204" pitchFamily="34" charset="0"/>
+                <a:cs typeface="Calibri" panose="020F0502020204030204" pitchFamily="34" charset="0"/>
               </a:rPr>
               <a:t>عضو گروه های برنامه نویسی شوید . </a:t>
             </a:r>
@@ -6355,8 +6314,8 @@
                   </a:srgbClr>
                 </a:outerShdw>
               </a:effectLst>
-              <a:latin typeface="Adobe Arabic" panose="02040503050201020203" pitchFamily="18" charset="-78"/>
-              <a:cs typeface="Adobe Arabic" panose="02040503050201020203" pitchFamily="18" charset="-78"/>
+              <a:latin typeface="Calibri" panose="020F0502020204030204" pitchFamily="34" charset="0"/>
+              <a:cs typeface="Calibri" panose="020F0502020204030204" pitchFamily="34" charset="0"/>
             </a:endParaRPr>
           </a:p>
         </p:txBody>
@@ -6464,7 +6423,7 @@
           <a:p>
             <a:pPr algn="r" rtl="1"/>
             <a:r>
-              <a:rPr lang="fa-IR" sz="4400" dirty="0" smtClean="0">
+              <a:rPr lang="fa-IR" sz="4400" dirty="0">
                 <a:effectLst>
                   <a:outerShdw blurRad="38100" dist="38100" dir="2700000" algn="tl">
                     <a:srgbClr val="000000">
@@ -6472,8 +6431,8 @@
                     </a:srgbClr>
                   </a:outerShdw>
                 </a:effectLst>
-                <a:latin typeface="Adobe Arabic" panose="02040503050201020203" pitchFamily="18" charset="-78"/>
-                <a:cs typeface="Adobe Arabic" panose="02040503050201020203" pitchFamily="18" charset="-78"/>
+                <a:latin typeface="Calibri" panose="020F0502020204030204" pitchFamily="34" charset="0"/>
+                <a:cs typeface="Calibri" panose="020F0502020204030204" pitchFamily="34" charset="0"/>
               </a:rPr>
               <a:t>فصل اول : حرفه ای گری </a:t>
             </a:r>
@@ -6485,8 +6444,8 @@
                   </a:srgbClr>
                 </a:outerShdw>
               </a:effectLst>
-              <a:latin typeface="Adobe Arabic" panose="02040503050201020203" pitchFamily="18" charset="-78"/>
-              <a:cs typeface="Adobe Arabic" panose="02040503050201020203" pitchFamily="18" charset="-78"/>
+              <a:latin typeface="Calibri" panose="020F0502020204030204" pitchFamily="34" charset="0"/>
+              <a:cs typeface="Calibri" panose="020F0502020204030204" pitchFamily="34" charset="0"/>
             </a:endParaRPr>
           </a:p>
         </p:txBody>
@@ -6543,14 +6502,14 @@
           <a:p>
             <a:pPr algn="r" rtl="1"/>
             <a:r>
-              <a:rPr lang="fa-IR" sz="4400" dirty="0">
-                <a:latin typeface="Adobe Arabic" panose="02040503050201020203" pitchFamily="18" charset="-78"/>
-                <a:cs typeface="Adobe Arabic" panose="02040503050201020203" pitchFamily="18" charset="-78"/>
+              <a:rPr lang="fa-IR" sz="3600" dirty="0">
+                <a:latin typeface="Calibri" panose="020F0502020204030204" pitchFamily="34" charset="0"/>
+                <a:cs typeface="Calibri" panose="020F0502020204030204" pitchFamily="34" charset="0"/>
               </a:rPr>
               <a:t>تمرین کنید</a:t>
             </a:r>
             <a:r>
-              <a:rPr lang="fa-IR" sz="4400" dirty="0" smtClean="0">
+              <a:rPr lang="fa-IR" sz="3600" dirty="0">
                 <a:effectLst>
                   <a:outerShdw blurRad="38100" dist="38100" dir="2700000" algn="tl">
                     <a:srgbClr val="000000">
@@ -6558,12 +6517,55 @@
                     </a:srgbClr>
                   </a:outerShdw>
                 </a:effectLst>
-                <a:latin typeface="Adobe Arabic" panose="02040503050201020203" pitchFamily="18" charset="-78"/>
-                <a:cs typeface="Adobe Arabic" panose="02040503050201020203" pitchFamily="18" charset="-78"/>
+                <a:latin typeface="Calibri" panose="020F0502020204030204" pitchFamily="34" charset="0"/>
+                <a:cs typeface="Calibri" panose="020F0502020204030204" pitchFamily="34" charset="0"/>
               </a:rPr>
               <a:t>. </a:t>
             </a:r>
-            <a:endParaRPr lang="fa-IR" sz="4400" dirty="0">
+          </a:p>
+        </p:txBody>
+      </p:sp>
+      <p:sp>
+        <p:nvSpPr>
+          <p:cNvPr id="4" name="TextBox 3"/>
+          <p:cNvSpPr txBox="1"/>
+          <p:nvPr/>
+        </p:nvSpPr>
+        <p:spPr>
+          <a:xfrm>
+            <a:off x="919351" y="3213098"/>
+            <a:ext cx="9888349" cy="1384995"/>
+          </a:xfrm>
+          <a:prstGeom prst="rect">
+            <a:avLst/>
+          </a:prstGeom>
+          <a:noFill/>
+        </p:spPr>
+        <p:txBody>
+          <a:bodyPr wrap="square" numCol="1" rtlCol="0">
+            <a:spAutoFit/>
+          </a:bodyPr>
+          <a:lstStyle/>
+          <a:p>
+            <a:pPr marL="457200" indent="-457200" algn="r" rtl="1">
+              <a:buFont typeface="Wingdings" panose="05000000000000000000" pitchFamily="2" charset="2"/>
+              <a:buChar char="ü"/>
+            </a:pPr>
+            <a:r>
+              <a:rPr lang="en-US" sz="2800" dirty="0">
+                <a:effectLst>
+                  <a:outerShdw blurRad="38100" dist="38100" dir="2700000" algn="tl">
+                    <a:srgbClr val="000000">
+                      <a:alpha val="43137"/>
+                    </a:srgbClr>
+                  </a:outerShdw>
+                </a:effectLst>
+                <a:latin typeface="Calibri" panose="020F0502020204030204" pitchFamily="34" charset="0"/>
+                <a:cs typeface="Calibri" panose="020F0502020204030204" pitchFamily="34" charset="0"/>
+              </a:rPr>
+              <a:t>Kata</a:t>
+            </a:r>
+            <a:endParaRPr lang="fa-IR" sz="2800" dirty="0">
               <a:effectLst>
                 <a:outerShdw blurRad="38100" dist="38100" dir="2700000" algn="tl">
                   <a:srgbClr val="000000">
@@ -6571,40 +6573,17 @@
                   </a:srgbClr>
                 </a:outerShdw>
               </a:effectLst>
-              <a:latin typeface="Adobe Arabic" panose="02040503050201020203" pitchFamily="18" charset="-78"/>
-              <a:cs typeface="Adobe Arabic" panose="02040503050201020203" pitchFamily="18" charset="-78"/>
+              <a:latin typeface="Calibri" panose="020F0502020204030204" pitchFamily="34" charset="0"/>
+              <a:cs typeface="Calibri" panose="020F0502020204030204" pitchFamily="34" charset="0"/>
             </a:endParaRPr>
           </a:p>
-        </p:txBody>
-      </p:sp>
-      <p:sp>
-        <p:nvSpPr>
-          <p:cNvPr id="4" name="TextBox 3"/>
-          <p:cNvSpPr txBox="1"/>
-          <p:nvPr/>
-        </p:nvSpPr>
-        <p:spPr>
-          <a:xfrm>
-            <a:off x="919351" y="3213098"/>
-            <a:ext cx="9888349" cy="1384995"/>
-          </a:xfrm>
-          <a:prstGeom prst="rect">
-            <a:avLst/>
-          </a:prstGeom>
-          <a:noFill/>
-        </p:spPr>
-        <p:txBody>
-          <a:bodyPr wrap="square" numCol="1" rtlCol="0">
-            <a:spAutoFit/>
-          </a:bodyPr>
-          <a:lstStyle/>
           <a:p>
             <a:pPr marL="457200" indent="-457200" algn="r" rtl="1">
               <a:buFont typeface="Wingdings" panose="05000000000000000000" pitchFamily="2" charset="2"/>
               <a:buChar char="ü"/>
             </a:pPr>
             <a:r>
-              <a:rPr lang="en-US" sz="2800" dirty="0" smtClean="0">
+              <a:rPr lang="en-US" sz="2800" dirty="0" err="1">
                 <a:effectLst>
                   <a:outerShdw blurRad="38100" dist="38100" dir="2700000" algn="tl">
                     <a:srgbClr val="000000">
@@ -6612,12 +6591,12 @@
                     </a:srgbClr>
                   </a:outerShdw>
                 </a:effectLst>
-                <a:latin typeface="Adobe Arabic" panose="02040503050201020203" pitchFamily="18" charset="-78"/>
-                <a:cs typeface="Adobe Arabic" panose="02040503050201020203" pitchFamily="18" charset="-78"/>
-              </a:rPr>
-              <a:t>Kata</a:t>
-            </a:r>
-            <a:endParaRPr lang="fa-IR" sz="2800" dirty="0" smtClean="0">
+                <a:latin typeface="Calibri" panose="020F0502020204030204" pitchFamily="34" charset="0"/>
+                <a:cs typeface="Calibri" panose="020F0502020204030204" pitchFamily="34" charset="0"/>
+              </a:rPr>
+              <a:t>Wase</a:t>
+            </a:r>
+            <a:endParaRPr lang="fa-IR" sz="2800" dirty="0">
               <a:effectLst>
                 <a:outerShdw blurRad="38100" dist="38100" dir="2700000" algn="tl">
                   <a:srgbClr val="000000">
@@ -6625,8 +6604,8 @@
                   </a:srgbClr>
                 </a:outerShdw>
               </a:effectLst>
-              <a:latin typeface="Adobe Arabic" panose="02040503050201020203" pitchFamily="18" charset="-78"/>
-              <a:cs typeface="Adobe Arabic" panose="02040503050201020203" pitchFamily="18" charset="-78"/>
+              <a:latin typeface="Calibri" panose="020F0502020204030204" pitchFamily="34" charset="0"/>
+              <a:cs typeface="Calibri" panose="020F0502020204030204" pitchFamily="34" charset="0"/>
             </a:endParaRPr>
           </a:p>
           <a:p>
@@ -6635,7 +6614,7 @@
               <a:buChar char="ü"/>
             </a:pPr>
             <a:r>
-              <a:rPr lang="en-US" sz="2800" dirty="0" err="1" smtClean="0">
+              <a:rPr lang="en-US" sz="2800" dirty="0">
                 <a:effectLst>
                   <a:outerShdw blurRad="38100" dist="38100" dir="2700000" algn="tl">
                     <a:srgbClr val="000000">
@@ -6643,12 +6622,12 @@
                     </a:srgbClr>
                   </a:outerShdw>
                 </a:effectLst>
-                <a:latin typeface="Adobe Arabic" panose="02040503050201020203" pitchFamily="18" charset="-78"/>
-                <a:cs typeface="Adobe Arabic" panose="02040503050201020203" pitchFamily="18" charset="-78"/>
-              </a:rPr>
-              <a:t>Wase</a:t>
-            </a:r>
-            <a:endParaRPr lang="fa-IR" sz="2800" dirty="0" smtClean="0">
+                <a:latin typeface="Calibri" panose="020F0502020204030204" pitchFamily="34" charset="0"/>
+                <a:cs typeface="Calibri" panose="020F0502020204030204" pitchFamily="34" charset="0"/>
+              </a:rPr>
+              <a:t>Code Dojo</a:t>
+            </a:r>
+            <a:endParaRPr lang="fa-IR" sz="2800" dirty="0">
               <a:effectLst>
                 <a:outerShdw blurRad="38100" dist="38100" dir="2700000" algn="tl">
                   <a:srgbClr val="000000">
@@ -6656,39 +6635,8 @@
                   </a:srgbClr>
                 </a:outerShdw>
               </a:effectLst>
-              <a:latin typeface="Adobe Arabic" panose="02040503050201020203" pitchFamily="18" charset="-78"/>
-              <a:cs typeface="Adobe Arabic" panose="02040503050201020203" pitchFamily="18" charset="-78"/>
-            </a:endParaRPr>
-          </a:p>
-          <a:p>
-            <a:pPr marL="457200" indent="-457200" algn="r" rtl="1">
-              <a:buFont typeface="Wingdings" panose="05000000000000000000" pitchFamily="2" charset="2"/>
-              <a:buChar char="ü"/>
-            </a:pPr>
-            <a:r>
-              <a:rPr lang="en-US" sz="2800" dirty="0" smtClean="0">
-                <a:effectLst>
-                  <a:outerShdw blurRad="38100" dist="38100" dir="2700000" algn="tl">
-                    <a:srgbClr val="000000">
-                      <a:alpha val="43137"/>
-                    </a:srgbClr>
-                  </a:outerShdw>
-                </a:effectLst>
-                <a:latin typeface="Adobe Arabic" panose="02040503050201020203" pitchFamily="18" charset="-78"/>
-                <a:cs typeface="Adobe Arabic" panose="02040503050201020203" pitchFamily="18" charset="-78"/>
-              </a:rPr>
-              <a:t>Code Dojo</a:t>
-            </a:r>
-            <a:endParaRPr lang="fa-IR" sz="2800" dirty="0" smtClean="0">
-              <a:effectLst>
-                <a:outerShdw blurRad="38100" dist="38100" dir="2700000" algn="tl">
-                  <a:srgbClr val="000000">
-                    <a:alpha val="43137"/>
-                  </a:srgbClr>
-                </a:outerShdw>
-              </a:effectLst>
-              <a:latin typeface="Adobe Arabic" panose="02040503050201020203" pitchFamily="18" charset="-78"/>
-              <a:cs typeface="Adobe Arabic" panose="02040503050201020203" pitchFamily="18" charset="-78"/>
+              <a:latin typeface="Calibri" panose="020F0502020204030204" pitchFamily="34" charset="0"/>
+              <a:cs typeface="Calibri" panose="020F0502020204030204" pitchFamily="34" charset="0"/>
             </a:endParaRPr>
           </a:p>
         </p:txBody>
@@ -6796,7 +6744,7 @@
           <a:p>
             <a:pPr algn="r" rtl="1"/>
             <a:r>
-              <a:rPr lang="fa-IR" sz="4400" dirty="0" smtClean="0">
+              <a:rPr lang="fa-IR" sz="4400" dirty="0">
                 <a:effectLst>
                   <a:outerShdw blurRad="38100" dist="38100" dir="2700000" algn="tl">
                     <a:srgbClr val="000000">
@@ -6804,8 +6752,8 @@
                     </a:srgbClr>
                   </a:outerShdw>
                 </a:effectLst>
-                <a:latin typeface="Adobe Arabic" panose="02040503050201020203" pitchFamily="18" charset="-78"/>
-                <a:cs typeface="Adobe Arabic" panose="02040503050201020203" pitchFamily="18" charset="-78"/>
+                <a:latin typeface="Calibri" panose="020F0502020204030204" pitchFamily="34" charset="0"/>
+                <a:cs typeface="Calibri" panose="020F0502020204030204" pitchFamily="34" charset="0"/>
               </a:rPr>
               <a:t>فصل اول : حرفه ای گری </a:t>
             </a:r>
@@ -6817,8 +6765,8 @@
                   </a:srgbClr>
                 </a:outerShdw>
               </a:effectLst>
-              <a:latin typeface="Adobe Arabic" panose="02040503050201020203" pitchFamily="18" charset="-78"/>
-              <a:cs typeface="Adobe Arabic" panose="02040503050201020203" pitchFamily="18" charset="-78"/>
+              <a:latin typeface="Calibri" panose="020F0502020204030204" pitchFamily="34" charset="0"/>
+              <a:cs typeface="Calibri" panose="020F0502020204030204" pitchFamily="34" charset="0"/>
             </a:endParaRPr>
           </a:p>
         </p:txBody>
@@ -6875,21 +6823,14 @@
           <a:p>
             <a:pPr algn="r" rtl="1"/>
             <a:r>
-              <a:rPr lang="fa-IR" sz="4400" dirty="0">
-                <a:latin typeface="Adobe Arabic" panose="02040503050201020203" pitchFamily="18" charset="-78"/>
-                <a:cs typeface="Adobe Arabic" panose="02040503050201020203" pitchFamily="18" charset="-78"/>
-              </a:rPr>
-              <a:t>همکاری کنید</a:t>
-            </a:r>
-            <a:r>
-              <a:rPr lang="fa-IR" sz="4400" dirty="0" smtClean="0">
-                <a:latin typeface="Adobe Arabic" panose="02040503050201020203" pitchFamily="18" charset="-78"/>
-                <a:cs typeface="Adobe Arabic" panose="02040503050201020203" pitchFamily="18" charset="-78"/>
-              </a:rPr>
-              <a:t>.</a:t>
-            </a:r>
-            <a:r>
-              <a:rPr lang="fa-IR" sz="4400" dirty="0" smtClean="0">
+              <a:rPr lang="fa-IR" sz="3600" dirty="0">
+                <a:latin typeface="Calibri" panose="020F0502020204030204" pitchFamily="34" charset="0"/>
+                <a:cs typeface="Calibri" panose="020F0502020204030204" pitchFamily="34" charset="0"/>
+              </a:rPr>
+              <a:t>همکاری کنید.</a:t>
+            </a:r>
+            <a:r>
+              <a:rPr lang="fa-IR" sz="3600" dirty="0">
                 <a:effectLst>
                   <a:outerShdw blurRad="38100" dist="38100" dir="2700000" algn="tl">
                     <a:srgbClr val="000000">
@@ -6897,22 +6838,11 @@
                     </a:srgbClr>
                   </a:outerShdw>
                 </a:effectLst>
-                <a:latin typeface="Adobe Arabic" panose="02040503050201020203" pitchFamily="18" charset="-78"/>
-                <a:cs typeface="Adobe Arabic" panose="02040503050201020203" pitchFamily="18" charset="-78"/>
+                <a:latin typeface="Calibri" panose="020F0502020204030204" pitchFamily="34" charset="0"/>
+                <a:cs typeface="Calibri" panose="020F0502020204030204" pitchFamily="34" charset="0"/>
               </a:rPr>
               <a:t> </a:t>
             </a:r>
-            <a:endParaRPr lang="fa-IR" sz="4400" dirty="0">
-              <a:effectLst>
-                <a:outerShdw blurRad="38100" dist="38100" dir="2700000" algn="tl">
-                  <a:srgbClr val="000000">
-                    <a:alpha val="43137"/>
-                  </a:srgbClr>
-                </a:outerShdw>
-              </a:effectLst>
-              <a:latin typeface="Adobe Arabic" panose="02040503050201020203" pitchFamily="18" charset="-78"/>
-              <a:cs typeface="Adobe Arabic" panose="02040503050201020203" pitchFamily="18" charset="-78"/>
-            </a:endParaRPr>
           </a:p>
         </p:txBody>
       </p:sp>
@@ -6940,7 +6870,7 @@
           <a:p>
             <a:pPr algn="r" rtl="1"/>
             <a:r>
-              <a:rPr lang="fa-IR" sz="2800" dirty="0" smtClean="0">
+              <a:rPr lang="fa-IR" sz="2800" dirty="0">
                 <a:effectLst>
                   <a:outerShdw blurRad="38100" dist="38100" dir="2700000" algn="tl">
                     <a:srgbClr val="000000">
@@ -6948,22 +6878,11 @@
                     </a:srgbClr>
                   </a:outerShdw>
                 </a:effectLst>
-                <a:latin typeface="Adobe Arabic" panose="02040503050201020203" pitchFamily="18" charset="-78"/>
-                <a:cs typeface="Adobe Arabic" panose="02040503050201020203" pitchFamily="18" charset="-78"/>
+                <a:latin typeface="Calibri" panose="020F0502020204030204" pitchFamily="34" charset="0"/>
+                <a:cs typeface="Calibri" panose="020F0502020204030204" pitchFamily="34" charset="0"/>
               </a:rPr>
               <a:t>یکی بهترین روش دیگر برای یادگیری و تمرین کردن ، همکاری با سایرین است . زمانی که با سایر برنامه نویسان همکاری می کنید ، از یکدیگر می آموزید . </a:t>
             </a:r>
-            <a:endParaRPr lang="fa-IR" sz="2800" dirty="0" smtClean="0">
-              <a:effectLst>
-                <a:outerShdw blurRad="38100" dist="38100" dir="2700000" algn="tl">
-                  <a:srgbClr val="000000">
-                    <a:alpha val="43137"/>
-                  </a:srgbClr>
-                </a:outerShdw>
-              </a:effectLst>
-              <a:latin typeface="Adobe Arabic" panose="02040503050201020203" pitchFamily="18" charset="-78"/>
-              <a:cs typeface="Adobe Arabic" panose="02040503050201020203" pitchFamily="18" charset="-78"/>
-            </a:endParaRPr>
           </a:p>
         </p:txBody>
       </p:sp>
@@ -7070,7 +6989,7 @@
           <a:p>
             <a:pPr algn="r" rtl="1"/>
             <a:r>
-              <a:rPr lang="fa-IR" sz="4400" dirty="0" smtClean="0">
+              <a:rPr lang="fa-IR" sz="4400" dirty="0">
                 <a:effectLst>
                   <a:outerShdw blurRad="38100" dist="38100" dir="2700000" algn="tl">
                     <a:srgbClr val="000000">
@@ -7078,8 +6997,8 @@
                     </a:srgbClr>
                   </a:outerShdw>
                 </a:effectLst>
-                <a:latin typeface="Adobe Arabic" panose="02040503050201020203" pitchFamily="18" charset="-78"/>
-                <a:cs typeface="Adobe Arabic" panose="02040503050201020203" pitchFamily="18" charset="-78"/>
+                <a:latin typeface="Calibri" panose="020F0502020204030204" pitchFamily="34" charset="0"/>
+                <a:cs typeface="Calibri" panose="020F0502020204030204" pitchFamily="34" charset="0"/>
               </a:rPr>
               <a:t>فصل اول : حرفه ای گری </a:t>
             </a:r>
@@ -7091,8 +7010,8 @@
                   </a:srgbClr>
                 </a:outerShdw>
               </a:effectLst>
-              <a:latin typeface="Adobe Arabic" panose="02040503050201020203" pitchFamily="18" charset="-78"/>
-              <a:cs typeface="Adobe Arabic" panose="02040503050201020203" pitchFamily="18" charset="-78"/>
+              <a:latin typeface="Calibri" panose="020F0502020204030204" pitchFamily="34" charset="0"/>
+              <a:cs typeface="Calibri" panose="020F0502020204030204" pitchFamily="34" charset="0"/>
             </a:endParaRPr>
           </a:p>
         </p:txBody>
@@ -7200,14 +7119,14 @@
           <a:p>
             <a:pPr algn="r" rtl="1"/>
             <a:r>
-              <a:rPr lang="fa-IR" sz="4400" dirty="0" smtClean="0">
-                <a:latin typeface="Adobe Arabic" panose="02040503050201020203" pitchFamily="18" charset="-78"/>
-                <a:cs typeface="Adobe Arabic" panose="02040503050201020203" pitchFamily="18" charset="-78"/>
+              <a:rPr lang="fa-IR" sz="3600" dirty="0">
+                <a:latin typeface="Calibri" panose="020F0502020204030204" pitchFamily="34" charset="0"/>
+                <a:cs typeface="Calibri" panose="020F0502020204030204" pitchFamily="34" charset="0"/>
               </a:rPr>
               <a:t>آموزش دهید.</a:t>
             </a:r>
             <a:r>
-              <a:rPr lang="fa-IR" sz="4400" dirty="0" smtClean="0">
+              <a:rPr lang="fa-IR" sz="3600" dirty="0">
                 <a:effectLst>
                   <a:outerShdw blurRad="38100" dist="38100" dir="2700000" algn="tl">
                     <a:srgbClr val="000000">
@@ -7215,22 +7134,11 @@
                     </a:srgbClr>
                   </a:outerShdw>
                 </a:effectLst>
-                <a:latin typeface="Adobe Arabic" panose="02040503050201020203" pitchFamily="18" charset="-78"/>
-                <a:cs typeface="Adobe Arabic" panose="02040503050201020203" pitchFamily="18" charset="-78"/>
+                <a:latin typeface="Calibri" panose="020F0502020204030204" pitchFamily="34" charset="0"/>
+                <a:cs typeface="Calibri" panose="020F0502020204030204" pitchFamily="34" charset="0"/>
               </a:rPr>
               <a:t> </a:t>
             </a:r>
-            <a:endParaRPr lang="fa-IR" sz="4400" dirty="0">
-              <a:effectLst>
-                <a:outerShdw blurRad="38100" dist="38100" dir="2700000" algn="tl">
-                  <a:srgbClr val="000000">
-                    <a:alpha val="43137"/>
-                  </a:srgbClr>
-                </a:outerShdw>
-              </a:effectLst>
-              <a:latin typeface="Adobe Arabic" panose="02040503050201020203" pitchFamily="18" charset="-78"/>
-              <a:cs typeface="Adobe Arabic" panose="02040503050201020203" pitchFamily="18" charset="-78"/>
-            </a:endParaRPr>
           </a:p>
         </p:txBody>
       </p:sp>
@@ -7258,7 +7166,7 @@
           <a:p>
             <a:pPr algn="r" rtl="1"/>
             <a:r>
-              <a:rPr lang="fa-IR" sz="2800" dirty="0" smtClean="0">
+              <a:rPr lang="fa-IR" sz="2800" dirty="0">
                 <a:effectLst>
                   <a:outerShdw blurRad="38100" dist="38100" dir="2700000" algn="tl">
                     <a:srgbClr val="000000">
@@ -7266,22 +7174,11 @@
                     </a:srgbClr>
                   </a:outerShdw>
                 </a:effectLst>
-                <a:latin typeface="Adobe Arabic" panose="02040503050201020203" pitchFamily="18" charset="-78"/>
-                <a:cs typeface="Adobe Arabic" panose="02040503050201020203" pitchFamily="18" charset="-78"/>
+                <a:latin typeface="Calibri" panose="020F0502020204030204" pitchFamily="34" charset="0"/>
+                <a:cs typeface="Calibri" panose="020F0502020204030204" pitchFamily="34" charset="0"/>
               </a:rPr>
               <a:t>یکی از بهترین روش های یادگیری ، آموزش دادن به سایرین است . حرفه ای ها ، آموزش دادن به تازه کارها را وظیفه ی شخصی خود می دانند . </a:t>
             </a:r>
-            <a:endParaRPr lang="fa-IR" sz="2800" dirty="0" smtClean="0">
-              <a:effectLst>
-                <a:outerShdw blurRad="38100" dist="38100" dir="2700000" algn="tl">
-                  <a:srgbClr val="000000">
-                    <a:alpha val="43137"/>
-                  </a:srgbClr>
-                </a:outerShdw>
-              </a:effectLst>
-              <a:latin typeface="Adobe Arabic" panose="02040503050201020203" pitchFamily="18" charset="-78"/>
-              <a:cs typeface="Adobe Arabic" panose="02040503050201020203" pitchFamily="18" charset="-78"/>
-            </a:endParaRPr>
           </a:p>
         </p:txBody>
       </p:sp>
@@ -7327,8 +7224,8 @@
         </p:nvSpPr>
         <p:spPr>
           <a:xfrm>
-            <a:off x="3492500" y="2034688"/>
-            <a:ext cx="7818249" cy="970450"/>
+            <a:off x="3565237" y="1976438"/>
+            <a:ext cx="7818249" cy="685800"/>
           </a:xfrm>
         </p:spPr>
         <p:txBody>
@@ -7337,14 +7234,14 @@
           <a:p>
             <a:pPr algn="r" rtl="1"/>
             <a:r>
-              <a:rPr lang="fa-IR" sz="4400" dirty="0" smtClean="0">
-                <a:latin typeface="Adobe Arabic" panose="02040503050201020203" pitchFamily="18" charset="-78"/>
-                <a:cs typeface="Adobe Arabic" panose="02040503050201020203" pitchFamily="18" charset="-78"/>
+              <a:rPr lang="fa-IR" sz="3600" dirty="0">
+                <a:latin typeface="Calibri" panose="020F0502020204030204" pitchFamily="34" charset="0"/>
+                <a:cs typeface="Calibri" panose="020F0502020204030204" pitchFamily="34" charset="0"/>
               </a:rPr>
               <a:t>دامین خود را بشناسید.</a:t>
             </a:r>
             <a:r>
-              <a:rPr lang="fa-IR" sz="4400" dirty="0" smtClean="0">
+              <a:rPr lang="fa-IR" sz="3600" dirty="0">
                 <a:effectLst>
                   <a:outerShdw blurRad="38100" dist="38100" dir="2700000" algn="tl">
                     <a:srgbClr val="000000">
@@ -7352,22 +7249,11 @@
                     </a:srgbClr>
                   </a:outerShdw>
                 </a:effectLst>
-                <a:latin typeface="Adobe Arabic" panose="02040503050201020203" pitchFamily="18" charset="-78"/>
-                <a:cs typeface="Adobe Arabic" panose="02040503050201020203" pitchFamily="18" charset="-78"/>
+                <a:latin typeface="Calibri" panose="020F0502020204030204" pitchFamily="34" charset="0"/>
+                <a:cs typeface="Calibri" panose="020F0502020204030204" pitchFamily="34" charset="0"/>
               </a:rPr>
               <a:t> </a:t>
             </a:r>
-            <a:endParaRPr lang="fa-IR" sz="4400" dirty="0">
-              <a:effectLst>
-                <a:outerShdw blurRad="38100" dist="38100" dir="2700000" algn="tl">
-                  <a:srgbClr val="000000">
-                    <a:alpha val="43137"/>
-                  </a:srgbClr>
-                </a:outerShdw>
-              </a:effectLst>
-              <a:latin typeface="Adobe Arabic" panose="02040503050201020203" pitchFamily="18" charset="-78"/>
-              <a:cs typeface="Adobe Arabic" panose="02040503050201020203" pitchFamily="18" charset="-78"/>
-            </a:endParaRPr>
           </a:p>
         </p:txBody>
       </p:sp>
@@ -7379,8 +7265,8 @@
         </p:nvSpPr>
         <p:spPr>
           <a:xfrm>
-            <a:off x="919351" y="3109118"/>
-            <a:ext cx="9888349" cy="954107"/>
+            <a:off x="675409" y="2662238"/>
+            <a:ext cx="10132291" cy="1384995"/>
           </a:xfrm>
           <a:prstGeom prst="rect">
             <a:avLst/>
@@ -7395,7 +7281,7 @@
           <a:p>
             <a:pPr algn="r" rtl="1"/>
             <a:r>
-              <a:rPr lang="fa-IR" sz="2800" dirty="0" smtClean="0">
+              <a:rPr lang="fa-IR" sz="2800" dirty="0">
                 <a:effectLst>
                   <a:outerShdw blurRad="38100" dist="38100" dir="2700000" algn="tl">
                     <a:srgbClr val="000000">
@@ -7403,22 +7289,11 @@
                     </a:srgbClr>
                   </a:outerShdw>
                 </a:effectLst>
-                <a:latin typeface="Adobe Arabic" panose="02040503050201020203" pitchFamily="18" charset="-78"/>
-                <a:cs typeface="Adobe Arabic" panose="02040503050201020203" pitchFamily="18" charset="-78"/>
+                <a:latin typeface="Calibri" panose="020F0502020204030204" pitchFamily="34" charset="0"/>
+                <a:cs typeface="Calibri" panose="020F0502020204030204" pitchFamily="34" charset="0"/>
               </a:rPr>
               <a:t>دانستن دامین ( تجارت ) مسئله ای که برای آن برنامه نویسی می کنند ، وظیفه ای هر برنامه نویسی است . برای مثال اگر برنامه حسابداری می نویسید ، باید در زمینه ی حسابداری اطلاعات کافی داشته باشید. </a:t>
             </a:r>
-            <a:endParaRPr lang="fa-IR" sz="2800" dirty="0" smtClean="0">
-              <a:effectLst>
-                <a:outerShdw blurRad="38100" dist="38100" dir="2700000" algn="tl">
-                  <a:srgbClr val="000000">
-                    <a:alpha val="43137"/>
-                  </a:srgbClr>
-                </a:outerShdw>
-              </a:effectLst>
-              <a:latin typeface="Adobe Arabic" panose="02040503050201020203" pitchFamily="18" charset="-78"/>
-              <a:cs typeface="Adobe Arabic" panose="02040503050201020203" pitchFamily="18" charset="-78"/>
-            </a:endParaRPr>
           </a:p>
         </p:txBody>
       </p:sp>
@@ -7525,7 +7400,7 @@
           <a:p>
             <a:pPr algn="r" rtl="1"/>
             <a:r>
-              <a:rPr lang="fa-IR" sz="4400" dirty="0" smtClean="0">
+              <a:rPr lang="fa-IR" sz="4400" dirty="0">
                 <a:effectLst>
                   <a:outerShdw blurRad="38100" dist="38100" dir="2700000" algn="tl">
                     <a:srgbClr val="000000">
@@ -7533,8 +7408,8 @@
                     </a:srgbClr>
                   </a:outerShdw>
                 </a:effectLst>
-                <a:latin typeface="Adobe Arabic" panose="02040503050201020203" pitchFamily="18" charset="-78"/>
-                <a:cs typeface="Adobe Arabic" panose="02040503050201020203" pitchFamily="18" charset="-78"/>
+                <a:latin typeface="Calibri" panose="020F0502020204030204" pitchFamily="34" charset="0"/>
+                <a:cs typeface="Calibri" panose="020F0502020204030204" pitchFamily="34" charset="0"/>
               </a:rPr>
               <a:t>فصل اول : حرفه ای گری </a:t>
             </a:r>
@@ -7546,8 +7421,8 @@
                   </a:srgbClr>
                 </a:outerShdw>
               </a:effectLst>
-              <a:latin typeface="Adobe Arabic" panose="02040503050201020203" pitchFamily="18" charset="-78"/>
-              <a:cs typeface="Adobe Arabic" panose="02040503050201020203" pitchFamily="18" charset="-78"/>
+              <a:latin typeface="Calibri" panose="020F0502020204030204" pitchFamily="34" charset="0"/>
+              <a:cs typeface="Calibri" panose="020F0502020204030204" pitchFamily="34" charset="0"/>
             </a:endParaRPr>
           </a:p>
         </p:txBody>
@@ -7562,8 +7437,8 @@
         </p:nvSpPr>
         <p:spPr>
           <a:xfrm>
-            <a:off x="3492500" y="4167205"/>
-            <a:ext cx="7818249" cy="970450"/>
+            <a:off x="1683328" y="4167205"/>
+            <a:ext cx="9627422" cy="970450"/>
           </a:xfrm>
           <a:prstGeom prst="rect">
             <a:avLst/>
@@ -7655,14 +7530,14 @@
           <a:p>
             <a:pPr algn="r" rtl="1"/>
             <a:r>
-              <a:rPr lang="fa-IR" sz="4400" dirty="0" smtClean="0">
-                <a:latin typeface="Adobe Arabic" panose="02040503050201020203" pitchFamily="18" charset="-78"/>
-                <a:cs typeface="Adobe Arabic" panose="02040503050201020203" pitchFamily="18" charset="-78"/>
+              <a:rPr lang="fa-IR" sz="3600" dirty="0">
+                <a:latin typeface="Calibri" panose="020F0502020204030204" pitchFamily="34" charset="0"/>
+                <a:cs typeface="Calibri" panose="020F0502020204030204" pitchFamily="34" charset="0"/>
               </a:rPr>
               <a:t>مشکل استخدام کننده ی شما ، مشکل شماست.</a:t>
             </a:r>
             <a:r>
-              <a:rPr lang="fa-IR" sz="4400" dirty="0" smtClean="0">
+              <a:rPr lang="fa-IR" sz="3600" dirty="0">
                 <a:effectLst>
                   <a:outerShdw blurRad="38100" dist="38100" dir="2700000" algn="tl">
                     <a:srgbClr val="000000">
@@ -7670,22 +7545,11 @@
                     </a:srgbClr>
                   </a:outerShdw>
                 </a:effectLst>
-                <a:latin typeface="Adobe Arabic" panose="02040503050201020203" pitchFamily="18" charset="-78"/>
-                <a:cs typeface="Adobe Arabic" panose="02040503050201020203" pitchFamily="18" charset="-78"/>
+                <a:latin typeface="Calibri" panose="020F0502020204030204" pitchFamily="34" charset="0"/>
+                <a:cs typeface="Calibri" panose="020F0502020204030204" pitchFamily="34" charset="0"/>
               </a:rPr>
               <a:t> </a:t>
             </a:r>
-            <a:endParaRPr lang="fa-IR" sz="4400" dirty="0">
-              <a:effectLst>
-                <a:outerShdw blurRad="38100" dist="38100" dir="2700000" algn="tl">
-                  <a:srgbClr val="000000">
-                    <a:alpha val="43137"/>
-                  </a:srgbClr>
-                </a:outerShdw>
-              </a:effectLst>
-              <a:latin typeface="Adobe Arabic" panose="02040503050201020203" pitchFamily="18" charset="-78"/>
-              <a:cs typeface="Adobe Arabic" panose="02040503050201020203" pitchFamily="18" charset="-78"/>
-            </a:endParaRPr>
           </a:p>
         </p:txBody>
       </p:sp>
@@ -7697,8 +7561,8 @@
         </p:nvSpPr>
         <p:spPr>
           <a:xfrm>
-            <a:off x="919351" y="5241635"/>
-            <a:ext cx="9888349" cy="954107"/>
+            <a:off x="444501" y="5241635"/>
+            <a:ext cx="10363200" cy="1384995"/>
           </a:xfrm>
           <a:prstGeom prst="rect">
             <a:avLst/>
@@ -7714,8 +7578,8 @@
             <a:pPr algn="r" rtl="1"/>
             <a:r>
               <a:rPr lang="fa-IR" sz="2800" dirty="0">
-                <a:latin typeface="Adobe Arabic" panose="02040503050201020203" pitchFamily="18" charset="-78"/>
-                <a:cs typeface="Adobe Arabic" panose="02040503050201020203" pitchFamily="18" charset="-78"/>
+                <a:latin typeface="Calibri" panose="020F0502020204030204" pitchFamily="34" charset="0"/>
+                <a:cs typeface="Calibri" panose="020F0502020204030204" pitchFamily="34" charset="0"/>
               </a:rPr>
               <a:t>مشکل استخدام کننده ی شما ، مشکل شماست.</a:t>
             </a:r>
@@ -7728,36 +7592,11 @@
                     </a:srgbClr>
                   </a:outerShdw>
                 </a:effectLst>
-                <a:latin typeface="Adobe Arabic" panose="02040503050201020203" pitchFamily="18" charset="-78"/>
-                <a:cs typeface="Adobe Arabic" panose="02040503050201020203" pitchFamily="18" charset="-78"/>
-              </a:rPr>
-              <a:t> </a:t>
-            </a:r>
-            <a:r>
-              <a:rPr lang="fa-IR" sz="2800" dirty="0" smtClean="0">
-                <a:effectLst>
-                  <a:outerShdw blurRad="38100" dist="38100" dir="2700000" algn="tl">
-                    <a:srgbClr val="000000">
-                      <a:alpha val="43137"/>
-                    </a:srgbClr>
-                  </a:outerShdw>
-                </a:effectLst>
-                <a:latin typeface="Adobe Arabic" panose="02040503050201020203" pitchFamily="18" charset="-78"/>
-                <a:cs typeface="Adobe Arabic" panose="02040503050201020203" pitchFamily="18" charset="-78"/>
-              </a:rPr>
-              <a:t>شما باید در مورد این مشکلات اطلاعات داشته باشید و به دنبال بهترین راه حل بگردید .  نباید در دام « ما – در برابر – آنها » بیافتید . </a:t>
-            </a:r>
-            <a:endParaRPr lang="fa-IR" sz="2800" dirty="0">
-              <a:effectLst>
-                <a:outerShdw blurRad="38100" dist="38100" dir="2700000" algn="tl">
-                  <a:srgbClr val="000000">
-                    <a:alpha val="43137"/>
-                  </a:srgbClr>
-                </a:outerShdw>
-              </a:effectLst>
-              <a:latin typeface="Adobe Arabic" panose="02040503050201020203" pitchFamily="18" charset="-78"/>
-              <a:cs typeface="Adobe Arabic" panose="02040503050201020203" pitchFamily="18" charset="-78"/>
-            </a:endParaRPr>
+                <a:latin typeface="Calibri" panose="020F0502020204030204" pitchFamily="34" charset="0"/>
+                <a:cs typeface="Calibri" panose="020F0502020204030204" pitchFamily="34" charset="0"/>
+              </a:rPr>
+              <a:t> شما باید در مورد این مشکلات اطلاعات داشته باشید و به دنبال بهترین راه حل بگردید .  نباید در دام « ما – در برابر – آنها » بیافتید . </a:t>
+            </a:r>
           </a:p>
         </p:txBody>
       </p:sp>
@@ -7803,7 +7642,7 @@
         </p:nvSpPr>
         <p:spPr>
           <a:xfrm>
-            <a:off x="3492501" y="1837035"/>
+            <a:off x="3492501" y="1559867"/>
             <a:ext cx="7818249" cy="970450"/>
           </a:xfrm>
         </p:spPr>
@@ -7813,21 +7652,14 @@
           <a:p>
             <a:pPr algn="r" rtl="1"/>
             <a:r>
-              <a:rPr lang="fa-IR" sz="4400" dirty="0">
-                <a:latin typeface="Adobe Arabic" panose="02040503050201020203" pitchFamily="18" charset="-78"/>
-                <a:cs typeface="Adobe Arabic" panose="02040503050201020203" pitchFamily="18" charset="-78"/>
-              </a:rPr>
-              <a:t>فروتن باشید</a:t>
-            </a:r>
-            <a:r>
-              <a:rPr lang="fa-IR" sz="4400" dirty="0" smtClean="0">
-                <a:latin typeface="Adobe Arabic" panose="02040503050201020203" pitchFamily="18" charset="-78"/>
-                <a:cs typeface="Adobe Arabic" panose="02040503050201020203" pitchFamily="18" charset="-78"/>
-              </a:rPr>
-              <a:t>.</a:t>
-            </a:r>
-            <a:r>
-              <a:rPr lang="fa-IR" sz="4400" dirty="0" smtClean="0">
+              <a:rPr lang="fa-IR" sz="3600" dirty="0">
+                <a:latin typeface="Calibri" panose="020F0502020204030204" pitchFamily="34" charset="0"/>
+                <a:cs typeface="Calibri" panose="020F0502020204030204" pitchFamily="34" charset="0"/>
+              </a:rPr>
+              <a:t>فروتن باشید.</a:t>
+            </a:r>
+            <a:r>
+              <a:rPr lang="fa-IR" sz="3600" dirty="0">
                 <a:effectLst>
                   <a:outerShdw blurRad="38100" dist="38100" dir="2700000" algn="tl">
                     <a:srgbClr val="000000">
@@ -7835,12 +7667,119 @@
                     </a:srgbClr>
                   </a:outerShdw>
                 </a:effectLst>
-                <a:latin typeface="Adobe Arabic" panose="02040503050201020203" pitchFamily="18" charset="-78"/>
-                <a:cs typeface="Adobe Arabic" panose="02040503050201020203" pitchFamily="18" charset="-78"/>
+                <a:latin typeface="Calibri" panose="020F0502020204030204" pitchFamily="34" charset="0"/>
+                <a:cs typeface="Calibri" panose="020F0502020204030204" pitchFamily="34" charset="0"/>
               </a:rPr>
               <a:t> </a:t>
             </a:r>
-            <a:endParaRPr lang="fa-IR" sz="4400" dirty="0">
+          </a:p>
+        </p:txBody>
+      </p:sp>
+      <p:sp>
+        <p:nvSpPr>
+          <p:cNvPr id="4" name="TextBox 3"/>
+          <p:cNvSpPr txBox="1"/>
+          <p:nvPr/>
+        </p:nvSpPr>
+        <p:spPr>
+          <a:xfrm>
+            <a:off x="1009650" y="2524131"/>
+            <a:ext cx="9888349" cy="1815882"/>
+          </a:xfrm>
+          <a:prstGeom prst="rect">
+            <a:avLst/>
+          </a:prstGeom>
+          <a:noFill/>
+        </p:spPr>
+        <p:txBody>
+          <a:bodyPr wrap="square" numCol="1" rtlCol="0">
+            <a:spAutoFit/>
+          </a:bodyPr>
+          <a:lstStyle/>
+          <a:p>
+            <a:pPr marL="457200" indent="-457200" algn="r" rtl="1">
+              <a:buFont typeface="Wingdings" panose="05000000000000000000" pitchFamily="2" charset="2"/>
+              <a:buChar char="ü"/>
+            </a:pPr>
+            <a:r>
+              <a:rPr lang="fa-IR" sz="2800" dirty="0">
+                <a:effectLst>
+                  <a:outerShdw blurRad="38100" dist="38100" dir="2700000" algn="tl">
+                    <a:srgbClr val="000000">
+                      <a:alpha val="43137"/>
+                    </a:srgbClr>
+                  </a:outerShdw>
+                </a:effectLst>
+                <a:latin typeface="Calibri" panose="020F0502020204030204" pitchFamily="34" charset="0"/>
+                <a:cs typeface="Calibri" panose="020F0502020204030204" pitchFamily="34" charset="0"/>
+              </a:rPr>
+              <a:t>برنامه نویسی  عمل « خلق » کردن است . </a:t>
+            </a:r>
+          </a:p>
+          <a:p>
+            <a:pPr marL="457200" indent="-457200" algn="r" rtl="1">
+              <a:buFont typeface="Wingdings" panose="05000000000000000000" pitchFamily="2" charset="2"/>
+              <a:buChar char="ü"/>
+            </a:pPr>
+            <a:r>
+              <a:rPr lang="fa-IR" sz="2800" dirty="0">
+                <a:effectLst>
+                  <a:outerShdw blurRad="38100" dist="38100" dir="2700000" algn="tl">
+                    <a:srgbClr val="000000">
+                      <a:alpha val="43137"/>
+                    </a:srgbClr>
+                  </a:outerShdw>
+                </a:effectLst>
+                <a:latin typeface="Calibri" panose="020F0502020204030204" pitchFamily="34" charset="0"/>
+                <a:cs typeface="Calibri" panose="020F0502020204030204" pitchFamily="34" charset="0"/>
+              </a:rPr>
+              <a:t>برنامه نویسی  عمل « دستور دادن » است .</a:t>
+            </a:r>
+          </a:p>
+          <a:p>
+            <a:pPr marL="457200" indent="-457200" algn="r" rtl="1">
+              <a:buFont typeface="Wingdings" panose="05000000000000000000" pitchFamily="2" charset="2"/>
+              <a:buChar char="ü"/>
+            </a:pPr>
+            <a:r>
+              <a:rPr lang="fa-IR" sz="2800" dirty="0">
+                <a:effectLst>
+                  <a:outerShdw blurRad="38100" dist="38100" dir="2700000" algn="tl">
+                    <a:srgbClr val="000000">
+                      <a:alpha val="43137"/>
+                    </a:srgbClr>
+                  </a:outerShdw>
+                </a:effectLst>
+                <a:latin typeface="Calibri" panose="020F0502020204030204" pitchFamily="34" charset="0"/>
+                <a:cs typeface="Calibri" panose="020F0502020204030204" pitchFamily="34" charset="0"/>
+              </a:rPr>
+              <a:t>برنامه نویسی عملی عالی از « </a:t>
+            </a:r>
+            <a:r>
+              <a:rPr lang="fa-IR" sz="2800" dirty="0">
+                <a:latin typeface="Calibri" panose="020F0502020204030204" pitchFamily="34" charset="0"/>
+                <a:cs typeface="Calibri" panose="020F0502020204030204" pitchFamily="34" charset="0"/>
+              </a:rPr>
+              <a:t>خودبزرگ بین و متکبر </a:t>
+            </a:r>
+            <a:r>
+              <a:rPr lang="fa-IR" sz="2800" dirty="0">
+                <a:effectLst>
+                  <a:outerShdw blurRad="38100" dist="38100" dir="2700000" algn="tl">
+                    <a:srgbClr val="000000">
+                      <a:alpha val="43137"/>
+                    </a:srgbClr>
+                  </a:outerShdw>
+                </a:effectLst>
+                <a:latin typeface="Calibri" panose="020F0502020204030204" pitchFamily="34" charset="0"/>
+                <a:cs typeface="Calibri" panose="020F0502020204030204" pitchFamily="34" charset="0"/>
+              </a:rPr>
+              <a:t>» است.  </a:t>
+            </a:r>
+          </a:p>
+          <a:p>
+            <a:pPr algn="r" rtl="1"/>
+            <a:endParaRPr lang="fa-IR" sz="2800" dirty="0">
               <a:effectLst>
                 <a:outerShdw blurRad="38100" dist="38100" dir="2700000" algn="tl">
                   <a:srgbClr val="000000">
@@ -7848,147 +7787,8 @@
                   </a:srgbClr>
                 </a:outerShdw>
               </a:effectLst>
-              <a:latin typeface="Adobe Arabic" panose="02040503050201020203" pitchFamily="18" charset="-78"/>
-              <a:cs typeface="Adobe Arabic" panose="02040503050201020203" pitchFamily="18" charset="-78"/>
-            </a:endParaRPr>
-          </a:p>
-        </p:txBody>
-      </p:sp>
-      <p:sp>
-        <p:nvSpPr>
-          <p:cNvPr id="4" name="TextBox 3"/>
-          <p:cNvSpPr txBox="1"/>
-          <p:nvPr/>
-        </p:nvSpPr>
-        <p:spPr>
-          <a:xfrm>
-            <a:off x="1009650" y="2807485"/>
-            <a:ext cx="9888349" cy="1815882"/>
-          </a:xfrm>
-          <a:prstGeom prst="rect">
-            <a:avLst/>
-          </a:prstGeom>
-          <a:noFill/>
-        </p:spPr>
-        <p:txBody>
-          <a:bodyPr wrap="square" numCol="1" rtlCol="0">
-            <a:spAutoFit/>
-          </a:bodyPr>
-          <a:lstStyle/>
-          <a:p>
-            <a:pPr marL="457200" indent="-457200" algn="r" rtl="1">
-              <a:buFont typeface="Wingdings" panose="05000000000000000000" pitchFamily="2" charset="2"/>
-              <a:buChar char="ü"/>
-            </a:pPr>
-            <a:r>
-              <a:rPr lang="fa-IR" sz="2800" dirty="0" smtClean="0">
-                <a:effectLst>
-                  <a:outerShdw blurRad="38100" dist="38100" dir="2700000" algn="tl">
-                    <a:srgbClr val="000000">
-                      <a:alpha val="43137"/>
-                    </a:srgbClr>
-                  </a:outerShdw>
-                </a:effectLst>
-                <a:latin typeface="Adobe Arabic" panose="02040503050201020203" pitchFamily="18" charset="-78"/>
-                <a:cs typeface="Adobe Arabic" panose="02040503050201020203" pitchFamily="18" charset="-78"/>
-              </a:rPr>
-              <a:t>برنامه نویسی  عمل « خلق » کردن است . </a:t>
-            </a:r>
-          </a:p>
-          <a:p>
-            <a:pPr marL="457200" indent="-457200" algn="r" rtl="1">
-              <a:buFont typeface="Wingdings" panose="05000000000000000000" pitchFamily="2" charset="2"/>
-              <a:buChar char="ü"/>
-            </a:pPr>
-            <a:r>
-              <a:rPr lang="fa-IR" sz="2800" dirty="0" smtClean="0">
-                <a:effectLst>
-                  <a:outerShdw blurRad="38100" dist="38100" dir="2700000" algn="tl">
-                    <a:srgbClr val="000000">
-                      <a:alpha val="43137"/>
-                    </a:srgbClr>
-                  </a:outerShdw>
-                </a:effectLst>
-                <a:latin typeface="Adobe Arabic" panose="02040503050201020203" pitchFamily="18" charset="-78"/>
-                <a:cs typeface="Adobe Arabic" panose="02040503050201020203" pitchFamily="18" charset="-78"/>
-              </a:rPr>
-              <a:t>برنامه نویسی  عمل « دستور دادن » است .</a:t>
-            </a:r>
-          </a:p>
-          <a:p>
-            <a:pPr marL="457200" indent="-457200" algn="r" rtl="1">
-              <a:buFont typeface="Wingdings" panose="05000000000000000000" pitchFamily="2" charset="2"/>
-              <a:buChar char="ü"/>
-            </a:pPr>
-            <a:r>
-              <a:rPr lang="fa-IR" sz="2800" dirty="0" smtClean="0">
-                <a:effectLst>
-                  <a:outerShdw blurRad="38100" dist="38100" dir="2700000" algn="tl">
-                    <a:srgbClr val="000000">
-                      <a:alpha val="43137"/>
-                    </a:srgbClr>
-                  </a:outerShdw>
-                </a:effectLst>
-                <a:latin typeface="Adobe Arabic" panose="02040503050201020203" pitchFamily="18" charset="-78"/>
-                <a:cs typeface="Adobe Arabic" panose="02040503050201020203" pitchFamily="18" charset="-78"/>
-              </a:rPr>
-              <a:t>برنامه نویسی عملی عالی از « </a:t>
-            </a:r>
-            <a:r>
-              <a:rPr lang="fa-IR" sz="2800" dirty="0" smtClean="0">
-                <a:latin typeface="Adobe Arabic" panose="02040503050201020203" pitchFamily="18" charset="-78"/>
-                <a:cs typeface="Adobe Arabic" panose="02040503050201020203" pitchFamily="18" charset="-78"/>
-              </a:rPr>
-              <a:t>خودبزرگ </a:t>
-            </a:r>
-            <a:r>
-              <a:rPr lang="fa-IR" sz="2800" dirty="0">
-                <a:latin typeface="Adobe Arabic" panose="02040503050201020203" pitchFamily="18" charset="-78"/>
-                <a:cs typeface="Adobe Arabic" panose="02040503050201020203" pitchFamily="18" charset="-78"/>
-              </a:rPr>
-              <a:t>بین و متکبر </a:t>
-            </a:r>
-            <a:r>
-              <a:rPr lang="fa-IR" sz="2800" dirty="0" smtClean="0">
-                <a:effectLst>
-                  <a:outerShdw blurRad="38100" dist="38100" dir="2700000" algn="tl">
-                    <a:srgbClr val="000000">
-                      <a:alpha val="43137"/>
-                    </a:srgbClr>
-                  </a:outerShdw>
-                </a:effectLst>
-                <a:latin typeface="Adobe Arabic" panose="02040503050201020203" pitchFamily="18" charset="-78"/>
-                <a:cs typeface="Adobe Arabic" panose="02040503050201020203" pitchFamily="18" charset="-78"/>
-              </a:rPr>
-              <a:t>» است. </a:t>
-            </a:r>
-            <a:r>
-              <a:rPr lang="fa-IR" sz="2800" dirty="0" smtClean="0">
-                <a:effectLst>
-                  <a:outerShdw blurRad="38100" dist="38100" dir="2700000" algn="tl">
-                    <a:srgbClr val="000000">
-                      <a:alpha val="43137"/>
-                    </a:srgbClr>
-                  </a:outerShdw>
-                </a:effectLst>
-                <a:latin typeface="Adobe Arabic" panose="02040503050201020203" pitchFamily="18" charset="-78"/>
-                <a:cs typeface="Adobe Arabic" panose="02040503050201020203" pitchFamily="18" charset="-78"/>
-              </a:rPr>
-              <a:t> </a:t>
-            </a:r>
-          </a:p>
-          <a:p>
-            <a:pPr algn="r" rtl="1"/>
-            <a:endParaRPr lang="fa-IR" sz="2800" dirty="0" smtClean="0">
-              <a:effectLst>
-                <a:outerShdw blurRad="38100" dist="38100" dir="2700000" algn="tl">
-                  <a:srgbClr val="000000">
-                    <a:alpha val="43137"/>
-                  </a:srgbClr>
-                </a:outerShdw>
-              </a:effectLst>
-              <a:latin typeface="Adobe Arabic" panose="02040503050201020203" pitchFamily="18" charset="-78"/>
-              <a:cs typeface="Adobe Arabic" panose="02040503050201020203" pitchFamily="18" charset="-78"/>
+              <a:latin typeface="Calibri" panose="020F0502020204030204" pitchFamily="34" charset="0"/>
+              <a:cs typeface="Calibri" panose="020F0502020204030204" pitchFamily="34" charset="0"/>
             </a:endParaRPr>
           </a:p>
         </p:txBody>
@@ -8096,7 +7896,7 @@
           <a:p>
             <a:pPr algn="r" rtl="1"/>
             <a:r>
-              <a:rPr lang="fa-IR" sz="4400" dirty="0" smtClean="0">
+              <a:rPr lang="fa-IR" sz="4400" dirty="0">
                 <a:effectLst>
                   <a:outerShdw blurRad="38100" dist="38100" dir="2700000" algn="tl">
                     <a:srgbClr val="000000">
@@ -8104,8 +7904,8 @@
                     </a:srgbClr>
                   </a:outerShdw>
                 </a:effectLst>
-                <a:latin typeface="Adobe Arabic" panose="02040503050201020203" pitchFamily="18" charset="-78"/>
-                <a:cs typeface="Adobe Arabic" panose="02040503050201020203" pitchFamily="18" charset="-78"/>
+                <a:latin typeface="Calibri" panose="020F0502020204030204" pitchFamily="34" charset="0"/>
+                <a:cs typeface="Calibri" panose="020F0502020204030204" pitchFamily="34" charset="0"/>
               </a:rPr>
               <a:t>فصل اول : حرفه ای گری </a:t>
             </a:r>
@@ -8117,8 +7917,8 @@
                   </a:srgbClr>
                 </a:outerShdw>
               </a:effectLst>
-              <a:latin typeface="Adobe Arabic" panose="02040503050201020203" pitchFamily="18" charset="-78"/>
-              <a:cs typeface="Adobe Arabic" panose="02040503050201020203" pitchFamily="18" charset="-78"/>
+              <a:latin typeface="Calibri" panose="020F0502020204030204" pitchFamily="34" charset="0"/>
+              <a:cs typeface="Calibri" panose="020F0502020204030204" pitchFamily="34" charset="0"/>
             </a:endParaRPr>
           </a:p>
         </p:txBody>
@@ -8132,7 +7932,7 @@
         <p:spPr>
           <a:xfrm>
             <a:off x="596900" y="4332270"/>
-            <a:ext cx="10713850" cy="2246769"/>
+            <a:ext cx="10713850" cy="2308324"/>
           </a:xfrm>
           <a:prstGeom prst="rect">
             <a:avLst/>
@@ -8147,27 +7947,13 @@
           <a:p>
             <a:pPr algn="just" rtl="1"/>
             <a:r>
-              <a:rPr lang="fa-IR" sz="2800" dirty="0" smtClean="0">
-                <a:latin typeface="Adobe Arabic" panose="02040503050201020203" pitchFamily="18" charset="-78"/>
-                <a:cs typeface="Adobe Arabic" panose="02040503050201020203" pitchFamily="18" charset="-78"/>
-              </a:rPr>
-              <a:t>حرفه ای ها می دانند که «خودبزرگ بین و متکبر »  هستند . یک حرفه ای ، به کاری که می کند افتخار می کند و با اعتماد به نفسی که دارد  ، ریسک می کند . با این حال یک حرفه ای می داند که زمان هایی هم می آید که تصمیماتش اشتباه بوده ، توانایی کافی نداشته و نتوانسته تحلیل ریسک درستی انجام دهد ، و به خاطر شکستش مورد تمسخر قرار می گیرد . اگر تمسخر جایز بود آن را می پذیرد ، </a:t>
-            </a:r>
-            <a:r>
-              <a:rPr lang="fa-IR" sz="2800" dirty="0">
-                <a:latin typeface="Adobe Arabic" panose="02040503050201020203" pitchFamily="18" charset="-78"/>
-                <a:cs typeface="Adobe Arabic" panose="02040503050201020203" pitchFamily="18" charset="-78"/>
-              </a:rPr>
-              <a:t>، ولی دیگران را تمسخر نمی کند </a:t>
-            </a:r>
-            <a:r>
-              <a:rPr lang="fa-IR" sz="2800" dirty="0" smtClean="0">
-                <a:latin typeface="Adobe Arabic" panose="02040503050201020203" pitchFamily="18" charset="-78"/>
-                <a:cs typeface="Adobe Arabic" panose="02040503050201020203" pitchFamily="18" charset="-78"/>
-              </a:rPr>
-              <a:t>. اگر تمسخرها بی مورد بودند ، فقط به آنها می خندد و از آنها رد می شود ، چون می داند که ممکن است خودش هم اشتباه کند . </a:t>
-            </a:r>
-            <a:endParaRPr lang="fa-IR" sz="2800" dirty="0">
+              <a:rPr lang="fa-IR" sz="2400" dirty="0">
+                <a:latin typeface="Calibri" panose="020F0502020204030204" pitchFamily="34" charset="0"/>
+                <a:cs typeface="Calibri" panose="020F0502020204030204" pitchFamily="34" charset="0"/>
+              </a:rPr>
+              <a:t>حرفه ای ها می دانند که «خودبزرگ بین و متکبر »  هستند . یک حرفه ای ، به کاری که می کند افتخار می کند و با اعتماد به نفسی که دارد  ، ریسک می کند . با این حال یک حرفه ای می داند که زمان هایی هم می آید که تصمیماتش اشتباه بوده ، توانایی کافی نداشته و نتوانسته تحلیل ریسک درستی انجام دهد ، و به خاطر شکستش مورد تمسخر قرار می گیرد . اگر تمسخر جایز بود آن را می پذیرد ، ، ولی دیگران را تمسخر نمی کند . اگر تمسخرها بی مورد بودند ، فقط به آنها می خندد و از آنها رد می شود ، چون می داند که ممکن است خودش هم اشتباه کند . </a:t>
+            </a:r>
+            <a:endParaRPr lang="fa-IR" sz="2400" dirty="0">
               <a:effectLst>
                 <a:outerShdw blurRad="38100" dist="38100" dir="2700000" algn="tl">
                   <a:srgbClr val="000000">
@@ -8175,8 +7961,8 @@
                   </a:srgbClr>
                 </a:outerShdw>
               </a:effectLst>
-              <a:latin typeface="Adobe Arabic" panose="02040503050201020203" pitchFamily="18" charset="-78"/>
-              <a:cs typeface="Adobe Arabic" panose="02040503050201020203" pitchFamily="18" charset="-78"/>
+              <a:latin typeface="Calibri" panose="020F0502020204030204" pitchFamily="34" charset="0"/>
+              <a:cs typeface="Calibri" panose="020F0502020204030204" pitchFamily="34" charset="0"/>
             </a:endParaRPr>
           </a:p>
         </p:txBody>
@@ -8233,7 +8019,7 @@
           <a:p>
             <a:pPr algn="r" rtl="1"/>
             <a:r>
-              <a:rPr lang="fa-IR" sz="4400" dirty="0" smtClean="0">
+              <a:rPr lang="fa-IR" sz="4400" dirty="0">
                 <a:effectLst>
                   <a:outerShdw blurRad="38100" dist="38100" dir="2700000" algn="tl">
                     <a:srgbClr val="000000">
@@ -8241,52 +8027,10 @@
                     </a:srgbClr>
                   </a:outerShdw>
                 </a:effectLst>
-                <a:latin typeface="Adobe Arabic" panose="02040503050201020203" pitchFamily="18" charset="-78"/>
-                <a:cs typeface="Adobe Arabic" panose="02040503050201020203" pitchFamily="18" charset="-78"/>
-              </a:rPr>
-              <a:t>فصل </a:t>
-            </a:r>
-            <a:r>
-              <a:rPr lang="fa-IR" sz="4400" dirty="0" smtClean="0">
-                <a:effectLst>
-                  <a:outerShdw blurRad="38100" dist="38100" dir="2700000" algn="tl">
-                    <a:srgbClr val="000000">
-                      <a:alpha val="43137"/>
-                    </a:srgbClr>
-                  </a:outerShdw>
-                </a:effectLst>
-                <a:latin typeface="Adobe Arabic" panose="02040503050201020203" pitchFamily="18" charset="-78"/>
-                <a:cs typeface="Adobe Arabic" panose="02040503050201020203" pitchFamily="18" charset="-78"/>
-              </a:rPr>
-              <a:t>دوم </a:t>
-            </a:r>
-            <a:r>
-              <a:rPr lang="fa-IR" sz="4400" dirty="0" smtClean="0">
-                <a:effectLst>
-                  <a:outerShdw blurRad="38100" dist="38100" dir="2700000" algn="tl">
-                    <a:srgbClr val="000000">
-                      <a:alpha val="43137"/>
-                    </a:srgbClr>
-                  </a:outerShdw>
-                </a:effectLst>
-                <a:latin typeface="Adobe Arabic" panose="02040503050201020203" pitchFamily="18" charset="-78"/>
-                <a:cs typeface="Adobe Arabic" panose="02040503050201020203" pitchFamily="18" charset="-78"/>
-              </a:rPr>
-              <a:t>: </a:t>
-            </a:r>
-            <a:r>
-              <a:rPr lang="fa-IR" sz="4400" dirty="0" smtClean="0">
-                <a:effectLst>
-                  <a:outerShdw blurRad="38100" dist="38100" dir="2700000" algn="tl">
-                    <a:srgbClr val="000000">
-                      <a:alpha val="43137"/>
-                    </a:srgbClr>
-                  </a:outerShdw>
-                </a:effectLst>
-                <a:latin typeface="Adobe Arabic" panose="02040503050201020203" pitchFamily="18" charset="-78"/>
-                <a:cs typeface="Adobe Arabic" panose="02040503050201020203" pitchFamily="18" charset="-78"/>
-              </a:rPr>
-              <a:t>« نه » بگوئید </a:t>
+                <a:latin typeface="Calibri" panose="020F0502020204030204" pitchFamily="34" charset="0"/>
+                <a:cs typeface="Calibri" panose="020F0502020204030204" pitchFamily="34" charset="0"/>
+              </a:rPr>
+              <a:t>فصل دوم : « نه » بگوئید </a:t>
             </a:r>
             <a:endParaRPr lang="en-US" sz="4400" dirty="0">
               <a:effectLst>
@@ -8296,8 +8040,8 @@
                   </a:srgbClr>
                 </a:outerShdw>
               </a:effectLst>
-              <a:latin typeface="Adobe Arabic" panose="02040503050201020203" pitchFamily="18" charset="-78"/>
-              <a:cs typeface="Adobe Arabic" panose="02040503050201020203" pitchFamily="18" charset="-78"/>
+              <a:latin typeface="Calibri" panose="020F0502020204030204" pitchFamily="34" charset="0"/>
+              <a:cs typeface="Calibri" panose="020F0502020204030204" pitchFamily="34" charset="0"/>
             </a:endParaRPr>
           </a:p>
         </p:txBody>
@@ -8314,8 +8058,8 @@
         </p:nvSpPr>
         <p:spPr>
           <a:xfrm>
-            <a:off x="838200" y="952500"/>
-            <a:ext cx="10629900" cy="533400"/>
+            <a:off x="633845" y="952500"/>
+            <a:ext cx="10834255" cy="533400"/>
           </a:xfrm>
         </p:spPr>
         <p:txBody>
@@ -8328,7 +8072,7 @@
               <a:buNone/>
             </a:pPr>
             <a:r>
-              <a:rPr lang="fa-IR" sz="3200" b="1" dirty="0" smtClean="0">
+              <a:rPr lang="fa-IR" sz="2800" b="1" dirty="0">
                 <a:solidFill>
                   <a:srgbClr val="FFFF00"/>
                 </a:solidFill>
@@ -8339,42 +8083,11 @@
                     </a:srgbClr>
                   </a:outerShdw>
                 </a:effectLst>
-                <a:latin typeface="Adobe Arabic" panose="02040503050201020203" pitchFamily="18" charset="-78"/>
-                <a:cs typeface="Adobe Arabic" panose="02040503050201020203" pitchFamily="18" charset="-78"/>
-              </a:rPr>
-              <a:t>حرفه ای ها ، حقیقت را می گویند . </a:t>
-            </a:r>
-            <a:r>
-              <a:rPr lang="fa-IR" sz="3200" b="1" dirty="0" smtClean="0">
-                <a:solidFill>
-                  <a:srgbClr val="FFFF00"/>
-                </a:solidFill>
-                <a:effectLst>
-                  <a:outerShdw blurRad="38100" dist="38100" dir="2700000" algn="tl">
-                    <a:srgbClr val="000000">
-                      <a:alpha val="43137"/>
-                    </a:srgbClr>
-                  </a:outerShdw>
-                </a:effectLst>
-                <a:latin typeface="Adobe Arabic" panose="02040503050201020203" pitchFamily="18" charset="-78"/>
-                <a:cs typeface="Adobe Arabic" panose="02040503050201020203" pitchFamily="18" charset="-78"/>
-              </a:rPr>
-              <a:t>حرفه ای ها شجاعت لازم برای « نه » گفتن به مدیران را دارند. </a:t>
-            </a:r>
-            <a:endParaRPr lang="fa-IR" sz="3200" b="1" dirty="0" smtClean="0">
-              <a:solidFill>
-                <a:srgbClr val="FFFF00"/>
-              </a:solidFill>
-              <a:effectLst>
-                <a:outerShdw blurRad="38100" dist="38100" dir="2700000" algn="tl">
-                  <a:srgbClr val="000000">
-                    <a:alpha val="43137"/>
-                  </a:srgbClr>
-                </a:outerShdw>
-              </a:effectLst>
-              <a:latin typeface="Adobe Arabic" panose="02040503050201020203" pitchFamily="18" charset="-78"/>
-              <a:cs typeface="Adobe Arabic" panose="02040503050201020203" pitchFamily="18" charset="-78"/>
-            </a:endParaRPr>
+                <a:latin typeface="Calibri" panose="020F0502020204030204" pitchFamily="34" charset="0"/>
+                <a:cs typeface="Calibri" panose="020F0502020204030204" pitchFamily="34" charset="0"/>
+              </a:rPr>
+              <a:t>حرفه ای ها ، حقیقت را می گویند . حرفه ای ها شجاعت لازم برای « نه » گفتن به مدیران را دارند. </a:t>
+            </a:r>
           </a:p>
         </p:txBody>
       </p:sp>
@@ -8386,7 +8099,7 @@
         </p:nvSpPr>
         <p:spPr>
           <a:xfrm>
-            <a:off x="2997200" y="4331091"/>
+            <a:off x="3454400" y="4331091"/>
             <a:ext cx="7200900" cy="523220"/>
           </a:xfrm>
           <a:prstGeom prst="rect">
@@ -8402,15 +8115,15 @@
           <a:p>
             <a:pPr algn="r" rtl="1"/>
             <a:r>
-              <a:rPr lang="fa-IR" sz="2800" dirty="0" smtClean="0">
-                <a:latin typeface="Adobe Arabic" panose="02040503050201020203" pitchFamily="18" charset="-78"/>
-                <a:cs typeface="Adobe Arabic" panose="02040503050201020203" pitchFamily="18" charset="-78"/>
+              <a:rPr lang="fa-IR" sz="2800" dirty="0">
+                <a:latin typeface="Calibri" panose="020F0502020204030204" pitchFamily="34" charset="0"/>
+                <a:cs typeface="Calibri" panose="020F0502020204030204" pitchFamily="34" charset="0"/>
               </a:rPr>
               <a:t>انجام بده ، یا انجام نده . هیچ « تلاشی » وجود نداره . 	</a:t>
             </a:r>
             <a:endParaRPr lang="en-US" sz="2800" dirty="0">
-              <a:latin typeface="Adobe Arabic" panose="02040503050201020203" pitchFamily="18" charset="-78"/>
-              <a:cs typeface="Adobe Arabic" panose="02040503050201020203" pitchFamily="18" charset="-78"/>
+              <a:latin typeface="Calibri" panose="020F0502020204030204" pitchFamily="34" charset="0"/>
+              <a:cs typeface="Calibri" panose="020F0502020204030204" pitchFamily="34" charset="0"/>
             </a:endParaRPr>
           </a:p>
         </p:txBody>
@@ -8503,7 +8216,7 @@
           <a:p>
             <a:pPr algn="r" rtl="1"/>
             <a:r>
-              <a:rPr lang="fa-IR" sz="4400" dirty="0" smtClean="0">
+              <a:rPr lang="fa-IR" sz="4400" dirty="0">
                 <a:effectLst>
                   <a:outerShdw blurRad="38100" dist="38100" dir="2700000" algn="tl">
                     <a:srgbClr val="000000">
@@ -8511,52 +8224,10 @@
                     </a:srgbClr>
                   </a:outerShdw>
                 </a:effectLst>
-                <a:latin typeface="Adobe Arabic" panose="02040503050201020203" pitchFamily="18" charset="-78"/>
-                <a:cs typeface="Adobe Arabic" panose="02040503050201020203" pitchFamily="18" charset="-78"/>
-              </a:rPr>
-              <a:t>فصل </a:t>
-            </a:r>
-            <a:r>
-              <a:rPr lang="fa-IR" sz="4400" dirty="0" smtClean="0">
-                <a:effectLst>
-                  <a:outerShdw blurRad="38100" dist="38100" dir="2700000" algn="tl">
-                    <a:srgbClr val="000000">
-                      <a:alpha val="43137"/>
-                    </a:srgbClr>
-                  </a:outerShdw>
-                </a:effectLst>
-                <a:latin typeface="Adobe Arabic" panose="02040503050201020203" pitchFamily="18" charset="-78"/>
-                <a:cs typeface="Adobe Arabic" panose="02040503050201020203" pitchFamily="18" charset="-78"/>
-              </a:rPr>
-              <a:t>دوم </a:t>
-            </a:r>
-            <a:r>
-              <a:rPr lang="fa-IR" sz="4400" dirty="0" smtClean="0">
-                <a:effectLst>
-                  <a:outerShdw blurRad="38100" dist="38100" dir="2700000" algn="tl">
-                    <a:srgbClr val="000000">
-                      <a:alpha val="43137"/>
-                    </a:srgbClr>
-                  </a:outerShdw>
-                </a:effectLst>
-                <a:latin typeface="Adobe Arabic" panose="02040503050201020203" pitchFamily="18" charset="-78"/>
-                <a:cs typeface="Adobe Arabic" panose="02040503050201020203" pitchFamily="18" charset="-78"/>
-              </a:rPr>
-              <a:t>: </a:t>
-            </a:r>
-            <a:r>
-              <a:rPr lang="fa-IR" sz="4400" dirty="0" smtClean="0">
-                <a:effectLst>
-                  <a:outerShdw blurRad="38100" dist="38100" dir="2700000" algn="tl">
-                    <a:srgbClr val="000000">
-                      <a:alpha val="43137"/>
-                    </a:srgbClr>
-                  </a:outerShdw>
-                </a:effectLst>
-                <a:latin typeface="Adobe Arabic" panose="02040503050201020203" pitchFamily="18" charset="-78"/>
-                <a:cs typeface="Adobe Arabic" panose="02040503050201020203" pitchFamily="18" charset="-78"/>
-              </a:rPr>
-              <a:t>« نه » بگوئید </a:t>
+                <a:latin typeface="Calibri" panose="020F0502020204030204" pitchFamily="34" charset="0"/>
+                <a:cs typeface="Calibri" panose="020F0502020204030204" pitchFamily="34" charset="0"/>
+              </a:rPr>
+              <a:t>فصل دوم : « نه » بگوئید </a:t>
             </a:r>
             <a:endParaRPr lang="en-US" sz="4400" dirty="0">
               <a:effectLst>
@@ -8566,8 +8237,8 @@
                   </a:srgbClr>
                 </a:outerShdw>
               </a:effectLst>
-              <a:latin typeface="Adobe Arabic" panose="02040503050201020203" pitchFamily="18" charset="-78"/>
-              <a:cs typeface="Adobe Arabic" panose="02040503050201020203" pitchFamily="18" charset="-78"/>
+              <a:latin typeface="Calibri" panose="020F0502020204030204" pitchFamily="34" charset="0"/>
+              <a:cs typeface="Calibri" panose="020F0502020204030204" pitchFamily="34" charset="0"/>
             </a:endParaRPr>
           </a:p>
         </p:txBody>
@@ -8675,13 +8346,13 @@
           <a:p>
             <a:pPr algn="r" rtl="1"/>
             <a:r>
-              <a:rPr lang="fa-IR" sz="4400" dirty="0" smtClean="0">
-                <a:latin typeface="Adobe Arabic" panose="02040503050201020203" pitchFamily="18" charset="-78"/>
-                <a:cs typeface="Adobe Arabic" panose="02040503050201020203" pitchFamily="18" charset="-78"/>
+              <a:rPr lang="fa-IR" sz="3600" dirty="0">
+                <a:latin typeface="Calibri" panose="020F0502020204030204" pitchFamily="34" charset="0"/>
+                <a:cs typeface="Calibri" panose="020F0502020204030204" pitchFamily="34" charset="0"/>
               </a:rPr>
               <a:t>معامله کنید </a:t>
             </a:r>
-            <a:endParaRPr lang="fa-IR" sz="4400" dirty="0">
+            <a:endParaRPr lang="fa-IR" sz="3600" dirty="0">
               <a:effectLst>
                 <a:outerShdw blurRad="38100" dist="38100" dir="2700000" algn="tl">
                   <a:srgbClr val="000000">
@@ -8689,8 +8360,8 @@
                   </a:srgbClr>
                 </a:outerShdw>
               </a:effectLst>
-              <a:latin typeface="Adobe Arabic" panose="02040503050201020203" pitchFamily="18" charset="-78"/>
-              <a:cs typeface="Adobe Arabic" panose="02040503050201020203" pitchFamily="18" charset="-78"/>
+              <a:latin typeface="Calibri" panose="020F0502020204030204" pitchFamily="34" charset="0"/>
+              <a:cs typeface="Calibri" panose="020F0502020204030204" pitchFamily="34" charset="0"/>
             </a:endParaRPr>
           </a:p>
         </p:txBody>
@@ -8720,17 +8391,10 @@
             <a:pPr algn="just" rtl="1"/>
             <a:r>
               <a:rPr lang="fa-IR" sz="2800" dirty="0">
-                <a:latin typeface="Adobe Arabic" panose="02040503050201020203" pitchFamily="18" charset="-78"/>
-                <a:cs typeface="Adobe Arabic" panose="02040503050201020203" pitchFamily="18" charset="-78"/>
-              </a:rPr>
-              <a:t> </a:t>
-            </a:r>
-            <a:r>
-              <a:rPr lang="fa-IR" sz="2800" dirty="0" smtClean="0">
-                <a:latin typeface="Adobe Arabic" panose="02040503050201020203" pitchFamily="18" charset="-78"/>
-                <a:cs typeface="Adobe Arabic" panose="02040503050201020203" pitchFamily="18" charset="-78"/>
-              </a:rPr>
-              <a:t>بهترین خروجی ، هدفی است که شما و مدیرانتان با هم به اشتراک می گذارید . برای پیدا کردن این هدف باید معامله کنید .</a:t>
+                <a:latin typeface="Calibri" panose="020F0502020204030204" pitchFamily="34" charset="0"/>
+                <a:cs typeface="Calibri" panose="020F0502020204030204" pitchFamily="34" charset="0"/>
+              </a:rPr>
+              <a:t> بهترین خروجی ، هدفی است که شما و مدیرانتان با هم به اشتراک می گذارید . برای پیدا کردن این هدف باید معامله کنید .</a:t>
             </a:r>
             <a:endParaRPr lang="fa-IR" sz="2800" dirty="0">
               <a:effectLst>
@@ -8740,8 +8404,8 @@
                   </a:srgbClr>
                 </a:outerShdw>
               </a:effectLst>
-              <a:latin typeface="Adobe Arabic" panose="02040503050201020203" pitchFamily="18" charset="-78"/>
-              <a:cs typeface="Adobe Arabic" panose="02040503050201020203" pitchFamily="18" charset="-78"/>
+              <a:latin typeface="Calibri" panose="020F0502020204030204" pitchFamily="34" charset="0"/>
+              <a:cs typeface="Calibri" panose="020F0502020204030204" pitchFamily="34" charset="0"/>
             </a:endParaRPr>
           </a:p>
         </p:txBody>
@@ -8849,13 +8513,13 @@
           <a:p>
             <a:pPr algn="r" rtl="1"/>
             <a:r>
-              <a:rPr lang="fa-IR" sz="4400" dirty="0" smtClean="0">
-                <a:latin typeface="Adobe Arabic" panose="02040503050201020203" pitchFamily="18" charset="-78"/>
-                <a:cs typeface="Adobe Arabic" panose="02040503050201020203" pitchFamily="18" charset="-78"/>
+              <a:rPr lang="fa-IR" sz="3600" dirty="0">
+                <a:latin typeface="Calibri" panose="020F0502020204030204" pitchFamily="34" charset="0"/>
+                <a:cs typeface="Calibri" panose="020F0502020204030204" pitchFamily="34" charset="0"/>
               </a:rPr>
               <a:t>چرا « دلیل » مهم نیست !  </a:t>
             </a:r>
-            <a:endParaRPr lang="fa-IR" sz="4400" dirty="0">
+            <a:endParaRPr lang="fa-IR" sz="3600" dirty="0">
               <a:effectLst>
                 <a:outerShdw blurRad="38100" dist="38100" dir="2700000" algn="tl">
                   <a:srgbClr val="000000">
@@ -8863,8 +8527,8 @@
                   </a:srgbClr>
                 </a:outerShdw>
               </a:effectLst>
-              <a:latin typeface="Adobe Arabic" panose="02040503050201020203" pitchFamily="18" charset="-78"/>
-              <a:cs typeface="Adobe Arabic" panose="02040503050201020203" pitchFamily="18" charset="-78"/>
+              <a:latin typeface="Calibri" panose="020F0502020204030204" pitchFamily="34" charset="0"/>
+              <a:cs typeface="Calibri" panose="020F0502020204030204" pitchFamily="34" charset="0"/>
             </a:endParaRPr>
           </a:p>
         </p:txBody>
@@ -8893,39 +8557,11 @@
           <a:p>
             <a:pPr algn="just" rtl="1"/>
             <a:r>
-              <a:rPr lang="fa-IR" sz="2800" dirty="0" smtClean="0">
-                <a:latin typeface="Adobe Arabic" panose="02040503050201020203" pitchFamily="18" charset="-78"/>
-                <a:cs typeface="Adobe Arabic" panose="02040503050201020203" pitchFamily="18" charset="-78"/>
+              <a:rPr lang="fa-IR" sz="2800" dirty="0">
+                <a:latin typeface="Calibri" panose="020F0502020204030204" pitchFamily="34" charset="0"/>
+                <a:cs typeface="Calibri" panose="020F0502020204030204" pitchFamily="34" charset="0"/>
               </a:rPr>
               <a:t>دلیل اینکه امکان انجام کاری وجود ندارد ، نسبت به « حقیقت عدم انجام کار » در اهمیت بسیار پائین تری وجود دارد . </a:t>
-            </a:r>
-            <a:r>
-              <a:rPr lang="fa-IR" sz="2800" dirty="0" smtClean="0">
-                <a:effectLst>
-                  <a:outerShdw blurRad="38100" dist="38100" dir="2700000" algn="tl">
-                    <a:srgbClr val="000000">
-                      <a:alpha val="43137"/>
-                    </a:srgbClr>
-                  </a:outerShdw>
-                </a:effectLst>
-                <a:latin typeface="Adobe Arabic" panose="02040503050201020203" pitchFamily="18" charset="-78"/>
-                <a:cs typeface="Adobe Arabic" panose="02040503050201020203" pitchFamily="18" charset="-78"/>
-              </a:rPr>
-              <a:t>اگر جزئیات زیادی بگوئید ، ممکن است مدیر سعی کند</a:t>
-            </a:r>
-            <a:r>
-              <a:rPr lang="en-US" sz="2800" dirty="0" smtClean="0">
-                <a:effectLst>
-                  <a:outerShdw blurRad="38100" dist="38100" dir="2700000" algn="tl">
-                    <a:srgbClr val="000000">
-                      <a:alpha val="43137"/>
-                    </a:srgbClr>
-                  </a:outerShdw>
-                </a:effectLst>
-                <a:latin typeface="Adobe Arabic" panose="02040503050201020203" pitchFamily="18" charset="-78"/>
-                <a:cs typeface="Adobe Arabic" panose="02040503050201020203" pitchFamily="18" charset="-78"/>
-              </a:rPr>
-              <a:t>  </a:t>
             </a:r>
             <a:r>
               <a:rPr lang="fa-IR" sz="2800" dirty="0">
@@ -8936,13 +8572,13 @@
                     </a:srgbClr>
                   </a:outerShdw>
                 </a:effectLst>
-                <a:latin typeface="Adobe Arabic" panose="02040503050201020203" pitchFamily="18" charset="-78"/>
-                <a:cs typeface="Adobe Arabic" panose="02040503050201020203" pitchFamily="18" charset="-78"/>
-              </a:rPr>
-              <a:t> </a:t>
-            </a:r>
-            <a:r>
-              <a:rPr lang="fa-IR" sz="2800" dirty="0" smtClean="0">
+                <a:latin typeface="Calibri" panose="020F0502020204030204" pitchFamily="34" charset="0"/>
+                <a:cs typeface="Calibri" panose="020F0502020204030204" pitchFamily="34" charset="0"/>
+              </a:rPr>
+              <a:t>اگر جزئیات زیادی بگوئید ، ممکن است مدیر سعی کند</a:t>
+            </a:r>
+            <a:r>
+              <a:rPr lang="en-US" sz="2800" dirty="0">
                 <a:effectLst>
                   <a:outerShdw blurRad="38100" dist="38100" dir="2700000" algn="tl">
                     <a:srgbClr val="000000">
@@ -8950,13 +8586,13 @@
                     </a:srgbClr>
                   </a:outerShdw>
                 </a:effectLst>
-                <a:latin typeface="Adobe Arabic" panose="02040503050201020203" pitchFamily="18" charset="-78"/>
-                <a:cs typeface="Adobe Arabic" panose="02040503050201020203" pitchFamily="18" charset="-78"/>
-              </a:rPr>
-              <a:t>در کار شما دخالت کند یا اصطلاحا شما را « </a:t>
-            </a:r>
-            <a:r>
-              <a:rPr lang="en-US" sz="2800" dirty="0" smtClean="0">
+                <a:latin typeface="Calibri" panose="020F0502020204030204" pitchFamily="34" charset="0"/>
+                <a:cs typeface="Calibri" panose="020F0502020204030204" pitchFamily="34" charset="0"/>
+              </a:rPr>
+              <a:t>  </a:t>
+            </a:r>
+            <a:r>
+              <a:rPr lang="fa-IR" sz="2800" dirty="0">
                 <a:effectLst>
                   <a:outerShdw blurRad="38100" dist="38100" dir="2700000" algn="tl">
                     <a:srgbClr val="000000">
@@ -8964,13 +8600,13 @@
                     </a:srgbClr>
                   </a:outerShdw>
                 </a:effectLst>
-                <a:latin typeface="Adobe Arabic" panose="02040503050201020203" pitchFamily="18" charset="-78"/>
-                <a:cs typeface="Adobe Arabic" panose="02040503050201020203" pitchFamily="18" charset="-78"/>
-              </a:rPr>
-              <a:t>micro management</a:t>
-            </a:r>
-            <a:r>
-              <a:rPr lang="fa-IR" sz="2800" dirty="0" smtClean="0">
+                <a:latin typeface="Calibri" panose="020F0502020204030204" pitchFamily="34" charset="0"/>
+                <a:cs typeface="Calibri" panose="020F0502020204030204" pitchFamily="34" charset="0"/>
+              </a:rPr>
+              <a:t> در کار شما دخالت کند یا اصطلاحا شما را « </a:t>
+            </a:r>
+            <a:r>
+              <a:rPr lang="en-US" sz="2800" dirty="0">
                 <a:effectLst>
                   <a:outerShdw blurRad="38100" dist="38100" dir="2700000" algn="tl">
                     <a:srgbClr val="000000">
@@ -8978,22 +8614,25 @@
                     </a:srgbClr>
                   </a:outerShdw>
                 </a:effectLst>
-                <a:latin typeface="Adobe Arabic" panose="02040503050201020203" pitchFamily="18" charset="-78"/>
-                <a:cs typeface="Adobe Arabic" panose="02040503050201020203" pitchFamily="18" charset="-78"/>
+                <a:latin typeface="Calibri" panose="020F0502020204030204" pitchFamily="34" charset="0"/>
+                <a:cs typeface="Calibri" panose="020F0502020204030204" pitchFamily="34" charset="0"/>
+              </a:rPr>
+              <a:t>micro management</a:t>
+            </a:r>
+            <a:r>
+              <a:rPr lang="fa-IR" sz="2800" dirty="0">
+                <a:effectLst>
+                  <a:outerShdw blurRad="38100" dist="38100" dir="2700000" algn="tl">
+                    <a:srgbClr val="000000">
+                      <a:alpha val="43137"/>
+                    </a:srgbClr>
+                  </a:outerShdw>
+                </a:effectLst>
+                <a:latin typeface="Calibri" panose="020F0502020204030204" pitchFamily="34" charset="0"/>
+                <a:cs typeface="Calibri" panose="020F0502020204030204" pitchFamily="34" charset="0"/>
               </a:rPr>
               <a:t> » کند</a:t>
             </a:r>
-            <a:endParaRPr lang="fa-IR" sz="2800" dirty="0">
-              <a:effectLst>
-                <a:outerShdw blurRad="38100" dist="38100" dir="2700000" algn="tl">
-                  <a:srgbClr val="000000">
-                    <a:alpha val="43137"/>
-                  </a:srgbClr>
-                </a:outerShdw>
-              </a:effectLst>
-              <a:latin typeface="Adobe Arabic" panose="02040503050201020203" pitchFamily="18" charset="-78"/>
-              <a:cs typeface="Adobe Arabic" panose="02040503050201020203" pitchFamily="18" charset="-78"/>
-            </a:endParaRPr>
           </a:p>
         </p:txBody>
       </p:sp>
@@ -9049,7 +8688,7 @@
           <a:p>
             <a:pPr algn="r" rtl="1"/>
             <a:r>
-              <a:rPr lang="fa-IR" sz="4400" dirty="0" smtClean="0">
+              <a:rPr lang="fa-IR" sz="4400" dirty="0">
                 <a:effectLst>
                   <a:outerShdw blurRad="38100" dist="38100" dir="2700000" algn="tl">
                     <a:srgbClr val="000000">
@@ -9057,52 +8696,10 @@
                     </a:srgbClr>
                   </a:outerShdw>
                 </a:effectLst>
-                <a:latin typeface="Adobe Arabic" panose="02040503050201020203" pitchFamily="18" charset="-78"/>
-                <a:cs typeface="Adobe Arabic" panose="02040503050201020203" pitchFamily="18" charset="-78"/>
-              </a:rPr>
-              <a:t>فصل </a:t>
-            </a:r>
-            <a:r>
-              <a:rPr lang="fa-IR" sz="4400" dirty="0" smtClean="0">
-                <a:effectLst>
-                  <a:outerShdw blurRad="38100" dist="38100" dir="2700000" algn="tl">
-                    <a:srgbClr val="000000">
-                      <a:alpha val="43137"/>
-                    </a:srgbClr>
-                  </a:outerShdw>
-                </a:effectLst>
-                <a:latin typeface="Adobe Arabic" panose="02040503050201020203" pitchFamily="18" charset="-78"/>
-                <a:cs typeface="Adobe Arabic" panose="02040503050201020203" pitchFamily="18" charset="-78"/>
-              </a:rPr>
-              <a:t>دوم </a:t>
-            </a:r>
-            <a:r>
-              <a:rPr lang="fa-IR" sz="4400" dirty="0" smtClean="0">
-                <a:effectLst>
-                  <a:outerShdw blurRad="38100" dist="38100" dir="2700000" algn="tl">
-                    <a:srgbClr val="000000">
-                      <a:alpha val="43137"/>
-                    </a:srgbClr>
-                  </a:outerShdw>
-                </a:effectLst>
-                <a:latin typeface="Adobe Arabic" panose="02040503050201020203" pitchFamily="18" charset="-78"/>
-                <a:cs typeface="Adobe Arabic" panose="02040503050201020203" pitchFamily="18" charset="-78"/>
-              </a:rPr>
-              <a:t>: </a:t>
-            </a:r>
-            <a:r>
-              <a:rPr lang="fa-IR" sz="4400" dirty="0" smtClean="0">
-                <a:effectLst>
-                  <a:outerShdw blurRad="38100" dist="38100" dir="2700000" algn="tl">
-                    <a:srgbClr val="000000">
-                      <a:alpha val="43137"/>
-                    </a:srgbClr>
-                  </a:outerShdw>
-                </a:effectLst>
-                <a:latin typeface="Adobe Arabic" panose="02040503050201020203" pitchFamily="18" charset="-78"/>
-                <a:cs typeface="Adobe Arabic" panose="02040503050201020203" pitchFamily="18" charset="-78"/>
-              </a:rPr>
-              <a:t>« نه » بگوئید </a:t>
+                <a:latin typeface="Calibri" panose="020F0502020204030204" pitchFamily="34" charset="0"/>
+                <a:cs typeface="Calibri" panose="020F0502020204030204" pitchFamily="34" charset="0"/>
+              </a:rPr>
+              <a:t>فصل دوم : « نه » بگوئید </a:t>
             </a:r>
             <a:endParaRPr lang="en-US" sz="4400" dirty="0">
               <a:effectLst>
@@ -9112,8 +8709,8 @@
                   </a:srgbClr>
                 </a:outerShdw>
               </a:effectLst>
-              <a:latin typeface="Adobe Arabic" panose="02040503050201020203" pitchFamily="18" charset="-78"/>
-              <a:cs typeface="Adobe Arabic" panose="02040503050201020203" pitchFamily="18" charset="-78"/>
+              <a:latin typeface="Calibri" panose="020F0502020204030204" pitchFamily="34" charset="0"/>
+              <a:cs typeface="Calibri" panose="020F0502020204030204" pitchFamily="34" charset="0"/>
             </a:endParaRPr>
           </a:p>
         </p:txBody>
@@ -9128,8 +8725,8 @@
         </p:nvSpPr>
         <p:spPr>
           <a:xfrm>
-            <a:off x="3929251" y="1964035"/>
-            <a:ext cx="7818249" cy="970450"/>
+            <a:off x="3929249" y="2103894"/>
+            <a:ext cx="7818249" cy="646878"/>
           </a:xfrm>
           <a:prstGeom prst="rect">
             <a:avLst/>
@@ -9221,13 +8818,13 @@
           <a:p>
             <a:pPr algn="r" rtl="1"/>
             <a:r>
-              <a:rPr lang="fa-IR" sz="4400" dirty="0" smtClean="0">
-                <a:latin typeface="Adobe Arabic" panose="02040503050201020203" pitchFamily="18" charset="-78"/>
-                <a:cs typeface="Adobe Arabic" panose="02040503050201020203" pitchFamily="18" charset="-78"/>
+              <a:rPr lang="fa-IR" sz="3600" dirty="0">
+                <a:latin typeface="Calibri" panose="020F0502020204030204" pitchFamily="34" charset="0"/>
+                <a:cs typeface="Calibri" panose="020F0502020204030204" pitchFamily="34" charset="0"/>
               </a:rPr>
               <a:t>خطر بالا </a:t>
             </a:r>
-            <a:endParaRPr lang="fa-IR" sz="4400" dirty="0">
+            <a:endParaRPr lang="fa-IR" sz="3600" dirty="0">
               <a:effectLst>
                 <a:outerShdw blurRad="38100" dist="38100" dir="2700000" algn="tl">
                   <a:srgbClr val="000000">
@@ -9235,8 +8832,8 @@
                   </a:srgbClr>
                 </a:outerShdw>
               </a:effectLst>
-              <a:latin typeface="Adobe Arabic" panose="02040503050201020203" pitchFamily="18" charset="-78"/>
-              <a:cs typeface="Adobe Arabic" panose="02040503050201020203" pitchFamily="18" charset="-78"/>
+              <a:latin typeface="Calibri" panose="020F0502020204030204" pitchFamily="34" charset="0"/>
+              <a:cs typeface="Calibri" panose="020F0502020204030204" pitchFamily="34" charset="0"/>
             </a:endParaRPr>
           </a:p>
         </p:txBody>
@@ -9249,8 +8846,8 @@
         </p:nvSpPr>
         <p:spPr>
           <a:xfrm>
-            <a:off x="406400" y="2934485"/>
-            <a:ext cx="10904350" cy="954107"/>
+            <a:off x="444501" y="2769081"/>
+            <a:ext cx="10904350" cy="1200329"/>
           </a:xfrm>
           <a:prstGeom prst="rect">
             <a:avLst/>
@@ -9265,9 +8862,9 @@
           <a:p>
             <a:pPr algn="just" rtl="1"/>
             <a:r>
-              <a:rPr lang="fa-IR" sz="2800" dirty="0" smtClean="0">
-                <a:latin typeface="Adobe Arabic" panose="02040503050201020203" pitchFamily="18" charset="-78"/>
-                <a:cs typeface="Adobe Arabic" panose="02040503050201020203" pitchFamily="18" charset="-78"/>
+              <a:rPr lang="fa-IR" sz="2400" dirty="0">
+                <a:latin typeface="Calibri" panose="020F0502020204030204" pitchFamily="34" charset="0"/>
+                <a:cs typeface="Calibri" panose="020F0502020204030204" pitchFamily="34" charset="0"/>
               </a:rPr>
               <a:t>وقتی هزینه ی شکست بسیار بالاست ، باید کاملا مصمم باشید تا بهترین و دقیق ترین اطلاعات را به مدیران بدهید .</a:t>
             </a:r>
@@ -9275,13 +8872,13 @@
           <a:p>
             <a:pPr algn="just" rtl="1"/>
             <a:r>
-              <a:rPr lang="fa-IR" sz="2800" dirty="0" smtClean="0">
-                <a:latin typeface="Adobe Arabic" panose="02040503050201020203" pitchFamily="18" charset="-78"/>
-                <a:cs typeface="Adobe Arabic" panose="02040503050201020203" pitchFamily="18" charset="-78"/>
+              <a:rPr lang="fa-IR" sz="2400" dirty="0">
+                <a:latin typeface="Calibri" panose="020F0502020204030204" pitchFamily="34" charset="0"/>
+                <a:cs typeface="Calibri" panose="020F0502020204030204" pitchFamily="34" charset="0"/>
               </a:rPr>
               <a:t>تغییرات در تخمین انجام کارها را به سرعت اطلاع رسانی کنید .  </a:t>
             </a:r>
-            <a:endParaRPr lang="fa-IR" sz="2800" dirty="0">
+            <a:endParaRPr lang="fa-IR" sz="2400" dirty="0">
               <a:effectLst>
                 <a:outerShdw blurRad="38100" dist="38100" dir="2700000" algn="tl">
                   <a:srgbClr val="000000">
@@ -9289,8 +8886,8 @@
                   </a:srgbClr>
                 </a:outerShdw>
               </a:effectLst>
-              <a:latin typeface="Adobe Arabic" panose="02040503050201020203" pitchFamily="18" charset="-78"/>
-              <a:cs typeface="Adobe Arabic" panose="02040503050201020203" pitchFamily="18" charset="-78"/>
+              <a:latin typeface="Calibri" panose="020F0502020204030204" pitchFamily="34" charset="0"/>
+              <a:cs typeface="Calibri" panose="020F0502020204030204" pitchFamily="34" charset="0"/>
             </a:endParaRPr>
           </a:p>
         </p:txBody>
@@ -9398,13 +8995,13 @@
           <a:p>
             <a:pPr algn="r" rtl="1"/>
             <a:r>
-              <a:rPr lang="fa-IR" sz="4400" dirty="0" smtClean="0">
-                <a:latin typeface="Adobe Arabic" panose="02040503050201020203" pitchFamily="18" charset="-78"/>
-                <a:cs typeface="Adobe Arabic" panose="02040503050201020203" pitchFamily="18" charset="-78"/>
+              <a:rPr lang="fa-IR" sz="3600" dirty="0">
+                <a:latin typeface="Calibri" panose="020F0502020204030204" pitchFamily="34" charset="0"/>
+                <a:cs typeface="Calibri" panose="020F0502020204030204" pitchFamily="34" charset="0"/>
               </a:rPr>
               <a:t>چرا « دلیل » مهم نیست !  </a:t>
             </a:r>
-            <a:endParaRPr lang="fa-IR" sz="4400" dirty="0">
+            <a:endParaRPr lang="fa-IR" sz="3600" dirty="0">
               <a:effectLst>
                 <a:outerShdw blurRad="38100" dist="38100" dir="2700000" algn="tl">
                   <a:srgbClr val="000000">
@@ -9412,8 +9009,8 @@
                   </a:srgbClr>
                 </a:outerShdw>
               </a:effectLst>
-              <a:latin typeface="Adobe Arabic" panose="02040503050201020203" pitchFamily="18" charset="-78"/>
-              <a:cs typeface="Adobe Arabic" panose="02040503050201020203" pitchFamily="18" charset="-78"/>
+              <a:latin typeface="Calibri" panose="020F0502020204030204" pitchFamily="34" charset="0"/>
+              <a:cs typeface="Calibri" panose="020F0502020204030204" pitchFamily="34" charset="0"/>
             </a:endParaRPr>
           </a:p>
         </p:txBody>
@@ -9427,7 +9024,7 @@
         <p:spPr>
           <a:xfrm>
             <a:off x="596900" y="4905208"/>
-            <a:ext cx="10713850" cy="1384995"/>
+            <a:ext cx="10713850" cy="1200329"/>
           </a:xfrm>
           <a:prstGeom prst="rect">
             <a:avLst/>
@@ -9442,14 +9039,14 @@
           <a:p>
             <a:pPr algn="just" rtl="1"/>
             <a:r>
-              <a:rPr lang="fa-IR" sz="2800" dirty="0" smtClean="0">
-                <a:latin typeface="Adobe Arabic" panose="02040503050201020203" pitchFamily="18" charset="-78"/>
-                <a:cs typeface="Adobe Arabic" panose="02040503050201020203" pitchFamily="18" charset="-78"/>
+              <a:rPr lang="fa-IR" sz="2400" dirty="0">
+                <a:latin typeface="Calibri" panose="020F0502020204030204" pitchFamily="34" charset="0"/>
+                <a:cs typeface="Calibri" panose="020F0502020204030204" pitchFamily="34" charset="0"/>
               </a:rPr>
               <a:t>دلیل اینکه چرا امکان انجام کاری وجود ندارد ، نسبت به « حقیقت عدم انجام کار » در اهمیت بسیار پائین تری وجود دارد . </a:t>
             </a:r>
             <a:r>
-              <a:rPr lang="fa-IR" sz="2800" dirty="0" smtClean="0">
+              <a:rPr lang="fa-IR" sz="2400" dirty="0">
                 <a:effectLst>
                   <a:outerShdw blurRad="38100" dist="38100" dir="2700000" algn="tl">
                     <a:srgbClr val="000000">
@@ -9457,13 +9054,13 @@
                     </a:srgbClr>
                   </a:outerShdw>
                 </a:effectLst>
-                <a:latin typeface="Adobe Arabic" panose="02040503050201020203" pitchFamily="18" charset="-78"/>
-                <a:cs typeface="Adobe Arabic" panose="02040503050201020203" pitchFamily="18" charset="-78"/>
+                <a:latin typeface="Calibri" panose="020F0502020204030204" pitchFamily="34" charset="0"/>
+                <a:cs typeface="Calibri" panose="020F0502020204030204" pitchFamily="34" charset="0"/>
               </a:rPr>
               <a:t>اگر جزئیات زیادی بگوئید ، ممکن است مدیر سعی کند</a:t>
             </a:r>
             <a:r>
-              <a:rPr lang="en-US" sz="2800" dirty="0" smtClean="0">
+              <a:rPr lang="en-US" sz="2400" dirty="0">
                 <a:effectLst>
                   <a:outerShdw blurRad="38100" dist="38100" dir="2700000" algn="tl">
                     <a:srgbClr val="000000">
@@ -9471,13 +9068,13 @@
                     </a:srgbClr>
                   </a:outerShdw>
                 </a:effectLst>
-                <a:latin typeface="Adobe Arabic" panose="02040503050201020203" pitchFamily="18" charset="-78"/>
-                <a:cs typeface="Adobe Arabic" panose="02040503050201020203" pitchFamily="18" charset="-78"/>
+                <a:latin typeface="Calibri" panose="020F0502020204030204" pitchFamily="34" charset="0"/>
+                <a:cs typeface="Calibri" panose="020F0502020204030204" pitchFamily="34" charset="0"/>
               </a:rPr>
               <a:t> </a:t>
             </a:r>
             <a:r>
-              <a:rPr lang="fa-IR" sz="2800" dirty="0" smtClean="0">
+              <a:rPr lang="fa-IR" sz="2400" dirty="0">
                 <a:effectLst>
                   <a:outerShdw blurRad="38100" dist="38100" dir="2700000" algn="tl">
                     <a:srgbClr val="000000">
@@ -9485,13 +9082,13 @@
                     </a:srgbClr>
                   </a:outerShdw>
                 </a:effectLst>
-                <a:latin typeface="Adobe Arabic" panose="02040503050201020203" pitchFamily="18" charset="-78"/>
-                <a:cs typeface="Adobe Arabic" panose="02040503050201020203" pitchFamily="18" charset="-78"/>
+                <a:latin typeface="Calibri" panose="020F0502020204030204" pitchFamily="34" charset="0"/>
+                <a:cs typeface="Calibri" panose="020F0502020204030204" pitchFamily="34" charset="0"/>
               </a:rPr>
               <a:t> در کار شما دخالت کند یا اصطلاحا شما را « </a:t>
             </a:r>
             <a:r>
-              <a:rPr lang="en-US" sz="2800" dirty="0" smtClean="0">
+              <a:rPr lang="en-US" sz="2400" dirty="0">
                 <a:effectLst>
                   <a:outerShdw blurRad="38100" dist="38100" dir="2700000" algn="tl">
                     <a:srgbClr val="000000">
@@ -9499,13 +9096,13 @@
                     </a:srgbClr>
                   </a:outerShdw>
                 </a:effectLst>
-                <a:latin typeface="Adobe Arabic" panose="02040503050201020203" pitchFamily="18" charset="-78"/>
-                <a:cs typeface="Adobe Arabic" panose="02040503050201020203" pitchFamily="18" charset="-78"/>
+                <a:latin typeface="Calibri" panose="020F0502020204030204" pitchFamily="34" charset="0"/>
+                <a:cs typeface="Calibri" panose="020F0502020204030204" pitchFamily="34" charset="0"/>
               </a:rPr>
               <a:t>micro management</a:t>
             </a:r>
             <a:r>
-              <a:rPr lang="fa-IR" sz="2800" dirty="0" smtClean="0">
+              <a:rPr lang="fa-IR" sz="2400" dirty="0">
                 <a:effectLst>
                   <a:outerShdw blurRad="38100" dist="38100" dir="2700000" algn="tl">
                     <a:srgbClr val="000000">
@@ -9513,22 +9110,11 @@
                     </a:srgbClr>
                   </a:outerShdw>
                 </a:effectLst>
-                <a:latin typeface="Adobe Arabic" panose="02040503050201020203" pitchFamily="18" charset="-78"/>
-                <a:cs typeface="Adobe Arabic" panose="02040503050201020203" pitchFamily="18" charset="-78"/>
+                <a:latin typeface="Calibri" panose="020F0502020204030204" pitchFamily="34" charset="0"/>
+                <a:cs typeface="Calibri" panose="020F0502020204030204" pitchFamily="34" charset="0"/>
               </a:rPr>
               <a:t> » کند.</a:t>
             </a:r>
-            <a:endParaRPr lang="fa-IR" sz="2800" dirty="0">
-              <a:effectLst>
-                <a:outerShdw blurRad="38100" dist="38100" dir="2700000" algn="tl">
-                  <a:srgbClr val="000000">
-                    <a:alpha val="43137"/>
-                  </a:srgbClr>
-                </a:outerShdw>
-              </a:effectLst>
-              <a:latin typeface="Adobe Arabic" panose="02040503050201020203" pitchFamily="18" charset="-78"/>
-              <a:cs typeface="Adobe Arabic" panose="02040503050201020203" pitchFamily="18" charset="-78"/>
-            </a:endParaRPr>
           </a:p>
         </p:txBody>
       </p:sp>
@@ -9584,7 +9170,7 @@
           <a:p>
             <a:pPr algn="r" rtl="1"/>
             <a:r>
-              <a:rPr lang="fa-IR" sz="4400" dirty="0" smtClean="0">
+              <a:rPr lang="fa-IR" sz="4400" dirty="0">
                 <a:effectLst>
                   <a:outerShdw blurRad="38100" dist="38100" dir="2700000" algn="tl">
                     <a:srgbClr val="000000">
@@ -9592,52 +9178,10 @@
                     </a:srgbClr>
                   </a:outerShdw>
                 </a:effectLst>
-                <a:latin typeface="Adobe Arabic" panose="02040503050201020203" pitchFamily="18" charset="-78"/>
-                <a:cs typeface="Adobe Arabic" panose="02040503050201020203" pitchFamily="18" charset="-78"/>
-              </a:rPr>
-              <a:t>فصل </a:t>
-            </a:r>
-            <a:r>
-              <a:rPr lang="fa-IR" sz="4400" dirty="0" smtClean="0">
-                <a:effectLst>
-                  <a:outerShdw blurRad="38100" dist="38100" dir="2700000" algn="tl">
-                    <a:srgbClr val="000000">
-                      <a:alpha val="43137"/>
-                    </a:srgbClr>
-                  </a:outerShdw>
-                </a:effectLst>
-                <a:latin typeface="Adobe Arabic" panose="02040503050201020203" pitchFamily="18" charset="-78"/>
-                <a:cs typeface="Adobe Arabic" panose="02040503050201020203" pitchFamily="18" charset="-78"/>
-              </a:rPr>
-              <a:t>دوم </a:t>
-            </a:r>
-            <a:r>
-              <a:rPr lang="fa-IR" sz="4400" dirty="0" smtClean="0">
-                <a:effectLst>
-                  <a:outerShdw blurRad="38100" dist="38100" dir="2700000" algn="tl">
-                    <a:srgbClr val="000000">
-                      <a:alpha val="43137"/>
-                    </a:srgbClr>
-                  </a:outerShdw>
-                </a:effectLst>
-                <a:latin typeface="Adobe Arabic" panose="02040503050201020203" pitchFamily="18" charset="-78"/>
-                <a:cs typeface="Adobe Arabic" panose="02040503050201020203" pitchFamily="18" charset="-78"/>
-              </a:rPr>
-              <a:t>: </a:t>
-            </a:r>
-            <a:r>
-              <a:rPr lang="fa-IR" sz="4400" dirty="0" smtClean="0">
-                <a:effectLst>
-                  <a:outerShdw blurRad="38100" dist="38100" dir="2700000" algn="tl">
-                    <a:srgbClr val="000000">
-                      <a:alpha val="43137"/>
-                    </a:srgbClr>
-                  </a:outerShdw>
-                </a:effectLst>
-                <a:latin typeface="Adobe Arabic" panose="02040503050201020203" pitchFamily="18" charset="-78"/>
-                <a:cs typeface="Adobe Arabic" panose="02040503050201020203" pitchFamily="18" charset="-78"/>
-              </a:rPr>
-              <a:t>« نه » بگوئید </a:t>
+                <a:latin typeface="Calibri" panose="020F0502020204030204" pitchFamily="34" charset="0"/>
+                <a:cs typeface="Calibri" panose="020F0502020204030204" pitchFamily="34" charset="0"/>
+              </a:rPr>
+              <a:t>فصل دوم : « نه » بگوئید </a:t>
             </a:r>
             <a:endParaRPr lang="en-US" sz="4400" dirty="0">
               <a:effectLst>
@@ -9647,8 +9191,8 @@
                   </a:srgbClr>
                 </a:outerShdw>
               </a:effectLst>
-              <a:latin typeface="Adobe Arabic" panose="02040503050201020203" pitchFamily="18" charset="-78"/>
-              <a:cs typeface="Adobe Arabic" panose="02040503050201020203" pitchFamily="18" charset="-78"/>
+              <a:latin typeface="Calibri" panose="020F0502020204030204" pitchFamily="34" charset="0"/>
+              <a:cs typeface="Calibri" panose="020F0502020204030204" pitchFamily="34" charset="0"/>
             </a:endParaRPr>
           </a:p>
         </p:txBody>
@@ -9756,13 +9300,13 @@
           <a:p>
             <a:pPr algn="r" rtl="1"/>
             <a:r>
-              <a:rPr lang="fa-IR" sz="4400" dirty="0" smtClean="0">
-                <a:latin typeface="Adobe Arabic" panose="02040503050201020203" pitchFamily="18" charset="-78"/>
-                <a:cs typeface="Adobe Arabic" panose="02040503050201020203" pitchFamily="18" charset="-78"/>
+              <a:rPr lang="fa-IR" sz="3600" dirty="0">
+                <a:latin typeface="Calibri" panose="020F0502020204030204" pitchFamily="34" charset="0"/>
+                <a:cs typeface="Calibri" panose="020F0502020204030204" pitchFamily="34" charset="0"/>
               </a:rPr>
               <a:t>یک بازیگر تیم بودن</a:t>
             </a:r>
-            <a:endParaRPr lang="fa-IR" sz="4400" dirty="0">
+            <a:endParaRPr lang="fa-IR" sz="3600" dirty="0">
               <a:effectLst>
                 <a:outerShdw blurRad="38100" dist="38100" dir="2700000" algn="tl">
                   <a:srgbClr val="000000">
@@ -9770,8 +9314,8 @@
                   </a:srgbClr>
                 </a:outerShdw>
               </a:effectLst>
-              <a:latin typeface="Adobe Arabic" panose="02040503050201020203" pitchFamily="18" charset="-78"/>
-              <a:cs typeface="Adobe Arabic" panose="02040503050201020203" pitchFamily="18" charset="-78"/>
+              <a:latin typeface="Calibri" panose="020F0502020204030204" pitchFamily="34" charset="0"/>
+              <a:cs typeface="Calibri" panose="020F0502020204030204" pitchFamily="34" charset="0"/>
             </a:endParaRPr>
           </a:p>
         </p:txBody>
@@ -9785,7 +9329,7 @@
         <p:spPr>
           <a:xfrm>
             <a:off x="406400" y="2934485"/>
-            <a:ext cx="10904350" cy="1815882"/>
+            <a:ext cx="10904350" cy="2246769"/>
           </a:xfrm>
           <a:prstGeom prst="rect">
             <a:avLst/>
@@ -9803,9 +9347,9 @@
               <a:buChar char="ü"/>
             </a:pPr>
             <a:r>
-              <a:rPr lang="fa-IR" sz="2800" dirty="0" smtClean="0">
-                <a:latin typeface="Adobe Arabic" panose="02040503050201020203" pitchFamily="18" charset="-78"/>
-                <a:cs typeface="Adobe Arabic" panose="02040503050201020203" pitchFamily="18" charset="-78"/>
+              <a:rPr lang="fa-IR" sz="2800" dirty="0">
+                <a:latin typeface="Calibri" panose="020F0502020204030204" pitchFamily="34" charset="0"/>
+                <a:cs typeface="Calibri" panose="020F0502020204030204" pitchFamily="34" charset="0"/>
               </a:rPr>
               <a:t>یک بازیگر تیم بودن به این معناست که کار خود را به خوبی انجام دهید ، وقتی هم تیمی های شما به مشکلی در کارشان برخوردند ، به آنها کمک کنید .</a:t>
             </a:r>
@@ -9816,7 +9360,7 @@
               <a:buChar char="ü"/>
             </a:pPr>
             <a:r>
-              <a:rPr lang="fa-IR" sz="2800" dirty="0" smtClean="0">
+              <a:rPr lang="fa-IR" sz="2800" dirty="0">
                 <a:effectLst>
                   <a:outerShdw blurRad="38100" dist="38100" dir="2700000" algn="tl">
                     <a:srgbClr val="000000">
@@ -9824,8 +9368,8 @@
                     </a:srgbClr>
                   </a:outerShdw>
                 </a:effectLst>
-                <a:latin typeface="Adobe Arabic" panose="02040503050201020203" pitchFamily="18" charset="-78"/>
-                <a:cs typeface="Adobe Arabic" panose="02040503050201020203" pitchFamily="18" charset="-78"/>
+                <a:latin typeface="Calibri" panose="020F0502020204030204" pitchFamily="34" charset="0"/>
+                <a:cs typeface="Calibri" panose="020F0502020204030204" pitchFamily="34" charset="0"/>
               </a:rPr>
               <a:t>یک بازیگر تیم به صورت مرتب با دیگر اعضای تیم ارتباط برقرار می کند و حواسش به سایرین هست . </a:t>
             </a:r>
@@ -9836,7 +9380,7 @@
               <a:buChar char="ü"/>
             </a:pPr>
             <a:r>
-              <a:rPr lang="fa-IR" sz="2800" dirty="0" smtClean="0">
+              <a:rPr lang="fa-IR" sz="2800" dirty="0">
                 <a:effectLst>
                   <a:outerShdw blurRad="38100" dist="38100" dir="2700000" algn="tl">
                     <a:srgbClr val="000000">
@@ -9844,22 +9388,11 @@
                     </a:srgbClr>
                   </a:outerShdw>
                 </a:effectLst>
-                <a:latin typeface="Adobe Arabic" panose="02040503050201020203" pitchFamily="18" charset="-78"/>
-                <a:cs typeface="Adobe Arabic" panose="02040503050201020203" pitchFamily="18" charset="-78"/>
+                <a:latin typeface="Calibri" panose="020F0502020204030204" pitchFamily="34" charset="0"/>
+                <a:cs typeface="Calibri" panose="020F0502020204030204" pitchFamily="34" charset="0"/>
               </a:rPr>
               <a:t>بازیگر تیم کسی نیست که همیشه « بعله » بگوید . </a:t>
             </a:r>
-            <a:endParaRPr lang="fa-IR" sz="2800" dirty="0">
-              <a:effectLst>
-                <a:outerShdw blurRad="38100" dist="38100" dir="2700000" algn="tl">
-                  <a:srgbClr val="000000">
-                    <a:alpha val="43137"/>
-                  </a:srgbClr>
-                </a:outerShdw>
-              </a:effectLst>
-              <a:latin typeface="Adobe Arabic" panose="02040503050201020203" pitchFamily="18" charset="-78"/>
-              <a:cs typeface="Adobe Arabic" panose="02040503050201020203" pitchFamily="18" charset="-78"/>
-            </a:endParaRPr>
           </a:p>
         </p:txBody>
       </p:sp>
@@ -9915,7 +9448,7 @@
           <a:p>
             <a:pPr algn="r"/>
             <a:r>
-              <a:rPr lang="fa-IR" sz="4400" dirty="0" smtClean="0">
+              <a:rPr lang="fa-IR" sz="4400" dirty="0">
                 <a:ln w="9525">
                   <a:solidFill>
                     <a:schemeClr val="bg1"/>
@@ -10014,8 +9547,8 @@
         </p:nvSpPr>
         <p:spPr>
           <a:xfrm>
-            <a:off x="622300" y="2479920"/>
-            <a:ext cx="8013700" cy="3539430"/>
+            <a:off x="619502" y="2671885"/>
+            <a:ext cx="8013700" cy="3046988"/>
           </a:xfrm>
           <a:prstGeom prst="rect">
             <a:avLst/>
@@ -10030,207 +9563,123 @@
           <a:p>
             <a:pPr algn="just" rtl="1"/>
             <a:r>
-              <a:rPr lang="fa-IR" sz="2800" dirty="0">
-                <a:latin typeface="Adobe Arabic" panose="02040503050201020203" pitchFamily="18" charset="-78"/>
-                <a:cs typeface="Adobe Arabic" panose="02040503050201020203" pitchFamily="18" charset="-78"/>
-              </a:rPr>
-              <a:t>رابرت سیسیل </a:t>
-            </a:r>
-            <a:r>
-              <a:rPr lang="fa-IR" sz="2800" dirty="0" smtClean="0">
-                <a:latin typeface="Adobe Arabic" panose="02040503050201020203" pitchFamily="18" charset="-78"/>
-                <a:cs typeface="Adobe Arabic" panose="02040503050201020203" pitchFamily="18" charset="-78"/>
-              </a:rPr>
-              <a:t>مارتین</a:t>
-            </a:r>
-            <a:r>
-              <a:rPr lang="en-US" sz="2800" dirty="0" smtClean="0">
-                <a:latin typeface="Adobe Arabic" panose="02040503050201020203" pitchFamily="18" charset="-78"/>
-                <a:cs typeface="Adobe Arabic" panose="02040503050201020203" pitchFamily="18" charset="-78"/>
+              <a:rPr lang="fa-IR" sz="2400" dirty="0">
+                <a:latin typeface="Calibri" panose="020F0502020204030204" pitchFamily="34" charset="0"/>
+                <a:cs typeface="Calibri" panose="020F0502020204030204" pitchFamily="34" charset="0"/>
+              </a:rPr>
+              <a:t>رابرت سیسیل مارتین</a:t>
+            </a:r>
+            <a:r>
+              <a:rPr lang="en-US" sz="2400" dirty="0">
+                <a:latin typeface="Calibri" panose="020F0502020204030204" pitchFamily="34" charset="0"/>
+                <a:cs typeface="Calibri" panose="020F0502020204030204" pitchFamily="34" charset="0"/>
               </a:rPr>
               <a:t> </a:t>
             </a:r>
             <a:r>
-              <a:rPr lang="fa-IR" sz="2800" dirty="0" smtClean="0">
-                <a:latin typeface="Adobe Arabic" panose="02040503050201020203" pitchFamily="18" charset="-78"/>
-                <a:cs typeface="Adobe Arabic" panose="02040503050201020203" pitchFamily="18" charset="-78"/>
+              <a:rPr lang="fa-IR" sz="2400" dirty="0">
+                <a:latin typeface="Calibri" panose="020F0502020204030204" pitchFamily="34" charset="0"/>
+                <a:cs typeface="Calibri" panose="020F0502020204030204" pitchFamily="34" charset="0"/>
               </a:rPr>
               <a:t> ( </a:t>
             </a:r>
             <a:r>
-              <a:rPr lang="en-US" sz="2800" dirty="0" smtClean="0">
-                <a:latin typeface="Adobe Arabic" panose="02040503050201020203" pitchFamily="18" charset="-78"/>
-                <a:cs typeface="Adobe Arabic" panose="02040503050201020203" pitchFamily="18" charset="-78"/>
+              <a:rPr lang="en-US" sz="2400" dirty="0">
+                <a:latin typeface="Calibri" panose="020F0502020204030204" pitchFamily="34" charset="0"/>
+                <a:cs typeface="Calibri" panose="020F0502020204030204" pitchFamily="34" charset="0"/>
               </a:rPr>
               <a:t>Robert C. Martin</a:t>
             </a:r>
             <a:r>
-              <a:rPr lang="fa-IR" sz="2800" dirty="0" smtClean="0">
-                <a:latin typeface="Adobe Arabic" panose="02040503050201020203" pitchFamily="18" charset="-78"/>
-                <a:cs typeface="Adobe Arabic" panose="02040503050201020203" pitchFamily="18" charset="-78"/>
-              </a:rPr>
-              <a:t> / معروف </a:t>
-            </a:r>
-            <a:r>
-              <a:rPr lang="fa-IR" sz="2800" dirty="0">
-                <a:latin typeface="Adobe Arabic" panose="02040503050201020203" pitchFamily="18" charset="-78"/>
-                <a:cs typeface="Adobe Arabic" panose="02040503050201020203" pitchFamily="18" charset="-78"/>
-              </a:rPr>
-              <a:t>به عمو باب ) یک  مهندس ، برنامه نویس  ، مربی و نویسنده ی  آمریکایی است  . </a:t>
-            </a:r>
-            <a:r>
-              <a:rPr lang="fa-IR" sz="2800" dirty="0" smtClean="0">
-                <a:latin typeface="Adobe Arabic" panose="02040503050201020203" pitchFamily="18" charset="-78"/>
-                <a:cs typeface="Adobe Arabic" panose="02040503050201020203" pitchFamily="18" charset="-78"/>
-              </a:rPr>
-              <a:t>آقای باب </a:t>
-            </a:r>
-            <a:r>
-              <a:rPr lang="fa-IR" sz="2800" dirty="0">
-                <a:latin typeface="Adobe Arabic" panose="02040503050201020203" pitchFamily="18" charset="-78"/>
-                <a:cs typeface="Adobe Arabic" panose="02040503050201020203" pitchFamily="18" charset="-78"/>
-              </a:rPr>
-              <a:t>مارتین بیشتر به خاطر نقش موثرش در نوشتن مانیفست </a:t>
-            </a:r>
-            <a:r>
-              <a:rPr lang="en-US" sz="2800" dirty="0">
-                <a:latin typeface="Adobe Arabic" panose="02040503050201020203" pitchFamily="18" charset="-78"/>
-                <a:cs typeface="Adobe Arabic" panose="02040503050201020203" pitchFamily="18" charset="-78"/>
+              <a:rPr lang="fa-IR" sz="2400" dirty="0">
+                <a:latin typeface="Calibri" panose="020F0502020204030204" pitchFamily="34" charset="0"/>
+                <a:cs typeface="Calibri" panose="020F0502020204030204" pitchFamily="34" charset="0"/>
+              </a:rPr>
+              <a:t> / معروف به عمو باب ) یک  مهندس ، برنامه نویس  ، مربی و نویسنده ی  آمریکایی است  . آقای باب مارتین بیشتر به خاطر نقش موثرش در نوشتن مانیفست </a:t>
+            </a:r>
+            <a:r>
+              <a:rPr lang="en-US" sz="2400" dirty="0">
+                <a:latin typeface="Calibri" panose="020F0502020204030204" pitchFamily="34" charset="0"/>
+                <a:cs typeface="Calibri" panose="020F0502020204030204" pitchFamily="34" charset="0"/>
               </a:rPr>
               <a:t>Agile  </a:t>
             </a:r>
             <a:r>
-              <a:rPr lang="fa-IR" sz="2800" dirty="0" smtClean="0">
-                <a:latin typeface="Adobe Arabic" panose="02040503050201020203" pitchFamily="18" charset="-78"/>
-                <a:cs typeface="Adobe Arabic" panose="02040503050201020203" pitchFamily="18" charset="-78"/>
+              <a:rPr lang="fa-IR" sz="2400" dirty="0">
+                <a:latin typeface="Calibri" panose="020F0502020204030204" pitchFamily="34" charset="0"/>
+                <a:cs typeface="Calibri" panose="020F0502020204030204" pitchFamily="34" charset="0"/>
+              </a:rPr>
+              <a:t> و همچنین توسعه ی چند اصل طراحی نرم افزار و تهیه ی </a:t>
+            </a:r>
+            <a:r>
+              <a:rPr lang="en-US" sz="2400" dirty="0">
+                <a:latin typeface="Calibri" panose="020F0502020204030204" pitchFamily="34" charset="0"/>
+                <a:cs typeface="Calibri" panose="020F0502020204030204" pitchFamily="34" charset="0"/>
+              </a:rPr>
+              <a:t>SOLID Principles </a:t>
+            </a:r>
+            <a:r>
+              <a:rPr lang="fa-IR" sz="2400" dirty="0">
+                <a:latin typeface="Calibri" panose="020F0502020204030204" pitchFamily="34" charset="0"/>
+                <a:cs typeface="Calibri" panose="020F0502020204030204" pitchFamily="34" charset="0"/>
+              </a:rPr>
+              <a:t> شناخته می شود.  ایشان اولین مدیر اتحادیه ی </a:t>
+            </a:r>
+            <a:r>
+              <a:rPr lang="en-US" sz="2400" dirty="0">
+                <a:latin typeface="Calibri" panose="020F0502020204030204" pitchFamily="34" charset="0"/>
+                <a:cs typeface="Calibri" panose="020F0502020204030204" pitchFamily="34" charset="0"/>
+              </a:rPr>
+              <a:t>Agile  </a:t>
+            </a:r>
+            <a:r>
+              <a:rPr lang="fa-IR" sz="2400" dirty="0">
+                <a:latin typeface="Calibri" panose="020F0502020204030204" pitchFamily="34" charset="0"/>
+                <a:cs typeface="Calibri" panose="020F0502020204030204" pitchFamily="34" charset="0"/>
+              </a:rPr>
+              <a:t> بودند . </a:t>
+            </a:r>
+          </a:p>
+          <a:p>
+            <a:pPr algn="just" rtl="1"/>
+            <a:r>
+              <a:rPr lang="fa-IR" sz="2400" dirty="0">
+                <a:latin typeface="Calibri" panose="020F0502020204030204" pitchFamily="34" charset="0"/>
+                <a:cs typeface="Calibri" panose="020F0502020204030204" pitchFamily="34" charset="0"/>
+              </a:rPr>
+              <a:t>در حال حاضر آقای مارتین دو شرکت  </a:t>
+            </a:r>
+            <a:r>
+              <a:rPr lang="en-US" sz="2400" dirty="0">
+                <a:latin typeface="Calibri" panose="020F0502020204030204" pitchFamily="34" charset="0"/>
+                <a:cs typeface="Calibri" panose="020F0502020204030204" pitchFamily="34" charset="0"/>
+              </a:rPr>
+              <a:t>Uncle Bob Consulting </a:t>
+            </a:r>
+            <a:r>
+              <a:rPr lang="fa-IR" sz="2400" dirty="0">
+                <a:latin typeface="Calibri" panose="020F0502020204030204" pitchFamily="34" charset="0"/>
+                <a:cs typeface="Calibri" panose="020F0502020204030204" pitchFamily="34" charset="0"/>
               </a:rPr>
               <a:t> و </a:t>
             </a:r>
             <a:r>
-              <a:rPr lang="fa-IR" sz="2800" dirty="0">
-                <a:latin typeface="Adobe Arabic" panose="02040503050201020203" pitchFamily="18" charset="-78"/>
-                <a:cs typeface="Adobe Arabic" panose="02040503050201020203" pitchFamily="18" charset="-78"/>
-              </a:rPr>
-              <a:t>همچنین توسعه ی چند اصل طراحی نرم افزار و تهیه ی </a:t>
-            </a:r>
-            <a:r>
-              <a:rPr lang="en-US" sz="2800" dirty="0">
-                <a:latin typeface="Adobe Arabic" panose="02040503050201020203" pitchFamily="18" charset="-78"/>
-                <a:cs typeface="Adobe Arabic" panose="02040503050201020203" pitchFamily="18" charset="-78"/>
-              </a:rPr>
-              <a:t>SOLID </a:t>
-            </a:r>
-            <a:r>
-              <a:rPr lang="en-US" sz="2800" dirty="0" smtClean="0">
-                <a:latin typeface="Adobe Arabic" panose="02040503050201020203" pitchFamily="18" charset="-78"/>
-                <a:cs typeface="Adobe Arabic" panose="02040503050201020203" pitchFamily="18" charset="-78"/>
-              </a:rPr>
-              <a:t>Principles </a:t>
-            </a:r>
-            <a:r>
-              <a:rPr lang="fa-IR" sz="2800" dirty="0" smtClean="0">
-                <a:latin typeface="Adobe Arabic" panose="02040503050201020203" pitchFamily="18" charset="-78"/>
-                <a:cs typeface="Adobe Arabic" panose="02040503050201020203" pitchFamily="18" charset="-78"/>
-              </a:rPr>
-              <a:t> شناخته </a:t>
-            </a:r>
-            <a:r>
-              <a:rPr lang="fa-IR" sz="2800" dirty="0">
-                <a:latin typeface="Adobe Arabic" panose="02040503050201020203" pitchFamily="18" charset="-78"/>
-                <a:cs typeface="Adobe Arabic" panose="02040503050201020203" pitchFamily="18" charset="-78"/>
-              </a:rPr>
-              <a:t>می شود.  ایشان اولین مدیر اتحادیه ی </a:t>
-            </a:r>
-            <a:r>
-              <a:rPr lang="en-US" sz="2800" dirty="0">
-                <a:latin typeface="Adobe Arabic" panose="02040503050201020203" pitchFamily="18" charset="-78"/>
-                <a:cs typeface="Adobe Arabic" panose="02040503050201020203" pitchFamily="18" charset="-78"/>
-              </a:rPr>
-              <a:t>Agile  </a:t>
-            </a:r>
-            <a:r>
-              <a:rPr lang="fa-IR" sz="2800" dirty="0" smtClean="0">
-                <a:latin typeface="Adobe Arabic" panose="02040503050201020203" pitchFamily="18" charset="-78"/>
-                <a:cs typeface="Adobe Arabic" panose="02040503050201020203" pitchFamily="18" charset="-78"/>
-              </a:rPr>
-              <a:t> بودند </a:t>
-            </a:r>
-            <a:r>
-              <a:rPr lang="fa-IR" sz="2800" dirty="0">
-                <a:latin typeface="Adobe Arabic" panose="02040503050201020203" pitchFamily="18" charset="-78"/>
-                <a:cs typeface="Adobe Arabic" panose="02040503050201020203" pitchFamily="18" charset="-78"/>
-              </a:rPr>
-              <a:t>. </a:t>
-            </a:r>
-          </a:p>
-          <a:p>
-            <a:pPr algn="just" rtl="1"/>
-            <a:r>
-              <a:rPr lang="fa-IR" sz="2800" dirty="0">
-                <a:latin typeface="Adobe Arabic" panose="02040503050201020203" pitchFamily="18" charset="-78"/>
-                <a:cs typeface="Adobe Arabic" panose="02040503050201020203" pitchFamily="18" charset="-78"/>
-              </a:rPr>
-              <a:t>در حال حاضر آقای مارتین دو شرکت  </a:t>
-            </a:r>
-            <a:r>
-              <a:rPr lang="en-US" sz="2800" dirty="0">
-                <a:latin typeface="Adobe Arabic" panose="02040503050201020203" pitchFamily="18" charset="-78"/>
-                <a:cs typeface="Adobe Arabic" panose="02040503050201020203" pitchFamily="18" charset="-78"/>
-              </a:rPr>
-              <a:t>Uncle Bob Consulting </a:t>
-            </a:r>
-            <a:r>
-              <a:rPr lang="fa-IR" sz="2800" dirty="0" smtClean="0">
-                <a:latin typeface="Adobe Arabic" panose="02040503050201020203" pitchFamily="18" charset="-78"/>
-                <a:cs typeface="Adobe Arabic" panose="02040503050201020203" pitchFamily="18" charset="-78"/>
-              </a:rPr>
-              <a:t> و </a:t>
-            </a:r>
-            <a:r>
-              <a:rPr lang="en-US" sz="2800" dirty="0">
-                <a:latin typeface="Adobe Arabic" panose="02040503050201020203" pitchFamily="18" charset="-78"/>
-                <a:cs typeface="Adobe Arabic" panose="02040503050201020203" pitchFamily="18" charset="-78"/>
+              <a:rPr lang="en-US" sz="2400" dirty="0">
+                <a:latin typeface="Calibri" panose="020F0502020204030204" pitchFamily="34" charset="0"/>
+                <a:cs typeface="Calibri" panose="020F0502020204030204" pitchFamily="34" charset="0"/>
               </a:rPr>
               <a:t>Clean Coders </a:t>
             </a:r>
             <a:r>
-              <a:rPr lang="fa-IR" sz="2800" dirty="0" smtClean="0">
-                <a:latin typeface="Adobe Arabic" panose="02040503050201020203" pitchFamily="18" charset="-78"/>
-                <a:cs typeface="Adobe Arabic" panose="02040503050201020203" pitchFamily="18" charset="-78"/>
-              </a:rPr>
-              <a:t> را </a:t>
-            </a:r>
-            <a:r>
-              <a:rPr lang="fa-IR" sz="2800" dirty="0">
-                <a:latin typeface="Adobe Arabic" panose="02040503050201020203" pitchFamily="18" charset="-78"/>
-                <a:cs typeface="Adobe Arabic" panose="02040503050201020203" pitchFamily="18" charset="-78"/>
-              </a:rPr>
-              <a:t>مدیریت می کند که </a:t>
-            </a:r>
-            <a:r>
-              <a:rPr lang="fa-IR" sz="2800" dirty="0" smtClean="0">
-                <a:latin typeface="Adobe Arabic" panose="02040503050201020203" pitchFamily="18" charset="-78"/>
-                <a:cs typeface="Adobe Arabic" panose="02040503050201020203" pitchFamily="18" charset="-78"/>
-              </a:rPr>
-              <a:t>شرکت </a:t>
-            </a:r>
-            <a:r>
-              <a:rPr lang="fa-IR" sz="2800" dirty="0">
-                <a:latin typeface="Adobe Arabic" panose="02040503050201020203" pitchFamily="18" charset="-78"/>
-                <a:cs typeface="Adobe Arabic" panose="02040503050201020203" pitchFamily="18" charset="-78"/>
-              </a:rPr>
-              <a:t>اول خدمات مشاوره ای و آموزشی ارائه می دهد و شرکت دوم  ویدئوهای آموزشی تهیه می </a:t>
-            </a:r>
-            <a:r>
-              <a:rPr lang="fa-IR" sz="2800" dirty="0" smtClean="0">
-                <a:latin typeface="Adobe Arabic" panose="02040503050201020203" pitchFamily="18" charset="-78"/>
-                <a:cs typeface="Adobe Arabic" panose="02040503050201020203" pitchFamily="18" charset="-78"/>
-              </a:rPr>
-              <a:t>کند . </a:t>
-            </a:r>
-            <a:endParaRPr lang="en-US" sz="2800" dirty="0">
-              <a:latin typeface="Adobe Arabic" panose="02040503050201020203" pitchFamily="18" charset="-78"/>
-              <a:cs typeface="Adobe Arabic" panose="02040503050201020203" pitchFamily="18" charset="-78"/>
+              <a:rPr lang="fa-IR" sz="2400" dirty="0">
+                <a:latin typeface="Calibri" panose="020F0502020204030204" pitchFamily="34" charset="0"/>
+                <a:cs typeface="Calibri" panose="020F0502020204030204" pitchFamily="34" charset="0"/>
+              </a:rPr>
+              <a:t> را مدیریت می کند که شرکت اول خدمات مشاوره ای و آموزشی ارائه می دهد و شرکت دوم  ویدئوهای آموزشی تهیه می کند . </a:t>
+            </a:r>
+            <a:endParaRPr lang="en-US" sz="2400" dirty="0">
+              <a:latin typeface="Calibri" panose="020F0502020204030204" pitchFamily="34" charset="0"/>
+              <a:cs typeface="Calibri" panose="020F0502020204030204" pitchFamily="34" charset="0"/>
             </a:endParaRPr>
           </a:p>
         </p:txBody>
@@ -10287,7 +9736,7 @@
           <a:p>
             <a:pPr algn="r" rtl="1"/>
             <a:r>
-              <a:rPr lang="fa-IR" sz="4400" dirty="0" smtClean="0">
+              <a:rPr lang="fa-IR" sz="4400" dirty="0">
                 <a:effectLst>
                   <a:outerShdw blurRad="38100" dist="38100" dir="2700000" algn="tl">
                     <a:srgbClr val="000000">
@@ -10295,52 +9744,10 @@
                     </a:srgbClr>
                   </a:outerShdw>
                 </a:effectLst>
-                <a:latin typeface="Adobe Arabic" panose="02040503050201020203" pitchFamily="18" charset="-78"/>
-                <a:cs typeface="Adobe Arabic" panose="02040503050201020203" pitchFamily="18" charset="-78"/>
-              </a:rPr>
-              <a:t>فصل </a:t>
-            </a:r>
-            <a:r>
-              <a:rPr lang="fa-IR" sz="4400" dirty="0" smtClean="0">
-                <a:effectLst>
-                  <a:outerShdw blurRad="38100" dist="38100" dir="2700000" algn="tl">
-                    <a:srgbClr val="000000">
-                      <a:alpha val="43137"/>
-                    </a:srgbClr>
-                  </a:outerShdw>
-                </a:effectLst>
-                <a:latin typeface="Adobe Arabic" panose="02040503050201020203" pitchFamily="18" charset="-78"/>
-                <a:cs typeface="Adobe Arabic" panose="02040503050201020203" pitchFamily="18" charset="-78"/>
-              </a:rPr>
-              <a:t>دوم </a:t>
-            </a:r>
-            <a:r>
-              <a:rPr lang="fa-IR" sz="4400" dirty="0" smtClean="0">
-                <a:effectLst>
-                  <a:outerShdw blurRad="38100" dist="38100" dir="2700000" algn="tl">
-                    <a:srgbClr val="000000">
-                      <a:alpha val="43137"/>
-                    </a:srgbClr>
-                  </a:outerShdw>
-                </a:effectLst>
-                <a:latin typeface="Adobe Arabic" panose="02040503050201020203" pitchFamily="18" charset="-78"/>
-                <a:cs typeface="Adobe Arabic" panose="02040503050201020203" pitchFamily="18" charset="-78"/>
-              </a:rPr>
-              <a:t>: </a:t>
-            </a:r>
-            <a:r>
-              <a:rPr lang="fa-IR" sz="4400" dirty="0" smtClean="0">
-                <a:effectLst>
-                  <a:outerShdw blurRad="38100" dist="38100" dir="2700000" algn="tl">
-                    <a:srgbClr val="000000">
-                      <a:alpha val="43137"/>
-                    </a:srgbClr>
-                  </a:outerShdw>
-                </a:effectLst>
-                <a:latin typeface="Adobe Arabic" panose="02040503050201020203" pitchFamily="18" charset="-78"/>
-                <a:cs typeface="Adobe Arabic" panose="02040503050201020203" pitchFamily="18" charset="-78"/>
-              </a:rPr>
-              <a:t>« نه » بگوئید </a:t>
+                <a:latin typeface="Calibri" panose="020F0502020204030204" pitchFamily="34" charset="0"/>
+                <a:cs typeface="Calibri" panose="020F0502020204030204" pitchFamily="34" charset="0"/>
+              </a:rPr>
+              <a:t>فصل دوم : « نه » بگوئید </a:t>
             </a:r>
             <a:endParaRPr lang="en-US" sz="4400" dirty="0">
               <a:effectLst>
@@ -10350,8 +9757,8 @@
                   </a:srgbClr>
                 </a:outerShdw>
               </a:effectLst>
-              <a:latin typeface="Adobe Arabic" panose="02040503050201020203" pitchFamily="18" charset="-78"/>
-              <a:cs typeface="Adobe Arabic" panose="02040503050201020203" pitchFamily="18" charset="-78"/>
+              <a:latin typeface="Calibri" panose="020F0502020204030204" pitchFamily="34" charset="0"/>
+              <a:cs typeface="Calibri" panose="020F0502020204030204" pitchFamily="34" charset="0"/>
             </a:endParaRPr>
           </a:p>
         </p:txBody>
@@ -10366,7 +9773,7 @@
         </p:nvSpPr>
         <p:spPr>
           <a:xfrm>
-            <a:off x="3929251" y="1964035"/>
+            <a:off x="3929251" y="1760835"/>
             <a:ext cx="7818249" cy="970450"/>
           </a:xfrm>
           <a:prstGeom prst="rect">
@@ -10459,11 +9866,11 @@
           <a:p>
             <a:pPr algn="r" rtl="1"/>
             <a:r>
-              <a:rPr lang="fa-IR" sz="4400" dirty="0" smtClean="0">
-                <a:latin typeface="Adobe Arabic" panose="02040503050201020203" pitchFamily="18" charset="-78"/>
-                <a:cs typeface="Adobe Arabic" panose="02040503050201020203" pitchFamily="18" charset="-78"/>
-              </a:rPr>
-              <a:t>یک بازیگر تیم بودن</a:t>
+              <a:rPr lang="fa-IR" sz="4400" dirty="0">
+                <a:latin typeface="Calibri" panose="020F0502020204030204" pitchFamily="34" charset="0"/>
+                <a:cs typeface="Calibri" panose="020F0502020204030204" pitchFamily="34" charset="0"/>
+              </a:rPr>
+              <a:t>تلاش کردن</a:t>
             </a:r>
             <a:endParaRPr lang="fa-IR" sz="4400" dirty="0">
               <a:effectLst>
@@ -10473,22 +9880,58 @@
                   </a:srgbClr>
                 </a:outerShdw>
               </a:effectLst>
-              <a:latin typeface="Adobe Arabic" panose="02040503050201020203" pitchFamily="18" charset="-78"/>
-              <a:cs typeface="Adobe Arabic" panose="02040503050201020203" pitchFamily="18" charset="-78"/>
+              <a:latin typeface="Calibri" panose="020F0502020204030204" pitchFamily="34" charset="0"/>
+              <a:cs typeface="Calibri" panose="020F0502020204030204" pitchFamily="34" charset="0"/>
             </a:endParaRPr>
           </a:p>
         </p:txBody>
       </p:sp>
-      <p:sp>
-        <p:nvSpPr>
-          <p:cNvPr id="8" name="TextBox 7"/>
+      <p:pic>
+        <p:nvPicPr>
+          <p:cNvPr id="6" name="Picture 5"/>
+          <p:cNvPicPr>
+            <a:picLocks noChangeAspect="1"/>
+          </p:cNvPicPr>
+          <p:nvPr/>
+        </p:nvPicPr>
+        <p:blipFill>
+          <a:blip r:embed="rId2">
+            <a:extLst>
+              <a:ext uri="{28A0092B-C50C-407E-A947-70E740481C1C}">
+                <a14:useLocalDpi xmlns:a14="http://schemas.microsoft.com/office/drawing/2010/main" val="0"/>
+              </a:ext>
+            </a:extLst>
+          </a:blip>
+          <a:stretch>
+            <a:fillRect/>
+          </a:stretch>
+        </p:blipFill>
+        <p:spPr>
+          <a:xfrm>
+            <a:off x="182769" y="2598763"/>
+            <a:ext cx="3187700" cy="4016502"/>
+          </a:xfrm>
+          <a:prstGeom prst="rect">
+            <a:avLst/>
+          </a:prstGeom>
+          <a:ln>
+            <a:noFill/>
+          </a:ln>
+          <a:effectLst>
+            <a:softEdge rad="112500"/>
+          </a:effectLst>
+        </p:spPr>
+      </p:pic>
+      <p:sp>
+        <p:nvSpPr>
+          <p:cNvPr id="5" name="TextBox 4"/>
           <p:cNvSpPr txBox="1"/>
           <p:nvPr/>
         </p:nvSpPr>
         <p:spPr>
           <a:xfrm>
-            <a:off x="406400" y="2934485"/>
-            <a:ext cx="10904350" cy="1815882"/>
+            <a:off x="182769" y="831510"/>
+            <a:ext cx="3816577" cy="830997"/>
           </a:xfrm>
           <a:prstGeom prst="rect">
             <a:avLst/>
@@ -10496,72 +9939,185 @@
           <a:noFill/>
         </p:spPr>
         <p:txBody>
-          <a:bodyPr wrap="square" numCol="1" rtlCol="0">
+          <a:bodyPr wrap="square" rtlCol="0">
             <a:spAutoFit/>
           </a:bodyPr>
           <a:lstStyle/>
           <a:p>
-            <a:pPr marL="457200" indent="-457200" algn="just" rtl="1">
+            <a:pPr algn="ctr" rtl="1"/>
+            <a:r>
+              <a:rPr lang="fa-IR" sz="2400" b="1" dirty="0">
+                <a:ln w="0"/>
+                <a:effectLst>
+                  <a:outerShdw blurRad="38100" dist="19050" dir="2700000" algn="tl" rotWithShape="0">
+                    <a:schemeClr val="dk1">
+                      <a:alpha val="40000"/>
+                    </a:schemeClr>
+                  </a:outerShdw>
+                </a:effectLst>
+                <a:latin typeface="Calibri" panose="020F0502020204030204" pitchFamily="34" charset="0"/>
+                <a:cs typeface="Calibri" panose="020F0502020204030204" pitchFamily="34" charset="0"/>
+              </a:rPr>
+              <a:t>انجام بده ، یا انجام نده .</a:t>
+            </a:r>
+          </a:p>
+          <a:p>
+            <a:pPr algn="ctr" rtl="1"/>
+            <a:r>
+              <a:rPr lang="fa-IR" sz="2400" b="1" dirty="0">
+                <a:ln w="0"/>
+                <a:effectLst>
+                  <a:outerShdw blurRad="38100" dist="19050" dir="2700000" algn="tl" rotWithShape="0">
+                    <a:schemeClr val="dk1">
+                      <a:alpha val="40000"/>
+                    </a:schemeClr>
+                  </a:outerShdw>
+                </a:effectLst>
+                <a:latin typeface="Calibri" panose="020F0502020204030204" pitchFamily="34" charset="0"/>
+                <a:cs typeface="Calibri" panose="020F0502020204030204" pitchFamily="34" charset="0"/>
+              </a:rPr>
+              <a:t>هیچ « تلاشی » وجود نداره . 	</a:t>
+            </a:r>
+            <a:endParaRPr lang="en-US" sz="2400" b="1" dirty="0">
+              <a:ln w="0"/>
+              <a:effectLst>
+                <a:outerShdw blurRad="38100" dist="19050" dir="2700000" algn="tl" rotWithShape="0">
+                  <a:schemeClr val="dk1">
+                    <a:alpha val="40000"/>
+                  </a:schemeClr>
+                </a:outerShdw>
+              </a:effectLst>
+              <a:latin typeface="Calibri" panose="020F0502020204030204" pitchFamily="34" charset="0"/>
+              <a:cs typeface="Calibri" panose="020F0502020204030204" pitchFamily="34" charset="0"/>
+            </a:endParaRPr>
+          </a:p>
+        </p:txBody>
+      </p:sp>
+      <p:sp>
+        <p:nvSpPr>
+          <p:cNvPr id="3" name="TextBox 2"/>
+          <p:cNvSpPr txBox="1"/>
+          <p:nvPr/>
+        </p:nvSpPr>
+        <p:spPr>
+          <a:xfrm>
+            <a:off x="3370469" y="2731285"/>
+            <a:ext cx="8216497" cy="3785652"/>
+          </a:xfrm>
+          <a:prstGeom prst="rect">
+            <a:avLst/>
+          </a:prstGeom>
+          <a:noFill/>
+        </p:spPr>
+        <p:txBody>
+          <a:bodyPr wrap="square" rtlCol="0">
+            <a:spAutoFit/>
+          </a:bodyPr>
+          <a:lstStyle/>
+          <a:p>
+            <a:pPr algn="r" rtl="1"/>
+            <a:r>
+              <a:rPr lang="fa-IR" sz="2400" dirty="0">
+                <a:latin typeface="Calibri" panose="020F0502020204030204" pitchFamily="34" charset="0"/>
+                <a:cs typeface="Calibri" panose="020F0502020204030204" pitchFamily="34" charset="0"/>
+              </a:rPr>
+              <a:t>برداشت های مختلفی که  از « تلاش می کنم » یا « سعی می کنم » وجود دارد :</a:t>
+            </a:r>
+          </a:p>
+          <a:p>
+            <a:pPr marL="342900" indent="-342900" algn="r" rtl="1">
               <a:buFont typeface="Wingdings" panose="05000000000000000000" pitchFamily="2" charset="2"/>
               <a:buChar char="ü"/>
             </a:pPr>
             <a:r>
-              <a:rPr lang="fa-IR" sz="2800" dirty="0" smtClean="0">
-                <a:latin typeface="Adobe Arabic" panose="02040503050201020203" pitchFamily="18" charset="-78"/>
-                <a:cs typeface="Adobe Arabic" panose="02040503050201020203" pitchFamily="18" charset="-78"/>
-              </a:rPr>
-              <a:t>یک بازیگر تیم بودن به این معناست که کار خود را به خوبی انجام دهید ، وقتی هم تیمی های شما به مشکلی در کارشان برخوردند ، به آنها کمک کنید .</a:t>
-            </a:r>
-          </a:p>
-          <a:p>
-            <a:pPr marL="457200" indent="-457200" algn="just" rtl="1">
+              <a:rPr lang="fa-IR" sz="2400" dirty="0">
+                <a:latin typeface="Calibri" panose="020F0502020204030204" pitchFamily="34" charset="0"/>
+                <a:cs typeface="Calibri" panose="020F0502020204030204" pitchFamily="34" charset="0"/>
+              </a:rPr>
+              <a:t> من بیشتر تلاش می کنم !  ( آیا تا به حال تلاش نمی کردی !؟ ) </a:t>
+            </a:r>
+          </a:p>
+          <a:p>
+            <a:pPr marL="342900" indent="-342900" algn="r" rtl="1">
               <a:buFont typeface="Wingdings" panose="05000000000000000000" pitchFamily="2" charset="2"/>
               <a:buChar char="ü"/>
             </a:pPr>
             <a:r>
-              <a:rPr lang="fa-IR" sz="2800" dirty="0" smtClean="0">
-                <a:effectLst>
-                  <a:outerShdw blurRad="38100" dist="38100" dir="2700000" algn="tl">
-                    <a:srgbClr val="000000">
-                      <a:alpha val="43137"/>
-                    </a:srgbClr>
-                  </a:outerShdw>
-                </a:effectLst>
-                <a:latin typeface="Adobe Arabic" panose="02040503050201020203" pitchFamily="18" charset="-78"/>
-                <a:cs typeface="Adobe Arabic" panose="02040503050201020203" pitchFamily="18" charset="-78"/>
-              </a:rPr>
-              <a:t>یک بازیگر تیم به صورت مرتب با دیگر اعضای تیم ارتباط برقرار می کند و حواسش به سایرین هست . </a:t>
-            </a:r>
-          </a:p>
-          <a:p>
-            <a:pPr marL="457200" indent="-457200" algn="just" rtl="1">
+              <a:rPr lang="fa-IR" sz="2400" dirty="0">
+                <a:latin typeface="Calibri" panose="020F0502020204030204" pitchFamily="34" charset="0"/>
+                <a:cs typeface="Calibri" panose="020F0502020204030204" pitchFamily="34" charset="0"/>
+              </a:rPr>
+              <a:t>قول به تلاش بیشتر به معنای قبول این است که شما از همه ی توانتان استفاده نمی کردید . </a:t>
+            </a:r>
+          </a:p>
+          <a:p>
+            <a:pPr marL="342900" indent="-342900" algn="r" rtl="1">
               <a:buFont typeface="Wingdings" panose="05000000000000000000" pitchFamily="2" charset="2"/>
               <a:buChar char="ü"/>
             </a:pPr>
             <a:r>
-              <a:rPr lang="fa-IR" sz="2800" dirty="0" smtClean="0">
-                <a:effectLst>
-                  <a:outerShdw blurRad="38100" dist="38100" dir="2700000" algn="tl">
-                    <a:srgbClr val="000000">
-                      <a:alpha val="43137"/>
-                    </a:srgbClr>
-                  </a:outerShdw>
-                </a:effectLst>
-                <a:latin typeface="Adobe Arabic" panose="02040503050201020203" pitchFamily="18" charset="-78"/>
-                <a:cs typeface="Adobe Arabic" panose="02040503050201020203" pitchFamily="18" charset="-78"/>
-              </a:rPr>
-              <a:t>بازیگر تیم کسی نیست که همیشه « بعله » بگوید . </a:t>
-            </a:r>
-            <a:endParaRPr lang="fa-IR" sz="2800" dirty="0">
-              <a:effectLst>
-                <a:outerShdw blurRad="38100" dist="38100" dir="2700000" algn="tl">
-                  <a:srgbClr val="000000">
-                    <a:alpha val="43137"/>
-                  </a:srgbClr>
-                </a:outerShdw>
-              </a:effectLst>
-              <a:latin typeface="Adobe Arabic" panose="02040503050201020203" pitchFamily="18" charset="-78"/>
-              <a:cs typeface="Adobe Arabic" panose="02040503050201020203" pitchFamily="18" charset="-78"/>
+              <a:rPr lang="fa-IR" sz="2400" dirty="0">
+                <a:latin typeface="Calibri" panose="020F0502020204030204" pitchFamily="34" charset="0"/>
+                <a:cs typeface="Calibri" panose="020F0502020204030204" pitchFamily="34" charset="0"/>
+              </a:rPr>
+              <a:t>قول به تلاش بیشتر یعنی هدف با زحمت بیشتر قابل دستیابی است ، بنابراین با قول به تلاش بیشتر شما تعهد می کنید که « موفق » باشید و این باری اضافی بر دوشتان خواهد بود . </a:t>
+            </a:r>
+          </a:p>
+          <a:p>
+            <a:pPr marL="342900" indent="-342900" algn="r" rtl="1">
+              <a:buFont typeface="Wingdings" panose="05000000000000000000" pitchFamily="2" charset="2"/>
+              <a:buChar char="ü"/>
+            </a:pPr>
+            <a:r>
+              <a:rPr lang="fa-IR" sz="2400" dirty="0">
+                <a:latin typeface="Calibri" panose="020F0502020204030204" pitchFamily="34" charset="0"/>
+                <a:cs typeface="Calibri" panose="020F0502020204030204" pitchFamily="34" charset="0"/>
+              </a:rPr>
+              <a:t>اگر تلاش شما به نتیجه ی دلخواه نرسید ، یعنی شما شکست خوردید . </a:t>
+            </a:r>
+          </a:p>
+          <a:p>
+            <a:pPr marL="342900" indent="-342900" algn="r" rtl="1">
+              <a:buFont typeface="Wingdings" panose="05000000000000000000" pitchFamily="2" charset="2"/>
+              <a:buChar char="ü"/>
+            </a:pPr>
+            <a:r>
+              <a:rPr lang="fa-IR" sz="2400" dirty="0">
+                <a:latin typeface="Calibri" panose="020F0502020204030204" pitchFamily="34" charset="0"/>
+                <a:cs typeface="Calibri" panose="020F0502020204030204" pitchFamily="34" charset="0"/>
+              </a:rPr>
+              <a:t>قول به تلاش بیشتر یعنی قول می دهید که نقشه و رفتارتان را عوض می کنید. </a:t>
+            </a:r>
+          </a:p>
+          <a:p>
+            <a:pPr marL="342900" indent="-342900" algn="r" rtl="1">
+              <a:buFont typeface="Wingdings" panose="05000000000000000000" pitchFamily="2" charset="2"/>
+              <a:buChar char="ü"/>
+            </a:pPr>
+            <a:r>
+              <a:rPr lang="fa-IR" sz="2400" dirty="0">
+                <a:latin typeface="Calibri" panose="020F0502020204030204" pitchFamily="34" charset="0"/>
+                <a:cs typeface="Calibri" panose="020F0502020204030204" pitchFamily="34" charset="0"/>
+              </a:rPr>
+              <a:t>اگر هیچ کدام از موارد بالا درست نیست یعنی شما دارید « </a:t>
+            </a:r>
+            <a:r>
+              <a:rPr lang="fa-IR" sz="2400" i="1" dirty="0">
+                <a:latin typeface="Calibri" panose="020F0502020204030204" pitchFamily="34" charset="0"/>
+                <a:cs typeface="Calibri" panose="020F0502020204030204" pitchFamily="34" charset="0"/>
+              </a:rPr>
+              <a:t>دروغ می گوئید </a:t>
+            </a:r>
+            <a:r>
+              <a:rPr lang="fa-IR" sz="2400" dirty="0">
+                <a:latin typeface="Calibri" panose="020F0502020204030204" pitchFamily="34" charset="0"/>
+                <a:cs typeface="Calibri" panose="020F0502020204030204" pitchFamily="34" charset="0"/>
+              </a:rPr>
+              <a:t>» </a:t>
+            </a:r>
+            <a:endParaRPr lang="en-US" sz="2400" dirty="0">
+              <a:latin typeface="Calibri" panose="020F0502020204030204" pitchFamily="34" charset="0"/>
+              <a:cs typeface="Calibri" panose="020F0502020204030204" pitchFamily="34" charset="0"/>
             </a:endParaRPr>
           </a:p>
         </p:txBody>
@@ -10569,7 +10125,7 @@
     </p:spTree>
     <p:extLst>
       <p:ext uri="{BB962C8B-B14F-4D97-AF65-F5344CB8AC3E}">
-        <p14:creationId xmlns:p14="http://schemas.microsoft.com/office/powerpoint/2010/main" val="2666029235"/>
+        <p14:creationId xmlns:p14="http://schemas.microsoft.com/office/powerpoint/2010/main" val="251368186"/>
       </p:ext>
     </p:extLst>
   </p:cSld>
@@ -10618,7 +10174,7 @@
           <a:p>
             <a:pPr algn="r" rtl="1"/>
             <a:r>
-              <a:rPr lang="fa-IR" sz="4400" dirty="0" smtClean="0">
+              <a:rPr lang="fa-IR" sz="4400" dirty="0">
                 <a:effectLst>
                   <a:outerShdw blurRad="38100" dist="38100" dir="2700000" algn="tl">
                     <a:srgbClr val="000000">
@@ -10626,52 +10182,10 @@
                     </a:srgbClr>
                   </a:outerShdw>
                 </a:effectLst>
-                <a:latin typeface="Adobe Arabic" panose="02040503050201020203" pitchFamily="18" charset="-78"/>
-                <a:cs typeface="Adobe Arabic" panose="02040503050201020203" pitchFamily="18" charset="-78"/>
-              </a:rPr>
-              <a:t>فصل </a:t>
-            </a:r>
-            <a:r>
-              <a:rPr lang="fa-IR" sz="4400" dirty="0" smtClean="0">
-                <a:effectLst>
-                  <a:outerShdw blurRad="38100" dist="38100" dir="2700000" algn="tl">
-                    <a:srgbClr val="000000">
-                      <a:alpha val="43137"/>
-                    </a:srgbClr>
-                  </a:outerShdw>
-                </a:effectLst>
-                <a:latin typeface="Adobe Arabic" panose="02040503050201020203" pitchFamily="18" charset="-78"/>
-                <a:cs typeface="Adobe Arabic" panose="02040503050201020203" pitchFamily="18" charset="-78"/>
-              </a:rPr>
-              <a:t>دوم </a:t>
-            </a:r>
-            <a:r>
-              <a:rPr lang="fa-IR" sz="4400" dirty="0" smtClean="0">
-                <a:effectLst>
-                  <a:outerShdw blurRad="38100" dist="38100" dir="2700000" algn="tl">
-                    <a:srgbClr val="000000">
-                      <a:alpha val="43137"/>
-                    </a:srgbClr>
-                  </a:outerShdw>
-                </a:effectLst>
-                <a:latin typeface="Adobe Arabic" panose="02040503050201020203" pitchFamily="18" charset="-78"/>
-                <a:cs typeface="Adobe Arabic" panose="02040503050201020203" pitchFamily="18" charset="-78"/>
-              </a:rPr>
-              <a:t>: </a:t>
-            </a:r>
-            <a:r>
-              <a:rPr lang="fa-IR" sz="4400" dirty="0" smtClean="0">
-                <a:effectLst>
-                  <a:outerShdw blurRad="38100" dist="38100" dir="2700000" algn="tl">
-                    <a:srgbClr val="000000">
-                      <a:alpha val="43137"/>
-                    </a:srgbClr>
-                  </a:outerShdw>
-                </a:effectLst>
-                <a:latin typeface="Adobe Arabic" panose="02040503050201020203" pitchFamily="18" charset="-78"/>
-                <a:cs typeface="Adobe Arabic" panose="02040503050201020203" pitchFamily="18" charset="-78"/>
-              </a:rPr>
-              <a:t>« نه » بگوئید </a:t>
+                <a:latin typeface="Calibri" panose="020F0502020204030204" pitchFamily="34" charset="0"/>
+                <a:cs typeface="Calibri" panose="020F0502020204030204" pitchFamily="34" charset="0"/>
+              </a:rPr>
+              <a:t>فصل دوم : « نه » بگوئید </a:t>
             </a:r>
             <a:endParaRPr lang="en-US" sz="4400" dirty="0">
               <a:effectLst>
@@ -10681,8 +10195,8 @@
                   </a:srgbClr>
                 </a:outerShdw>
               </a:effectLst>
-              <a:latin typeface="Adobe Arabic" panose="02040503050201020203" pitchFamily="18" charset="-78"/>
-              <a:cs typeface="Adobe Arabic" panose="02040503050201020203" pitchFamily="18" charset="-78"/>
+              <a:latin typeface="Calibri" panose="020F0502020204030204" pitchFamily="34" charset="0"/>
+              <a:cs typeface="Calibri" panose="020F0502020204030204" pitchFamily="34" charset="0"/>
             </a:endParaRPr>
           </a:p>
         </p:txBody>
@@ -10697,7 +10211,7 @@
         </p:nvSpPr>
         <p:spPr>
           <a:xfrm>
-            <a:off x="3929251" y="1760835"/>
+            <a:off x="3929251" y="1964035"/>
             <a:ext cx="7818249" cy="970450"/>
           </a:xfrm>
           <a:prstGeom prst="rect">
@@ -10790,13 +10304,13 @@
           <a:p>
             <a:pPr algn="r" rtl="1"/>
             <a:r>
-              <a:rPr lang="fa-IR" sz="4400" dirty="0" smtClean="0">
-                <a:latin typeface="Adobe Arabic" panose="02040503050201020203" pitchFamily="18" charset="-78"/>
-                <a:cs typeface="Adobe Arabic" panose="02040503050201020203" pitchFamily="18" charset="-78"/>
-              </a:rPr>
-              <a:t>تلاش کردن</a:t>
-            </a:r>
-            <a:endParaRPr lang="fa-IR" sz="4400" dirty="0">
+              <a:rPr lang="fa-IR" sz="3600" dirty="0">
+                <a:latin typeface="Calibri" panose="020F0502020204030204" pitchFamily="34" charset="0"/>
+                <a:cs typeface="Calibri" panose="020F0502020204030204" pitchFamily="34" charset="0"/>
+              </a:rPr>
+              <a:t>پرخاشگری منفعلانه </a:t>
+            </a:r>
+            <a:endParaRPr lang="fa-IR" sz="3600" dirty="0">
               <a:effectLst>
                 <a:outerShdw blurRad="38100" dist="38100" dir="2700000" algn="tl">
                   <a:srgbClr val="000000">
@@ -10804,58 +10318,22 @@
                   </a:srgbClr>
                 </a:outerShdw>
               </a:effectLst>
-              <a:latin typeface="Adobe Arabic" panose="02040503050201020203" pitchFamily="18" charset="-78"/>
-              <a:cs typeface="Adobe Arabic" panose="02040503050201020203" pitchFamily="18" charset="-78"/>
+              <a:latin typeface="Calibri" panose="020F0502020204030204" pitchFamily="34" charset="0"/>
+              <a:cs typeface="Calibri" panose="020F0502020204030204" pitchFamily="34" charset="0"/>
             </a:endParaRPr>
           </a:p>
         </p:txBody>
       </p:sp>
-      <p:pic>
-        <p:nvPicPr>
-          <p:cNvPr id="6" name="Picture 5"/>
-          <p:cNvPicPr>
-            <a:picLocks noChangeAspect="1"/>
-          </p:cNvPicPr>
-          <p:nvPr/>
-        </p:nvPicPr>
-        <p:blipFill>
-          <a:blip r:embed="rId2">
-            <a:extLst>
-              <a:ext uri="{28A0092B-C50C-407E-A947-70E740481C1C}">
-                <a14:useLocalDpi xmlns:a14="http://schemas.microsoft.com/office/drawing/2010/main" val="0"/>
-              </a:ext>
-            </a:extLst>
-          </a:blip>
-          <a:stretch>
-            <a:fillRect/>
-          </a:stretch>
-        </p:blipFill>
-        <p:spPr>
-          <a:xfrm>
-            <a:off x="182769" y="2598763"/>
-            <a:ext cx="3187700" cy="4016502"/>
-          </a:xfrm>
-          <a:prstGeom prst="rect">
-            <a:avLst/>
-          </a:prstGeom>
-          <a:ln>
-            <a:noFill/>
-          </a:ln>
-          <a:effectLst>
-            <a:softEdge rad="112500"/>
-          </a:effectLst>
-        </p:spPr>
-      </p:pic>
-      <p:sp>
-        <p:nvSpPr>
-          <p:cNvPr id="5" name="TextBox 4"/>
+      <p:sp>
+        <p:nvSpPr>
+          <p:cNvPr id="8" name="TextBox 7"/>
           <p:cNvSpPr txBox="1"/>
           <p:nvPr/>
         </p:nvSpPr>
         <p:spPr>
           <a:xfrm>
-            <a:off x="266700" y="806728"/>
-            <a:ext cx="3019839" cy="954107"/>
+            <a:off x="406400" y="2934485"/>
+            <a:ext cx="10904350" cy="2862322"/>
           </a:xfrm>
           <a:prstGeom prst="rect">
             <a:avLst/>
@@ -10863,193 +10341,66 @@
           <a:noFill/>
         </p:spPr>
         <p:txBody>
-          <a:bodyPr wrap="square" rtlCol="0">
+          <a:bodyPr wrap="square" numCol="1" rtlCol="0">
             <a:spAutoFit/>
           </a:bodyPr>
           <a:lstStyle/>
           <a:p>
-            <a:pPr algn="ctr" rtl="1"/>
-            <a:r>
-              <a:rPr lang="fa-IR" sz="2800" b="1" dirty="0" smtClean="0">
-                <a:ln w="0"/>
-                <a:effectLst>
-                  <a:outerShdw blurRad="38100" dist="19050" dir="2700000" algn="tl" rotWithShape="0">
-                    <a:schemeClr val="dk1">
-                      <a:alpha val="40000"/>
-                    </a:schemeClr>
-                  </a:outerShdw>
-                </a:effectLst>
-                <a:latin typeface="Adobe Arabic" panose="02040503050201020203" pitchFamily="18" charset="-78"/>
-                <a:cs typeface="Adobe Arabic" panose="02040503050201020203" pitchFamily="18" charset="-78"/>
-              </a:rPr>
-              <a:t>انجام بده ، یا انجام نده .</a:t>
-            </a:r>
-          </a:p>
-          <a:p>
-            <a:pPr algn="ctr" rtl="1"/>
-            <a:r>
-              <a:rPr lang="fa-IR" sz="2800" b="1" dirty="0" smtClean="0">
-                <a:ln w="0"/>
-                <a:effectLst>
-                  <a:outerShdw blurRad="38100" dist="19050" dir="2700000" algn="tl" rotWithShape="0">
-                    <a:schemeClr val="dk1">
-                      <a:alpha val="40000"/>
-                    </a:schemeClr>
-                  </a:outerShdw>
-                </a:effectLst>
-                <a:latin typeface="Adobe Arabic" panose="02040503050201020203" pitchFamily="18" charset="-78"/>
-                <a:cs typeface="Adobe Arabic" panose="02040503050201020203" pitchFamily="18" charset="-78"/>
-              </a:rPr>
-              <a:t>هیچ « تلاشی » وجود نداره . 	</a:t>
-            </a:r>
-            <a:endParaRPr lang="en-US" sz="2800" b="1" dirty="0">
-              <a:ln w="0"/>
+            <a:pPr algn="just" rtl="1"/>
+            <a:r>
+              <a:rPr lang="fa-IR" sz="2800" dirty="0">
+                <a:latin typeface="Calibri" panose="020F0502020204030204" pitchFamily="34" charset="0"/>
+                <a:cs typeface="Calibri" panose="020F0502020204030204" pitchFamily="34" charset="0"/>
+              </a:rPr>
+              <a:t>نوعی بیان غیرمستقیم خصومت است مثلاً به شکل فردافکنی ( تعلل ) ، طعن ، یکدندگی ، ترشرویی ، یا انجام ندادن عمدی و چندبارهٔ وظایفی که به شخص محول شده‌است . </a:t>
+            </a:r>
+          </a:p>
+          <a:p>
+            <a:pPr algn="just" rtl="1"/>
+            <a:r>
+              <a:rPr lang="fa-IR" sz="2800" dirty="0">
+                <a:latin typeface="Calibri" panose="020F0502020204030204" pitchFamily="34" charset="0"/>
+                <a:cs typeface="Calibri" panose="020F0502020204030204" pitchFamily="34" charset="0"/>
+              </a:rPr>
+              <a:t>شما می توانید سند سازی کنید و در لحظه ی موعود علیه هم تیمی یا مدیران خود استفاده کنید و یا می توانید در صورت لزوم به صورت صریح موضوع را با سایرین در میان بگذارید . </a:t>
+            </a:r>
+          </a:p>
+          <a:p>
+            <a:pPr algn="just" rtl="1"/>
+            <a:endParaRPr lang="fa-IR" sz="2800" dirty="0">
               <a:effectLst>
-                <a:outerShdw blurRad="38100" dist="19050" dir="2700000" algn="tl" rotWithShape="0">
-                  <a:schemeClr val="dk1">
-                    <a:alpha val="40000"/>
-                  </a:schemeClr>
+                <a:outerShdw blurRad="38100" dist="38100" dir="2700000" algn="tl">
+                  <a:srgbClr val="000000">
+                    <a:alpha val="43137"/>
+                  </a:srgbClr>
                 </a:outerShdw>
               </a:effectLst>
-              <a:latin typeface="Adobe Arabic" panose="02040503050201020203" pitchFamily="18" charset="-78"/>
-              <a:cs typeface="Adobe Arabic" panose="02040503050201020203" pitchFamily="18" charset="-78"/>
+              <a:latin typeface="Calibri" panose="020F0502020204030204" pitchFamily="34" charset="0"/>
+              <a:cs typeface="Calibri" panose="020F0502020204030204" pitchFamily="34" charset="0"/>
             </a:endParaRPr>
           </a:p>
-        </p:txBody>
-      </p:sp>
-      <p:sp>
-        <p:nvSpPr>
-          <p:cNvPr id="3" name="TextBox 2"/>
-          <p:cNvSpPr txBox="1"/>
-          <p:nvPr/>
-        </p:nvSpPr>
-        <p:spPr>
-          <a:xfrm>
-            <a:off x="3034748" y="2810129"/>
-            <a:ext cx="8639579" cy="3416320"/>
-          </a:xfrm>
-          <a:prstGeom prst="rect">
-            <a:avLst/>
-          </a:prstGeom>
-          <a:noFill/>
-        </p:spPr>
-        <p:txBody>
-          <a:bodyPr wrap="square" rtlCol="0">
-            <a:spAutoFit/>
-          </a:bodyPr>
-          <a:lstStyle/>
-          <a:p>
-            <a:pPr algn="r" rtl="1"/>
-            <a:r>
-              <a:rPr lang="fa-IR" sz="2700" dirty="0" smtClean="0">
-                <a:latin typeface="Adobe Arabic" panose="02040503050201020203" pitchFamily="18" charset="-78"/>
-                <a:cs typeface="Adobe Arabic" panose="02040503050201020203" pitchFamily="18" charset="-78"/>
-              </a:rPr>
-              <a:t>برداشت های مختلفی که  از « تلاش می کنم » یا « سعی می کنم » برداشت می شه:</a:t>
-            </a:r>
-          </a:p>
-          <a:p>
-            <a:pPr marL="342900" indent="-342900" algn="r" rtl="1">
-              <a:buFont typeface="Wingdings" panose="05000000000000000000" pitchFamily="2" charset="2"/>
-              <a:buChar char="ü"/>
-            </a:pPr>
-            <a:r>
-              <a:rPr lang="fa-IR" sz="2700" dirty="0" smtClean="0">
-                <a:latin typeface="Adobe Arabic" panose="02040503050201020203" pitchFamily="18" charset="-78"/>
-                <a:cs typeface="Adobe Arabic" panose="02040503050201020203" pitchFamily="18" charset="-78"/>
-              </a:rPr>
-              <a:t> من بیشتر تلاش می کنم !  ( آیا تا به حال تلاش نمی کردی !؟ ) </a:t>
-            </a:r>
-          </a:p>
-          <a:p>
-            <a:pPr marL="342900" indent="-342900" algn="r" rtl="1">
-              <a:buFont typeface="Wingdings" panose="05000000000000000000" pitchFamily="2" charset="2"/>
-              <a:buChar char="ü"/>
-            </a:pPr>
-            <a:r>
-              <a:rPr lang="fa-IR" sz="2700" dirty="0" smtClean="0">
-                <a:latin typeface="Adobe Arabic" panose="02040503050201020203" pitchFamily="18" charset="-78"/>
-                <a:cs typeface="Adobe Arabic" panose="02040503050201020203" pitchFamily="18" charset="-78"/>
-              </a:rPr>
-              <a:t>قول به تلاش بیشتر به معنای قبول این است که شما از همه ی توانتان استفاده نمی کردید . </a:t>
-            </a:r>
-          </a:p>
-          <a:p>
-            <a:pPr marL="342900" indent="-342900" algn="r" rtl="1">
-              <a:buFont typeface="Wingdings" panose="05000000000000000000" pitchFamily="2" charset="2"/>
-              <a:buChar char="ü"/>
-            </a:pPr>
-            <a:r>
-              <a:rPr lang="fa-IR" sz="2700" dirty="0" smtClean="0">
-                <a:latin typeface="Adobe Arabic" panose="02040503050201020203" pitchFamily="18" charset="-78"/>
-                <a:cs typeface="Adobe Arabic" panose="02040503050201020203" pitchFamily="18" charset="-78"/>
-              </a:rPr>
-              <a:t>قول به تلاش بیشتر یعنی هدف با زحمت بیشتر قابل دستیابی است ، بنابراین با قول به تلاش بیشتر شما تعهد می کنید که « موفق » باشید و این باری اضافی بر دوشتان خواهد بود . </a:t>
-            </a:r>
-          </a:p>
-          <a:p>
-            <a:pPr marL="342900" indent="-342900" algn="r" rtl="1">
-              <a:buFont typeface="Wingdings" panose="05000000000000000000" pitchFamily="2" charset="2"/>
-              <a:buChar char="ü"/>
-            </a:pPr>
-            <a:r>
-              <a:rPr lang="fa-IR" sz="2700" dirty="0" smtClean="0">
-                <a:latin typeface="Adobe Arabic" panose="02040503050201020203" pitchFamily="18" charset="-78"/>
-                <a:cs typeface="Adobe Arabic" panose="02040503050201020203" pitchFamily="18" charset="-78"/>
-              </a:rPr>
-              <a:t>اگر تلاش شما به نتیجه ی دلخواه نرسید ، یعنی شما شکست خوردید . </a:t>
-            </a:r>
-          </a:p>
-          <a:p>
-            <a:pPr marL="342900" indent="-342900" algn="r" rtl="1">
-              <a:buFont typeface="Wingdings" panose="05000000000000000000" pitchFamily="2" charset="2"/>
-              <a:buChar char="ü"/>
-            </a:pPr>
-            <a:r>
-              <a:rPr lang="fa-IR" sz="2700" dirty="0" smtClean="0">
-                <a:latin typeface="Adobe Arabic" panose="02040503050201020203" pitchFamily="18" charset="-78"/>
-                <a:cs typeface="Adobe Arabic" panose="02040503050201020203" pitchFamily="18" charset="-78"/>
-              </a:rPr>
-              <a:t>قول به تلاش بیشتر یعنی قول می دهید که نقشه و رفتارتان را عوض می کنید. </a:t>
-            </a:r>
-          </a:p>
-          <a:p>
-            <a:pPr marL="342900" indent="-342900" algn="r" rtl="1">
-              <a:buFont typeface="Wingdings" panose="05000000000000000000" pitchFamily="2" charset="2"/>
-              <a:buChar char="ü"/>
-            </a:pPr>
-            <a:r>
-              <a:rPr lang="fa-IR" sz="2700" dirty="0" smtClean="0">
-                <a:latin typeface="Adobe Arabic" panose="02040503050201020203" pitchFamily="18" charset="-78"/>
-                <a:cs typeface="Adobe Arabic" panose="02040503050201020203" pitchFamily="18" charset="-78"/>
-              </a:rPr>
-              <a:t>اگر هیچ کدام از موارد بالا درست نیست یعنی شما دارید « </a:t>
-            </a:r>
-            <a:r>
-              <a:rPr lang="fa-IR" sz="2700" i="1" dirty="0" smtClean="0">
-                <a:latin typeface="Adobe Arabic" panose="02040503050201020203" pitchFamily="18" charset="-78"/>
-                <a:cs typeface="Adobe Arabic" panose="02040503050201020203" pitchFamily="18" charset="-78"/>
-              </a:rPr>
-              <a:t>دروغ می گوئید </a:t>
-            </a:r>
-            <a:r>
-              <a:rPr lang="fa-IR" sz="2700" dirty="0" smtClean="0">
-                <a:latin typeface="Adobe Arabic" panose="02040503050201020203" pitchFamily="18" charset="-78"/>
-                <a:cs typeface="Adobe Arabic" panose="02040503050201020203" pitchFamily="18" charset="-78"/>
-              </a:rPr>
-              <a:t>» </a:t>
-            </a:r>
-            <a:endParaRPr lang="en-US" sz="2700" dirty="0">
-              <a:latin typeface="Adobe Arabic" panose="02040503050201020203" pitchFamily="18" charset="-78"/>
-              <a:cs typeface="Adobe Arabic" panose="02040503050201020203" pitchFamily="18" charset="-78"/>
-            </a:endParaRPr>
+          <a:p>
+            <a:pPr algn="ctr" rtl="1"/>
+            <a:r>
+              <a:rPr lang="fa-IR" sz="4000" b="1" dirty="0">
+                <a:solidFill>
+                  <a:srgbClr val="FF0000"/>
+                </a:solidFill>
+                <a:highlight>
+                  <a:srgbClr val="FFFF00"/>
+                </a:highlight>
+                <a:latin typeface="Calibri" panose="020F0502020204030204" pitchFamily="34" charset="0"/>
+                <a:cs typeface="Calibri" panose="020F0502020204030204" pitchFamily="34" charset="0"/>
+              </a:rPr>
+              <a:t> پرخاشگری منفعلانه انجام ندهید .  </a:t>
+            </a:r>
           </a:p>
         </p:txBody>
       </p:sp>
     </p:spTree>
     <p:extLst>
       <p:ext uri="{BB962C8B-B14F-4D97-AF65-F5344CB8AC3E}">
-        <p14:creationId xmlns:p14="http://schemas.microsoft.com/office/powerpoint/2010/main" val="251368186"/>
+        <p14:creationId xmlns:p14="http://schemas.microsoft.com/office/powerpoint/2010/main" val="4007056030"/>
       </p:ext>
     </p:extLst>
   </p:cSld>
@@ -11098,7 +10449,7 @@
           <a:p>
             <a:pPr algn="r" rtl="1"/>
             <a:r>
-              <a:rPr lang="fa-IR" sz="4400" dirty="0" smtClean="0">
+              <a:rPr lang="fa-IR" sz="4400" dirty="0">
                 <a:effectLst>
                   <a:outerShdw blurRad="38100" dist="38100" dir="2700000" algn="tl">
                     <a:srgbClr val="000000">
@@ -11109,49 +10460,7 @@
                 <a:latin typeface="Adobe Arabic" panose="02040503050201020203" pitchFamily="18" charset="-78"/>
                 <a:cs typeface="Adobe Arabic" panose="02040503050201020203" pitchFamily="18" charset="-78"/>
               </a:rPr>
-              <a:t>فصل </a:t>
-            </a:r>
-            <a:r>
-              <a:rPr lang="fa-IR" sz="4400" dirty="0" smtClean="0">
-                <a:effectLst>
-                  <a:outerShdw blurRad="38100" dist="38100" dir="2700000" algn="tl">
-                    <a:srgbClr val="000000">
-                      <a:alpha val="43137"/>
-                    </a:srgbClr>
-                  </a:outerShdw>
-                </a:effectLst>
-                <a:latin typeface="Adobe Arabic" panose="02040503050201020203" pitchFamily="18" charset="-78"/>
-                <a:cs typeface="Adobe Arabic" panose="02040503050201020203" pitchFamily="18" charset="-78"/>
-              </a:rPr>
-              <a:t>دوم </a:t>
-            </a:r>
-            <a:r>
-              <a:rPr lang="fa-IR" sz="4400" dirty="0" smtClean="0">
-                <a:effectLst>
-                  <a:outerShdw blurRad="38100" dist="38100" dir="2700000" algn="tl">
-                    <a:srgbClr val="000000">
-                      <a:alpha val="43137"/>
-                    </a:srgbClr>
-                  </a:outerShdw>
-                </a:effectLst>
-                <a:latin typeface="Adobe Arabic" panose="02040503050201020203" pitchFamily="18" charset="-78"/>
-                <a:cs typeface="Adobe Arabic" panose="02040503050201020203" pitchFamily="18" charset="-78"/>
-              </a:rPr>
-              <a:t>: </a:t>
-            </a:r>
-            <a:r>
-              <a:rPr lang="fa-IR" sz="4400" dirty="0" smtClean="0">
-                <a:effectLst>
-                  <a:outerShdw blurRad="38100" dist="38100" dir="2700000" algn="tl">
-                    <a:srgbClr val="000000">
-                      <a:alpha val="43137"/>
-                    </a:srgbClr>
-                  </a:outerShdw>
-                </a:effectLst>
-                <a:latin typeface="Adobe Arabic" panose="02040503050201020203" pitchFamily="18" charset="-78"/>
-                <a:cs typeface="Adobe Arabic" panose="02040503050201020203" pitchFamily="18" charset="-78"/>
-              </a:rPr>
-              <a:t>« نه » بگوئید </a:t>
+              <a:t>فصل دوم : « نه » بگوئید </a:t>
             </a:r>
             <a:endParaRPr lang="en-US" sz="4400" dirty="0">
               <a:effectLst>
@@ -11270,13 +10579,13 @@
           <a:p>
             <a:pPr algn="r" rtl="1"/>
             <a:r>
-              <a:rPr lang="fa-IR" sz="4400" dirty="0" smtClean="0">
+              <a:rPr lang="fa-IR" sz="3600" dirty="0">
                 <a:latin typeface="Adobe Arabic" panose="02040503050201020203" pitchFamily="18" charset="-78"/>
                 <a:cs typeface="Adobe Arabic" panose="02040503050201020203" pitchFamily="18" charset="-78"/>
               </a:rPr>
-              <a:t>پرخاشگری منفعلانه </a:t>
-            </a:r>
-            <a:endParaRPr lang="fa-IR" sz="4400" dirty="0">
+              <a:t>هزینه ی « بعله » گفتن </a:t>
+            </a:r>
+            <a:endParaRPr lang="fa-IR" sz="3600" dirty="0">
               <a:effectLst>
                 <a:outerShdw blurRad="38100" dist="38100" dir="2700000" algn="tl">
                   <a:srgbClr val="000000">
@@ -11298,8 +10607,8 @@
         </p:nvSpPr>
         <p:spPr>
           <a:xfrm>
-            <a:off x="406400" y="2934485"/>
-            <a:ext cx="10904350" cy="2862322"/>
+            <a:off x="406400" y="3186133"/>
+            <a:ext cx="10904350" cy="2000548"/>
           </a:xfrm>
           <a:prstGeom prst="rect">
             <a:avLst/>
@@ -11315,87 +10624,73 @@
             <a:pPr algn="just" rtl="1"/>
             <a:r>
               <a:rPr lang="fa-IR" sz="2800" dirty="0">
-                <a:latin typeface="Adobe Arabic" panose="02040503050201020203" pitchFamily="18" charset="-78"/>
-                <a:cs typeface="Adobe Arabic" panose="02040503050201020203" pitchFamily="18" charset="-78"/>
-              </a:rPr>
-              <a:t>نوعی بیان غیرمستقیم خصومت است مثلاً به شکل فردافکنی </a:t>
-            </a:r>
-            <a:r>
-              <a:rPr lang="fa-IR" sz="2800" dirty="0" smtClean="0">
-                <a:latin typeface="Adobe Arabic" panose="02040503050201020203" pitchFamily="18" charset="-78"/>
-                <a:cs typeface="Adobe Arabic" panose="02040503050201020203" pitchFamily="18" charset="-78"/>
-              </a:rPr>
-              <a:t>( تعلل ) ،</a:t>
+                <a:latin typeface="Calibri" panose="020F0502020204030204" pitchFamily="34" charset="0"/>
+                <a:cs typeface="Calibri" panose="020F0502020204030204" pitchFamily="34" charset="0"/>
+              </a:rPr>
+              <a:t>تیم های سالم ، می خواهند راه هایی پیدا کنند که « </a:t>
+            </a:r>
+            <a:r>
+              <a:rPr lang="fa-IR" sz="2800" b="1" i="1" dirty="0">
+                <a:latin typeface="Calibri" panose="020F0502020204030204" pitchFamily="34" charset="0"/>
+                <a:cs typeface="Calibri" panose="020F0502020204030204" pitchFamily="34" charset="0"/>
+              </a:rPr>
+              <a:t>بعله</a:t>
             </a:r>
             <a:r>
               <a:rPr lang="fa-IR" sz="2800" dirty="0">
-                <a:latin typeface="Adobe Arabic" panose="02040503050201020203" pitchFamily="18" charset="-78"/>
-                <a:cs typeface="Adobe Arabic" panose="02040503050201020203" pitchFamily="18" charset="-78"/>
-              </a:rPr>
-              <a:t> </a:t>
-            </a:r>
-            <a:r>
-              <a:rPr lang="fa-IR" sz="2800" dirty="0" smtClean="0">
-                <a:latin typeface="Adobe Arabic" panose="02040503050201020203" pitchFamily="18" charset="-78"/>
-                <a:cs typeface="Adobe Arabic" panose="02040503050201020203" pitchFamily="18" charset="-78"/>
-              </a:rPr>
-              <a:t>طعن ، یکدندگی ، ترشرویی ، </a:t>
-            </a:r>
-            <a:r>
-              <a:rPr lang="fa-IR" sz="2800" dirty="0">
-                <a:latin typeface="Adobe Arabic" panose="02040503050201020203" pitchFamily="18" charset="-78"/>
-                <a:cs typeface="Adobe Arabic" panose="02040503050201020203" pitchFamily="18" charset="-78"/>
-              </a:rPr>
-              <a:t>یا انجام ندادن عمدی و چندبارهٔ وظایفی که به شخص محول </a:t>
-            </a:r>
-            <a:r>
-              <a:rPr lang="fa-IR" sz="2800" dirty="0" smtClean="0">
-                <a:latin typeface="Adobe Arabic" panose="02040503050201020203" pitchFamily="18" charset="-78"/>
-                <a:cs typeface="Adobe Arabic" panose="02040503050201020203" pitchFamily="18" charset="-78"/>
-              </a:rPr>
-              <a:t>شده‌است . </a:t>
-            </a:r>
-          </a:p>
-          <a:p>
-            <a:pPr algn="just" rtl="1"/>
-            <a:r>
-              <a:rPr lang="fa-IR" sz="2800" dirty="0" smtClean="0">
-                <a:latin typeface="Adobe Arabic" panose="02040503050201020203" pitchFamily="18" charset="-78"/>
-                <a:cs typeface="Adobe Arabic" panose="02040503050201020203" pitchFamily="18" charset="-78"/>
-              </a:rPr>
-              <a:t>شما می توانید سند سازی کنید و در لحظه ی موعود علیه هم تیمی یا مدیران خود استفاده کنید و یا می توانید در صورت لزوم به صورت صریح موضوع را با سایرین در میان بگذارید . </a:t>
+                <a:latin typeface="Calibri" panose="020F0502020204030204" pitchFamily="34" charset="0"/>
+                <a:cs typeface="Calibri" panose="020F0502020204030204" pitchFamily="34" charset="0"/>
+              </a:rPr>
+              <a:t> » بگویند .</a:t>
             </a:r>
           </a:p>
           <a:p>
             <a:pPr algn="just" rtl="1"/>
             <a:endParaRPr lang="fa-IR" sz="2800" dirty="0">
-              <a:effectLst>
-                <a:outerShdw blurRad="38100" dist="38100" dir="2700000" algn="tl">
-                  <a:srgbClr val="000000">
-                    <a:alpha val="43137"/>
-                  </a:srgbClr>
-                </a:outerShdw>
-              </a:effectLst>
-              <a:latin typeface="Adobe Arabic" panose="02040503050201020203" pitchFamily="18" charset="-78"/>
-              <a:cs typeface="Adobe Arabic" panose="02040503050201020203" pitchFamily="18" charset="-78"/>
+              <a:latin typeface="Calibri" panose="020F0502020204030204" pitchFamily="34" charset="0"/>
+              <a:cs typeface="Calibri" panose="020F0502020204030204" pitchFamily="34" charset="0"/>
             </a:endParaRPr>
           </a:p>
           <a:p>
-            <a:pPr algn="ctr" rtl="1"/>
-            <a:r>
-              <a:rPr lang="fa-IR" sz="4000" b="1" dirty="0" smtClean="0">
-                <a:effectLst>
-                  <a:outerShdw blurRad="38100" dist="38100" dir="2700000" algn="tl">
-                    <a:srgbClr val="000000">
-                      <a:alpha val="43137"/>
-                    </a:srgbClr>
-                  </a:outerShdw>
-                </a:effectLst>
-                <a:latin typeface="Adobe Arabic" panose="02040503050201020203" pitchFamily="18" charset="-78"/>
-                <a:cs typeface="Adobe Arabic" panose="02040503050201020203" pitchFamily="18" charset="-78"/>
-              </a:rPr>
-              <a:t>پرخاشگری منفعلانه انجام ندهید . </a:t>
-            </a:r>
+            <a:pPr algn="just" rtl="1"/>
+            <a:r>
+              <a:rPr lang="fa-IR" sz="2800" dirty="0">
+                <a:latin typeface="Calibri" panose="020F0502020204030204" pitchFamily="34" charset="0"/>
+                <a:cs typeface="Calibri" panose="020F0502020204030204" pitchFamily="34" charset="0"/>
+              </a:rPr>
+              <a:t>گاهی اوقات برای اینکه « </a:t>
+            </a:r>
+            <a:r>
+              <a:rPr lang="fa-IR" sz="2800" b="1" i="1" dirty="0">
+                <a:latin typeface="Calibri" panose="020F0502020204030204" pitchFamily="34" charset="0"/>
+                <a:cs typeface="Calibri" panose="020F0502020204030204" pitchFamily="34" charset="0"/>
+              </a:rPr>
+              <a:t>بعله</a:t>
+            </a:r>
+            <a:r>
+              <a:rPr lang="fa-IR" sz="2800" dirty="0">
+                <a:latin typeface="Calibri" panose="020F0502020204030204" pitchFamily="34" charset="0"/>
+                <a:cs typeface="Calibri" panose="020F0502020204030204" pitchFamily="34" charset="0"/>
+              </a:rPr>
+              <a:t> » درست را بگوئید ، نباید از « </a:t>
+            </a:r>
+            <a:r>
+              <a:rPr lang="fa-IR" sz="2800" b="1" i="1" dirty="0">
+                <a:latin typeface="Calibri" panose="020F0502020204030204" pitchFamily="34" charset="0"/>
+                <a:cs typeface="Calibri" panose="020F0502020204030204" pitchFamily="34" charset="0"/>
+              </a:rPr>
+              <a:t>نه</a:t>
+            </a:r>
+            <a:r>
+              <a:rPr lang="fa-IR" sz="2800" dirty="0">
+                <a:latin typeface="Calibri" panose="020F0502020204030204" pitchFamily="34" charset="0"/>
+                <a:cs typeface="Calibri" panose="020F0502020204030204" pitchFamily="34" charset="0"/>
+              </a:rPr>
+              <a:t> » گفتن ترسید . </a:t>
+            </a:r>
+          </a:p>
+          <a:p>
+            <a:pPr algn="just" rtl="1"/>
             <a:endParaRPr lang="fa-IR" sz="4000" b="1" dirty="0">
               <a:effectLst>
                 <a:outerShdw blurRad="38100" dist="38100" dir="2700000" algn="tl">
@@ -11404,8 +10699,8 @@
                   </a:srgbClr>
                 </a:outerShdw>
               </a:effectLst>
-              <a:latin typeface="Adobe Arabic" panose="02040503050201020203" pitchFamily="18" charset="-78"/>
-              <a:cs typeface="Adobe Arabic" panose="02040503050201020203" pitchFamily="18" charset="-78"/>
+              <a:latin typeface="Calibri" panose="020F0502020204030204" pitchFamily="34" charset="0"/>
+              <a:cs typeface="Calibri" panose="020F0502020204030204" pitchFamily="34" charset="0"/>
             </a:endParaRPr>
           </a:p>
         </p:txBody>
@@ -11413,7 +10708,7 @@
     </p:spTree>
     <p:extLst>
       <p:ext uri="{BB962C8B-B14F-4D97-AF65-F5344CB8AC3E}">
-        <p14:creationId xmlns:p14="http://schemas.microsoft.com/office/powerpoint/2010/main" val="4007056030"/>
+        <p14:creationId xmlns:p14="http://schemas.microsoft.com/office/powerpoint/2010/main" val="2867377788"/>
       </p:ext>
     </p:extLst>
   </p:cSld>
@@ -11452,7 +10747,7 @@
         </p:nvSpPr>
         <p:spPr>
           <a:xfrm>
-            <a:off x="406400" y="647700"/>
+            <a:off x="381000" y="571500"/>
             <a:ext cx="11341100" cy="685800"/>
           </a:xfrm>
         </p:spPr>
@@ -11462,7 +10757,7 @@
           <a:p>
             <a:pPr algn="r" rtl="1"/>
             <a:r>
-              <a:rPr lang="fa-IR" sz="4400" dirty="0" smtClean="0">
+              <a:rPr lang="fa-IR" sz="3600" dirty="0">
                 <a:effectLst>
                   <a:outerShdw blurRad="38100" dist="38100" dir="2700000" algn="tl">
                     <a:srgbClr val="000000">
@@ -11470,54 +10765,12 @@
                     </a:srgbClr>
                   </a:outerShdw>
                 </a:effectLst>
-                <a:latin typeface="Adobe Arabic" panose="02040503050201020203" pitchFamily="18" charset="-78"/>
-                <a:cs typeface="Adobe Arabic" panose="02040503050201020203" pitchFamily="18" charset="-78"/>
-              </a:rPr>
-              <a:t>فصل </a:t>
-            </a:r>
-            <a:r>
-              <a:rPr lang="fa-IR" sz="4400" dirty="0" smtClean="0">
-                <a:effectLst>
-                  <a:outerShdw blurRad="38100" dist="38100" dir="2700000" algn="tl">
-                    <a:srgbClr val="000000">
-                      <a:alpha val="43137"/>
-                    </a:srgbClr>
-                  </a:outerShdw>
-                </a:effectLst>
-                <a:latin typeface="Adobe Arabic" panose="02040503050201020203" pitchFamily="18" charset="-78"/>
-                <a:cs typeface="Adobe Arabic" panose="02040503050201020203" pitchFamily="18" charset="-78"/>
-              </a:rPr>
-              <a:t>دوم </a:t>
-            </a:r>
-            <a:r>
-              <a:rPr lang="fa-IR" sz="4400" dirty="0" smtClean="0">
-                <a:effectLst>
-                  <a:outerShdw blurRad="38100" dist="38100" dir="2700000" algn="tl">
-                    <a:srgbClr val="000000">
-                      <a:alpha val="43137"/>
-                    </a:srgbClr>
-                  </a:outerShdw>
-                </a:effectLst>
-                <a:latin typeface="Adobe Arabic" panose="02040503050201020203" pitchFamily="18" charset="-78"/>
-                <a:cs typeface="Adobe Arabic" panose="02040503050201020203" pitchFamily="18" charset="-78"/>
-              </a:rPr>
-              <a:t>: </a:t>
-            </a:r>
-            <a:r>
-              <a:rPr lang="fa-IR" sz="4400" dirty="0" smtClean="0">
-                <a:effectLst>
-                  <a:outerShdw blurRad="38100" dist="38100" dir="2700000" algn="tl">
-                    <a:srgbClr val="000000">
-                      <a:alpha val="43137"/>
-                    </a:srgbClr>
-                  </a:outerShdw>
-                </a:effectLst>
-                <a:latin typeface="Adobe Arabic" panose="02040503050201020203" pitchFamily="18" charset="-78"/>
-                <a:cs typeface="Adobe Arabic" panose="02040503050201020203" pitchFamily="18" charset="-78"/>
-              </a:rPr>
-              <a:t>« نه » بگوئید </a:t>
-            </a:r>
-            <a:endParaRPr lang="en-US" sz="4400" dirty="0">
+                <a:latin typeface="Calibri" panose="020F0502020204030204" pitchFamily="34" charset="0"/>
+                <a:cs typeface="Calibri" panose="020F0502020204030204" pitchFamily="34" charset="0"/>
+              </a:rPr>
+              <a:t>فصل سوم : « بعله » بگوئید </a:t>
+            </a:r>
+            <a:endParaRPr lang="en-US" sz="3600" dirty="0">
               <a:effectLst>
                 <a:outerShdw blurRad="38100" dist="38100" dir="2700000" algn="tl">
                   <a:srgbClr val="000000">
@@ -11525,245 +10778,45 @@
                   </a:srgbClr>
                 </a:outerShdw>
               </a:effectLst>
-              <a:latin typeface="Adobe Arabic" panose="02040503050201020203" pitchFamily="18" charset="-78"/>
-              <a:cs typeface="Adobe Arabic" panose="02040503050201020203" pitchFamily="18" charset="-78"/>
+              <a:latin typeface="Calibri" panose="020F0502020204030204" pitchFamily="34" charset="0"/>
+              <a:cs typeface="Calibri" panose="020F0502020204030204" pitchFamily="34" charset="0"/>
             </a:endParaRPr>
           </a:p>
         </p:txBody>
       </p:sp>
-      <p:sp>
-        <p:nvSpPr>
-          <p:cNvPr id="7" name="Title 1"/>
-          <p:cNvSpPr txBox="1">
-            <a:spLocks/>
-          </p:cNvSpPr>
-          <p:nvPr/>
-        </p:nvSpPr>
+      <p:pic>
+        <p:nvPicPr>
+          <p:cNvPr id="7" name="Content Placeholder 6"/>
+          <p:cNvPicPr>
+            <a:picLocks noGrp="1" noChangeAspect="1"/>
+          </p:cNvPicPr>
+          <p:nvPr>
+            <p:ph idx="1"/>
+          </p:nvPr>
+        </p:nvPicPr>
+        <p:blipFill>
+          <a:blip r:embed="rId2">
+            <a:extLst>
+              <a:ext uri="{28A0092B-C50C-407E-A947-70E740481C1C}">
+                <a14:useLocalDpi xmlns:a14="http://schemas.microsoft.com/office/drawing/2010/main" val="0"/>
+              </a:ext>
+            </a:extLst>
+          </a:blip>
+          <a:stretch>
+            <a:fillRect/>
+          </a:stretch>
+        </p:blipFill>
         <p:spPr>
           <a:xfrm>
-            <a:off x="3929251" y="1964035"/>
-            <a:ext cx="7818249" cy="970450"/>
-          </a:xfrm>
-          <a:prstGeom prst="rect">
-            <a:avLst/>
-          </a:prstGeom>
-          <a:effectLst>
-            <a:outerShdw blurRad="50800" dir="14400000">
-              <a:srgbClr val="000000">
-                <a:alpha val="60000"/>
-              </a:srgbClr>
-            </a:outerShdw>
-          </a:effectLst>
-        </p:spPr>
-        <p:txBody>
-          <a:bodyPr vert="horz" lIns="91440" tIns="45720" rIns="91440" bIns="45720" rtlCol="0" anchor="b">
-            <a:noAutofit/>
-          </a:bodyPr>
-          <a:lstStyle>
-            <a:lvl1pPr algn="l" defTabSz="457200" rtl="0" eaLnBrk="1" latinLnBrk="0" hangingPunct="1">
-              <a:spcBef>
-                <a:spcPct val="0"/>
-              </a:spcBef>
-              <a:buNone/>
-              <a:defRPr sz="4000" b="1" kern="1200">
-                <a:solidFill>
-                  <a:srgbClr val="FEFEFE"/>
-                </a:solidFill>
-                <a:latin typeface="+mj-lt"/>
-                <a:ea typeface="+mj-ea"/>
-                <a:cs typeface="+mj-cs"/>
-              </a:defRPr>
-            </a:lvl1pPr>
-            <a:lvl2pPr eaLnBrk="1" hangingPunct="1">
-              <a:defRPr>
-                <a:solidFill>
-                  <a:schemeClr val="tx2"/>
-                </a:solidFill>
-              </a:defRPr>
-            </a:lvl2pPr>
-            <a:lvl3pPr eaLnBrk="1" hangingPunct="1">
-              <a:defRPr>
-                <a:solidFill>
-                  <a:schemeClr val="tx2"/>
-                </a:solidFill>
-              </a:defRPr>
-            </a:lvl3pPr>
-            <a:lvl4pPr eaLnBrk="1" hangingPunct="1">
-              <a:defRPr>
-                <a:solidFill>
-                  <a:schemeClr val="tx2"/>
-                </a:solidFill>
-              </a:defRPr>
-            </a:lvl4pPr>
-            <a:lvl5pPr eaLnBrk="1" hangingPunct="1">
-              <a:defRPr>
-                <a:solidFill>
-                  <a:schemeClr val="tx2"/>
-                </a:solidFill>
-              </a:defRPr>
-            </a:lvl5pPr>
-            <a:lvl6pPr eaLnBrk="1" hangingPunct="1">
-              <a:defRPr>
-                <a:solidFill>
-                  <a:schemeClr val="tx2"/>
-                </a:solidFill>
-              </a:defRPr>
-            </a:lvl6pPr>
-            <a:lvl7pPr eaLnBrk="1" hangingPunct="1">
-              <a:defRPr>
-                <a:solidFill>
-                  <a:schemeClr val="tx2"/>
-                </a:solidFill>
-              </a:defRPr>
-            </a:lvl7pPr>
-            <a:lvl8pPr eaLnBrk="1" hangingPunct="1">
-              <a:defRPr>
-                <a:solidFill>
-                  <a:schemeClr val="tx2"/>
-                </a:solidFill>
-              </a:defRPr>
-            </a:lvl8pPr>
-            <a:lvl9pPr eaLnBrk="1" hangingPunct="1">
-              <a:defRPr>
-                <a:solidFill>
-                  <a:schemeClr val="tx2"/>
-                </a:solidFill>
-              </a:defRPr>
-            </a:lvl9pPr>
-          </a:lstStyle>
-          <a:p>
-            <a:pPr algn="r" rtl="1"/>
-            <a:r>
-              <a:rPr lang="fa-IR" sz="4400" dirty="0" smtClean="0">
-                <a:latin typeface="Adobe Arabic" panose="02040503050201020203" pitchFamily="18" charset="-78"/>
-                <a:cs typeface="Adobe Arabic" panose="02040503050201020203" pitchFamily="18" charset="-78"/>
-              </a:rPr>
-              <a:t>هزینه ی « بعله » گفتن </a:t>
-            </a:r>
-            <a:endParaRPr lang="fa-IR" sz="4400" dirty="0">
-              <a:effectLst>
-                <a:outerShdw blurRad="38100" dist="38100" dir="2700000" algn="tl">
-                  <a:srgbClr val="000000">
-                    <a:alpha val="43137"/>
-                  </a:srgbClr>
-                </a:outerShdw>
-              </a:effectLst>
-              <a:latin typeface="Adobe Arabic" panose="02040503050201020203" pitchFamily="18" charset="-78"/>
-              <a:cs typeface="Adobe Arabic" panose="02040503050201020203" pitchFamily="18" charset="-78"/>
-            </a:endParaRPr>
-          </a:p>
-        </p:txBody>
-      </p:sp>
-      <p:sp>
-        <p:nvSpPr>
-          <p:cNvPr id="8" name="TextBox 7"/>
-          <p:cNvSpPr txBox="1"/>
-          <p:nvPr/>
-        </p:nvSpPr>
-        <p:spPr>
-          <a:xfrm>
-            <a:off x="406400" y="3186133"/>
-            <a:ext cx="10904350" cy="2000548"/>
-          </a:xfrm>
-          <a:prstGeom prst="rect">
-            <a:avLst/>
-          </a:prstGeom>
-          <a:noFill/>
-        </p:spPr>
-        <p:txBody>
-          <a:bodyPr wrap="square" numCol="1" rtlCol="0">
-            <a:spAutoFit/>
-          </a:bodyPr>
-          <a:lstStyle/>
-          <a:p>
-            <a:pPr algn="just" rtl="1"/>
-            <a:r>
-              <a:rPr lang="fa-IR" sz="2800" dirty="0" smtClean="0">
-                <a:latin typeface="Adobe Arabic" panose="02040503050201020203" pitchFamily="18" charset="-78"/>
-                <a:cs typeface="Adobe Arabic" panose="02040503050201020203" pitchFamily="18" charset="-78"/>
-              </a:rPr>
-              <a:t>تیم های سالم ، می خواهند راه هایی پیدا کنند که « </a:t>
-            </a:r>
-            <a:r>
-              <a:rPr lang="fa-IR" sz="2800" b="1" i="1" dirty="0" smtClean="0">
-                <a:latin typeface="Adobe Arabic" panose="02040503050201020203" pitchFamily="18" charset="-78"/>
-                <a:cs typeface="Adobe Arabic" panose="02040503050201020203" pitchFamily="18" charset="-78"/>
-              </a:rPr>
-              <a:t>بعله</a:t>
-            </a:r>
-            <a:r>
-              <a:rPr lang="fa-IR" sz="2800" dirty="0" smtClean="0">
-                <a:latin typeface="Adobe Arabic" panose="02040503050201020203" pitchFamily="18" charset="-78"/>
-                <a:cs typeface="Adobe Arabic" panose="02040503050201020203" pitchFamily="18" charset="-78"/>
-              </a:rPr>
-              <a:t> » بگویند .</a:t>
-            </a:r>
-          </a:p>
-          <a:p>
-            <a:pPr algn="just" rtl="1"/>
-            <a:endParaRPr lang="fa-IR" sz="2800" dirty="0">
-              <a:latin typeface="Adobe Arabic" panose="02040503050201020203" pitchFamily="18" charset="-78"/>
-              <a:cs typeface="Adobe Arabic" panose="02040503050201020203" pitchFamily="18" charset="-78"/>
-            </a:endParaRPr>
-          </a:p>
-          <a:p>
-            <a:pPr algn="just" rtl="1"/>
-            <a:r>
-              <a:rPr lang="fa-IR" sz="2800" dirty="0" smtClean="0">
-                <a:latin typeface="Adobe Arabic" panose="02040503050201020203" pitchFamily="18" charset="-78"/>
-                <a:cs typeface="Adobe Arabic" panose="02040503050201020203" pitchFamily="18" charset="-78"/>
-              </a:rPr>
-              <a:t>گاهی اوقات برای اینکه « </a:t>
-            </a:r>
-            <a:r>
-              <a:rPr lang="fa-IR" sz="2800" b="1" i="1" dirty="0" smtClean="0">
-                <a:latin typeface="Adobe Arabic" panose="02040503050201020203" pitchFamily="18" charset="-78"/>
-                <a:cs typeface="Adobe Arabic" panose="02040503050201020203" pitchFamily="18" charset="-78"/>
-              </a:rPr>
-              <a:t>بعله</a:t>
-            </a:r>
-            <a:r>
-              <a:rPr lang="fa-IR" sz="2800" dirty="0" smtClean="0">
-                <a:latin typeface="Adobe Arabic" panose="02040503050201020203" pitchFamily="18" charset="-78"/>
-                <a:cs typeface="Adobe Arabic" panose="02040503050201020203" pitchFamily="18" charset="-78"/>
-              </a:rPr>
-              <a:t> » درست را بگوئید ، نباید از « </a:t>
-            </a:r>
-            <a:r>
-              <a:rPr lang="fa-IR" sz="2800" b="1" i="1" dirty="0" smtClean="0">
-                <a:latin typeface="Adobe Arabic" panose="02040503050201020203" pitchFamily="18" charset="-78"/>
-                <a:cs typeface="Adobe Arabic" panose="02040503050201020203" pitchFamily="18" charset="-78"/>
-              </a:rPr>
-              <a:t>نه</a:t>
-            </a:r>
-            <a:r>
-              <a:rPr lang="fa-IR" sz="2800" dirty="0" smtClean="0">
-                <a:latin typeface="Adobe Arabic" panose="02040503050201020203" pitchFamily="18" charset="-78"/>
-                <a:cs typeface="Adobe Arabic" panose="02040503050201020203" pitchFamily="18" charset="-78"/>
-              </a:rPr>
-              <a:t> » گفتن ترسید . </a:t>
-            </a:r>
-          </a:p>
-          <a:p>
-            <a:pPr algn="just" rtl="1"/>
-            <a:endParaRPr lang="fa-IR" sz="4000" b="1" dirty="0">
-              <a:effectLst>
-                <a:outerShdw blurRad="38100" dist="38100" dir="2700000" algn="tl">
-                  <a:srgbClr val="000000">
-                    <a:alpha val="43137"/>
-                  </a:srgbClr>
-                </a:outerShdw>
-              </a:effectLst>
-              <a:latin typeface="Adobe Arabic" panose="02040503050201020203" pitchFamily="18" charset="-78"/>
-              <a:cs typeface="Adobe Arabic" panose="02040503050201020203" pitchFamily="18" charset="-78"/>
-            </a:endParaRPr>
-          </a:p>
-        </p:txBody>
-      </p:sp>
+            <a:off x="381000" y="2472826"/>
+            <a:ext cx="6000496" cy="4000331"/>
+          </a:xfrm>
+        </p:spPr>
+      </p:pic>
     </p:spTree>
     <p:extLst>
       <p:ext uri="{BB962C8B-B14F-4D97-AF65-F5344CB8AC3E}">
-        <p14:creationId xmlns:p14="http://schemas.microsoft.com/office/powerpoint/2010/main" val="2867377788"/>
+        <p14:creationId xmlns:p14="http://schemas.microsoft.com/office/powerpoint/2010/main" val="4159001804"/>
       </p:ext>
     </p:extLst>
   </p:cSld>
@@ -11812,7 +10865,7 @@
           <a:p>
             <a:pPr algn="r" rtl="1"/>
             <a:r>
-              <a:rPr lang="fa-IR" sz="4400" dirty="0" smtClean="0">
+              <a:rPr lang="fa-IR" sz="4400" dirty="0">
                 <a:effectLst>
                   <a:outerShdw blurRad="38100" dist="38100" dir="2700000" algn="tl">
                     <a:srgbClr val="000000">
@@ -11820,52 +10873,10 @@
                     </a:srgbClr>
                   </a:outerShdw>
                 </a:effectLst>
-                <a:latin typeface="Adobe Arabic" panose="02040503050201020203" pitchFamily="18" charset="-78"/>
-                <a:cs typeface="Adobe Arabic" panose="02040503050201020203" pitchFamily="18" charset="-78"/>
-              </a:rPr>
-              <a:t>فصل </a:t>
-            </a:r>
-            <a:r>
-              <a:rPr lang="fa-IR" sz="4400" dirty="0" smtClean="0">
-                <a:effectLst>
-                  <a:outerShdw blurRad="38100" dist="38100" dir="2700000" algn="tl">
-                    <a:srgbClr val="000000">
-                      <a:alpha val="43137"/>
-                    </a:srgbClr>
-                  </a:outerShdw>
-                </a:effectLst>
-                <a:latin typeface="Adobe Arabic" panose="02040503050201020203" pitchFamily="18" charset="-78"/>
-                <a:cs typeface="Adobe Arabic" panose="02040503050201020203" pitchFamily="18" charset="-78"/>
-              </a:rPr>
-              <a:t>سوم </a:t>
-            </a:r>
-            <a:r>
-              <a:rPr lang="fa-IR" sz="4400" dirty="0" smtClean="0">
-                <a:effectLst>
-                  <a:outerShdw blurRad="38100" dist="38100" dir="2700000" algn="tl">
-                    <a:srgbClr val="000000">
-                      <a:alpha val="43137"/>
-                    </a:srgbClr>
-                  </a:outerShdw>
-                </a:effectLst>
-                <a:latin typeface="Adobe Arabic" panose="02040503050201020203" pitchFamily="18" charset="-78"/>
-                <a:cs typeface="Adobe Arabic" panose="02040503050201020203" pitchFamily="18" charset="-78"/>
-              </a:rPr>
-              <a:t>: </a:t>
-            </a:r>
-            <a:r>
-              <a:rPr lang="fa-IR" sz="4400" dirty="0" smtClean="0">
-                <a:effectLst>
-                  <a:outerShdw blurRad="38100" dist="38100" dir="2700000" algn="tl">
-                    <a:srgbClr val="000000">
-                      <a:alpha val="43137"/>
-                    </a:srgbClr>
-                  </a:outerShdw>
-                </a:effectLst>
-                <a:latin typeface="Adobe Arabic" panose="02040503050201020203" pitchFamily="18" charset="-78"/>
-                <a:cs typeface="Adobe Arabic" panose="02040503050201020203" pitchFamily="18" charset="-78"/>
-              </a:rPr>
-              <a:t>« بعله » بگوئید </a:t>
+                <a:latin typeface="Calibri" panose="020F0502020204030204" pitchFamily="34" charset="0"/>
+                <a:cs typeface="Calibri" panose="020F0502020204030204" pitchFamily="34" charset="0"/>
+              </a:rPr>
+              <a:t>فصل سوم : « بعله » بگوئید </a:t>
             </a:r>
             <a:endParaRPr lang="en-US" sz="4400" dirty="0">
               <a:effectLst>
@@ -11875,158 +10886,8 @@
                   </a:srgbClr>
                 </a:outerShdw>
               </a:effectLst>
-              <a:latin typeface="Adobe Arabic" panose="02040503050201020203" pitchFamily="18" charset="-78"/>
-              <a:cs typeface="Adobe Arabic" panose="02040503050201020203" pitchFamily="18" charset="-78"/>
-            </a:endParaRPr>
-          </a:p>
-        </p:txBody>
-      </p:sp>
-      <p:pic>
-        <p:nvPicPr>
-          <p:cNvPr id="7" name="Content Placeholder 6"/>
-          <p:cNvPicPr>
-            <a:picLocks noGrp="1" noChangeAspect="1"/>
-          </p:cNvPicPr>
-          <p:nvPr>
-            <p:ph idx="1"/>
-          </p:nvPr>
-        </p:nvPicPr>
-        <p:blipFill>
-          <a:blip r:embed="rId2">
-            <a:extLst>
-              <a:ext uri="{28A0092B-C50C-407E-A947-70E740481C1C}">
-                <a14:useLocalDpi xmlns:a14="http://schemas.microsoft.com/office/drawing/2010/main" val="0"/>
-              </a:ext>
-            </a:extLst>
-          </a:blip>
-          <a:stretch>
-            <a:fillRect/>
-          </a:stretch>
-        </p:blipFill>
-        <p:spPr>
-          <a:xfrm>
-            <a:off x="381000" y="2472826"/>
-            <a:ext cx="6000496" cy="4000331"/>
-          </a:xfrm>
-        </p:spPr>
-      </p:pic>
-    </p:spTree>
-    <p:extLst>
-      <p:ext uri="{BB962C8B-B14F-4D97-AF65-F5344CB8AC3E}">
-        <p14:creationId xmlns:p14="http://schemas.microsoft.com/office/powerpoint/2010/main" val="4159001804"/>
-      </p:ext>
-    </p:extLst>
-  </p:cSld>
-  <p:clrMapOvr>
-    <a:masterClrMapping/>
-  </p:clrMapOvr>
-</p:sld>
-</file>
-
-<file path=ppt/slides/slide25.xml><?xml version="1.0" encoding="utf-8"?>
-<p:sld xmlns:a="http://schemas.openxmlformats.org/drawingml/2006/main" xmlns:r="http://schemas.openxmlformats.org/officeDocument/2006/relationships" xmlns:p="http://schemas.openxmlformats.org/presentationml/2006/main">
-  <p:cSld>
-    <p:spTree>
-      <p:nvGrpSpPr>
-        <p:cNvPr id="1" name=""/>
-        <p:cNvGrpSpPr/>
-        <p:nvPr/>
-      </p:nvGrpSpPr>
-      <p:grpSpPr>
-        <a:xfrm>
-          <a:off x="0" y="0"/>
-          <a:ext cx="0" cy="0"/>
-          <a:chOff x="0" y="0"/>
-          <a:chExt cx="0" cy="0"/>
-        </a:xfrm>
-      </p:grpSpPr>
-      <p:sp>
-        <p:nvSpPr>
-          <p:cNvPr id="2" name="Title 1"/>
-          <p:cNvSpPr>
-            <a:spLocks noGrp="1"/>
-          </p:cNvSpPr>
-          <p:nvPr>
-            <p:ph type="title"/>
-          </p:nvPr>
-        </p:nvSpPr>
-        <p:spPr>
-          <a:xfrm>
-            <a:off x="381000" y="571500"/>
-            <a:ext cx="11341100" cy="685800"/>
-          </a:xfrm>
-        </p:spPr>
-        <p:txBody>
-          <a:bodyPr/>
-          <a:lstStyle/>
-          <a:p>
-            <a:pPr algn="r" rtl="1"/>
-            <a:r>
-              <a:rPr lang="fa-IR" sz="4400" dirty="0" smtClean="0">
-                <a:effectLst>
-                  <a:outerShdw blurRad="38100" dist="38100" dir="2700000" algn="tl">
-                    <a:srgbClr val="000000">
-                      <a:alpha val="43137"/>
-                    </a:srgbClr>
-                  </a:outerShdw>
-                </a:effectLst>
-                <a:latin typeface="Adobe Arabic" panose="02040503050201020203" pitchFamily="18" charset="-78"/>
-                <a:cs typeface="Adobe Arabic" panose="02040503050201020203" pitchFamily="18" charset="-78"/>
-              </a:rPr>
-              <a:t>فصل </a:t>
-            </a:r>
-            <a:r>
-              <a:rPr lang="fa-IR" sz="4400" dirty="0" smtClean="0">
-                <a:effectLst>
-                  <a:outerShdw blurRad="38100" dist="38100" dir="2700000" algn="tl">
-                    <a:srgbClr val="000000">
-                      <a:alpha val="43137"/>
-                    </a:srgbClr>
-                  </a:outerShdw>
-                </a:effectLst>
-                <a:latin typeface="Adobe Arabic" panose="02040503050201020203" pitchFamily="18" charset="-78"/>
-                <a:cs typeface="Adobe Arabic" panose="02040503050201020203" pitchFamily="18" charset="-78"/>
-              </a:rPr>
-              <a:t>سوم </a:t>
-            </a:r>
-            <a:r>
-              <a:rPr lang="fa-IR" sz="4400" dirty="0" smtClean="0">
-                <a:effectLst>
-                  <a:outerShdw blurRad="38100" dist="38100" dir="2700000" algn="tl">
-                    <a:srgbClr val="000000">
-                      <a:alpha val="43137"/>
-                    </a:srgbClr>
-                  </a:outerShdw>
-                </a:effectLst>
-                <a:latin typeface="Adobe Arabic" panose="02040503050201020203" pitchFamily="18" charset="-78"/>
-                <a:cs typeface="Adobe Arabic" panose="02040503050201020203" pitchFamily="18" charset="-78"/>
-              </a:rPr>
-              <a:t>: </a:t>
-            </a:r>
-            <a:r>
-              <a:rPr lang="fa-IR" sz="4400" dirty="0" smtClean="0">
-                <a:effectLst>
-                  <a:outerShdw blurRad="38100" dist="38100" dir="2700000" algn="tl">
-                    <a:srgbClr val="000000">
-                      <a:alpha val="43137"/>
-                    </a:srgbClr>
-                  </a:outerShdw>
-                </a:effectLst>
-                <a:latin typeface="Adobe Arabic" panose="02040503050201020203" pitchFamily="18" charset="-78"/>
-                <a:cs typeface="Adobe Arabic" panose="02040503050201020203" pitchFamily="18" charset="-78"/>
-              </a:rPr>
-              <a:t>« بعله » بگوئید </a:t>
-            </a:r>
-            <a:endParaRPr lang="en-US" sz="4400" dirty="0">
-              <a:effectLst>
-                <a:outerShdw blurRad="38100" dist="38100" dir="2700000" algn="tl">
-                  <a:srgbClr val="000000">
-                    <a:alpha val="43137"/>
-                  </a:srgbClr>
-                </a:outerShdw>
-              </a:effectLst>
-              <a:latin typeface="Adobe Arabic" panose="02040503050201020203" pitchFamily="18" charset="-78"/>
-              <a:cs typeface="Adobe Arabic" panose="02040503050201020203" pitchFamily="18" charset="-78"/>
+              <a:latin typeface="Calibri" panose="020F0502020204030204" pitchFamily="34" charset="0"/>
+              <a:cs typeface="Calibri" panose="020F0502020204030204" pitchFamily="34" charset="0"/>
             </a:endParaRPr>
           </a:p>
         </p:txBody>
@@ -12134,9 +10995,9 @@
           <a:p>
             <a:pPr algn="r" rtl="1"/>
             <a:r>
-              <a:rPr lang="fa-IR" dirty="0" smtClean="0">
-                <a:latin typeface="Adobe Arabic" panose="02040503050201020203" pitchFamily="18" charset="-78"/>
-                <a:cs typeface="Adobe Arabic" panose="02040503050201020203" pitchFamily="18" charset="-78"/>
+              <a:rPr lang="fa-IR" sz="3600" dirty="0">
+                <a:latin typeface="Calibri" panose="020F0502020204030204" pitchFamily="34" charset="0"/>
+                <a:cs typeface="Calibri" panose="020F0502020204030204" pitchFamily="34" charset="0"/>
               </a:rPr>
               <a:t>زبان « تعهد »</a:t>
             </a:r>
@@ -12167,9 +11028,9 @@
           <a:p>
             <a:pPr algn="r" rtl="1"/>
             <a:r>
-              <a:rPr lang="fa-IR" sz="2800" b="1" i="1" dirty="0" smtClean="0">
-                <a:latin typeface="Adobe Arabic" panose="02040503050201020203" pitchFamily="18" charset="-78"/>
-                <a:cs typeface="Adobe Arabic" panose="02040503050201020203" pitchFamily="18" charset="-78"/>
+              <a:rPr lang="fa-IR" sz="2800" b="1" i="1" dirty="0">
+                <a:latin typeface="Calibri" panose="020F0502020204030204" pitchFamily="34" charset="0"/>
+                <a:cs typeface="Calibri" panose="020F0502020204030204" pitchFamily="34" charset="0"/>
               </a:rPr>
               <a:t>سه قسمت ایجاد یک تعهد : </a:t>
             </a:r>
@@ -12180,9 +11041,9 @@
               <a:buChar char="ü"/>
             </a:pPr>
             <a:r>
-              <a:rPr lang="fa-IR" sz="2800" dirty="0" smtClean="0">
-                <a:latin typeface="Adobe Arabic" panose="02040503050201020203" pitchFamily="18" charset="-78"/>
-                <a:cs typeface="Adobe Arabic" panose="02040503050201020203" pitchFamily="18" charset="-78"/>
+              <a:rPr lang="fa-IR" sz="2800" dirty="0">
+                <a:latin typeface="Calibri" panose="020F0502020204030204" pitchFamily="34" charset="0"/>
+                <a:cs typeface="Calibri" panose="020F0502020204030204" pitchFamily="34" charset="0"/>
               </a:rPr>
               <a:t>شما می گوئید که « قصد » انجام کاری را دارید. </a:t>
             </a:r>
@@ -12193,9 +11054,9 @@
               <a:buChar char="ü"/>
             </a:pPr>
             <a:r>
-              <a:rPr lang="fa-IR" sz="2800" dirty="0" smtClean="0">
-                <a:latin typeface="Adobe Arabic" panose="02040503050201020203" pitchFamily="18" charset="-78"/>
-                <a:cs typeface="Adobe Arabic" panose="02040503050201020203" pitchFamily="18" charset="-78"/>
+              <a:rPr lang="fa-IR" sz="2800" dirty="0">
+                <a:latin typeface="Calibri" panose="020F0502020204030204" pitchFamily="34" charset="0"/>
+                <a:cs typeface="Calibri" panose="020F0502020204030204" pitchFamily="34" charset="0"/>
               </a:rPr>
               <a:t>شما « می خواهید » آن کار را انجام دهید .</a:t>
             </a:r>
@@ -12206,15 +11067,15 @@
               <a:buChar char="ü"/>
             </a:pPr>
             <a:r>
-              <a:rPr lang="fa-IR" sz="2800" dirty="0" smtClean="0">
-                <a:latin typeface="Adobe Arabic" panose="02040503050201020203" pitchFamily="18" charset="-78"/>
-                <a:cs typeface="Adobe Arabic" panose="02040503050201020203" pitchFamily="18" charset="-78"/>
+              <a:rPr lang="fa-IR" sz="2800" dirty="0">
+                <a:latin typeface="Calibri" panose="020F0502020204030204" pitchFamily="34" charset="0"/>
+                <a:cs typeface="Calibri" panose="020F0502020204030204" pitchFamily="34" charset="0"/>
               </a:rPr>
               <a:t>شما « واقعا آن را انجام می دهید » . </a:t>
             </a:r>
             <a:endParaRPr lang="en-US" sz="2800" dirty="0">
-              <a:latin typeface="Adobe Arabic" panose="02040503050201020203" pitchFamily="18" charset="-78"/>
-              <a:cs typeface="Adobe Arabic" panose="02040503050201020203" pitchFamily="18" charset="-78"/>
+              <a:latin typeface="Calibri" panose="020F0502020204030204" pitchFamily="34" charset="0"/>
+              <a:cs typeface="Calibri" panose="020F0502020204030204" pitchFamily="34" charset="0"/>
             </a:endParaRPr>
           </a:p>
         </p:txBody>
@@ -12243,9 +11104,9 @@
           <a:p>
             <a:pPr algn="r" rtl="1"/>
             <a:r>
-              <a:rPr lang="fa-IR" sz="2800" b="1" i="1" dirty="0" smtClean="0">
-                <a:latin typeface="Adobe Arabic" panose="02040503050201020203" pitchFamily="18" charset="-78"/>
-                <a:cs typeface="Adobe Arabic" panose="02040503050201020203" pitchFamily="18" charset="-78"/>
+              <a:rPr lang="fa-IR" sz="2800" b="1" i="1" dirty="0">
+                <a:latin typeface="Calibri" panose="020F0502020204030204" pitchFamily="34" charset="0"/>
+                <a:cs typeface="Calibri" panose="020F0502020204030204" pitchFamily="34" charset="0"/>
               </a:rPr>
               <a:t>نشانه های عدم تعهد : </a:t>
             </a:r>
@@ -12256,9 +11117,9 @@
               <a:buChar char="ü"/>
             </a:pPr>
             <a:r>
-              <a:rPr lang="fa-IR" sz="2800" dirty="0" smtClean="0">
-                <a:latin typeface="Adobe Arabic" panose="02040503050201020203" pitchFamily="18" charset="-78"/>
-                <a:cs typeface="Adobe Arabic" panose="02040503050201020203" pitchFamily="18" charset="-78"/>
+              <a:rPr lang="fa-IR" sz="2800" dirty="0">
+                <a:latin typeface="Calibri" panose="020F0502020204030204" pitchFamily="34" charset="0"/>
+                <a:cs typeface="Calibri" panose="020F0502020204030204" pitchFamily="34" charset="0"/>
               </a:rPr>
               <a:t>باید / نیاز داریم </a:t>
             </a:r>
@@ -12269,25 +11130,25 @@
               <a:buChar char="ü"/>
             </a:pPr>
             <a:r>
-              <a:rPr lang="fa-IR" sz="2800" dirty="0" smtClean="0">
-                <a:latin typeface="Adobe Arabic" panose="02040503050201020203" pitchFamily="18" charset="-78"/>
-                <a:cs typeface="Adobe Arabic" panose="02040503050201020203" pitchFamily="18" charset="-78"/>
+              <a:rPr lang="fa-IR" sz="2800" dirty="0">
+                <a:latin typeface="Calibri" panose="020F0502020204030204" pitchFamily="34" charset="0"/>
+                <a:cs typeface="Calibri" panose="020F0502020204030204" pitchFamily="34" charset="0"/>
               </a:rPr>
               <a:t>امیدوارم / </a:t>
             </a:r>
             <a:r>
-              <a:rPr lang="fa-IR" sz="2800" smtClean="0">
-                <a:latin typeface="Adobe Arabic" panose="02040503050201020203" pitchFamily="18" charset="-78"/>
-                <a:cs typeface="Adobe Arabic" panose="02040503050201020203" pitchFamily="18" charset="-78"/>
+              <a:rPr lang="fa-IR" sz="2800">
+                <a:latin typeface="Calibri" panose="020F0502020204030204" pitchFamily="34" charset="0"/>
+                <a:cs typeface="Calibri" panose="020F0502020204030204" pitchFamily="34" charset="0"/>
               </a:rPr>
               <a:t>انشاء الله</a:t>
             </a:r>
           </a:p>
           <a:p>
             <a:pPr lvl="1" algn="r" rtl="1"/>
-            <a:endParaRPr lang="fa-IR" sz="2800" dirty="0" smtClean="0">
-              <a:latin typeface="Adobe Arabic" panose="02040503050201020203" pitchFamily="18" charset="-78"/>
-              <a:cs typeface="Adobe Arabic" panose="02040503050201020203" pitchFamily="18" charset="-78"/>
+            <a:endParaRPr lang="fa-IR" sz="2800" dirty="0">
+              <a:latin typeface="Calibri" panose="020F0502020204030204" pitchFamily="34" charset="0"/>
+              <a:cs typeface="Calibri" panose="020F0502020204030204" pitchFamily="34" charset="0"/>
             </a:endParaRPr>
           </a:p>
         </p:txBody>
@@ -12344,7 +11205,7 @@
           <a:p>
             <a:pPr algn="r" rtl="1"/>
             <a:r>
-              <a:rPr lang="fa-IR" sz="4400" dirty="0" smtClean="0">
+              <a:rPr lang="fa-IR" sz="4400" dirty="0">
                 <a:effectLst>
                   <a:outerShdw blurRad="38100" dist="38100" dir="2700000" algn="tl">
                     <a:srgbClr val="000000">
@@ -12352,8 +11213,8 @@
                     </a:srgbClr>
                   </a:outerShdw>
                 </a:effectLst>
-                <a:latin typeface="Adobe Arabic" panose="02040503050201020203" pitchFamily="18" charset="-78"/>
-                <a:cs typeface="Adobe Arabic" panose="02040503050201020203" pitchFamily="18" charset="-78"/>
+                <a:latin typeface="Calibri" panose="020F0502020204030204" pitchFamily="34" charset="0"/>
+                <a:cs typeface="Calibri" panose="020F0502020204030204" pitchFamily="34" charset="0"/>
               </a:rPr>
               <a:t>فصل اول : حرفه ای گری </a:t>
             </a:r>
@@ -12365,8 +11226,8 @@
                   </a:srgbClr>
                 </a:outerShdw>
               </a:effectLst>
-              <a:latin typeface="Adobe Arabic" panose="02040503050201020203" pitchFamily="18" charset="-78"/>
-              <a:cs typeface="Adobe Arabic" panose="02040503050201020203" pitchFamily="18" charset="-78"/>
+              <a:latin typeface="Calibri" panose="020F0502020204030204" pitchFamily="34" charset="0"/>
+              <a:cs typeface="Calibri" panose="020F0502020204030204" pitchFamily="34" charset="0"/>
             </a:endParaRPr>
           </a:p>
         </p:txBody>
@@ -12397,7 +11258,7 @@
               <a:buNone/>
             </a:pPr>
             <a:r>
-              <a:rPr lang="fa-IR" sz="3200" b="1" dirty="0" smtClean="0">
+              <a:rPr lang="fa-IR" sz="3200" b="1" dirty="0">
                 <a:solidFill>
                   <a:srgbClr val="FFFF00"/>
                 </a:solidFill>
@@ -12408,8 +11269,8 @@
                     </a:srgbClr>
                   </a:outerShdw>
                 </a:effectLst>
-                <a:latin typeface="Adobe Arabic" panose="02040503050201020203" pitchFamily="18" charset="-78"/>
-                <a:cs typeface="Adobe Arabic" panose="02040503050201020203" pitchFamily="18" charset="-78"/>
+                <a:latin typeface="Calibri" panose="020F0502020204030204" pitchFamily="34" charset="0"/>
+                <a:cs typeface="Calibri" panose="020F0502020204030204" pitchFamily="34" charset="0"/>
               </a:rPr>
               <a:t>مهمترین اصل حرفه ای گری ، مسئولیت پذیری است .</a:t>
             </a:r>
@@ -12424,8 +11285,8 @@
         </p:nvSpPr>
         <p:spPr>
           <a:xfrm>
-            <a:off x="3911600" y="2235200"/>
-            <a:ext cx="6845300" cy="3970318"/>
+            <a:off x="3480955" y="2235200"/>
+            <a:ext cx="7275945" cy="3970318"/>
           </a:xfrm>
           <a:prstGeom prst="rect">
             <a:avLst/>
@@ -12444,22 +11305,11 @@
             </a:pPr>
             <a:r>
               <a:rPr lang="fa-IR" sz="2800" dirty="0">
-                <a:latin typeface="Adobe Arabic" panose="02040503050201020203" pitchFamily="18" charset="-78"/>
-                <a:cs typeface="Adobe Arabic" panose="02040503050201020203" pitchFamily="18" charset="-78"/>
-              </a:rPr>
-              <a:t>ضرر </a:t>
-            </a:r>
-            <a:r>
-              <a:rPr lang="fa-IR" sz="2800" dirty="0" smtClean="0">
-                <a:latin typeface="Adobe Arabic" panose="02040503050201020203" pitchFamily="18" charset="-78"/>
-                <a:cs typeface="Adobe Arabic" panose="02040503050201020203" pitchFamily="18" charset="-78"/>
-              </a:rPr>
-              <a:t>نزنید.</a:t>
-            </a:r>
-            <a:endParaRPr lang="fa-IR" sz="2800" dirty="0">
-              <a:latin typeface="Adobe Arabic" panose="02040503050201020203" pitchFamily="18" charset="-78"/>
-              <a:cs typeface="Adobe Arabic" panose="02040503050201020203" pitchFamily="18" charset="-78"/>
-            </a:endParaRPr>
+                <a:latin typeface="Calibri" panose="020F0502020204030204" pitchFamily="34" charset="0"/>
+                <a:cs typeface="Calibri" panose="020F0502020204030204" pitchFamily="34" charset="0"/>
+              </a:rPr>
+              <a:t>ضرر نزنید.</a:t>
+            </a:r>
           </a:p>
           <a:p>
             <a:pPr marL="457200" indent="-457200" algn="r" rtl="1">
@@ -12468,36 +11318,25 @@
             </a:pPr>
             <a:r>
               <a:rPr lang="fa-IR" sz="2800" dirty="0">
-                <a:latin typeface="Adobe Arabic" panose="02040503050201020203" pitchFamily="18" charset="-78"/>
-                <a:cs typeface="Adobe Arabic" panose="02040503050201020203" pitchFamily="18" charset="-78"/>
-              </a:rPr>
-              <a:t>وجدان کاری </a:t>
-            </a:r>
-            <a:r>
-              <a:rPr lang="fa-IR" sz="2800" dirty="0" smtClean="0">
-                <a:latin typeface="Adobe Arabic" panose="02040503050201020203" pitchFamily="18" charset="-78"/>
-                <a:cs typeface="Adobe Arabic" panose="02040503050201020203" pitchFamily="18" charset="-78"/>
-              </a:rPr>
-              <a:t> </a:t>
-            </a:r>
-            <a:r>
-              <a:rPr lang="fa-IR" sz="2800" b="1" dirty="0" smtClean="0">
-                <a:latin typeface="Adobe Arabic" panose="02040503050201020203" pitchFamily="18" charset="-78"/>
-                <a:cs typeface="Adobe Arabic" panose="02040503050201020203" pitchFamily="18" charset="-78"/>
+                <a:latin typeface="Calibri" panose="020F0502020204030204" pitchFamily="34" charset="0"/>
+                <a:cs typeface="Calibri" panose="020F0502020204030204" pitchFamily="34" charset="0"/>
+              </a:rPr>
+              <a:t>وجدان کاری  </a:t>
+            </a:r>
+            <a:r>
+              <a:rPr lang="fa-IR" sz="2800" b="1" dirty="0">
+                <a:latin typeface="Calibri" panose="020F0502020204030204" pitchFamily="34" charset="0"/>
+                <a:cs typeface="Calibri" panose="020F0502020204030204" pitchFamily="34" charset="0"/>
               </a:rPr>
               <a:t>( اخلاق حرفه‌ای )</a:t>
             </a:r>
             <a:r>
-              <a:rPr lang="fa-IR" sz="2800" dirty="0" smtClean="0">
-                <a:latin typeface="Adobe Arabic" panose="02040503050201020203" pitchFamily="18" charset="-78"/>
-                <a:cs typeface="Adobe Arabic" panose="02040503050201020203" pitchFamily="18" charset="-78"/>
+              <a:rPr lang="fa-IR" sz="2800" dirty="0">
+                <a:latin typeface="Calibri" panose="020F0502020204030204" pitchFamily="34" charset="0"/>
+                <a:cs typeface="Calibri" panose="020F0502020204030204" pitchFamily="34" charset="0"/>
               </a:rPr>
               <a:t> داشته باشید. </a:t>
             </a:r>
-            <a:endParaRPr lang="fa-IR" sz="2800" dirty="0">
-              <a:latin typeface="Adobe Arabic" panose="02040503050201020203" pitchFamily="18" charset="-78"/>
-              <a:cs typeface="Adobe Arabic" panose="02040503050201020203" pitchFamily="18" charset="-78"/>
-            </a:endParaRPr>
           </a:p>
           <a:p>
             <a:pPr marL="457200" indent="-457200" algn="r" rtl="1">
@@ -12506,22 +11345,11 @@
             </a:pPr>
             <a:r>
               <a:rPr lang="fa-IR" sz="2800" dirty="0">
-                <a:latin typeface="Adobe Arabic" panose="02040503050201020203" pitchFamily="18" charset="-78"/>
-                <a:cs typeface="Adobe Arabic" panose="02040503050201020203" pitchFamily="18" charset="-78"/>
-              </a:rPr>
-              <a:t>در زمینه ی فنی ، اطلاعات کافی داشته </a:t>
-            </a:r>
-            <a:r>
-              <a:rPr lang="fa-IR" sz="2800" dirty="0" smtClean="0">
-                <a:latin typeface="Adobe Arabic" panose="02040503050201020203" pitchFamily="18" charset="-78"/>
-                <a:cs typeface="Adobe Arabic" panose="02040503050201020203" pitchFamily="18" charset="-78"/>
-              </a:rPr>
-              <a:t>باشید. </a:t>
-            </a:r>
-            <a:endParaRPr lang="fa-IR" sz="2800" dirty="0">
-              <a:latin typeface="Adobe Arabic" panose="02040503050201020203" pitchFamily="18" charset="-78"/>
-              <a:cs typeface="Adobe Arabic" panose="02040503050201020203" pitchFamily="18" charset="-78"/>
-            </a:endParaRPr>
+                <a:latin typeface="Calibri" panose="020F0502020204030204" pitchFamily="34" charset="0"/>
+                <a:cs typeface="Calibri" panose="020F0502020204030204" pitchFamily="34" charset="0"/>
+              </a:rPr>
+              <a:t>در زمینه ی فنی ، اطلاعات کافی داشته باشید. </a:t>
+            </a:r>
           </a:p>
           <a:p>
             <a:pPr marL="457200" indent="-457200" algn="r" rtl="1">
@@ -12529,23 +11357,12 @@
               <a:buChar char="•"/>
             </a:pPr>
             <a:r>
-              <a:rPr lang="fa-IR" sz="2800" dirty="0" smtClean="0">
-                <a:latin typeface="Adobe Arabic" panose="02040503050201020203" pitchFamily="18" charset="-78"/>
-                <a:cs typeface="Adobe Arabic" panose="02040503050201020203" pitchFamily="18" charset="-78"/>
-              </a:rPr>
-              <a:t>یادگیری مداوم داشته باشید</a:t>
-            </a:r>
-            <a:r>
-              <a:rPr lang="fa-IR" sz="2800" dirty="0" smtClean="0">
-                <a:latin typeface="Adobe Arabic" panose="02040503050201020203" pitchFamily="18" charset="-78"/>
-                <a:cs typeface="Adobe Arabic" panose="02040503050201020203" pitchFamily="18" charset="-78"/>
-              </a:rPr>
-              <a:t>.</a:t>
-            </a:r>
-            <a:endParaRPr lang="fa-IR" sz="2800" dirty="0">
-              <a:latin typeface="Adobe Arabic" panose="02040503050201020203" pitchFamily="18" charset="-78"/>
-              <a:cs typeface="Adobe Arabic" panose="02040503050201020203" pitchFamily="18" charset="-78"/>
-            </a:endParaRPr>
+              <a:rPr lang="fa-IR" sz="2800" dirty="0">
+                <a:latin typeface="Calibri" panose="020F0502020204030204" pitchFamily="34" charset="0"/>
+                <a:cs typeface="Calibri" panose="020F0502020204030204" pitchFamily="34" charset="0"/>
+              </a:rPr>
+              <a:t>یادگیری مداوم داشته باشید.</a:t>
+            </a:r>
           </a:p>
           <a:p>
             <a:pPr marL="457200" indent="-457200" algn="r" rtl="1">
@@ -12554,8 +11371,8 @@
             </a:pPr>
             <a:r>
               <a:rPr lang="fa-IR" sz="2800" dirty="0">
-                <a:latin typeface="Adobe Arabic" panose="02040503050201020203" pitchFamily="18" charset="-78"/>
-                <a:cs typeface="Adobe Arabic" panose="02040503050201020203" pitchFamily="18" charset="-78"/>
+                <a:latin typeface="Calibri" panose="020F0502020204030204" pitchFamily="34" charset="0"/>
+                <a:cs typeface="Calibri" panose="020F0502020204030204" pitchFamily="34" charset="0"/>
               </a:rPr>
               <a:t>تمرین کنید .</a:t>
             </a:r>
@@ -12567,8 +11384,8 @@
             </a:pPr>
             <a:r>
               <a:rPr lang="fa-IR" sz="2800" dirty="0">
-                <a:latin typeface="Adobe Arabic" panose="02040503050201020203" pitchFamily="18" charset="-78"/>
-                <a:cs typeface="Adobe Arabic" panose="02040503050201020203" pitchFamily="18" charset="-78"/>
+                <a:latin typeface="Calibri" panose="020F0502020204030204" pitchFamily="34" charset="0"/>
+                <a:cs typeface="Calibri" panose="020F0502020204030204" pitchFamily="34" charset="0"/>
               </a:rPr>
               <a:t>همکاری کنید.</a:t>
             </a:r>
@@ -12579,23 +11396,12 @@
               <a:buChar char="•"/>
             </a:pPr>
             <a:r>
-              <a:rPr lang="fa-IR" sz="2800" dirty="0" smtClean="0">
-                <a:latin typeface="Adobe Arabic" panose="02040503050201020203" pitchFamily="18" charset="-78"/>
-                <a:cs typeface="Adobe Arabic" panose="02040503050201020203" pitchFamily="18" charset="-78"/>
-              </a:rPr>
-              <a:t>آموزش دادن</a:t>
-            </a:r>
-            <a:r>
-              <a:rPr lang="fa-IR" sz="2800" dirty="0" smtClean="0">
-                <a:latin typeface="Adobe Arabic" panose="02040503050201020203" pitchFamily="18" charset="-78"/>
-                <a:cs typeface="Adobe Arabic" panose="02040503050201020203" pitchFamily="18" charset="-78"/>
-              </a:rPr>
-              <a:t>. </a:t>
-            </a:r>
-            <a:endParaRPr lang="fa-IR" sz="2800" dirty="0">
-              <a:latin typeface="Adobe Arabic" panose="02040503050201020203" pitchFamily="18" charset="-78"/>
-              <a:cs typeface="Adobe Arabic" panose="02040503050201020203" pitchFamily="18" charset="-78"/>
-            </a:endParaRPr>
+              <a:rPr lang="fa-IR" sz="2800" dirty="0">
+                <a:latin typeface="Calibri" panose="020F0502020204030204" pitchFamily="34" charset="0"/>
+                <a:cs typeface="Calibri" panose="020F0502020204030204" pitchFamily="34" charset="0"/>
+              </a:rPr>
+              <a:t>آموزش دادن. </a:t>
+            </a:r>
           </a:p>
           <a:p>
             <a:pPr marL="457200" indent="-457200" algn="r" rtl="1">
@@ -12604,31 +11410,10 @@
             </a:pPr>
             <a:r>
               <a:rPr lang="fa-IR" sz="2800" dirty="0">
-                <a:latin typeface="Adobe Arabic" panose="02040503050201020203" pitchFamily="18" charset="-78"/>
-                <a:cs typeface="Adobe Arabic" panose="02040503050201020203" pitchFamily="18" charset="-78"/>
-              </a:rPr>
-              <a:t>دامین </a:t>
-            </a:r>
-            <a:r>
-              <a:rPr lang="fa-IR" sz="2800" dirty="0" smtClean="0">
-                <a:latin typeface="Adobe Arabic" panose="02040503050201020203" pitchFamily="18" charset="-78"/>
-                <a:cs typeface="Adobe Arabic" panose="02040503050201020203" pitchFamily="18" charset="-78"/>
-              </a:rPr>
-              <a:t>خود </a:t>
-            </a:r>
-            <a:r>
-              <a:rPr lang="fa-IR" sz="2800" dirty="0">
-                <a:latin typeface="Adobe Arabic" panose="02040503050201020203" pitchFamily="18" charset="-78"/>
-                <a:cs typeface="Adobe Arabic" panose="02040503050201020203" pitchFamily="18" charset="-78"/>
-              </a:rPr>
-              <a:t>رو </a:t>
-            </a:r>
-            <a:r>
-              <a:rPr lang="fa-IR" sz="2800" dirty="0" smtClean="0">
-                <a:latin typeface="Adobe Arabic" panose="02040503050201020203" pitchFamily="18" charset="-78"/>
-                <a:cs typeface="Adobe Arabic" panose="02040503050201020203" pitchFamily="18" charset="-78"/>
-              </a:rPr>
-              <a:t>بشناسید.</a:t>
+                <a:latin typeface="Calibri" panose="020F0502020204030204" pitchFamily="34" charset="0"/>
+                <a:cs typeface="Calibri" panose="020F0502020204030204" pitchFamily="34" charset="0"/>
+              </a:rPr>
+              <a:t>دامین خود رو بشناسید.</a:t>
             </a:r>
           </a:p>
           <a:p>
@@ -12637,15 +11422,15 @@
               <a:buChar char="•"/>
             </a:pPr>
             <a:r>
-              <a:rPr lang="fa-IR" sz="2800" dirty="0" smtClean="0">
-                <a:latin typeface="Adobe Arabic" panose="02040503050201020203" pitchFamily="18" charset="-78"/>
-                <a:cs typeface="Adobe Arabic" panose="02040503050201020203" pitchFamily="18" charset="-78"/>
+              <a:rPr lang="fa-IR" sz="2800" dirty="0">
+                <a:latin typeface="Calibri" panose="020F0502020204030204" pitchFamily="34" charset="0"/>
+                <a:cs typeface="Calibri" panose="020F0502020204030204" pitchFamily="34" charset="0"/>
               </a:rPr>
               <a:t>فروتن باشید. </a:t>
             </a:r>
             <a:endParaRPr lang="en-US" sz="2800" dirty="0">
-              <a:latin typeface="Adobe Arabic" panose="02040503050201020203" pitchFamily="18" charset="-78"/>
-              <a:cs typeface="Adobe Arabic" panose="02040503050201020203" pitchFamily="18" charset="-78"/>
+              <a:latin typeface="Calibri" panose="020F0502020204030204" pitchFamily="34" charset="0"/>
+              <a:cs typeface="Calibri" panose="020F0502020204030204" pitchFamily="34" charset="0"/>
             </a:endParaRPr>
           </a:p>
         </p:txBody>
@@ -12692,8 +11477,8 @@
         </p:nvSpPr>
         <p:spPr>
           <a:xfrm>
-            <a:off x="9575800" y="2177580"/>
-            <a:ext cx="2123698" cy="655638"/>
+            <a:off x="7284027" y="2177580"/>
+            <a:ext cx="4415471" cy="655638"/>
           </a:xfrm>
         </p:spPr>
         <p:txBody>
@@ -12702,7 +11487,7 @@
           <a:p>
             <a:pPr algn="r" rtl="1"/>
             <a:r>
-              <a:rPr lang="fa-IR" sz="4400" dirty="0" smtClean="0">
+              <a:rPr lang="fa-IR" sz="3600" dirty="0">
                 <a:solidFill>
                   <a:schemeClr val="tx1"/>
                 </a:solidFill>
@@ -12713,13 +11498,13 @@
                     </a:srgbClr>
                   </a:outerShdw>
                 </a:effectLst>
-                <a:latin typeface="Adobe Arabic" panose="02040503050201020203" pitchFamily="18" charset="-78"/>
-                <a:cs typeface="Adobe Arabic" panose="02040503050201020203" pitchFamily="18" charset="-78"/>
+                <a:latin typeface="Calibri" panose="020F0502020204030204" pitchFamily="34" charset="0"/>
+                <a:cs typeface="Calibri" panose="020F0502020204030204" pitchFamily="34" charset="0"/>
               </a:rPr>
               <a:t>ضرر نزنید </a:t>
             </a:r>
             <a:r>
-              <a:rPr lang="en-US" sz="4400" dirty="0" smtClean="0">
+              <a:rPr lang="en-US" sz="3600" dirty="0">
                 <a:solidFill>
                   <a:schemeClr val="tx1"/>
                 </a:solidFill>
@@ -12730,25 +11515,11 @@
                     </a:srgbClr>
                   </a:outerShdw>
                 </a:effectLst>
-                <a:latin typeface="Adobe Arabic" panose="02040503050201020203" pitchFamily="18" charset="-78"/>
-                <a:cs typeface="Adobe Arabic" panose="02040503050201020203" pitchFamily="18" charset="-78"/>
+                <a:latin typeface="Calibri" panose="020F0502020204030204" pitchFamily="34" charset="0"/>
+                <a:cs typeface="Calibri" panose="020F0502020204030204" pitchFamily="34" charset="0"/>
               </a:rPr>
               <a:t>!!!</a:t>
             </a:r>
-            <a:endParaRPr lang="en-US" sz="4400" dirty="0">
-              <a:solidFill>
-                <a:schemeClr val="tx1"/>
-              </a:solidFill>
-              <a:effectLst>
-                <a:outerShdw blurRad="38100" dist="38100" dir="2700000" algn="tl">
-                  <a:srgbClr val="000000">
-                    <a:alpha val="43137"/>
-                  </a:srgbClr>
-                </a:outerShdw>
-              </a:effectLst>
-              <a:latin typeface="Adobe Arabic" panose="02040503050201020203" pitchFamily="18" charset="-78"/>
-              <a:cs typeface="Adobe Arabic" panose="02040503050201020203" pitchFamily="18" charset="-78"/>
-            </a:endParaRPr>
           </a:p>
         </p:txBody>
       </p:sp>
@@ -12806,7 +11577,7 @@
         <p:spPr>
           <a:xfrm>
             <a:off x="4254500" y="2920367"/>
-            <a:ext cx="6949698" cy="3108543"/>
+            <a:ext cx="6949698" cy="3539430"/>
           </a:xfrm>
           <a:prstGeom prst="rect">
             <a:avLst/>
@@ -12832,36 +11603,11 @@
                     </a:srgbClr>
                   </a:outerShdw>
                 </a:effectLst>
-                <a:latin typeface="Adobe Arabic" panose="02040503050201020203" pitchFamily="18" charset="-78"/>
-                <a:cs typeface="Adobe Arabic" panose="02040503050201020203" pitchFamily="18" charset="-78"/>
-              </a:rPr>
-              <a:t> باگ ایجاد </a:t>
-            </a:r>
-            <a:r>
-              <a:rPr lang="fa-IR" sz="2800" dirty="0" smtClean="0">
-                <a:effectLst>
-                  <a:outerShdw blurRad="38100" dist="38100" dir="2700000" algn="tl">
-                    <a:srgbClr val="000000">
-                      <a:alpha val="43137"/>
-                    </a:srgbClr>
-                  </a:outerShdw>
-                </a:effectLst>
-                <a:latin typeface="Adobe Arabic" panose="02040503050201020203" pitchFamily="18" charset="-78"/>
-                <a:cs typeface="Adobe Arabic" panose="02040503050201020203" pitchFamily="18" charset="-78"/>
-              </a:rPr>
-              <a:t>نکنید .</a:t>
-            </a:r>
-            <a:endParaRPr lang="fa-IR" sz="2800" dirty="0">
-              <a:effectLst>
-                <a:outerShdw blurRad="38100" dist="38100" dir="2700000" algn="tl">
-                  <a:srgbClr val="000000">
-                    <a:alpha val="43137"/>
-                  </a:srgbClr>
-                </a:outerShdw>
-              </a:effectLst>
-              <a:latin typeface="Adobe Arabic" panose="02040503050201020203" pitchFamily="18" charset="-78"/>
-              <a:cs typeface="Adobe Arabic" panose="02040503050201020203" pitchFamily="18" charset="-78"/>
-            </a:endParaRPr>
+                <a:latin typeface="Calibri" panose="020F0502020204030204" pitchFamily="34" charset="0"/>
+                <a:cs typeface="Calibri" panose="020F0502020204030204" pitchFamily="34" charset="0"/>
+              </a:rPr>
+              <a:t> باگ ایجاد نکنید .</a:t>
+            </a:r>
           </a:p>
           <a:p>
             <a:pPr marL="457200" indent="-457200" algn="r" rtl="1">
@@ -12877,36 +11623,11 @@
                     </a:srgbClr>
                   </a:outerShdw>
                 </a:effectLst>
-                <a:latin typeface="Adobe Arabic" panose="02040503050201020203" pitchFamily="18" charset="-78"/>
-                <a:cs typeface="Adobe Arabic" panose="02040503050201020203" pitchFamily="18" charset="-78"/>
-              </a:rPr>
-              <a:t> معذرت خواهی </a:t>
-            </a:r>
-            <a:r>
-              <a:rPr lang="fa-IR" sz="2800" dirty="0" smtClean="0">
-                <a:effectLst>
-                  <a:outerShdw blurRad="38100" dist="38100" dir="2700000" algn="tl">
-                    <a:srgbClr val="000000">
-                      <a:alpha val="43137"/>
-                    </a:srgbClr>
-                  </a:outerShdw>
-                </a:effectLst>
-                <a:latin typeface="Adobe Arabic" panose="02040503050201020203" pitchFamily="18" charset="-78"/>
-                <a:cs typeface="Adobe Arabic" panose="02040503050201020203" pitchFamily="18" charset="-78"/>
-              </a:rPr>
-              <a:t>کنید .</a:t>
-            </a:r>
-            <a:endParaRPr lang="fa-IR" sz="2800" dirty="0">
-              <a:effectLst>
-                <a:outerShdw blurRad="38100" dist="38100" dir="2700000" algn="tl">
-                  <a:srgbClr val="000000">
-                    <a:alpha val="43137"/>
-                  </a:srgbClr>
-                </a:outerShdw>
-              </a:effectLst>
-              <a:latin typeface="Adobe Arabic" panose="02040503050201020203" pitchFamily="18" charset="-78"/>
-              <a:cs typeface="Adobe Arabic" panose="02040503050201020203" pitchFamily="18" charset="-78"/>
-            </a:endParaRPr>
+                <a:latin typeface="Calibri" panose="020F0502020204030204" pitchFamily="34" charset="0"/>
+                <a:cs typeface="Calibri" panose="020F0502020204030204" pitchFamily="34" charset="0"/>
+              </a:rPr>
+              <a:t> معذرت خواهی کنید .</a:t>
+            </a:r>
           </a:p>
           <a:p>
             <a:pPr marL="457200" indent="-457200" algn="r" rtl="1">
@@ -12922,36 +11643,11 @@
                     </a:srgbClr>
                   </a:outerShdw>
                 </a:effectLst>
-                <a:latin typeface="Adobe Arabic" panose="02040503050201020203" pitchFamily="18" charset="-78"/>
-                <a:cs typeface="Adobe Arabic" panose="02040503050201020203" pitchFamily="18" charset="-78"/>
-              </a:rPr>
-              <a:t>تیم کنترل کیفیت نباید خطایی </a:t>
-            </a:r>
-            <a:r>
-              <a:rPr lang="fa-IR" sz="2800" dirty="0" smtClean="0">
-                <a:effectLst>
-                  <a:outerShdw blurRad="38100" dist="38100" dir="2700000" algn="tl">
-                    <a:srgbClr val="000000">
-                      <a:alpha val="43137"/>
-                    </a:srgbClr>
-                  </a:outerShdw>
-                </a:effectLst>
-                <a:latin typeface="Adobe Arabic" panose="02040503050201020203" pitchFamily="18" charset="-78"/>
-                <a:cs typeface="Adobe Arabic" panose="02040503050201020203" pitchFamily="18" charset="-78"/>
-              </a:rPr>
-              <a:t>بیابد. </a:t>
-            </a:r>
-            <a:endParaRPr lang="fa-IR" sz="2800" dirty="0">
-              <a:effectLst>
-                <a:outerShdw blurRad="38100" dist="38100" dir="2700000" algn="tl">
-                  <a:srgbClr val="000000">
-                    <a:alpha val="43137"/>
-                  </a:srgbClr>
-                </a:outerShdw>
-              </a:effectLst>
-              <a:latin typeface="Adobe Arabic" panose="02040503050201020203" pitchFamily="18" charset="-78"/>
-              <a:cs typeface="Adobe Arabic" panose="02040503050201020203" pitchFamily="18" charset="-78"/>
-            </a:endParaRPr>
+                <a:latin typeface="Calibri" panose="020F0502020204030204" pitchFamily="34" charset="0"/>
+                <a:cs typeface="Calibri" panose="020F0502020204030204" pitchFamily="34" charset="0"/>
+              </a:rPr>
+              <a:t>تیم کنترل کیفیت نباید خطایی بیابد. </a:t>
+            </a:r>
           </a:p>
           <a:p>
             <a:pPr marL="457200" indent="-457200" algn="r" rtl="1">
@@ -12967,8 +11663,8 @@
                     </a:srgbClr>
                   </a:outerShdw>
                 </a:effectLst>
-                <a:latin typeface="Adobe Arabic" panose="02040503050201020203" pitchFamily="18" charset="-78"/>
-                <a:cs typeface="Adobe Arabic" panose="02040503050201020203" pitchFamily="18" charset="-78"/>
+                <a:latin typeface="Calibri" panose="020F0502020204030204" pitchFamily="34" charset="0"/>
+                <a:cs typeface="Calibri" panose="020F0502020204030204" pitchFamily="34" charset="0"/>
               </a:rPr>
               <a:t> باید مطمئن باشید که کدتان کار می کند . </a:t>
             </a:r>
@@ -12987,8 +11683,8 @@
                     </a:srgbClr>
                   </a:outerShdw>
                 </a:effectLst>
-                <a:latin typeface="Adobe Arabic" panose="02040503050201020203" pitchFamily="18" charset="-78"/>
-                <a:cs typeface="Adobe Arabic" panose="02040503050201020203" pitchFamily="18" charset="-78"/>
+                <a:latin typeface="Calibri" panose="020F0502020204030204" pitchFamily="34" charset="0"/>
+                <a:cs typeface="Calibri" panose="020F0502020204030204" pitchFamily="34" charset="0"/>
               </a:rPr>
               <a:t>تست های خودکار داشته باشید .</a:t>
             </a:r>
@@ -13007,36 +11703,11 @@
                     </a:srgbClr>
                   </a:outerShdw>
                 </a:effectLst>
-                <a:latin typeface="Adobe Arabic" panose="02040503050201020203" pitchFamily="18" charset="-78"/>
-                <a:cs typeface="Adobe Arabic" panose="02040503050201020203" pitchFamily="18" charset="-78"/>
-              </a:rPr>
-              <a:t>به ساختار صدمه </a:t>
-            </a:r>
-            <a:r>
-              <a:rPr lang="fa-IR" sz="2800" dirty="0" smtClean="0">
-                <a:effectLst>
-                  <a:outerShdw blurRad="38100" dist="38100" dir="2700000" algn="tl">
-                    <a:srgbClr val="000000">
-                      <a:alpha val="43137"/>
-                    </a:srgbClr>
-                  </a:outerShdw>
-                </a:effectLst>
-                <a:latin typeface="Adobe Arabic" panose="02040503050201020203" pitchFamily="18" charset="-78"/>
-                <a:cs typeface="Adobe Arabic" panose="02040503050201020203" pitchFamily="18" charset="-78"/>
-              </a:rPr>
-              <a:t>نزنید. </a:t>
-            </a:r>
-            <a:endParaRPr lang="fa-IR" sz="2800" dirty="0">
-              <a:effectLst>
-                <a:outerShdw blurRad="38100" dist="38100" dir="2700000" algn="tl">
-                  <a:srgbClr val="000000">
-                    <a:alpha val="43137"/>
-                  </a:srgbClr>
-                </a:outerShdw>
-              </a:effectLst>
-              <a:latin typeface="Adobe Arabic" panose="02040503050201020203" pitchFamily="18" charset="-78"/>
-              <a:cs typeface="Adobe Arabic" panose="02040503050201020203" pitchFamily="18" charset="-78"/>
-            </a:endParaRPr>
+                <a:latin typeface="Calibri" panose="020F0502020204030204" pitchFamily="34" charset="0"/>
+                <a:cs typeface="Calibri" panose="020F0502020204030204" pitchFamily="34" charset="0"/>
+              </a:rPr>
+              <a:t>به ساختار صدمه نزنید. </a:t>
+            </a:r>
           </a:p>
           <a:p>
             <a:pPr marL="457200" indent="-457200" algn="r" rtl="1">
@@ -13052,8 +11723,8 @@
                     </a:srgbClr>
                   </a:outerShdw>
                 </a:effectLst>
-                <a:latin typeface="Adobe Arabic" panose="02040503050201020203" pitchFamily="18" charset="-78"/>
-                <a:cs typeface="Adobe Arabic" panose="02040503050201020203" pitchFamily="18" charset="-78"/>
+                <a:latin typeface="Calibri" panose="020F0502020204030204" pitchFamily="34" charset="0"/>
+                <a:cs typeface="Calibri" panose="020F0502020204030204" pitchFamily="34" charset="0"/>
               </a:rPr>
               <a:t>باید بتوانید هر لحظه که اراده می کنید ، کدتان را </a:t>
             </a:r>
@@ -13066,24 +11737,10 @@
                     </a:srgbClr>
                   </a:outerShdw>
                 </a:effectLst>
-                <a:latin typeface="Adobe Arabic" panose="02040503050201020203" pitchFamily="18" charset="-78"/>
-                <a:cs typeface="Adobe Arabic" panose="02040503050201020203" pitchFamily="18" charset="-78"/>
+                <a:latin typeface="Calibri" panose="020F0502020204030204" pitchFamily="34" charset="0"/>
+                <a:cs typeface="Calibri" panose="020F0502020204030204" pitchFamily="34" charset="0"/>
               </a:rPr>
               <a:t>Refactor </a:t>
-            </a:r>
-            <a:r>
-              <a:rPr lang="fa-IR" sz="2800" dirty="0" smtClean="0">
-                <a:effectLst>
-                  <a:outerShdw blurRad="38100" dist="38100" dir="2700000" algn="tl">
-                    <a:srgbClr val="000000">
-                      <a:alpha val="43137"/>
-                    </a:srgbClr>
-                  </a:outerShdw>
-                </a:effectLst>
-                <a:latin typeface="Adobe Arabic" panose="02040503050201020203" pitchFamily="18" charset="-78"/>
-                <a:cs typeface="Adobe Arabic" panose="02040503050201020203" pitchFamily="18" charset="-78"/>
-              </a:rPr>
-              <a:t> کنید </a:t>
             </a:r>
             <a:r>
               <a:rPr lang="fa-IR" sz="2800" dirty="0">
@@ -13094,10 +11751,10 @@
                     </a:srgbClr>
                   </a:outerShdw>
                 </a:effectLst>
-                <a:latin typeface="Adobe Arabic" panose="02040503050201020203" pitchFamily="18" charset="-78"/>
-                <a:cs typeface="Adobe Arabic" panose="02040503050201020203" pitchFamily="18" charset="-78"/>
-              </a:rPr>
-              <a:t>. </a:t>
+                <a:latin typeface="Calibri" panose="020F0502020204030204" pitchFamily="34" charset="0"/>
+                <a:cs typeface="Calibri" panose="020F0502020204030204" pitchFamily="34" charset="0"/>
+              </a:rPr>
+              <a:t> کنید . </a:t>
             </a:r>
             <a:endParaRPr lang="en-US" sz="2800" dirty="0">
               <a:effectLst>
@@ -13107,8 +11764,8 @@
                   </a:srgbClr>
                 </a:outerShdw>
               </a:effectLst>
-              <a:latin typeface="Adobe Arabic" panose="02040503050201020203" pitchFamily="18" charset="-78"/>
-              <a:cs typeface="Adobe Arabic" panose="02040503050201020203" pitchFamily="18" charset="-78"/>
+              <a:latin typeface="Calibri" panose="020F0502020204030204" pitchFamily="34" charset="0"/>
+              <a:cs typeface="Calibri" panose="020F0502020204030204" pitchFamily="34" charset="0"/>
             </a:endParaRPr>
           </a:p>
         </p:txBody>
@@ -13216,7 +11873,7 @@
           <a:p>
             <a:pPr algn="r" rtl="1"/>
             <a:r>
-              <a:rPr lang="fa-IR" sz="4400" dirty="0" smtClean="0">
+              <a:rPr lang="fa-IR" sz="4400" dirty="0">
                 <a:effectLst>
                   <a:outerShdw blurRad="38100" dist="38100" dir="2700000" algn="tl">
                     <a:srgbClr val="000000">
@@ -13224,8 +11881,8 @@
                     </a:srgbClr>
                   </a:outerShdw>
                 </a:effectLst>
-                <a:latin typeface="Adobe Arabic" panose="02040503050201020203" pitchFamily="18" charset="-78"/>
-                <a:cs typeface="Adobe Arabic" panose="02040503050201020203" pitchFamily="18" charset="-78"/>
+                <a:latin typeface="Calibri" panose="020F0502020204030204" pitchFamily="34" charset="0"/>
+                <a:cs typeface="Calibri" panose="020F0502020204030204" pitchFamily="34" charset="0"/>
               </a:rPr>
               <a:t>فصل اول : حرفه ای گری </a:t>
             </a:r>
@@ -13237,8 +11894,8 @@
                   </a:srgbClr>
                 </a:outerShdw>
               </a:effectLst>
-              <a:latin typeface="Adobe Arabic" panose="02040503050201020203" pitchFamily="18" charset="-78"/>
-              <a:cs typeface="Adobe Arabic" panose="02040503050201020203" pitchFamily="18" charset="-78"/>
+              <a:latin typeface="Calibri" panose="020F0502020204030204" pitchFamily="34" charset="0"/>
+              <a:cs typeface="Calibri" panose="020F0502020204030204" pitchFamily="34" charset="0"/>
             </a:endParaRPr>
           </a:p>
         </p:txBody>
@@ -13295,7 +11952,7 @@
           <a:p>
             <a:pPr algn="r" rtl="1"/>
             <a:r>
-              <a:rPr lang="fa-IR" sz="4400" dirty="0">
+              <a:rPr lang="fa-IR" sz="3600" dirty="0">
                 <a:effectLst>
                   <a:outerShdw blurRad="38100" dist="38100" dir="2700000" algn="tl">
                     <a:srgbClr val="000000">
@@ -13303,8 +11960,8 @@
                     </a:srgbClr>
                   </a:outerShdw>
                 </a:effectLst>
-                <a:latin typeface="Adobe Arabic" panose="02040503050201020203" pitchFamily="18" charset="-78"/>
-                <a:cs typeface="Adobe Arabic" panose="02040503050201020203" pitchFamily="18" charset="-78"/>
+                <a:latin typeface="Calibri" panose="020F0502020204030204" pitchFamily="34" charset="0"/>
+                <a:cs typeface="Calibri" panose="020F0502020204030204" pitchFamily="34" charset="0"/>
               </a:rPr>
               <a:t>وجدان کاری  ( اخلاق حرفه‌ای ) داشته باشید. </a:t>
             </a:r>
@@ -13332,57 +11989,6 @@
             <a:spAutoFit/>
           </a:bodyPr>
           <a:lstStyle/>
-          <a:p>
-            <a:pPr marL="457200" indent="-457200" algn="r" rtl="1">
-              <a:buFont typeface="Wingdings" panose="05000000000000000000" pitchFamily="2" charset="2"/>
-              <a:buChar char="ü"/>
-            </a:pPr>
-            <a:r>
-              <a:rPr lang="fa-IR" sz="2800" dirty="0" smtClean="0">
-                <a:effectLst>
-                  <a:outerShdw blurRad="38100" dist="38100" dir="2700000" algn="tl">
-                    <a:srgbClr val="000000">
-                      <a:alpha val="43137"/>
-                    </a:srgbClr>
-                  </a:outerShdw>
-                </a:effectLst>
-                <a:latin typeface="Adobe Arabic" panose="02040503050201020203" pitchFamily="18" charset="-78"/>
-                <a:cs typeface="Adobe Arabic" panose="02040503050201020203" pitchFamily="18" charset="-78"/>
-              </a:rPr>
-              <a:t>حرفه ی شما ، مسئولیت شماست .</a:t>
-            </a:r>
-          </a:p>
-          <a:p>
-            <a:pPr marL="457200" indent="-457200" algn="r" rtl="1">
-              <a:buFont typeface="Wingdings" panose="05000000000000000000" pitchFamily="2" charset="2"/>
-              <a:buChar char="ü"/>
-            </a:pPr>
-            <a:r>
-              <a:rPr lang="fa-IR" sz="2800" dirty="0" smtClean="0">
-                <a:effectLst>
-                  <a:outerShdw blurRad="38100" dist="38100" dir="2700000" algn="tl">
-                    <a:srgbClr val="000000">
-                      <a:alpha val="43137"/>
-                    </a:srgbClr>
-                  </a:outerShdw>
-                </a:effectLst>
-                <a:latin typeface="Adobe Arabic" panose="02040503050201020203" pitchFamily="18" charset="-78"/>
-                <a:cs typeface="Adobe Arabic" panose="02040503050201020203" pitchFamily="18" charset="-78"/>
-              </a:rPr>
-              <a:t>استخدام کننده ی شما وظیفه ای برای افزایش سطح مهارت و دانش  شما ندارد .</a:t>
-            </a:r>
-            <a:endParaRPr lang="fa-IR" sz="2800" dirty="0">
-              <a:effectLst>
-                <a:outerShdw blurRad="38100" dist="38100" dir="2700000" algn="tl">
-                  <a:srgbClr val="000000">
-                    <a:alpha val="43137"/>
-                  </a:srgbClr>
-                </a:outerShdw>
-              </a:effectLst>
-              <a:latin typeface="Adobe Arabic" panose="02040503050201020203" pitchFamily="18" charset="-78"/>
-              <a:cs typeface="Adobe Arabic" panose="02040503050201020203" pitchFamily="18" charset="-78"/>
-            </a:endParaRPr>
-          </a:p>
           <a:p>
             <a:pPr marL="457200" indent="-457200" algn="r" rtl="1">
               <a:buFont typeface="Wingdings" panose="05000000000000000000" pitchFamily="2" charset="2"/>
@@ -13397,13 +12003,19 @@
                     </a:srgbClr>
                   </a:outerShdw>
                 </a:effectLst>
-                <a:latin typeface="Adobe Arabic" panose="02040503050201020203" pitchFamily="18" charset="-78"/>
-                <a:cs typeface="Adobe Arabic" panose="02040503050201020203" pitchFamily="18" charset="-78"/>
-              </a:rPr>
-              <a:t> </a:t>
-            </a:r>
-            <a:r>
-              <a:rPr lang="fa-IR" sz="2800" dirty="0" smtClean="0">
+                <a:latin typeface="Calibri" panose="020F0502020204030204" pitchFamily="34" charset="0"/>
+                <a:cs typeface="Calibri" panose="020F0502020204030204" pitchFamily="34" charset="0"/>
+              </a:rPr>
+              <a:t>حرفه ی شما ، مسئولیت شماست .</a:t>
+            </a:r>
+          </a:p>
+          <a:p>
+            <a:pPr marL="457200" indent="-457200" algn="r" rtl="1">
+              <a:buFont typeface="Wingdings" panose="05000000000000000000" pitchFamily="2" charset="2"/>
+              <a:buChar char="ü"/>
+            </a:pPr>
+            <a:r>
+              <a:rPr lang="fa-IR" sz="2800" dirty="0">
                 <a:effectLst>
                   <a:outerShdw blurRad="38100" dist="38100" dir="2700000" algn="tl">
                     <a:srgbClr val="000000">
@@ -13411,19 +12023,19 @@
                     </a:srgbClr>
                   </a:outerShdw>
                 </a:effectLst>
-                <a:latin typeface="Adobe Arabic" panose="02040503050201020203" pitchFamily="18" charset="-78"/>
-                <a:cs typeface="Adobe Arabic" panose="02040503050201020203" pitchFamily="18" charset="-78"/>
-              </a:rPr>
-              <a:t>وقت خود را تقسیم کنید : </a:t>
-            </a:r>
-          </a:p>
-          <a:p>
-            <a:pPr marL="1371600" lvl="2" indent="-457200" algn="r" rtl="1">
+                <a:latin typeface="Calibri" panose="020F0502020204030204" pitchFamily="34" charset="0"/>
+                <a:cs typeface="Calibri" panose="020F0502020204030204" pitchFamily="34" charset="0"/>
+              </a:rPr>
+              <a:t>استخدام کننده ی شما وظیفه ای برای افزایش سطح مهارت و دانش  شما ندارد .</a:t>
+            </a:r>
+          </a:p>
+          <a:p>
+            <a:pPr marL="457200" indent="-457200" algn="r" rtl="1">
               <a:buFont typeface="Wingdings" panose="05000000000000000000" pitchFamily="2" charset="2"/>
               <a:buChar char="ü"/>
             </a:pPr>
             <a:r>
-              <a:rPr lang="fa-IR" sz="2800" dirty="0" smtClean="0">
+              <a:rPr lang="fa-IR" sz="2800" dirty="0">
                 <a:effectLst>
                   <a:outerShdw blurRad="38100" dist="38100" dir="2700000" algn="tl">
                     <a:srgbClr val="000000">
@@ -13431,10 +12043,10 @@
                     </a:srgbClr>
                   </a:outerShdw>
                 </a:effectLst>
-                <a:latin typeface="Adobe Arabic" panose="02040503050201020203" pitchFamily="18" charset="-78"/>
-                <a:cs typeface="Adobe Arabic" panose="02040503050201020203" pitchFamily="18" charset="-78"/>
-              </a:rPr>
-              <a:t>40 ساعت کار</a:t>
+                <a:latin typeface="Calibri" panose="020F0502020204030204" pitchFamily="34" charset="0"/>
+                <a:cs typeface="Calibri" panose="020F0502020204030204" pitchFamily="34" charset="0"/>
+              </a:rPr>
+              <a:t> وقت خود را تقسیم کنید : </a:t>
             </a:r>
           </a:p>
           <a:p>
@@ -13443,7 +12055,7 @@
               <a:buChar char="ü"/>
             </a:pPr>
             <a:r>
-              <a:rPr lang="fa-IR" sz="2800" dirty="0" smtClean="0">
+              <a:rPr lang="fa-IR" sz="2800" dirty="0">
                 <a:effectLst>
                   <a:outerShdw blurRad="38100" dist="38100" dir="2700000" algn="tl">
                     <a:srgbClr val="000000">
@@ -13451,8 +12063,28 @@
                     </a:srgbClr>
                   </a:outerShdw>
                 </a:effectLst>
-                <a:latin typeface="Adobe Arabic" panose="02040503050201020203" pitchFamily="18" charset="-78"/>
-                <a:cs typeface="Adobe Arabic" panose="02040503050201020203" pitchFamily="18" charset="-78"/>
+                <a:latin typeface="Calibri" panose="020F0502020204030204" pitchFamily="34" charset="0"/>
+                <a:cs typeface="Calibri" panose="020F0502020204030204" pitchFamily="34" charset="0"/>
+              </a:rPr>
+              <a:t>40 ساعت کار</a:t>
+            </a:r>
+          </a:p>
+          <a:p>
+            <a:pPr marL="1371600" lvl="2" indent="-457200" algn="r" rtl="1">
+              <a:buFont typeface="Wingdings" panose="05000000000000000000" pitchFamily="2" charset="2"/>
+              <a:buChar char="ü"/>
+            </a:pPr>
+            <a:r>
+              <a:rPr lang="fa-IR" sz="2800" dirty="0">
+                <a:effectLst>
+                  <a:outerShdw blurRad="38100" dist="38100" dir="2700000" algn="tl">
+                    <a:srgbClr val="000000">
+                      <a:alpha val="43137"/>
+                    </a:srgbClr>
+                  </a:outerShdw>
+                </a:effectLst>
+                <a:latin typeface="Calibri" panose="020F0502020204030204" pitchFamily="34" charset="0"/>
+                <a:cs typeface="Calibri" panose="020F0502020204030204" pitchFamily="34" charset="0"/>
               </a:rPr>
               <a:t>20 ساعت برای خودتان </a:t>
             </a:r>
@@ -13470,8 +12102,8 @@
                   </a:srgbClr>
                 </a:outerShdw>
               </a:effectLst>
-              <a:latin typeface="Adobe Arabic" panose="02040503050201020203" pitchFamily="18" charset="-78"/>
-              <a:cs typeface="Adobe Arabic" panose="02040503050201020203" pitchFamily="18" charset="-78"/>
+              <a:latin typeface="Calibri" panose="020F0502020204030204" pitchFamily="34" charset="0"/>
+              <a:cs typeface="Calibri" panose="020F0502020204030204" pitchFamily="34" charset="0"/>
             </a:endParaRPr>
           </a:p>
         </p:txBody>
@@ -13579,7 +12211,7 @@
           <a:p>
             <a:pPr algn="r" rtl="1"/>
             <a:r>
-              <a:rPr lang="fa-IR" sz="4400" dirty="0" smtClean="0">
+              <a:rPr lang="fa-IR" sz="4400" dirty="0">
                 <a:effectLst>
                   <a:outerShdw blurRad="38100" dist="38100" dir="2700000" algn="tl">
                     <a:srgbClr val="000000">
@@ -13694,9 +12326,9 @@
           <a:p>
             <a:pPr algn="r" rtl="1"/>
             <a:r>
-              <a:rPr lang="fa-IR" sz="4400" dirty="0">
-                <a:latin typeface="Adobe Arabic" panose="02040503050201020203" pitchFamily="18" charset="-78"/>
-                <a:cs typeface="Adobe Arabic" panose="02040503050201020203" pitchFamily="18" charset="-78"/>
+              <a:rPr lang="fa-IR" sz="3600" dirty="0">
+                <a:latin typeface="Calibri" panose="020F0502020204030204" pitchFamily="34" charset="0"/>
+                <a:cs typeface="Calibri" panose="020F0502020204030204" pitchFamily="34" charset="0"/>
               </a:rPr>
               <a:t>در زمینه ی فنی ، اطلاعات کافی داشته باشید. </a:t>
             </a:r>
@@ -13712,7 +12344,7 @@
         <p:spPr>
           <a:xfrm>
             <a:off x="919350" y="2738435"/>
-            <a:ext cx="10612249" cy="2554545"/>
+            <a:ext cx="10612249" cy="2123658"/>
           </a:xfrm>
           <a:prstGeom prst="rect">
             <a:avLst/>
@@ -13727,9 +12359,9 @@
           <a:p>
             <a:pPr lvl="1" algn="r" rtl="1"/>
             <a:r>
-              <a:rPr lang="fa-IR" sz="2800" b="1" dirty="0" smtClean="0">
-                <a:latin typeface="Adobe Arabic" panose="02040503050201020203" pitchFamily="18" charset="-78"/>
-                <a:cs typeface="Adobe Arabic" panose="02040503050201020203" pitchFamily="18" charset="-78"/>
+              <a:rPr lang="fa-IR" sz="2800" b="1" dirty="0">
+                <a:latin typeface="Calibri" panose="020F0502020204030204" pitchFamily="34" charset="0"/>
+                <a:cs typeface="Calibri" panose="020F0502020204030204" pitchFamily="34" charset="0"/>
               </a:rPr>
               <a:t>باید در زمینه های زیر دانش فنی داشته باشید :</a:t>
             </a:r>
@@ -13739,9 +12371,9 @@
               <a:buFont typeface="Wingdings" panose="05000000000000000000" pitchFamily="2" charset="2"/>
               <a:buChar char="ü"/>
             </a:pPr>
-            <a:endParaRPr lang="fa-IR" sz="2800" b="1" dirty="0" smtClean="0">
-              <a:latin typeface="Adobe Arabic" panose="02040503050201020203" pitchFamily="18" charset="-78"/>
-              <a:cs typeface="Adobe Arabic" panose="02040503050201020203" pitchFamily="18" charset="-78"/>
+            <a:endParaRPr lang="fa-IR" sz="2800" b="1" dirty="0">
+              <a:latin typeface="Calibri" panose="020F0502020204030204" pitchFamily="34" charset="0"/>
+              <a:cs typeface="Calibri" panose="020F0502020204030204" pitchFamily="34" charset="0"/>
             </a:endParaRPr>
           </a:p>
           <a:p>
@@ -13750,77 +12382,67 @@
               <a:buChar char="ü"/>
             </a:pPr>
             <a:r>
-              <a:rPr lang="fa-IR" sz="2800" b="1" i="1" dirty="0" smtClean="0">
-                <a:latin typeface="Adobe Arabic" panose="02040503050201020203" pitchFamily="18" charset="-78"/>
-                <a:cs typeface="Adobe Arabic" panose="02040503050201020203" pitchFamily="18" charset="-78"/>
+              <a:rPr lang="fa-IR" sz="2800" b="1" i="1" dirty="0">
+                <a:latin typeface="Calibri" panose="020F0502020204030204" pitchFamily="34" charset="0"/>
+                <a:cs typeface="Calibri" panose="020F0502020204030204" pitchFamily="34" charset="0"/>
               </a:rPr>
               <a:t>الگوهای طراحی : </a:t>
             </a:r>
             <a:r>
-              <a:rPr lang="fa-IR" sz="2400" dirty="0" smtClean="0">
-                <a:latin typeface="Adobe Arabic" panose="02040503050201020203" pitchFamily="18" charset="-78"/>
-                <a:cs typeface="Adobe Arabic" panose="02040503050201020203" pitchFamily="18" charset="-78"/>
+              <a:rPr lang="fa-IR" sz="2400" dirty="0">
+                <a:latin typeface="Calibri" panose="020F0502020204030204" pitchFamily="34" charset="0"/>
+                <a:cs typeface="Calibri" panose="020F0502020204030204" pitchFamily="34" charset="0"/>
               </a:rPr>
               <a:t>باید بتوانید 24 الگوی طراحی </a:t>
             </a:r>
             <a:r>
-              <a:rPr lang="en-US" sz="2400" dirty="0" smtClean="0">
-                <a:latin typeface="Adobe Arabic" panose="02040503050201020203" pitchFamily="18" charset="-78"/>
-                <a:cs typeface="Adobe Arabic" panose="02040503050201020203" pitchFamily="18" charset="-78"/>
+              <a:rPr lang="en-US" sz="2400" dirty="0">
+                <a:latin typeface="Calibri" panose="020F0502020204030204" pitchFamily="34" charset="0"/>
+                <a:cs typeface="Calibri" panose="020F0502020204030204" pitchFamily="34" charset="0"/>
               </a:rPr>
               <a:t> </a:t>
             </a:r>
             <a:r>
-              <a:rPr lang="fa-IR" sz="2400" dirty="0" smtClean="0">
-                <a:latin typeface="Adobe Arabic" panose="02040503050201020203" pitchFamily="18" charset="-78"/>
-                <a:cs typeface="Adobe Arabic" panose="02040503050201020203" pitchFamily="18" charset="-78"/>
+              <a:rPr lang="fa-IR" sz="2400" dirty="0">
+                <a:latin typeface="Calibri" panose="020F0502020204030204" pitchFamily="34" charset="0"/>
+                <a:cs typeface="Calibri" panose="020F0502020204030204" pitchFamily="34" charset="0"/>
               </a:rPr>
               <a:t>مشخص شده در</a:t>
             </a:r>
             <a:r>
-              <a:rPr lang="en-US" sz="2400" dirty="0" smtClean="0">
-                <a:latin typeface="Adobe Arabic" panose="02040503050201020203" pitchFamily="18" charset="-78"/>
-                <a:cs typeface="Adobe Arabic" panose="02040503050201020203" pitchFamily="18" charset="-78"/>
+              <a:rPr lang="en-US" sz="2400" dirty="0">
+                <a:latin typeface="Calibri" panose="020F0502020204030204" pitchFamily="34" charset="0"/>
+                <a:cs typeface="Calibri" panose="020F0502020204030204" pitchFamily="34" charset="0"/>
               </a:rPr>
               <a:t> </a:t>
             </a:r>
             <a:r>
-              <a:rPr lang="fa-IR" sz="2400" dirty="0" smtClean="0">
-                <a:latin typeface="Adobe Arabic" panose="02040503050201020203" pitchFamily="18" charset="-78"/>
-                <a:cs typeface="Adobe Arabic" panose="02040503050201020203" pitchFamily="18" charset="-78"/>
+              <a:rPr lang="fa-IR" sz="2400" dirty="0">
+                <a:latin typeface="Calibri" panose="020F0502020204030204" pitchFamily="34" charset="0"/>
+                <a:cs typeface="Calibri" panose="020F0502020204030204" pitchFamily="34" charset="0"/>
               </a:rPr>
               <a:t> کتاب  </a:t>
             </a:r>
             <a:r>
-              <a:rPr lang="en-US" sz="2400" dirty="0" smtClean="0">
-                <a:latin typeface="Adobe Arabic" panose="02040503050201020203" pitchFamily="18" charset="-78"/>
-                <a:cs typeface="Adobe Arabic" panose="02040503050201020203" pitchFamily="18" charset="-78"/>
+              <a:rPr lang="en-US" sz="2400" dirty="0">
+                <a:latin typeface="Calibri" panose="020F0502020204030204" pitchFamily="34" charset="0"/>
+                <a:cs typeface="Calibri" panose="020F0502020204030204" pitchFamily="34" charset="0"/>
               </a:rPr>
               <a:t>GOF</a:t>
             </a:r>
             <a:r>
-              <a:rPr lang="fa-IR" sz="2400" dirty="0" smtClean="0">
-                <a:latin typeface="Adobe Arabic" panose="02040503050201020203" pitchFamily="18" charset="-78"/>
-                <a:cs typeface="Adobe Arabic" panose="02040503050201020203" pitchFamily="18" charset="-78"/>
+              <a:rPr lang="fa-IR" sz="2400" dirty="0">
+                <a:latin typeface="Calibri" panose="020F0502020204030204" pitchFamily="34" charset="0"/>
+                <a:cs typeface="Calibri" panose="020F0502020204030204" pitchFamily="34" charset="0"/>
               </a:rPr>
               <a:t> را شرح دهید و به معماری ساخت یافته ی شی گرا بر اساس الگوهای طراحی ، آشنایی داشته باشد . </a:t>
             </a:r>
           </a:p>
           <a:p>
-            <a:pPr marL="914400" lvl="1" indent="-457200" algn="r" rtl="1">
-              <a:buFont typeface="Wingdings" panose="05000000000000000000" pitchFamily="2" charset="2"/>
-              <a:buChar char="ü"/>
-            </a:pPr>
-            <a:endParaRPr lang="fa-IR" sz="2400" dirty="0" smtClean="0">
-              <a:latin typeface="Adobe Arabic" panose="02040503050201020203" pitchFamily="18" charset="-78"/>
-              <a:cs typeface="Adobe Arabic" panose="02040503050201020203" pitchFamily="18" charset="-78"/>
-            </a:endParaRPr>
-          </a:p>
-          <a:p>
             <a:pPr lvl="1" algn="r" rtl="1"/>
-            <a:endParaRPr lang="en-US" sz="2800" dirty="0">
-              <a:latin typeface="Adobe Arabic" panose="02040503050201020203" pitchFamily="18" charset="-78"/>
-              <a:cs typeface="Adobe Arabic" panose="02040503050201020203" pitchFamily="18" charset="-78"/>
+            <a:endParaRPr lang="fa-IR" sz="2400" dirty="0">
+              <a:latin typeface="Calibri" panose="020F0502020204030204" pitchFamily="34" charset="0"/>
+              <a:cs typeface="Calibri" panose="020F0502020204030204" pitchFamily="34" charset="0"/>
             </a:endParaRPr>
           </a:p>
         </p:txBody>
@@ -13928,7 +12550,7 @@
           <a:p>
             <a:pPr algn="r" rtl="1"/>
             <a:r>
-              <a:rPr lang="fa-IR" sz="4400" dirty="0" smtClean="0">
+              <a:rPr lang="fa-IR" sz="4400" dirty="0">
                 <a:effectLst>
                   <a:outerShdw blurRad="38100" dist="38100" dir="2700000" algn="tl">
                     <a:srgbClr val="000000">
@@ -14067,9 +12689,9 @@
           <a:p>
             <a:pPr algn="r" rtl="1"/>
             <a:r>
-              <a:rPr lang="fa-IR" sz="4400" dirty="0">
-                <a:latin typeface="Adobe Arabic" panose="02040503050201020203" pitchFamily="18" charset="-78"/>
-                <a:cs typeface="Adobe Arabic" panose="02040503050201020203" pitchFamily="18" charset="-78"/>
+              <a:rPr lang="fa-IR" sz="3600" dirty="0">
+                <a:latin typeface="Calibri" panose="020F0502020204030204" pitchFamily="34" charset="0"/>
+                <a:cs typeface="Calibri" panose="020F0502020204030204" pitchFamily="34" charset="0"/>
               </a:rPr>
               <a:t>در زمینه ی فنی ، اطلاعات کافی داشته باشید. </a:t>
             </a:r>
@@ -14099,9 +12721,9 @@
           <a:lstStyle/>
           <a:p>
             <a:pPr lvl="1" algn="r" rtl="1"/>
-            <a:endParaRPr lang="fa-IR" sz="2800" b="1" dirty="0" smtClean="0">
-              <a:latin typeface="Adobe Arabic" panose="02040503050201020203" pitchFamily="18" charset="-78"/>
-              <a:cs typeface="Adobe Arabic" panose="02040503050201020203" pitchFamily="18" charset="-78"/>
+            <a:endParaRPr lang="fa-IR" sz="2800" b="1" dirty="0">
+              <a:latin typeface="Calibri" panose="020F0502020204030204" pitchFamily="34" charset="0"/>
+              <a:cs typeface="Calibri" panose="020F0502020204030204" pitchFamily="34" charset="0"/>
             </a:endParaRPr>
           </a:p>
           <a:p>
@@ -14110,30 +12732,30 @@
               <a:buChar char="ü"/>
             </a:pPr>
             <a:r>
-              <a:rPr lang="fa-IR" sz="2800" b="1" i="1" dirty="0" smtClean="0">
-                <a:latin typeface="Adobe Arabic" panose="02040503050201020203" pitchFamily="18" charset="-78"/>
-                <a:cs typeface="Adobe Arabic" panose="02040503050201020203" pitchFamily="18" charset="-78"/>
+              <a:rPr lang="fa-IR" sz="2800" b="1" i="1" dirty="0">
+                <a:latin typeface="Calibri" panose="020F0502020204030204" pitchFamily="34" charset="0"/>
+                <a:cs typeface="Calibri" panose="020F0502020204030204" pitchFamily="34" charset="0"/>
               </a:rPr>
               <a:t>اصول طراحی : </a:t>
             </a:r>
             <a:r>
-              <a:rPr lang="fa-IR" sz="2400" dirty="0" smtClean="0">
-                <a:latin typeface="Adobe Arabic" panose="02040503050201020203" pitchFamily="18" charset="-78"/>
-                <a:cs typeface="Adobe Arabic" panose="02040503050201020203" pitchFamily="18" charset="-78"/>
+              <a:rPr lang="fa-IR" sz="2400" dirty="0">
+                <a:latin typeface="Calibri" panose="020F0502020204030204" pitchFamily="34" charset="0"/>
+                <a:cs typeface="Calibri" panose="020F0502020204030204" pitchFamily="34" charset="0"/>
               </a:rPr>
               <a:t>باید درک درستی از اصول </a:t>
             </a:r>
             <a:r>
-              <a:rPr lang="en-US" sz="2400" dirty="0" smtClean="0">
-                <a:latin typeface="Adobe Arabic" panose="02040503050201020203" pitchFamily="18" charset="-78"/>
-                <a:cs typeface="Adobe Arabic" panose="02040503050201020203" pitchFamily="18" charset="-78"/>
+              <a:rPr lang="en-US" sz="2400" dirty="0">
+                <a:latin typeface="Calibri" panose="020F0502020204030204" pitchFamily="34" charset="0"/>
+                <a:cs typeface="Calibri" panose="020F0502020204030204" pitchFamily="34" charset="0"/>
               </a:rPr>
               <a:t>SOLID </a:t>
             </a:r>
             <a:r>
-              <a:rPr lang="fa-IR" sz="2400" dirty="0" smtClean="0">
-                <a:latin typeface="Adobe Arabic" panose="02040503050201020203" pitchFamily="18" charset="-78"/>
-                <a:cs typeface="Adobe Arabic" panose="02040503050201020203" pitchFamily="18" charset="-78"/>
+              <a:rPr lang="fa-IR" sz="2400" dirty="0">
+                <a:latin typeface="Calibri" panose="020F0502020204030204" pitchFamily="34" charset="0"/>
+                <a:cs typeface="Calibri" panose="020F0502020204030204" pitchFamily="34" charset="0"/>
               </a:rPr>
               <a:t> داشته باشید </a:t>
             </a:r>
@@ -14143,16 +12765,16 @@
               <a:buFont typeface="Wingdings" panose="05000000000000000000" pitchFamily="2" charset="2"/>
               <a:buChar char="ü"/>
             </a:pPr>
-            <a:endParaRPr lang="fa-IR" sz="2400" dirty="0" smtClean="0">
-              <a:latin typeface="Adobe Arabic" panose="02040503050201020203" pitchFamily="18" charset="-78"/>
-              <a:cs typeface="Adobe Arabic" panose="02040503050201020203" pitchFamily="18" charset="-78"/>
+            <a:endParaRPr lang="fa-IR" sz="2400" dirty="0">
+              <a:latin typeface="Calibri" panose="020F0502020204030204" pitchFamily="34" charset="0"/>
+              <a:cs typeface="Calibri" panose="020F0502020204030204" pitchFamily="34" charset="0"/>
             </a:endParaRPr>
           </a:p>
           <a:p>
             <a:pPr lvl="1" algn="r" rtl="1"/>
             <a:endParaRPr lang="en-US" sz="2800" dirty="0">
-              <a:latin typeface="Adobe Arabic" panose="02040503050201020203" pitchFamily="18" charset="-78"/>
-              <a:cs typeface="Adobe Arabic" panose="02040503050201020203" pitchFamily="18" charset="-78"/>
+              <a:latin typeface="Calibri" panose="020F0502020204030204" pitchFamily="34" charset="0"/>
+              <a:cs typeface="Calibri" panose="020F0502020204030204" pitchFamily="34" charset="0"/>
             </a:endParaRPr>
           </a:p>
         </p:txBody>
@@ -14260,7 +12882,7 @@
           <a:p>
             <a:pPr algn="r" rtl="1"/>
             <a:r>
-              <a:rPr lang="fa-IR" sz="4400" dirty="0" smtClean="0">
+              <a:rPr lang="fa-IR" sz="4400" dirty="0">
                 <a:effectLst>
                   <a:outerShdw blurRad="38100" dist="38100" dir="2700000" algn="tl">
                     <a:srgbClr val="000000">
@@ -14268,8 +12890,8 @@
                     </a:srgbClr>
                   </a:outerShdw>
                 </a:effectLst>
-                <a:latin typeface="Adobe Arabic" panose="02040503050201020203" pitchFamily="18" charset="-78"/>
-                <a:cs typeface="Adobe Arabic" panose="02040503050201020203" pitchFamily="18" charset="-78"/>
+                <a:latin typeface="Calibri" panose="020F0502020204030204" pitchFamily="34" charset="0"/>
+                <a:cs typeface="Calibri" panose="020F0502020204030204" pitchFamily="34" charset="0"/>
               </a:rPr>
               <a:t>فصل اول : حرفه ای گری </a:t>
             </a:r>
@@ -14281,8 +12903,8 @@
                   </a:srgbClr>
                 </a:outerShdw>
               </a:effectLst>
-              <a:latin typeface="Adobe Arabic" panose="02040503050201020203" pitchFamily="18" charset="-78"/>
-              <a:cs typeface="Adobe Arabic" panose="02040503050201020203" pitchFamily="18" charset="-78"/>
+              <a:latin typeface="Calibri" panose="020F0502020204030204" pitchFamily="34" charset="0"/>
+              <a:cs typeface="Calibri" panose="020F0502020204030204" pitchFamily="34" charset="0"/>
             </a:endParaRPr>
           </a:p>
         </p:txBody>
@@ -14309,8 +12931,8 @@
         </p:blipFill>
         <p:spPr>
           <a:xfrm>
-            <a:off x="444501" y="4142769"/>
-            <a:ext cx="2882900" cy="2509341"/>
+            <a:off x="444500" y="3708885"/>
+            <a:ext cx="3381375" cy="2943225"/>
           </a:xfrm>
           <a:prstGeom prst="rect">
             <a:avLst/>
@@ -14369,9 +12991,9 @@
           <a:p>
             <a:pPr algn="r" rtl="1"/>
             <a:r>
-              <a:rPr lang="fa-IR" sz="4400" dirty="0">
-                <a:latin typeface="Adobe Arabic" panose="02040503050201020203" pitchFamily="18" charset="-78"/>
-                <a:cs typeface="Adobe Arabic" panose="02040503050201020203" pitchFamily="18" charset="-78"/>
+              <a:rPr lang="fa-IR" sz="3600" dirty="0">
+                <a:latin typeface="Calibri" panose="020F0502020204030204" pitchFamily="34" charset="0"/>
+                <a:cs typeface="Calibri" panose="020F0502020204030204" pitchFamily="34" charset="0"/>
               </a:rPr>
               <a:t>در زمینه ی فنی ، اطلاعات کافی داشته باشید. </a:t>
             </a:r>
@@ -14405,9 +13027,9 @@
               <a:buChar char="ü"/>
             </a:pPr>
             <a:r>
-              <a:rPr lang="fa-IR" sz="2800" b="1" i="1" dirty="0" smtClean="0">
-                <a:latin typeface="Adobe Arabic" panose="02040503050201020203" pitchFamily="18" charset="-78"/>
-                <a:cs typeface="Adobe Arabic" panose="02040503050201020203" pitchFamily="18" charset="-78"/>
+              <a:rPr lang="fa-IR" sz="2800" b="1" i="1" dirty="0">
+                <a:latin typeface="Calibri" panose="020F0502020204030204" pitchFamily="34" charset="0"/>
+                <a:cs typeface="Calibri" panose="020F0502020204030204" pitchFamily="34" charset="0"/>
               </a:rPr>
               <a:t>آشنایی با متدهای توسعه ی پروژه :</a:t>
             </a:r>
@@ -14416,31 +13038,24 @@
             <a:pPr lvl="1" algn="r" rtl="1"/>
             <a:r>
               <a:rPr lang="fa-IR" sz="2800" b="1" i="1" dirty="0">
-                <a:latin typeface="Adobe Arabic" panose="02040503050201020203" pitchFamily="18" charset="-78"/>
-                <a:cs typeface="Adobe Arabic" panose="02040503050201020203" pitchFamily="18" charset="-78"/>
-              </a:rPr>
-              <a:t>	</a:t>
-            </a:r>
-            <a:r>
-              <a:rPr lang="fa-IR" sz="2800" b="1" i="1" dirty="0" smtClean="0">
-                <a:latin typeface="Adobe Arabic" panose="02040503050201020203" pitchFamily="18" charset="-78"/>
-                <a:cs typeface="Adobe Arabic" panose="02040503050201020203" pitchFamily="18" charset="-78"/>
-              </a:rPr>
-              <a:t> </a:t>
-            </a:r>
-            <a:r>
-              <a:rPr lang="fa-IR" sz="2400" dirty="0" smtClean="0">
-                <a:latin typeface="Adobe Arabic" panose="02040503050201020203" pitchFamily="18" charset="-78"/>
-                <a:cs typeface="Adobe Arabic" panose="02040503050201020203" pitchFamily="18" charset="-78"/>
+                <a:latin typeface="Calibri" panose="020F0502020204030204" pitchFamily="34" charset="0"/>
+                <a:cs typeface="Calibri" panose="020F0502020204030204" pitchFamily="34" charset="0"/>
+              </a:rPr>
+              <a:t>	 </a:t>
+            </a:r>
+            <a:r>
+              <a:rPr lang="fa-IR" sz="2400" dirty="0">
+                <a:latin typeface="Calibri" panose="020F0502020204030204" pitchFamily="34" charset="0"/>
+                <a:cs typeface="Calibri" panose="020F0502020204030204" pitchFamily="34" charset="0"/>
               </a:rPr>
               <a:t>باید با موارد زیر آشنا باشید :</a:t>
             </a:r>
           </a:p>
           <a:p>
             <a:pPr lvl="1" algn="r" rtl="1"/>
-            <a:endParaRPr lang="fa-IR" sz="2400" dirty="0" smtClean="0">
-              <a:latin typeface="Adobe Arabic" panose="02040503050201020203" pitchFamily="18" charset="-78"/>
-              <a:cs typeface="Adobe Arabic" panose="02040503050201020203" pitchFamily="18" charset="-78"/>
+            <a:endParaRPr lang="fa-IR" sz="2400" dirty="0">
+              <a:latin typeface="Calibri" panose="020F0502020204030204" pitchFamily="34" charset="0"/>
+              <a:cs typeface="Calibri" panose="020F0502020204030204" pitchFamily="34" charset="0"/>
             </a:endParaRPr>
           </a:p>
           <a:p>
@@ -14449,9 +13064,9 @@
               <a:buChar char="ü"/>
             </a:pPr>
             <a:r>
-              <a:rPr lang="en-US" sz="2400" dirty="0" smtClean="0">
-                <a:latin typeface="Adobe Arabic" panose="02040503050201020203" pitchFamily="18" charset="-78"/>
-                <a:cs typeface="Adobe Arabic" panose="02040503050201020203" pitchFamily="18" charset="-78"/>
+              <a:rPr lang="en-US" sz="2400" dirty="0">
+                <a:latin typeface="Calibri" panose="020F0502020204030204" pitchFamily="34" charset="0"/>
+                <a:cs typeface="Calibri" panose="020F0502020204030204" pitchFamily="34" charset="0"/>
               </a:rPr>
               <a:t>SCRUM</a:t>
             </a:r>
@@ -14462,9 +13077,9 @@
               <a:buChar char="ü"/>
             </a:pPr>
             <a:r>
-              <a:rPr lang="en-US" sz="2400" dirty="0" smtClean="0">
-                <a:latin typeface="Adobe Arabic" panose="02040503050201020203" pitchFamily="18" charset="-78"/>
-                <a:cs typeface="Adobe Arabic" panose="02040503050201020203" pitchFamily="18" charset="-78"/>
+              <a:rPr lang="en-US" sz="2400" dirty="0">
+                <a:latin typeface="Calibri" panose="020F0502020204030204" pitchFamily="34" charset="0"/>
+                <a:cs typeface="Calibri" panose="020F0502020204030204" pitchFamily="34" charset="0"/>
               </a:rPr>
               <a:t>XP</a:t>
             </a:r>
@@ -14475,9 +13090,9 @@
               <a:buChar char="ü"/>
             </a:pPr>
             <a:r>
-              <a:rPr lang="en-US" sz="2400" dirty="0" smtClean="0">
-                <a:latin typeface="Adobe Arabic" panose="02040503050201020203" pitchFamily="18" charset="-78"/>
-                <a:cs typeface="Adobe Arabic" panose="02040503050201020203" pitchFamily="18" charset="-78"/>
+              <a:rPr lang="en-US" sz="2400" dirty="0">
+                <a:latin typeface="Calibri" panose="020F0502020204030204" pitchFamily="34" charset="0"/>
+                <a:cs typeface="Calibri" panose="020F0502020204030204" pitchFamily="34" charset="0"/>
               </a:rPr>
               <a:t>LEAN</a:t>
             </a:r>
@@ -14488,9 +13103,9 @@
               <a:buChar char="ü"/>
             </a:pPr>
             <a:r>
-              <a:rPr lang="en-US" sz="2400" dirty="0" smtClean="0">
-                <a:latin typeface="Adobe Arabic" panose="02040503050201020203" pitchFamily="18" charset="-78"/>
-                <a:cs typeface="Adobe Arabic" panose="02040503050201020203" pitchFamily="18" charset="-78"/>
+              <a:rPr lang="en-US" sz="2400" dirty="0">
+                <a:latin typeface="Calibri" panose="020F0502020204030204" pitchFamily="34" charset="0"/>
+                <a:cs typeface="Calibri" panose="020F0502020204030204" pitchFamily="34" charset="0"/>
               </a:rPr>
               <a:t>Kanban</a:t>
             </a:r>
@@ -14501,15 +13116,15 @@
               <a:buChar char="ü"/>
             </a:pPr>
             <a:r>
-              <a:rPr lang="en-US" sz="2400" dirty="0" smtClean="0">
-                <a:latin typeface="Adobe Arabic" panose="02040503050201020203" pitchFamily="18" charset="-78"/>
-                <a:cs typeface="Adobe Arabic" panose="02040503050201020203" pitchFamily="18" charset="-78"/>
+              <a:rPr lang="en-US" sz="2400" dirty="0">
+                <a:latin typeface="Calibri" panose="020F0502020204030204" pitchFamily="34" charset="0"/>
+                <a:cs typeface="Calibri" panose="020F0502020204030204" pitchFamily="34" charset="0"/>
               </a:rPr>
               <a:t>Waterfall</a:t>
             </a:r>
-            <a:endParaRPr lang="fa-IR" sz="2400" dirty="0" smtClean="0">
-              <a:latin typeface="Adobe Arabic" panose="02040503050201020203" pitchFamily="18" charset="-78"/>
-              <a:cs typeface="Adobe Arabic" panose="02040503050201020203" pitchFamily="18" charset="-78"/>
+            <a:endParaRPr lang="fa-IR" sz="2400" dirty="0">
+              <a:latin typeface="Calibri" panose="020F0502020204030204" pitchFamily="34" charset="0"/>
+              <a:cs typeface="Calibri" panose="020F0502020204030204" pitchFamily="34" charset="0"/>
             </a:endParaRPr>
           </a:p>
           <a:p>
@@ -14517,16 +13132,16 @@
               <a:buFont typeface="Wingdings" panose="05000000000000000000" pitchFamily="2" charset="2"/>
               <a:buChar char="ü"/>
             </a:pPr>
-            <a:endParaRPr lang="fa-IR" sz="2400" dirty="0" smtClean="0">
-              <a:latin typeface="Adobe Arabic" panose="02040503050201020203" pitchFamily="18" charset="-78"/>
-              <a:cs typeface="Adobe Arabic" panose="02040503050201020203" pitchFamily="18" charset="-78"/>
+            <a:endParaRPr lang="fa-IR" sz="2400" dirty="0">
+              <a:latin typeface="Calibri" panose="020F0502020204030204" pitchFamily="34" charset="0"/>
+              <a:cs typeface="Calibri" panose="020F0502020204030204" pitchFamily="34" charset="0"/>
             </a:endParaRPr>
           </a:p>
           <a:p>
             <a:pPr lvl="1" algn="r" rtl="1"/>
             <a:endParaRPr lang="en-US" sz="2800" dirty="0">
-              <a:latin typeface="Adobe Arabic" panose="02040503050201020203" pitchFamily="18" charset="-78"/>
-              <a:cs typeface="Adobe Arabic" panose="02040503050201020203" pitchFamily="18" charset="-78"/>
+              <a:latin typeface="Calibri" panose="020F0502020204030204" pitchFamily="34" charset="0"/>
+              <a:cs typeface="Calibri" panose="020F0502020204030204" pitchFamily="34" charset="0"/>
             </a:endParaRPr>
           </a:p>
         </p:txBody>
@@ -14634,7 +13249,7 @@
           <a:p>
             <a:pPr algn="r" rtl="1"/>
             <a:r>
-              <a:rPr lang="fa-IR" sz="4400" dirty="0" smtClean="0">
+              <a:rPr lang="fa-IR" sz="4400" dirty="0">
                 <a:effectLst>
                   <a:outerShdw blurRad="38100" dist="38100" dir="2700000" algn="tl">
                     <a:srgbClr val="000000">
@@ -14642,8 +13257,8 @@
                     </a:srgbClr>
                   </a:outerShdw>
                 </a:effectLst>
-                <a:latin typeface="Adobe Arabic" panose="02040503050201020203" pitchFamily="18" charset="-78"/>
-                <a:cs typeface="Adobe Arabic" panose="02040503050201020203" pitchFamily="18" charset="-78"/>
+                <a:latin typeface="Calibri" panose="020F0502020204030204" pitchFamily="34" charset="0"/>
+                <a:cs typeface="Calibri" panose="020F0502020204030204" pitchFamily="34" charset="0"/>
               </a:rPr>
               <a:t>فصل اول : حرفه ای گری </a:t>
             </a:r>
@@ -14655,8 +13270,8 @@
                   </a:srgbClr>
                 </a:outerShdw>
               </a:effectLst>
-              <a:latin typeface="Adobe Arabic" panose="02040503050201020203" pitchFamily="18" charset="-78"/>
-              <a:cs typeface="Adobe Arabic" panose="02040503050201020203" pitchFamily="18" charset="-78"/>
+              <a:latin typeface="Calibri" panose="020F0502020204030204" pitchFamily="34" charset="0"/>
+              <a:cs typeface="Calibri" panose="020F0502020204030204" pitchFamily="34" charset="0"/>
             </a:endParaRPr>
           </a:p>
         </p:txBody>
@@ -14688,9 +13303,9 @@
               <a:buChar char="ü"/>
             </a:pPr>
             <a:r>
-              <a:rPr lang="fa-IR" sz="2400" dirty="0" smtClean="0">
-                <a:latin typeface="Adobe Arabic" panose="02040503050201020203" pitchFamily="18" charset="-78"/>
-                <a:cs typeface="Adobe Arabic" panose="02040503050201020203" pitchFamily="18" charset="-78"/>
+              <a:rPr lang="fa-IR" sz="2400" dirty="0">
+                <a:latin typeface="Calibri" panose="020F0502020204030204" pitchFamily="34" charset="0"/>
+                <a:cs typeface="Calibri" panose="020F0502020204030204" pitchFamily="34" charset="0"/>
               </a:rPr>
               <a:t>آنالیز ساخت یافته </a:t>
             </a:r>
@@ -14701,15 +13316,15 @@
               <a:buChar char="ü"/>
             </a:pPr>
             <a:r>
-              <a:rPr lang="fa-IR" sz="2400" dirty="0" smtClean="0">
-                <a:latin typeface="Adobe Arabic" panose="02040503050201020203" pitchFamily="18" charset="-78"/>
-                <a:cs typeface="Adobe Arabic" panose="02040503050201020203" pitchFamily="18" charset="-78"/>
+              <a:rPr lang="fa-IR" sz="2400" dirty="0">
+                <a:latin typeface="Calibri" panose="020F0502020204030204" pitchFamily="34" charset="0"/>
+                <a:cs typeface="Calibri" panose="020F0502020204030204" pitchFamily="34" charset="0"/>
               </a:rPr>
               <a:t>طراحی ساخت یافت </a:t>
             </a:r>
             <a:endParaRPr lang="en-US" sz="2400" dirty="0">
-              <a:latin typeface="Adobe Arabic" panose="02040503050201020203" pitchFamily="18" charset="-78"/>
-              <a:cs typeface="Adobe Arabic" panose="02040503050201020203" pitchFamily="18" charset="-78"/>
+              <a:latin typeface="Calibri" panose="020F0502020204030204" pitchFamily="34" charset="0"/>
+              <a:cs typeface="Calibri" panose="020F0502020204030204" pitchFamily="34" charset="0"/>
             </a:endParaRPr>
           </a:p>
         </p:txBody>
@@ -14766,7 +13381,7 @@
           <a:p>
             <a:pPr algn="r" rtl="1"/>
             <a:r>
-              <a:rPr lang="fa-IR" sz="4400" dirty="0">
+              <a:rPr lang="fa-IR" sz="3600" dirty="0">
                 <a:latin typeface="Adobe Arabic" panose="02040503050201020203" pitchFamily="18" charset="-78"/>
                 <a:cs typeface="Adobe Arabic" panose="02040503050201020203" pitchFamily="18" charset="-78"/>
               </a:rPr>
@@ -14783,7 +13398,7 @@
         </p:nvSpPr>
         <p:spPr>
           <a:xfrm>
-            <a:off x="919350" y="2738435"/>
+            <a:off x="1579751" y="2923315"/>
             <a:ext cx="10612249" cy="3600986"/>
           </a:xfrm>
           <a:prstGeom prst="rect">
@@ -14802,18 +13417,18 @@
               <a:buChar char="ü"/>
             </a:pPr>
             <a:r>
-              <a:rPr lang="fa-IR" sz="2800" b="1" i="1" dirty="0" smtClean="0">
-                <a:latin typeface="Adobe Arabic" panose="02040503050201020203" pitchFamily="18" charset="-78"/>
-                <a:cs typeface="Adobe Arabic" panose="02040503050201020203" pitchFamily="18" charset="-78"/>
+              <a:rPr lang="fa-IR" sz="2800" b="1" i="1" dirty="0">
+                <a:latin typeface="Calibri" panose="020F0502020204030204" pitchFamily="34" charset="0"/>
+                <a:cs typeface="Calibri" panose="020F0502020204030204" pitchFamily="34" charset="0"/>
               </a:rPr>
               <a:t>انتظام و تعهد به :</a:t>
             </a:r>
           </a:p>
           <a:p>
             <a:pPr lvl="1" algn="r" rtl="1"/>
-            <a:endParaRPr lang="fa-IR" sz="2800" b="1" i="1" dirty="0" smtClean="0">
-              <a:latin typeface="Adobe Arabic" panose="02040503050201020203" pitchFamily="18" charset="-78"/>
-              <a:cs typeface="Adobe Arabic" panose="02040503050201020203" pitchFamily="18" charset="-78"/>
+            <a:endParaRPr lang="fa-IR" sz="2800" b="1" i="1" dirty="0">
+              <a:latin typeface="Calibri" panose="020F0502020204030204" pitchFamily="34" charset="0"/>
+              <a:cs typeface="Calibri" panose="020F0502020204030204" pitchFamily="34" charset="0"/>
             </a:endParaRPr>
           </a:p>
           <a:p>
@@ -14822,16 +13437,16 @@
               <a:buChar char="ü"/>
             </a:pPr>
             <a:r>
-              <a:rPr lang="fa-IR" sz="2400" dirty="0" smtClean="0">
-                <a:latin typeface="Adobe Arabic" panose="02040503050201020203" pitchFamily="18" charset="-78"/>
-                <a:cs typeface="Adobe Arabic" panose="02040503050201020203" pitchFamily="18" charset="-78"/>
+              <a:rPr lang="fa-IR" sz="2400" dirty="0">
+                <a:latin typeface="Calibri" panose="020F0502020204030204" pitchFamily="34" charset="0"/>
+                <a:cs typeface="Calibri" panose="020F0502020204030204" pitchFamily="34" charset="0"/>
               </a:rPr>
               <a:t>اجرای </a:t>
             </a:r>
             <a:r>
-              <a:rPr lang="en-US" sz="2400" dirty="0" smtClean="0">
-                <a:latin typeface="Adobe Arabic" panose="02040503050201020203" pitchFamily="18" charset="-78"/>
-                <a:cs typeface="Adobe Arabic" panose="02040503050201020203" pitchFamily="18" charset="-78"/>
+              <a:rPr lang="en-US" sz="2400" dirty="0">
+                <a:latin typeface="Calibri" panose="020F0502020204030204" pitchFamily="34" charset="0"/>
+                <a:cs typeface="Calibri" panose="020F0502020204030204" pitchFamily="34" charset="0"/>
               </a:rPr>
               <a:t>TDD</a:t>
             </a:r>
@@ -14842,23 +13457,19 @@
               <a:buChar char="ü"/>
             </a:pPr>
             <a:r>
-              <a:rPr lang="fa-IR" sz="2400" dirty="0" smtClean="0">
-                <a:latin typeface="Adobe Arabic" panose="02040503050201020203" pitchFamily="18" charset="-78"/>
-                <a:cs typeface="Adobe Arabic" panose="02040503050201020203" pitchFamily="18" charset="-78"/>
+              <a:rPr lang="fa-IR" sz="2400" dirty="0">
+                <a:latin typeface="Calibri" panose="020F0502020204030204" pitchFamily="34" charset="0"/>
+                <a:cs typeface="Calibri" panose="020F0502020204030204" pitchFamily="34" charset="0"/>
               </a:rPr>
               <a:t>طراحی شی گرا / </a:t>
             </a:r>
             <a:r>
               <a:rPr lang="en-US" sz="2400" dirty="0">
-                <a:latin typeface="Adobe Arabic" panose="02040503050201020203" pitchFamily="18" charset="-78"/>
-                <a:cs typeface="Adobe Arabic" panose="02040503050201020203" pitchFamily="18" charset="-78"/>
+                <a:latin typeface="Calibri" panose="020F0502020204030204" pitchFamily="34" charset="0"/>
+                <a:cs typeface="Calibri" panose="020F0502020204030204" pitchFamily="34" charset="0"/>
               </a:rPr>
               <a:t> Object-Oriented design</a:t>
             </a:r>
-            <a:endParaRPr lang="en-US" sz="2400" dirty="0" smtClean="0">
-              <a:latin typeface="Adobe Arabic" panose="02040503050201020203" pitchFamily="18" charset="-78"/>
-              <a:cs typeface="Adobe Arabic" panose="02040503050201020203" pitchFamily="18" charset="-78"/>
-            </a:endParaRPr>
           </a:p>
           <a:p>
             <a:pPr marL="1257300" lvl="2" indent="-342900" algn="r" rtl="1">
@@ -14866,23 +13477,19 @@
               <a:buChar char="ü"/>
             </a:pPr>
             <a:r>
-              <a:rPr lang="fa-IR" sz="2400" dirty="0" smtClean="0">
-                <a:latin typeface="Adobe Arabic" panose="02040503050201020203" pitchFamily="18" charset="-78"/>
-                <a:cs typeface="Adobe Arabic" panose="02040503050201020203" pitchFamily="18" charset="-78"/>
+              <a:rPr lang="fa-IR" sz="2400" dirty="0">
+                <a:latin typeface="Calibri" panose="020F0502020204030204" pitchFamily="34" charset="0"/>
+                <a:cs typeface="Calibri" panose="020F0502020204030204" pitchFamily="34" charset="0"/>
               </a:rPr>
               <a:t>برنامه نویسی ساخت یافته / </a:t>
             </a:r>
             <a:r>
               <a:rPr lang="en-US" sz="2400" dirty="0">
-                <a:latin typeface="Adobe Arabic" panose="02040503050201020203" pitchFamily="18" charset="-78"/>
-                <a:cs typeface="Adobe Arabic" panose="02040503050201020203" pitchFamily="18" charset="-78"/>
+                <a:latin typeface="Calibri" panose="020F0502020204030204" pitchFamily="34" charset="0"/>
+                <a:cs typeface="Calibri" panose="020F0502020204030204" pitchFamily="34" charset="0"/>
               </a:rPr>
               <a:t>Structured Programming</a:t>
             </a:r>
-            <a:endParaRPr lang="en-US" sz="2400" dirty="0" smtClean="0">
-              <a:latin typeface="Adobe Arabic" panose="02040503050201020203" pitchFamily="18" charset="-78"/>
-              <a:cs typeface="Adobe Arabic" panose="02040503050201020203" pitchFamily="18" charset="-78"/>
-            </a:endParaRPr>
           </a:p>
           <a:p>
             <a:pPr marL="1257300" lvl="2" indent="-342900" algn="r" rtl="1">
@@ -14890,16 +13497,16 @@
               <a:buChar char="ü"/>
             </a:pPr>
             <a:r>
-              <a:rPr lang="fa-IR" sz="2400" dirty="0" smtClean="0">
-                <a:latin typeface="Adobe Arabic" panose="02040503050201020203" pitchFamily="18" charset="-78"/>
-                <a:cs typeface="Adobe Arabic" panose="02040503050201020203" pitchFamily="18" charset="-78"/>
+              <a:rPr lang="fa-IR" sz="2400" dirty="0">
+                <a:latin typeface="Calibri" panose="020F0502020204030204" pitchFamily="34" charset="0"/>
+                <a:cs typeface="Calibri" panose="020F0502020204030204" pitchFamily="34" charset="0"/>
               </a:rPr>
               <a:t>برنامه نویسی دو-نفره / </a:t>
             </a:r>
             <a:r>
-              <a:rPr lang="en-US" sz="2400" dirty="0" smtClean="0">
-                <a:latin typeface="Adobe Arabic" panose="02040503050201020203" pitchFamily="18" charset="-78"/>
-                <a:cs typeface="Adobe Arabic" panose="02040503050201020203" pitchFamily="18" charset="-78"/>
+              <a:rPr lang="en-US" sz="2400" dirty="0">
+                <a:latin typeface="Calibri" panose="020F0502020204030204" pitchFamily="34" charset="0"/>
+                <a:cs typeface="Calibri" panose="020F0502020204030204" pitchFamily="34" charset="0"/>
               </a:rPr>
               <a:t>Pair-Programing</a:t>
             </a:r>
@@ -14910,43 +13517,36 @@
               <a:buChar char="ü"/>
             </a:pPr>
             <a:r>
-              <a:rPr lang="fa-IR" sz="2400" dirty="0" smtClean="0">
-                <a:latin typeface="Adobe Arabic" panose="02040503050201020203" pitchFamily="18" charset="-78"/>
-                <a:cs typeface="Adobe Arabic" panose="02040503050201020203" pitchFamily="18" charset="-78"/>
+              <a:rPr lang="fa-IR" sz="2400" dirty="0">
+                <a:latin typeface="Calibri" panose="020F0502020204030204" pitchFamily="34" charset="0"/>
+                <a:cs typeface="Calibri" panose="020F0502020204030204" pitchFamily="34" charset="0"/>
               </a:rPr>
               <a:t>یکپارچه سازی مداوم</a:t>
             </a:r>
             <a:r>
-              <a:rPr lang="en-US" sz="2400" dirty="0" smtClean="0">
-                <a:latin typeface="Adobe Arabic" panose="02040503050201020203" pitchFamily="18" charset="-78"/>
-                <a:cs typeface="Adobe Arabic" panose="02040503050201020203" pitchFamily="18" charset="-78"/>
+              <a:rPr lang="en-US" sz="2400" dirty="0">
+                <a:latin typeface="Calibri" panose="020F0502020204030204" pitchFamily="34" charset="0"/>
+                <a:cs typeface="Calibri" panose="020F0502020204030204" pitchFamily="34" charset="0"/>
               </a:rPr>
               <a:t> / </a:t>
             </a:r>
             <a:r>
-              <a:rPr lang="fa-IR" sz="2400" dirty="0" smtClean="0">
-                <a:latin typeface="Adobe Arabic" panose="02040503050201020203" pitchFamily="18" charset="-78"/>
-                <a:cs typeface="Adobe Arabic" panose="02040503050201020203" pitchFamily="18" charset="-78"/>
+              <a:rPr lang="fa-IR" sz="2400" dirty="0">
+                <a:latin typeface="Calibri" panose="020F0502020204030204" pitchFamily="34" charset="0"/>
+                <a:cs typeface="Calibri" panose="020F0502020204030204" pitchFamily="34" charset="0"/>
               </a:rPr>
               <a:t> </a:t>
             </a:r>
             <a:r>
-              <a:rPr lang="en-US" sz="2400" dirty="0" smtClean="0">
-                <a:latin typeface="Adobe Arabic" panose="02040503050201020203" pitchFamily="18" charset="-78"/>
-                <a:cs typeface="Adobe Arabic" panose="02040503050201020203" pitchFamily="18" charset="-78"/>
-              </a:rPr>
-              <a:t>   </a:t>
-            </a:r>
-            <a:r>
               <a:rPr lang="en-US" sz="2400" dirty="0">
-                <a:latin typeface="Adobe Arabic" panose="02040503050201020203" pitchFamily="18" charset="-78"/>
-                <a:cs typeface="Adobe Arabic" panose="02040503050201020203" pitchFamily="18" charset="-78"/>
-              </a:rPr>
-              <a:t>Continuous Integration</a:t>
-            </a:r>
-            <a:endParaRPr lang="fa-IR" sz="2400" dirty="0" smtClean="0">
-              <a:latin typeface="Adobe Arabic" panose="02040503050201020203" pitchFamily="18" charset="-78"/>
-              <a:cs typeface="Adobe Arabic" panose="02040503050201020203" pitchFamily="18" charset="-78"/>
+                <a:latin typeface="Calibri" panose="020F0502020204030204" pitchFamily="34" charset="0"/>
+                <a:cs typeface="Calibri" panose="020F0502020204030204" pitchFamily="34" charset="0"/>
+              </a:rPr>
+              <a:t>   Continuous Integration</a:t>
+            </a:r>
+            <a:endParaRPr lang="fa-IR" sz="2400" dirty="0">
+              <a:latin typeface="Calibri" panose="020F0502020204030204" pitchFamily="34" charset="0"/>
+              <a:cs typeface="Calibri" panose="020F0502020204030204" pitchFamily="34" charset="0"/>
             </a:endParaRPr>
           </a:p>
           <a:p>
@@ -14954,16 +13554,16 @@
               <a:buFont typeface="Wingdings" panose="05000000000000000000" pitchFamily="2" charset="2"/>
               <a:buChar char="ü"/>
             </a:pPr>
-            <a:endParaRPr lang="fa-IR" sz="2400" dirty="0" smtClean="0">
-              <a:latin typeface="Adobe Arabic" panose="02040503050201020203" pitchFamily="18" charset="-78"/>
-              <a:cs typeface="Adobe Arabic" panose="02040503050201020203" pitchFamily="18" charset="-78"/>
+            <a:endParaRPr lang="fa-IR" sz="2400" dirty="0">
+              <a:latin typeface="Calibri" panose="020F0502020204030204" pitchFamily="34" charset="0"/>
+              <a:cs typeface="Calibri" panose="020F0502020204030204" pitchFamily="34" charset="0"/>
             </a:endParaRPr>
           </a:p>
           <a:p>
             <a:pPr lvl="1" algn="r" rtl="1"/>
             <a:endParaRPr lang="en-US" sz="2800" dirty="0">
-              <a:latin typeface="Adobe Arabic" panose="02040503050201020203" pitchFamily="18" charset="-78"/>
-              <a:cs typeface="Adobe Arabic" panose="02040503050201020203" pitchFamily="18" charset="-78"/>
+              <a:latin typeface="Calibri" panose="020F0502020204030204" pitchFamily="34" charset="0"/>
+              <a:cs typeface="Calibri" panose="020F0502020204030204" pitchFamily="34" charset="0"/>
             </a:endParaRPr>
           </a:p>
         </p:txBody>
@@ -15071,7 +13671,7 @@
           <a:p>
             <a:pPr algn="r" rtl="1"/>
             <a:r>
-              <a:rPr lang="fa-IR" sz="4400" dirty="0" smtClean="0">
+              <a:rPr lang="fa-IR" sz="4400" dirty="0">
                 <a:effectLst>
                   <a:outerShdw blurRad="38100" dist="38100" dir="2700000" algn="tl">
                     <a:srgbClr val="000000">
@@ -15121,7 +13721,7 @@
         <p:spPr>
           <a:xfrm>
             <a:off x="147962" y="185734"/>
-            <a:ext cx="3674738" cy="2756054"/>
+            <a:ext cx="3416120" cy="2562090"/>
           </a:xfrm>
           <a:prstGeom prst="rect">
             <a:avLst/>
@@ -15151,7 +13751,7 @@
         <p:spPr>
           <a:xfrm>
             <a:off x="147962" y="4102100"/>
-            <a:ext cx="5369941" cy="2623236"/>
+            <a:ext cx="4726865" cy="2309091"/>
           </a:xfrm>
           <a:prstGeom prst="rect">
             <a:avLst/>

--- a/The Clean Coder.pptx
+++ b/The Clean Coder.pptx
@@ -29,6 +29,13 @@
     <p:sldId id="279" r:id="rId23"/>
     <p:sldId id="280" r:id="rId24"/>
     <p:sldId id="281" r:id="rId25"/>
+    <p:sldId id="282" r:id="rId26"/>
+    <p:sldId id="283" r:id="rId27"/>
+    <p:sldId id="284" r:id="rId28"/>
+    <p:sldId id="285" r:id="rId29"/>
+    <p:sldId id="286" r:id="rId30"/>
+    <p:sldId id="287" r:id="rId31"/>
+    <p:sldId id="288" r:id="rId32"/>
   </p:sldIdLst>
   <p:sldSz cx="12192000" cy="6858000"/>
   <p:notesSz cx="6858000" cy="9144000"/>
@@ -230,7 +237,7 @@
           <a:effectLst/>
           <a:extLst>
             <a:ext uri="{91240B29-F687-4f45-9708-019B960494DF}">
-              <a14:hiddenLine xmlns:a14="http://schemas.microsoft.com/office/drawing/2010/main" xmlns="" w="9525">
+              <a14:hiddenLine xmlns="" xmlns:a14="http://schemas.microsoft.com/office/drawing/2010/main" w="9525">
                 <a:solidFill>
                   <a:srgbClr val="000000"/>
                 </a:solidFill>
@@ -423,7 +430,7 @@
             <a:fld id="{B61BEF0D-F0BB-DE4B-95CE-6DB70DBA9567}" type="datetimeFigureOut">
               <a:rPr lang="en-US" smtClean="0"/>
               <a:pPr/>
-              <a:t>2/13/2022</a:t>
+              <a:t>2/17/2022</a:t>
             </a:fld>
             <a:endParaRPr lang="en-US" dirty="0"/>
           </a:p>
@@ -743,7 +750,7 @@
             <a:fld id="{B61BEF0D-F0BB-DE4B-95CE-6DB70DBA9567}" type="datetimeFigureOut">
               <a:rPr lang="en-US" smtClean="0"/>
               <a:pPr/>
-              <a:t>2/13/2022</a:t>
+              <a:t>2/17/2022</a:t>
             </a:fld>
             <a:endParaRPr lang="en-US" dirty="0"/>
           </a:p>
@@ -1233,7 +1240,7 @@
             <a:fld id="{B61BEF0D-F0BB-DE4B-95CE-6DB70DBA9567}" type="datetimeFigureOut">
               <a:rPr lang="en-US" smtClean="0"/>
               <a:pPr/>
-              <a:t>2/13/2022</a:t>
+              <a:t>2/17/2022</a:t>
             </a:fld>
             <a:endParaRPr lang="en-US" dirty="0"/>
           </a:p>
@@ -1604,7 +1611,7 @@
             <a:fld id="{B61BEF0D-F0BB-DE4B-95CE-6DB70DBA9567}" type="datetimeFigureOut">
               <a:rPr lang="en-US" smtClean="0"/>
               <a:pPr/>
-              <a:t>2/13/2022</a:t>
+              <a:t>2/17/2022</a:t>
             </a:fld>
             <a:endParaRPr lang="en-US" dirty="0"/>
           </a:p>
@@ -1760,7 +1767,7 @@
           <a:ln/>
           <a:extLst>
             <a:ext uri="{91240B29-F687-4f45-9708-019B960494DF}">
-              <a14:hiddenLine xmlns:a14="http://schemas.microsoft.com/office/drawing/2010/main" xmlns="" w="9525">
+              <a14:hiddenLine xmlns="" xmlns:a14="http://schemas.microsoft.com/office/drawing/2010/main" w="9525">
                 <a:solidFill>
                   <a:srgbClr val="000000"/>
                 </a:solidFill>
@@ -1879,7 +1886,7 @@
             <a:fld id="{B61BEF0D-F0BB-DE4B-95CE-6DB70DBA9567}" type="datetimeFigureOut">
               <a:rPr lang="en-US" smtClean="0"/>
               <a:pPr/>
-              <a:t>2/13/2022</a:t>
+              <a:t>2/17/2022</a:t>
             </a:fld>
             <a:endParaRPr lang="en-US" dirty="0"/>
           </a:p>
@@ -2037,7 +2044,7 @@
           <a:ln/>
           <a:extLst>
             <a:ext uri="{91240B29-F687-4f45-9708-019B960494DF}">
-              <a14:hiddenLine xmlns:a14="http://schemas.microsoft.com/office/drawing/2010/main" xmlns="" w="9525">
+              <a14:hiddenLine xmlns="" xmlns:a14="http://schemas.microsoft.com/office/drawing/2010/main" w="9525">
                 <a:solidFill>
                   <a:srgbClr val="000000"/>
                 </a:solidFill>
@@ -2166,7 +2173,7 @@
             <a:fld id="{B61BEF0D-F0BB-DE4B-95CE-6DB70DBA9567}" type="datetimeFigureOut">
               <a:rPr lang="en-US" smtClean="0"/>
               <a:pPr/>
-              <a:t>2/13/2022</a:t>
+              <a:t>2/17/2022</a:t>
             </a:fld>
             <a:endParaRPr lang="en-US" dirty="0"/>
           </a:p>
@@ -2322,7 +2329,7 @@
           <a:ln/>
           <a:extLst>
             <a:ext uri="{91240B29-F687-4f45-9708-019B960494DF}">
-              <a14:hiddenLine xmlns:a14="http://schemas.microsoft.com/office/drawing/2010/main" xmlns="" w="9525">
+              <a14:hiddenLine xmlns="" xmlns:a14="http://schemas.microsoft.com/office/drawing/2010/main" w="9525">
                 <a:solidFill>
                   <a:srgbClr val="000000"/>
                 </a:solidFill>
@@ -2451,7 +2458,7 @@
             <a:fld id="{B61BEF0D-F0BB-DE4B-95CE-6DB70DBA9567}" type="datetimeFigureOut">
               <a:rPr lang="en-US" smtClean="0"/>
               <a:pPr/>
-              <a:t>2/13/2022</a:t>
+              <a:t>2/17/2022</a:t>
             </a:fld>
             <a:endParaRPr lang="en-US" dirty="0"/>
           </a:p>
@@ -2796,7 +2803,7 @@
             <a:fld id="{B61BEF0D-F0BB-DE4B-95CE-6DB70DBA9567}" type="datetimeFigureOut">
               <a:rPr lang="en-US" smtClean="0"/>
               <a:pPr/>
-              <a:t>2/13/2022</a:t>
+              <a:t>2/17/2022</a:t>
             </a:fld>
             <a:endParaRPr lang="en-US" dirty="0"/>
           </a:p>
@@ -2952,7 +2959,7 @@
           <a:ln/>
           <a:extLst>
             <a:ext uri="{91240B29-F687-4f45-9708-019B960494DF}">
-              <a14:hiddenLine xmlns:a14="http://schemas.microsoft.com/office/drawing/2010/main" xmlns="" w="9525">
+              <a14:hiddenLine xmlns="" xmlns:a14="http://schemas.microsoft.com/office/drawing/2010/main" w="9525">
                 <a:solidFill>
                   <a:srgbClr val="000000"/>
                 </a:solidFill>
@@ -3137,7 +3144,7 @@
             <a:fld id="{B61BEF0D-F0BB-DE4B-95CE-6DB70DBA9567}" type="datetimeFigureOut">
               <a:rPr lang="en-US" smtClean="0"/>
               <a:pPr/>
-              <a:t>2/13/2022</a:t>
+              <a:t>2/17/2022</a:t>
             </a:fld>
             <a:endParaRPr lang="en-US" dirty="0"/>
           </a:p>
@@ -3293,7 +3300,7 @@
           <a:ln/>
           <a:extLst>
             <a:ext uri="{91240B29-F687-4f45-9708-019B960494DF}">
-              <a14:hiddenLine xmlns:a14="http://schemas.microsoft.com/office/drawing/2010/main" xmlns="" w="9525">
+              <a14:hiddenLine xmlns="" xmlns:a14="http://schemas.microsoft.com/office/drawing/2010/main" w="9525">
                 <a:solidFill>
                   <a:srgbClr val="000000"/>
                 </a:solidFill>
@@ -3616,7 +3623,7 @@
             <a:fld id="{B61BEF0D-F0BB-DE4B-95CE-6DB70DBA9567}" type="datetimeFigureOut">
               <a:rPr lang="en-US" smtClean="0"/>
               <a:pPr/>
-              <a:t>2/13/2022</a:t>
+              <a:t>2/17/2022</a:t>
             </a:fld>
             <a:endParaRPr lang="en-US" dirty="0"/>
           </a:p>
@@ -3772,7 +3779,7 @@
           <a:ln/>
           <a:extLst>
             <a:ext uri="{91240B29-F687-4f45-9708-019B960494DF}">
-              <a14:hiddenLine xmlns:a14="http://schemas.microsoft.com/office/drawing/2010/main" xmlns="" w="9525">
+              <a14:hiddenLine xmlns="" xmlns:a14="http://schemas.microsoft.com/office/drawing/2010/main" w="9525">
                 <a:solidFill>
                   <a:srgbClr val="000000"/>
                 </a:solidFill>
@@ -3839,7 +3846,7 @@
             <a:fld id="{B61BEF0D-F0BB-DE4B-95CE-6DB70DBA9567}" type="datetimeFigureOut">
               <a:rPr lang="en-US" smtClean="0"/>
               <a:pPr/>
-              <a:t>2/13/2022</a:t>
+              <a:t>2/17/2022</a:t>
             </a:fld>
             <a:endParaRPr lang="en-US" dirty="0"/>
           </a:p>
@@ -3936,7 +3943,7 @@
             <a:fld id="{B61BEF0D-F0BB-DE4B-95CE-6DB70DBA9567}" type="datetimeFigureOut">
               <a:rPr lang="en-US" smtClean="0"/>
               <a:pPr/>
-              <a:t>2/13/2022</a:t>
+              <a:t>2/17/2022</a:t>
             </a:fld>
             <a:endParaRPr lang="en-US" dirty="0"/>
           </a:p>
@@ -4205,7 +4212,7 @@
           <a:ln/>
           <a:extLst>
             <a:ext uri="{91240B29-F687-4f45-9708-019B960494DF}">
-              <a14:hiddenLine xmlns:a14="http://schemas.microsoft.com/office/drawing/2010/main" xmlns="" w="9525">
+              <a14:hiddenLine xmlns="" xmlns:a14="http://schemas.microsoft.com/office/drawing/2010/main" w="9525">
                 <a:solidFill>
                   <a:srgbClr val="000000"/>
                 </a:solidFill>
@@ -4405,7 +4412,7 @@
             <a:fld id="{B61BEF0D-F0BB-DE4B-95CE-6DB70DBA9567}" type="datetimeFigureOut">
               <a:rPr lang="en-US" smtClean="0"/>
               <a:pPr/>
-              <a:t>2/13/2022</a:t>
+              <a:t>2/17/2022</a:t>
             </a:fld>
             <a:endParaRPr lang="en-US" dirty="0"/>
           </a:p>
@@ -4720,7 +4727,7 @@
             <a:fld id="{B61BEF0D-F0BB-DE4B-95CE-6DB70DBA9567}" type="datetimeFigureOut">
               <a:rPr lang="en-US" smtClean="0"/>
               <a:pPr/>
-              <a:t>2/13/2022</a:t>
+              <a:t>2/17/2022</a:t>
             </a:fld>
             <a:endParaRPr lang="en-US" dirty="0"/>
           </a:p>
@@ -4992,7 +4999,7 @@
             <a:fld id="{B61BEF0D-F0BB-DE4B-95CE-6DB70DBA9567}" type="datetimeFigureOut">
               <a:rPr lang="en-US" smtClean="0"/>
               <a:pPr/>
-              <a:t>2/13/2022</a:t>
+              <a:t>2/17/2022</a:t>
             </a:fld>
             <a:endParaRPr lang="en-US" dirty="0"/>
           </a:p>
@@ -6096,8 +6103,8 @@
                     </a:srgbClr>
                   </a:outerShdw>
                 </a:effectLst>
-                <a:latin typeface="Adobe Arabic" panose="02040503050201020203" pitchFamily="18" charset="-78"/>
-                <a:cs typeface="Adobe Arabic" panose="02040503050201020203" pitchFamily="18" charset="-78"/>
+                <a:latin typeface="Calibri" panose="020F0502020204030204" pitchFamily="34" charset="0"/>
+                <a:cs typeface="Calibri" panose="020F0502020204030204" pitchFamily="34" charset="0"/>
               </a:rPr>
               <a:t>فصل اول : حرفه ای گری </a:t>
             </a:r>
@@ -6109,8 +6116,8 @@
                   </a:srgbClr>
                 </a:outerShdw>
               </a:effectLst>
-              <a:latin typeface="Adobe Arabic" panose="02040503050201020203" pitchFamily="18" charset="-78"/>
-              <a:cs typeface="Adobe Arabic" panose="02040503050201020203" pitchFamily="18" charset="-78"/>
+              <a:latin typeface="Calibri" panose="020F0502020204030204" pitchFamily="34" charset="0"/>
+              <a:cs typeface="Calibri" panose="020F0502020204030204" pitchFamily="34" charset="0"/>
             </a:endParaRPr>
           </a:p>
         </p:txBody>
@@ -8410,232 +8417,6 @@
           </a:p>
         </p:txBody>
       </p:sp>
-      <p:sp>
-        <p:nvSpPr>
-          <p:cNvPr id="9" name="Title 1"/>
-          <p:cNvSpPr txBox="1">
-            <a:spLocks/>
-          </p:cNvSpPr>
-          <p:nvPr/>
-        </p:nvSpPr>
-        <p:spPr>
-          <a:xfrm>
-            <a:off x="3929250" y="3888592"/>
-            <a:ext cx="7818249" cy="970450"/>
-          </a:xfrm>
-          <a:prstGeom prst="rect">
-            <a:avLst/>
-          </a:prstGeom>
-          <a:effectLst>
-            <a:outerShdw blurRad="50800" dir="14400000">
-              <a:srgbClr val="000000">
-                <a:alpha val="60000"/>
-              </a:srgbClr>
-            </a:outerShdw>
-          </a:effectLst>
-        </p:spPr>
-        <p:txBody>
-          <a:bodyPr vert="horz" lIns="91440" tIns="45720" rIns="91440" bIns="45720" rtlCol="0" anchor="b">
-            <a:noAutofit/>
-          </a:bodyPr>
-          <a:lstStyle>
-            <a:lvl1pPr algn="l" defTabSz="457200" rtl="0" eaLnBrk="1" latinLnBrk="0" hangingPunct="1">
-              <a:spcBef>
-                <a:spcPct val="0"/>
-              </a:spcBef>
-              <a:buNone/>
-              <a:defRPr sz="4000" b="1" kern="1200">
-                <a:solidFill>
-                  <a:srgbClr val="FEFEFE"/>
-                </a:solidFill>
-                <a:latin typeface="+mj-lt"/>
-                <a:ea typeface="+mj-ea"/>
-                <a:cs typeface="+mj-cs"/>
-              </a:defRPr>
-            </a:lvl1pPr>
-            <a:lvl2pPr eaLnBrk="1" hangingPunct="1">
-              <a:defRPr>
-                <a:solidFill>
-                  <a:schemeClr val="tx2"/>
-                </a:solidFill>
-              </a:defRPr>
-            </a:lvl2pPr>
-            <a:lvl3pPr eaLnBrk="1" hangingPunct="1">
-              <a:defRPr>
-                <a:solidFill>
-                  <a:schemeClr val="tx2"/>
-                </a:solidFill>
-              </a:defRPr>
-            </a:lvl3pPr>
-            <a:lvl4pPr eaLnBrk="1" hangingPunct="1">
-              <a:defRPr>
-                <a:solidFill>
-                  <a:schemeClr val="tx2"/>
-                </a:solidFill>
-              </a:defRPr>
-            </a:lvl4pPr>
-            <a:lvl5pPr eaLnBrk="1" hangingPunct="1">
-              <a:defRPr>
-                <a:solidFill>
-                  <a:schemeClr val="tx2"/>
-                </a:solidFill>
-              </a:defRPr>
-            </a:lvl5pPr>
-            <a:lvl6pPr eaLnBrk="1" hangingPunct="1">
-              <a:defRPr>
-                <a:solidFill>
-                  <a:schemeClr val="tx2"/>
-                </a:solidFill>
-              </a:defRPr>
-            </a:lvl6pPr>
-            <a:lvl7pPr eaLnBrk="1" hangingPunct="1">
-              <a:defRPr>
-                <a:solidFill>
-                  <a:schemeClr val="tx2"/>
-                </a:solidFill>
-              </a:defRPr>
-            </a:lvl7pPr>
-            <a:lvl8pPr eaLnBrk="1" hangingPunct="1">
-              <a:defRPr>
-                <a:solidFill>
-                  <a:schemeClr val="tx2"/>
-                </a:solidFill>
-              </a:defRPr>
-            </a:lvl8pPr>
-            <a:lvl9pPr eaLnBrk="1" hangingPunct="1">
-              <a:defRPr>
-                <a:solidFill>
-                  <a:schemeClr val="tx2"/>
-                </a:solidFill>
-              </a:defRPr>
-            </a:lvl9pPr>
-          </a:lstStyle>
-          <a:p>
-            <a:pPr algn="r" rtl="1"/>
-            <a:r>
-              <a:rPr lang="fa-IR" sz="3600" dirty="0">
-                <a:latin typeface="Calibri" panose="020F0502020204030204" pitchFamily="34" charset="0"/>
-                <a:cs typeface="Calibri" panose="020F0502020204030204" pitchFamily="34" charset="0"/>
-              </a:rPr>
-              <a:t>چرا « دلیل » مهم نیست !  </a:t>
-            </a:r>
-            <a:endParaRPr lang="fa-IR" sz="3600" dirty="0">
-              <a:effectLst>
-                <a:outerShdw blurRad="38100" dist="38100" dir="2700000" algn="tl">
-                  <a:srgbClr val="000000">
-                    <a:alpha val="43137"/>
-                  </a:srgbClr>
-                </a:outerShdw>
-              </a:effectLst>
-              <a:latin typeface="Calibri" panose="020F0502020204030204" pitchFamily="34" charset="0"/>
-              <a:cs typeface="Calibri" panose="020F0502020204030204" pitchFamily="34" charset="0"/>
-            </a:endParaRPr>
-          </a:p>
-        </p:txBody>
-      </p:sp>
-      <p:sp>
-        <p:nvSpPr>
-          <p:cNvPr id="10" name="TextBox 9"/>
-          <p:cNvSpPr txBox="1"/>
-          <p:nvPr/>
-        </p:nvSpPr>
-        <p:spPr>
-          <a:xfrm>
-            <a:off x="596900" y="4905208"/>
-            <a:ext cx="10713850" cy="1384995"/>
-          </a:xfrm>
-          <a:prstGeom prst="rect">
-            <a:avLst/>
-          </a:prstGeom>
-          <a:noFill/>
-        </p:spPr>
-        <p:txBody>
-          <a:bodyPr wrap="square" numCol="1" rtlCol="0">
-            <a:spAutoFit/>
-          </a:bodyPr>
-          <a:lstStyle/>
-          <a:p>
-            <a:pPr algn="just" rtl="1"/>
-            <a:r>
-              <a:rPr lang="fa-IR" sz="2800" dirty="0">
-                <a:latin typeface="Calibri" panose="020F0502020204030204" pitchFamily="34" charset="0"/>
-                <a:cs typeface="Calibri" panose="020F0502020204030204" pitchFamily="34" charset="0"/>
-              </a:rPr>
-              <a:t>دلیل اینکه امکان انجام کاری وجود ندارد ، نسبت به « حقیقت عدم انجام کار » در اهمیت بسیار پائین تری وجود دارد . </a:t>
-            </a:r>
-            <a:r>
-              <a:rPr lang="fa-IR" sz="2800" dirty="0">
-                <a:effectLst>
-                  <a:outerShdw blurRad="38100" dist="38100" dir="2700000" algn="tl">
-                    <a:srgbClr val="000000">
-                      <a:alpha val="43137"/>
-                    </a:srgbClr>
-                  </a:outerShdw>
-                </a:effectLst>
-                <a:latin typeface="Calibri" panose="020F0502020204030204" pitchFamily="34" charset="0"/>
-                <a:cs typeface="Calibri" panose="020F0502020204030204" pitchFamily="34" charset="0"/>
-              </a:rPr>
-              <a:t>اگر جزئیات زیادی بگوئید ، ممکن است مدیر سعی کند</a:t>
-            </a:r>
-            <a:r>
-              <a:rPr lang="en-US" sz="2800" dirty="0">
-                <a:effectLst>
-                  <a:outerShdw blurRad="38100" dist="38100" dir="2700000" algn="tl">
-                    <a:srgbClr val="000000">
-                      <a:alpha val="43137"/>
-                    </a:srgbClr>
-                  </a:outerShdw>
-                </a:effectLst>
-                <a:latin typeface="Calibri" panose="020F0502020204030204" pitchFamily="34" charset="0"/>
-                <a:cs typeface="Calibri" panose="020F0502020204030204" pitchFamily="34" charset="0"/>
-              </a:rPr>
-              <a:t>  </a:t>
-            </a:r>
-            <a:r>
-              <a:rPr lang="fa-IR" sz="2800" dirty="0">
-                <a:effectLst>
-                  <a:outerShdw blurRad="38100" dist="38100" dir="2700000" algn="tl">
-                    <a:srgbClr val="000000">
-                      <a:alpha val="43137"/>
-                    </a:srgbClr>
-                  </a:outerShdw>
-                </a:effectLst>
-                <a:latin typeface="Calibri" panose="020F0502020204030204" pitchFamily="34" charset="0"/>
-                <a:cs typeface="Calibri" panose="020F0502020204030204" pitchFamily="34" charset="0"/>
-              </a:rPr>
-              <a:t> در کار شما دخالت کند یا اصطلاحا شما را « </a:t>
-            </a:r>
-            <a:r>
-              <a:rPr lang="en-US" sz="2800" dirty="0">
-                <a:effectLst>
-                  <a:outerShdw blurRad="38100" dist="38100" dir="2700000" algn="tl">
-                    <a:srgbClr val="000000">
-                      <a:alpha val="43137"/>
-                    </a:srgbClr>
-                  </a:outerShdw>
-                </a:effectLst>
-                <a:latin typeface="Calibri" panose="020F0502020204030204" pitchFamily="34" charset="0"/>
-                <a:cs typeface="Calibri" panose="020F0502020204030204" pitchFamily="34" charset="0"/>
-              </a:rPr>
-              <a:t>micro management</a:t>
-            </a:r>
-            <a:r>
-              <a:rPr lang="fa-IR" sz="2800" dirty="0">
-                <a:effectLst>
-                  <a:outerShdw blurRad="38100" dist="38100" dir="2700000" algn="tl">
-                    <a:srgbClr val="000000">
-                      <a:alpha val="43137"/>
-                    </a:srgbClr>
-                  </a:outerShdw>
-                </a:effectLst>
-                <a:latin typeface="Calibri" panose="020F0502020204030204" pitchFamily="34" charset="0"/>
-                <a:cs typeface="Calibri" panose="020F0502020204030204" pitchFamily="34" charset="0"/>
-              </a:rPr>
-              <a:t> » کند</a:t>
-            </a:r>
-          </a:p>
-        </p:txBody>
-      </p:sp>
     </p:spTree>
     <p:extLst>
       <p:ext uri="{BB962C8B-B14F-4D97-AF65-F5344CB8AC3E}">
@@ -10457,8 +10238,8 @@
                     </a:srgbClr>
                   </a:outerShdw>
                 </a:effectLst>
-                <a:latin typeface="Adobe Arabic" panose="02040503050201020203" pitchFamily="18" charset="-78"/>
-                <a:cs typeface="Adobe Arabic" panose="02040503050201020203" pitchFamily="18" charset="-78"/>
+                <a:latin typeface="Calibri" panose="020F0502020204030204" pitchFamily="34" charset="0"/>
+                <a:cs typeface="Calibri" panose="020F0502020204030204" pitchFamily="34" charset="0"/>
               </a:rPr>
               <a:t>فصل دوم : « نه » بگوئید </a:t>
             </a:r>
@@ -10470,8 +10251,8 @@
                   </a:srgbClr>
                 </a:outerShdw>
               </a:effectLst>
-              <a:latin typeface="Adobe Arabic" panose="02040503050201020203" pitchFamily="18" charset="-78"/>
-              <a:cs typeface="Adobe Arabic" panose="02040503050201020203" pitchFamily="18" charset="-78"/>
+              <a:latin typeface="Calibri" panose="020F0502020204030204" pitchFamily="34" charset="0"/>
+              <a:cs typeface="Calibri" panose="020F0502020204030204" pitchFamily="34" charset="0"/>
             </a:endParaRPr>
           </a:p>
         </p:txBody>
@@ -10580,8 +10361,8 @@
             <a:pPr algn="r" rtl="1"/>
             <a:r>
               <a:rPr lang="fa-IR" sz="3600" dirty="0">
-                <a:latin typeface="Adobe Arabic" panose="02040503050201020203" pitchFamily="18" charset="-78"/>
-                <a:cs typeface="Adobe Arabic" panose="02040503050201020203" pitchFamily="18" charset="-78"/>
+                <a:latin typeface="Calibri" panose="020F0502020204030204" pitchFamily="34" charset="0"/>
+                <a:cs typeface="Calibri" panose="020F0502020204030204" pitchFamily="34" charset="0"/>
               </a:rPr>
               <a:t>هزینه ی « بعله » گفتن </a:t>
             </a:r>
@@ -10593,8 +10374,8 @@
                   </a:srgbClr>
                 </a:outerShdw>
               </a:effectLst>
-              <a:latin typeface="Adobe Arabic" panose="02040503050201020203" pitchFamily="18" charset="-78"/>
-              <a:cs typeface="Adobe Arabic" panose="02040503050201020203" pitchFamily="18" charset="-78"/>
+              <a:latin typeface="Calibri" panose="020F0502020204030204" pitchFamily="34" charset="0"/>
+              <a:cs typeface="Calibri" panose="020F0502020204030204" pitchFamily="34" charset="0"/>
             </a:endParaRPr>
           </a:p>
         </p:txBody>
@@ -11166,6 +10947,1370 @@
 </p:sld>
 </file>
 
+<file path=ppt/slides/slide25.xml><?xml version="1.0" encoding="utf-8"?>
+<p:sld xmlns:a="http://schemas.openxmlformats.org/drawingml/2006/main" xmlns:r="http://schemas.openxmlformats.org/officeDocument/2006/relationships" xmlns:p="http://schemas.openxmlformats.org/presentationml/2006/main">
+  <p:cSld>
+    <p:spTree>
+      <p:nvGrpSpPr>
+        <p:cNvPr id="1" name=""/>
+        <p:cNvGrpSpPr/>
+        <p:nvPr/>
+      </p:nvGrpSpPr>
+      <p:grpSpPr>
+        <a:xfrm>
+          <a:off x="0" y="0"/>
+          <a:ext cx="0" cy="0"/>
+          <a:chOff x="0" y="0"/>
+          <a:chExt cx="0" cy="0"/>
+        </a:xfrm>
+      </p:grpSpPr>
+      <p:sp>
+        <p:nvSpPr>
+          <p:cNvPr id="2" name="Title 1"/>
+          <p:cNvSpPr>
+            <a:spLocks noGrp="1"/>
+          </p:cNvSpPr>
+          <p:nvPr>
+            <p:ph type="title"/>
+          </p:nvPr>
+        </p:nvSpPr>
+        <p:spPr>
+          <a:xfrm>
+            <a:off x="381000" y="571500"/>
+            <a:ext cx="11341100" cy="685800"/>
+          </a:xfrm>
+        </p:spPr>
+        <p:txBody>
+          <a:bodyPr/>
+          <a:lstStyle/>
+          <a:p>
+            <a:pPr algn="r" rtl="1"/>
+            <a:r>
+              <a:rPr lang="fa-IR" sz="4400" dirty="0">
+                <a:effectLst>
+                  <a:outerShdw blurRad="38100" dist="38100" dir="2700000" algn="tl">
+                    <a:srgbClr val="000000">
+                      <a:alpha val="43137"/>
+                    </a:srgbClr>
+                  </a:outerShdw>
+                </a:effectLst>
+                <a:latin typeface="Calibri" panose="020F0502020204030204" pitchFamily="34" charset="0"/>
+                <a:cs typeface="Calibri" panose="020F0502020204030204" pitchFamily="34" charset="0"/>
+              </a:rPr>
+              <a:t>فصل سوم : « بعله » بگوئید </a:t>
+            </a:r>
+            <a:endParaRPr lang="en-US" sz="4400" dirty="0">
+              <a:effectLst>
+                <a:outerShdw blurRad="38100" dist="38100" dir="2700000" algn="tl">
+                  <a:srgbClr val="000000">
+                    <a:alpha val="43137"/>
+                  </a:srgbClr>
+                </a:outerShdw>
+              </a:effectLst>
+              <a:latin typeface="Calibri" panose="020F0502020204030204" pitchFamily="34" charset="0"/>
+              <a:cs typeface="Calibri" panose="020F0502020204030204" pitchFamily="34" charset="0"/>
+            </a:endParaRPr>
+          </a:p>
+        </p:txBody>
+      </p:sp>
+      <p:sp>
+        <p:nvSpPr>
+          <p:cNvPr id="5" name="Title 1"/>
+          <p:cNvSpPr txBox="1">
+            <a:spLocks/>
+          </p:cNvSpPr>
+          <p:nvPr/>
+        </p:nvSpPr>
+        <p:spPr>
+          <a:xfrm>
+            <a:off x="3662551" y="1653277"/>
+            <a:ext cx="7818249" cy="970450"/>
+          </a:xfrm>
+          <a:prstGeom prst="rect">
+            <a:avLst/>
+          </a:prstGeom>
+          <a:effectLst>
+            <a:outerShdw blurRad="50800" dir="14400000">
+              <a:srgbClr val="000000">
+                <a:alpha val="60000"/>
+              </a:srgbClr>
+            </a:outerShdw>
+          </a:effectLst>
+        </p:spPr>
+        <p:txBody>
+          <a:bodyPr vert="horz" lIns="91440" tIns="45720" rIns="91440" bIns="45720" rtlCol="0" anchor="b">
+            <a:noAutofit/>
+          </a:bodyPr>
+          <a:lstStyle>
+            <a:lvl1pPr algn="l" defTabSz="457200" rtl="0" eaLnBrk="1" latinLnBrk="0" hangingPunct="1">
+              <a:spcBef>
+                <a:spcPct val="0"/>
+              </a:spcBef>
+              <a:buNone/>
+              <a:defRPr sz="4000" b="1" kern="1200">
+                <a:solidFill>
+                  <a:srgbClr val="FEFEFE"/>
+                </a:solidFill>
+                <a:latin typeface="+mj-lt"/>
+                <a:ea typeface="+mj-ea"/>
+                <a:cs typeface="+mj-cs"/>
+              </a:defRPr>
+            </a:lvl1pPr>
+            <a:lvl2pPr eaLnBrk="1" hangingPunct="1">
+              <a:defRPr>
+                <a:solidFill>
+                  <a:schemeClr val="tx2"/>
+                </a:solidFill>
+              </a:defRPr>
+            </a:lvl2pPr>
+            <a:lvl3pPr eaLnBrk="1" hangingPunct="1">
+              <a:defRPr>
+                <a:solidFill>
+                  <a:schemeClr val="tx2"/>
+                </a:solidFill>
+              </a:defRPr>
+            </a:lvl3pPr>
+            <a:lvl4pPr eaLnBrk="1" hangingPunct="1">
+              <a:defRPr>
+                <a:solidFill>
+                  <a:schemeClr val="tx2"/>
+                </a:solidFill>
+              </a:defRPr>
+            </a:lvl4pPr>
+            <a:lvl5pPr eaLnBrk="1" hangingPunct="1">
+              <a:defRPr>
+                <a:solidFill>
+                  <a:schemeClr val="tx2"/>
+                </a:solidFill>
+              </a:defRPr>
+            </a:lvl5pPr>
+            <a:lvl6pPr eaLnBrk="1" hangingPunct="1">
+              <a:defRPr>
+                <a:solidFill>
+                  <a:schemeClr val="tx2"/>
+                </a:solidFill>
+              </a:defRPr>
+            </a:lvl6pPr>
+            <a:lvl7pPr eaLnBrk="1" hangingPunct="1">
+              <a:defRPr>
+                <a:solidFill>
+                  <a:schemeClr val="tx2"/>
+                </a:solidFill>
+              </a:defRPr>
+            </a:lvl7pPr>
+            <a:lvl8pPr eaLnBrk="1" hangingPunct="1">
+              <a:defRPr>
+                <a:solidFill>
+                  <a:schemeClr val="tx2"/>
+                </a:solidFill>
+              </a:defRPr>
+            </a:lvl8pPr>
+            <a:lvl9pPr eaLnBrk="1" hangingPunct="1">
+              <a:defRPr>
+                <a:solidFill>
+                  <a:schemeClr val="tx2"/>
+                </a:solidFill>
+              </a:defRPr>
+            </a:lvl9pPr>
+          </a:lstStyle>
+          <a:p>
+            <a:pPr algn="r" rtl="1"/>
+            <a:r>
+              <a:rPr lang="fa-IR" sz="3600" dirty="0">
+                <a:latin typeface="Calibri" panose="020F0502020204030204" pitchFamily="34" charset="0"/>
+                <a:cs typeface="Calibri" panose="020F0502020204030204" pitchFamily="34" charset="0"/>
+              </a:rPr>
+              <a:t>تعهد چگونه است ؟ </a:t>
+            </a:r>
+          </a:p>
+        </p:txBody>
+      </p:sp>
+      <p:sp>
+        <p:nvSpPr>
+          <p:cNvPr id="4" name="TextBox 3"/>
+          <p:cNvSpPr txBox="1"/>
+          <p:nvPr/>
+        </p:nvSpPr>
+        <p:spPr>
+          <a:xfrm>
+            <a:off x="711200" y="2623727"/>
+            <a:ext cx="10569865" cy="3970318"/>
+          </a:xfrm>
+          <a:prstGeom prst="rect">
+            <a:avLst/>
+          </a:prstGeom>
+          <a:noFill/>
+        </p:spPr>
+        <p:txBody>
+          <a:bodyPr wrap="square" rtlCol="0">
+            <a:spAutoFit/>
+          </a:bodyPr>
+          <a:lstStyle/>
+          <a:p>
+            <a:pPr marL="457200" indent="-457200" algn="r" rtl="1">
+              <a:buFont typeface="Arial" panose="020B0604020202020204" pitchFamily="34" charset="0"/>
+              <a:buChar char="•"/>
+            </a:pPr>
+            <a:r>
+              <a:rPr lang="fa-IR" sz="2800" b="1" dirty="0">
+                <a:latin typeface="Calibri" panose="020F0502020204030204" pitchFamily="34" charset="0"/>
+                <a:cs typeface="Calibri" panose="020F0502020204030204" pitchFamily="34" charset="0"/>
+              </a:rPr>
+              <a:t>شما فقط می توانید در مورد چیزی تعهد بدهید که بر روی تمام جنبه های آن ، کنترل کامل دارید .</a:t>
+            </a:r>
+          </a:p>
+          <a:p>
+            <a:pPr marL="457200" indent="-457200" algn="r" rtl="1">
+              <a:buFont typeface="Arial" panose="020B0604020202020204" pitchFamily="34" charset="0"/>
+              <a:buChar char="•"/>
+            </a:pPr>
+            <a:r>
+              <a:rPr lang="fa-IR" sz="2800" b="1" dirty="0">
+                <a:latin typeface="Calibri" panose="020F0502020204030204" pitchFamily="34" charset="0"/>
+                <a:cs typeface="Calibri" panose="020F0502020204030204" pitchFamily="34" charset="0"/>
+              </a:rPr>
+              <a:t>به کارهایی که می توانید برای رسیدن به هدف انجام دهید ، تعهد کنید . </a:t>
+            </a:r>
+          </a:p>
+          <a:p>
+            <a:pPr marL="457200" indent="-457200" algn="r" rtl="1">
+              <a:buFont typeface="Arial" panose="020B0604020202020204" pitchFamily="34" charset="0"/>
+              <a:buChar char="•"/>
+            </a:pPr>
+            <a:r>
+              <a:rPr lang="fa-IR" sz="2800" b="1" dirty="0">
+                <a:latin typeface="Calibri" panose="020F0502020204030204" pitchFamily="34" charset="0"/>
+                <a:cs typeface="Calibri" panose="020F0502020204030204" pitchFamily="34" charset="0"/>
+              </a:rPr>
+              <a:t>تعهد یعنی از به انجام نرساندن کار احساس بدی دارید.</a:t>
+            </a:r>
+          </a:p>
+          <a:p>
+            <a:pPr marL="457200" indent="-457200" algn="r" rtl="1">
+              <a:buFont typeface="Arial" panose="020B0604020202020204" pitchFamily="34" charset="0"/>
+              <a:buChar char="•"/>
+            </a:pPr>
+            <a:r>
+              <a:rPr lang="fa-IR" sz="2800" b="1" dirty="0">
+                <a:latin typeface="Calibri" panose="020F0502020204030204" pitchFamily="34" charset="0"/>
+                <a:cs typeface="Calibri" panose="020F0502020204030204" pitchFamily="34" charset="0"/>
+              </a:rPr>
+              <a:t>اگر کار نمی رسد یا امکان ندارد ، هر چه سریعتر اطلاع رسانی کنید . </a:t>
+            </a:r>
+          </a:p>
+          <a:p>
+            <a:pPr marL="457200" indent="-457200" algn="r" rtl="1">
+              <a:buFont typeface="Arial" panose="020B0604020202020204" pitchFamily="34" charset="0"/>
+              <a:buChar char="•"/>
+            </a:pPr>
+            <a:r>
+              <a:rPr lang="fa-IR" sz="2800" b="1" dirty="0">
+                <a:latin typeface="Calibri" panose="020F0502020204030204" pitchFamily="34" charset="0"/>
+                <a:cs typeface="Calibri" panose="020F0502020204030204" pitchFamily="34" charset="0"/>
+              </a:rPr>
+              <a:t>تعهدتان باید با نظم کاریتان همراه باشد. </a:t>
+            </a:r>
+            <a:r>
+              <a:rPr lang="fa-IR" b="1" dirty="0">
+                <a:solidFill>
+                  <a:schemeClr val="accent2">
+                    <a:lumMod val="60000"/>
+                    <a:lumOff val="40000"/>
+                  </a:schemeClr>
+                </a:solidFill>
+                <a:latin typeface="Calibri" panose="020F0502020204030204" pitchFamily="34" charset="0"/>
+                <a:cs typeface="Calibri" panose="020F0502020204030204" pitchFamily="34" charset="0"/>
+              </a:rPr>
+              <a:t>( </a:t>
+            </a:r>
+            <a:r>
+              <a:rPr lang="fa-IR" b="1" i="1" dirty="0">
+                <a:solidFill>
+                  <a:schemeClr val="accent2">
+                    <a:lumMod val="60000"/>
+                    <a:lumOff val="40000"/>
+                  </a:schemeClr>
+                </a:solidFill>
+                <a:latin typeface="Calibri" panose="020F0502020204030204" pitchFamily="34" charset="0"/>
+                <a:cs typeface="Calibri" panose="020F0502020204030204" pitchFamily="34" charset="0"/>
+              </a:rPr>
+              <a:t>بدون تست و ریفکتور سریعتر نمی شوید</a:t>
+            </a:r>
+            <a:r>
+              <a:rPr lang="fa-IR" b="1" dirty="0">
+                <a:solidFill>
+                  <a:schemeClr val="accent2">
+                    <a:lumMod val="60000"/>
+                    <a:lumOff val="40000"/>
+                  </a:schemeClr>
+                </a:solidFill>
+                <a:latin typeface="Calibri" panose="020F0502020204030204" pitchFamily="34" charset="0"/>
+                <a:cs typeface="Calibri" panose="020F0502020204030204" pitchFamily="34" charset="0"/>
+              </a:rPr>
+              <a:t>)</a:t>
+            </a:r>
+          </a:p>
+          <a:p>
+            <a:pPr marL="457200" indent="-457200" algn="r" rtl="1">
+              <a:buFont typeface="Arial" panose="020B0604020202020204" pitchFamily="34" charset="0"/>
+              <a:buChar char="•"/>
+            </a:pPr>
+            <a:r>
+              <a:rPr lang="fa-IR" sz="2800" b="1" dirty="0">
+                <a:latin typeface="Calibri" panose="020F0502020204030204" pitchFamily="34" charset="0"/>
+                <a:cs typeface="Calibri" panose="020F0502020204030204" pitchFamily="34" charset="0"/>
+              </a:rPr>
+              <a:t>باید استانداردهای کاری خودتان را حفظ کنید . </a:t>
+            </a:r>
+          </a:p>
+          <a:p>
+            <a:pPr marL="457200" indent="-457200" algn="r" rtl="1">
+              <a:buFont typeface="Arial" panose="020B0604020202020204" pitchFamily="34" charset="0"/>
+              <a:buChar char="•"/>
+            </a:pPr>
+            <a:r>
+              <a:rPr lang="fa-IR" sz="2800" b="1" dirty="0">
+                <a:latin typeface="Calibri" panose="020F0502020204030204" pitchFamily="34" charset="0"/>
+                <a:cs typeface="Calibri" panose="020F0502020204030204" pitchFamily="34" charset="0"/>
+              </a:rPr>
+              <a:t>اضافه کاری کردن ، هزینه دارد . </a:t>
+            </a:r>
+          </a:p>
+          <a:p>
+            <a:pPr marL="457200" indent="-457200" algn="r" rtl="1">
+              <a:buFont typeface="Arial" panose="020B0604020202020204" pitchFamily="34" charset="0"/>
+              <a:buChar char="•"/>
+            </a:pPr>
+            <a:r>
+              <a:rPr lang="fa-IR" sz="2800" b="1" dirty="0">
+                <a:latin typeface="Calibri" panose="020F0502020204030204" pitchFamily="34" charset="0"/>
+                <a:cs typeface="Calibri" panose="020F0502020204030204" pitchFamily="34" charset="0"/>
+              </a:rPr>
+              <a:t>حرفه ای ها حد خودشان را می دانند.</a:t>
+            </a:r>
+            <a:endParaRPr lang="en-US" sz="2800" dirty="0">
+              <a:latin typeface="Calibri" panose="020F0502020204030204" pitchFamily="34" charset="0"/>
+              <a:cs typeface="Calibri" panose="020F0502020204030204" pitchFamily="34" charset="0"/>
+            </a:endParaRPr>
+          </a:p>
+        </p:txBody>
+      </p:sp>
+    </p:spTree>
+    <p:extLst>
+      <p:ext uri="{BB962C8B-B14F-4D97-AF65-F5344CB8AC3E}">
+        <p14:creationId xmlns:p14="http://schemas.microsoft.com/office/powerpoint/2010/main" val="2345979198"/>
+      </p:ext>
+    </p:extLst>
+  </p:cSld>
+  <p:clrMapOvr>
+    <a:masterClrMapping/>
+  </p:clrMapOvr>
+</p:sld>
+</file>
+
+<file path=ppt/slides/slide26.xml><?xml version="1.0" encoding="utf-8"?>
+<p:sld xmlns:a="http://schemas.openxmlformats.org/drawingml/2006/main" xmlns:r="http://schemas.openxmlformats.org/officeDocument/2006/relationships" xmlns:p="http://schemas.openxmlformats.org/presentationml/2006/main">
+  <p:cSld>
+    <p:spTree>
+      <p:nvGrpSpPr>
+        <p:cNvPr id="1" name=""/>
+        <p:cNvGrpSpPr/>
+        <p:nvPr/>
+      </p:nvGrpSpPr>
+      <p:grpSpPr>
+        <a:xfrm>
+          <a:off x="0" y="0"/>
+          <a:ext cx="0" cy="0"/>
+          <a:chOff x="0" y="0"/>
+          <a:chExt cx="0" cy="0"/>
+        </a:xfrm>
+      </p:grpSpPr>
+      <p:sp>
+        <p:nvSpPr>
+          <p:cNvPr id="2" name="Title 1"/>
+          <p:cNvSpPr>
+            <a:spLocks noGrp="1"/>
+          </p:cNvSpPr>
+          <p:nvPr>
+            <p:ph type="title"/>
+          </p:nvPr>
+        </p:nvSpPr>
+        <p:spPr>
+          <a:xfrm>
+            <a:off x="381000" y="571500"/>
+            <a:ext cx="11341100" cy="685800"/>
+          </a:xfrm>
+        </p:spPr>
+        <p:txBody>
+          <a:bodyPr/>
+          <a:lstStyle/>
+          <a:p>
+            <a:pPr algn="r" rtl="1"/>
+            <a:r>
+              <a:rPr lang="fa-IR" sz="4400" dirty="0">
+                <a:effectLst>
+                  <a:outerShdw blurRad="38100" dist="38100" dir="2700000" algn="tl">
+                    <a:srgbClr val="000000">
+                      <a:alpha val="43137"/>
+                    </a:srgbClr>
+                  </a:outerShdw>
+                </a:effectLst>
+                <a:latin typeface="Calibri" panose="020F0502020204030204" pitchFamily="34" charset="0"/>
+                <a:cs typeface="Calibri" panose="020F0502020204030204" pitchFamily="34" charset="0"/>
+              </a:rPr>
+              <a:t>فصل چهارم : کُد زنی</a:t>
+            </a:r>
+            <a:endParaRPr lang="en-US" sz="4400" dirty="0">
+              <a:effectLst>
+                <a:outerShdw blurRad="38100" dist="38100" dir="2700000" algn="tl">
+                  <a:srgbClr val="000000">
+                    <a:alpha val="43137"/>
+                  </a:srgbClr>
+                </a:outerShdw>
+              </a:effectLst>
+              <a:latin typeface="Calibri" panose="020F0502020204030204" pitchFamily="34" charset="0"/>
+              <a:cs typeface="Calibri" panose="020F0502020204030204" pitchFamily="34" charset="0"/>
+            </a:endParaRPr>
+          </a:p>
+        </p:txBody>
+      </p:sp>
+      <p:sp>
+        <p:nvSpPr>
+          <p:cNvPr id="4" name="TextBox 3"/>
+          <p:cNvSpPr txBox="1"/>
+          <p:nvPr/>
+        </p:nvSpPr>
+        <p:spPr>
+          <a:xfrm>
+            <a:off x="711200" y="2239263"/>
+            <a:ext cx="11010900" cy="1384995"/>
+          </a:xfrm>
+          <a:prstGeom prst="rect">
+            <a:avLst/>
+          </a:prstGeom>
+          <a:noFill/>
+        </p:spPr>
+        <p:txBody>
+          <a:bodyPr wrap="square" rtlCol="0">
+            <a:spAutoFit/>
+          </a:bodyPr>
+          <a:lstStyle/>
+          <a:p>
+            <a:pPr algn="r" rtl="1"/>
+            <a:r>
+              <a:rPr lang="fa-IR" sz="2800" b="1" dirty="0">
+                <a:latin typeface="Calibri" panose="020F0502020204030204" pitchFamily="34" charset="0"/>
+                <a:cs typeface="Calibri" panose="020F0502020204030204" pitchFamily="34" charset="0"/>
+              </a:rPr>
+              <a:t>کد زنی فرایندی ذهنی و چالش برانگیز و فرسوده کننده است که نیاز به سطحی از تمرکز دارد که کارهای کمی با آن برابری می کنند.</a:t>
+            </a:r>
+          </a:p>
+          <a:p>
+            <a:pPr algn="r" rtl="1"/>
+            <a:endParaRPr lang="en-US" sz="2800" dirty="0">
+              <a:latin typeface="Calibri" panose="020F0502020204030204" pitchFamily="34" charset="0"/>
+              <a:cs typeface="Calibri" panose="020F0502020204030204" pitchFamily="34" charset="0"/>
+            </a:endParaRPr>
+          </a:p>
+        </p:txBody>
+      </p:sp>
+      <p:sp>
+        <p:nvSpPr>
+          <p:cNvPr id="11" name="TextBox 10">
+            <a:extLst>
+              <a:ext uri="{FF2B5EF4-FFF2-40B4-BE49-F238E27FC236}">
+                <a16:creationId xmlns:a16="http://schemas.microsoft.com/office/drawing/2014/main" id="{ACA58C7E-C836-4E66-A88E-CB3EF184A613}"/>
+              </a:ext>
+            </a:extLst>
+          </p:cNvPr>
+          <p:cNvSpPr txBox="1"/>
+          <p:nvPr/>
+        </p:nvSpPr>
+        <p:spPr>
+          <a:xfrm>
+            <a:off x="155864" y="3429000"/>
+            <a:ext cx="11566236" cy="2805063"/>
+          </a:xfrm>
+          <a:prstGeom prst="rect">
+            <a:avLst/>
+          </a:prstGeom>
+          <a:noFill/>
+        </p:spPr>
+        <p:txBody>
+          <a:bodyPr wrap="square" rtlCol="0">
+            <a:spAutoFit/>
+          </a:bodyPr>
+          <a:lstStyle/>
+          <a:p>
+            <a:pPr algn="r" rtl="1">
+              <a:lnSpc>
+                <a:spcPct val="150000"/>
+              </a:lnSpc>
+            </a:pPr>
+            <a:r>
+              <a:rPr lang="fa-IR" sz="2400" b="1" i="1" dirty="0">
+                <a:latin typeface="Calibri" panose="020F0502020204030204" pitchFamily="34" charset="0"/>
+                <a:cs typeface="Calibri" panose="020F0502020204030204" pitchFamily="34" charset="0"/>
+              </a:rPr>
+              <a:t>کد شما باید :</a:t>
+            </a:r>
+          </a:p>
+          <a:p>
+            <a:pPr marL="914400" lvl="1" indent="-457200" algn="r" rtl="1">
+              <a:lnSpc>
+                <a:spcPct val="150000"/>
+              </a:lnSpc>
+              <a:buFont typeface="Wingdings" panose="05000000000000000000" pitchFamily="2" charset="2"/>
+              <a:buChar char="ü"/>
+            </a:pPr>
+            <a:r>
+              <a:rPr lang="fa-IR" sz="2400" b="1" dirty="0">
+                <a:latin typeface="Calibri" panose="020F0502020204030204" pitchFamily="34" charset="0"/>
+                <a:cs typeface="Calibri" panose="020F0502020204030204" pitchFamily="34" charset="0"/>
+              </a:rPr>
+              <a:t>باید کار کند. </a:t>
+            </a:r>
+          </a:p>
+          <a:p>
+            <a:pPr marL="914400" lvl="1" indent="-457200" algn="r" rtl="1">
+              <a:lnSpc>
+                <a:spcPct val="150000"/>
+              </a:lnSpc>
+              <a:buFont typeface="Wingdings" panose="05000000000000000000" pitchFamily="2" charset="2"/>
+              <a:buChar char="ü"/>
+            </a:pPr>
+            <a:r>
+              <a:rPr lang="fa-IR" sz="2400" b="1" dirty="0">
+                <a:latin typeface="Calibri" panose="020F0502020204030204" pitchFamily="34" charset="0"/>
+                <a:cs typeface="Calibri" panose="020F0502020204030204" pitchFamily="34" charset="0"/>
+              </a:rPr>
+              <a:t>باید مشکلات واقعی مشتری را حل کند نه آنچه او فکر می کند به آن نیاز دارد ( مذاکره کنیم ) </a:t>
+            </a:r>
+          </a:p>
+          <a:p>
+            <a:pPr marL="914400" lvl="1" indent="-457200" algn="r" rtl="1">
+              <a:lnSpc>
+                <a:spcPct val="150000"/>
+              </a:lnSpc>
+              <a:buFont typeface="Wingdings" panose="05000000000000000000" pitchFamily="2" charset="2"/>
+              <a:buChar char="ü"/>
+            </a:pPr>
+            <a:r>
+              <a:rPr lang="fa-IR" sz="2400" b="1" dirty="0">
+                <a:latin typeface="Calibri" panose="020F0502020204030204" pitchFamily="34" charset="0"/>
+                <a:cs typeface="Calibri" panose="020F0502020204030204" pitchFamily="34" charset="0"/>
+              </a:rPr>
+              <a:t>باید درون سیستم فعلی بنشیند با سیستم فعلی کار کند.</a:t>
+            </a:r>
+          </a:p>
+          <a:p>
+            <a:pPr marL="914400" lvl="1" indent="-457200" algn="r" rtl="1">
+              <a:lnSpc>
+                <a:spcPct val="150000"/>
+              </a:lnSpc>
+              <a:buFont typeface="Wingdings" panose="05000000000000000000" pitchFamily="2" charset="2"/>
+              <a:buChar char="ü"/>
+            </a:pPr>
+            <a:r>
+              <a:rPr lang="fa-IR" sz="2400" b="1" dirty="0">
+                <a:latin typeface="Calibri" panose="020F0502020204030204" pitchFamily="34" charset="0"/>
+                <a:cs typeface="Calibri" panose="020F0502020204030204" pitchFamily="34" charset="0"/>
+              </a:rPr>
+              <a:t>باید توسط سایر برنامه نویس ها قابل خواندن باشند.</a:t>
+            </a:r>
+            <a:endParaRPr lang="en-US" sz="2400" b="1" dirty="0">
+              <a:latin typeface="Calibri" panose="020F0502020204030204" pitchFamily="34" charset="0"/>
+              <a:cs typeface="Calibri" panose="020F0502020204030204" pitchFamily="34" charset="0"/>
+            </a:endParaRPr>
+          </a:p>
+        </p:txBody>
+      </p:sp>
+    </p:spTree>
+    <p:extLst>
+      <p:ext uri="{BB962C8B-B14F-4D97-AF65-F5344CB8AC3E}">
+        <p14:creationId xmlns:p14="http://schemas.microsoft.com/office/powerpoint/2010/main" val="1541418928"/>
+      </p:ext>
+    </p:extLst>
+  </p:cSld>
+  <p:clrMapOvr>
+    <a:masterClrMapping/>
+  </p:clrMapOvr>
+</p:sld>
+</file>
+
+<file path=ppt/slides/slide27.xml><?xml version="1.0" encoding="utf-8"?>
+<p:sld xmlns:a="http://schemas.openxmlformats.org/drawingml/2006/main" xmlns:r="http://schemas.openxmlformats.org/officeDocument/2006/relationships" xmlns:p="http://schemas.openxmlformats.org/presentationml/2006/main">
+  <p:cSld>
+    <p:spTree>
+      <p:nvGrpSpPr>
+        <p:cNvPr id="1" name=""/>
+        <p:cNvGrpSpPr/>
+        <p:nvPr/>
+      </p:nvGrpSpPr>
+      <p:grpSpPr>
+        <a:xfrm>
+          <a:off x="0" y="0"/>
+          <a:ext cx="0" cy="0"/>
+          <a:chOff x="0" y="0"/>
+          <a:chExt cx="0" cy="0"/>
+        </a:xfrm>
+      </p:grpSpPr>
+      <p:sp>
+        <p:nvSpPr>
+          <p:cNvPr id="2" name="Title 1"/>
+          <p:cNvSpPr>
+            <a:spLocks noGrp="1"/>
+          </p:cNvSpPr>
+          <p:nvPr>
+            <p:ph type="title"/>
+          </p:nvPr>
+        </p:nvSpPr>
+        <p:spPr>
+          <a:xfrm>
+            <a:off x="381000" y="571500"/>
+            <a:ext cx="11341100" cy="685800"/>
+          </a:xfrm>
+        </p:spPr>
+        <p:txBody>
+          <a:bodyPr/>
+          <a:lstStyle/>
+          <a:p>
+            <a:pPr algn="r" rtl="1"/>
+            <a:r>
+              <a:rPr lang="fa-IR" sz="4400" dirty="0">
+                <a:effectLst>
+                  <a:outerShdw blurRad="38100" dist="38100" dir="2700000" algn="tl">
+                    <a:srgbClr val="000000">
+                      <a:alpha val="43137"/>
+                    </a:srgbClr>
+                  </a:outerShdw>
+                </a:effectLst>
+                <a:latin typeface="Calibri" panose="020F0502020204030204" pitchFamily="34" charset="0"/>
+                <a:cs typeface="Calibri" panose="020F0502020204030204" pitchFamily="34" charset="0"/>
+              </a:rPr>
+              <a:t>فصل چهارم : کُد زنی</a:t>
+            </a:r>
+            <a:endParaRPr lang="en-US" sz="4400" dirty="0">
+              <a:effectLst>
+                <a:outerShdw blurRad="38100" dist="38100" dir="2700000" algn="tl">
+                  <a:srgbClr val="000000">
+                    <a:alpha val="43137"/>
+                  </a:srgbClr>
+                </a:outerShdw>
+              </a:effectLst>
+              <a:latin typeface="Calibri" panose="020F0502020204030204" pitchFamily="34" charset="0"/>
+              <a:cs typeface="Calibri" panose="020F0502020204030204" pitchFamily="34" charset="0"/>
+            </a:endParaRPr>
+          </a:p>
+        </p:txBody>
+      </p:sp>
+      <p:sp>
+        <p:nvSpPr>
+          <p:cNvPr id="11" name="TextBox 10">
+            <a:extLst>
+              <a:ext uri="{FF2B5EF4-FFF2-40B4-BE49-F238E27FC236}">
+                <a16:creationId xmlns:a16="http://schemas.microsoft.com/office/drawing/2014/main" id="{ACA58C7E-C836-4E66-A88E-CB3EF184A613}"/>
+              </a:ext>
+            </a:extLst>
+          </p:cNvPr>
+          <p:cNvSpPr txBox="1"/>
+          <p:nvPr/>
+        </p:nvSpPr>
+        <p:spPr>
+          <a:xfrm>
+            <a:off x="155864" y="2026468"/>
+            <a:ext cx="11566236" cy="4467057"/>
+          </a:xfrm>
+          <a:prstGeom prst="rect">
+            <a:avLst/>
+          </a:prstGeom>
+          <a:noFill/>
+        </p:spPr>
+        <p:txBody>
+          <a:bodyPr wrap="square" rtlCol="0">
+            <a:spAutoFit/>
+          </a:bodyPr>
+          <a:lstStyle/>
+          <a:p>
+            <a:pPr algn="r" rtl="1">
+              <a:lnSpc>
+                <a:spcPct val="150000"/>
+              </a:lnSpc>
+            </a:pPr>
+            <a:r>
+              <a:rPr lang="fa-IR" sz="2400" b="1" i="1" dirty="0">
+                <a:latin typeface="Calibri" panose="020F0502020204030204" pitchFamily="34" charset="0"/>
+                <a:cs typeface="Calibri" panose="020F0502020204030204" pitchFamily="34" charset="0"/>
+              </a:rPr>
+              <a:t>نکاتی که باید در نظر بگیرید:</a:t>
+            </a:r>
+          </a:p>
+          <a:p>
+            <a:pPr marL="914400" lvl="1" indent="-457200" algn="r" rtl="1">
+              <a:lnSpc>
+                <a:spcPct val="150000"/>
+              </a:lnSpc>
+              <a:buFont typeface="Wingdings" panose="05000000000000000000" pitchFamily="2" charset="2"/>
+              <a:buChar char="ü"/>
+            </a:pPr>
+            <a:r>
+              <a:rPr lang="fa-IR" sz="2400" b="1" dirty="0">
+                <a:latin typeface="Calibri" panose="020F0502020204030204" pitchFamily="34" charset="0"/>
+                <a:cs typeface="Calibri" panose="020F0502020204030204" pitchFamily="34" charset="0"/>
+              </a:rPr>
+              <a:t>اگر خسته اید یا تمرکز ندارید، کد نزنید ؛ چون مجبور می شوید با هزینه ی بیشتری آنها را اصلاح کنید.</a:t>
+            </a:r>
+          </a:p>
+          <a:p>
+            <a:pPr marL="914400" lvl="1" indent="-457200" algn="r" rtl="1">
+              <a:lnSpc>
+                <a:spcPct val="150000"/>
+              </a:lnSpc>
+              <a:buFont typeface="Wingdings" panose="05000000000000000000" pitchFamily="2" charset="2"/>
+              <a:buChar char="ü"/>
+            </a:pPr>
+            <a:r>
+              <a:rPr lang="fa-IR" sz="2400" b="1" dirty="0">
+                <a:latin typeface="Calibri" panose="020F0502020204030204" pitchFamily="34" charset="0"/>
+                <a:cs typeface="Calibri" panose="020F0502020204030204" pitchFamily="34" charset="0"/>
+              </a:rPr>
+              <a:t>کدهای نیمه شب ، باگ های پایدار می شوند.</a:t>
+            </a:r>
+          </a:p>
+          <a:p>
+            <a:pPr marL="914400" lvl="1" indent="-457200" algn="r" rtl="1">
+              <a:lnSpc>
+                <a:spcPct val="150000"/>
+              </a:lnSpc>
+              <a:buFont typeface="Wingdings" panose="05000000000000000000" pitchFamily="2" charset="2"/>
+              <a:buChar char="ü"/>
+            </a:pPr>
+            <a:r>
+              <a:rPr lang="fa-IR" sz="2400" b="1" dirty="0">
+                <a:latin typeface="Calibri" panose="020F0502020204030204" pitchFamily="34" charset="0"/>
+                <a:cs typeface="Calibri" panose="020F0502020204030204" pitchFamily="34" charset="0"/>
+              </a:rPr>
+              <a:t>مواظب کد زنی در زمان ناراحتی و نگرانی باشید. ( می توانید تقسیم زمانی کنید ، نگرانی – کار ) </a:t>
+            </a:r>
+          </a:p>
+          <a:p>
+            <a:pPr marL="914400" lvl="1" indent="-457200" algn="r" rtl="1">
+              <a:lnSpc>
+                <a:spcPct val="150000"/>
+              </a:lnSpc>
+              <a:buFont typeface="Wingdings" panose="05000000000000000000" pitchFamily="2" charset="2"/>
+              <a:buChar char="ü"/>
+            </a:pPr>
+            <a:r>
+              <a:rPr lang="en-US" sz="2400" b="1" dirty="0">
+                <a:latin typeface="Calibri" panose="020F0502020204030204" pitchFamily="34" charset="0"/>
+                <a:cs typeface="Calibri" panose="020F0502020204030204" pitchFamily="34" charset="0"/>
+              </a:rPr>
+              <a:t>The Flow Zone</a:t>
+            </a:r>
+            <a:r>
+              <a:rPr lang="fa-IR" sz="2400" b="1" dirty="0">
+                <a:latin typeface="Calibri" panose="020F0502020204030204" pitchFamily="34" charset="0"/>
+                <a:cs typeface="Calibri" panose="020F0502020204030204" pitchFamily="34" charset="0"/>
+              </a:rPr>
+              <a:t> : از این حالت دوری کنید ؛ هر چند کد بیشتری می زنید ولی تصویر بزرگتر را فراموش می کنید.</a:t>
+            </a:r>
+          </a:p>
+          <a:p>
+            <a:pPr marL="914400" lvl="1" indent="-457200" algn="r" rtl="1">
+              <a:lnSpc>
+                <a:spcPct val="150000"/>
+              </a:lnSpc>
+              <a:buFont typeface="Wingdings" panose="05000000000000000000" pitchFamily="2" charset="2"/>
+              <a:buChar char="ü"/>
+            </a:pPr>
+            <a:r>
+              <a:rPr lang="en-US" sz="2400" b="1" dirty="0">
+                <a:latin typeface="Calibri" panose="020F0502020204030204" pitchFamily="34" charset="0"/>
+                <a:cs typeface="Calibri" panose="020F0502020204030204" pitchFamily="34" charset="0"/>
+              </a:rPr>
+              <a:t>Pair Programing</a:t>
+            </a:r>
+            <a:r>
+              <a:rPr lang="fa-IR" sz="2400" b="1" dirty="0">
+                <a:latin typeface="Calibri" panose="020F0502020204030204" pitchFamily="34" charset="0"/>
+                <a:cs typeface="Calibri" panose="020F0502020204030204" pitchFamily="34" charset="0"/>
+              </a:rPr>
+              <a:t> کنید.</a:t>
+            </a:r>
+          </a:p>
+          <a:p>
+            <a:pPr marL="914400" lvl="1" indent="-457200" algn="r" rtl="1">
+              <a:lnSpc>
+                <a:spcPct val="150000"/>
+              </a:lnSpc>
+              <a:buFont typeface="Wingdings" panose="05000000000000000000" pitchFamily="2" charset="2"/>
+              <a:buChar char="ü"/>
+            </a:pPr>
+            <a:r>
+              <a:rPr lang="fa-IR" sz="2400" b="1" dirty="0">
+                <a:latin typeface="Calibri" panose="020F0502020204030204" pitchFamily="34" charset="0"/>
+                <a:cs typeface="Calibri" panose="020F0502020204030204" pitchFamily="34" charset="0"/>
+              </a:rPr>
+              <a:t>موسیقی ، </a:t>
+            </a:r>
+            <a:r>
+              <a:rPr lang="fa-IR" b="1" i="1" dirty="0">
+                <a:latin typeface="Calibri" panose="020F0502020204030204" pitchFamily="34" charset="0"/>
+                <a:cs typeface="Calibri" panose="020F0502020204030204" pitchFamily="34" charset="0"/>
+              </a:rPr>
+              <a:t>به رفتن به </a:t>
+            </a:r>
+            <a:r>
+              <a:rPr lang="en-US" b="1" i="1" dirty="0">
+                <a:latin typeface="Calibri" panose="020F0502020204030204" pitchFamily="34" charset="0"/>
+                <a:cs typeface="Calibri" panose="020F0502020204030204" pitchFamily="34" charset="0"/>
+              </a:rPr>
+              <a:t>The Flow Zone</a:t>
+            </a:r>
+            <a:r>
+              <a:rPr lang="fa-IR" b="1" i="1" dirty="0">
+                <a:latin typeface="Calibri" panose="020F0502020204030204" pitchFamily="34" charset="0"/>
+                <a:cs typeface="Calibri" panose="020F0502020204030204" pitchFamily="34" charset="0"/>
+              </a:rPr>
+              <a:t> کمک می کند.</a:t>
+            </a:r>
+            <a:endParaRPr lang="en-US" b="1" i="1" dirty="0">
+              <a:latin typeface="Calibri" panose="020F0502020204030204" pitchFamily="34" charset="0"/>
+              <a:cs typeface="Calibri" panose="020F0502020204030204" pitchFamily="34" charset="0"/>
+            </a:endParaRPr>
+          </a:p>
+        </p:txBody>
+      </p:sp>
+    </p:spTree>
+    <p:extLst>
+      <p:ext uri="{BB962C8B-B14F-4D97-AF65-F5344CB8AC3E}">
+        <p14:creationId xmlns:p14="http://schemas.microsoft.com/office/powerpoint/2010/main" val="3141049391"/>
+      </p:ext>
+    </p:extLst>
+  </p:cSld>
+  <p:clrMapOvr>
+    <a:masterClrMapping/>
+  </p:clrMapOvr>
+</p:sld>
+</file>
+
+<file path=ppt/slides/slide28.xml><?xml version="1.0" encoding="utf-8"?>
+<p:sld xmlns:a="http://schemas.openxmlformats.org/drawingml/2006/main" xmlns:r="http://schemas.openxmlformats.org/officeDocument/2006/relationships" xmlns:p="http://schemas.openxmlformats.org/presentationml/2006/main">
+  <p:cSld>
+    <p:spTree>
+      <p:nvGrpSpPr>
+        <p:cNvPr id="1" name=""/>
+        <p:cNvGrpSpPr/>
+        <p:nvPr/>
+      </p:nvGrpSpPr>
+      <p:grpSpPr>
+        <a:xfrm>
+          <a:off x="0" y="0"/>
+          <a:ext cx="0" cy="0"/>
+          <a:chOff x="0" y="0"/>
+          <a:chExt cx="0" cy="0"/>
+        </a:xfrm>
+      </p:grpSpPr>
+      <p:sp>
+        <p:nvSpPr>
+          <p:cNvPr id="2" name="Title 1"/>
+          <p:cNvSpPr>
+            <a:spLocks noGrp="1"/>
+          </p:cNvSpPr>
+          <p:nvPr>
+            <p:ph type="title"/>
+          </p:nvPr>
+        </p:nvSpPr>
+        <p:spPr>
+          <a:xfrm>
+            <a:off x="381000" y="571500"/>
+            <a:ext cx="11341100" cy="685800"/>
+          </a:xfrm>
+        </p:spPr>
+        <p:txBody>
+          <a:bodyPr/>
+          <a:lstStyle/>
+          <a:p>
+            <a:pPr algn="r" rtl="1"/>
+            <a:r>
+              <a:rPr lang="fa-IR" sz="4400" dirty="0">
+                <a:effectLst>
+                  <a:outerShdw blurRad="38100" dist="38100" dir="2700000" algn="tl">
+                    <a:srgbClr val="000000">
+                      <a:alpha val="43137"/>
+                    </a:srgbClr>
+                  </a:outerShdw>
+                </a:effectLst>
+                <a:latin typeface="Calibri" panose="020F0502020204030204" pitchFamily="34" charset="0"/>
+                <a:cs typeface="Calibri" panose="020F0502020204030204" pitchFamily="34" charset="0"/>
+              </a:rPr>
+              <a:t>فصل چهارم : کُد زنی</a:t>
+            </a:r>
+            <a:endParaRPr lang="en-US" sz="4400" dirty="0">
+              <a:effectLst>
+                <a:outerShdw blurRad="38100" dist="38100" dir="2700000" algn="tl">
+                  <a:srgbClr val="000000">
+                    <a:alpha val="43137"/>
+                  </a:srgbClr>
+                </a:outerShdw>
+              </a:effectLst>
+              <a:latin typeface="Calibri" panose="020F0502020204030204" pitchFamily="34" charset="0"/>
+              <a:cs typeface="Calibri" panose="020F0502020204030204" pitchFamily="34" charset="0"/>
+            </a:endParaRPr>
+          </a:p>
+        </p:txBody>
+      </p:sp>
+      <p:sp>
+        <p:nvSpPr>
+          <p:cNvPr id="11" name="TextBox 10">
+            <a:extLst>
+              <a:ext uri="{FF2B5EF4-FFF2-40B4-BE49-F238E27FC236}">
+                <a16:creationId xmlns:a16="http://schemas.microsoft.com/office/drawing/2014/main" id="{ACA58C7E-C836-4E66-A88E-CB3EF184A613}"/>
+              </a:ext>
+            </a:extLst>
+          </p:cNvPr>
+          <p:cNvSpPr txBox="1"/>
+          <p:nvPr/>
+        </p:nvSpPr>
+        <p:spPr>
+          <a:xfrm>
+            <a:off x="155864" y="2026468"/>
+            <a:ext cx="11566236" cy="4605556"/>
+          </a:xfrm>
+          <a:prstGeom prst="rect">
+            <a:avLst/>
+          </a:prstGeom>
+          <a:noFill/>
+        </p:spPr>
+        <p:txBody>
+          <a:bodyPr wrap="square" rtlCol="0">
+            <a:spAutoFit/>
+          </a:bodyPr>
+          <a:lstStyle/>
+          <a:p>
+            <a:pPr algn="r" rtl="1">
+              <a:lnSpc>
+                <a:spcPct val="150000"/>
+              </a:lnSpc>
+            </a:pPr>
+            <a:r>
+              <a:rPr lang="fa-IR" sz="2400" b="1" i="1" dirty="0">
+                <a:latin typeface="Calibri" panose="020F0502020204030204" pitchFamily="34" charset="0"/>
+                <a:cs typeface="Calibri" panose="020F0502020204030204" pitchFamily="34" charset="0"/>
+              </a:rPr>
+              <a:t>نکاتی که باید در نظر بگیرید:</a:t>
+            </a:r>
+          </a:p>
+          <a:p>
+            <a:pPr marL="914400" lvl="1" indent="-457200" algn="r" rtl="1">
+              <a:lnSpc>
+                <a:spcPct val="150000"/>
+              </a:lnSpc>
+              <a:buFont typeface="Wingdings" panose="05000000000000000000" pitchFamily="2" charset="2"/>
+              <a:buChar char="ü"/>
+            </a:pPr>
+            <a:r>
+              <a:rPr lang="fa-IR" sz="2400" b="1" dirty="0">
+                <a:latin typeface="Calibri" panose="020F0502020204030204" pitchFamily="34" charset="0"/>
+                <a:cs typeface="Calibri" panose="020F0502020204030204" pitchFamily="34" charset="0"/>
+              </a:rPr>
+              <a:t>وقفه ها :</a:t>
+            </a:r>
+          </a:p>
+          <a:p>
+            <a:pPr marL="1371600" lvl="2" indent="-457200" algn="r" rtl="1">
+              <a:lnSpc>
+                <a:spcPct val="150000"/>
+              </a:lnSpc>
+              <a:buFont typeface="Wingdings" panose="05000000000000000000" pitchFamily="2" charset="2"/>
+              <a:buChar char="ü"/>
+            </a:pPr>
+            <a:r>
+              <a:rPr lang="fa-IR" b="1" i="1" dirty="0">
+                <a:latin typeface="Calibri" panose="020F0502020204030204" pitchFamily="34" charset="0"/>
+                <a:cs typeface="Calibri" panose="020F0502020204030204" pitchFamily="34" charset="0"/>
+              </a:rPr>
+              <a:t>می توانید </a:t>
+            </a:r>
+            <a:r>
+              <a:rPr lang="en-US" b="1" i="1" dirty="0">
+                <a:latin typeface="Calibri" panose="020F0502020204030204" pitchFamily="34" charset="0"/>
+                <a:cs typeface="Calibri" panose="020F0502020204030204" pitchFamily="34" charset="0"/>
+              </a:rPr>
+              <a:t>Pair Programing</a:t>
+            </a:r>
+            <a:r>
+              <a:rPr lang="fa-IR" b="1" i="1" dirty="0">
+                <a:latin typeface="Calibri" panose="020F0502020204030204" pitchFamily="34" charset="0"/>
+                <a:cs typeface="Calibri" panose="020F0502020204030204" pitchFamily="34" charset="0"/>
+              </a:rPr>
+              <a:t> کنید.</a:t>
+            </a:r>
+          </a:p>
+          <a:p>
+            <a:pPr marL="1371600" lvl="2" indent="-457200" algn="r" rtl="1">
+              <a:lnSpc>
+                <a:spcPct val="150000"/>
+              </a:lnSpc>
+              <a:buFont typeface="Wingdings" panose="05000000000000000000" pitchFamily="2" charset="2"/>
+              <a:buChar char="ü"/>
+            </a:pPr>
+            <a:r>
+              <a:rPr lang="en-US" b="1" i="1" dirty="0">
+                <a:latin typeface="Calibri" panose="020F0502020204030204" pitchFamily="34" charset="0"/>
+                <a:cs typeface="Calibri" panose="020F0502020204030204" pitchFamily="34" charset="0"/>
+              </a:rPr>
+              <a:t>TDD</a:t>
+            </a:r>
+            <a:r>
+              <a:rPr lang="fa-IR" b="1" i="1" dirty="0">
+                <a:latin typeface="Calibri" panose="020F0502020204030204" pitchFamily="34" charset="0"/>
+                <a:cs typeface="Calibri" panose="020F0502020204030204" pitchFamily="34" charset="0"/>
+              </a:rPr>
+              <a:t> می تواند به شما کمک کند.</a:t>
+            </a:r>
+          </a:p>
+          <a:p>
+            <a:pPr marL="1371600" lvl="2" indent="-457200" algn="r" rtl="1">
+              <a:lnSpc>
+                <a:spcPct val="150000"/>
+              </a:lnSpc>
+              <a:buFont typeface="Wingdings" panose="05000000000000000000" pitchFamily="2" charset="2"/>
+              <a:buChar char="ü"/>
+            </a:pPr>
+            <a:r>
+              <a:rPr lang="fa-IR" b="1" i="1" dirty="0">
+                <a:latin typeface="Calibri" panose="020F0502020204030204" pitchFamily="34" charset="0"/>
+                <a:cs typeface="Calibri" panose="020F0502020204030204" pitchFamily="34" charset="0"/>
+              </a:rPr>
+              <a:t>به عنوان یک حرفه ای باید به صورت مودبانه حاضر باشید به دیگران کمک کنید.</a:t>
+            </a:r>
+          </a:p>
+          <a:p>
+            <a:pPr marL="914400" lvl="1" indent="-457200" algn="r" rtl="1">
+              <a:lnSpc>
+                <a:spcPct val="150000"/>
+              </a:lnSpc>
+              <a:buFont typeface="Wingdings" panose="05000000000000000000" pitchFamily="2" charset="2"/>
+              <a:buChar char="ü"/>
+            </a:pPr>
+            <a:r>
+              <a:rPr lang="fa-IR" sz="2400" b="1" dirty="0">
+                <a:latin typeface="Calibri" panose="020F0502020204030204" pitchFamily="34" charset="0"/>
+                <a:cs typeface="Calibri" panose="020F0502020204030204" pitchFamily="34" charset="0"/>
+              </a:rPr>
+              <a:t>خلاقیت خود را تقویت کنید. </a:t>
+            </a:r>
+          </a:p>
+          <a:p>
+            <a:pPr marL="914400" lvl="1" indent="-457200" algn="r" rtl="1">
+              <a:lnSpc>
+                <a:spcPct val="150000"/>
+              </a:lnSpc>
+              <a:buFont typeface="Wingdings" panose="05000000000000000000" pitchFamily="2" charset="2"/>
+              <a:buChar char="ü"/>
+            </a:pPr>
+            <a:r>
+              <a:rPr lang="fa-IR" sz="2400" b="1" dirty="0">
+                <a:latin typeface="Calibri" panose="020F0502020204030204" pitchFamily="34" charset="0"/>
+                <a:cs typeface="Calibri" panose="020F0502020204030204" pitchFamily="34" charset="0"/>
+              </a:rPr>
+              <a:t>زمان دیباگ کردن را هم جزء کدنویسی حساب کنید. ( </a:t>
+            </a:r>
+            <a:r>
+              <a:rPr lang="en-US" sz="2400" b="1" dirty="0">
+                <a:latin typeface="Calibri" panose="020F0502020204030204" pitchFamily="34" charset="0"/>
+                <a:cs typeface="Calibri" panose="020F0502020204030204" pitchFamily="34" charset="0"/>
+              </a:rPr>
+              <a:t>TDD</a:t>
+            </a:r>
+            <a:r>
+              <a:rPr lang="fa-IR" sz="2400" b="1" dirty="0">
+                <a:latin typeface="Calibri" panose="020F0502020204030204" pitchFamily="34" charset="0"/>
+                <a:cs typeface="Calibri" panose="020F0502020204030204" pitchFamily="34" charset="0"/>
+              </a:rPr>
+              <a:t> می تواند کمک زیادی کند ) </a:t>
+            </a:r>
+          </a:p>
+          <a:p>
+            <a:pPr marL="914400" lvl="1" indent="-457200" algn="r" rtl="1">
+              <a:lnSpc>
+                <a:spcPct val="150000"/>
+              </a:lnSpc>
+              <a:buFont typeface="Wingdings" panose="05000000000000000000" pitchFamily="2" charset="2"/>
+              <a:buChar char="ü"/>
+            </a:pPr>
+            <a:r>
+              <a:rPr lang="fa-IR" sz="2400" b="1" dirty="0">
+                <a:latin typeface="Calibri" panose="020F0502020204030204" pitchFamily="34" charset="0"/>
+                <a:cs typeface="Calibri" panose="020F0502020204030204" pitchFamily="34" charset="0"/>
+              </a:rPr>
+              <a:t>آهسته و پیوسته کد بزنید ( کد نویسی مثل دوی ماراتن هست ) </a:t>
+            </a:r>
+          </a:p>
+          <a:p>
+            <a:pPr marL="914400" lvl="1" indent="-457200" algn="r" rtl="1">
+              <a:lnSpc>
+                <a:spcPct val="150000"/>
+              </a:lnSpc>
+              <a:buFont typeface="Wingdings" panose="05000000000000000000" pitchFamily="2" charset="2"/>
+              <a:buChar char="ü"/>
+            </a:pPr>
+            <a:r>
+              <a:rPr lang="fa-IR" sz="2400" b="1" dirty="0">
+                <a:latin typeface="Calibri" panose="020F0502020204030204" pitchFamily="34" charset="0"/>
+                <a:cs typeface="Calibri" panose="020F0502020204030204" pitchFamily="34" charset="0"/>
+              </a:rPr>
+              <a:t>حد و حدود خودتان را بدانید.</a:t>
+            </a:r>
+          </a:p>
+        </p:txBody>
+      </p:sp>
+    </p:spTree>
+    <p:extLst>
+      <p:ext uri="{BB962C8B-B14F-4D97-AF65-F5344CB8AC3E}">
+        <p14:creationId xmlns:p14="http://schemas.microsoft.com/office/powerpoint/2010/main" val="2638554157"/>
+      </p:ext>
+    </p:extLst>
+  </p:cSld>
+  <p:clrMapOvr>
+    <a:masterClrMapping/>
+  </p:clrMapOvr>
+</p:sld>
+</file>
+
+<file path=ppt/slides/slide29.xml><?xml version="1.0" encoding="utf-8"?>
+<p:sld xmlns:a="http://schemas.openxmlformats.org/drawingml/2006/main" xmlns:r="http://schemas.openxmlformats.org/officeDocument/2006/relationships" xmlns:p="http://schemas.openxmlformats.org/presentationml/2006/main">
+  <p:cSld>
+    <p:spTree>
+      <p:nvGrpSpPr>
+        <p:cNvPr id="1" name=""/>
+        <p:cNvGrpSpPr/>
+        <p:nvPr/>
+      </p:nvGrpSpPr>
+      <p:grpSpPr>
+        <a:xfrm>
+          <a:off x="0" y="0"/>
+          <a:ext cx="0" cy="0"/>
+          <a:chOff x="0" y="0"/>
+          <a:chExt cx="0" cy="0"/>
+        </a:xfrm>
+      </p:grpSpPr>
+      <p:sp>
+        <p:nvSpPr>
+          <p:cNvPr id="2" name="Title 1"/>
+          <p:cNvSpPr>
+            <a:spLocks noGrp="1"/>
+          </p:cNvSpPr>
+          <p:nvPr>
+            <p:ph type="title"/>
+          </p:nvPr>
+        </p:nvSpPr>
+        <p:spPr>
+          <a:xfrm>
+            <a:off x="381000" y="571500"/>
+            <a:ext cx="11341100" cy="685800"/>
+          </a:xfrm>
+        </p:spPr>
+        <p:txBody>
+          <a:bodyPr/>
+          <a:lstStyle/>
+          <a:p>
+            <a:pPr algn="r" rtl="1"/>
+            <a:r>
+              <a:rPr lang="fa-IR" sz="4400" dirty="0">
+                <a:effectLst>
+                  <a:outerShdw blurRad="38100" dist="38100" dir="2700000" algn="tl">
+                    <a:srgbClr val="000000">
+                      <a:alpha val="43137"/>
+                    </a:srgbClr>
+                  </a:outerShdw>
+                </a:effectLst>
+                <a:latin typeface="Calibri" panose="020F0502020204030204" pitchFamily="34" charset="0"/>
+                <a:cs typeface="Calibri" panose="020F0502020204030204" pitchFamily="34" charset="0"/>
+              </a:rPr>
+              <a:t>فصل چهارم : کُد زنی</a:t>
+            </a:r>
+            <a:endParaRPr lang="en-US" sz="4400" dirty="0">
+              <a:effectLst>
+                <a:outerShdw blurRad="38100" dist="38100" dir="2700000" algn="tl">
+                  <a:srgbClr val="000000">
+                    <a:alpha val="43137"/>
+                  </a:srgbClr>
+                </a:outerShdw>
+              </a:effectLst>
+              <a:latin typeface="Calibri" panose="020F0502020204030204" pitchFamily="34" charset="0"/>
+              <a:cs typeface="Calibri" panose="020F0502020204030204" pitchFamily="34" charset="0"/>
+            </a:endParaRPr>
+          </a:p>
+        </p:txBody>
+      </p:sp>
+      <p:sp>
+        <p:nvSpPr>
+          <p:cNvPr id="11" name="TextBox 10">
+            <a:extLst>
+              <a:ext uri="{FF2B5EF4-FFF2-40B4-BE49-F238E27FC236}">
+                <a16:creationId xmlns:a16="http://schemas.microsoft.com/office/drawing/2014/main" id="{ACA58C7E-C836-4E66-A88E-CB3EF184A613}"/>
+              </a:ext>
+            </a:extLst>
+          </p:cNvPr>
+          <p:cNvSpPr txBox="1"/>
+          <p:nvPr/>
+        </p:nvSpPr>
+        <p:spPr>
+          <a:xfrm>
+            <a:off x="155864" y="2026468"/>
+            <a:ext cx="11566236" cy="4559390"/>
+          </a:xfrm>
+          <a:prstGeom prst="rect">
+            <a:avLst/>
+          </a:prstGeom>
+          <a:noFill/>
+        </p:spPr>
+        <p:txBody>
+          <a:bodyPr wrap="square" rtlCol="0">
+            <a:spAutoFit/>
+          </a:bodyPr>
+          <a:lstStyle/>
+          <a:p>
+            <a:pPr algn="r" rtl="1">
+              <a:lnSpc>
+                <a:spcPct val="150000"/>
+              </a:lnSpc>
+            </a:pPr>
+            <a:r>
+              <a:rPr lang="fa-IR" sz="2400" b="1" i="1" dirty="0">
+                <a:latin typeface="Calibri" panose="020F0502020204030204" pitchFamily="34" charset="0"/>
+                <a:cs typeface="Calibri" panose="020F0502020204030204" pitchFamily="34" charset="0"/>
+              </a:rPr>
+              <a:t>نکاتی که باید در نظر بگیرید:</a:t>
+            </a:r>
+          </a:p>
+          <a:p>
+            <a:pPr marL="914400" lvl="1" indent="-457200" algn="r" rtl="1">
+              <a:lnSpc>
+                <a:spcPct val="150000"/>
+              </a:lnSpc>
+              <a:buFont typeface="Wingdings" panose="05000000000000000000" pitchFamily="2" charset="2"/>
+              <a:buChar char="ü"/>
+            </a:pPr>
+            <a:r>
+              <a:rPr lang="fa-IR" sz="2400" b="1" dirty="0">
+                <a:latin typeface="Calibri" panose="020F0502020204030204" pitchFamily="34" charset="0"/>
+                <a:cs typeface="Calibri" panose="020F0502020204030204" pitchFamily="34" charset="0"/>
+              </a:rPr>
+              <a:t>امید :</a:t>
+            </a:r>
+          </a:p>
+          <a:p>
+            <a:pPr marL="1371600" lvl="2" indent="-457200" algn="r" rtl="1">
+              <a:lnSpc>
+                <a:spcPct val="150000"/>
+              </a:lnSpc>
+              <a:buFont typeface="Wingdings" panose="05000000000000000000" pitchFamily="2" charset="2"/>
+              <a:buChar char="ü"/>
+            </a:pPr>
+            <a:r>
+              <a:rPr lang="fa-IR" sz="2000" b="1" dirty="0">
+                <a:latin typeface="Calibri" panose="020F0502020204030204" pitchFamily="34" charset="0"/>
+                <a:cs typeface="Calibri" panose="020F0502020204030204" pitchFamily="34" charset="0"/>
+              </a:rPr>
+              <a:t>امید یکی از بزرگترین نابود کننده ی پروژه هاست.</a:t>
+            </a:r>
+          </a:p>
+          <a:p>
+            <a:pPr marL="1371600" lvl="2" indent="-457200" algn="r" rtl="1">
+              <a:lnSpc>
+                <a:spcPct val="150000"/>
+              </a:lnSpc>
+              <a:buFont typeface="Wingdings" panose="05000000000000000000" pitchFamily="2" charset="2"/>
+              <a:buChar char="ü"/>
+            </a:pPr>
+            <a:r>
+              <a:rPr lang="fa-IR" sz="2000" b="1" dirty="0">
+                <a:latin typeface="Calibri" panose="020F0502020204030204" pitchFamily="34" charset="0"/>
+                <a:cs typeface="Calibri" panose="020F0502020204030204" pitchFamily="34" charset="0"/>
+              </a:rPr>
+              <a:t>امید را وارد تخمین هایتان نکنید .</a:t>
+            </a:r>
+          </a:p>
+          <a:p>
+            <a:pPr marL="914400" lvl="1" indent="-457200" algn="r" rtl="1">
+              <a:lnSpc>
+                <a:spcPct val="150000"/>
+              </a:lnSpc>
+              <a:buFont typeface="Wingdings" panose="05000000000000000000" pitchFamily="2" charset="2"/>
+              <a:buChar char="ü"/>
+            </a:pPr>
+            <a:r>
+              <a:rPr lang="fa-IR" sz="2400" b="1" dirty="0">
+                <a:latin typeface="Calibri" panose="020F0502020204030204" pitchFamily="34" charset="0"/>
+                <a:cs typeface="Calibri" panose="020F0502020204030204" pitchFamily="34" charset="0"/>
+              </a:rPr>
+              <a:t>عجله کردن :</a:t>
+            </a:r>
+          </a:p>
+          <a:p>
+            <a:pPr marL="1371600" lvl="2" indent="-457200" algn="r" rtl="1">
+              <a:lnSpc>
+                <a:spcPct val="150000"/>
+              </a:lnSpc>
+              <a:buFont typeface="Wingdings" panose="05000000000000000000" pitchFamily="2" charset="2"/>
+              <a:buChar char="ü"/>
+            </a:pPr>
+            <a:r>
+              <a:rPr lang="fa-IR" sz="2000" b="1" dirty="0">
+                <a:latin typeface="Calibri" panose="020F0502020204030204" pitchFamily="34" charset="0"/>
+                <a:cs typeface="Calibri" panose="020F0502020204030204" pitchFamily="34" charset="0"/>
+              </a:rPr>
+              <a:t>در برابر مدیریت ، تخمین های خود را نگه دارید. تخمین های اولیه معمولا  دقیقتر هستند.</a:t>
+            </a:r>
+          </a:p>
+          <a:p>
+            <a:pPr marL="1371600" lvl="2" indent="-457200" algn="r" rtl="1">
+              <a:lnSpc>
+                <a:spcPct val="150000"/>
+              </a:lnSpc>
+              <a:buFont typeface="Wingdings" panose="05000000000000000000" pitchFamily="2" charset="2"/>
+              <a:buChar char="ü"/>
+            </a:pPr>
+            <a:r>
+              <a:rPr lang="fa-IR" sz="2000" b="1" dirty="0">
+                <a:latin typeface="Calibri" panose="020F0502020204030204" pitchFamily="34" charset="0"/>
+                <a:cs typeface="Calibri" panose="020F0502020204030204" pitchFamily="34" charset="0"/>
+              </a:rPr>
+              <a:t>هیچ راهی برای عجله کردن نیست ، نمی توانید کاری کنید که سریعتر کد بزنید ، سریعتر یک مشکل را حل کنید ؛ اگر سعی کنید ، فقط خودتان را کند تر می کنید.</a:t>
+            </a:r>
+          </a:p>
+          <a:p>
+            <a:pPr marL="1371600" lvl="2" indent="-457200" algn="r" rtl="1">
+              <a:lnSpc>
+                <a:spcPct val="150000"/>
+              </a:lnSpc>
+              <a:buFont typeface="Wingdings" panose="05000000000000000000" pitchFamily="2" charset="2"/>
+              <a:buChar char="ü"/>
+            </a:pPr>
+            <a:endParaRPr lang="fa-IR" sz="2400" b="1" dirty="0">
+              <a:latin typeface="Calibri" panose="020F0502020204030204" pitchFamily="34" charset="0"/>
+              <a:cs typeface="Calibri" panose="020F0502020204030204" pitchFamily="34" charset="0"/>
+            </a:endParaRPr>
+          </a:p>
+        </p:txBody>
+      </p:sp>
+    </p:spTree>
+    <p:extLst>
+      <p:ext uri="{BB962C8B-B14F-4D97-AF65-F5344CB8AC3E}">
+        <p14:creationId xmlns:p14="http://schemas.microsoft.com/office/powerpoint/2010/main" val="3682830617"/>
+      </p:ext>
+    </p:extLst>
+  </p:cSld>
+  <p:clrMapOvr>
+    <a:masterClrMapping/>
+  </p:clrMapOvr>
+</p:sld>
+</file>
+
 <file path=ppt/slides/slide3.xml><?xml version="1.0" encoding="utf-8"?>
 <p:sld xmlns:a="http://schemas.openxmlformats.org/drawingml/2006/main" xmlns:r="http://schemas.openxmlformats.org/officeDocument/2006/relationships" xmlns:p="http://schemas.openxmlformats.org/presentationml/2006/main">
   <p:cSld>
@@ -11439,6 +12584,463 @@
     <p:extLst>
       <p:ext uri="{BB962C8B-B14F-4D97-AF65-F5344CB8AC3E}">
         <p14:creationId xmlns:p14="http://schemas.microsoft.com/office/powerpoint/2010/main" val="2187083425"/>
+      </p:ext>
+    </p:extLst>
+  </p:cSld>
+  <p:clrMapOvr>
+    <a:masterClrMapping/>
+  </p:clrMapOvr>
+</p:sld>
+</file>
+
+<file path=ppt/slides/slide30.xml><?xml version="1.0" encoding="utf-8"?>
+<p:sld xmlns:a="http://schemas.openxmlformats.org/drawingml/2006/main" xmlns:r="http://schemas.openxmlformats.org/officeDocument/2006/relationships" xmlns:p="http://schemas.openxmlformats.org/presentationml/2006/main">
+  <p:cSld>
+    <p:spTree>
+      <p:nvGrpSpPr>
+        <p:cNvPr id="1" name=""/>
+        <p:cNvGrpSpPr/>
+        <p:nvPr/>
+      </p:nvGrpSpPr>
+      <p:grpSpPr>
+        <a:xfrm>
+          <a:off x="0" y="0"/>
+          <a:ext cx="0" cy="0"/>
+          <a:chOff x="0" y="0"/>
+          <a:chExt cx="0" cy="0"/>
+        </a:xfrm>
+      </p:grpSpPr>
+      <p:sp>
+        <p:nvSpPr>
+          <p:cNvPr id="2" name="Title 1"/>
+          <p:cNvSpPr>
+            <a:spLocks noGrp="1"/>
+          </p:cNvSpPr>
+          <p:nvPr>
+            <p:ph type="title"/>
+          </p:nvPr>
+        </p:nvSpPr>
+        <p:spPr>
+          <a:xfrm>
+            <a:off x="381000" y="571500"/>
+            <a:ext cx="11341100" cy="685800"/>
+          </a:xfrm>
+        </p:spPr>
+        <p:txBody>
+          <a:bodyPr/>
+          <a:lstStyle/>
+          <a:p>
+            <a:pPr algn="r" rtl="1"/>
+            <a:r>
+              <a:rPr lang="fa-IR" sz="4400" dirty="0">
+                <a:effectLst>
+                  <a:outerShdw blurRad="38100" dist="38100" dir="2700000" algn="tl">
+                    <a:srgbClr val="000000">
+                      <a:alpha val="43137"/>
+                    </a:srgbClr>
+                  </a:outerShdw>
+                </a:effectLst>
+                <a:latin typeface="Calibri" panose="020F0502020204030204" pitchFamily="34" charset="0"/>
+                <a:cs typeface="Calibri" panose="020F0502020204030204" pitchFamily="34" charset="0"/>
+              </a:rPr>
+              <a:t>فصل چهارم : کُد زنی</a:t>
+            </a:r>
+            <a:endParaRPr lang="en-US" sz="4400" dirty="0">
+              <a:effectLst>
+                <a:outerShdw blurRad="38100" dist="38100" dir="2700000" algn="tl">
+                  <a:srgbClr val="000000">
+                    <a:alpha val="43137"/>
+                  </a:srgbClr>
+                </a:outerShdw>
+              </a:effectLst>
+              <a:latin typeface="Calibri" panose="020F0502020204030204" pitchFamily="34" charset="0"/>
+              <a:cs typeface="Calibri" panose="020F0502020204030204" pitchFamily="34" charset="0"/>
+            </a:endParaRPr>
+          </a:p>
+        </p:txBody>
+      </p:sp>
+      <p:sp>
+        <p:nvSpPr>
+          <p:cNvPr id="11" name="TextBox 10">
+            <a:extLst>
+              <a:ext uri="{FF2B5EF4-FFF2-40B4-BE49-F238E27FC236}">
+                <a16:creationId xmlns:a16="http://schemas.microsoft.com/office/drawing/2014/main" id="{ACA58C7E-C836-4E66-A88E-CB3EF184A613}"/>
+              </a:ext>
+            </a:extLst>
+          </p:cNvPr>
+          <p:cNvSpPr txBox="1"/>
+          <p:nvPr/>
+        </p:nvSpPr>
+        <p:spPr>
+          <a:xfrm>
+            <a:off x="155864" y="1943341"/>
+            <a:ext cx="11566236" cy="4559390"/>
+          </a:xfrm>
+          <a:prstGeom prst="rect">
+            <a:avLst/>
+          </a:prstGeom>
+          <a:noFill/>
+        </p:spPr>
+        <p:txBody>
+          <a:bodyPr wrap="square" rtlCol="0">
+            <a:spAutoFit/>
+          </a:bodyPr>
+          <a:lstStyle/>
+          <a:p>
+            <a:pPr algn="r" rtl="1">
+              <a:lnSpc>
+                <a:spcPct val="150000"/>
+              </a:lnSpc>
+            </a:pPr>
+            <a:r>
+              <a:rPr lang="fa-IR" sz="2400" b="1" i="1" dirty="0">
+                <a:latin typeface="Calibri" panose="020F0502020204030204" pitchFamily="34" charset="0"/>
+                <a:cs typeface="Calibri" panose="020F0502020204030204" pitchFamily="34" charset="0"/>
+              </a:rPr>
+              <a:t>نکاتی که باید در نظر بگیرید:</a:t>
+            </a:r>
+          </a:p>
+          <a:p>
+            <a:pPr marL="914400" lvl="1" indent="-457200" algn="r" rtl="1">
+              <a:lnSpc>
+                <a:spcPct val="150000"/>
+              </a:lnSpc>
+              <a:buFont typeface="Wingdings" panose="05000000000000000000" pitchFamily="2" charset="2"/>
+              <a:buChar char="ü"/>
+            </a:pPr>
+            <a:r>
+              <a:rPr lang="fa-IR" sz="2400" b="1" dirty="0">
+                <a:latin typeface="Calibri" panose="020F0502020204030204" pitchFamily="34" charset="0"/>
+                <a:cs typeface="Calibri" panose="020F0502020204030204" pitchFamily="34" charset="0"/>
+              </a:rPr>
+              <a:t>اضافه کاری :</a:t>
+            </a:r>
+          </a:p>
+          <a:p>
+            <a:pPr marL="1371600" lvl="2" indent="-457200" algn="r" rtl="1">
+              <a:lnSpc>
+                <a:spcPct val="150000"/>
+              </a:lnSpc>
+              <a:buFont typeface="Wingdings" panose="05000000000000000000" pitchFamily="2" charset="2"/>
+              <a:buChar char="ü"/>
+            </a:pPr>
+            <a:r>
+              <a:rPr lang="fa-IR" sz="2000" b="1" dirty="0">
+                <a:latin typeface="Calibri" panose="020F0502020204030204" pitchFamily="34" charset="0"/>
+                <a:cs typeface="Calibri" panose="020F0502020204030204" pitchFamily="34" charset="0"/>
+              </a:rPr>
+              <a:t>بعضی اوقات لازم هستند ، ولی نباید با آن موافقت کنید مگر :</a:t>
+            </a:r>
+          </a:p>
+          <a:p>
+            <a:pPr marL="1828800" lvl="3" indent="-457200" algn="r" rtl="1">
+              <a:lnSpc>
+                <a:spcPct val="150000"/>
+              </a:lnSpc>
+              <a:buFont typeface="Wingdings" panose="05000000000000000000" pitchFamily="2" charset="2"/>
+              <a:buChar char="ü"/>
+            </a:pPr>
+            <a:r>
+              <a:rPr lang="fa-IR" sz="2000" b="1" dirty="0">
+                <a:latin typeface="Calibri" panose="020F0502020204030204" pitchFamily="34" charset="0"/>
+                <a:cs typeface="Calibri" panose="020F0502020204030204" pitchFamily="34" charset="0"/>
+              </a:rPr>
+              <a:t>به صورت شخصی بتوانید برای آن وقت بگذارید. </a:t>
+            </a:r>
+          </a:p>
+          <a:p>
+            <a:pPr marL="1828800" lvl="3" indent="-457200" algn="r" rtl="1">
+              <a:lnSpc>
+                <a:spcPct val="150000"/>
+              </a:lnSpc>
+              <a:buFont typeface="Wingdings" panose="05000000000000000000" pitchFamily="2" charset="2"/>
+              <a:buChar char="ü"/>
+            </a:pPr>
+            <a:r>
+              <a:rPr lang="fa-IR" sz="2000" b="1" dirty="0">
+                <a:latin typeface="Calibri" panose="020F0502020204030204" pitchFamily="34" charset="0"/>
+                <a:cs typeface="Calibri" panose="020F0502020204030204" pitchFamily="34" charset="0"/>
+              </a:rPr>
+              <a:t>کوتاه مدت باشد . </a:t>
+            </a:r>
+          </a:p>
+          <a:p>
+            <a:pPr marL="1828800" lvl="3" indent="-457200" algn="r" rtl="1">
+              <a:lnSpc>
+                <a:spcPct val="150000"/>
+              </a:lnSpc>
+              <a:buFont typeface="Wingdings" panose="05000000000000000000" pitchFamily="2" charset="2"/>
+              <a:buChar char="ü"/>
+            </a:pPr>
+            <a:r>
+              <a:rPr lang="fa-IR" sz="2000" b="1" dirty="0">
+                <a:latin typeface="Calibri" panose="020F0502020204030204" pitchFamily="34" charset="0"/>
+                <a:cs typeface="Calibri" panose="020F0502020204030204" pitchFamily="34" charset="0"/>
+              </a:rPr>
+              <a:t>مدیریتان یک نقشه برای زمان شکست خوردن اضافه کاری داشته باشد . </a:t>
+            </a:r>
+          </a:p>
+          <a:p>
+            <a:pPr marL="1828800" lvl="3" indent="-457200" algn="r" rtl="1">
+              <a:lnSpc>
+                <a:spcPct val="150000"/>
+              </a:lnSpc>
+              <a:buFont typeface="Wingdings" panose="05000000000000000000" pitchFamily="2" charset="2"/>
+              <a:buChar char="ü"/>
+            </a:pPr>
+            <a:r>
+              <a:rPr lang="fa-IR" sz="2000" b="1" dirty="0">
+                <a:latin typeface="Calibri" panose="020F0502020204030204" pitchFamily="34" charset="0"/>
+                <a:cs typeface="Calibri" panose="020F0502020204030204" pitchFamily="34" charset="0"/>
+              </a:rPr>
+              <a:t>پس از پایان اضافه کاری ، به همان مدت استراحت کنید .</a:t>
+            </a:r>
+          </a:p>
+          <a:p>
+            <a:pPr marL="914400" lvl="1" indent="-457200" algn="r" rtl="1">
+              <a:lnSpc>
+                <a:spcPct val="150000"/>
+              </a:lnSpc>
+              <a:buFont typeface="Wingdings" panose="05000000000000000000" pitchFamily="2" charset="2"/>
+              <a:buChar char="ü"/>
+            </a:pPr>
+            <a:r>
+              <a:rPr lang="en-US" sz="2400" b="1" dirty="0">
+                <a:latin typeface="Calibri" panose="020F0502020204030204" pitchFamily="34" charset="0"/>
+                <a:cs typeface="Calibri" panose="020F0502020204030204" pitchFamily="34" charset="0"/>
+              </a:rPr>
+              <a:t>False Delivery</a:t>
+            </a:r>
+            <a:r>
+              <a:rPr lang="fa-IR" sz="2400" b="1" dirty="0">
+                <a:latin typeface="Calibri" panose="020F0502020204030204" pitchFamily="34" charset="0"/>
+                <a:cs typeface="Calibri" panose="020F0502020204030204" pitchFamily="34" charset="0"/>
+              </a:rPr>
+              <a:t> : تحویل دادن چیزی که کار نمی کند .</a:t>
+            </a:r>
+          </a:p>
+          <a:p>
+            <a:pPr marL="1371600" lvl="2" indent="-457200" algn="r" rtl="1">
+              <a:lnSpc>
+                <a:spcPct val="150000"/>
+              </a:lnSpc>
+              <a:buFont typeface="Wingdings" panose="05000000000000000000" pitchFamily="2" charset="2"/>
+              <a:buChar char="ü"/>
+            </a:pPr>
+            <a:r>
+              <a:rPr lang="fa-IR" sz="2400" b="1" dirty="0">
+                <a:latin typeface="Calibri" panose="020F0502020204030204" pitchFamily="34" charset="0"/>
+                <a:cs typeface="Calibri" panose="020F0502020204030204" pitchFamily="34" charset="0"/>
+              </a:rPr>
+              <a:t>بدترین کار ممکن است . </a:t>
+            </a:r>
+          </a:p>
+        </p:txBody>
+      </p:sp>
+    </p:spTree>
+    <p:extLst>
+      <p:ext uri="{BB962C8B-B14F-4D97-AF65-F5344CB8AC3E}">
+        <p14:creationId xmlns:p14="http://schemas.microsoft.com/office/powerpoint/2010/main" val="885155948"/>
+      </p:ext>
+    </p:extLst>
+  </p:cSld>
+  <p:clrMapOvr>
+    <a:masterClrMapping/>
+  </p:clrMapOvr>
+</p:sld>
+</file>
+
+<file path=ppt/slides/slide31.xml><?xml version="1.0" encoding="utf-8"?>
+<p:sld xmlns:a="http://schemas.openxmlformats.org/drawingml/2006/main" xmlns:r="http://schemas.openxmlformats.org/officeDocument/2006/relationships" xmlns:p="http://schemas.openxmlformats.org/presentationml/2006/main">
+  <p:cSld>
+    <p:spTree>
+      <p:nvGrpSpPr>
+        <p:cNvPr id="1" name=""/>
+        <p:cNvGrpSpPr/>
+        <p:nvPr/>
+      </p:nvGrpSpPr>
+      <p:grpSpPr>
+        <a:xfrm>
+          <a:off x="0" y="0"/>
+          <a:ext cx="0" cy="0"/>
+          <a:chOff x="0" y="0"/>
+          <a:chExt cx="0" cy="0"/>
+        </a:xfrm>
+      </p:grpSpPr>
+      <p:sp>
+        <p:nvSpPr>
+          <p:cNvPr id="2" name="Title 1"/>
+          <p:cNvSpPr>
+            <a:spLocks noGrp="1"/>
+          </p:cNvSpPr>
+          <p:nvPr>
+            <p:ph type="title"/>
+          </p:nvPr>
+        </p:nvSpPr>
+        <p:spPr>
+          <a:xfrm>
+            <a:off x="381000" y="571500"/>
+            <a:ext cx="11341100" cy="685800"/>
+          </a:xfrm>
+        </p:spPr>
+        <p:txBody>
+          <a:bodyPr/>
+          <a:lstStyle/>
+          <a:p>
+            <a:pPr algn="r" rtl="1"/>
+            <a:r>
+              <a:rPr lang="fa-IR" sz="4400" dirty="0">
+                <a:effectLst>
+                  <a:outerShdw blurRad="38100" dist="38100" dir="2700000" algn="tl">
+                    <a:srgbClr val="000000">
+                      <a:alpha val="43137"/>
+                    </a:srgbClr>
+                  </a:outerShdw>
+                </a:effectLst>
+                <a:latin typeface="Calibri" panose="020F0502020204030204" pitchFamily="34" charset="0"/>
+                <a:cs typeface="Calibri" panose="020F0502020204030204" pitchFamily="34" charset="0"/>
+              </a:rPr>
+              <a:t>فصل چهارم : کُد زنی</a:t>
+            </a:r>
+            <a:endParaRPr lang="en-US" sz="4400" dirty="0">
+              <a:effectLst>
+                <a:outerShdw blurRad="38100" dist="38100" dir="2700000" algn="tl">
+                  <a:srgbClr val="000000">
+                    <a:alpha val="43137"/>
+                  </a:srgbClr>
+                </a:outerShdw>
+              </a:effectLst>
+              <a:latin typeface="Calibri" panose="020F0502020204030204" pitchFamily="34" charset="0"/>
+              <a:cs typeface="Calibri" panose="020F0502020204030204" pitchFamily="34" charset="0"/>
+            </a:endParaRPr>
+          </a:p>
+        </p:txBody>
+      </p:sp>
+      <p:sp>
+        <p:nvSpPr>
+          <p:cNvPr id="11" name="TextBox 10">
+            <a:extLst>
+              <a:ext uri="{FF2B5EF4-FFF2-40B4-BE49-F238E27FC236}">
+                <a16:creationId xmlns:a16="http://schemas.microsoft.com/office/drawing/2014/main" id="{ACA58C7E-C836-4E66-A88E-CB3EF184A613}"/>
+              </a:ext>
+            </a:extLst>
+          </p:cNvPr>
+          <p:cNvSpPr txBox="1"/>
+          <p:nvPr/>
+        </p:nvSpPr>
+        <p:spPr>
+          <a:xfrm>
+            <a:off x="155864" y="1943341"/>
+            <a:ext cx="11566236" cy="2805063"/>
+          </a:xfrm>
+          <a:prstGeom prst="rect">
+            <a:avLst/>
+          </a:prstGeom>
+          <a:noFill/>
+        </p:spPr>
+        <p:txBody>
+          <a:bodyPr wrap="square" rtlCol="0">
+            <a:spAutoFit/>
+          </a:bodyPr>
+          <a:lstStyle/>
+          <a:p>
+            <a:pPr algn="r" rtl="1">
+              <a:lnSpc>
+                <a:spcPct val="150000"/>
+              </a:lnSpc>
+            </a:pPr>
+            <a:r>
+              <a:rPr lang="fa-IR" sz="2400" b="1" i="1" dirty="0">
+                <a:latin typeface="Calibri" panose="020F0502020204030204" pitchFamily="34" charset="0"/>
+                <a:cs typeface="Calibri" panose="020F0502020204030204" pitchFamily="34" charset="0"/>
+              </a:rPr>
+              <a:t>نکاتی که باید در نظر بگیرید:</a:t>
+            </a:r>
+          </a:p>
+          <a:p>
+            <a:pPr marL="914400" lvl="1" indent="-457200" algn="r" rtl="1">
+              <a:lnSpc>
+                <a:spcPct val="150000"/>
+              </a:lnSpc>
+              <a:buFont typeface="Wingdings" panose="05000000000000000000" pitchFamily="2" charset="2"/>
+              <a:buChar char="ü"/>
+            </a:pPr>
+            <a:r>
+              <a:rPr lang="fa-IR" sz="2400" b="1" dirty="0">
+                <a:latin typeface="Calibri" panose="020F0502020204030204" pitchFamily="34" charset="0"/>
+                <a:cs typeface="Calibri" panose="020F0502020204030204" pitchFamily="34" charset="0"/>
+              </a:rPr>
+              <a:t>انجام شدن کار ( </a:t>
+            </a:r>
+            <a:r>
+              <a:rPr lang="en-US" sz="2400" b="1" dirty="0">
+                <a:latin typeface="Calibri" panose="020F0502020204030204" pitchFamily="34" charset="0"/>
+                <a:cs typeface="Calibri" panose="020F0502020204030204" pitchFamily="34" charset="0"/>
+              </a:rPr>
+              <a:t>Done</a:t>
+            </a:r>
+            <a:r>
+              <a:rPr lang="fa-IR" sz="2400" b="1" dirty="0">
+                <a:latin typeface="Calibri" panose="020F0502020204030204" pitchFamily="34" charset="0"/>
+                <a:cs typeface="Calibri" panose="020F0502020204030204" pitchFamily="34" charset="0"/>
+              </a:rPr>
+              <a:t> ) را تعریف کنید .</a:t>
+            </a:r>
+          </a:p>
+          <a:p>
+            <a:pPr marL="914400" lvl="1" indent="-457200" algn="r" rtl="1">
+              <a:lnSpc>
+                <a:spcPct val="150000"/>
+              </a:lnSpc>
+              <a:buFont typeface="Wingdings" panose="05000000000000000000" pitchFamily="2" charset="2"/>
+              <a:buChar char="ü"/>
+            </a:pPr>
+            <a:r>
+              <a:rPr lang="fa-IR" sz="2400" b="1" dirty="0">
+                <a:latin typeface="Calibri" panose="020F0502020204030204" pitchFamily="34" charset="0"/>
+                <a:cs typeface="Calibri" panose="020F0502020204030204" pitchFamily="34" charset="0"/>
+              </a:rPr>
+              <a:t>کمک کردن به دیگران </a:t>
+            </a:r>
+          </a:p>
+          <a:p>
+            <a:pPr marL="914400" lvl="1" indent="-457200" algn="r" rtl="1">
+              <a:lnSpc>
+                <a:spcPct val="150000"/>
+              </a:lnSpc>
+              <a:buFont typeface="Wingdings" panose="05000000000000000000" pitchFamily="2" charset="2"/>
+              <a:buChar char="ü"/>
+            </a:pPr>
+            <a:r>
+              <a:rPr lang="fa-IR" sz="2400" b="1" dirty="0">
+                <a:latin typeface="Calibri" panose="020F0502020204030204" pitchFamily="34" charset="0"/>
+                <a:cs typeface="Calibri" panose="020F0502020204030204" pitchFamily="34" charset="0"/>
+              </a:rPr>
+              <a:t>کمک گرفتن از دیگران </a:t>
+            </a:r>
+          </a:p>
+          <a:p>
+            <a:pPr marL="914400" lvl="1" indent="-457200" algn="r" rtl="1">
+              <a:lnSpc>
+                <a:spcPct val="150000"/>
+              </a:lnSpc>
+              <a:buFont typeface="Wingdings" panose="05000000000000000000" pitchFamily="2" charset="2"/>
+              <a:buChar char="ü"/>
+            </a:pPr>
+            <a:r>
+              <a:rPr lang="fa-IR" sz="2400" b="1" dirty="0">
+                <a:latin typeface="Calibri" panose="020F0502020204030204" pitchFamily="34" charset="0"/>
+                <a:cs typeface="Calibri" panose="020F0502020204030204" pitchFamily="34" charset="0"/>
+              </a:rPr>
+              <a:t>راهنمایی کردن دیگران </a:t>
+            </a:r>
+          </a:p>
+        </p:txBody>
+      </p:sp>
+    </p:spTree>
+    <p:extLst>
+      <p:ext uri="{BB962C8B-B14F-4D97-AF65-F5344CB8AC3E}">
+        <p14:creationId xmlns:p14="http://schemas.microsoft.com/office/powerpoint/2010/main" val="2119226195"/>
       </p:ext>
     </p:extLst>
   </p:cSld>
@@ -12219,8 +13821,8 @@
                     </a:srgbClr>
                   </a:outerShdw>
                 </a:effectLst>
-                <a:latin typeface="Adobe Arabic" panose="02040503050201020203" pitchFamily="18" charset="-78"/>
-                <a:cs typeface="Adobe Arabic" panose="02040503050201020203" pitchFamily="18" charset="-78"/>
+                <a:latin typeface="Calibri" panose="020F0502020204030204" pitchFamily="34" charset="0"/>
+                <a:cs typeface="Calibri" panose="020F0502020204030204" pitchFamily="34" charset="0"/>
               </a:rPr>
               <a:t>فصل اول : حرفه ای گری </a:t>
             </a:r>
@@ -12232,8 +13834,8 @@
                   </a:srgbClr>
                 </a:outerShdw>
               </a:effectLst>
-              <a:latin typeface="Adobe Arabic" panose="02040503050201020203" pitchFamily="18" charset="-78"/>
-              <a:cs typeface="Adobe Arabic" panose="02040503050201020203" pitchFamily="18" charset="-78"/>
+              <a:latin typeface="Calibri" panose="020F0502020204030204" pitchFamily="34" charset="0"/>
+              <a:cs typeface="Calibri" panose="020F0502020204030204" pitchFamily="34" charset="0"/>
             </a:endParaRPr>
           </a:p>
         </p:txBody>
@@ -13382,8 +14984,8 @@
             <a:pPr algn="r" rtl="1"/>
             <a:r>
               <a:rPr lang="fa-IR" sz="3600" dirty="0">
-                <a:latin typeface="Adobe Arabic" panose="02040503050201020203" pitchFamily="18" charset="-78"/>
-                <a:cs typeface="Adobe Arabic" panose="02040503050201020203" pitchFamily="18" charset="-78"/>
+                <a:latin typeface="Calibri" panose="020F0502020204030204" pitchFamily="34" charset="0"/>
+                <a:cs typeface="Calibri" panose="020F0502020204030204" pitchFamily="34" charset="0"/>
               </a:rPr>
               <a:t>در زمینه ی فنی ، اطلاعات کافی داشته باشید. </a:t>
             </a:r>
@@ -13679,8 +15281,8 @@
                     </a:srgbClr>
                   </a:outerShdw>
                 </a:effectLst>
-                <a:latin typeface="Adobe Arabic" panose="02040503050201020203" pitchFamily="18" charset="-78"/>
-                <a:cs typeface="Adobe Arabic" panose="02040503050201020203" pitchFamily="18" charset="-78"/>
+                <a:latin typeface="Calibri" panose="020F0502020204030204" pitchFamily="34" charset="0"/>
+                <a:cs typeface="Calibri" panose="020F0502020204030204" pitchFamily="34" charset="0"/>
               </a:rPr>
               <a:t>فصل اول : حرفه ای گری </a:t>
             </a:r>
@@ -13692,8 +15294,8 @@
                   </a:srgbClr>
                 </a:outerShdw>
               </a:effectLst>
-              <a:latin typeface="Adobe Arabic" panose="02040503050201020203" pitchFamily="18" charset="-78"/>
-              <a:cs typeface="Adobe Arabic" panose="02040503050201020203" pitchFamily="18" charset="-78"/>
+              <a:latin typeface="Calibri" panose="020F0502020204030204" pitchFamily="34" charset="0"/>
+              <a:cs typeface="Calibri" panose="020F0502020204030204" pitchFamily="34" charset="0"/>
             </a:endParaRPr>
           </a:p>
         </p:txBody>

--- a/The Clean Coder.pptx
+++ b/The Clean Coder.pptx
@@ -31,11 +31,38 @@
     <p:sldId id="281" r:id="rId25"/>
     <p:sldId id="282" r:id="rId26"/>
     <p:sldId id="283" r:id="rId27"/>
-    <p:sldId id="284" r:id="rId28"/>
-    <p:sldId id="285" r:id="rId29"/>
-    <p:sldId id="286" r:id="rId30"/>
-    <p:sldId id="287" r:id="rId31"/>
-    <p:sldId id="288" r:id="rId32"/>
+    <p:sldId id="289" r:id="rId28"/>
+    <p:sldId id="284" r:id="rId29"/>
+    <p:sldId id="285" r:id="rId30"/>
+    <p:sldId id="286" r:id="rId31"/>
+    <p:sldId id="287" r:id="rId32"/>
+    <p:sldId id="288" r:id="rId33"/>
+    <p:sldId id="290" r:id="rId34"/>
+    <p:sldId id="291" r:id="rId35"/>
+    <p:sldId id="292" r:id="rId36"/>
+    <p:sldId id="293" r:id="rId37"/>
+    <p:sldId id="294" r:id="rId38"/>
+    <p:sldId id="295" r:id="rId39"/>
+    <p:sldId id="296" r:id="rId40"/>
+    <p:sldId id="297" r:id="rId41"/>
+    <p:sldId id="298" r:id="rId42"/>
+    <p:sldId id="299" r:id="rId43"/>
+    <p:sldId id="300" r:id="rId44"/>
+    <p:sldId id="301" r:id="rId45"/>
+    <p:sldId id="302" r:id="rId46"/>
+    <p:sldId id="303" r:id="rId47"/>
+    <p:sldId id="310" r:id="rId48"/>
+    <p:sldId id="304" r:id="rId49"/>
+    <p:sldId id="306" r:id="rId50"/>
+    <p:sldId id="307" r:id="rId51"/>
+    <p:sldId id="308" r:id="rId52"/>
+    <p:sldId id="311" r:id="rId53"/>
+    <p:sldId id="312" r:id="rId54"/>
+    <p:sldId id="313" r:id="rId55"/>
+    <p:sldId id="314" r:id="rId56"/>
+    <p:sldId id="315" r:id="rId57"/>
+    <p:sldId id="316" r:id="rId58"/>
+    <p:sldId id="317" r:id="rId59"/>
   </p:sldIdLst>
   <p:sldSz cx="12192000" cy="6858000"/>
   <p:notesSz cx="6858000" cy="9144000"/>
@@ -430,7 +457,7 @@
             <a:fld id="{B61BEF0D-F0BB-DE4B-95CE-6DB70DBA9567}" type="datetimeFigureOut">
               <a:rPr lang="en-US" smtClean="0"/>
               <a:pPr/>
-              <a:t>2/17/2022</a:t>
+              <a:t>2/22/2022</a:t>
             </a:fld>
             <a:endParaRPr lang="en-US" dirty="0"/>
           </a:p>
@@ -750,7 +777,7 @@
             <a:fld id="{B61BEF0D-F0BB-DE4B-95CE-6DB70DBA9567}" type="datetimeFigureOut">
               <a:rPr lang="en-US" smtClean="0"/>
               <a:pPr/>
-              <a:t>2/17/2022</a:t>
+              <a:t>2/22/2022</a:t>
             </a:fld>
             <a:endParaRPr lang="en-US" dirty="0"/>
           </a:p>
@@ -1240,7 +1267,7 @@
             <a:fld id="{B61BEF0D-F0BB-DE4B-95CE-6DB70DBA9567}" type="datetimeFigureOut">
               <a:rPr lang="en-US" smtClean="0"/>
               <a:pPr/>
-              <a:t>2/17/2022</a:t>
+              <a:t>2/22/2022</a:t>
             </a:fld>
             <a:endParaRPr lang="en-US" dirty="0"/>
           </a:p>
@@ -1611,7 +1638,7 @@
             <a:fld id="{B61BEF0D-F0BB-DE4B-95CE-6DB70DBA9567}" type="datetimeFigureOut">
               <a:rPr lang="en-US" smtClean="0"/>
               <a:pPr/>
-              <a:t>2/17/2022</a:t>
+              <a:t>2/22/2022</a:t>
             </a:fld>
             <a:endParaRPr lang="en-US" dirty="0"/>
           </a:p>
@@ -1886,7 +1913,7 @@
             <a:fld id="{B61BEF0D-F0BB-DE4B-95CE-6DB70DBA9567}" type="datetimeFigureOut">
               <a:rPr lang="en-US" smtClean="0"/>
               <a:pPr/>
-              <a:t>2/17/2022</a:t>
+              <a:t>2/22/2022</a:t>
             </a:fld>
             <a:endParaRPr lang="en-US" dirty="0"/>
           </a:p>
@@ -2173,7 +2200,7 @@
             <a:fld id="{B61BEF0D-F0BB-DE4B-95CE-6DB70DBA9567}" type="datetimeFigureOut">
               <a:rPr lang="en-US" smtClean="0"/>
               <a:pPr/>
-              <a:t>2/17/2022</a:t>
+              <a:t>2/22/2022</a:t>
             </a:fld>
             <a:endParaRPr lang="en-US" dirty="0"/>
           </a:p>
@@ -2458,7 +2485,7 @@
             <a:fld id="{B61BEF0D-F0BB-DE4B-95CE-6DB70DBA9567}" type="datetimeFigureOut">
               <a:rPr lang="en-US" smtClean="0"/>
               <a:pPr/>
-              <a:t>2/17/2022</a:t>
+              <a:t>2/22/2022</a:t>
             </a:fld>
             <a:endParaRPr lang="en-US" dirty="0"/>
           </a:p>
@@ -2803,7 +2830,7 @@
             <a:fld id="{B61BEF0D-F0BB-DE4B-95CE-6DB70DBA9567}" type="datetimeFigureOut">
               <a:rPr lang="en-US" smtClean="0"/>
               <a:pPr/>
-              <a:t>2/17/2022</a:t>
+              <a:t>2/22/2022</a:t>
             </a:fld>
             <a:endParaRPr lang="en-US" dirty="0"/>
           </a:p>
@@ -3144,7 +3171,7 @@
             <a:fld id="{B61BEF0D-F0BB-DE4B-95CE-6DB70DBA9567}" type="datetimeFigureOut">
               <a:rPr lang="en-US" smtClean="0"/>
               <a:pPr/>
-              <a:t>2/17/2022</a:t>
+              <a:t>2/22/2022</a:t>
             </a:fld>
             <a:endParaRPr lang="en-US" dirty="0"/>
           </a:p>
@@ -3623,7 +3650,7 @@
             <a:fld id="{B61BEF0D-F0BB-DE4B-95CE-6DB70DBA9567}" type="datetimeFigureOut">
               <a:rPr lang="en-US" smtClean="0"/>
               <a:pPr/>
-              <a:t>2/17/2022</a:t>
+              <a:t>2/22/2022</a:t>
             </a:fld>
             <a:endParaRPr lang="en-US" dirty="0"/>
           </a:p>
@@ -3846,7 +3873,7 @@
             <a:fld id="{B61BEF0D-F0BB-DE4B-95CE-6DB70DBA9567}" type="datetimeFigureOut">
               <a:rPr lang="en-US" smtClean="0"/>
               <a:pPr/>
-              <a:t>2/17/2022</a:t>
+              <a:t>2/22/2022</a:t>
             </a:fld>
             <a:endParaRPr lang="en-US" dirty="0"/>
           </a:p>
@@ -3943,7 +3970,7 @@
             <a:fld id="{B61BEF0D-F0BB-DE4B-95CE-6DB70DBA9567}" type="datetimeFigureOut">
               <a:rPr lang="en-US" smtClean="0"/>
               <a:pPr/>
-              <a:t>2/17/2022</a:t>
+              <a:t>2/22/2022</a:t>
             </a:fld>
             <a:endParaRPr lang="en-US" dirty="0"/>
           </a:p>
@@ -4412,7 +4439,7 @@
             <a:fld id="{B61BEF0D-F0BB-DE4B-95CE-6DB70DBA9567}" type="datetimeFigureOut">
               <a:rPr lang="en-US" smtClean="0"/>
               <a:pPr/>
-              <a:t>2/17/2022</a:t>
+              <a:t>2/22/2022</a:t>
             </a:fld>
             <a:endParaRPr lang="en-US" dirty="0"/>
           </a:p>
@@ -4727,7 +4754,7 @@
             <a:fld id="{B61BEF0D-F0BB-DE4B-95CE-6DB70DBA9567}" type="datetimeFigureOut">
               <a:rPr lang="en-US" smtClean="0"/>
               <a:pPr/>
-              <a:t>2/17/2022</a:t>
+              <a:t>2/22/2022</a:t>
             </a:fld>
             <a:endParaRPr lang="en-US" dirty="0"/>
           </a:p>
@@ -4999,7 +5026,7 @@
             <a:fld id="{B61BEF0D-F0BB-DE4B-95CE-6DB70DBA9567}" type="datetimeFigureOut">
               <a:rPr lang="en-US" smtClean="0"/>
               <a:pPr/>
-              <a:t>2/17/2022</a:t>
+              <a:t>2/22/2022</a:t>
             </a:fld>
             <a:endParaRPr lang="en-US" dirty="0"/>
           </a:p>
@@ -5491,8 +5518,8 @@
         </p:nvSpPr>
         <p:spPr>
           <a:xfrm>
-            <a:off x="4010244" y="2193951"/>
-            <a:ext cx="4046077" cy="434974"/>
+            <a:off x="3522518" y="2193951"/>
+            <a:ext cx="4533803" cy="434974"/>
           </a:xfrm>
         </p:spPr>
         <p:txBody>
@@ -5503,7 +5530,7 @@
           <a:p>
             <a:pPr algn="ctr"/>
             <a:r>
-              <a:rPr lang="en-US" sz="2800" dirty="0">
+              <a:rPr lang="en-US" sz="2000" dirty="0">
                 <a:ln w="0"/>
                 <a:solidFill>
                   <a:schemeClr val="bg1"/>
@@ -5563,7 +5590,7 @@
         </p:nvSpPr>
         <p:spPr>
           <a:xfrm>
-            <a:off x="2463116" y="3029904"/>
+            <a:off x="2400399" y="2737516"/>
             <a:ext cx="7265767" cy="1446550"/>
           </a:xfrm>
           <a:prstGeom prst="rect">
@@ -5670,8 +5697,8 @@
         </p:nvSpPr>
         <p:spPr>
           <a:xfrm>
-            <a:off x="4457569" y="4292658"/>
-            <a:ext cx="3276859" cy="584775"/>
+            <a:off x="5298145" y="5282418"/>
+            <a:ext cx="1470274" cy="646331"/>
           </a:xfrm>
           <a:prstGeom prst="rect">
             <a:avLst/>
@@ -5684,11 +5711,8 @@
           <a:lstStyle/>
           <a:p>
             <a:r>
-              <a:rPr lang="fa-IR" sz="3200" b="1" spc="50" dirty="0">
+              <a:rPr lang="fa-IR" sz="3600" b="1" spc="50" dirty="0">
                 <a:ln w="0"/>
-                <a:solidFill>
-                  <a:schemeClr val="bg2"/>
-                </a:solidFill>
                 <a:effectLst>
                   <a:innerShdw blurRad="63500" dist="50800" dir="13500000">
                     <a:srgbClr val="000000">
@@ -5699,13 +5723,10 @@
                 <a:latin typeface="Calibri" panose="020F0502020204030204" pitchFamily="34" charset="0"/>
                 <a:cs typeface="Calibri" panose="020F0502020204030204" pitchFamily="34" charset="0"/>
               </a:rPr>
-              <a:t>ارائه دهنده : رضا پویا</a:t>
+              <a:t>رضا پویا</a:t>
             </a:r>
             <a:endParaRPr lang="en-US" sz="3200" b="1" spc="50" dirty="0">
               <a:ln w="0"/>
-              <a:solidFill>
-                <a:schemeClr val="bg2"/>
-              </a:solidFill>
               <a:effectLst>
                 <a:innerShdw blurRad="63500" dist="50800" dir="13500000">
                   <a:srgbClr val="000000">
@@ -9110,7 +9131,7 @@
         <p:spPr>
           <a:xfrm>
             <a:off x="406400" y="2934485"/>
-            <a:ext cx="10904350" cy="2246769"/>
+            <a:ext cx="10904350" cy="2805063"/>
           </a:xfrm>
           <a:prstGeom prst="rect">
             <a:avLst/>
@@ -9124,11 +9145,14 @@
           <a:lstStyle/>
           <a:p>
             <a:pPr marL="457200" indent="-457200" algn="just" rtl="1">
+              <a:lnSpc>
+                <a:spcPct val="150000"/>
+              </a:lnSpc>
               <a:buFont typeface="Wingdings" panose="05000000000000000000" pitchFamily="2" charset="2"/>
               <a:buChar char="ü"/>
             </a:pPr>
             <a:r>
-              <a:rPr lang="fa-IR" sz="2800" dirty="0">
+              <a:rPr lang="fa-IR" sz="2400" b="1" dirty="0">
                 <a:latin typeface="Calibri" panose="020F0502020204030204" pitchFamily="34" charset="0"/>
                 <a:cs typeface="Calibri" panose="020F0502020204030204" pitchFamily="34" charset="0"/>
               </a:rPr>
@@ -9137,11 +9161,14 @@
           </a:p>
           <a:p>
             <a:pPr marL="457200" indent="-457200" algn="just" rtl="1">
+              <a:lnSpc>
+                <a:spcPct val="150000"/>
+              </a:lnSpc>
               <a:buFont typeface="Wingdings" panose="05000000000000000000" pitchFamily="2" charset="2"/>
               <a:buChar char="ü"/>
             </a:pPr>
             <a:r>
-              <a:rPr lang="fa-IR" sz="2800" dirty="0">
+              <a:rPr lang="fa-IR" sz="2400" b="1" dirty="0">
                 <a:effectLst>
                   <a:outerShdw blurRad="38100" dist="38100" dir="2700000" algn="tl">
                     <a:srgbClr val="000000">
@@ -9157,11 +9184,14 @@
           </a:p>
           <a:p>
             <a:pPr marL="457200" indent="-457200" algn="just" rtl="1">
+              <a:lnSpc>
+                <a:spcPct val="150000"/>
+              </a:lnSpc>
               <a:buFont typeface="Wingdings" panose="05000000000000000000" pitchFamily="2" charset="2"/>
               <a:buChar char="ü"/>
             </a:pPr>
             <a:r>
-              <a:rPr lang="fa-IR" sz="2800" dirty="0">
+              <a:rPr lang="fa-IR" sz="2400" b="1" dirty="0">
                 <a:effectLst>
                   <a:outerShdw blurRad="38100" dist="38100" dir="2700000" algn="tl">
                     <a:srgbClr val="000000">
@@ -10133,7 +10163,7 @@
                 <a:latin typeface="Calibri" panose="020F0502020204030204" pitchFamily="34" charset="0"/>
                 <a:cs typeface="Calibri" panose="020F0502020204030204" pitchFamily="34" charset="0"/>
               </a:rPr>
-              <a:t>نوعی بیان غیرمستقیم خصومت است مثلاً به شکل فردافکنی ( تعلل ) ، طعن ، یکدندگی ، ترشرویی ، یا انجام ندادن عمدی و چندبارهٔ وظایفی که به شخص محول شده‌است . </a:t>
+              <a:t>نوعی بیان غیرمستقیم خصومت است مثلاً به شکل فردافِکنی ( تعلل ) ، طعن ، یکدندگی ، ترشرویی ، یا انجام ندادن عمدی و چندبارهٔ وظایفی که به شخص محول شده‌است . </a:t>
             </a:r>
           </a:p>
           <a:p>
@@ -11374,157 +11404,36 @@
           </a:p>
         </p:txBody>
       </p:sp>
-      <p:sp>
-        <p:nvSpPr>
-          <p:cNvPr id="4" name="TextBox 3"/>
-          <p:cNvSpPr txBox="1"/>
+      <p:pic>
+        <p:nvPicPr>
+          <p:cNvPr id="5" name="Picture 4">
+            <a:extLst>
+              <a:ext uri="{FF2B5EF4-FFF2-40B4-BE49-F238E27FC236}">
+                <a16:creationId xmlns:a16="http://schemas.microsoft.com/office/drawing/2014/main" id="{56CBA61B-3C48-4D83-9FF6-61C842D38C06}"/>
+              </a:ext>
+            </a:extLst>
+          </p:cNvPr>
+          <p:cNvPicPr>
+            <a:picLocks noChangeAspect="1"/>
+          </p:cNvPicPr>
           <p:nvPr/>
-        </p:nvSpPr>
+        </p:nvPicPr>
+        <p:blipFill>
+          <a:blip r:embed="rId2"/>
+          <a:stretch>
+            <a:fillRect/>
+          </a:stretch>
+        </p:blipFill>
         <p:spPr>
           <a:xfrm>
-            <a:off x="711200" y="2239263"/>
-            <a:ext cx="11010900" cy="1384995"/>
+            <a:off x="381000" y="2752901"/>
+            <a:ext cx="5766955" cy="3728861"/>
           </a:xfrm>
           <a:prstGeom prst="rect">
             <a:avLst/>
           </a:prstGeom>
-          <a:noFill/>
         </p:spPr>
-        <p:txBody>
-          <a:bodyPr wrap="square" rtlCol="0">
-            <a:spAutoFit/>
-          </a:bodyPr>
-          <a:lstStyle/>
-          <a:p>
-            <a:pPr algn="r" rtl="1"/>
-            <a:r>
-              <a:rPr lang="fa-IR" sz="2800" b="1" dirty="0">
-                <a:latin typeface="Calibri" panose="020F0502020204030204" pitchFamily="34" charset="0"/>
-                <a:cs typeface="Calibri" panose="020F0502020204030204" pitchFamily="34" charset="0"/>
-              </a:rPr>
-              <a:t>کد زنی فرایندی ذهنی و چالش برانگیز و فرسوده کننده است که نیاز به سطحی از تمرکز دارد که کارهای کمی با آن برابری می کنند.</a:t>
-            </a:r>
-          </a:p>
-          <a:p>
-            <a:pPr algn="r" rtl="1"/>
-            <a:endParaRPr lang="en-US" sz="2800" dirty="0">
-              <a:latin typeface="Calibri" panose="020F0502020204030204" pitchFamily="34" charset="0"/>
-              <a:cs typeface="Calibri" panose="020F0502020204030204" pitchFamily="34" charset="0"/>
-            </a:endParaRPr>
-          </a:p>
-        </p:txBody>
-      </p:sp>
-      <p:sp>
-        <p:nvSpPr>
-          <p:cNvPr id="11" name="TextBox 10">
-            <a:extLst>
-              <a:ext uri="{FF2B5EF4-FFF2-40B4-BE49-F238E27FC236}">
-                <a16:creationId xmlns:a16="http://schemas.microsoft.com/office/drawing/2014/main" id="{ACA58C7E-C836-4E66-A88E-CB3EF184A613}"/>
-              </a:ext>
-            </a:extLst>
-          </p:cNvPr>
-          <p:cNvSpPr txBox="1"/>
-          <p:nvPr/>
-        </p:nvSpPr>
-        <p:spPr>
-          <a:xfrm>
-            <a:off x="155864" y="3429000"/>
-            <a:ext cx="11566236" cy="2805063"/>
-          </a:xfrm>
-          <a:prstGeom prst="rect">
-            <a:avLst/>
-          </a:prstGeom>
-          <a:noFill/>
-        </p:spPr>
-        <p:txBody>
-          <a:bodyPr wrap="square" rtlCol="0">
-            <a:spAutoFit/>
-          </a:bodyPr>
-          <a:lstStyle/>
-          <a:p>
-            <a:pPr algn="r" rtl="1">
-              <a:lnSpc>
-                <a:spcPct val="150000"/>
-              </a:lnSpc>
-            </a:pPr>
-            <a:r>
-              <a:rPr lang="fa-IR" sz="2400" b="1" i="1" dirty="0">
-                <a:latin typeface="Calibri" panose="020F0502020204030204" pitchFamily="34" charset="0"/>
-                <a:cs typeface="Calibri" panose="020F0502020204030204" pitchFamily="34" charset="0"/>
-              </a:rPr>
-              <a:t>کد شما باید :</a:t>
-            </a:r>
-          </a:p>
-          <a:p>
-            <a:pPr marL="914400" lvl="1" indent="-457200" algn="r" rtl="1">
-              <a:lnSpc>
-                <a:spcPct val="150000"/>
-              </a:lnSpc>
-              <a:buFont typeface="Wingdings" panose="05000000000000000000" pitchFamily="2" charset="2"/>
-              <a:buChar char="ü"/>
-            </a:pPr>
-            <a:r>
-              <a:rPr lang="fa-IR" sz="2400" b="1" dirty="0">
-                <a:latin typeface="Calibri" panose="020F0502020204030204" pitchFamily="34" charset="0"/>
-                <a:cs typeface="Calibri" panose="020F0502020204030204" pitchFamily="34" charset="0"/>
-              </a:rPr>
-              <a:t>باید کار کند. </a:t>
-            </a:r>
-          </a:p>
-          <a:p>
-            <a:pPr marL="914400" lvl="1" indent="-457200" algn="r" rtl="1">
-              <a:lnSpc>
-                <a:spcPct val="150000"/>
-              </a:lnSpc>
-              <a:buFont typeface="Wingdings" panose="05000000000000000000" pitchFamily="2" charset="2"/>
-              <a:buChar char="ü"/>
-            </a:pPr>
-            <a:r>
-              <a:rPr lang="fa-IR" sz="2400" b="1" dirty="0">
-                <a:latin typeface="Calibri" panose="020F0502020204030204" pitchFamily="34" charset="0"/>
-                <a:cs typeface="Calibri" panose="020F0502020204030204" pitchFamily="34" charset="0"/>
-              </a:rPr>
-              <a:t>باید مشکلات واقعی مشتری را حل کند نه آنچه او فکر می کند به آن نیاز دارد ( مذاکره کنیم ) </a:t>
-            </a:r>
-          </a:p>
-          <a:p>
-            <a:pPr marL="914400" lvl="1" indent="-457200" algn="r" rtl="1">
-              <a:lnSpc>
-                <a:spcPct val="150000"/>
-              </a:lnSpc>
-              <a:buFont typeface="Wingdings" panose="05000000000000000000" pitchFamily="2" charset="2"/>
-              <a:buChar char="ü"/>
-            </a:pPr>
-            <a:r>
-              <a:rPr lang="fa-IR" sz="2400" b="1" dirty="0">
-                <a:latin typeface="Calibri" panose="020F0502020204030204" pitchFamily="34" charset="0"/>
-                <a:cs typeface="Calibri" panose="020F0502020204030204" pitchFamily="34" charset="0"/>
-              </a:rPr>
-              <a:t>باید درون سیستم فعلی بنشیند با سیستم فعلی کار کند.</a:t>
-            </a:r>
-          </a:p>
-          <a:p>
-            <a:pPr marL="914400" lvl="1" indent="-457200" algn="r" rtl="1">
-              <a:lnSpc>
-                <a:spcPct val="150000"/>
-              </a:lnSpc>
-              <a:buFont typeface="Wingdings" panose="05000000000000000000" pitchFamily="2" charset="2"/>
-              <a:buChar char="ü"/>
-            </a:pPr>
-            <a:r>
-              <a:rPr lang="fa-IR" sz="2400" b="1" dirty="0">
-                <a:latin typeface="Calibri" panose="020F0502020204030204" pitchFamily="34" charset="0"/>
-                <a:cs typeface="Calibri" panose="020F0502020204030204" pitchFamily="34" charset="0"/>
-              </a:rPr>
-              <a:t>باید توسط سایر برنامه نویس ها قابل خواندن باشند.</a:t>
-            </a:r>
-            <a:endParaRPr lang="en-US" sz="2400" b="1" dirty="0">
-              <a:latin typeface="Calibri" panose="020F0502020204030204" pitchFamily="34" charset="0"/>
-              <a:cs typeface="Calibri" panose="020F0502020204030204" pitchFamily="34" charset="0"/>
-            </a:endParaRPr>
-          </a:p>
-        </p:txBody>
-      </p:sp>
+      </p:pic>
     </p:spTree>
     <p:extLst>
       <p:ext uri="{BB962C8B-B14F-4D97-AF65-F5344CB8AC3E}">
@@ -11606,6 +11515,46 @@
       </p:sp>
       <p:sp>
         <p:nvSpPr>
+          <p:cNvPr id="4" name="TextBox 3"/>
+          <p:cNvSpPr txBox="1"/>
+          <p:nvPr/>
+        </p:nvSpPr>
+        <p:spPr>
+          <a:xfrm>
+            <a:off x="711200" y="2239263"/>
+            <a:ext cx="11010900" cy="1384995"/>
+          </a:xfrm>
+          <a:prstGeom prst="rect">
+            <a:avLst/>
+          </a:prstGeom>
+          <a:noFill/>
+        </p:spPr>
+        <p:txBody>
+          <a:bodyPr wrap="square" rtlCol="0">
+            <a:spAutoFit/>
+          </a:bodyPr>
+          <a:lstStyle/>
+          <a:p>
+            <a:pPr algn="r" rtl="1"/>
+            <a:r>
+              <a:rPr lang="fa-IR" sz="2800" b="1" dirty="0">
+                <a:latin typeface="Calibri" panose="020F0502020204030204" pitchFamily="34" charset="0"/>
+                <a:cs typeface="Calibri" panose="020F0502020204030204" pitchFamily="34" charset="0"/>
+              </a:rPr>
+              <a:t>کد زنی فرایندی ذهنی و چالش برانگیز و فرسوده کننده است که نیاز به سطحی از تمرکز دارد که کارهای کمی با آن برابری می کنند.</a:t>
+            </a:r>
+          </a:p>
+          <a:p>
+            <a:pPr algn="r" rtl="1"/>
+            <a:endParaRPr lang="en-US" sz="2800" dirty="0">
+              <a:latin typeface="Calibri" panose="020F0502020204030204" pitchFamily="34" charset="0"/>
+              <a:cs typeface="Calibri" panose="020F0502020204030204" pitchFamily="34" charset="0"/>
+            </a:endParaRPr>
+          </a:p>
+        </p:txBody>
+      </p:sp>
+      <p:sp>
+        <p:nvSpPr>
           <p:cNvPr id="11" name="TextBox 10">
             <a:extLst>
               <a:ext uri="{FF2B5EF4-FFF2-40B4-BE49-F238E27FC236}">
@@ -11618,8 +11567,8 @@
         </p:nvSpPr>
         <p:spPr>
           <a:xfrm>
-            <a:off x="155864" y="2026468"/>
-            <a:ext cx="11566236" cy="4467057"/>
+            <a:off x="155864" y="3429000"/>
+            <a:ext cx="11566236" cy="2805063"/>
           </a:xfrm>
           <a:prstGeom prst="rect">
             <a:avLst/>
@@ -11642,7 +11591,7 @@
                 <a:latin typeface="Calibri" panose="020F0502020204030204" pitchFamily="34" charset="0"/>
                 <a:cs typeface="Calibri" panose="020F0502020204030204" pitchFamily="34" charset="0"/>
               </a:rPr>
-              <a:t>نکاتی که باید در نظر بگیرید:</a:t>
+              <a:t>کد شما باید :</a:t>
             </a:r>
           </a:p>
           <a:p>
@@ -11658,7 +11607,7 @@
                 <a:latin typeface="Calibri" panose="020F0502020204030204" pitchFamily="34" charset="0"/>
                 <a:cs typeface="Calibri" panose="020F0502020204030204" pitchFamily="34" charset="0"/>
               </a:rPr>
-              <a:t>اگر خسته اید یا تمرکز ندارید، کد نزنید ؛ چون مجبور می شوید با هزینه ی بیشتری آنها را اصلاح کنید.</a:t>
+              <a:t>باید کار کند. </a:t>
             </a:r>
           </a:p>
           <a:p>
@@ -11674,7 +11623,7 @@
                 <a:latin typeface="Calibri" panose="020F0502020204030204" pitchFamily="34" charset="0"/>
                 <a:cs typeface="Calibri" panose="020F0502020204030204" pitchFamily="34" charset="0"/>
               </a:rPr>
-              <a:t>کدهای نیمه شب ، باگ های پایدار می شوند.</a:t>
+              <a:t>باید مشکلات واقعی مشتری را حل کند نه آنچه او فکر می کند به آن نیاز دارد ( مذاکره کنیم ) </a:t>
             </a:r>
           </a:p>
           <a:p>
@@ -11690,7 +11639,7 @@
                 <a:latin typeface="Calibri" panose="020F0502020204030204" pitchFamily="34" charset="0"/>
                 <a:cs typeface="Calibri" panose="020F0502020204030204" pitchFamily="34" charset="0"/>
               </a:rPr>
-              <a:t>مواظب کد زنی در زمان ناراحتی و نگرانی باشید. ( می توانید تقسیم زمانی کنید ، نگرانی – کار ) </a:t>
+              <a:t>باید درون سیستم فعلی بنشیند با سیستم فعلی کار کند.</a:t>
             </a:r>
           </a:p>
           <a:p>
@@ -11702,80 +11651,13 @@
               <a:buChar char="ü"/>
             </a:pPr>
             <a:r>
-              <a:rPr lang="en-US" sz="2400" b="1" dirty="0">
-                <a:latin typeface="Calibri" panose="020F0502020204030204" pitchFamily="34" charset="0"/>
-                <a:cs typeface="Calibri" panose="020F0502020204030204" pitchFamily="34" charset="0"/>
-              </a:rPr>
-              <a:t>The Flow Zone</a:t>
-            </a:r>
-            <a:r>
               <a:rPr lang="fa-IR" sz="2400" b="1" dirty="0">
                 <a:latin typeface="Calibri" panose="020F0502020204030204" pitchFamily="34" charset="0"/>
                 <a:cs typeface="Calibri" panose="020F0502020204030204" pitchFamily="34" charset="0"/>
               </a:rPr>
-              <a:t> : از این حالت دوری کنید ؛ هر چند کد بیشتری می زنید ولی تصویر بزرگتر را فراموش می کنید.</a:t>
-            </a:r>
-          </a:p>
-          <a:p>
-            <a:pPr marL="914400" lvl="1" indent="-457200" algn="r" rtl="1">
-              <a:lnSpc>
-                <a:spcPct val="150000"/>
-              </a:lnSpc>
-              <a:buFont typeface="Wingdings" panose="05000000000000000000" pitchFamily="2" charset="2"/>
-              <a:buChar char="ü"/>
-            </a:pPr>
-            <a:r>
-              <a:rPr lang="en-US" sz="2400" b="1" dirty="0">
-                <a:latin typeface="Calibri" panose="020F0502020204030204" pitchFamily="34" charset="0"/>
-                <a:cs typeface="Calibri" panose="020F0502020204030204" pitchFamily="34" charset="0"/>
-              </a:rPr>
-              <a:t>Pair Programing</a:t>
-            </a:r>
-            <a:r>
-              <a:rPr lang="fa-IR" sz="2400" b="1" dirty="0">
-                <a:latin typeface="Calibri" panose="020F0502020204030204" pitchFamily="34" charset="0"/>
-                <a:cs typeface="Calibri" panose="020F0502020204030204" pitchFamily="34" charset="0"/>
-              </a:rPr>
-              <a:t> کنید.</a:t>
-            </a:r>
-          </a:p>
-          <a:p>
-            <a:pPr marL="914400" lvl="1" indent="-457200" algn="r" rtl="1">
-              <a:lnSpc>
-                <a:spcPct val="150000"/>
-              </a:lnSpc>
-              <a:buFont typeface="Wingdings" panose="05000000000000000000" pitchFamily="2" charset="2"/>
-              <a:buChar char="ü"/>
-            </a:pPr>
-            <a:r>
-              <a:rPr lang="fa-IR" sz="2400" b="1" dirty="0">
-                <a:latin typeface="Calibri" panose="020F0502020204030204" pitchFamily="34" charset="0"/>
-                <a:cs typeface="Calibri" panose="020F0502020204030204" pitchFamily="34" charset="0"/>
-              </a:rPr>
-              <a:t>موسیقی ، </a:t>
-            </a:r>
-            <a:r>
-              <a:rPr lang="fa-IR" b="1" i="1" dirty="0">
-                <a:latin typeface="Calibri" panose="020F0502020204030204" pitchFamily="34" charset="0"/>
-                <a:cs typeface="Calibri" panose="020F0502020204030204" pitchFamily="34" charset="0"/>
-              </a:rPr>
-              <a:t>به رفتن به </a:t>
-            </a:r>
-            <a:r>
-              <a:rPr lang="en-US" b="1" i="1" dirty="0">
-                <a:latin typeface="Calibri" panose="020F0502020204030204" pitchFamily="34" charset="0"/>
-                <a:cs typeface="Calibri" panose="020F0502020204030204" pitchFamily="34" charset="0"/>
-              </a:rPr>
-              <a:t>The Flow Zone</a:t>
-            </a:r>
-            <a:r>
-              <a:rPr lang="fa-IR" b="1" i="1" dirty="0">
-                <a:latin typeface="Calibri" panose="020F0502020204030204" pitchFamily="34" charset="0"/>
-                <a:cs typeface="Calibri" panose="020F0502020204030204" pitchFamily="34" charset="0"/>
-              </a:rPr>
-              <a:t> کمک می کند.</a:t>
-            </a:r>
-            <a:endParaRPr lang="en-US" b="1" i="1" dirty="0">
+              <a:t>باید توسط سایر برنامه نویس ها قابل خواندن باشند.</a:t>
+            </a:r>
+            <a:endParaRPr lang="en-US" sz="2400" b="1" dirty="0">
               <a:latin typeface="Calibri" panose="020F0502020204030204" pitchFamily="34" charset="0"/>
               <a:cs typeface="Calibri" panose="020F0502020204030204" pitchFamily="34" charset="0"/>
             </a:endParaRPr>
@@ -11785,7 +11667,7 @@
     </p:spTree>
     <p:extLst>
       <p:ext uri="{BB962C8B-B14F-4D97-AF65-F5344CB8AC3E}">
-        <p14:creationId xmlns:p14="http://schemas.microsoft.com/office/powerpoint/2010/main" val="3141049391"/>
+        <p14:creationId xmlns:p14="http://schemas.microsoft.com/office/powerpoint/2010/main" val="857932736"/>
       </p:ext>
     </p:extLst>
   </p:cSld>
@@ -11876,7 +11758,7 @@
         <p:spPr>
           <a:xfrm>
             <a:off x="155864" y="2026468"/>
-            <a:ext cx="11566236" cy="4605556"/>
+            <a:ext cx="11566236" cy="4467057"/>
           </a:xfrm>
           <a:prstGeom prst="rect">
             <a:avLst/>
@@ -11915,76 +11797,7 @@
                 <a:latin typeface="Calibri" panose="020F0502020204030204" pitchFamily="34" charset="0"/>
                 <a:cs typeface="Calibri" panose="020F0502020204030204" pitchFamily="34" charset="0"/>
               </a:rPr>
-              <a:t>وقفه ها :</a:t>
-            </a:r>
-          </a:p>
-          <a:p>
-            <a:pPr marL="1371600" lvl="2" indent="-457200" algn="r" rtl="1">
-              <a:lnSpc>
-                <a:spcPct val="150000"/>
-              </a:lnSpc>
-              <a:buFont typeface="Wingdings" panose="05000000000000000000" pitchFamily="2" charset="2"/>
-              <a:buChar char="ü"/>
-            </a:pPr>
-            <a:r>
-              <a:rPr lang="fa-IR" b="1" i="1" dirty="0">
-                <a:latin typeface="Calibri" panose="020F0502020204030204" pitchFamily="34" charset="0"/>
-                <a:cs typeface="Calibri" panose="020F0502020204030204" pitchFamily="34" charset="0"/>
-              </a:rPr>
-              <a:t>می توانید </a:t>
-            </a:r>
-            <a:r>
-              <a:rPr lang="en-US" b="1" i="1" dirty="0">
-                <a:latin typeface="Calibri" panose="020F0502020204030204" pitchFamily="34" charset="0"/>
-                <a:cs typeface="Calibri" panose="020F0502020204030204" pitchFamily="34" charset="0"/>
-              </a:rPr>
-              <a:t>Pair Programing</a:t>
-            </a:r>
-            <a:r>
-              <a:rPr lang="fa-IR" b="1" i="1" dirty="0">
-                <a:latin typeface="Calibri" panose="020F0502020204030204" pitchFamily="34" charset="0"/>
-                <a:cs typeface="Calibri" panose="020F0502020204030204" pitchFamily="34" charset="0"/>
-              </a:rPr>
-              <a:t> کنید.</a:t>
-            </a:r>
-          </a:p>
-          <a:p>
-            <a:pPr marL="1371600" lvl="2" indent="-457200" algn="r" rtl="1">
-              <a:lnSpc>
-                <a:spcPct val="150000"/>
-              </a:lnSpc>
-              <a:buFont typeface="Wingdings" panose="05000000000000000000" pitchFamily="2" charset="2"/>
-              <a:buChar char="ü"/>
-            </a:pPr>
-            <a:r>
-              <a:rPr lang="en-US" b="1" i="1" dirty="0">
-                <a:latin typeface="Calibri" panose="020F0502020204030204" pitchFamily="34" charset="0"/>
-                <a:cs typeface="Calibri" panose="020F0502020204030204" pitchFamily="34" charset="0"/>
-              </a:rPr>
-              <a:t>TDD</a:t>
-            </a:r>
-            <a:r>
-              <a:rPr lang="fa-IR" b="1" i="1" dirty="0">
-                <a:latin typeface="Calibri" panose="020F0502020204030204" pitchFamily="34" charset="0"/>
-                <a:cs typeface="Calibri" panose="020F0502020204030204" pitchFamily="34" charset="0"/>
-              </a:rPr>
-              <a:t> می تواند به شما کمک کند.</a:t>
-            </a:r>
-          </a:p>
-          <a:p>
-            <a:pPr marL="1371600" lvl="2" indent="-457200" algn="r" rtl="1">
-              <a:lnSpc>
-                <a:spcPct val="150000"/>
-              </a:lnSpc>
-              <a:buFont typeface="Wingdings" panose="05000000000000000000" pitchFamily="2" charset="2"/>
-              <a:buChar char="ü"/>
-            </a:pPr>
-            <a:r>
-              <a:rPr lang="fa-IR" b="1" i="1" dirty="0">
-                <a:latin typeface="Calibri" panose="020F0502020204030204" pitchFamily="34" charset="0"/>
-                <a:cs typeface="Calibri" panose="020F0502020204030204" pitchFamily="34" charset="0"/>
-              </a:rPr>
-              <a:t>به عنوان یک حرفه ای باید به صورت مودبانه حاضر باشید به دیگران کمک کنید.</a:t>
+              <a:t>اگر خسته اید یا تمرکز ندارید، کد نزنید ؛ چون مجبور می شوید با هزینه ی بیشتری آنها را اصلاح کنید.</a:t>
             </a:r>
           </a:p>
           <a:p>
@@ -12000,7 +11813,7 @@
                 <a:latin typeface="Calibri" panose="020F0502020204030204" pitchFamily="34" charset="0"/>
                 <a:cs typeface="Calibri" panose="020F0502020204030204" pitchFamily="34" charset="0"/>
               </a:rPr>
-              <a:t>خلاقیت خود را تقویت کنید. </a:t>
+              <a:t>کدهای نیمه شب ، باگ های پایدار می شوند.</a:t>
             </a:r>
           </a:p>
           <a:p>
@@ -12016,21 +11829,7 @@
                 <a:latin typeface="Calibri" panose="020F0502020204030204" pitchFamily="34" charset="0"/>
                 <a:cs typeface="Calibri" panose="020F0502020204030204" pitchFamily="34" charset="0"/>
               </a:rPr>
-              <a:t>زمان دیباگ کردن را هم جزء کدنویسی حساب کنید. ( </a:t>
-            </a:r>
-            <a:r>
-              <a:rPr lang="en-US" sz="2400" b="1" dirty="0">
-                <a:latin typeface="Calibri" panose="020F0502020204030204" pitchFamily="34" charset="0"/>
-                <a:cs typeface="Calibri" panose="020F0502020204030204" pitchFamily="34" charset="0"/>
-              </a:rPr>
-              <a:t>TDD</a:t>
-            </a:r>
-            <a:r>
-              <a:rPr lang="fa-IR" sz="2400" b="1" dirty="0">
-                <a:latin typeface="Calibri" panose="020F0502020204030204" pitchFamily="34" charset="0"/>
-                <a:cs typeface="Calibri" panose="020F0502020204030204" pitchFamily="34" charset="0"/>
-              </a:rPr>
-              <a:t> می تواند کمک زیادی کند ) </a:t>
+              <a:t>مواظب کد زنی در زمان ناراحتی و نگرانی باشید. ( می توانید تقسیم زمانی کنید ، نگرانی – کار ) </a:t>
             </a:r>
           </a:p>
           <a:p>
@@ -12042,11 +11841,44 @@
               <a:buChar char="ü"/>
             </a:pPr>
             <a:r>
+              <a:rPr lang="en-US" sz="2400" b="1" dirty="0">
+                <a:latin typeface="Calibri" panose="020F0502020204030204" pitchFamily="34" charset="0"/>
+                <a:cs typeface="Calibri" panose="020F0502020204030204" pitchFamily="34" charset="0"/>
+              </a:rPr>
+              <a:t>The Flow Zone</a:t>
+            </a:r>
+            <a:r>
               <a:rPr lang="fa-IR" sz="2400" b="1" dirty="0">
                 <a:latin typeface="Calibri" panose="020F0502020204030204" pitchFamily="34" charset="0"/>
                 <a:cs typeface="Calibri" panose="020F0502020204030204" pitchFamily="34" charset="0"/>
               </a:rPr>
-              <a:t>آهسته و پیوسته کد بزنید ( کد نویسی مثل دوی ماراتن هست ) </a:t>
+              <a:t> : از این حالت دوری کنید ؛ در این حالت کُد </a:t>
+            </a:r>
+            <a:r>
+              <a:rPr lang="fa-IR" sz="2400" b="1" i="1" dirty="0">
+                <a:latin typeface="Calibri" panose="020F0502020204030204" pitchFamily="34" charset="0"/>
+                <a:cs typeface="Calibri" panose="020F0502020204030204" pitchFamily="34" charset="0"/>
+              </a:rPr>
+              <a:t>بیشتری</a:t>
+            </a:r>
+            <a:r>
+              <a:rPr lang="fa-IR" sz="2400" b="1" dirty="0">
+                <a:latin typeface="Calibri" panose="020F0502020204030204" pitchFamily="34" charset="0"/>
+                <a:cs typeface="Calibri" panose="020F0502020204030204" pitchFamily="34" charset="0"/>
+              </a:rPr>
+              <a:t> می زنید ولی تصویر بزرگتر را فراموش می کنید . </a:t>
+            </a:r>
+            <a:r>
+              <a:rPr lang="fa-IR" sz="2400" b="1" i="1" dirty="0">
+                <a:solidFill>
+                  <a:schemeClr val="accent2">
+                    <a:lumMod val="75000"/>
+                  </a:schemeClr>
+                </a:solidFill>
+                <a:latin typeface="Calibri" panose="020F0502020204030204" pitchFamily="34" charset="0"/>
+                <a:cs typeface="Calibri" panose="020F0502020204030204" pitchFamily="34" charset="0"/>
+              </a:rPr>
+              <a:t>( البته بعضی ها با این نظر موافق نیستند ) </a:t>
             </a:r>
           </a:p>
           <a:p>
@@ -12058,19 +11890,67 @@
               <a:buChar char="ü"/>
             </a:pPr>
             <a:r>
+              <a:rPr lang="en-US" sz="2400" b="1" dirty="0">
+                <a:latin typeface="Calibri" panose="020F0502020204030204" pitchFamily="34" charset="0"/>
+                <a:cs typeface="Calibri" panose="020F0502020204030204" pitchFamily="34" charset="0"/>
+              </a:rPr>
+              <a:t>Pair Programing</a:t>
+            </a:r>
+            <a:r>
               <a:rPr lang="fa-IR" sz="2400" b="1" dirty="0">
                 <a:latin typeface="Calibri" panose="020F0502020204030204" pitchFamily="34" charset="0"/>
                 <a:cs typeface="Calibri" panose="020F0502020204030204" pitchFamily="34" charset="0"/>
               </a:rPr>
-              <a:t>حد و حدود خودتان را بدانید.</a:t>
-            </a:r>
+              <a:t> کنید.</a:t>
+            </a:r>
+          </a:p>
+          <a:p>
+            <a:pPr marL="914400" lvl="1" indent="-457200" algn="r" rtl="1">
+              <a:lnSpc>
+                <a:spcPct val="150000"/>
+              </a:lnSpc>
+              <a:buFont typeface="Wingdings" panose="05000000000000000000" pitchFamily="2" charset="2"/>
+              <a:buChar char="ü"/>
+            </a:pPr>
+            <a:r>
+              <a:rPr lang="fa-IR" sz="2400" b="1" dirty="0">
+                <a:latin typeface="Calibri" panose="020F0502020204030204" pitchFamily="34" charset="0"/>
+                <a:cs typeface="Calibri" panose="020F0502020204030204" pitchFamily="34" charset="0"/>
+              </a:rPr>
+              <a:t>موسیقی ، </a:t>
+            </a:r>
+            <a:r>
+              <a:rPr lang="fa-IR" b="1" i="1" dirty="0">
+                <a:latin typeface="Calibri" panose="020F0502020204030204" pitchFamily="34" charset="0"/>
+                <a:cs typeface="Calibri" panose="020F0502020204030204" pitchFamily="34" charset="0"/>
+              </a:rPr>
+              <a:t>به رفتن به </a:t>
+            </a:r>
+            <a:r>
+              <a:rPr lang="en-US" b="1" i="1" dirty="0">
+                <a:latin typeface="Calibri" panose="020F0502020204030204" pitchFamily="34" charset="0"/>
+                <a:cs typeface="Calibri" panose="020F0502020204030204" pitchFamily="34" charset="0"/>
+              </a:rPr>
+              <a:t>The Flow Zone</a:t>
+            </a:r>
+            <a:r>
+              <a:rPr lang="fa-IR" b="1" i="1" dirty="0">
+                <a:latin typeface="Calibri" panose="020F0502020204030204" pitchFamily="34" charset="0"/>
+                <a:cs typeface="Calibri" panose="020F0502020204030204" pitchFamily="34" charset="0"/>
+              </a:rPr>
+              <a:t> کمک می کند.</a:t>
+            </a:r>
+            <a:endParaRPr lang="en-US" b="1" i="1" dirty="0">
+              <a:latin typeface="Calibri" panose="020F0502020204030204" pitchFamily="34" charset="0"/>
+              <a:cs typeface="Calibri" panose="020F0502020204030204" pitchFamily="34" charset="0"/>
+            </a:endParaRPr>
           </a:p>
         </p:txBody>
       </p:sp>
     </p:spTree>
     <p:extLst>
       <p:ext uri="{BB962C8B-B14F-4D97-AF65-F5344CB8AC3E}">
-        <p14:creationId xmlns:p14="http://schemas.microsoft.com/office/powerpoint/2010/main" val="2638554157"/>
+        <p14:creationId xmlns:p14="http://schemas.microsoft.com/office/powerpoint/2010/main" val="3141049391"/>
       </p:ext>
     </p:extLst>
   </p:cSld>
@@ -12161,7 +12041,7 @@
         <p:spPr>
           <a:xfrm>
             <a:off x="155864" y="2026468"/>
-            <a:ext cx="11566236" cy="4559390"/>
+            <a:ext cx="11566236" cy="4605556"/>
           </a:xfrm>
           <a:prstGeom prst="rect">
             <a:avLst/>
@@ -12200,7 +12080,7 @@
                 <a:latin typeface="Calibri" panose="020F0502020204030204" pitchFamily="34" charset="0"/>
                 <a:cs typeface="Calibri" panose="020F0502020204030204" pitchFamily="34" charset="0"/>
               </a:rPr>
-              <a:t>امید :</a:t>
+              <a:t>وقفه ها :</a:t>
             </a:r>
           </a:p>
           <a:p>
@@ -12212,11 +12092,25 @@
               <a:buChar char="ü"/>
             </a:pPr>
             <a:r>
-              <a:rPr lang="fa-IR" sz="2000" b="1" dirty="0">
-                <a:latin typeface="Calibri" panose="020F0502020204030204" pitchFamily="34" charset="0"/>
-                <a:cs typeface="Calibri" panose="020F0502020204030204" pitchFamily="34" charset="0"/>
-              </a:rPr>
-              <a:t>امید یکی از بزرگترین نابود کننده ی پروژه هاست.</a:t>
+              <a:rPr lang="fa-IR" b="1" i="1" dirty="0">
+                <a:latin typeface="Calibri" panose="020F0502020204030204" pitchFamily="34" charset="0"/>
+                <a:cs typeface="Calibri" panose="020F0502020204030204" pitchFamily="34" charset="0"/>
+              </a:rPr>
+              <a:t>می توانید </a:t>
+            </a:r>
+            <a:r>
+              <a:rPr lang="en-US" b="1" i="1" dirty="0">
+                <a:latin typeface="Calibri" panose="020F0502020204030204" pitchFamily="34" charset="0"/>
+                <a:cs typeface="Calibri" panose="020F0502020204030204" pitchFamily="34" charset="0"/>
+              </a:rPr>
+              <a:t>Pair Programing</a:t>
+            </a:r>
+            <a:r>
+              <a:rPr lang="fa-IR" b="1" i="1" dirty="0">
+                <a:latin typeface="Calibri" panose="020F0502020204030204" pitchFamily="34" charset="0"/>
+                <a:cs typeface="Calibri" panose="020F0502020204030204" pitchFamily="34" charset="0"/>
+              </a:rPr>
+              <a:t> کنید.</a:t>
             </a:r>
           </a:p>
           <a:p>
@@ -12228,11 +12122,34 @@
               <a:buChar char="ü"/>
             </a:pPr>
             <a:r>
-              <a:rPr lang="fa-IR" sz="2000" b="1" dirty="0">
-                <a:latin typeface="Calibri" panose="020F0502020204030204" pitchFamily="34" charset="0"/>
-                <a:cs typeface="Calibri" panose="020F0502020204030204" pitchFamily="34" charset="0"/>
-              </a:rPr>
-              <a:t>امید را وارد تخمین هایتان نکنید .</a:t>
+              <a:rPr lang="en-US" b="1" i="1" dirty="0">
+                <a:latin typeface="Calibri" panose="020F0502020204030204" pitchFamily="34" charset="0"/>
+                <a:cs typeface="Calibri" panose="020F0502020204030204" pitchFamily="34" charset="0"/>
+              </a:rPr>
+              <a:t>TDD</a:t>
+            </a:r>
+            <a:r>
+              <a:rPr lang="fa-IR" b="1" i="1" dirty="0">
+                <a:latin typeface="Calibri" panose="020F0502020204030204" pitchFamily="34" charset="0"/>
+                <a:cs typeface="Calibri" panose="020F0502020204030204" pitchFamily="34" charset="0"/>
+              </a:rPr>
+              <a:t> می تواند به شما کمک کند.</a:t>
+            </a:r>
+          </a:p>
+          <a:p>
+            <a:pPr marL="1371600" lvl="2" indent="-457200" algn="r" rtl="1">
+              <a:lnSpc>
+                <a:spcPct val="150000"/>
+              </a:lnSpc>
+              <a:buFont typeface="Wingdings" panose="05000000000000000000" pitchFamily="2" charset="2"/>
+              <a:buChar char="ü"/>
+            </a:pPr>
+            <a:r>
+              <a:rPr lang="fa-IR" b="1" i="1" dirty="0">
+                <a:latin typeface="Calibri" panose="020F0502020204030204" pitchFamily="34" charset="0"/>
+                <a:cs typeface="Calibri" panose="020F0502020204030204" pitchFamily="34" charset="0"/>
+              </a:rPr>
+              <a:t>به عنوان یک حرفه ای باید به صورت مودبانه حاضر باشید به دیگران کمک کنید.</a:t>
             </a:r>
           </a:p>
           <a:p>
@@ -12248,11 +12165,11 @@
                 <a:latin typeface="Calibri" panose="020F0502020204030204" pitchFamily="34" charset="0"/>
                 <a:cs typeface="Calibri" panose="020F0502020204030204" pitchFamily="34" charset="0"/>
               </a:rPr>
-              <a:t>عجله کردن :</a:t>
-            </a:r>
-          </a:p>
-          <a:p>
-            <a:pPr marL="1371600" lvl="2" indent="-457200" algn="r" rtl="1">
+              <a:t>خلاقیت خود را تقویت کنید. </a:t>
+            </a:r>
+          </a:p>
+          <a:p>
+            <a:pPr marL="914400" lvl="1" indent="-457200" algn="r" rtl="1">
               <a:lnSpc>
                 <a:spcPct val="150000"/>
               </a:lnSpc>
@@ -12260,15 +12177,29 @@
               <a:buChar char="ü"/>
             </a:pPr>
             <a:r>
-              <a:rPr lang="fa-IR" sz="2000" b="1" dirty="0">
-                <a:latin typeface="Calibri" panose="020F0502020204030204" pitchFamily="34" charset="0"/>
-                <a:cs typeface="Calibri" panose="020F0502020204030204" pitchFamily="34" charset="0"/>
-              </a:rPr>
-              <a:t>در برابر مدیریت ، تخمین های خود را نگه دارید. تخمین های اولیه معمولا  دقیقتر هستند.</a:t>
-            </a:r>
-          </a:p>
-          <a:p>
-            <a:pPr marL="1371600" lvl="2" indent="-457200" algn="r" rtl="1">
+              <a:rPr lang="fa-IR" sz="2400" b="1" dirty="0">
+                <a:latin typeface="Calibri" panose="020F0502020204030204" pitchFamily="34" charset="0"/>
+                <a:cs typeface="Calibri" panose="020F0502020204030204" pitchFamily="34" charset="0"/>
+              </a:rPr>
+              <a:t>زمان دیباگ کردن را هم جزء کدنویسی حساب کنید. ( </a:t>
+            </a:r>
+            <a:r>
+              <a:rPr lang="en-US" sz="2400" b="1" dirty="0">
+                <a:latin typeface="Calibri" panose="020F0502020204030204" pitchFamily="34" charset="0"/>
+                <a:cs typeface="Calibri" panose="020F0502020204030204" pitchFamily="34" charset="0"/>
+              </a:rPr>
+              <a:t>TDD</a:t>
+            </a:r>
+            <a:r>
+              <a:rPr lang="fa-IR" sz="2400" b="1" dirty="0">
+                <a:latin typeface="Calibri" panose="020F0502020204030204" pitchFamily="34" charset="0"/>
+                <a:cs typeface="Calibri" panose="020F0502020204030204" pitchFamily="34" charset="0"/>
+              </a:rPr>
+              <a:t> می تواند کمک زیادی کند ) </a:t>
+            </a:r>
+          </a:p>
+          <a:p>
+            <a:pPr marL="914400" lvl="1" indent="-457200" algn="r" rtl="1">
               <a:lnSpc>
                 <a:spcPct val="150000"/>
               </a:lnSpc>
@@ -12276,32 +12207,35 @@
               <a:buChar char="ü"/>
             </a:pPr>
             <a:r>
-              <a:rPr lang="fa-IR" sz="2000" b="1" dirty="0">
-                <a:latin typeface="Calibri" panose="020F0502020204030204" pitchFamily="34" charset="0"/>
-                <a:cs typeface="Calibri" panose="020F0502020204030204" pitchFamily="34" charset="0"/>
-              </a:rPr>
-              <a:t>هیچ راهی برای عجله کردن نیست ، نمی توانید کاری کنید که سریعتر کد بزنید ، سریعتر یک مشکل را حل کنید ؛ اگر سعی کنید ، فقط خودتان را کند تر می کنید.</a:t>
-            </a:r>
-          </a:p>
-          <a:p>
-            <a:pPr marL="1371600" lvl="2" indent="-457200" algn="r" rtl="1">
+              <a:rPr lang="fa-IR" sz="2400" b="1" dirty="0">
+                <a:latin typeface="Calibri" panose="020F0502020204030204" pitchFamily="34" charset="0"/>
+                <a:cs typeface="Calibri" panose="020F0502020204030204" pitchFamily="34" charset="0"/>
+              </a:rPr>
+              <a:t>آهسته و پیوسته کد بزنید ( کد نویسی مثل دوی ماراتن هست ) </a:t>
+            </a:r>
+          </a:p>
+          <a:p>
+            <a:pPr marL="914400" lvl="1" indent="-457200" algn="r" rtl="1">
               <a:lnSpc>
                 <a:spcPct val="150000"/>
               </a:lnSpc>
               <a:buFont typeface="Wingdings" panose="05000000000000000000" pitchFamily="2" charset="2"/>
               <a:buChar char="ü"/>
             </a:pPr>
-            <a:endParaRPr lang="fa-IR" sz="2400" b="1" dirty="0">
-              <a:latin typeface="Calibri" panose="020F0502020204030204" pitchFamily="34" charset="0"/>
-              <a:cs typeface="Calibri" panose="020F0502020204030204" pitchFamily="34" charset="0"/>
-            </a:endParaRPr>
+            <a:r>
+              <a:rPr lang="fa-IR" sz="2400" b="1" dirty="0">
+                <a:latin typeface="Calibri" panose="020F0502020204030204" pitchFamily="34" charset="0"/>
+                <a:cs typeface="Calibri" panose="020F0502020204030204" pitchFamily="34" charset="0"/>
+              </a:rPr>
+              <a:t>حد و حدود خودتان را بدانید.</a:t>
+            </a:r>
           </a:p>
         </p:txBody>
       </p:sp>
     </p:spTree>
     <p:extLst>
       <p:ext uri="{BB962C8B-B14F-4D97-AF65-F5344CB8AC3E}">
-        <p14:creationId xmlns:p14="http://schemas.microsoft.com/office/powerpoint/2010/main" val="3682830617"/>
+        <p14:creationId xmlns:p14="http://schemas.microsoft.com/office/powerpoint/2010/main" val="2638554157"/>
       </p:ext>
     </p:extLst>
   </p:cSld>
@@ -12673,7 +12607,7 @@
         </p:nvSpPr>
         <p:spPr>
           <a:xfrm>
-            <a:off x="155864" y="1943341"/>
+            <a:off x="155864" y="2026468"/>
             <a:ext cx="11566236" cy="4559390"/>
           </a:xfrm>
           <a:prstGeom prst="rect">
@@ -12713,7 +12647,7 @@
                 <a:latin typeface="Calibri" panose="020F0502020204030204" pitchFamily="34" charset="0"/>
                 <a:cs typeface="Calibri" panose="020F0502020204030204" pitchFamily="34" charset="0"/>
               </a:rPr>
-              <a:t>اضافه کاری :</a:t>
+              <a:t>امید :</a:t>
             </a:r>
           </a:p>
           <a:p>
@@ -12729,11 +12663,11 @@
                 <a:latin typeface="Calibri" panose="020F0502020204030204" pitchFamily="34" charset="0"/>
                 <a:cs typeface="Calibri" panose="020F0502020204030204" pitchFamily="34" charset="0"/>
               </a:rPr>
-              <a:t>بعضی اوقات لازم هستند ، ولی نباید با آن موافقت کنید مگر :</a:t>
-            </a:r>
-          </a:p>
-          <a:p>
-            <a:pPr marL="1828800" lvl="3" indent="-457200" algn="r" rtl="1">
+              <a:t>امید یکی از بزرگترین نابود کننده ی پروژه هاست.</a:t>
+            </a:r>
+          </a:p>
+          <a:p>
+            <a:pPr marL="1371600" lvl="2" indent="-457200" algn="r" rtl="1">
               <a:lnSpc>
                 <a:spcPct val="150000"/>
               </a:lnSpc>
@@ -12745,55 +12679,7 @@
                 <a:latin typeface="Calibri" panose="020F0502020204030204" pitchFamily="34" charset="0"/>
                 <a:cs typeface="Calibri" panose="020F0502020204030204" pitchFamily="34" charset="0"/>
               </a:rPr>
-              <a:t>به صورت شخصی بتوانید برای آن وقت بگذارید. </a:t>
-            </a:r>
-          </a:p>
-          <a:p>
-            <a:pPr marL="1828800" lvl="3" indent="-457200" algn="r" rtl="1">
-              <a:lnSpc>
-                <a:spcPct val="150000"/>
-              </a:lnSpc>
-              <a:buFont typeface="Wingdings" panose="05000000000000000000" pitchFamily="2" charset="2"/>
-              <a:buChar char="ü"/>
-            </a:pPr>
-            <a:r>
-              <a:rPr lang="fa-IR" sz="2000" b="1" dirty="0">
-                <a:latin typeface="Calibri" panose="020F0502020204030204" pitchFamily="34" charset="0"/>
-                <a:cs typeface="Calibri" panose="020F0502020204030204" pitchFamily="34" charset="0"/>
-              </a:rPr>
-              <a:t>کوتاه مدت باشد . </a:t>
-            </a:r>
-          </a:p>
-          <a:p>
-            <a:pPr marL="1828800" lvl="3" indent="-457200" algn="r" rtl="1">
-              <a:lnSpc>
-                <a:spcPct val="150000"/>
-              </a:lnSpc>
-              <a:buFont typeface="Wingdings" panose="05000000000000000000" pitchFamily="2" charset="2"/>
-              <a:buChar char="ü"/>
-            </a:pPr>
-            <a:r>
-              <a:rPr lang="fa-IR" sz="2000" b="1" dirty="0">
-                <a:latin typeface="Calibri" panose="020F0502020204030204" pitchFamily="34" charset="0"/>
-                <a:cs typeface="Calibri" panose="020F0502020204030204" pitchFamily="34" charset="0"/>
-              </a:rPr>
-              <a:t>مدیریتان یک نقشه برای زمان شکست خوردن اضافه کاری داشته باشد . </a:t>
-            </a:r>
-          </a:p>
-          <a:p>
-            <a:pPr marL="1828800" lvl="3" indent="-457200" algn="r" rtl="1">
-              <a:lnSpc>
-                <a:spcPct val="150000"/>
-              </a:lnSpc>
-              <a:buFont typeface="Wingdings" panose="05000000000000000000" pitchFamily="2" charset="2"/>
-              <a:buChar char="ü"/>
-            </a:pPr>
-            <a:r>
-              <a:rPr lang="fa-IR" sz="2000" b="1" dirty="0">
-                <a:latin typeface="Calibri" panose="020F0502020204030204" pitchFamily="34" charset="0"/>
-                <a:cs typeface="Calibri" panose="020F0502020204030204" pitchFamily="34" charset="0"/>
-              </a:rPr>
-              <a:t>پس از پایان اضافه کاری ، به همان مدت استراحت کنید .</a:t>
+              <a:t>امید را وارد تخمین هایتان نکنید .</a:t>
             </a:r>
           </a:p>
           <a:p>
@@ -12805,18 +12691,11 @@
               <a:buChar char="ü"/>
             </a:pPr>
             <a:r>
-              <a:rPr lang="en-US" sz="2400" b="1" dirty="0">
-                <a:latin typeface="Calibri" panose="020F0502020204030204" pitchFamily="34" charset="0"/>
-                <a:cs typeface="Calibri" panose="020F0502020204030204" pitchFamily="34" charset="0"/>
-              </a:rPr>
-              <a:t>False Delivery</a:t>
-            </a:r>
-            <a:r>
               <a:rPr lang="fa-IR" sz="2400" b="1" dirty="0">
                 <a:latin typeface="Calibri" panose="020F0502020204030204" pitchFamily="34" charset="0"/>
                 <a:cs typeface="Calibri" panose="020F0502020204030204" pitchFamily="34" charset="0"/>
               </a:rPr>
-              <a:t> : تحویل دادن چیزی که کار نمی کند .</a:t>
+              <a:t>عجله کردن :</a:t>
             </a:r>
           </a:p>
           <a:p>
@@ -12828,19 +12707,48 @@
               <a:buChar char="ü"/>
             </a:pPr>
             <a:r>
-              <a:rPr lang="fa-IR" sz="2400" b="1" dirty="0">
-                <a:latin typeface="Calibri" panose="020F0502020204030204" pitchFamily="34" charset="0"/>
-                <a:cs typeface="Calibri" panose="020F0502020204030204" pitchFamily="34" charset="0"/>
-              </a:rPr>
-              <a:t>بدترین کار ممکن است . </a:t>
-            </a:r>
+              <a:rPr lang="fa-IR" sz="2000" b="1" dirty="0">
+                <a:latin typeface="Calibri" panose="020F0502020204030204" pitchFamily="34" charset="0"/>
+                <a:cs typeface="Calibri" panose="020F0502020204030204" pitchFamily="34" charset="0"/>
+              </a:rPr>
+              <a:t>در برابر مدیریت ، تخمین های خود را نگه دارید. تخمین های اولیه معمولا  دقیقتر هستند.</a:t>
+            </a:r>
+          </a:p>
+          <a:p>
+            <a:pPr marL="1371600" lvl="2" indent="-457200" algn="r" rtl="1">
+              <a:lnSpc>
+                <a:spcPct val="150000"/>
+              </a:lnSpc>
+              <a:buFont typeface="Wingdings" panose="05000000000000000000" pitchFamily="2" charset="2"/>
+              <a:buChar char="ü"/>
+            </a:pPr>
+            <a:r>
+              <a:rPr lang="fa-IR" sz="2000" b="1" dirty="0">
+                <a:latin typeface="Calibri" panose="020F0502020204030204" pitchFamily="34" charset="0"/>
+                <a:cs typeface="Calibri" panose="020F0502020204030204" pitchFamily="34" charset="0"/>
+              </a:rPr>
+              <a:t>هیچ راهی برای عجله کردن نیست ، نمی توانید کاری کنید که سریعتر کد بزنید ، سریعتر یک مشکل را حل کنید ؛ اگر سعی کنید ، فقط خودتان را کند تر می کنید.</a:t>
+            </a:r>
+          </a:p>
+          <a:p>
+            <a:pPr marL="1371600" lvl="2" indent="-457200" algn="r" rtl="1">
+              <a:lnSpc>
+                <a:spcPct val="150000"/>
+              </a:lnSpc>
+              <a:buFont typeface="Wingdings" panose="05000000000000000000" pitchFamily="2" charset="2"/>
+              <a:buChar char="ü"/>
+            </a:pPr>
+            <a:endParaRPr lang="fa-IR" sz="2400" b="1" dirty="0">
+              <a:latin typeface="Calibri" panose="020F0502020204030204" pitchFamily="34" charset="0"/>
+              <a:cs typeface="Calibri" panose="020F0502020204030204" pitchFamily="34" charset="0"/>
+            </a:endParaRPr>
           </a:p>
         </p:txBody>
       </p:sp>
     </p:spTree>
     <p:extLst>
       <p:ext uri="{BB962C8B-B14F-4D97-AF65-F5344CB8AC3E}">
-        <p14:creationId xmlns:p14="http://schemas.microsoft.com/office/powerpoint/2010/main" val="885155948"/>
+        <p14:creationId xmlns:p14="http://schemas.microsoft.com/office/powerpoint/2010/main" val="3682830617"/>
       </p:ext>
     </p:extLst>
   </p:cSld>
@@ -12931,6 +12839,263 @@
         <p:spPr>
           <a:xfrm>
             <a:off x="155864" y="1943341"/>
+            <a:ext cx="11566236" cy="4559390"/>
+          </a:xfrm>
+          <a:prstGeom prst="rect">
+            <a:avLst/>
+          </a:prstGeom>
+          <a:noFill/>
+        </p:spPr>
+        <p:txBody>
+          <a:bodyPr wrap="square" rtlCol="0">
+            <a:spAutoFit/>
+          </a:bodyPr>
+          <a:lstStyle/>
+          <a:p>
+            <a:pPr algn="r" rtl="1">
+              <a:lnSpc>
+                <a:spcPct val="150000"/>
+              </a:lnSpc>
+            </a:pPr>
+            <a:r>
+              <a:rPr lang="fa-IR" sz="2400" b="1" i="1" dirty="0">
+                <a:latin typeface="Calibri" panose="020F0502020204030204" pitchFamily="34" charset="0"/>
+                <a:cs typeface="Calibri" panose="020F0502020204030204" pitchFamily="34" charset="0"/>
+              </a:rPr>
+              <a:t>نکاتی که باید در نظر بگیرید:</a:t>
+            </a:r>
+          </a:p>
+          <a:p>
+            <a:pPr marL="914400" lvl="1" indent="-457200" algn="r" rtl="1">
+              <a:lnSpc>
+                <a:spcPct val="150000"/>
+              </a:lnSpc>
+              <a:buFont typeface="Wingdings" panose="05000000000000000000" pitchFamily="2" charset="2"/>
+              <a:buChar char="ü"/>
+            </a:pPr>
+            <a:r>
+              <a:rPr lang="fa-IR" sz="2400" b="1" dirty="0">
+                <a:latin typeface="Calibri" panose="020F0502020204030204" pitchFamily="34" charset="0"/>
+                <a:cs typeface="Calibri" panose="020F0502020204030204" pitchFamily="34" charset="0"/>
+              </a:rPr>
+              <a:t>اضافه کاری :</a:t>
+            </a:r>
+          </a:p>
+          <a:p>
+            <a:pPr marL="1371600" lvl="2" indent="-457200" algn="r" rtl="1">
+              <a:lnSpc>
+                <a:spcPct val="150000"/>
+              </a:lnSpc>
+              <a:buFont typeface="Wingdings" panose="05000000000000000000" pitchFamily="2" charset="2"/>
+              <a:buChar char="ü"/>
+            </a:pPr>
+            <a:r>
+              <a:rPr lang="fa-IR" sz="2000" b="1" dirty="0">
+                <a:latin typeface="Calibri" panose="020F0502020204030204" pitchFamily="34" charset="0"/>
+                <a:cs typeface="Calibri" panose="020F0502020204030204" pitchFamily="34" charset="0"/>
+              </a:rPr>
+              <a:t>بعضی اوقات لازم هستند ، ولی نباید با آن موافقت کنید مگر :</a:t>
+            </a:r>
+          </a:p>
+          <a:p>
+            <a:pPr marL="1828800" lvl="3" indent="-457200" algn="r" rtl="1">
+              <a:lnSpc>
+                <a:spcPct val="150000"/>
+              </a:lnSpc>
+              <a:buFont typeface="Wingdings" panose="05000000000000000000" pitchFamily="2" charset="2"/>
+              <a:buChar char="ü"/>
+            </a:pPr>
+            <a:r>
+              <a:rPr lang="fa-IR" sz="2000" b="1" dirty="0">
+                <a:latin typeface="Calibri" panose="020F0502020204030204" pitchFamily="34" charset="0"/>
+                <a:cs typeface="Calibri" panose="020F0502020204030204" pitchFamily="34" charset="0"/>
+              </a:rPr>
+              <a:t>به صورت شخصی بتوانید برای آن وقت بگذارید. </a:t>
+            </a:r>
+          </a:p>
+          <a:p>
+            <a:pPr marL="1828800" lvl="3" indent="-457200" algn="r" rtl="1">
+              <a:lnSpc>
+                <a:spcPct val="150000"/>
+              </a:lnSpc>
+              <a:buFont typeface="Wingdings" panose="05000000000000000000" pitchFamily="2" charset="2"/>
+              <a:buChar char="ü"/>
+            </a:pPr>
+            <a:r>
+              <a:rPr lang="fa-IR" sz="2000" b="1" dirty="0">
+                <a:latin typeface="Calibri" panose="020F0502020204030204" pitchFamily="34" charset="0"/>
+                <a:cs typeface="Calibri" panose="020F0502020204030204" pitchFamily="34" charset="0"/>
+              </a:rPr>
+              <a:t>کوتاه مدت باشد . </a:t>
+            </a:r>
+          </a:p>
+          <a:p>
+            <a:pPr marL="1828800" lvl="3" indent="-457200" algn="r" rtl="1">
+              <a:lnSpc>
+                <a:spcPct val="150000"/>
+              </a:lnSpc>
+              <a:buFont typeface="Wingdings" panose="05000000000000000000" pitchFamily="2" charset="2"/>
+              <a:buChar char="ü"/>
+            </a:pPr>
+            <a:r>
+              <a:rPr lang="fa-IR" sz="2000" b="1" dirty="0">
+                <a:latin typeface="Calibri" panose="020F0502020204030204" pitchFamily="34" charset="0"/>
+                <a:cs typeface="Calibri" panose="020F0502020204030204" pitchFamily="34" charset="0"/>
+              </a:rPr>
+              <a:t>مدیرتان یک نقشه برای زمان شکست خوردن اضافه کاری داشته باشد . </a:t>
+            </a:r>
+          </a:p>
+          <a:p>
+            <a:pPr marL="1828800" lvl="3" indent="-457200" algn="r" rtl="1">
+              <a:lnSpc>
+                <a:spcPct val="150000"/>
+              </a:lnSpc>
+              <a:buFont typeface="Wingdings" panose="05000000000000000000" pitchFamily="2" charset="2"/>
+              <a:buChar char="ü"/>
+            </a:pPr>
+            <a:r>
+              <a:rPr lang="fa-IR" sz="2000" b="1" dirty="0">
+                <a:latin typeface="Calibri" panose="020F0502020204030204" pitchFamily="34" charset="0"/>
+                <a:cs typeface="Calibri" panose="020F0502020204030204" pitchFamily="34" charset="0"/>
+              </a:rPr>
+              <a:t>پس از پایان اضافه کاری ، به همان مدت استراحت کنید .</a:t>
+            </a:r>
+          </a:p>
+          <a:p>
+            <a:pPr marL="914400" lvl="1" indent="-457200" algn="r" rtl="1">
+              <a:lnSpc>
+                <a:spcPct val="150000"/>
+              </a:lnSpc>
+              <a:buFont typeface="Wingdings" panose="05000000000000000000" pitchFamily="2" charset="2"/>
+              <a:buChar char="ü"/>
+            </a:pPr>
+            <a:r>
+              <a:rPr lang="en-US" sz="2400" b="1" dirty="0">
+                <a:latin typeface="Calibri" panose="020F0502020204030204" pitchFamily="34" charset="0"/>
+                <a:cs typeface="Calibri" panose="020F0502020204030204" pitchFamily="34" charset="0"/>
+              </a:rPr>
+              <a:t>False Delivery</a:t>
+            </a:r>
+            <a:r>
+              <a:rPr lang="fa-IR" sz="2400" b="1" dirty="0">
+                <a:latin typeface="Calibri" panose="020F0502020204030204" pitchFamily="34" charset="0"/>
+                <a:cs typeface="Calibri" panose="020F0502020204030204" pitchFamily="34" charset="0"/>
+              </a:rPr>
+              <a:t> : تحویل دادن چیزی که کار نمی کند .</a:t>
+            </a:r>
+          </a:p>
+          <a:p>
+            <a:pPr marL="1371600" lvl="2" indent="-457200" algn="r" rtl="1">
+              <a:lnSpc>
+                <a:spcPct val="150000"/>
+              </a:lnSpc>
+              <a:buFont typeface="Wingdings" panose="05000000000000000000" pitchFamily="2" charset="2"/>
+              <a:buChar char="ü"/>
+            </a:pPr>
+            <a:r>
+              <a:rPr lang="fa-IR" sz="2400" b="1" dirty="0">
+                <a:latin typeface="Calibri" panose="020F0502020204030204" pitchFamily="34" charset="0"/>
+                <a:cs typeface="Calibri" panose="020F0502020204030204" pitchFamily="34" charset="0"/>
+              </a:rPr>
+              <a:t>بدترین کار ممکن است . </a:t>
+            </a:r>
+          </a:p>
+        </p:txBody>
+      </p:sp>
+    </p:spTree>
+    <p:extLst>
+      <p:ext uri="{BB962C8B-B14F-4D97-AF65-F5344CB8AC3E}">
+        <p14:creationId xmlns:p14="http://schemas.microsoft.com/office/powerpoint/2010/main" val="885155948"/>
+      </p:ext>
+    </p:extLst>
+  </p:cSld>
+  <p:clrMapOvr>
+    <a:masterClrMapping/>
+  </p:clrMapOvr>
+</p:sld>
+</file>
+
+<file path=ppt/slides/slide32.xml><?xml version="1.0" encoding="utf-8"?>
+<p:sld xmlns:a="http://schemas.openxmlformats.org/drawingml/2006/main" xmlns:r="http://schemas.openxmlformats.org/officeDocument/2006/relationships" xmlns:p="http://schemas.openxmlformats.org/presentationml/2006/main">
+  <p:cSld>
+    <p:spTree>
+      <p:nvGrpSpPr>
+        <p:cNvPr id="1" name=""/>
+        <p:cNvGrpSpPr/>
+        <p:nvPr/>
+      </p:nvGrpSpPr>
+      <p:grpSpPr>
+        <a:xfrm>
+          <a:off x="0" y="0"/>
+          <a:ext cx="0" cy="0"/>
+          <a:chOff x="0" y="0"/>
+          <a:chExt cx="0" cy="0"/>
+        </a:xfrm>
+      </p:grpSpPr>
+      <p:sp>
+        <p:nvSpPr>
+          <p:cNvPr id="2" name="Title 1"/>
+          <p:cNvSpPr>
+            <a:spLocks noGrp="1"/>
+          </p:cNvSpPr>
+          <p:nvPr>
+            <p:ph type="title"/>
+          </p:nvPr>
+        </p:nvSpPr>
+        <p:spPr>
+          <a:xfrm>
+            <a:off x="381000" y="571500"/>
+            <a:ext cx="11341100" cy="685800"/>
+          </a:xfrm>
+        </p:spPr>
+        <p:txBody>
+          <a:bodyPr/>
+          <a:lstStyle/>
+          <a:p>
+            <a:pPr algn="r" rtl="1"/>
+            <a:r>
+              <a:rPr lang="fa-IR" sz="4400" dirty="0">
+                <a:effectLst>
+                  <a:outerShdw blurRad="38100" dist="38100" dir="2700000" algn="tl">
+                    <a:srgbClr val="000000">
+                      <a:alpha val="43137"/>
+                    </a:srgbClr>
+                  </a:outerShdw>
+                </a:effectLst>
+                <a:latin typeface="Calibri" panose="020F0502020204030204" pitchFamily="34" charset="0"/>
+                <a:cs typeface="Calibri" panose="020F0502020204030204" pitchFamily="34" charset="0"/>
+              </a:rPr>
+              <a:t>فصل چهارم : کُد زنی</a:t>
+            </a:r>
+            <a:endParaRPr lang="en-US" sz="4400" dirty="0">
+              <a:effectLst>
+                <a:outerShdw blurRad="38100" dist="38100" dir="2700000" algn="tl">
+                  <a:srgbClr val="000000">
+                    <a:alpha val="43137"/>
+                  </a:srgbClr>
+                </a:outerShdw>
+              </a:effectLst>
+              <a:latin typeface="Calibri" panose="020F0502020204030204" pitchFamily="34" charset="0"/>
+              <a:cs typeface="Calibri" panose="020F0502020204030204" pitchFamily="34" charset="0"/>
+            </a:endParaRPr>
+          </a:p>
+        </p:txBody>
+      </p:sp>
+      <p:sp>
+        <p:nvSpPr>
+          <p:cNvPr id="11" name="TextBox 10">
+            <a:extLst>
+              <a:ext uri="{FF2B5EF4-FFF2-40B4-BE49-F238E27FC236}">
+                <a16:creationId xmlns:a16="http://schemas.microsoft.com/office/drawing/2014/main" id="{ACA58C7E-C836-4E66-A88E-CB3EF184A613}"/>
+              </a:ext>
+            </a:extLst>
+          </p:cNvPr>
+          <p:cNvSpPr txBox="1"/>
+          <p:nvPr/>
+        </p:nvSpPr>
+        <p:spPr>
+          <a:xfrm>
+            <a:off x="155864" y="1943341"/>
             <a:ext cx="11566236" cy="2805063"/>
           </a:xfrm>
           <a:prstGeom prst="rect">
@@ -13041,6 +13206,1166 @@
     <p:extLst>
       <p:ext uri="{BB962C8B-B14F-4D97-AF65-F5344CB8AC3E}">
         <p14:creationId xmlns:p14="http://schemas.microsoft.com/office/powerpoint/2010/main" val="2119226195"/>
+      </p:ext>
+    </p:extLst>
+  </p:cSld>
+  <p:clrMapOvr>
+    <a:masterClrMapping/>
+  </p:clrMapOvr>
+</p:sld>
+</file>
+
+<file path=ppt/slides/slide33.xml><?xml version="1.0" encoding="utf-8"?>
+<p:sld xmlns:a="http://schemas.openxmlformats.org/drawingml/2006/main" xmlns:r="http://schemas.openxmlformats.org/officeDocument/2006/relationships" xmlns:p="http://schemas.openxmlformats.org/presentationml/2006/main">
+  <p:cSld>
+    <p:spTree>
+      <p:nvGrpSpPr>
+        <p:cNvPr id="1" name=""/>
+        <p:cNvGrpSpPr/>
+        <p:nvPr/>
+      </p:nvGrpSpPr>
+      <p:grpSpPr>
+        <a:xfrm>
+          <a:off x="0" y="0"/>
+          <a:ext cx="0" cy="0"/>
+          <a:chOff x="0" y="0"/>
+          <a:chExt cx="0" cy="0"/>
+        </a:xfrm>
+      </p:grpSpPr>
+      <p:sp>
+        <p:nvSpPr>
+          <p:cNvPr id="2" name="Title 1"/>
+          <p:cNvSpPr>
+            <a:spLocks noGrp="1"/>
+          </p:cNvSpPr>
+          <p:nvPr>
+            <p:ph type="title"/>
+          </p:nvPr>
+        </p:nvSpPr>
+        <p:spPr>
+          <a:xfrm>
+            <a:off x="381000" y="571500"/>
+            <a:ext cx="11341100" cy="685800"/>
+          </a:xfrm>
+        </p:spPr>
+        <p:txBody>
+          <a:bodyPr/>
+          <a:lstStyle/>
+          <a:p>
+            <a:pPr algn="r" rtl="1"/>
+            <a:r>
+              <a:rPr lang="fa-IR" sz="4400" dirty="0">
+                <a:effectLst>
+                  <a:outerShdw blurRad="38100" dist="38100" dir="2700000" algn="tl">
+                    <a:srgbClr val="000000">
+                      <a:alpha val="43137"/>
+                    </a:srgbClr>
+                  </a:outerShdw>
+                </a:effectLst>
+                <a:latin typeface="Calibri" panose="020F0502020204030204" pitchFamily="34" charset="0"/>
+                <a:cs typeface="Calibri" panose="020F0502020204030204" pitchFamily="34" charset="0"/>
+              </a:rPr>
+              <a:t>فصل پنجم : </a:t>
+            </a:r>
+            <a:r>
+              <a:rPr lang="en-US" sz="4400" dirty="0">
+                <a:effectLst>
+                  <a:outerShdw blurRad="38100" dist="38100" dir="2700000" algn="tl">
+                    <a:srgbClr val="000000">
+                      <a:alpha val="43137"/>
+                    </a:srgbClr>
+                  </a:outerShdw>
+                </a:effectLst>
+                <a:latin typeface="Calibri" panose="020F0502020204030204" pitchFamily="34" charset="0"/>
+                <a:cs typeface="Calibri" panose="020F0502020204030204" pitchFamily="34" charset="0"/>
+              </a:rPr>
+              <a:t>Test Driven Development ( TDD )</a:t>
+            </a:r>
+          </a:p>
+        </p:txBody>
+      </p:sp>
+      <p:pic>
+        <p:nvPicPr>
+          <p:cNvPr id="8" name="Picture 7">
+            <a:extLst>
+              <a:ext uri="{FF2B5EF4-FFF2-40B4-BE49-F238E27FC236}">
+                <a16:creationId xmlns:a16="http://schemas.microsoft.com/office/drawing/2014/main" id="{922CA425-0631-4073-9BDB-10142B2785BB}"/>
+              </a:ext>
+            </a:extLst>
+          </p:cNvPr>
+          <p:cNvPicPr>
+            <a:picLocks noChangeAspect="1"/>
+          </p:cNvPicPr>
+          <p:nvPr/>
+        </p:nvPicPr>
+        <p:blipFill>
+          <a:blip r:embed="rId2"/>
+          <a:stretch>
+            <a:fillRect/>
+          </a:stretch>
+        </p:blipFill>
+        <p:spPr>
+          <a:xfrm>
+            <a:off x="3596120" y="2101020"/>
+            <a:ext cx="4999759" cy="4552626"/>
+          </a:xfrm>
+          <a:prstGeom prst="rect">
+            <a:avLst/>
+          </a:prstGeom>
+        </p:spPr>
+      </p:pic>
+    </p:spTree>
+    <p:extLst>
+      <p:ext uri="{BB962C8B-B14F-4D97-AF65-F5344CB8AC3E}">
+        <p14:creationId xmlns:p14="http://schemas.microsoft.com/office/powerpoint/2010/main" val="4071791137"/>
+      </p:ext>
+    </p:extLst>
+  </p:cSld>
+  <p:clrMapOvr>
+    <a:masterClrMapping/>
+  </p:clrMapOvr>
+</p:sld>
+</file>
+
+<file path=ppt/slides/slide34.xml><?xml version="1.0" encoding="utf-8"?>
+<p:sld xmlns:a="http://schemas.openxmlformats.org/drawingml/2006/main" xmlns:r="http://schemas.openxmlformats.org/officeDocument/2006/relationships" xmlns:p="http://schemas.openxmlformats.org/presentationml/2006/main">
+  <p:cSld>
+    <p:spTree>
+      <p:nvGrpSpPr>
+        <p:cNvPr id="1" name=""/>
+        <p:cNvGrpSpPr/>
+        <p:nvPr/>
+      </p:nvGrpSpPr>
+      <p:grpSpPr>
+        <a:xfrm>
+          <a:off x="0" y="0"/>
+          <a:ext cx="0" cy="0"/>
+          <a:chOff x="0" y="0"/>
+          <a:chExt cx="0" cy="0"/>
+        </a:xfrm>
+      </p:grpSpPr>
+      <p:sp>
+        <p:nvSpPr>
+          <p:cNvPr id="2" name="Title 1"/>
+          <p:cNvSpPr>
+            <a:spLocks noGrp="1"/>
+          </p:cNvSpPr>
+          <p:nvPr>
+            <p:ph type="title"/>
+          </p:nvPr>
+        </p:nvSpPr>
+        <p:spPr>
+          <a:xfrm>
+            <a:off x="381000" y="571500"/>
+            <a:ext cx="11341100" cy="685800"/>
+          </a:xfrm>
+        </p:spPr>
+        <p:txBody>
+          <a:bodyPr/>
+          <a:lstStyle/>
+          <a:p>
+            <a:pPr algn="r" rtl="1"/>
+            <a:r>
+              <a:rPr lang="fa-IR" sz="4400" dirty="0">
+                <a:effectLst>
+                  <a:outerShdw blurRad="38100" dist="38100" dir="2700000" algn="tl">
+                    <a:srgbClr val="000000">
+                      <a:alpha val="43137"/>
+                    </a:srgbClr>
+                  </a:outerShdw>
+                </a:effectLst>
+                <a:latin typeface="Calibri" panose="020F0502020204030204" pitchFamily="34" charset="0"/>
+                <a:cs typeface="Calibri" panose="020F0502020204030204" pitchFamily="34" charset="0"/>
+              </a:rPr>
+              <a:t>فصل پنجم : </a:t>
+            </a:r>
+            <a:r>
+              <a:rPr lang="en-US" sz="4400" dirty="0">
+                <a:effectLst>
+                  <a:outerShdw blurRad="38100" dist="38100" dir="2700000" algn="tl">
+                    <a:srgbClr val="000000">
+                      <a:alpha val="43137"/>
+                    </a:srgbClr>
+                  </a:outerShdw>
+                </a:effectLst>
+                <a:latin typeface="Calibri" panose="020F0502020204030204" pitchFamily="34" charset="0"/>
+                <a:cs typeface="Calibri" panose="020F0502020204030204" pitchFamily="34" charset="0"/>
+              </a:rPr>
+              <a:t>TDD</a:t>
+            </a:r>
+          </a:p>
+        </p:txBody>
+      </p:sp>
+      <p:sp>
+        <p:nvSpPr>
+          <p:cNvPr id="4" name="TextBox 3">
+            <a:extLst>
+              <a:ext uri="{FF2B5EF4-FFF2-40B4-BE49-F238E27FC236}">
+                <a16:creationId xmlns:a16="http://schemas.microsoft.com/office/drawing/2014/main" id="{969EF470-CEE3-431A-AD47-AD0F7E19DC02}"/>
+              </a:ext>
+            </a:extLst>
+          </p:cNvPr>
+          <p:cNvSpPr txBox="1"/>
+          <p:nvPr/>
+        </p:nvSpPr>
+        <p:spPr>
+          <a:xfrm>
+            <a:off x="155864" y="1943341"/>
+            <a:ext cx="11566236" cy="3451394"/>
+          </a:xfrm>
+          <a:prstGeom prst="rect">
+            <a:avLst/>
+          </a:prstGeom>
+          <a:noFill/>
+        </p:spPr>
+        <p:txBody>
+          <a:bodyPr wrap="square" rtlCol="0">
+            <a:spAutoFit/>
+          </a:bodyPr>
+          <a:lstStyle/>
+          <a:p>
+            <a:pPr algn="r" rtl="1">
+              <a:lnSpc>
+                <a:spcPct val="150000"/>
+              </a:lnSpc>
+            </a:pPr>
+            <a:r>
+              <a:rPr lang="fa-IR" sz="2800" b="1" dirty="0">
+                <a:latin typeface="Calibri" panose="020F0502020204030204" pitchFamily="34" charset="0"/>
+                <a:cs typeface="Calibri" panose="020F0502020204030204" pitchFamily="34" charset="0"/>
+              </a:rPr>
+              <a:t>3 قانون </a:t>
+            </a:r>
+            <a:r>
+              <a:rPr lang="en-US" sz="2800" b="1" dirty="0">
+                <a:latin typeface="Calibri" panose="020F0502020204030204" pitchFamily="34" charset="0"/>
+                <a:cs typeface="Calibri" panose="020F0502020204030204" pitchFamily="34" charset="0"/>
+              </a:rPr>
+              <a:t>TDD</a:t>
+            </a:r>
+            <a:r>
+              <a:rPr lang="fa-IR" sz="2800" b="1" dirty="0">
+                <a:latin typeface="Calibri" panose="020F0502020204030204" pitchFamily="34" charset="0"/>
+                <a:cs typeface="Calibri" panose="020F0502020204030204" pitchFamily="34" charset="0"/>
+              </a:rPr>
+              <a:t> : </a:t>
+            </a:r>
+          </a:p>
+          <a:p>
+            <a:pPr marL="914400" lvl="1" indent="-457200" algn="r" rtl="1">
+              <a:lnSpc>
+                <a:spcPct val="150000"/>
+              </a:lnSpc>
+              <a:buFont typeface="+mj-lt"/>
+              <a:buAutoNum type="arabicPeriod"/>
+            </a:pPr>
+            <a:r>
+              <a:rPr lang="fa-IR" sz="2400" b="1" dirty="0">
+                <a:latin typeface="Calibri" panose="020F0502020204030204" pitchFamily="34" charset="0"/>
+                <a:cs typeface="Calibri" panose="020F0502020204030204" pitchFamily="34" charset="0"/>
+              </a:rPr>
+              <a:t>شما مجاز به نوشتن هیچ کد عملیاتی نیستید مگر اینکه ابتدا یک « تست شکست خورده » نوشته باشید.</a:t>
+            </a:r>
+          </a:p>
+          <a:p>
+            <a:pPr marL="914400" lvl="1" indent="-457200" algn="r" rtl="1">
+              <a:lnSpc>
+                <a:spcPct val="150000"/>
+              </a:lnSpc>
+              <a:buFont typeface="+mj-lt"/>
+              <a:buAutoNum type="arabicPeriod"/>
+            </a:pPr>
+            <a:r>
+              <a:rPr lang="fa-IR" sz="2400" b="1" dirty="0">
+                <a:latin typeface="Calibri" panose="020F0502020204030204" pitchFamily="34" charset="0"/>
+                <a:cs typeface="Calibri" panose="020F0502020204030204" pitchFamily="34" charset="0"/>
+              </a:rPr>
+              <a:t>در لحظه مجاز به نوشتن بیش از یک « تست واحد » که قابل شکست خوردن باشد ، نیستید . کامپایل نشدن هم به عنوان شکست خوردن تست محسوب می شود.</a:t>
+            </a:r>
+          </a:p>
+          <a:p>
+            <a:pPr marL="914400" lvl="1" indent="-457200" algn="r" rtl="1">
+              <a:lnSpc>
+                <a:spcPct val="150000"/>
+              </a:lnSpc>
+              <a:buFont typeface="+mj-lt"/>
+              <a:buAutoNum type="arabicPeriod"/>
+            </a:pPr>
+            <a:r>
+              <a:rPr lang="fa-IR" sz="2400" b="1" dirty="0">
+                <a:latin typeface="Calibri" panose="020F0502020204030204" pitchFamily="34" charset="0"/>
+                <a:cs typeface="Calibri" panose="020F0502020204030204" pitchFamily="34" charset="0"/>
+              </a:rPr>
+              <a:t>شما اجازه ی نوشتن کدهای عملیاتی بیش از آنچه « تست واحد » شکست خورده را بگذراند را ندارید.</a:t>
+            </a:r>
+          </a:p>
+        </p:txBody>
+      </p:sp>
+    </p:spTree>
+    <p:extLst>
+      <p:ext uri="{BB962C8B-B14F-4D97-AF65-F5344CB8AC3E}">
+        <p14:creationId xmlns:p14="http://schemas.microsoft.com/office/powerpoint/2010/main" val="1711341303"/>
+      </p:ext>
+    </p:extLst>
+  </p:cSld>
+  <p:clrMapOvr>
+    <a:masterClrMapping/>
+  </p:clrMapOvr>
+</p:sld>
+</file>
+
+<file path=ppt/slides/slide35.xml><?xml version="1.0" encoding="utf-8"?>
+<p:sld xmlns:a="http://schemas.openxmlformats.org/drawingml/2006/main" xmlns:r="http://schemas.openxmlformats.org/officeDocument/2006/relationships" xmlns:p="http://schemas.openxmlformats.org/presentationml/2006/main">
+  <p:cSld>
+    <p:spTree>
+      <p:nvGrpSpPr>
+        <p:cNvPr id="1" name=""/>
+        <p:cNvGrpSpPr/>
+        <p:nvPr/>
+      </p:nvGrpSpPr>
+      <p:grpSpPr>
+        <a:xfrm>
+          <a:off x="0" y="0"/>
+          <a:ext cx="0" cy="0"/>
+          <a:chOff x="0" y="0"/>
+          <a:chExt cx="0" cy="0"/>
+        </a:xfrm>
+      </p:grpSpPr>
+      <p:sp>
+        <p:nvSpPr>
+          <p:cNvPr id="2" name="Title 1"/>
+          <p:cNvSpPr>
+            <a:spLocks noGrp="1"/>
+          </p:cNvSpPr>
+          <p:nvPr>
+            <p:ph type="title"/>
+          </p:nvPr>
+        </p:nvSpPr>
+        <p:spPr>
+          <a:xfrm>
+            <a:off x="381000" y="571500"/>
+            <a:ext cx="11341100" cy="685800"/>
+          </a:xfrm>
+        </p:spPr>
+        <p:txBody>
+          <a:bodyPr/>
+          <a:lstStyle/>
+          <a:p>
+            <a:pPr algn="r" rtl="1"/>
+            <a:r>
+              <a:rPr lang="fa-IR" sz="4400" dirty="0">
+                <a:effectLst>
+                  <a:outerShdw blurRad="38100" dist="38100" dir="2700000" algn="tl">
+                    <a:srgbClr val="000000">
+                      <a:alpha val="43137"/>
+                    </a:srgbClr>
+                  </a:outerShdw>
+                </a:effectLst>
+                <a:latin typeface="Calibri" panose="020F0502020204030204" pitchFamily="34" charset="0"/>
+                <a:cs typeface="Calibri" panose="020F0502020204030204" pitchFamily="34" charset="0"/>
+              </a:rPr>
+              <a:t>فصل پنجم : </a:t>
+            </a:r>
+            <a:r>
+              <a:rPr lang="en-US" sz="4400" dirty="0">
+                <a:effectLst>
+                  <a:outerShdw blurRad="38100" dist="38100" dir="2700000" algn="tl">
+                    <a:srgbClr val="000000">
+                      <a:alpha val="43137"/>
+                    </a:srgbClr>
+                  </a:outerShdw>
+                </a:effectLst>
+                <a:latin typeface="Calibri" panose="020F0502020204030204" pitchFamily="34" charset="0"/>
+                <a:cs typeface="Calibri" panose="020F0502020204030204" pitchFamily="34" charset="0"/>
+              </a:rPr>
+              <a:t>TDD</a:t>
+            </a:r>
+          </a:p>
+        </p:txBody>
+      </p:sp>
+      <p:sp>
+        <p:nvSpPr>
+          <p:cNvPr id="4" name="TextBox 3">
+            <a:extLst>
+              <a:ext uri="{FF2B5EF4-FFF2-40B4-BE49-F238E27FC236}">
+                <a16:creationId xmlns:a16="http://schemas.microsoft.com/office/drawing/2014/main" id="{969EF470-CEE3-431A-AD47-AD0F7E19DC02}"/>
+              </a:ext>
+            </a:extLst>
+          </p:cNvPr>
+          <p:cNvSpPr txBox="1"/>
+          <p:nvPr/>
+        </p:nvSpPr>
+        <p:spPr>
+          <a:xfrm>
+            <a:off x="155864" y="1911776"/>
+            <a:ext cx="11566236" cy="3830279"/>
+          </a:xfrm>
+          <a:prstGeom prst="rect">
+            <a:avLst/>
+          </a:prstGeom>
+          <a:noFill/>
+        </p:spPr>
+        <p:txBody>
+          <a:bodyPr wrap="square" rtlCol="0">
+            <a:spAutoFit/>
+          </a:bodyPr>
+          <a:lstStyle/>
+          <a:p>
+            <a:pPr algn="r" rtl="1">
+              <a:lnSpc>
+                <a:spcPct val="150000"/>
+              </a:lnSpc>
+            </a:pPr>
+            <a:r>
+              <a:rPr lang="fa-IR" sz="2800" b="1" dirty="0">
+                <a:latin typeface="Calibri" panose="020F0502020204030204" pitchFamily="34" charset="0"/>
+                <a:cs typeface="Calibri" panose="020F0502020204030204" pitchFamily="34" charset="0"/>
+              </a:rPr>
+              <a:t>مزایای </a:t>
+            </a:r>
+            <a:r>
+              <a:rPr lang="en-US" sz="2800" b="1" dirty="0">
+                <a:latin typeface="Calibri" panose="020F0502020204030204" pitchFamily="34" charset="0"/>
+                <a:cs typeface="Calibri" panose="020F0502020204030204" pitchFamily="34" charset="0"/>
+              </a:rPr>
+              <a:t>TDD</a:t>
+            </a:r>
+            <a:r>
+              <a:rPr lang="fa-IR" sz="2800" b="1" dirty="0">
+                <a:latin typeface="Calibri" panose="020F0502020204030204" pitchFamily="34" charset="0"/>
+                <a:cs typeface="Calibri" panose="020F0502020204030204" pitchFamily="34" charset="0"/>
+              </a:rPr>
+              <a:t> : </a:t>
+            </a:r>
+          </a:p>
+          <a:p>
+            <a:pPr marL="914400" lvl="1" indent="-457200" algn="r" rtl="1">
+              <a:lnSpc>
+                <a:spcPct val="150000"/>
+              </a:lnSpc>
+              <a:buFont typeface="Wingdings" panose="05000000000000000000" pitchFamily="2" charset="2"/>
+              <a:buChar char="ü"/>
+            </a:pPr>
+            <a:r>
+              <a:rPr lang="fa-IR" sz="2400" b="1" dirty="0">
+                <a:latin typeface="Calibri" panose="020F0502020204030204" pitchFamily="34" charset="0"/>
+                <a:cs typeface="Calibri" panose="020F0502020204030204" pitchFamily="34" charset="0"/>
+              </a:rPr>
+              <a:t>اطمینان</a:t>
+            </a:r>
+          </a:p>
+          <a:p>
+            <a:pPr marL="914400" lvl="1" indent="-457200" algn="r" rtl="1">
+              <a:lnSpc>
+                <a:spcPct val="150000"/>
+              </a:lnSpc>
+              <a:buFont typeface="Wingdings" panose="05000000000000000000" pitchFamily="2" charset="2"/>
+              <a:buChar char="ü"/>
+            </a:pPr>
+            <a:r>
+              <a:rPr lang="fa-IR" sz="2400" b="1" dirty="0">
+                <a:latin typeface="Calibri" panose="020F0502020204030204" pitchFamily="34" charset="0"/>
+                <a:cs typeface="Calibri" panose="020F0502020204030204" pitchFamily="34" charset="0"/>
+              </a:rPr>
+              <a:t>کاهش احتمال خطا </a:t>
+            </a:r>
+          </a:p>
+          <a:p>
+            <a:pPr marL="914400" lvl="1" indent="-457200" algn="r" rtl="1">
+              <a:lnSpc>
+                <a:spcPct val="150000"/>
+              </a:lnSpc>
+              <a:buFont typeface="Wingdings" panose="05000000000000000000" pitchFamily="2" charset="2"/>
+              <a:buChar char="ü"/>
+            </a:pPr>
+            <a:r>
+              <a:rPr lang="fa-IR" sz="2400" b="1" dirty="0">
+                <a:latin typeface="Calibri" panose="020F0502020204030204" pitchFamily="34" charset="0"/>
+                <a:cs typeface="Calibri" panose="020F0502020204030204" pitchFamily="34" charset="0"/>
+              </a:rPr>
+              <a:t>افزایش شهامت و اطمینان به نفس  ( برای تمیز و ریفکتور کردن کد ها )</a:t>
+            </a:r>
+          </a:p>
+          <a:p>
+            <a:pPr marL="914400" lvl="1" indent="-457200" algn="r" rtl="1">
+              <a:lnSpc>
+                <a:spcPct val="150000"/>
+              </a:lnSpc>
+              <a:buFont typeface="Wingdings" panose="05000000000000000000" pitchFamily="2" charset="2"/>
+              <a:buChar char="ü"/>
+            </a:pPr>
+            <a:r>
+              <a:rPr lang="fa-IR" sz="2400" b="1" dirty="0">
+                <a:latin typeface="Calibri" panose="020F0502020204030204" pitchFamily="34" charset="0"/>
+                <a:cs typeface="Calibri" panose="020F0502020204030204" pitchFamily="34" charset="0"/>
+              </a:rPr>
+              <a:t>مستند سازی :</a:t>
+            </a:r>
+          </a:p>
+          <a:p>
+            <a:pPr marL="1371600" lvl="2" indent="-457200" algn="r" rtl="1">
+              <a:lnSpc>
+                <a:spcPct val="150000"/>
+              </a:lnSpc>
+              <a:buFont typeface="Wingdings" panose="05000000000000000000" pitchFamily="2" charset="2"/>
+              <a:buChar char="ü"/>
+            </a:pPr>
+            <a:r>
+              <a:rPr lang="fa-IR" sz="2000" b="1" dirty="0">
+                <a:latin typeface="Calibri" panose="020F0502020204030204" pitchFamily="34" charset="0"/>
+                <a:cs typeface="Calibri" panose="020F0502020204030204" pitchFamily="34" charset="0"/>
+              </a:rPr>
+              <a:t>« تست های واحد » مستندهایی هستند که سیستم را در پائین ترین سطح خود ، شرح می دهند . اینها حقایق مض هستند.  </a:t>
+            </a:r>
+          </a:p>
+        </p:txBody>
+      </p:sp>
+    </p:spTree>
+    <p:extLst>
+      <p:ext uri="{BB962C8B-B14F-4D97-AF65-F5344CB8AC3E}">
+        <p14:creationId xmlns:p14="http://schemas.microsoft.com/office/powerpoint/2010/main" val="3075816518"/>
+      </p:ext>
+    </p:extLst>
+  </p:cSld>
+  <p:clrMapOvr>
+    <a:masterClrMapping/>
+  </p:clrMapOvr>
+</p:sld>
+</file>
+
+<file path=ppt/slides/slide36.xml><?xml version="1.0" encoding="utf-8"?>
+<p:sld xmlns:a="http://schemas.openxmlformats.org/drawingml/2006/main" xmlns:r="http://schemas.openxmlformats.org/officeDocument/2006/relationships" xmlns:p="http://schemas.openxmlformats.org/presentationml/2006/main">
+  <p:cSld>
+    <p:spTree>
+      <p:nvGrpSpPr>
+        <p:cNvPr id="1" name=""/>
+        <p:cNvGrpSpPr/>
+        <p:nvPr/>
+      </p:nvGrpSpPr>
+      <p:grpSpPr>
+        <a:xfrm>
+          <a:off x="0" y="0"/>
+          <a:ext cx="0" cy="0"/>
+          <a:chOff x="0" y="0"/>
+          <a:chExt cx="0" cy="0"/>
+        </a:xfrm>
+      </p:grpSpPr>
+      <p:sp>
+        <p:nvSpPr>
+          <p:cNvPr id="2" name="Title 1"/>
+          <p:cNvSpPr>
+            <a:spLocks noGrp="1"/>
+          </p:cNvSpPr>
+          <p:nvPr>
+            <p:ph type="title"/>
+          </p:nvPr>
+        </p:nvSpPr>
+        <p:spPr>
+          <a:xfrm>
+            <a:off x="381000" y="571500"/>
+            <a:ext cx="11341100" cy="685800"/>
+          </a:xfrm>
+        </p:spPr>
+        <p:txBody>
+          <a:bodyPr/>
+          <a:lstStyle/>
+          <a:p>
+            <a:pPr algn="r" rtl="1"/>
+            <a:r>
+              <a:rPr lang="fa-IR" sz="4400" dirty="0">
+                <a:effectLst>
+                  <a:outerShdw blurRad="38100" dist="38100" dir="2700000" algn="tl">
+                    <a:srgbClr val="000000">
+                      <a:alpha val="43137"/>
+                    </a:srgbClr>
+                  </a:outerShdw>
+                </a:effectLst>
+                <a:latin typeface="Calibri" panose="020F0502020204030204" pitchFamily="34" charset="0"/>
+                <a:cs typeface="Calibri" panose="020F0502020204030204" pitchFamily="34" charset="0"/>
+              </a:rPr>
+              <a:t>فصل پنجم : </a:t>
+            </a:r>
+            <a:r>
+              <a:rPr lang="en-US" sz="4400" dirty="0">
+                <a:effectLst>
+                  <a:outerShdw blurRad="38100" dist="38100" dir="2700000" algn="tl">
+                    <a:srgbClr val="000000">
+                      <a:alpha val="43137"/>
+                    </a:srgbClr>
+                  </a:outerShdw>
+                </a:effectLst>
+                <a:latin typeface="Calibri" panose="020F0502020204030204" pitchFamily="34" charset="0"/>
+                <a:cs typeface="Calibri" panose="020F0502020204030204" pitchFamily="34" charset="0"/>
+              </a:rPr>
+              <a:t>TDD</a:t>
+            </a:r>
+          </a:p>
+        </p:txBody>
+      </p:sp>
+      <p:sp>
+        <p:nvSpPr>
+          <p:cNvPr id="4" name="TextBox 3">
+            <a:extLst>
+              <a:ext uri="{FF2B5EF4-FFF2-40B4-BE49-F238E27FC236}">
+                <a16:creationId xmlns:a16="http://schemas.microsoft.com/office/drawing/2014/main" id="{969EF470-CEE3-431A-AD47-AD0F7E19DC02}"/>
+              </a:ext>
+            </a:extLst>
+          </p:cNvPr>
+          <p:cNvSpPr txBox="1"/>
+          <p:nvPr/>
+        </p:nvSpPr>
+        <p:spPr>
+          <a:xfrm>
+            <a:off x="155864" y="2867739"/>
+            <a:ext cx="11566236" cy="2805063"/>
+          </a:xfrm>
+          <a:prstGeom prst="rect">
+            <a:avLst/>
+          </a:prstGeom>
+          <a:noFill/>
+        </p:spPr>
+        <p:txBody>
+          <a:bodyPr wrap="square" rtlCol="0">
+            <a:spAutoFit/>
+          </a:bodyPr>
+          <a:lstStyle/>
+          <a:p>
+            <a:pPr algn="r" rtl="1">
+              <a:lnSpc>
+                <a:spcPct val="150000"/>
+              </a:lnSpc>
+            </a:pPr>
+            <a:r>
+              <a:rPr lang="fa-IR" sz="2800" b="1" dirty="0">
+                <a:latin typeface="Calibri" panose="020F0502020204030204" pitchFamily="34" charset="0"/>
+                <a:cs typeface="Calibri" panose="020F0502020204030204" pitchFamily="34" charset="0"/>
+              </a:rPr>
+              <a:t>مزایای </a:t>
+            </a:r>
+            <a:r>
+              <a:rPr lang="en-US" sz="2800" b="1" dirty="0">
+                <a:latin typeface="Calibri" panose="020F0502020204030204" pitchFamily="34" charset="0"/>
+                <a:cs typeface="Calibri" panose="020F0502020204030204" pitchFamily="34" charset="0"/>
+              </a:rPr>
+              <a:t>TDD</a:t>
+            </a:r>
+            <a:r>
+              <a:rPr lang="fa-IR" sz="2800" b="1" dirty="0">
+                <a:latin typeface="Calibri" panose="020F0502020204030204" pitchFamily="34" charset="0"/>
+                <a:cs typeface="Calibri" panose="020F0502020204030204" pitchFamily="34" charset="0"/>
+              </a:rPr>
+              <a:t> : </a:t>
+            </a:r>
+          </a:p>
+          <a:p>
+            <a:pPr marL="914400" lvl="1" indent="-457200" algn="r" rtl="1">
+              <a:lnSpc>
+                <a:spcPct val="150000"/>
+              </a:lnSpc>
+              <a:buFont typeface="Wingdings" panose="05000000000000000000" pitchFamily="2" charset="2"/>
+              <a:buChar char="ü"/>
+            </a:pPr>
+            <a:r>
+              <a:rPr lang="fa-IR" sz="2400" b="1" dirty="0">
+                <a:latin typeface="Calibri" panose="020F0502020204030204" pitchFamily="34" charset="0"/>
+                <a:cs typeface="Calibri" panose="020F0502020204030204" pitchFamily="34" charset="0"/>
+              </a:rPr>
+              <a:t>طراحی بهینه :</a:t>
+            </a:r>
+          </a:p>
+          <a:p>
+            <a:pPr marL="1371600" lvl="2" indent="-457200" algn="r" rtl="1">
+              <a:lnSpc>
+                <a:spcPct val="150000"/>
+              </a:lnSpc>
+              <a:buFont typeface="Wingdings" panose="05000000000000000000" pitchFamily="2" charset="2"/>
+              <a:buChar char="ü"/>
+            </a:pPr>
+            <a:r>
+              <a:rPr lang="en-US" sz="2000" b="1" dirty="0">
+                <a:latin typeface="Calibri" panose="020F0502020204030204" pitchFamily="34" charset="0"/>
+                <a:cs typeface="Calibri" panose="020F0502020204030204" pitchFamily="34" charset="0"/>
+              </a:rPr>
+              <a:t>TDD</a:t>
+            </a:r>
+            <a:r>
+              <a:rPr lang="fa-IR" sz="2000" b="1" dirty="0">
+                <a:latin typeface="Calibri" panose="020F0502020204030204" pitchFamily="34" charset="0"/>
+                <a:cs typeface="Calibri" panose="020F0502020204030204" pitchFamily="34" charset="0"/>
+              </a:rPr>
+              <a:t> باعث می شود که طراحی خوب داشته باشیم .</a:t>
+            </a:r>
+          </a:p>
+          <a:p>
+            <a:pPr marL="914400" lvl="1" indent="-457200" algn="r" rtl="1">
+              <a:lnSpc>
+                <a:spcPct val="150000"/>
+              </a:lnSpc>
+              <a:buFont typeface="Wingdings" panose="05000000000000000000" pitchFamily="2" charset="2"/>
+              <a:buChar char="ü"/>
+            </a:pPr>
+            <a:r>
+              <a:rPr lang="fa-IR" sz="2400" b="1" dirty="0">
+                <a:latin typeface="Calibri" panose="020F0502020204030204" pitchFamily="34" charset="0"/>
+                <a:cs typeface="Calibri" panose="020F0502020204030204" pitchFamily="34" charset="0"/>
+              </a:rPr>
+              <a:t>اگر برای کدهایتان تست نمی نویسید و نمی توانید درست کار کردن آنها را ثابت کنید ، پس حرفه ای نیستید.</a:t>
+            </a:r>
+          </a:p>
+        </p:txBody>
+      </p:sp>
+    </p:spTree>
+    <p:extLst>
+      <p:ext uri="{BB962C8B-B14F-4D97-AF65-F5344CB8AC3E}">
+        <p14:creationId xmlns:p14="http://schemas.microsoft.com/office/powerpoint/2010/main" val="2002911098"/>
+      </p:ext>
+    </p:extLst>
+  </p:cSld>
+  <p:clrMapOvr>
+    <a:masterClrMapping/>
+  </p:clrMapOvr>
+</p:sld>
+</file>
+
+<file path=ppt/slides/slide37.xml><?xml version="1.0" encoding="utf-8"?>
+<p:sld xmlns:a="http://schemas.openxmlformats.org/drawingml/2006/main" xmlns:r="http://schemas.openxmlformats.org/officeDocument/2006/relationships" xmlns:p="http://schemas.openxmlformats.org/presentationml/2006/main">
+  <p:cSld>
+    <p:spTree>
+      <p:nvGrpSpPr>
+        <p:cNvPr id="1" name=""/>
+        <p:cNvGrpSpPr/>
+        <p:nvPr/>
+      </p:nvGrpSpPr>
+      <p:grpSpPr>
+        <a:xfrm>
+          <a:off x="0" y="0"/>
+          <a:ext cx="0" cy="0"/>
+          <a:chOff x="0" y="0"/>
+          <a:chExt cx="0" cy="0"/>
+        </a:xfrm>
+      </p:grpSpPr>
+      <p:sp>
+        <p:nvSpPr>
+          <p:cNvPr id="2" name="Title 1"/>
+          <p:cNvSpPr>
+            <a:spLocks noGrp="1"/>
+          </p:cNvSpPr>
+          <p:nvPr>
+            <p:ph type="title"/>
+          </p:nvPr>
+        </p:nvSpPr>
+        <p:spPr>
+          <a:xfrm>
+            <a:off x="381000" y="571500"/>
+            <a:ext cx="11341100" cy="685800"/>
+          </a:xfrm>
+        </p:spPr>
+        <p:txBody>
+          <a:bodyPr/>
+          <a:lstStyle/>
+          <a:p>
+            <a:pPr algn="r" rtl="1"/>
+            <a:r>
+              <a:rPr lang="fa-IR" sz="4400" dirty="0">
+                <a:effectLst>
+                  <a:outerShdw blurRad="38100" dist="38100" dir="2700000" algn="tl">
+                    <a:srgbClr val="000000">
+                      <a:alpha val="43137"/>
+                    </a:srgbClr>
+                  </a:outerShdw>
+                </a:effectLst>
+                <a:latin typeface="Calibri" panose="020F0502020204030204" pitchFamily="34" charset="0"/>
+                <a:cs typeface="Calibri" panose="020F0502020204030204" pitchFamily="34" charset="0"/>
+              </a:rPr>
+              <a:t>فصل پنجم : </a:t>
+            </a:r>
+            <a:r>
+              <a:rPr lang="en-US" sz="4400" dirty="0">
+                <a:effectLst>
+                  <a:outerShdw blurRad="38100" dist="38100" dir="2700000" algn="tl">
+                    <a:srgbClr val="000000">
+                      <a:alpha val="43137"/>
+                    </a:srgbClr>
+                  </a:outerShdw>
+                </a:effectLst>
+                <a:latin typeface="Calibri" panose="020F0502020204030204" pitchFamily="34" charset="0"/>
+                <a:cs typeface="Calibri" panose="020F0502020204030204" pitchFamily="34" charset="0"/>
+              </a:rPr>
+              <a:t>TDD</a:t>
+            </a:r>
+          </a:p>
+        </p:txBody>
+      </p:sp>
+      <p:sp>
+        <p:nvSpPr>
+          <p:cNvPr id="4" name="TextBox 3">
+            <a:extLst>
+              <a:ext uri="{FF2B5EF4-FFF2-40B4-BE49-F238E27FC236}">
+                <a16:creationId xmlns:a16="http://schemas.microsoft.com/office/drawing/2014/main" id="{969EF470-CEE3-431A-AD47-AD0F7E19DC02}"/>
+              </a:ext>
+            </a:extLst>
+          </p:cNvPr>
+          <p:cNvSpPr txBox="1"/>
+          <p:nvPr/>
+        </p:nvSpPr>
+        <p:spPr>
+          <a:xfrm>
+            <a:off x="155864" y="3429000"/>
+            <a:ext cx="11566236" cy="1789401"/>
+          </a:xfrm>
+          <a:prstGeom prst="rect">
+            <a:avLst/>
+          </a:prstGeom>
+          <a:noFill/>
+        </p:spPr>
+        <p:txBody>
+          <a:bodyPr wrap="square" rtlCol="0">
+            <a:spAutoFit/>
+          </a:bodyPr>
+          <a:lstStyle/>
+          <a:p>
+            <a:pPr algn="r" rtl="1">
+              <a:lnSpc>
+                <a:spcPct val="150000"/>
+              </a:lnSpc>
+            </a:pPr>
+            <a:r>
+              <a:rPr lang="fa-IR" sz="2800" b="1" dirty="0">
+                <a:latin typeface="Calibri" panose="020F0502020204030204" pitchFamily="34" charset="0"/>
+                <a:cs typeface="Calibri" panose="020F0502020204030204" pitchFamily="34" charset="0"/>
+              </a:rPr>
+              <a:t>کی نباید از </a:t>
+            </a:r>
+            <a:r>
+              <a:rPr lang="en-US" sz="2800" b="1" dirty="0">
+                <a:latin typeface="Calibri" panose="020F0502020204030204" pitchFamily="34" charset="0"/>
+                <a:cs typeface="Calibri" panose="020F0502020204030204" pitchFamily="34" charset="0"/>
+              </a:rPr>
+              <a:t>TDD</a:t>
+            </a:r>
+            <a:r>
+              <a:rPr lang="fa-IR" sz="2800" b="1" dirty="0">
+                <a:latin typeface="Calibri" panose="020F0502020204030204" pitchFamily="34" charset="0"/>
+                <a:cs typeface="Calibri" panose="020F0502020204030204" pitchFamily="34" charset="0"/>
+              </a:rPr>
+              <a:t> استفاده کنید : </a:t>
+            </a:r>
+          </a:p>
+          <a:p>
+            <a:pPr marL="914400" lvl="1" indent="-457200" algn="r" rtl="1">
+              <a:lnSpc>
+                <a:spcPct val="150000"/>
+              </a:lnSpc>
+              <a:buFont typeface="Wingdings" panose="05000000000000000000" pitchFamily="2" charset="2"/>
+              <a:buChar char="ü"/>
+            </a:pPr>
+            <a:r>
+              <a:rPr lang="fa-IR" sz="2400" b="1" dirty="0">
+                <a:latin typeface="Calibri" panose="020F0502020204030204" pitchFamily="34" charset="0"/>
+                <a:cs typeface="Calibri" panose="020F0502020204030204" pitchFamily="34" charset="0"/>
+              </a:rPr>
+              <a:t>گاهی نمی توان و نباید از 3 قانون </a:t>
+            </a:r>
+            <a:r>
+              <a:rPr lang="en-US" sz="2400" b="1" dirty="0">
+                <a:latin typeface="Calibri" panose="020F0502020204030204" pitchFamily="34" charset="0"/>
+                <a:cs typeface="Calibri" panose="020F0502020204030204" pitchFamily="34" charset="0"/>
+              </a:rPr>
+              <a:t>TDD</a:t>
+            </a:r>
+            <a:r>
+              <a:rPr lang="fa-IR" sz="2400" b="1" dirty="0">
+                <a:latin typeface="Calibri" panose="020F0502020204030204" pitchFamily="34" charset="0"/>
+                <a:cs typeface="Calibri" panose="020F0502020204030204" pitchFamily="34" charset="0"/>
+              </a:rPr>
+              <a:t> پیروی کرد . هیچ حرفه ای نباید از یک قانون در زمانی که صدمه ی بیشتری می زند ، پیروی کند.</a:t>
+            </a:r>
+          </a:p>
+        </p:txBody>
+      </p:sp>
+    </p:spTree>
+    <p:extLst>
+      <p:ext uri="{BB962C8B-B14F-4D97-AF65-F5344CB8AC3E}">
+        <p14:creationId xmlns:p14="http://schemas.microsoft.com/office/powerpoint/2010/main" val="3822995842"/>
+      </p:ext>
+    </p:extLst>
+  </p:cSld>
+  <p:clrMapOvr>
+    <a:masterClrMapping/>
+  </p:clrMapOvr>
+</p:sld>
+</file>
+
+<file path=ppt/slides/slide38.xml><?xml version="1.0" encoding="utf-8"?>
+<p:sld xmlns:a="http://schemas.openxmlformats.org/drawingml/2006/main" xmlns:r="http://schemas.openxmlformats.org/officeDocument/2006/relationships" xmlns:p="http://schemas.openxmlformats.org/presentationml/2006/main">
+  <p:cSld>
+    <p:spTree>
+      <p:nvGrpSpPr>
+        <p:cNvPr id="1" name=""/>
+        <p:cNvGrpSpPr/>
+        <p:nvPr/>
+      </p:nvGrpSpPr>
+      <p:grpSpPr>
+        <a:xfrm>
+          <a:off x="0" y="0"/>
+          <a:ext cx="0" cy="0"/>
+          <a:chOff x="0" y="0"/>
+          <a:chExt cx="0" cy="0"/>
+        </a:xfrm>
+      </p:grpSpPr>
+      <p:sp>
+        <p:nvSpPr>
+          <p:cNvPr id="2" name="Title 1"/>
+          <p:cNvSpPr>
+            <a:spLocks noGrp="1"/>
+          </p:cNvSpPr>
+          <p:nvPr>
+            <p:ph type="title"/>
+          </p:nvPr>
+        </p:nvSpPr>
+        <p:spPr>
+          <a:xfrm>
+            <a:off x="381000" y="571500"/>
+            <a:ext cx="11341100" cy="685800"/>
+          </a:xfrm>
+        </p:spPr>
+        <p:txBody>
+          <a:bodyPr/>
+          <a:lstStyle/>
+          <a:p>
+            <a:pPr algn="r" rtl="1"/>
+            <a:r>
+              <a:rPr lang="fa-IR" sz="4400" dirty="0">
+                <a:effectLst>
+                  <a:outerShdw blurRad="38100" dist="38100" dir="2700000" algn="tl">
+                    <a:srgbClr val="000000">
+                      <a:alpha val="43137"/>
+                    </a:srgbClr>
+                  </a:outerShdw>
+                </a:effectLst>
+                <a:latin typeface="Calibri" panose="020F0502020204030204" pitchFamily="34" charset="0"/>
+                <a:cs typeface="Calibri" panose="020F0502020204030204" pitchFamily="34" charset="0"/>
+              </a:rPr>
+              <a:t>فصل ششم : تمرین کردن</a:t>
+            </a:r>
+            <a:endParaRPr lang="en-US" sz="4400" dirty="0">
+              <a:effectLst>
+                <a:outerShdw blurRad="38100" dist="38100" dir="2700000" algn="tl">
+                  <a:srgbClr val="000000">
+                    <a:alpha val="43137"/>
+                  </a:srgbClr>
+                </a:outerShdw>
+              </a:effectLst>
+              <a:latin typeface="Calibri" panose="020F0502020204030204" pitchFamily="34" charset="0"/>
+              <a:cs typeface="Calibri" panose="020F0502020204030204" pitchFamily="34" charset="0"/>
+            </a:endParaRPr>
+          </a:p>
+        </p:txBody>
+      </p:sp>
+      <p:pic>
+        <p:nvPicPr>
+          <p:cNvPr id="5" name="Picture 4">
+            <a:extLst>
+              <a:ext uri="{FF2B5EF4-FFF2-40B4-BE49-F238E27FC236}">
+                <a16:creationId xmlns:a16="http://schemas.microsoft.com/office/drawing/2014/main" id="{B2218F03-BE6A-4408-86FA-D18E2B6CE571}"/>
+              </a:ext>
+            </a:extLst>
+          </p:cNvPr>
+          <p:cNvPicPr>
+            <a:picLocks noChangeAspect="1"/>
+          </p:cNvPicPr>
+          <p:nvPr/>
+        </p:nvPicPr>
+        <p:blipFill>
+          <a:blip r:embed="rId2"/>
+          <a:stretch>
+            <a:fillRect/>
+          </a:stretch>
+        </p:blipFill>
+        <p:spPr>
+          <a:xfrm>
+            <a:off x="381000" y="2548360"/>
+            <a:ext cx="7103447" cy="3956350"/>
+          </a:xfrm>
+          <a:prstGeom prst="rect">
+            <a:avLst/>
+          </a:prstGeom>
+        </p:spPr>
+      </p:pic>
+    </p:spTree>
+    <p:extLst>
+      <p:ext uri="{BB962C8B-B14F-4D97-AF65-F5344CB8AC3E}">
+        <p14:creationId xmlns:p14="http://schemas.microsoft.com/office/powerpoint/2010/main" val="2557602437"/>
+      </p:ext>
+    </p:extLst>
+  </p:cSld>
+  <p:clrMapOvr>
+    <a:masterClrMapping/>
+  </p:clrMapOvr>
+</p:sld>
+</file>
+
+<file path=ppt/slides/slide39.xml><?xml version="1.0" encoding="utf-8"?>
+<p:sld xmlns:a="http://schemas.openxmlformats.org/drawingml/2006/main" xmlns:r="http://schemas.openxmlformats.org/officeDocument/2006/relationships" xmlns:p="http://schemas.openxmlformats.org/presentationml/2006/main">
+  <p:cSld>
+    <p:spTree>
+      <p:nvGrpSpPr>
+        <p:cNvPr id="1" name=""/>
+        <p:cNvGrpSpPr/>
+        <p:nvPr/>
+      </p:nvGrpSpPr>
+      <p:grpSpPr>
+        <a:xfrm>
+          <a:off x="0" y="0"/>
+          <a:ext cx="0" cy="0"/>
+          <a:chOff x="0" y="0"/>
+          <a:chExt cx="0" cy="0"/>
+        </a:xfrm>
+      </p:grpSpPr>
+      <p:sp>
+        <p:nvSpPr>
+          <p:cNvPr id="2" name="Title 1"/>
+          <p:cNvSpPr>
+            <a:spLocks noGrp="1"/>
+          </p:cNvSpPr>
+          <p:nvPr>
+            <p:ph type="title"/>
+          </p:nvPr>
+        </p:nvSpPr>
+        <p:spPr>
+          <a:xfrm>
+            <a:off x="381000" y="571500"/>
+            <a:ext cx="11341100" cy="685800"/>
+          </a:xfrm>
+        </p:spPr>
+        <p:txBody>
+          <a:bodyPr/>
+          <a:lstStyle/>
+          <a:p>
+            <a:pPr algn="r" rtl="1"/>
+            <a:r>
+              <a:rPr lang="fa-IR" sz="4400" dirty="0">
+                <a:effectLst>
+                  <a:outerShdw blurRad="38100" dist="38100" dir="2700000" algn="tl">
+                    <a:srgbClr val="000000">
+                      <a:alpha val="43137"/>
+                    </a:srgbClr>
+                  </a:outerShdw>
+                </a:effectLst>
+                <a:latin typeface="Calibri" panose="020F0502020204030204" pitchFamily="34" charset="0"/>
+                <a:cs typeface="Calibri" panose="020F0502020204030204" pitchFamily="34" charset="0"/>
+              </a:rPr>
+              <a:t>فصل ششم : تمرین کردن</a:t>
+            </a:r>
+            <a:endParaRPr lang="en-US" sz="4400" dirty="0">
+              <a:effectLst>
+                <a:outerShdw blurRad="38100" dist="38100" dir="2700000" algn="tl">
+                  <a:srgbClr val="000000">
+                    <a:alpha val="43137"/>
+                  </a:srgbClr>
+                </a:outerShdw>
+              </a:effectLst>
+              <a:latin typeface="Calibri" panose="020F0502020204030204" pitchFamily="34" charset="0"/>
+              <a:cs typeface="Calibri" panose="020F0502020204030204" pitchFamily="34" charset="0"/>
+            </a:endParaRPr>
+          </a:p>
+        </p:txBody>
+      </p:sp>
+      <p:sp>
+        <p:nvSpPr>
+          <p:cNvPr id="4" name="TextBox 3">
+            <a:extLst>
+              <a:ext uri="{FF2B5EF4-FFF2-40B4-BE49-F238E27FC236}">
+                <a16:creationId xmlns:a16="http://schemas.microsoft.com/office/drawing/2014/main" id="{969EF470-CEE3-431A-AD47-AD0F7E19DC02}"/>
+              </a:ext>
+            </a:extLst>
+          </p:cNvPr>
+          <p:cNvSpPr txBox="1"/>
+          <p:nvPr/>
+        </p:nvSpPr>
+        <p:spPr>
+          <a:xfrm>
+            <a:off x="155864" y="2369128"/>
+            <a:ext cx="11566236" cy="2897396"/>
+          </a:xfrm>
+          <a:prstGeom prst="rect">
+            <a:avLst/>
+          </a:prstGeom>
+          <a:noFill/>
+        </p:spPr>
+        <p:txBody>
+          <a:bodyPr wrap="square" rtlCol="0">
+            <a:spAutoFit/>
+          </a:bodyPr>
+          <a:lstStyle/>
+          <a:p>
+            <a:pPr algn="r" rtl="1">
+              <a:lnSpc>
+                <a:spcPct val="150000"/>
+              </a:lnSpc>
+            </a:pPr>
+            <a:r>
+              <a:rPr lang="fa-IR" sz="2800" b="1" dirty="0">
+                <a:latin typeface="Calibri" panose="020F0502020204030204" pitchFamily="34" charset="0"/>
+                <a:cs typeface="Calibri" panose="020F0502020204030204" pitchFamily="34" charset="0"/>
+              </a:rPr>
+              <a:t>تمرین کردن :</a:t>
+            </a:r>
+          </a:p>
+          <a:p>
+            <a:pPr marL="914400" lvl="1" indent="-457200" algn="r" rtl="1">
+              <a:lnSpc>
+                <a:spcPct val="150000"/>
+              </a:lnSpc>
+              <a:buFont typeface="Wingdings" panose="05000000000000000000" pitchFamily="2" charset="2"/>
+              <a:buChar char="ü"/>
+            </a:pPr>
+            <a:r>
+              <a:rPr lang="fa-IR" sz="2400" b="1" dirty="0">
+                <a:latin typeface="Calibri" panose="020F0502020204030204" pitchFamily="34" charset="0"/>
+                <a:cs typeface="Calibri" panose="020F0502020204030204" pitchFamily="34" charset="0"/>
+              </a:rPr>
+              <a:t>سریع و درست انجام دادن هر کاری نیاز به تمرین مداوم دارد. </a:t>
+            </a:r>
+          </a:p>
+          <a:p>
+            <a:pPr marL="914400" lvl="1" indent="-457200" algn="r" rtl="1">
+              <a:lnSpc>
+                <a:spcPct val="150000"/>
+              </a:lnSpc>
+              <a:buFont typeface="Wingdings" panose="05000000000000000000" pitchFamily="2" charset="2"/>
+              <a:buChar char="ü"/>
+            </a:pPr>
+            <a:r>
+              <a:rPr lang="fa-IR" sz="2400" b="1" dirty="0">
+                <a:latin typeface="Calibri" panose="020F0502020204030204" pitchFamily="34" charset="0"/>
+                <a:cs typeface="Calibri" panose="020F0502020204030204" pitchFamily="34" charset="0"/>
+              </a:rPr>
+              <a:t>همانگونه که یک نویسنده ، یک موسیقی دان ، یک ورزشکار حرفه ای تمرین می کند ، شما هم باید تمرین کنید.</a:t>
+            </a:r>
+          </a:p>
+          <a:p>
+            <a:pPr marL="914400" lvl="1" indent="-457200" algn="r" rtl="1">
+              <a:lnSpc>
+                <a:spcPct val="150000"/>
+              </a:lnSpc>
+              <a:buFont typeface="Wingdings" panose="05000000000000000000" pitchFamily="2" charset="2"/>
+              <a:buChar char="ü"/>
+            </a:pPr>
+            <a:r>
+              <a:rPr lang="fa-IR" sz="2400" b="1" dirty="0">
+                <a:latin typeface="Calibri" panose="020F0502020204030204" pitchFamily="34" charset="0"/>
+                <a:cs typeface="Calibri" panose="020F0502020204030204" pitchFamily="34" charset="0"/>
+              </a:rPr>
+              <a:t>روش های مختلفی برای تمرین کردن وجود دارد.</a:t>
+            </a:r>
+          </a:p>
+        </p:txBody>
+      </p:sp>
+    </p:spTree>
+    <p:extLst>
+      <p:ext uri="{BB962C8B-B14F-4D97-AF65-F5344CB8AC3E}">
+        <p14:creationId xmlns:p14="http://schemas.microsoft.com/office/powerpoint/2010/main" val="2958610090"/>
       </p:ext>
     </p:extLst>
   </p:cSld>
@@ -13515,6 +14840,2543 @@
 </p:sld>
 </file>
 
+<file path=ppt/slides/slide40.xml><?xml version="1.0" encoding="utf-8"?>
+<p:sld xmlns:a="http://schemas.openxmlformats.org/drawingml/2006/main" xmlns:r="http://schemas.openxmlformats.org/officeDocument/2006/relationships" xmlns:p="http://schemas.openxmlformats.org/presentationml/2006/main">
+  <p:cSld>
+    <p:spTree>
+      <p:nvGrpSpPr>
+        <p:cNvPr id="1" name=""/>
+        <p:cNvGrpSpPr/>
+        <p:nvPr/>
+      </p:nvGrpSpPr>
+      <p:grpSpPr>
+        <a:xfrm>
+          <a:off x="0" y="0"/>
+          <a:ext cx="0" cy="0"/>
+          <a:chOff x="0" y="0"/>
+          <a:chExt cx="0" cy="0"/>
+        </a:xfrm>
+      </p:grpSpPr>
+      <p:sp>
+        <p:nvSpPr>
+          <p:cNvPr id="2" name="Title 1"/>
+          <p:cNvSpPr>
+            <a:spLocks noGrp="1"/>
+          </p:cNvSpPr>
+          <p:nvPr>
+            <p:ph type="title"/>
+          </p:nvPr>
+        </p:nvSpPr>
+        <p:spPr>
+          <a:xfrm>
+            <a:off x="381000" y="571500"/>
+            <a:ext cx="11341100" cy="685800"/>
+          </a:xfrm>
+        </p:spPr>
+        <p:txBody>
+          <a:bodyPr/>
+          <a:lstStyle/>
+          <a:p>
+            <a:pPr algn="r" rtl="1"/>
+            <a:r>
+              <a:rPr lang="fa-IR" sz="4400" dirty="0">
+                <a:effectLst>
+                  <a:outerShdw blurRad="38100" dist="38100" dir="2700000" algn="tl">
+                    <a:srgbClr val="000000">
+                      <a:alpha val="43137"/>
+                    </a:srgbClr>
+                  </a:outerShdw>
+                </a:effectLst>
+                <a:latin typeface="Calibri" panose="020F0502020204030204" pitchFamily="34" charset="0"/>
+                <a:cs typeface="Calibri" panose="020F0502020204030204" pitchFamily="34" charset="0"/>
+              </a:rPr>
+              <a:t>فصل ششم : تمرین کردن</a:t>
+            </a:r>
+            <a:endParaRPr lang="en-US" sz="4400" dirty="0">
+              <a:effectLst>
+                <a:outerShdw blurRad="38100" dist="38100" dir="2700000" algn="tl">
+                  <a:srgbClr val="000000">
+                    <a:alpha val="43137"/>
+                  </a:srgbClr>
+                </a:outerShdw>
+              </a:effectLst>
+              <a:latin typeface="Calibri" panose="020F0502020204030204" pitchFamily="34" charset="0"/>
+              <a:cs typeface="Calibri" panose="020F0502020204030204" pitchFamily="34" charset="0"/>
+            </a:endParaRPr>
+          </a:p>
+        </p:txBody>
+      </p:sp>
+      <p:sp>
+        <p:nvSpPr>
+          <p:cNvPr id="4" name="TextBox 3">
+            <a:extLst>
+              <a:ext uri="{FF2B5EF4-FFF2-40B4-BE49-F238E27FC236}">
+                <a16:creationId xmlns:a16="http://schemas.microsoft.com/office/drawing/2014/main" id="{969EF470-CEE3-431A-AD47-AD0F7E19DC02}"/>
+              </a:ext>
+            </a:extLst>
+          </p:cNvPr>
+          <p:cNvSpPr txBox="1"/>
+          <p:nvPr/>
+        </p:nvSpPr>
+        <p:spPr>
+          <a:xfrm>
+            <a:off x="155864" y="2369128"/>
+            <a:ext cx="11566236" cy="3820726"/>
+          </a:xfrm>
+          <a:prstGeom prst="rect">
+            <a:avLst/>
+          </a:prstGeom>
+          <a:noFill/>
+        </p:spPr>
+        <p:txBody>
+          <a:bodyPr wrap="square" rtlCol="0">
+            <a:spAutoFit/>
+          </a:bodyPr>
+          <a:lstStyle/>
+          <a:p>
+            <a:pPr algn="r" rtl="1">
+              <a:lnSpc>
+                <a:spcPct val="150000"/>
+              </a:lnSpc>
+            </a:pPr>
+            <a:r>
+              <a:rPr lang="fa-IR" sz="2800" b="1" dirty="0">
+                <a:latin typeface="Calibri" panose="020F0502020204030204" pitchFamily="34" charset="0"/>
+                <a:cs typeface="Calibri" panose="020F0502020204030204" pitchFamily="34" charset="0"/>
+              </a:rPr>
+              <a:t>روش های تمرین کردن کدنویسی:</a:t>
+            </a:r>
+          </a:p>
+          <a:p>
+            <a:pPr marL="914400" lvl="1" indent="-457200" algn="r" rtl="1">
+              <a:lnSpc>
+                <a:spcPct val="150000"/>
+              </a:lnSpc>
+              <a:buFont typeface="Wingdings" panose="05000000000000000000" pitchFamily="2" charset="2"/>
+              <a:buChar char="ü"/>
+            </a:pPr>
+            <a:r>
+              <a:rPr lang="en-US" sz="2400" b="1" dirty="0">
+                <a:latin typeface="Calibri" panose="020F0502020204030204" pitchFamily="34" charset="0"/>
+                <a:cs typeface="Calibri" panose="020F0502020204030204" pitchFamily="34" charset="0"/>
+              </a:rPr>
+              <a:t>Kata</a:t>
+            </a:r>
+            <a:r>
+              <a:rPr lang="fa-IR" sz="2400" b="1" dirty="0">
+                <a:latin typeface="Calibri" panose="020F0502020204030204" pitchFamily="34" charset="0"/>
+                <a:cs typeface="Calibri" panose="020F0502020204030204" pitchFamily="34" charset="0"/>
+              </a:rPr>
+              <a:t> : </a:t>
+            </a:r>
+          </a:p>
+          <a:p>
+            <a:pPr marL="1371600" lvl="2" indent="-457200" algn="r" rtl="1">
+              <a:lnSpc>
+                <a:spcPct val="150000"/>
+              </a:lnSpc>
+              <a:buFont typeface="Wingdings" panose="05000000000000000000" pitchFamily="2" charset="2"/>
+              <a:buChar char="ü"/>
+            </a:pPr>
+            <a:r>
+              <a:rPr lang="fa-IR" sz="2000" b="1" dirty="0">
+                <a:latin typeface="Calibri" panose="020F0502020204030204" pitchFamily="34" charset="0"/>
+                <a:cs typeface="Calibri" panose="020F0502020204030204" pitchFamily="34" charset="0"/>
+              </a:rPr>
+              <a:t>هدف کمالگرایی است . در این حالت شما واقعا مسئله ای را حل نمی کنید بلکه نحوه ی حل کردن مسئله و تصمیمات مورد نظر را تحلیل می کنید و ذهن ، جسم و انگشتان خود را تمرین می دهید . برای یادگیری </a:t>
+            </a:r>
+            <a:r>
+              <a:rPr lang="en-US" sz="2000" b="1" dirty="0">
+                <a:latin typeface="Calibri" panose="020F0502020204030204" pitchFamily="34" charset="0"/>
+                <a:cs typeface="Calibri" panose="020F0502020204030204" pitchFamily="34" charset="0"/>
+              </a:rPr>
+              <a:t>TDD</a:t>
+            </a:r>
+            <a:r>
+              <a:rPr lang="fa-IR" sz="2000" b="1" dirty="0">
+                <a:latin typeface="Calibri" panose="020F0502020204030204" pitchFamily="34" charset="0"/>
+                <a:cs typeface="Calibri" panose="020F0502020204030204" pitchFamily="34" charset="0"/>
+              </a:rPr>
+              <a:t> و </a:t>
+            </a:r>
+            <a:r>
+              <a:rPr lang="en-US" sz="2000" b="1" dirty="0">
+                <a:latin typeface="Calibri" panose="020F0502020204030204" pitchFamily="34" charset="0"/>
+                <a:cs typeface="Calibri" panose="020F0502020204030204" pitchFamily="34" charset="0"/>
+              </a:rPr>
+              <a:t>CI</a:t>
+            </a:r>
+            <a:r>
+              <a:rPr lang="fa-IR" sz="2000" b="1" dirty="0">
+                <a:latin typeface="Calibri" panose="020F0502020204030204" pitchFamily="34" charset="0"/>
+                <a:cs typeface="Calibri" panose="020F0502020204030204" pitchFamily="34" charset="0"/>
+              </a:rPr>
+              <a:t> مناسب است . </a:t>
+            </a:r>
+          </a:p>
+          <a:p>
+            <a:pPr marL="914400" lvl="1" indent="-457200" algn="r" rtl="1">
+              <a:lnSpc>
+                <a:spcPct val="150000"/>
+              </a:lnSpc>
+              <a:buFont typeface="Wingdings" panose="05000000000000000000" pitchFamily="2" charset="2"/>
+              <a:buChar char="ü"/>
+            </a:pPr>
+            <a:r>
+              <a:rPr lang="en-US" sz="2400" b="1" dirty="0">
+                <a:latin typeface="Calibri" panose="020F0502020204030204" pitchFamily="34" charset="0"/>
+                <a:cs typeface="Calibri" panose="020F0502020204030204" pitchFamily="34" charset="0"/>
+              </a:rPr>
+              <a:t>Wase</a:t>
+            </a:r>
+            <a:r>
+              <a:rPr lang="fa-IR" sz="2400" b="1" dirty="0">
+                <a:latin typeface="Calibri" panose="020F0502020204030204" pitchFamily="34" charset="0"/>
+                <a:cs typeface="Calibri" panose="020F0502020204030204" pitchFamily="34" charset="0"/>
+              </a:rPr>
+              <a:t> : یک کاتای دو نفره :</a:t>
+            </a:r>
+          </a:p>
+          <a:p>
+            <a:pPr marL="1371600" lvl="2" indent="-457200" algn="r" rtl="1">
+              <a:lnSpc>
+                <a:spcPct val="150000"/>
+              </a:lnSpc>
+              <a:buFont typeface="Wingdings" panose="05000000000000000000" pitchFamily="2" charset="2"/>
+              <a:buChar char="ü"/>
+            </a:pPr>
+            <a:r>
+              <a:rPr lang="fa-IR" sz="2400" b="1" dirty="0">
+                <a:latin typeface="Calibri" panose="020F0502020204030204" pitchFamily="34" charset="0"/>
+                <a:cs typeface="Calibri" panose="020F0502020204030204" pitchFamily="34" charset="0"/>
+              </a:rPr>
+              <a:t>یکی « تست واحد » را می نویسد و دیگری حل می کند.</a:t>
+            </a:r>
+          </a:p>
+          <a:p>
+            <a:pPr marL="914400" lvl="1" indent="-457200" algn="r" rtl="1">
+              <a:lnSpc>
+                <a:spcPct val="150000"/>
+              </a:lnSpc>
+              <a:buFont typeface="Wingdings" panose="05000000000000000000" pitchFamily="2" charset="2"/>
+              <a:buChar char="ü"/>
+            </a:pPr>
+            <a:r>
+              <a:rPr lang="en-US" sz="2400" b="1" dirty="0">
+                <a:latin typeface="Calibri" panose="020F0502020204030204" pitchFamily="34" charset="0"/>
+                <a:cs typeface="Calibri" panose="020F0502020204030204" pitchFamily="34" charset="0"/>
+              </a:rPr>
+              <a:t>Randori</a:t>
+            </a:r>
+            <a:r>
+              <a:rPr lang="fa-IR" sz="2400" b="1" dirty="0">
+                <a:latin typeface="Calibri" panose="020F0502020204030204" pitchFamily="34" charset="0"/>
+                <a:cs typeface="Calibri" panose="020F0502020204030204" pitchFamily="34" charset="0"/>
+              </a:rPr>
+              <a:t> : مانند یک </a:t>
+            </a:r>
+            <a:r>
+              <a:rPr lang="en-US" sz="2400" b="1" dirty="0">
+                <a:latin typeface="Calibri" panose="020F0502020204030204" pitchFamily="34" charset="0"/>
+                <a:cs typeface="Calibri" panose="020F0502020204030204" pitchFamily="34" charset="0"/>
+              </a:rPr>
+              <a:t>Wase</a:t>
+            </a:r>
+            <a:r>
+              <a:rPr lang="fa-IR" sz="2400" b="1" dirty="0">
+                <a:latin typeface="Calibri" panose="020F0502020204030204" pitchFamily="34" charset="0"/>
+                <a:cs typeface="Calibri" panose="020F0502020204030204" pitchFamily="34" charset="0"/>
+              </a:rPr>
+              <a:t> نوبتی است. </a:t>
+            </a:r>
+          </a:p>
+        </p:txBody>
+      </p:sp>
+    </p:spTree>
+    <p:extLst>
+      <p:ext uri="{BB962C8B-B14F-4D97-AF65-F5344CB8AC3E}">
+        <p14:creationId xmlns:p14="http://schemas.microsoft.com/office/powerpoint/2010/main" val="1374061240"/>
+      </p:ext>
+    </p:extLst>
+  </p:cSld>
+  <p:clrMapOvr>
+    <a:masterClrMapping/>
+  </p:clrMapOvr>
+</p:sld>
+</file>
+
+<file path=ppt/slides/slide41.xml><?xml version="1.0" encoding="utf-8"?>
+<p:sld xmlns:a="http://schemas.openxmlformats.org/drawingml/2006/main" xmlns:r="http://schemas.openxmlformats.org/officeDocument/2006/relationships" xmlns:p="http://schemas.openxmlformats.org/presentationml/2006/main">
+  <p:cSld>
+    <p:spTree>
+      <p:nvGrpSpPr>
+        <p:cNvPr id="1" name=""/>
+        <p:cNvGrpSpPr/>
+        <p:nvPr/>
+      </p:nvGrpSpPr>
+      <p:grpSpPr>
+        <a:xfrm>
+          <a:off x="0" y="0"/>
+          <a:ext cx="0" cy="0"/>
+          <a:chOff x="0" y="0"/>
+          <a:chExt cx="0" cy="0"/>
+        </a:xfrm>
+      </p:grpSpPr>
+      <p:sp>
+        <p:nvSpPr>
+          <p:cNvPr id="2" name="Title 1"/>
+          <p:cNvSpPr>
+            <a:spLocks noGrp="1"/>
+          </p:cNvSpPr>
+          <p:nvPr>
+            <p:ph type="title"/>
+          </p:nvPr>
+        </p:nvSpPr>
+        <p:spPr>
+          <a:xfrm>
+            <a:off x="381000" y="571500"/>
+            <a:ext cx="11341100" cy="685800"/>
+          </a:xfrm>
+        </p:spPr>
+        <p:txBody>
+          <a:bodyPr/>
+          <a:lstStyle/>
+          <a:p>
+            <a:pPr algn="r" rtl="1"/>
+            <a:r>
+              <a:rPr lang="fa-IR" sz="4400" dirty="0">
+                <a:effectLst>
+                  <a:outerShdw blurRad="38100" dist="38100" dir="2700000" algn="tl">
+                    <a:srgbClr val="000000">
+                      <a:alpha val="43137"/>
+                    </a:srgbClr>
+                  </a:outerShdw>
+                </a:effectLst>
+                <a:latin typeface="Calibri" panose="020F0502020204030204" pitchFamily="34" charset="0"/>
+                <a:cs typeface="Calibri" panose="020F0502020204030204" pitchFamily="34" charset="0"/>
+              </a:rPr>
+              <a:t>فصل ششم : تمرین کردن</a:t>
+            </a:r>
+            <a:endParaRPr lang="en-US" sz="4400" dirty="0">
+              <a:effectLst>
+                <a:outerShdw blurRad="38100" dist="38100" dir="2700000" algn="tl">
+                  <a:srgbClr val="000000">
+                    <a:alpha val="43137"/>
+                  </a:srgbClr>
+                </a:outerShdw>
+              </a:effectLst>
+              <a:latin typeface="Calibri" panose="020F0502020204030204" pitchFamily="34" charset="0"/>
+              <a:cs typeface="Calibri" panose="020F0502020204030204" pitchFamily="34" charset="0"/>
+            </a:endParaRPr>
+          </a:p>
+        </p:txBody>
+      </p:sp>
+      <p:sp>
+        <p:nvSpPr>
+          <p:cNvPr id="4" name="TextBox 3">
+            <a:extLst>
+              <a:ext uri="{FF2B5EF4-FFF2-40B4-BE49-F238E27FC236}">
+                <a16:creationId xmlns:a16="http://schemas.microsoft.com/office/drawing/2014/main" id="{969EF470-CEE3-431A-AD47-AD0F7E19DC02}"/>
+              </a:ext>
+            </a:extLst>
+          </p:cNvPr>
+          <p:cNvSpPr txBox="1"/>
+          <p:nvPr/>
+        </p:nvSpPr>
+        <p:spPr>
+          <a:xfrm>
+            <a:off x="155864" y="2369128"/>
+            <a:ext cx="11566236" cy="3728393"/>
+          </a:xfrm>
+          <a:prstGeom prst="rect">
+            <a:avLst/>
+          </a:prstGeom>
+          <a:noFill/>
+        </p:spPr>
+        <p:txBody>
+          <a:bodyPr wrap="square" rtlCol="0">
+            <a:spAutoFit/>
+          </a:bodyPr>
+          <a:lstStyle/>
+          <a:p>
+            <a:pPr algn="r" rtl="1">
+              <a:lnSpc>
+                <a:spcPct val="150000"/>
+              </a:lnSpc>
+            </a:pPr>
+            <a:r>
+              <a:rPr lang="fa-IR" sz="2800" b="1" dirty="0">
+                <a:latin typeface="Calibri" panose="020F0502020204030204" pitchFamily="34" charset="0"/>
+                <a:cs typeface="Calibri" panose="020F0502020204030204" pitchFamily="34" charset="0"/>
+              </a:rPr>
+              <a:t>روش های تمرین کردن کدنویسی:</a:t>
+            </a:r>
+          </a:p>
+          <a:p>
+            <a:pPr marL="914400" lvl="1" indent="-457200" algn="r" rtl="1">
+              <a:lnSpc>
+                <a:spcPct val="150000"/>
+              </a:lnSpc>
+              <a:buFont typeface="Wingdings" panose="05000000000000000000" pitchFamily="2" charset="2"/>
+              <a:buChar char="ü"/>
+            </a:pPr>
+            <a:r>
+              <a:rPr lang="fa-IR" sz="2400" b="1" dirty="0">
+                <a:latin typeface="Calibri" panose="020F0502020204030204" pitchFamily="34" charset="0"/>
+                <a:cs typeface="Calibri" panose="020F0502020204030204" pitchFamily="34" charset="0"/>
+              </a:rPr>
+              <a:t>افزایش وسعت تجربیات خود : </a:t>
+            </a:r>
+          </a:p>
+          <a:p>
+            <a:pPr marL="1371600" lvl="2" indent="-457200" algn="r" rtl="1">
+              <a:lnSpc>
+                <a:spcPct val="150000"/>
+              </a:lnSpc>
+              <a:buFont typeface="Wingdings" panose="05000000000000000000" pitchFamily="2" charset="2"/>
+              <a:buChar char="ü"/>
+            </a:pPr>
+            <a:r>
+              <a:rPr lang="fa-IR" sz="2000" b="1" dirty="0">
+                <a:latin typeface="Calibri" panose="020F0502020204030204" pitchFamily="34" charset="0"/>
+                <a:cs typeface="Calibri" panose="020F0502020204030204" pitchFamily="34" charset="0"/>
+              </a:rPr>
+              <a:t>یک زبان دیگر بیاموزید.</a:t>
+            </a:r>
+          </a:p>
+          <a:p>
+            <a:pPr marL="1371600" lvl="2" indent="-457200" algn="r" rtl="1">
+              <a:lnSpc>
+                <a:spcPct val="150000"/>
+              </a:lnSpc>
+              <a:buFont typeface="Wingdings" panose="05000000000000000000" pitchFamily="2" charset="2"/>
+              <a:buChar char="ü"/>
+            </a:pPr>
+            <a:r>
+              <a:rPr lang="fa-IR" sz="2000" b="1" dirty="0">
+                <a:latin typeface="Calibri" panose="020F0502020204030204" pitchFamily="34" charset="0"/>
+                <a:cs typeface="Calibri" panose="020F0502020204030204" pitchFamily="34" charset="0"/>
+              </a:rPr>
+              <a:t>در یک حوزه ی دیگر برنامه نویسی کنید .</a:t>
+            </a:r>
+          </a:p>
+          <a:p>
+            <a:pPr marL="1371600" lvl="2" indent="-457200" algn="r" rtl="1">
+              <a:lnSpc>
+                <a:spcPct val="150000"/>
+              </a:lnSpc>
+              <a:buFont typeface="Wingdings" panose="05000000000000000000" pitchFamily="2" charset="2"/>
+              <a:buChar char="ü"/>
+            </a:pPr>
+            <a:r>
+              <a:rPr lang="fa-IR" sz="2000" b="1" dirty="0">
+                <a:latin typeface="Calibri" panose="020F0502020204030204" pitchFamily="34" charset="0"/>
+                <a:cs typeface="Calibri" panose="020F0502020204030204" pitchFamily="34" charset="0"/>
+              </a:rPr>
+              <a:t>مانع از سکون در معلوماتتان می شود و در هنگام تغییر شغل به دردتان می خورد.</a:t>
+            </a:r>
+          </a:p>
+          <a:p>
+            <a:pPr marL="914400" lvl="1" indent="-457200" algn="r" rtl="1">
+              <a:lnSpc>
+                <a:spcPct val="150000"/>
+              </a:lnSpc>
+              <a:buFont typeface="Wingdings" panose="05000000000000000000" pitchFamily="2" charset="2"/>
+              <a:buChar char="ü"/>
+            </a:pPr>
+            <a:r>
+              <a:rPr lang="fa-IR" sz="2400" b="1" dirty="0">
+                <a:latin typeface="Calibri" panose="020F0502020204030204" pitchFamily="34" charset="0"/>
+                <a:cs typeface="Calibri" panose="020F0502020204030204" pitchFamily="34" charset="0"/>
+              </a:rPr>
+              <a:t>شرکت در پروژه های «  منبع باز  » </a:t>
+            </a:r>
+          </a:p>
+          <a:p>
+            <a:pPr marL="914400" lvl="1" indent="-457200" algn="r" rtl="1">
+              <a:lnSpc>
+                <a:spcPct val="150000"/>
+              </a:lnSpc>
+              <a:buFont typeface="Wingdings" panose="05000000000000000000" pitchFamily="2" charset="2"/>
+              <a:buChar char="ü"/>
+            </a:pPr>
+            <a:r>
+              <a:rPr lang="fa-IR" sz="2400" b="1" dirty="0">
+                <a:latin typeface="Calibri" panose="020F0502020204030204" pitchFamily="34" charset="0"/>
+                <a:cs typeface="Calibri" panose="020F0502020204030204" pitchFamily="34" charset="0"/>
+              </a:rPr>
+              <a:t>تمرین حرفه ای </a:t>
+            </a:r>
+          </a:p>
+        </p:txBody>
+      </p:sp>
+    </p:spTree>
+    <p:extLst>
+      <p:ext uri="{BB962C8B-B14F-4D97-AF65-F5344CB8AC3E}">
+        <p14:creationId xmlns:p14="http://schemas.microsoft.com/office/powerpoint/2010/main" val="2230935950"/>
+      </p:ext>
+    </p:extLst>
+  </p:cSld>
+  <p:clrMapOvr>
+    <a:masterClrMapping/>
+  </p:clrMapOvr>
+</p:sld>
+</file>
+
+<file path=ppt/slides/slide42.xml><?xml version="1.0" encoding="utf-8"?>
+<p:sld xmlns:a="http://schemas.openxmlformats.org/drawingml/2006/main" xmlns:r="http://schemas.openxmlformats.org/officeDocument/2006/relationships" xmlns:p="http://schemas.openxmlformats.org/presentationml/2006/main">
+  <p:cSld>
+    <p:spTree>
+      <p:nvGrpSpPr>
+        <p:cNvPr id="1" name=""/>
+        <p:cNvGrpSpPr/>
+        <p:nvPr/>
+      </p:nvGrpSpPr>
+      <p:grpSpPr>
+        <a:xfrm>
+          <a:off x="0" y="0"/>
+          <a:ext cx="0" cy="0"/>
+          <a:chOff x="0" y="0"/>
+          <a:chExt cx="0" cy="0"/>
+        </a:xfrm>
+      </p:grpSpPr>
+      <p:sp>
+        <p:nvSpPr>
+          <p:cNvPr id="2" name="Title 1"/>
+          <p:cNvSpPr>
+            <a:spLocks noGrp="1"/>
+          </p:cNvSpPr>
+          <p:nvPr>
+            <p:ph type="title"/>
+          </p:nvPr>
+        </p:nvSpPr>
+        <p:spPr>
+          <a:xfrm>
+            <a:off x="381000" y="571500"/>
+            <a:ext cx="11341100" cy="685800"/>
+          </a:xfrm>
+        </p:spPr>
+        <p:txBody>
+          <a:bodyPr/>
+          <a:lstStyle/>
+          <a:p>
+            <a:pPr algn="r" rtl="1"/>
+            <a:r>
+              <a:rPr lang="fa-IR" sz="4400" dirty="0">
+                <a:effectLst>
+                  <a:outerShdw blurRad="38100" dist="38100" dir="2700000" algn="tl">
+                    <a:srgbClr val="000000">
+                      <a:alpha val="43137"/>
+                    </a:srgbClr>
+                  </a:outerShdw>
+                </a:effectLst>
+                <a:latin typeface="Calibri" panose="020F0502020204030204" pitchFamily="34" charset="0"/>
+                <a:cs typeface="Calibri" panose="020F0502020204030204" pitchFamily="34" charset="0"/>
+              </a:rPr>
+              <a:t>فصل هفتم : تست پذیرش</a:t>
+            </a:r>
+            <a:r>
+              <a:rPr lang="en-US" sz="4400" dirty="0">
+                <a:effectLst>
+                  <a:outerShdw blurRad="38100" dist="38100" dir="2700000" algn="tl">
+                    <a:srgbClr val="000000">
+                      <a:alpha val="43137"/>
+                    </a:srgbClr>
+                  </a:outerShdw>
+                </a:effectLst>
+                <a:latin typeface="Calibri" panose="020F0502020204030204" pitchFamily="34" charset="0"/>
+                <a:cs typeface="Calibri" panose="020F0502020204030204" pitchFamily="34" charset="0"/>
+              </a:rPr>
+              <a:t>/ </a:t>
+            </a:r>
+            <a:r>
+              <a:rPr lang="fa-IR" sz="4400" dirty="0">
+                <a:effectLst>
+                  <a:outerShdw blurRad="38100" dist="38100" dir="2700000" algn="tl">
+                    <a:srgbClr val="000000">
+                      <a:alpha val="43137"/>
+                    </a:srgbClr>
+                  </a:outerShdw>
+                </a:effectLst>
+                <a:latin typeface="Calibri" panose="020F0502020204030204" pitchFamily="34" charset="0"/>
+                <a:cs typeface="Calibri" panose="020F0502020204030204" pitchFamily="34" charset="0"/>
+              </a:rPr>
+              <a:t> </a:t>
+            </a:r>
+            <a:r>
+              <a:rPr lang="en-US" sz="4400" dirty="0">
+                <a:effectLst>
+                  <a:outerShdw blurRad="38100" dist="38100" dir="2700000" algn="tl">
+                    <a:srgbClr val="000000">
+                      <a:alpha val="43137"/>
+                    </a:srgbClr>
+                  </a:outerShdw>
+                </a:effectLst>
+                <a:latin typeface="Calibri" panose="020F0502020204030204" pitchFamily="34" charset="0"/>
+                <a:cs typeface="Calibri" panose="020F0502020204030204" pitchFamily="34" charset="0"/>
+              </a:rPr>
+              <a:t>Acceptance Test</a:t>
+            </a:r>
+          </a:p>
+        </p:txBody>
+      </p:sp>
+      <p:pic>
+        <p:nvPicPr>
+          <p:cNvPr id="5" name="Picture 4">
+            <a:extLst>
+              <a:ext uri="{FF2B5EF4-FFF2-40B4-BE49-F238E27FC236}">
+                <a16:creationId xmlns:a16="http://schemas.microsoft.com/office/drawing/2014/main" id="{44DF9AE6-DE2D-4809-B369-1B24803A7B7C}"/>
+              </a:ext>
+            </a:extLst>
+          </p:cNvPr>
+          <p:cNvPicPr>
+            <a:picLocks noChangeAspect="1"/>
+          </p:cNvPicPr>
+          <p:nvPr/>
+        </p:nvPicPr>
+        <p:blipFill>
+          <a:blip r:embed="rId2"/>
+          <a:stretch>
+            <a:fillRect/>
+          </a:stretch>
+        </p:blipFill>
+        <p:spPr>
+          <a:xfrm>
+            <a:off x="529936" y="2258291"/>
+            <a:ext cx="8077200" cy="4419600"/>
+          </a:xfrm>
+          <a:prstGeom prst="rect">
+            <a:avLst/>
+          </a:prstGeom>
+        </p:spPr>
+      </p:pic>
+    </p:spTree>
+    <p:extLst>
+      <p:ext uri="{BB962C8B-B14F-4D97-AF65-F5344CB8AC3E}">
+        <p14:creationId xmlns:p14="http://schemas.microsoft.com/office/powerpoint/2010/main" val="3827909039"/>
+      </p:ext>
+    </p:extLst>
+  </p:cSld>
+  <p:clrMapOvr>
+    <a:masterClrMapping/>
+  </p:clrMapOvr>
+</p:sld>
+</file>
+
+<file path=ppt/slides/slide43.xml><?xml version="1.0" encoding="utf-8"?>
+<p:sld xmlns:a="http://schemas.openxmlformats.org/drawingml/2006/main" xmlns:r="http://schemas.openxmlformats.org/officeDocument/2006/relationships" xmlns:p="http://schemas.openxmlformats.org/presentationml/2006/main">
+  <p:cSld>
+    <p:spTree>
+      <p:nvGrpSpPr>
+        <p:cNvPr id="1" name=""/>
+        <p:cNvGrpSpPr/>
+        <p:nvPr/>
+      </p:nvGrpSpPr>
+      <p:grpSpPr>
+        <a:xfrm>
+          <a:off x="0" y="0"/>
+          <a:ext cx="0" cy="0"/>
+          <a:chOff x="0" y="0"/>
+          <a:chExt cx="0" cy="0"/>
+        </a:xfrm>
+      </p:grpSpPr>
+      <p:sp>
+        <p:nvSpPr>
+          <p:cNvPr id="2" name="Title 1"/>
+          <p:cNvSpPr>
+            <a:spLocks noGrp="1"/>
+          </p:cNvSpPr>
+          <p:nvPr>
+            <p:ph type="title"/>
+          </p:nvPr>
+        </p:nvSpPr>
+        <p:spPr>
+          <a:xfrm>
+            <a:off x="381000" y="571500"/>
+            <a:ext cx="11341100" cy="685800"/>
+          </a:xfrm>
+        </p:spPr>
+        <p:txBody>
+          <a:bodyPr/>
+          <a:lstStyle/>
+          <a:p>
+            <a:pPr algn="r" rtl="1"/>
+            <a:r>
+              <a:rPr lang="fa-IR" sz="4400" dirty="0">
+                <a:effectLst>
+                  <a:outerShdw blurRad="38100" dist="38100" dir="2700000" algn="tl">
+                    <a:srgbClr val="000000">
+                      <a:alpha val="43137"/>
+                    </a:srgbClr>
+                  </a:outerShdw>
+                </a:effectLst>
+                <a:latin typeface="Calibri" panose="020F0502020204030204" pitchFamily="34" charset="0"/>
+                <a:cs typeface="Calibri" panose="020F0502020204030204" pitchFamily="34" charset="0"/>
+              </a:rPr>
+              <a:t>فصل هفتم : تست پذیرش</a:t>
+            </a:r>
+            <a:r>
+              <a:rPr lang="en-US" sz="4400" dirty="0">
+                <a:effectLst>
+                  <a:outerShdw blurRad="38100" dist="38100" dir="2700000" algn="tl">
+                    <a:srgbClr val="000000">
+                      <a:alpha val="43137"/>
+                    </a:srgbClr>
+                  </a:outerShdw>
+                </a:effectLst>
+                <a:latin typeface="Calibri" panose="020F0502020204030204" pitchFamily="34" charset="0"/>
+                <a:cs typeface="Calibri" panose="020F0502020204030204" pitchFamily="34" charset="0"/>
+              </a:rPr>
+              <a:t>/ </a:t>
+            </a:r>
+            <a:r>
+              <a:rPr lang="fa-IR" sz="4400" dirty="0">
+                <a:effectLst>
+                  <a:outerShdw blurRad="38100" dist="38100" dir="2700000" algn="tl">
+                    <a:srgbClr val="000000">
+                      <a:alpha val="43137"/>
+                    </a:srgbClr>
+                  </a:outerShdw>
+                </a:effectLst>
+                <a:latin typeface="Calibri" panose="020F0502020204030204" pitchFamily="34" charset="0"/>
+                <a:cs typeface="Calibri" panose="020F0502020204030204" pitchFamily="34" charset="0"/>
+              </a:rPr>
+              <a:t> </a:t>
+            </a:r>
+            <a:r>
+              <a:rPr lang="en-US" sz="4400" dirty="0">
+                <a:effectLst>
+                  <a:outerShdw blurRad="38100" dist="38100" dir="2700000" algn="tl">
+                    <a:srgbClr val="000000">
+                      <a:alpha val="43137"/>
+                    </a:srgbClr>
+                  </a:outerShdw>
+                </a:effectLst>
+                <a:latin typeface="Calibri" panose="020F0502020204030204" pitchFamily="34" charset="0"/>
+                <a:cs typeface="Calibri" panose="020F0502020204030204" pitchFamily="34" charset="0"/>
+              </a:rPr>
+              <a:t>Acceptance Test</a:t>
+            </a:r>
+          </a:p>
+        </p:txBody>
+      </p:sp>
+      <p:sp>
+        <p:nvSpPr>
+          <p:cNvPr id="7" name="TextBox 6">
+            <a:extLst>
+              <a:ext uri="{FF2B5EF4-FFF2-40B4-BE49-F238E27FC236}">
+                <a16:creationId xmlns:a16="http://schemas.microsoft.com/office/drawing/2014/main" id="{E98D3AAF-BA86-4C58-A859-B94F7FE37DF9}"/>
+              </a:ext>
+            </a:extLst>
+          </p:cNvPr>
+          <p:cNvSpPr txBox="1"/>
+          <p:nvPr/>
+        </p:nvSpPr>
+        <p:spPr>
+          <a:xfrm>
+            <a:off x="488373" y="2108018"/>
+            <a:ext cx="11233727" cy="506292"/>
+          </a:xfrm>
+          <a:prstGeom prst="rect">
+            <a:avLst/>
+          </a:prstGeom>
+          <a:noFill/>
+        </p:spPr>
+        <p:txBody>
+          <a:bodyPr wrap="square">
+            <a:spAutoFit/>
+          </a:bodyPr>
+          <a:lstStyle/>
+          <a:p>
+            <a:pPr algn="r" rtl="1">
+              <a:lnSpc>
+                <a:spcPct val="150000"/>
+              </a:lnSpc>
+            </a:pPr>
+            <a:r>
+              <a:rPr lang="fa-IR" sz="2000" b="1" dirty="0">
+                <a:latin typeface="Calibri" panose="020F0502020204030204" pitchFamily="34" charset="0"/>
+                <a:cs typeface="Calibri" panose="020F0502020204030204" pitchFamily="34" charset="0"/>
+              </a:rPr>
+              <a:t>وظیفه ی یک توسعه دهنده ی حرفه ای به همان اندازه که نقش توسعه دهنده است ، نقش ارتباط گر نیز هست .</a:t>
+            </a:r>
+          </a:p>
+        </p:txBody>
+      </p:sp>
+      <p:sp>
+        <p:nvSpPr>
+          <p:cNvPr id="9" name="TextBox 8">
+            <a:extLst>
+              <a:ext uri="{FF2B5EF4-FFF2-40B4-BE49-F238E27FC236}">
+                <a16:creationId xmlns:a16="http://schemas.microsoft.com/office/drawing/2014/main" id="{663D9B27-9BD9-46A2-9DE5-822BC3578145}"/>
+              </a:ext>
+            </a:extLst>
+          </p:cNvPr>
+          <p:cNvSpPr txBox="1"/>
+          <p:nvPr/>
+        </p:nvSpPr>
+        <p:spPr>
+          <a:xfrm>
+            <a:off x="431800" y="2749392"/>
+            <a:ext cx="11239500" cy="4467057"/>
+          </a:xfrm>
+          <a:prstGeom prst="rect">
+            <a:avLst/>
+          </a:prstGeom>
+          <a:noFill/>
+        </p:spPr>
+        <p:txBody>
+          <a:bodyPr wrap="square">
+            <a:spAutoFit/>
+          </a:bodyPr>
+          <a:lstStyle/>
+          <a:p>
+            <a:pPr algn="r" rtl="1">
+              <a:lnSpc>
+                <a:spcPct val="150000"/>
+              </a:lnSpc>
+            </a:pPr>
+            <a:r>
+              <a:rPr lang="fa-IR" sz="2800" b="1" dirty="0">
+                <a:latin typeface="Calibri" panose="020F0502020204030204" pitchFamily="34" charset="0"/>
+                <a:cs typeface="Calibri" panose="020F0502020204030204" pitchFamily="34" charset="0"/>
+              </a:rPr>
+              <a:t>مشکلات ارتباط :</a:t>
+            </a:r>
+          </a:p>
+          <a:p>
+            <a:pPr marL="914400" lvl="1" indent="-457200" algn="r" rtl="1">
+              <a:lnSpc>
+                <a:spcPct val="150000"/>
+              </a:lnSpc>
+              <a:buFont typeface="Wingdings" panose="05000000000000000000" pitchFamily="2" charset="2"/>
+              <a:buChar char="ü"/>
+            </a:pPr>
+            <a:r>
+              <a:rPr lang="fa-IR" sz="2000" b="1" dirty="0">
+                <a:latin typeface="Calibri" panose="020F0502020204030204" pitchFamily="34" charset="0"/>
+                <a:cs typeface="Calibri" panose="020F0502020204030204" pitchFamily="34" charset="0"/>
+              </a:rPr>
+              <a:t>درک نیازمندی های واقعی</a:t>
+            </a:r>
+          </a:p>
+          <a:p>
+            <a:pPr marL="914400" lvl="1" indent="-457200" algn="r" rtl="1">
+              <a:lnSpc>
+                <a:spcPct val="150000"/>
+              </a:lnSpc>
+              <a:buFont typeface="Wingdings" panose="05000000000000000000" pitchFamily="2" charset="2"/>
+              <a:buChar char="ü"/>
+            </a:pPr>
+            <a:r>
+              <a:rPr lang="fa-IR" sz="2000" b="1" dirty="0">
+                <a:latin typeface="Calibri" panose="020F0502020204030204" pitchFamily="34" charset="0"/>
+                <a:cs typeface="Calibri" panose="020F0502020204030204" pitchFamily="34" charset="0"/>
+              </a:rPr>
+              <a:t>عدم رسیدن به زمان بندی اولیه</a:t>
+            </a:r>
+          </a:p>
+          <a:p>
+            <a:pPr marL="914400" lvl="1" indent="-457200" algn="r" rtl="1">
+              <a:lnSpc>
+                <a:spcPct val="150000"/>
+              </a:lnSpc>
+              <a:buFont typeface="Wingdings" panose="05000000000000000000" pitchFamily="2" charset="2"/>
+              <a:buChar char="ü"/>
+            </a:pPr>
+            <a:r>
+              <a:rPr lang="fa-IR" sz="2000" b="1" dirty="0">
+                <a:latin typeface="Calibri" panose="020F0502020204030204" pitchFamily="34" charset="0"/>
+                <a:cs typeface="Calibri" panose="020F0502020204030204" pitchFamily="34" charset="0"/>
+              </a:rPr>
+              <a:t>نمونه ی اولیه</a:t>
+            </a:r>
+          </a:p>
+          <a:p>
+            <a:pPr marL="914400" lvl="1" indent="-457200" algn="r" rtl="1">
+              <a:lnSpc>
+                <a:spcPct val="150000"/>
+              </a:lnSpc>
+              <a:buFont typeface="Wingdings" panose="05000000000000000000" pitchFamily="2" charset="2"/>
+              <a:buChar char="ü"/>
+            </a:pPr>
+            <a:r>
+              <a:rPr lang="fa-IR" sz="2000" b="1" dirty="0">
+                <a:latin typeface="Calibri" panose="020F0502020204030204" pitchFamily="34" charset="0"/>
+                <a:cs typeface="Calibri" panose="020F0502020204030204" pitchFamily="34" charset="0"/>
+              </a:rPr>
+              <a:t>اضطراب تخمین :</a:t>
+            </a:r>
+          </a:p>
+          <a:p>
+            <a:pPr marL="1371600" lvl="2" indent="-457200" algn="r" rtl="1">
+              <a:lnSpc>
+                <a:spcPct val="150000"/>
+              </a:lnSpc>
+              <a:buFont typeface="Wingdings" panose="05000000000000000000" pitchFamily="2" charset="2"/>
+              <a:buChar char="ü"/>
+            </a:pPr>
+            <a:r>
+              <a:rPr lang="fa-IR" sz="2000" b="1" dirty="0">
+                <a:latin typeface="Calibri" panose="020F0502020204030204" pitchFamily="34" charset="0"/>
+                <a:cs typeface="Calibri" panose="020F0502020204030204" pitchFamily="34" charset="0"/>
+              </a:rPr>
+              <a:t>تخمین ها نیازی به دقیق بودن ندارند .</a:t>
+            </a:r>
+          </a:p>
+          <a:p>
+            <a:pPr marL="1371600" lvl="2" indent="-457200" algn="r" rtl="1">
+              <a:lnSpc>
+                <a:spcPct val="150000"/>
+              </a:lnSpc>
+              <a:buFont typeface="Wingdings" panose="05000000000000000000" pitchFamily="2" charset="2"/>
+              <a:buChar char="ü"/>
+            </a:pPr>
+            <a:r>
+              <a:rPr lang="fa-IR" sz="2000" b="1" dirty="0">
+                <a:latin typeface="Calibri" panose="020F0502020204030204" pitchFamily="34" charset="0"/>
+                <a:cs typeface="Calibri" panose="020F0502020204030204" pitchFamily="34" charset="0"/>
+              </a:rPr>
+              <a:t>اگر نیازمندی تغییر کند ، تخمین ها بیهوده خواهند بود </a:t>
+            </a:r>
+          </a:p>
+          <a:p>
+            <a:pPr marL="914400" lvl="1" indent="-457200" algn="r" rtl="1">
+              <a:lnSpc>
+                <a:spcPct val="150000"/>
+              </a:lnSpc>
+              <a:buFont typeface="Wingdings" panose="05000000000000000000" pitchFamily="2" charset="2"/>
+              <a:buChar char="ü"/>
+            </a:pPr>
+            <a:r>
+              <a:rPr lang="fa-IR" sz="2000" b="1" dirty="0">
+                <a:latin typeface="Calibri" panose="020F0502020204030204" pitchFamily="34" charset="0"/>
+                <a:cs typeface="Calibri" panose="020F0502020204030204" pitchFamily="34" charset="0"/>
+              </a:rPr>
+              <a:t>کج فهمی </a:t>
+            </a:r>
+          </a:p>
+          <a:p>
+            <a:pPr marL="914400" lvl="1" indent="-457200" algn="r" rtl="1">
+              <a:lnSpc>
+                <a:spcPct val="150000"/>
+              </a:lnSpc>
+              <a:buFont typeface="Wingdings" panose="05000000000000000000" pitchFamily="2" charset="2"/>
+              <a:buChar char="ü"/>
+            </a:pPr>
+            <a:endParaRPr lang="fa-IR" sz="2400" b="1" dirty="0">
+              <a:latin typeface="Calibri" panose="020F0502020204030204" pitchFamily="34" charset="0"/>
+              <a:cs typeface="Calibri" panose="020F0502020204030204" pitchFamily="34" charset="0"/>
+            </a:endParaRPr>
+          </a:p>
+        </p:txBody>
+      </p:sp>
+    </p:spTree>
+    <p:extLst>
+      <p:ext uri="{BB962C8B-B14F-4D97-AF65-F5344CB8AC3E}">
+        <p14:creationId xmlns:p14="http://schemas.microsoft.com/office/powerpoint/2010/main" val="2180056820"/>
+      </p:ext>
+    </p:extLst>
+  </p:cSld>
+  <p:clrMapOvr>
+    <a:masterClrMapping/>
+  </p:clrMapOvr>
+</p:sld>
+</file>
+
+<file path=ppt/slides/slide44.xml><?xml version="1.0" encoding="utf-8"?>
+<p:sld xmlns:a="http://schemas.openxmlformats.org/drawingml/2006/main" xmlns:r="http://schemas.openxmlformats.org/officeDocument/2006/relationships" xmlns:p="http://schemas.openxmlformats.org/presentationml/2006/main">
+  <p:cSld>
+    <p:spTree>
+      <p:nvGrpSpPr>
+        <p:cNvPr id="1" name=""/>
+        <p:cNvGrpSpPr/>
+        <p:nvPr/>
+      </p:nvGrpSpPr>
+      <p:grpSpPr>
+        <a:xfrm>
+          <a:off x="0" y="0"/>
+          <a:ext cx="0" cy="0"/>
+          <a:chOff x="0" y="0"/>
+          <a:chExt cx="0" cy="0"/>
+        </a:xfrm>
+      </p:grpSpPr>
+      <p:sp>
+        <p:nvSpPr>
+          <p:cNvPr id="2" name="Title 1"/>
+          <p:cNvSpPr>
+            <a:spLocks noGrp="1"/>
+          </p:cNvSpPr>
+          <p:nvPr>
+            <p:ph type="title"/>
+          </p:nvPr>
+        </p:nvSpPr>
+        <p:spPr>
+          <a:xfrm>
+            <a:off x="381000" y="571500"/>
+            <a:ext cx="11341100" cy="685800"/>
+          </a:xfrm>
+        </p:spPr>
+        <p:txBody>
+          <a:bodyPr/>
+          <a:lstStyle/>
+          <a:p>
+            <a:pPr algn="r" rtl="1"/>
+            <a:r>
+              <a:rPr lang="fa-IR" sz="4400" dirty="0">
+                <a:effectLst>
+                  <a:outerShdw blurRad="38100" dist="38100" dir="2700000" algn="tl">
+                    <a:srgbClr val="000000">
+                      <a:alpha val="43137"/>
+                    </a:srgbClr>
+                  </a:outerShdw>
+                </a:effectLst>
+                <a:latin typeface="Calibri" panose="020F0502020204030204" pitchFamily="34" charset="0"/>
+                <a:cs typeface="Calibri" panose="020F0502020204030204" pitchFamily="34" charset="0"/>
+              </a:rPr>
+              <a:t>فصل هفتم : تست پذیرش</a:t>
+            </a:r>
+            <a:r>
+              <a:rPr lang="en-US" sz="4400" dirty="0">
+                <a:effectLst>
+                  <a:outerShdw blurRad="38100" dist="38100" dir="2700000" algn="tl">
+                    <a:srgbClr val="000000">
+                      <a:alpha val="43137"/>
+                    </a:srgbClr>
+                  </a:outerShdw>
+                </a:effectLst>
+                <a:latin typeface="Calibri" panose="020F0502020204030204" pitchFamily="34" charset="0"/>
+                <a:cs typeface="Calibri" panose="020F0502020204030204" pitchFamily="34" charset="0"/>
+              </a:rPr>
+              <a:t>/ </a:t>
+            </a:r>
+            <a:r>
+              <a:rPr lang="fa-IR" sz="4400" dirty="0">
+                <a:effectLst>
+                  <a:outerShdw blurRad="38100" dist="38100" dir="2700000" algn="tl">
+                    <a:srgbClr val="000000">
+                      <a:alpha val="43137"/>
+                    </a:srgbClr>
+                  </a:outerShdw>
+                </a:effectLst>
+                <a:latin typeface="Calibri" panose="020F0502020204030204" pitchFamily="34" charset="0"/>
+                <a:cs typeface="Calibri" panose="020F0502020204030204" pitchFamily="34" charset="0"/>
+              </a:rPr>
+              <a:t> </a:t>
+            </a:r>
+            <a:r>
+              <a:rPr lang="en-US" sz="4400" dirty="0">
+                <a:effectLst>
+                  <a:outerShdw blurRad="38100" dist="38100" dir="2700000" algn="tl">
+                    <a:srgbClr val="000000">
+                      <a:alpha val="43137"/>
+                    </a:srgbClr>
+                  </a:outerShdw>
+                </a:effectLst>
+                <a:latin typeface="Calibri" panose="020F0502020204030204" pitchFamily="34" charset="0"/>
+                <a:cs typeface="Calibri" panose="020F0502020204030204" pitchFamily="34" charset="0"/>
+              </a:rPr>
+              <a:t>Acceptance Test</a:t>
+            </a:r>
+          </a:p>
+        </p:txBody>
+      </p:sp>
+      <p:sp>
+        <p:nvSpPr>
+          <p:cNvPr id="9" name="TextBox 8">
+            <a:extLst>
+              <a:ext uri="{FF2B5EF4-FFF2-40B4-BE49-F238E27FC236}">
+                <a16:creationId xmlns:a16="http://schemas.microsoft.com/office/drawing/2014/main" id="{663D9B27-9BD9-46A2-9DE5-822BC3578145}"/>
+              </a:ext>
+            </a:extLst>
+          </p:cNvPr>
+          <p:cNvSpPr txBox="1"/>
+          <p:nvPr/>
+        </p:nvSpPr>
+        <p:spPr>
+          <a:xfrm>
+            <a:off x="133350" y="1902223"/>
+            <a:ext cx="11588750" cy="4384277"/>
+          </a:xfrm>
+          <a:prstGeom prst="rect">
+            <a:avLst/>
+          </a:prstGeom>
+          <a:noFill/>
+        </p:spPr>
+        <p:txBody>
+          <a:bodyPr wrap="square">
+            <a:spAutoFit/>
+          </a:bodyPr>
+          <a:lstStyle/>
+          <a:p>
+            <a:pPr algn="r" rtl="1">
+              <a:lnSpc>
+                <a:spcPct val="150000"/>
+              </a:lnSpc>
+            </a:pPr>
+            <a:r>
+              <a:rPr lang="en-US" sz="2800" b="1" dirty="0">
+                <a:latin typeface="Calibri" panose="020F0502020204030204" pitchFamily="34" charset="0"/>
+                <a:cs typeface="Calibri" panose="020F0502020204030204" pitchFamily="34" charset="0"/>
+              </a:rPr>
+              <a:t> Acceptance Test</a:t>
+            </a:r>
+            <a:r>
+              <a:rPr lang="fa-IR" sz="2800" b="1" dirty="0">
+                <a:latin typeface="Calibri" panose="020F0502020204030204" pitchFamily="34" charset="0"/>
+                <a:cs typeface="Calibri" panose="020F0502020204030204" pitchFamily="34" charset="0"/>
+              </a:rPr>
+              <a:t>:</a:t>
+            </a:r>
+            <a:endParaRPr lang="en-US" sz="2800" b="1" dirty="0">
+              <a:latin typeface="Calibri" panose="020F0502020204030204" pitchFamily="34" charset="0"/>
+              <a:cs typeface="Calibri" panose="020F0502020204030204" pitchFamily="34" charset="0"/>
+            </a:endParaRPr>
+          </a:p>
+          <a:p>
+            <a:pPr marL="800100" lvl="1" indent="-342900" algn="r" rtl="1">
+              <a:lnSpc>
+                <a:spcPct val="150000"/>
+              </a:lnSpc>
+              <a:buFont typeface="Wingdings" panose="05000000000000000000" pitchFamily="2" charset="2"/>
+              <a:buChar char="ü"/>
+            </a:pPr>
+            <a:r>
+              <a:rPr lang="fa-IR" sz="2000" b="1" dirty="0">
+                <a:latin typeface="Calibri" panose="020F0502020204030204" pitchFamily="34" charset="0"/>
+                <a:cs typeface="Calibri" panose="020F0502020204030204" pitchFamily="34" charset="0"/>
+              </a:rPr>
+              <a:t>با همکاری بین توسعه دهنده ها و ذینفعان نوشته می شود تا معنی « انجام شدن » وظایف را شرح دهد.</a:t>
+            </a:r>
+          </a:p>
+          <a:p>
+            <a:pPr marL="800100" lvl="1" indent="-342900" algn="r" rtl="1">
+              <a:lnSpc>
+                <a:spcPct val="150000"/>
+              </a:lnSpc>
+              <a:buFont typeface="Wingdings" panose="05000000000000000000" pitchFamily="2" charset="2"/>
+              <a:buChar char="ü"/>
+            </a:pPr>
+            <a:r>
+              <a:rPr lang="fa-IR" sz="2000" b="1" dirty="0">
+                <a:latin typeface="Calibri" panose="020F0502020204030204" pitchFamily="34" charset="0"/>
+                <a:cs typeface="Calibri" panose="020F0502020204030204" pitchFamily="34" charset="0"/>
+              </a:rPr>
+              <a:t>هدف « تست های پذیرش » ایجاد زبان مشترک ، شفافیت و دقت در آنچه باید انجام شود هست . </a:t>
+            </a:r>
+          </a:p>
+          <a:p>
+            <a:pPr marL="800100" lvl="1" indent="-342900" algn="r" rtl="1">
+              <a:lnSpc>
+                <a:spcPct val="150000"/>
+              </a:lnSpc>
+              <a:buFont typeface="Wingdings" panose="05000000000000000000" pitchFamily="2" charset="2"/>
+              <a:buChar char="ü"/>
+            </a:pPr>
+            <a:r>
+              <a:rPr lang="fa-IR" sz="2000" b="1" dirty="0">
+                <a:latin typeface="Calibri" panose="020F0502020204030204" pitchFamily="34" charset="0"/>
+                <a:cs typeface="Calibri" panose="020F0502020204030204" pitchFamily="34" charset="0"/>
+              </a:rPr>
+              <a:t>با مورد قبول قراردادن موارد بالا ، توسعه دهندگان ، ذینفعان و تستر های می فهمیند که سیستم چگونه باید کار کند .</a:t>
+            </a:r>
+          </a:p>
+          <a:p>
+            <a:pPr marL="800100" lvl="1" indent="-342900" algn="r" rtl="1">
+              <a:lnSpc>
+                <a:spcPct val="150000"/>
+              </a:lnSpc>
+              <a:buFont typeface="Wingdings" panose="05000000000000000000" pitchFamily="2" charset="2"/>
+              <a:buChar char="ü"/>
+            </a:pPr>
+            <a:r>
+              <a:rPr lang="fa-IR" sz="2000" b="1" dirty="0">
+                <a:latin typeface="Calibri" panose="020F0502020204030204" pitchFamily="34" charset="0"/>
+                <a:cs typeface="Calibri" panose="020F0502020204030204" pitchFamily="34" charset="0"/>
+              </a:rPr>
+              <a:t>باید به صورت خودکار باشند.</a:t>
+            </a:r>
+          </a:p>
+          <a:p>
+            <a:pPr marL="800100" lvl="1" indent="-342900" algn="r" rtl="1">
+              <a:lnSpc>
+                <a:spcPct val="150000"/>
+              </a:lnSpc>
+              <a:buFont typeface="Wingdings" panose="05000000000000000000" pitchFamily="2" charset="2"/>
+              <a:buChar char="ü"/>
+            </a:pPr>
+            <a:r>
+              <a:rPr lang="fa-IR" sz="2000" b="1" dirty="0">
+                <a:latin typeface="Calibri" panose="020F0502020204030204" pitchFamily="34" charset="0"/>
+                <a:cs typeface="Calibri" panose="020F0502020204030204" pitchFamily="34" charset="0"/>
+              </a:rPr>
+              <a:t>این تست ها باید توسط تحلیلگران سیستم و </a:t>
+            </a:r>
+            <a:r>
+              <a:rPr lang="en-US" sz="2000" b="1" dirty="0">
+                <a:latin typeface="Calibri" panose="020F0502020204030204" pitchFamily="34" charset="0"/>
+                <a:cs typeface="Calibri" panose="020F0502020204030204" pitchFamily="34" charset="0"/>
+              </a:rPr>
+              <a:t>QA</a:t>
+            </a:r>
+            <a:r>
+              <a:rPr lang="fa-IR" sz="2000" b="1" dirty="0">
+                <a:latin typeface="Calibri" panose="020F0502020204030204" pitchFamily="34" charset="0"/>
+                <a:cs typeface="Calibri" panose="020F0502020204030204" pitchFamily="34" charset="0"/>
+              </a:rPr>
+              <a:t> نوشته شوند و توسط توسعه دهنده ها ، بازبینی شوند.</a:t>
+            </a:r>
+          </a:p>
+          <a:p>
+            <a:pPr marL="1257300" lvl="2" indent="-342900" algn="r" rtl="1">
+              <a:lnSpc>
+                <a:spcPct val="150000"/>
+              </a:lnSpc>
+              <a:buFont typeface="Wingdings" panose="05000000000000000000" pitchFamily="2" charset="2"/>
+              <a:buChar char="ü"/>
+            </a:pPr>
+            <a:r>
+              <a:rPr lang="fa-IR" i="1" dirty="0">
+                <a:latin typeface="Calibri" panose="020F0502020204030204" pitchFamily="34" charset="0"/>
+                <a:cs typeface="Calibri" panose="020F0502020204030204" pitchFamily="34" charset="0"/>
+              </a:rPr>
+              <a:t>اگر توسعه دهنده ای آن ها را بنویسد ، خودش نباید مسئول نوشتن کدی که آنها را می گذراند باشد</a:t>
+            </a:r>
+            <a:r>
+              <a:rPr lang="fa-IR" sz="2000" i="1" dirty="0">
+                <a:latin typeface="Calibri" panose="020F0502020204030204" pitchFamily="34" charset="0"/>
+                <a:cs typeface="Calibri" panose="020F0502020204030204" pitchFamily="34" charset="0"/>
+              </a:rPr>
+              <a:t>. </a:t>
+            </a:r>
+          </a:p>
+          <a:p>
+            <a:pPr marL="800100" lvl="1" indent="-342900" algn="r" rtl="1">
+              <a:lnSpc>
+                <a:spcPct val="150000"/>
+              </a:lnSpc>
+              <a:buFont typeface="Wingdings" panose="05000000000000000000" pitchFamily="2" charset="2"/>
+              <a:buChar char="ü"/>
+            </a:pPr>
+            <a:r>
+              <a:rPr lang="fa-IR" sz="2000" b="1" dirty="0">
+                <a:latin typeface="Calibri" panose="020F0502020204030204" pitchFamily="34" charset="0"/>
+                <a:cs typeface="Calibri" panose="020F0502020204030204" pitchFamily="34" charset="0"/>
+              </a:rPr>
+              <a:t>باید تا جای ممکن ، « دیر » نوشته شوند ، بهتر است چند روز قبل از اضافه کردن « ویژگی » به « </a:t>
+            </a:r>
+            <a:r>
+              <a:rPr lang="en-US" sz="2000" b="1" dirty="0">
+                <a:latin typeface="Calibri" panose="020F0502020204030204" pitchFamily="34" charset="0"/>
+                <a:cs typeface="Calibri" panose="020F0502020204030204" pitchFamily="34" charset="0"/>
+              </a:rPr>
+              <a:t>Sprint</a:t>
+            </a:r>
+            <a:r>
+              <a:rPr lang="fa-IR" sz="2000" b="1" dirty="0">
+                <a:latin typeface="Calibri" panose="020F0502020204030204" pitchFamily="34" charset="0"/>
+                <a:cs typeface="Calibri" panose="020F0502020204030204" pitchFamily="34" charset="0"/>
+              </a:rPr>
+              <a:t> » نوشته شوند. </a:t>
+            </a:r>
+          </a:p>
+          <a:p>
+            <a:pPr marL="800100" lvl="1" indent="-342900" algn="r" rtl="1">
+              <a:lnSpc>
+                <a:spcPct val="150000"/>
+              </a:lnSpc>
+              <a:buFont typeface="Wingdings" panose="05000000000000000000" pitchFamily="2" charset="2"/>
+              <a:buChar char="ü"/>
+            </a:pPr>
+            <a:r>
+              <a:rPr lang="fa-IR" sz="2000" b="1" dirty="0">
+                <a:latin typeface="Calibri" panose="020F0502020204030204" pitchFamily="34" charset="0"/>
+                <a:cs typeface="Calibri" panose="020F0502020204030204" pitchFamily="34" charset="0"/>
+              </a:rPr>
+              <a:t>باید با نویسندگان تست ، برای تست بهتر ، مذاکره کنید.</a:t>
+            </a:r>
+          </a:p>
+        </p:txBody>
+      </p:sp>
+    </p:spTree>
+    <p:extLst>
+      <p:ext uri="{BB962C8B-B14F-4D97-AF65-F5344CB8AC3E}">
+        <p14:creationId xmlns:p14="http://schemas.microsoft.com/office/powerpoint/2010/main" val="931279353"/>
+      </p:ext>
+    </p:extLst>
+  </p:cSld>
+  <p:clrMapOvr>
+    <a:masterClrMapping/>
+  </p:clrMapOvr>
+</p:sld>
+</file>
+
+<file path=ppt/slides/slide45.xml><?xml version="1.0" encoding="utf-8"?>
+<p:sld xmlns:a="http://schemas.openxmlformats.org/drawingml/2006/main" xmlns:r="http://schemas.openxmlformats.org/officeDocument/2006/relationships" xmlns:p="http://schemas.openxmlformats.org/presentationml/2006/main">
+  <p:cSld>
+    <p:spTree>
+      <p:nvGrpSpPr>
+        <p:cNvPr id="1" name=""/>
+        <p:cNvGrpSpPr/>
+        <p:nvPr/>
+      </p:nvGrpSpPr>
+      <p:grpSpPr>
+        <a:xfrm>
+          <a:off x="0" y="0"/>
+          <a:ext cx="0" cy="0"/>
+          <a:chOff x="0" y="0"/>
+          <a:chExt cx="0" cy="0"/>
+        </a:xfrm>
+      </p:grpSpPr>
+      <p:sp>
+        <p:nvSpPr>
+          <p:cNvPr id="2" name="Title 1"/>
+          <p:cNvSpPr>
+            <a:spLocks noGrp="1"/>
+          </p:cNvSpPr>
+          <p:nvPr>
+            <p:ph type="title"/>
+          </p:nvPr>
+        </p:nvSpPr>
+        <p:spPr>
+          <a:xfrm>
+            <a:off x="381000" y="571500"/>
+            <a:ext cx="11341100" cy="685800"/>
+          </a:xfrm>
+        </p:spPr>
+        <p:txBody>
+          <a:bodyPr/>
+          <a:lstStyle/>
+          <a:p>
+            <a:pPr algn="r" rtl="1"/>
+            <a:r>
+              <a:rPr lang="fa-IR" sz="4400" dirty="0">
+                <a:effectLst>
+                  <a:outerShdw blurRad="38100" dist="38100" dir="2700000" algn="tl">
+                    <a:srgbClr val="000000">
+                      <a:alpha val="43137"/>
+                    </a:srgbClr>
+                  </a:outerShdw>
+                </a:effectLst>
+                <a:latin typeface="Calibri" panose="020F0502020204030204" pitchFamily="34" charset="0"/>
+                <a:cs typeface="Calibri" panose="020F0502020204030204" pitchFamily="34" charset="0"/>
+              </a:rPr>
+              <a:t>فصل هفتم : تست پذیرش</a:t>
+            </a:r>
+            <a:r>
+              <a:rPr lang="en-US" sz="4400" dirty="0">
+                <a:effectLst>
+                  <a:outerShdw blurRad="38100" dist="38100" dir="2700000" algn="tl">
+                    <a:srgbClr val="000000">
+                      <a:alpha val="43137"/>
+                    </a:srgbClr>
+                  </a:outerShdw>
+                </a:effectLst>
+                <a:latin typeface="Calibri" panose="020F0502020204030204" pitchFamily="34" charset="0"/>
+                <a:cs typeface="Calibri" panose="020F0502020204030204" pitchFamily="34" charset="0"/>
+              </a:rPr>
+              <a:t>/ </a:t>
+            </a:r>
+            <a:r>
+              <a:rPr lang="fa-IR" sz="4400" dirty="0">
+                <a:effectLst>
+                  <a:outerShdw blurRad="38100" dist="38100" dir="2700000" algn="tl">
+                    <a:srgbClr val="000000">
+                      <a:alpha val="43137"/>
+                    </a:srgbClr>
+                  </a:outerShdw>
+                </a:effectLst>
+                <a:latin typeface="Calibri" panose="020F0502020204030204" pitchFamily="34" charset="0"/>
+                <a:cs typeface="Calibri" panose="020F0502020204030204" pitchFamily="34" charset="0"/>
+              </a:rPr>
+              <a:t> </a:t>
+            </a:r>
+            <a:r>
+              <a:rPr lang="en-US" sz="4400" dirty="0">
+                <a:effectLst>
+                  <a:outerShdw blurRad="38100" dist="38100" dir="2700000" algn="tl">
+                    <a:srgbClr val="000000">
+                      <a:alpha val="43137"/>
+                    </a:srgbClr>
+                  </a:outerShdw>
+                </a:effectLst>
+                <a:latin typeface="Calibri" panose="020F0502020204030204" pitchFamily="34" charset="0"/>
+                <a:cs typeface="Calibri" panose="020F0502020204030204" pitchFamily="34" charset="0"/>
+              </a:rPr>
+              <a:t>Acceptance Test</a:t>
+            </a:r>
+          </a:p>
+        </p:txBody>
+      </p:sp>
+      <p:sp>
+        <p:nvSpPr>
+          <p:cNvPr id="9" name="TextBox 8">
+            <a:extLst>
+              <a:ext uri="{FF2B5EF4-FFF2-40B4-BE49-F238E27FC236}">
+                <a16:creationId xmlns:a16="http://schemas.microsoft.com/office/drawing/2014/main" id="{663D9B27-9BD9-46A2-9DE5-822BC3578145}"/>
+              </a:ext>
+            </a:extLst>
+          </p:cNvPr>
+          <p:cNvSpPr txBox="1"/>
+          <p:nvPr/>
+        </p:nvSpPr>
+        <p:spPr>
+          <a:xfrm>
+            <a:off x="133350" y="1902223"/>
+            <a:ext cx="11588750" cy="4199611"/>
+          </a:xfrm>
+          <a:prstGeom prst="rect">
+            <a:avLst/>
+          </a:prstGeom>
+          <a:noFill/>
+        </p:spPr>
+        <p:txBody>
+          <a:bodyPr wrap="square">
+            <a:spAutoFit/>
+          </a:bodyPr>
+          <a:lstStyle/>
+          <a:p>
+            <a:pPr algn="r" rtl="1">
+              <a:lnSpc>
+                <a:spcPct val="150000"/>
+              </a:lnSpc>
+            </a:pPr>
+            <a:r>
+              <a:rPr lang="en-US" sz="2800" b="1" dirty="0">
+                <a:latin typeface="Calibri" panose="020F0502020204030204" pitchFamily="34" charset="0"/>
+                <a:cs typeface="Calibri" panose="020F0502020204030204" pitchFamily="34" charset="0"/>
+              </a:rPr>
+              <a:t> </a:t>
+            </a:r>
+            <a:r>
+              <a:rPr lang="fa-IR" sz="2800" b="1" dirty="0">
+                <a:latin typeface="Calibri" panose="020F0502020204030204" pitchFamily="34" charset="0"/>
+                <a:cs typeface="Calibri" panose="020F0502020204030204" pitchFamily="34" charset="0"/>
+              </a:rPr>
+              <a:t>فرق تست واحد با تست پذیرش :</a:t>
+            </a:r>
+          </a:p>
+          <a:p>
+            <a:pPr marL="914400" lvl="1" indent="-457200" algn="r" rtl="1">
+              <a:lnSpc>
+                <a:spcPct val="150000"/>
+              </a:lnSpc>
+              <a:buFont typeface="Wingdings" panose="05000000000000000000" pitchFamily="2" charset="2"/>
+              <a:buChar char="ü"/>
+            </a:pPr>
+            <a:r>
+              <a:rPr lang="en-US" sz="2400" b="1" dirty="0">
+                <a:latin typeface="Calibri" panose="020F0502020204030204" pitchFamily="34" charset="0"/>
+                <a:cs typeface="Calibri" panose="020F0502020204030204" pitchFamily="34" charset="0"/>
+              </a:rPr>
+              <a:t>Unit Test</a:t>
+            </a:r>
+            <a:r>
+              <a:rPr lang="fa-IR" sz="2400" b="1" dirty="0">
+                <a:latin typeface="Calibri" panose="020F0502020204030204" pitchFamily="34" charset="0"/>
+                <a:cs typeface="Calibri" panose="020F0502020204030204" pitchFamily="34" charset="0"/>
+              </a:rPr>
+              <a:t> :</a:t>
+            </a:r>
+            <a:r>
+              <a:rPr lang="fa-IR" sz="2800" b="1" dirty="0">
+                <a:latin typeface="Calibri" panose="020F0502020204030204" pitchFamily="34" charset="0"/>
+                <a:cs typeface="Calibri" panose="020F0502020204030204" pitchFamily="34" charset="0"/>
+              </a:rPr>
+              <a:t>	</a:t>
+            </a:r>
+          </a:p>
+          <a:p>
+            <a:pPr marL="1371600" lvl="2" indent="-457200" algn="r" rtl="1">
+              <a:lnSpc>
+                <a:spcPct val="150000"/>
+              </a:lnSpc>
+              <a:buFont typeface="Wingdings" panose="05000000000000000000" pitchFamily="2" charset="2"/>
+              <a:buChar char="ü"/>
+            </a:pPr>
+            <a:r>
+              <a:rPr lang="fa-IR" sz="2000" b="1" dirty="0">
+                <a:latin typeface="Calibri" panose="020F0502020204030204" pitchFamily="34" charset="0"/>
+                <a:cs typeface="Calibri" panose="020F0502020204030204" pitchFamily="34" charset="0"/>
+              </a:rPr>
+              <a:t>تست های واحد توسط برنامه نویسان برای برنامه نویسان نوشته می شوند .</a:t>
+            </a:r>
+          </a:p>
+          <a:p>
+            <a:pPr marL="1371600" lvl="2" indent="-457200" algn="r" rtl="1">
+              <a:lnSpc>
+                <a:spcPct val="150000"/>
+              </a:lnSpc>
+              <a:buFont typeface="Wingdings" panose="05000000000000000000" pitchFamily="2" charset="2"/>
+              <a:buChar char="ü"/>
+            </a:pPr>
+            <a:r>
+              <a:rPr lang="fa-IR" sz="2000" b="1" dirty="0">
+                <a:latin typeface="Calibri" panose="020F0502020204030204" pitchFamily="34" charset="0"/>
+                <a:cs typeface="Calibri" panose="020F0502020204030204" pitchFamily="34" charset="0"/>
+              </a:rPr>
+              <a:t>تست های واحد ، اسنادی هستند که کوچکترین سطح ساختار و رفتار کد را توضیح می دهند و مخاطب آنها ، سایر برنامه نویسان است.</a:t>
+            </a:r>
+          </a:p>
+          <a:p>
+            <a:pPr marL="914400" lvl="1" indent="-457200" algn="r" rtl="1">
+              <a:lnSpc>
+                <a:spcPct val="150000"/>
+              </a:lnSpc>
+              <a:buFont typeface="Wingdings" panose="05000000000000000000" pitchFamily="2" charset="2"/>
+              <a:buChar char="ü"/>
+            </a:pPr>
+            <a:r>
+              <a:rPr lang="en-US" sz="2400" b="1" dirty="0">
+                <a:latin typeface="Calibri" panose="020F0502020204030204" pitchFamily="34" charset="0"/>
+                <a:cs typeface="Calibri" panose="020F0502020204030204" pitchFamily="34" charset="0"/>
+              </a:rPr>
+              <a:t>Acceptance Test</a:t>
+            </a:r>
+            <a:r>
+              <a:rPr lang="fa-IR" sz="2400" b="1" dirty="0">
+                <a:latin typeface="Calibri" panose="020F0502020204030204" pitchFamily="34" charset="0"/>
+                <a:cs typeface="Calibri" panose="020F0502020204030204" pitchFamily="34" charset="0"/>
+              </a:rPr>
+              <a:t> : </a:t>
+            </a:r>
+          </a:p>
+          <a:p>
+            <a:pPr marL="1371600" lvl="2" indent="-457200" algn="r" rtl="1">
+              <a:lnSpc>
+                <a:spcPct val="150000"/>
+              </a:lnSpc>
+              <a:buFont typeface="Wingdings" panose="05000000000000000000" pitchFamily="2" charset="2"/>
+              <a:buChar char="ü"/>
+            </a:pPr>
+            <a:r>
+              <a:rPr lang="fa-IR" sz="2000" b="1" dirty="0">
+                <a:latin typeface="Calibri" panose="020F0502020204030204" pitchFamily="34" charset="0"/>
+                <a:cs typeface="Calibri" panose="020F0502020204030204" pitchFamily="34" charset="0"/>
+              </a:rPr>
+              <a:t>مخاطب تست های پذیرش ، برنامه نویسان و </a:t>
+            </a:r>
+            <a:r>
+              <a:rPr lang="en-US" sz="2000" b="1" dirty="0">
+                <a:latin typeface="Calibri" panose="020F0502020204030204" pitchFamily="34" charset="0"/>
+                <a:cs typeface="Calibri" panose="020F0502020204030204" pitchFamily="34" charset="0"/>
+              </a:rPr>
+              <a:t>Business</a:t>
+            </a:r>
+            <a:r>
+              <a:rPr lang="fa-IR" sz="2000" b="1" dirty="0">
+                <a:latin typeface="Calibri" panose="020F0502020204030204" pitchFamily="34" charset="0"/>
+                <a:cs typeface="Calibri" panose="020F0502020204030204" pitchFamily="34" charset="0"/>
+              </a:rPr>
+              <a:t> است . </a:t>
+            </a:r>
+          </a:p>
+          <a:p>
+            <a:pPr marL="1371600" lvl="2" indent="-457200" algn="r" rtl="1">
+              <a:lnSpc>
+                <a:spcPct val="150000"/>
+              </a:lnSpc>
+              <a:buFont typeface="Wingdings" panose="05000000000000000000" pitchFamily="2" charset="2"/>
+              <a:buChar char="ü"/>
+            </a:pPr>
+            <a:r>
+              <a:rPr lang="fa-IR" sz="2000" b="1" dirty="0">
+                <a:latin typeface="Calibri" panose="020F0502020204030204" pitchFamily="34" charset="0"/>
+                <a:cs typeface="Calibri" panose="020F0502020204030204" pitchFamily="34" charset="0"/>
+              </a:rPr>
+              <a:t>این ها اسناد رسمی هستند که نشان می دهند که سیستم از لحاظ تجاری / بیزینسی چگونه باید رفتار کند . </a:t>
+            </a:r>
+          </a:p>
+        </p:txBody>
+      </p:sp>
+    </p:spTree>
+    <p:extLst>
+      <p:ext uri="{BB962C8B-B14F-4D97-AF65-F5344CB8AC3E}">
+        <p14:creationId xmlns:p14="http://schemas.microsoft.com/office/powerpoint/2010/main" val="3743550636"/>
+      </p:ext>
+    </p:extLst>
+  </p:cSld>
+  <p:clrMapOvr>
+    <a:masterClrMapping/>
+  </p:clrMapOvr>
+</p:sld>
+</file>
+
+<file path=ppt/slides/slide46.xml><?xml version="1.0" encoding="utf-8"?>
+<p:sld xmlns:a="http://schemas.openxmlformats.org/drawingml/2006/main" xmlns:r="http://schemas.openxmlformats.org/officeDocument/2006/relationships" xmlns:p="http://schemas.openxmlformats.org/presentationml/2006/main">
+  <p:cSld>
+    <p:spTree>
+      <p:nvGrpSpPr>
+        <p:cNvPr id="1" name=""/>
+        <p:cNvGrpSpPr/>
+        <p:nvPr/>
+      </p:nvGrpSpPr>
+      <p:grpSpPr>
+        <a:xfrm>
+          <a:off x="0" y="0"/>
+          <a:ext cx="0" cy="0"/>
+          <a:chOff x="0" y="0"/>
+          <a:chExt cx="0" cy="0"/>
+        </a:xfrm>
+      </p:grpSpPr>
+      <p:sp>
+        <p:nvSpPr>
+          <p:cNvPr id="2" name="Title 1"/>
+          <p:cNvSpPr>
+            <a:spLocks noGrp="1"/>
+          </p:cNvSpPr>
+          <p:nvPr>
+            <p:ph type="title"/>
+          </p:nvPr>
+        </p:nvSpPr>
+        <p:spPr>
+          <a:xfrm>
+            <a:off x="381000" y="571500"/>
+            <a:ext cx="11341100" cy="685800"/>
+          </a:xfrm>
+        </p:spPr>
+        <p:txBody>
+          <a:bodyPr/>
+          <a:lstStyle/>
+          <a:p>
+            <a:pPr algn="r" rtl="1"/>
+            <a:r>
+              <a:rPr lang="fa-IR" sz="4400" dirty="0">
+                <a:effectLst>
+                  <a:outerShdw blurRad="38100" dist="38100" dir="2700000" algn="tl">
+                    <a:srgbClr val="000000">
+                      <a:alpha val="43137"/>
+                    </a:srgbClr>
+                  </a:outerShdw>
+                </a:effectLst>
+                <a:latin typeface="Calibri" panose="020F0502020204030204" pitchFamily="34" charset="0"/>
+                <a:cs typeface="Calibri" panose="020F0502020204030204" pitchFamily="34" charset="0"/>
+              </a:rPr>
+              <a:t>فصل هفتم : تست پذیرش</a:t>
+            </a:r>
+            <a:r>
+              <a:rPr lang="en-US" sz="4400" dirty="0">
+                <a:effectLst>
+                  <a:outerShdw blurRad="38100" dist="38100" dir="2700000" algn="tl">
+                    <a:srgbClr val="000000">
+                      <a:alpha val="43137"/>
+                    </a:srgbClr>
+                  </a:outerShdw>
+                </a:effectLst>
+                <a:latin typeface="Calibri" panose="020F0502020204030204" pitchFamily="34" charset="0"/>
+                <a:cs typeface="Calibri" panose="020F0502020204030204" pitchFamily="34" charset="0"/>
+              </a:rPr>
+              <a:t>/ </a:t>
+            </a:r>
+            <a:r>
+              <a:rPr lang="fa-IR" sz="4400" dirty="0">
+                <a:effectLst>
+                  <a:outerShdw blurRad="38100" dist="38100" dir="2700000" algn="tl">
+                    <a:srgbClr val="000000">
+                      <a:alpha val="43137"/>
+                    </a:srgbClr>
+                  </a:outerShdw>
+                </a:effectLst>
+                <a:latin typeface="Calibri" panose="020F0502020204030204" pitchFamily="34" charset="0"/>
+                <a:cs typeface="Calibri" panose="020F0502020204030204" pitchFamily="34" charset="0"/>
+              </a:rPr>
+              <a:t> </a:t>
+            </a:r>
+            <a:r>
+              <a:rPr lang="en-US" sz="4400" dirty="0">
+                <a:effectLst>
+                  <a:outerShdw blurRad="38100" dist="38100" dir="2700000" algn="tl">
+                    <a:srgbClr val="000000">
+                      <a:alpha val="43137"/>
+                    </a:srgbClr>
+                  </a:outerShdw>
+                </a:effectLst>
+                <a:latin typeface="Calibri" panose="020F0502020204030204" pitchFamily="34" charset="0"/>
+                <a:cs typeface="Calibri" panose="020F0502020204030204" pitchFamily="34" charset="0"/>
+              </a:rPr>
+              <a:t>Acceptance Test</a:t>
+            </a:r>
+          </a:p>
+        </p:txBody>
+      </p:sp>
+      <p:sp>
+        <p:nvSpPr>
+          <p:cNvPr id="9" name="TextBox 8">
+            <a:extLst>
+              <a:ext uri="{FF2B5EF4-FFF2-40B4-BE49-F238E27FC236}">
+                <a16:creationId xmlns:a16="http://schemas.microsoft.com/office/drawing/2014/main" id="{663D9B27-9BD9-46A2-9DE5-822BC3578145}"/>
+              </a:ext>
+            </a:extLst>
+          </p:cNvPr>
+          <p:cNvSpPr txBox="1"/>
+          <p:nvPr/>
+        </p:nvSpPr>
+        <p:spPr>
+          <a:xfrm>
+            <a:off x="133350" y="3178573"/>
+            <a:ext cx="11588750" cy="2241511"/>
+          </a:xfrm>
+          <a:prstGeom prst="rect">
+            <a:avLst/>
+          </a:prstGeom>
+          <a:noFill/>
+        </p:spPr>
+        <p:txBody>
+          <a:bodyPr wrap="square">
+            <a:spAutoFit/>
+          </a:bodyPr>
+          <a:lstStyle/>
+          <a:p>
+            <a:pPr algn="r" rtl="1">
+              <a:lnSpc>
+                <a:spcPct val="150000"/>
+              </a:lnSpc>
+            </a:pPr>
+            <a:r>
+              <a:rPr lang="fa-IR" sz="2800" b="1" dirty="0">
+                <a:latin typeface="Calibri" panose="020F0502020204030204" pitchFamily="34" charset="0"/>
+                <a:cs typeface="Calibri" panose="020F0502020204030204" pitchFamily="34" charset="0"/>
+              </a:rPr>
+              <a:t>چند نکته : </a:t>
+            </a:r>
+          </a:p>
+          <a:p>
+            <a:pPr marL="914400" lvl="1" indent="-457200" algn="r" rtl="1">
+              <a:lnSpc>
+                <a:spcPct val="150000"/>
+              </a:lnSpc>
+              <a:buFont typeface="Wingdings" panose="05000000000000000000" pitchFamily="2" charset="2"/>
+              <a:buChar char="ü"/>
+            </a:pPr>
+            <a:r>
+              <a:rPr lang="fa-IR" sz="2000" b="1" dirty="0">
+                <a:latin typeface="Calibri" panose="020F0502020204030204" pitchFamily="34" charset="0"/>
+                <a:cs typeface="Calibri" panose="020F0502020204030204" pitchFamily="34" charset="0"/>
+              </a:rPr>
+              <a:t>باید تست ها در ساختار </a:t>
+            </a:r>
+            <a:r>
+              <a:rPr lang="en-US" sz="2000" b="1" dirty="0">
+                <a:latin typeface="Calibri" panose="020F0502020204030204" pitchFamily="34" charset="0"/>
+                <a:cs typeface="Calibri" panose="020F0502020204030204" pitchFamily="34" charset="0"/>
+              </a:rPr>
+              <a:t>Continuous Integration</a:t>
+            </a:r>
+            <a:r>
+              <a:rPr lang="fa-IR" sz="2000" b="1" dirty="0">
+                <a:latin typeface="Calibri" panose="020F0502020204030204" pitchFamily="34" charset="0"/>
+                <a:cs typeface="Calibri" panose="020F0502020204030204" pitchFamily="34" charset="0"/>
+              </a:rPr>
+              <a:t> ، ادغام شوند و با هر بار </a:t>
+            </a:r>
+            <a:r>
+              <a:rPr lang="en-US" sz="2000" b="1" dirty="0">
+                <a:latin typeface="Calibri" panose="020F0502020204030204" pitchFamily="34" charset="0"/>
+                <a:cs typeface="Calibri" panose="020F0502020204030204" pitchFamily="34" charset="0"/>
+              </a:rPr>
+              <a:t>Commit</a:t>
+            </a:r>
+            <a:r>
+              <a:rPr lang="fa-IR" sz="2000" b="1" dirty="0">
+                <a:latin typeface="Calibri" panose="020F0502020204030204" pitchFamily="34" charset="0"/>
+                <a:cs typeface="Calibri" panose="020F0502020204030204" pitchFamily="34" charset="0"/>
+              </a:rPr>
+              <a:t> اجرا شوند .</a:t>
+            </a:r>
+          </a:p>
+          <a:p>
+            <a:pPr marL="914400" lvl="1" indent="-457200" algn="r" rtl="1">
+              <a:lnSpc>
+                <a:spcPct val="150000"/>
+              </a:lnSpc>
+              <a:buFont typeface="Wingdings" panose="05000000000000000000" pitchFamily="2" charset="2"/>
+              <a:buChar char="ü"/>
+            </a:pPr>
+            <a:r>
+              <a:rPr lang="fa-IR" sz="2000" b="1" dirty="0">
+                <a:latin typeface="Calibri" panose="020F0502020204030204" pitchFamily="34" charset="0"/>
+                <a:cs typeface="Calibri" panose="020F0502020204030204" pitchFamily="34" charset="0"/>
+              </a:rPr>
+              <a:t>به محض پیدا شدن یک خطا در تست ها ، باید بلافاصله برطرف شوند . </a:t>
+            </a:r>
+          </a:p>
+          <a:p>
+            <a:pPr marL="914400" lvl="1" indent="-457200" algn="r" rtl="1">
+              <a:lnSpc>
+                <a:spcPct val="150000"/>
+              </a:lnSpc>
+              <a:buFont typeface="Wingdings" panose="05000000000000000000" pitchFamily="2" charset="2"/>
+              <a:buChar char="ü"/>
+            </a:pPr>
+            <a:endParaRPr lang="fa-IR" sz="2800" b="1" dirty="0">
+              <a:latin typeface="Calibri" panose="020F0502020204030204" pitchFamily="34" charset="0"/>
+              <a:cs typeface="Calibri" panose="020F0502020204030204" pitchFamily="34" charset="0"/>
+            </a:endParaRPr>
+          </a:p>
+        </p:txBody>
+      </p:sp>
+    </p:spTree>
+    <p:extLst>
+      <p:ext uri="{BB962C8B-B14F-4D97-AF65-F5344CB8AC3E}">
+        <p14:creationId xmlns:p14="http://schemas.microsoft.com/office/powerpoint/2010/main" val="1153187640"/>
+      </p:ext>
+    </p:extLst>
+  </p:cSld>
+  <p:clrMapOvr>
+    <a:masterClrMapping/>
+  </p:clrMapOvr>
+</p:sld>
+</file>
+
+<file path=ppt/slides/slide47.xml><?xml version="1.0" encoding="utf-8"?>
+<p:sld xmlns:a="http://schemas.openxmlformats.org/drawingml/2006/main" xmlns:r="http://schemas.openxmlformats.org/officeDocument/2006/relationships" xmlns:p="http://schemas.openxmlformats.org/presentationml/2006/main">
+  <p:cSld>
+    <p:spTree>
+      <p:nvGrpSpPr>
+        <p:cNvPr id="1" name=""/>
+        <p:cNvGrpSpPr/>
+        <p:nvPr/>
+      </p:nvGrpSpPr>
+      <p:grpSpPr>
+        <a:xfrm>
+          <a:off x="0" y="0"/>
+          <a:ext cx="0" cy="0"/>
+          <a:chOff x="0" y="0"/>
+          <a:chExt cx="0" cy="0"/>
+        </a:xfrm>
+      </p:grpSpPr>
+      <p:sp>
+        <p:nvSpPr>
+          <p:cNvPr id="2" name="Title 1"/>
+          <p:cNvSpPr>
+            <a:spLocks noGrp="1"/>
+          </p:cNvSpPr>
+          <p:nvPr>
+            <p:ph type="title"/>
+          </p:nvPr>
+        </p:nvSpPr>
+        <p:spPr>
+          <a:xfrm>
+            <a:off x="381000" y="571500"/>
+            <a:ext cx="11341100" cy="685800"/>
+          </a:xfrm>
+        </p:spPr>
+        <p:txBody>
+          <a:bodyPr/>
+          <a:lstStyle/>
+          <a:p>
+            <a:pPr algn="r" rtl="1"/>
+            <a:r>
+              <a:rPr lang="fa-IR" sz="4400" dirty="0">
+                <a:effectLst>
+                  <a:outerShdw blurRad="38100" dist="38100" dir="2700000" algn="tl">
+                    <a:srgbClr val="000000">
+                      <a:alpha val="43137"/>
+                    </a:srgbClr>
+                  </a:outerShdw>
+                </a:effectLst>
+                <a:latin typeface="Calibri" panose="020F0502020204030204" pitchFamily="34" charset="0"/>
+                <a:cs typeface="Calibri" panose="020F0502020204030204" pitchFamily="34" charset="0"/>
+              </a:rPr>
+              <a:t>فصل هشتم : استراتژی های تست</a:t>
+            </a:r>
+            <a:endParaRPr lang="en-US" sz="4400" dirty="0">
+              <a:effectLst>
+                <a:outerShdw blurRad="38100" dist="38100" dir="2700000" algn="tl">
+                  <a:srgbClr val="000000">
+                    <a:alpha val="43137"/>
+                  </a:srgbClr>
+                </a:outerShdw>
+              </a:effectLst>
+              <a:latin typeface="Calibri" panose="020F0502020204030204" pitchFamily="34" charset="0"/>
+              <a:cs typeface="Calibri" panose="020F0502020204030204" pitchFamily="34" charset="0"/>
+            </a:endParaRPr>
+          </a:p>
+        </p:txBody>
+      </p:sp>
+      <p:pic>
+        <p:nvPicPr>
+          <p:cNvPr id="4" name="Picture 3">
+            <a:extLst>
+              <a:ext uri="{FF2B5EF4-FFF2-40B4-BE49-F238E27FC236}">
+                <a16:creationId xmlns:a16="http://schemas.microsoft.com/office/drawing/2014/main" id="{4C2F20EB-61EA-4721-BF5F-DB340C264C05}"/>
+              </a:ext>
+            </a:extLst>
+          </p:cNvPr>
+          <p:cNvPicPr>
+            <a:picLocks noChangeAspect="1"/>
+          </p:cNvPicPr>
+          <p:nvPr/>
+        </p:nvPicPr>
+        <p:blipFill>
+          <a:blip r:embed="rId2"/>
+          <a:stretch>
+            <a:fillRect/>
+          </a:stretch>
+        </p:blipFill>
+        <p:spPr>
+          <a:xfrm>
+            <a:off x="2994613" y="2325688"/>
+            <a:ext cx="6202774" cy="4313483"/>
+          </a:xfrm>
+          <a:prstGeom prst="rect">
+            <a:avLst/>
+          </a:prstGeom>
+        </p:spPr>
+      </p:pic>
+    </p:spTree>
+    <p:extLst>
+      <p:ext uri="{BB962C8B-B14F-4D97-AF65-F5344CB8AC3E}">
+        <p14:creationId xmlns:p14="http://schemas.microsoft.com/office/powerpoint/2010/main" val="138842568"/>
+      </p:ext>
+    </p:extLst>
+  </p:cSld>
+  <p:clrMapOvr>
+    <a:masterClrMapping/>
+  </p:clrMapOvr>
+</p:sld>
+</file>
+
+<file path=ppt/slides/slide48.xml><?xml version="1.0" encoding="utf-8"?>
+<p:sld xmlns:a="http://schemas.openxmlformats.org/drawingml/2006/main" xmlns:r="http://schemas.openxmlformats.org/officeDocument/2006/relationships" xmlns:p="http://schemas.openxmlformats.org/presentationml/2006/main">
+  <p:cSld>
+    <p:spTree>
+      <p:nvGrpSpPr>
+        <p:cNvPr id="1" name=""/>
+        <p:cNvGrpSpPr/>
+        <p:nvPr/>
+      </p:nvGrpSpPr>
+      <p:grpSpPr>
+        <a:xfrm>
+          <a:off x="0" y="0"/>
+          <a:ext cx="0" cy="0"/>
+          <a:chOff x="0" y="0"/>
+          <a:chExt cx="0" cy="0"/>
+        </a:xfrm>
+      </p:grpSpPr>
+      <p:sp>
+        <p:nvSpPr>
+          <p:cNvPr id="2" name="Title 1"/>
+          <p:cNvSpPr>
+            <a:spLocks noGrp="1"/>
+          </p:cNvSpPr>
+          <p:nvPr>
+            <p:ph type="title"/>
+          </p:nvPr>
+        </p:nvSpPr>
+        <p:spPr>
+          <a:xfrm>
+            <a:off x="381000" y="571500"/>
+            <a:ext cx="11341100" cy="685800"/>
+          </a:xfrm>
+        </p:spPr>
+        <p:txBody>
+          <a:bodyPr/>
+          <a:lstStyle/>
+          <a:p>
+            <a:pPr algn="r" rtl="1"/>
+            <a:r>
+              <a:rPr lang="fa-IR" sz="4400" dirty="0">
+                <a:effectLst>
+                  <a:outerShdw blurRad="38100" dist="38100" dir="2700000" algn="tl">
+                    <a:srgbClr val="000000">
+                      <a:alpha val="43137"/>
+                    </a:srgbClr>
+                  </a:outerShdw>
+                </a:effectLst>
+                <a:latin typeface="Calibri" panose="020F0502020204030204" pitchFamily="34" charset="0"/>
+                <a:cs typeface="Calibri" panose="020F0502020204030204" pitchFamily="34" charset="0"/>
+              </a:rPr>
+              <a:t>فصل هشتم : استراتژی های تست</a:t>
+            </a:r>
+            <a:endParaRPr lang="en-US" sz="4400" dirty="0">
+              <a:effectLst>
+                <a:outerShdw blurRad="38100" dist="38100" dir="2700000" algn="tl">
+                  <a:srgbClr val="000000">
+                    <a:alpha val="43137"/>
+                  </a:srgbClr>
+                </a:outerShdw>
+              </a:effectLst>
+              <a:latin typeface="Calibri" panose="020F0502020204030204" pitchFamily="34" charset="0"/>
+              <a:cs typeface="Calibri" panose="020F0502020204030204" pitchFamily="34" charset="0"/>
+            </a:endParaRPr>
+          </a:p>
+        </p:txBody>
+      </p:sp>
+      <p:sp>
+        <p:nvSpPr>
+          <p:cNvPr id="9" name="TextBox 8">
+            <a:extLst>
+              <a:ext uri="{FF2B5EF4-FFF2-40B4-BE49-F238E27FC236}">
+                <a16:creationId xmlns:a16="http://schemas.microsoft.com/office/drawing/2014/main" id="{663D9B27-9BD9-46A2-9DE5-822BC3578145}"/>
+              </a:ext>
+            </a:extLst>
+          </p:cNvPr>
+          <p:cNvSpPr txBox="1"/>
+          <p:nvPr/>
+        </p:nvSpPr>
+        <p:spPr>
+          <a:xfrm>
+            <a:off x="133350" y="2437050"/>
+            <a:ext cx="11588750" cy="4088170"/>
+          </a:xfrm>
+          <a:prstGeom prst="rect">
+            <a:avLst/>
+          </a:prstGeom>
+          <a:noFill/>
+        </p:spPr>
+        <p:txBody>
+          <a:bodyPr wrap="square">
+            <a:spAutoFit/>
+          </a:bodyPr>
+          <a:lstStyle/>
+          <a:p>
+            <a:pPr algn="r" rtl="1">
+              <a:lnSpc>
+                <a:spcPct val="150000"/>
+              </a:lnSpc>
+            </a:pPr>
+            <a:r>
+              <a:rPr lang="fa-IR" sz="2800" b="1" dirty="0">
+                <a:latin typeface="Calibri" panose="020F0502020204030204" pitchFamily="34" charset="0"/>
+                <a:cs typeface="Calibri" panose="020F0502020204030204" pitchFamily="34" charset="0"/>
+              </a:rPr>
+              <a:t>استراتژی های تست : </a:t>
+            </a:r>
+          </a:p>
+          <a:p>
+            <a:pPr marL="914400" lvl="1" indent="-457200" algn="r" rtl="1">
+              <a:lnSpc>
+                <a:spcPct val="150000"/>
+              </a:lnSpc>
+              <a:buFont typeface="Wingdings" panose="05000000000000000000" pitchFamily="2" charset="2"/>
+              <a:buChar char="ü"/>
+            </a:pPr>
+            <a:r>
+              <a:rPr lang="en-US" sz="2000" b="1" dirty="0">
+                <a:latin typeface="Calibri" panose="020F0502020204030204" pitchFamily="34" charset="0"/>
+                <a:cs typeface="Calibri" panose="020F0502020204030204" pitchFamily="34" charset="0"/>
+              </a:rPr>
+              <a:t>QA </a:t>
+            </a:r>
+            <a:r>
+              <a:rPr lang="fa-IR" sz="2000" b="1" dirty="0">
+                <a:latin typeface="Calibri" panose="020F0502020204030204" pitchFamily="34" charset="0"/>
+                <a:cs typeface="Calibri" panose="020F0502020204030204" pitchFamily="34" charset="0"/>
+              </a:rPr>
+              <a:t> نباید چیزی پیدا کند . </a:t>
+            </a:r>
+          </a:p>
+          <a:p>
+            <a:pPr marL="914400" lvl="1" indent="-457200" algn="r" rtl="1">
+              <a:lnSpc>
+                <a:spcPct val="150000"/>
+              </a:lnSpc>
+              <a:buFont typeface="Wingdings" panose="05000000000000000000" pitchFamily="2" charset="2"/>
+              <a:buChar char="ü"/>
+            </a:pPr>
+            <a:r>
+              <a:rPr lang="en-US" sz="2000" b="1" dirty="0">
+                <a:latin typeface="Calibri" panose="020F0502020204030204" pitchFamily="34" charset="0"/>
+                <a:cs typeface="Calibri" panose="020F0502020204030204" pitchFamily="34" charset="0"/>
+              </a:rPr>
+              <a:t>QA</a:t>
+            </a:r>
+            <a:r>
+              <a:rPr lang="fa-IR" sz="2000" b="1" dirty="0">
+                <a:latin typeface="Calibri" panose="020F0502020204030204" pitchFamily="34" charset="0"/>
+                <a:cs typeface="Calibri" panose="020F0502020204030204" pitchFamily="34" charset="0"/>
+              </a:rPr>
+              <a:t> جزئی از تیم توسعه هست . </a:t>
+            </a:r>
+          </a:p>
+          <a:p>
+            <a:pPr marL="914400" lvl="1" indent="-457200" algn="r" rtl="1">
+              <a:lnSpc>
+                <a:spcPct val="150000"/>
+              </a:lnSpc>
+              <a:buFont typeface="Wingdings" panose="05000000000000000000" pitchFamily="2" charset="2"/>
+              <a:buChar char="ü"/>
+            </a:pPr>
+            <a:r>
+              <a:rPr lang="en-US" sz="2000" b="1" dirty="0">
+                <a:latin typeface="Calibri" panose="020F0502020204030204" pitchFamily="34" charset="0"/>
+                <a:cs typeface="Calibri" panose="020F0502020204030204" pitchFamily="34" charset="0"/>
+              </a:rPr>
+              <a:t>QA</a:t>
+            </a:r>
+            <a:r>
+              <a:rPr lang="fa-IR" sz="2000" b="1" dirty="0">
+                <a:latin typeface="Calibri" panose="020F0502020204030204" pitchFamily="34" charset="0"/>
+                <a:cs typeface="Calibri" panose="020F0502020204030204" pitchFamily="34" charset="0"/>
+              </a:rPr>
+              <a:t> باید با تیم </a:t>
+            </a:r>
+            <a:r>
+              <a:rPr lang="en-US" sz="2000" b="1" dirty="0">
+                <a:latin typeface="Calibri" panose="020F0502020204030204" pitchFamily="34" charset="0"/>
+                <a:cs typeface="Calibri" panose="020F0502020204030204" pitchFamily="34" charset="0"/>
+              </a:rPr>
+              <a:t>Business</a:t>
+            </a:r>
+            <a:r>
+              <a:rPr lang="fa-IR" sz="2000" b="1" dirty="0">
+                <a:latin typeface="Calibri" panose="020F0502020204030204" pitchFamily="34" charset="0"/>
+                <a:cs typeface="Calibri" panose="020F0502020204030204" pitchFamily="34" charset="0"/>
+              </a:rPr>
+              <a:t> کار کند تا مشخصات </a:t>
+            </a:r>
+            <a:r>
+              <a:rPr lang="en-US" sz="2000" b="1" dirty="0">
+                <a:latin typeface="Calibri" panose="020F0502020204030204" pitchFamily="34" charset="0"/>
+                <a:cs typeface="Calibri" panose="020F0502020204030204" pitchFamily="34" charset="0"/>
+              </a:rPr>
+              <a:t>Acceptance Test</a:t>
+            </a:r>
+            <a:r>
+              <a:rPr lang="fa-IR" sz="2000" b="1" dirty="0">
+                <a:latin typeface="Calibri" panose="020F0502020204030204" pitchFamily="34" charset="0"/>
+                <a:cs typeface="Calibri" panose="020F0502020204030204" pitchFamily="34" charset="0"/>
+              </a:rPr>
+              <a:t> ها را در بیاورد .</a:t>
+            </a:r>
+          </a:p>
+          <a:p>
+            <a:pPr marL="914400" lvl="1" indent="-457200" algn="r" rtl="1">
+              <a:lnSpc>
+                <a:spcPct val="150000"/>
+              </a:lnSpc>
+              <a:buFont typeface="Wingdings" panose="05000000000000000000" pitchFamily="2" charset="2"/>
+              <a:buChar char="ü"/>
+            </a:pPr>
+            <a:r>
+              <a:rPr lang="en-US" sz="2000" b="1" dirty="0">
+                <a:latin typeface="Calibri" panose="020F0502020204030204" pitchFamily="34" charset="0"/>
+                <a:cs typeface="Calibri" panose="020F0502020204030204" pitchFamily="34" charset="0"/>
+              </a:rPr>
+              <a:t>QA</a:t>
+            </a:r>
+            <a:r>
+              <a:rPr lang="fa-IR" sz="2000" b="1" dirty="0">
+                <a:latin typeface="Calibri" panose="020F0502020204030204" pitchFamily="34" charset="0"/>
+                <a:cs typeface="Calibri" panose="020F0502020204030204" pitchFamily="34" charset="0"/>
+              </a:rPr>
+              <a:t> باید رفتار واقعی سیستم را مشاهده کند و به تیم توسعه اعلان کند . </a:t>
+            </a:r>
+          </a:p>
+          <a:p>
+            <a:pPr marL="914400" lvl="1" indent="-457200" algn="r" rtl="1">
+              <a:lnSpc>
+                <a:spcPct val="150000"/>
+              </a:lnSpc>
+              <a:buFont typeface="Wingdings" panose="05000000000000000000" pitchFamily="2" charset="2"/>
+              <a:buChar char="ü"/>
+            </a:pPr>
+            <a:r>
+              <a:rPr lang="fa-IR" sz="2000" b="1" dirty="0">
+                <a:latin typeface="Calibri" panose="020F0502020204030204" pitchFamily="34" charset="0"/>
+                <a:cs typeface="Calibri" panose="020F0502020204030204" pitchFamily="34" charset="0"/>
+              </a:rPr>
+              <a:t>تیم بیزینس ،</a:t>
+            </a:r>
+            <a:r>
+              <a:rPr lang="en-US" sz="2000" b="1" dirty="0">
+                <a:latin typeface="Calibri" panose="020F0502020204030204" pitchFamily="34" charset="0"/>
+                <a:cs typeface="Calibri" panose="020F0502020204030204" pitchFamily="34" charset="0"/>
+              </a:rPr>
+              <a:t>  </a:t>
+            </a:r>
+            <a:r>
+              <a:rPr lang="fa-IR" sz="2000" b="1" dirty="0">
+                <a:latin typeface="Calibri" panose="020F0502020204030204" pitchFamily="34" charset="0"/>
+                <a:cs typeface="Calibri" panose="020F0502020204030204" pitchFamily="34" charset="0"/>
+              </a:rPr>
+              <a:t>مسئول نوشتن تست های </a:t>
+            </a:r>
+            <a:r>
+              <a:rPr lang="en-US" sz="2000" b="1" dirty="0">
+                <a:latin typeface="Calibri" panose="020F0502020204030204" pitchFamily="34" charset="0"/>
+                <a:cs typeface="Calibri" panose="020F0502020204030204" pitchFamily="34" charset="0"/>
+              </a:rPr>
+              <a:t>Happy Path</a:t>
+            </a:r>
+            <a:r>
+              <a:rPr lang="fa-IR" sz="2000" b="1" dirty="0">
+                <a:latin typeface="Calibri" panose="020F0502020204030204" pitchFamily="34" charset="0"/>
+                <a:cs typeface="Calibri" panose="020F0502020204030204" pitchFamily="34" charset="0"/>
+              </a:rPr>
+              <a:t> هست . </a:t>
+            </a:r>
+          </a:p>
+          <a:p>
+            <a:pPr marL="914400" lvl="1" indent="-457200" algn="r" rtl="1">
+              <a:lnSpc>
+                <a:spcPct val="150000"/>
+              </a:lnSpc>
+              <a:buFont typeface="Wingdings" panose="05000000000000000000" pitchFamily="2" charset="2"/>
+              <a:buChar char="ü"/>
+            </a:pPr>
+            <a:r>
+              <a:rPr lang="en-US" sz="2000" b="1" dirty="0">
+                <a:latin typeface="Calibri" panose="020F0502020204030204" pitchFamily="34" charset="0"/>
+                <a:cs typeface="Calibri" panose="020F0502020204030204" pitchFamily="34" charset="0"/>
+              </a:rPr>
+              <a:t>QA</a:t>
+            </a:r>
+            <a:r>
+              <a:rPr lang="fa-IR" sz="2000" b="1" dirty="0">
+                <a:latin typeface="Calibri" panose="020F0502020204030204" pitchFamily="34" charset="0"/>
+                <a:cs typeface="Calibri" panose="020F0502020204030204" pitchFamily="34" charset="0"/>
+              </a:rPr>
+              <a:t> باید تست های </a:t>
+            </a:r>
+            <a:r>
+              <a:rPr lang="en-US" sz="2000" b="1" dirty="0">
+                <a:latin typeface="Calibri" panose="020F0502020204030204" pitchFamily="34" charset="0"/>
+                <a:cs typeface="Calibri" panose="020F0502020204030204" pitchFamily="34" charset="0"/>
+              </a:rPr>
+              <a:t>Un-Happy Path</a:t>
+            </a:r>
+            <a:r>
+              <a:rPr lang="fa-IR" sz="2000" b="1" dirty="0">
+                <a:latin typeface="Calibri" panose="020F0502020204030204" pitchFamily="34" charset="0"/>
+                <a:cs typeface="Calibri" panose="020F0502020204030204" pitchFamily="34" charset="0"/>
+              </a:rPr>
+              <a:t> را بنویسد</a:t>
+            </a:r>
+            <a:r>
+              <a:rPr lang="en-US" sz="2000" b="1" dirty="0">
+                <a:latin typeface="Calibri" panose="020F0502020204030204" pitchFamily="34" charset="0"/>
+                <a:cs typeface="Calibri" panose="020F0502020204030204" pitchFamily="34" charset="0"/>
+              </a:rPr>
+              <a:t>.</a:t>
+            </a:r>
+          </a:p>
+          <a:p>
+            <a:pPr lvl="1" algn="r" rtl="1">
+              <a:lnSpc>
+                <a:spcPct val="150000"/>
+              </a:lnSpc>
+            </a:pPr>
+            <a:endParaRPr lang="fa-IR" sz="2800" b="1" dirty="0">
+              <a:latin typeface="Calibri" panose="020F0502020204030204" pitchFamily="34" charset="0"/>
+              <a:cs typeface="Calibri" panose="020F0502020204030204" pitchFamily="34" charset="0"/>
+            </a:endParaRPr>
+          </a:p>
+        </p:txBody>
+      </p:sp>
+    </p:spTree>
+    <p:extLst>
+      <p:ext uri="{BB962C8B-B14F-4D97-AF65-F5344CB8AC3E}">
+        <p14:creationId xmlns:p14="http://schemas.microsoft.com/office/powerpoint/2010/main" val="2802085726"/>
+      </p:ext>
+    </p:extLst>
+  </p:cSld>
+  <p:clrMapOvr>
+    <a:masterClrMapping/>
+  </p:clrMapOvr>
+</p:sld>
+</file>
+
+<file path=ppt/slides/slide49.xml><?xml version="1.0" encoding="utf-8"?>
+<p:sld xmlns:a="http://schemas.openxmlformats.org/drawingml/2006/main" xmlns:r="http://schemas.openxmlformats.org/officeDocument/2006/relationships" xmlns:p="http://schemas.openxmlformats.org/presentationml/2006/main">
+  <p:cSld>
+    <p:spTree>
+      <p:nvGrpSpPr>
+        <p:cNvPr id="1" name=""/>
+        <p:cNvGrpSpPr/>
+        <p:nvPr/>
+      </p:nvGrpSpPr>
+      <p:grpSpPr>
+        <a:xfrm>
+          <a:off x="0" y="0"/>
+          <a:ext cx="0" cy="0"/>
+          <a:chOff x="0" y="0"/>
+          <a:chExt cx="0" cy="0"/>
+        </a:xfrm>
+      </p:grpSpPr>
+      <p:sp>
+        <p:nvSpPr>
+          <p:cNvPr id="2" name="Title 1"/>
+          <p:cNvSpPr>
+            <a:spLocks noGrp="1"/>
+          </p:cNvSpPr>
+          <p:nvPr>
+            <p:ph type="title"/>
+          </p:nvPr>
+        </p:nvSpPr>
+        <p:spPr>
+          <a:xfrm>
+            <a:off x="381000" y="571500"/>
+            <a:ext cx="11341100" cy="685800"/>
+          </a:xfrm>
+        </p:spPr>
+        <p:txBody>
+          <a:bodyPr/>
+          <a:lstStyle/>
+          <a:p>
+            <a:pPr algn="r" rtl="1"/>
+            <a:r>
+              <a:rPr lang="fa-IR" sz="4400" dirty="0">
+                <a:effectLst>
+                  <a:outerShdw blurRad="38100" dist="38100" dir="2700000" algn="tl">
+                    <a:srgbClr val="000000">
+                      <a:alpha val="43137"/>
+                    </a:srgbClr>
+                  </a:outerShdw>
+                </a:effectLst>
+                <a:latin typeface="Calibri" panose="020F0502020204030204" pitchFamily="34" charset="0"/>
+                <a:cs typeface="Calibri" panose="020F0502020204030204" pitchFamily="34" charset="0"/>
+              </a:rPr>
+              <a:t>فصل هشتم : استراتژی های تست</a:t>
+            </a:r>
+            <a:endParaRPr lang="en-US" sz="4400" dirty="0">
+              <a:effectLst>
+                <a:outerShdw blurRad="38100" dist="38100" dir="2700000" algn="tl">
+                  <a:srgbClr val="000000">
+                    <a:alpha val="43137"/>
+                  </a:srgbClr>
+                </a:outerShdw>
+              </a:effectLst>
+              <a:latin typeface="Calibri" panose="020F0502020204030204" pitchFamily="34" charset="0"/>
+              <a:cs typeface="Calibri" panose="020F0502020204030204" pitchFamily="34" charset="0"/>
+            </a:endParaRPr>
+          </a:p>
+        </p:txBody>
+      </p:sp>
+      <p:sp>
+        <p:nvSpPr>
+          <p:cNvPr id="9" name="TextBox 8">
+            <a:extLst>
+              <a:ext uri="{FF2B5EF4-FFF2-40B4-BE49-F238E27FC236}">
+                <a16:creationId xmlns:a16="http://schemas.microsoft.com/office/drawing/2014/main" id="{663D9B27-9BD9-46A2-9DE5-822BC3578145}"/>
+              </a:ext>
+            </a:extLst>
+          </p:cNvPr>
+          <p:cNvSpPr txBox="1"/>
+          <p:nvPr/>
+        </p:nvSpPr>
+        <p:spPr>
+          <a:xfrm>
+            <a:off x="133350" y="1732200"/>
+            <a:ext cx="11588750" cy="4845942"/>
+          </a:xfrm>
+          <a:prstGeom prst="rect">
+            <a:avLst/>
+          </a:prstGeom>
+          <a:noFill/>
+        </p:spPr>
+        <p:txBody>
+          <a:bodyPr wrap="square">
+            <a:spAutoFit/>
+          </a:bodyPr>
+          <a:lstStyle/>
+          <a:p>
+            <a:pPr algn="r" rtl="1">
+              <a:lnSpc>
+                <a:spcPct val="150000"/>
+              </a:lnSpc>
+            </a:pPr>
+            <a:r>
+              <a:rPr lang="fa-IR" sz="3200" b="1" dirty="0">
+                <a:latin typeface="Calibri" panose="020F0502020204030204" pitchFamily="34" charset="0"/>
+                <a:cs typeface="Calibri" panose="020F0502020204030204" pitchFamily="34" charset="0"/>
+              </a:rPr>
+              <a:t>هرم تست :</a:t>
+            </a:r>
+          </a:p>
+          <a:p>
+            <a:pPr marL="457200" indent="-457200" algn="r" rtl="1">
+              <a:lnSpc>
+                <a:spcPct val="150000"/>
+              </a:lnSpc>
+              <a:buFont typeface="Wingdings" panose="05000000000000000000" pitchFamily="2" charset="2"/>
+              <a:buChar char="ü"/>
+            </a:pPr>
+            <a:r>
+              <a:rPr lang="en-US" sz="2400" b="1" dirty="0">
+                <a:latin typeface="Calibri" panose="020F0502020204030204" pitchFamily="34" charset="0"/>
+                <a:cs typeface="Calibri" panose="020F0502020204030204" pitchFamily="34" charset="0"/>
+              </a:rPr>
+              <a:t>Unit Test</a:t>
+            </a:r>
+            <a:r>
+              <a:rPr lang="fa-IR" sz="2400" b="1" dirty="0">
+                <a:latin typeface="Calibri" panose="020F0502020204030204" pitchFamily="34" charset="0"/>
+                <a:cs typeface="Calibri" panose="020F0502020204030204" pitchFamily="34" charset="0"/>
+              </a:rPr>
+              <a:t> : </a:t>
+            </a:r>
+          </a:p>
+          <a:p>
+            <a:pPr marL="914400" lvl="1" indent="-457200" algn="r" rtl="1">
+              <a:lnSpc>
+                <a:spcPct val="150000"/>
+              </a:lnSpc>
+              <a:buFont typeface="Wingdings" panose="05000000000000000000" pitchFamily="2" charset="2"/>
+              <a:buChar char="ü"/>
+            </a:pPr>
+            <a:r>
+              <a:rPr lang="fa-IR" sz="2000" b="1" dirty="0">
+                <a:latin typeface="Calibri" panose="020F0502020204030204" pitchFamily="34" charset="0"/>
+                <a:cs typeface="Calibri" panose="020F0502020204030204" pitchFamily="34" charset="0"/>
+              </a:rPr>
+              <a:t>تست هایی روزانه برنامه نویس ها بری انجام کارشان هست . </a:t>
+            </a:r>
+          </a:p>
+          <a:p>
+            <a:pPr marL="457200" indent="-457200" algn="r" rtl="1">
+              <a:lnSpc>
+                <a:spcPct val="150000"/>
+              </a:lnSpc>
+              <a:buFont typeface="Wingdings" panose="05000000000000000000" pitchFamily="2" charset="2"/>
+              <a:buChar char="ü"/>
+            </a:pPr>
+            <a:r>
+              <a:rPr lang="en-US" sz="2400" b="1" dirty="0">
+                <a:latin typeface="Calibri" panose="020F0502020204030204" pitchFamily="34" charset="0"/>
+                <a:cs typeface="Calibri" panose="020F0502020204030204" pitchFamily="34" charset="0"/>
+              </a:rPr>
+              <a:t>Component Test</a:t>
+            </a:r>
+            <a:r>
+              <a:rPr lang="fa-IR" sz="2400" b="1" dirty="0">
+                <a:latin typeface="Calibri" panose="020F0502020204030204" pitchFamily="34" charset="0"/>
+                <a:cs typeface="Calibri" panose="020F0502020204030204" pitchFamily="34" charset="0"/>
+              </a:rPr>
+              <a:t> : </a:t>
+            </a:r>
+          </a:p>
+          <a:p>
+            <a:pPr marL="914400" lvl="1" indent="-457200" algn="r" rtl="1">
+              <a:lnSpc>
+                <a:spcPct val="150000"/>
+              </a:lnSpc>
+              <a:buFont typeface="Wingdings" panose="05000000000000000000" pitchFamily="2" charset="2"/>
+              <a:buChar char="ü"/>
+            </a:pPr>
+            <a:r>
+              <a:rPr lang="fa-IR" sz="2400" b="1" dirty="0">
+                <a:latin typeface="Calibri" panose="020F0502020204030204" pitchFamily="34" charset="0"/>
+                <a:cs typeface="Calibri" panose="020F0502020204030204" pitchFamily="34" charset="0"/>
+              </a:rPr>
+              <a:t>قوانین تجاری را تست می کنند ، باید 50 درصد سیستم را پوشش دهند . </a:t>
+            </a:r>
+            <a:r>
+              <a:rPr lang="en-US" sz="2400" b="1" dirty="0">
+                <a:latin typeface="Calibri" panose="020F0502020204030204" pitchFamily="34" charset="0"/>
+                <a:cs typeface="Calibri" panose="020F0502020204030204" pitchFamily="34" charset="0"/>
+              </a:rPr>
+              <a:t>Happy Path Test</a:t>
+            </a:r>
+            <a:r>
+              <a:rPr lang="fa-IR" sz="2400" b="1" dirty="0">
+                <a:latin typeface="Calibri" panose="020F0502020204030204" pitchFamily="34" charset="0"/>
+                <a:cs typeface="Calibri" panose="020F0502020204030204" pitchFamily="34" charset="0"/>
+              </a:rPr>
+              <a:t> </a:t>
+            </a:r>
+          </a:p>
+          <a:p>
+            <a:pPr marL="457200" indent="-457200" algn="r" rtl="1">
+              <a:lnSpc>
+                <a:spcPct val="150000"/>
+              </a:lnSpc>
+              <a:buFont typeface="Wingdings" panose="05000000000000000000" pitchFamily="2" charset="2"/>
+              <a:buChar char="ü"/>
+            </a:pPr>
+            <a:r>
+              <a:rPr lang="en-US" sz="2400" b="1" dirty="0">
+                <a:latin typeface="Calibri" panose="020F0502020204030204" pitchFamily="34" charset="0"/>
+                <a:cs typeface="Calibri" panose="020F0502020204030204" pitchFamily="34" charset="0"/>
+              </a:rPr>
+              <a:t>Integration Test</a:t>
+            </a:r>
+            <a:r>
+              <a:rPr lang="fa-IR" sz="2400" b="1" dirty="0">
+                <a:latin typeface="Calibri" panose="020F0502020204030204" pitchFamily="34" charset="0"/>
+                <a:cs typeface="Calibri" panose="020F0502020204030204" pitchFamily="34" charset="0"/>
+              </a:rPr>
+              <a:t> :</a:t>
+            </a:r>
+          </a:p>
+          <a:p>
+            <a:pPr marL="914400" lvl="1" indent="-457200" algn="r" rtl="1">
+              <a:lnSpc>
+                <a:spcPct val="150000"/>
+              </a:lnSpc>
+              <a:buFont typeface="Wingdings" panose="05000000000000000000" pitchFamily="2" charset="2"/>
+              <a:buChar char="ü"/>
+            </a:pPr>
+            <a:r>
+              <a:rPr lang="fa-IR" sz="2000" b="1" dirty="0">
+                <a:latin typeface="Calibri" panose="020F0502020204030204" pitchFamily="34" charset="0"/>
+                <a:cs typeface="Calibri" panose="020F0502020204030204" pitchFamily="34" charset="0"/>
+              </a:rPr>
+              <a:t>مطمئن می شوند که کامپوننت ها به درستی می توانند با یکدیگر کار کنند . </a:t>
+            </a:r>
+          </a:p>
+          <a:p>
+            <a:pPr marL="914400" lvl="1" indent="-457200" algn="r" rtl="1">
+              <a:lnSpc>
+                <a:spcPct val="150000"/>
+              </a:lnSpc>
+              <a:buFont typeface="Wingdings" panose="05000000000000000000" pitchFamily="2" charset="2"/>
+              <a:buChar char="ü"/>
+            </a:pPr>
+            <a:r>
+              <a:rPr lang="fa-IR" sz="2000" b="1" dirty="0">
+                <a:latin typeface="Calibri" panose="020F0502020204030204" pitchFamily="34" charset="0"/>
+                <a:cs typeface="Calibri" panose="020F0502020204030204" pitchFamily="34" charset="0"/>
+              </a:rPr>
+              <a:t>معماران سیستم و طراحان ارشد این تست ها را می نویسند </a:t>
+            </a:r>
+          </a:p>
+          <a:p>
+            <a:pPr marL="914400" lvl="1" indent="-457200" algn="r" rtl="1">
+              <a:lnSpc>
+                <a:spcPct val="150000"/>
+              </a:lnSpc>
+              <a:buFont typeface="Wingdings" panose="05000000000000000000" pitchFamily="2" charset="2"/>
+              <a:buChar char="ü"/>
+            </a:pPr>
+            <a:r>
+              <a:rPr lang="fa-IR" sz="2000" b="1" dirty="0">
+                <a:latin typeface="Calibri" panose="020F0502020204030204" pitchFamily="34" charset="0"/>
+                <a:cs typeface="Calibri" panose="020F0502020204030204" pitchFamily="34" charset="0"/>
+              </a:rPr>
+              <a:t>جزئ </a:t>
+            </a:r>
+            <a:r>
+              <a:rPr lang="en-US" sz="2000" b="1" dirty="0">
+                <a:latin typeface="Calibri" panose="020F0502020204030204" pitchFamily="34" charset="0"/>
+                <a:cs typeface="Calibri" panose="020F0502020204030204" pitchFamily="34" charset="0"/>
+              </a:rPr>
+              <a:t>CI</a:t>
+            </a:r>
+            <a:r>
+              <a:rPr lang="fa-IR" sz="2000" b="1" dirty="0">
+                <a:latin typeface="Calibri" panose="020F0502020204030204" pitchFamily="34" charset="0"/>
+                <a:cs typeface="Calibri" panose="020F0502020204030204" pitchFamily="34" charset="0"/>
+              </a:rPr>
+              <a:t> نیستند و بنا به صلاح دید نویسنده ی تست ، به صورت هفتگی ، ماهانه و دستی اجرا می شوند . 	</a:t>
+            </a:r>
+          </a:p>
+        </p:txBody>
+      </p:sp>
+    </p:spTree>
+    <p:extLst>
+      <p:ext uri="{BB962C8B-B14F-4D97-AF65-F5344CB8AC3E}">
+        <p14:creationId xmlns:p14="http://schemas.microsoft.com/office/powerpoint/2010/main" val="1396112107"/>
+      </p:ext>
+    </p:extLst>
+  </p:cSld>
+  <p:clrMapOvr>
+    <a:masterClrMapping/>
+  </p:clrMapOvr>
+</p:sld>
+</file>
+
 <file path=ppt/slides/slide5.xml><?xml version="1.0" encoding="utf-8"?>
 <p:sld xmlns:a="http://schemas.openxmlformats.org/drawingml/2006/main" xmlns:r="http://schemas.openxmlformats.org/officeDocument/2006/relationships" xmlns:p="http://schemas.openxmlformats.org/presentationml/2006/main">
   <p:cSld>
@@ -13880,6 +17742,2045 @@
     <p:extLst>
       <p:ext uri="{BB962C8B-B14F-4D97-AF65-F5344CB8AC3E}">
         <p14:creationId xmlns:p14="http://schemas.microsoft.com/office/powerpoint/2010/main" val="902296240"/>
+      </p:ext>
+    </p:extLst>
+  </p:cSld>
+  <p:clrMapOvr>
+    <a:masterClrMapping/>
+  </p:clrMapOvr>
+</p:sld>
+</file>
+
+<file path=ppt/slides/slide50.xml><?xml version="1.0" encoding="utf-8"?>
+<p:sld xmlns:a="http://schemas.openxmlformats.org/drawingml/2006/main" xmlns:r="http://schemas.openxmlformats.org/officeDocument/2006/relationships" xmlns:p="http://schemas.openxmlformats.org/presentationml/2006/main">
+  <p:cSld>
+    <p:spTree>
+      <p:nvGrpSpPr>
+        <p:cNvPr id="1" name=""/>
+        <p:cNvGrpSpPr/>
+        <p:nvPr/>
+      </p:nvGrpSpPr>
+      <p:grpSpPr>
+        <a:xfrm>
+          <a:off x="0" y="0"/>
+          <a:ext cx="0" cy="0"/>
+          <a:chOff x="0" y="0"/>
+          <a:chExt cx="0" cy="0"/>
+        </a:xfrm>
+      </p:grpSpPr>
+      <p:sp>
+        <p:nvSpPr>
+          <p:cNvPr id="2" name="Title 1"/>
+          <p:cNvSpPr>
+            <a:spLocks noGrp="1"/>
+          </p:cNvSpPr>
+          <p:nvPr>
+            <p:ph type="title"/>
+          </p:nvPr>
+        </p:nvSpPr>
+        <p:spPr>
+          <a:xfrm>
+            <a:off x="381000" y="571500"/>
+            <a:ext cx="11341100" cy="685800"/>
+          </a:xfrm>
+        </p:spPr>
+        <p:txBody>
+          <a:bodyPr/>
+          <a:lstStyle/>
+          <a:p>
+            <a:pPr algn="r" rtl="1"/>
+            <a:r>
+              <a:rPr lang="fa-IR" sz="4400" dirty="0">
+                <a:effectLst>
+                  <a:outerShdw blurRad="38100" dist="38100" dir="2700000" algn="tl">
+                    <a:srgbClr val="000000">
+                      <a:alpha val="43137"/>
+                    </a:srgbClr>
+                  </a:outerShdw>
+                </a:effectLst>
+                <a:latin typeface="Calibri" panose="020F0502020204030204" pitchFamily="34" charset="0"/>
+                <a:cs typeface="Calibri" panose="020F0502020204030204" pitchFamily="34" charset="0"/>
+              </a:rPr>
+              <a:t>فصل هشتم : استراتژی های تست</a:t>
+            </a:r>
+            <a:endParaRPr lang="en-US" sz="4400" dirty="0">
+              <a:effectLst>
+                <a:outerShdw blurRad="38100" dist="38100" dir="2700000" algn="tl">
+                  <a:srgbClr val="000000">
+                    <a:alpha val="43137"/>
+                  </a:srgbClr>
+                </a:outerShdw>
+              </a:effectLst>
+              <a:latin typeface="Calibri" panose="020F0502020204030204" pitchFamily="34" charset="0"/>
+              <a:cs typeface="Calibri" panose="020F0502020204030204" pitchFamily="34" charset="0"/>
+            </a:endParaRPr>
+          </a:p>
+        </p:txBody>
+      </p:sp>
+      <p:sp>
+        <p:nvSpPr>
+          <p:cNvPr id="9" name="TextBox 8">
+            <a:extLst>
+              <a:ext uri="{FF2B5EF4-FFF2-40B4-BE49-F238E27FC236}">
+                <a16:creationId xmlns:a16="http://schemas.microsoft.com/office/drawing/2014/main" id="{663D9B27-9BD9-46A2-9DE5-822BC3578145}"/>
+              </a:ext>
+            </a:extLst>
+          </p:cNvPr>
+          <p:cNvSpPr txBox="1"/>
+          <p:nvPr/>
+        </p:nvSpPr>
+        <p:spPr>
+          <a:xfrm>
+            <a:off x="133350" y="1732200"/>
+            <a:ext cx="11588750" cy="5030608"/>
+          </a:xfrm>
+          <a:prstGeom prst="rect">
+            <a:avLst/>
+          </a:prstGeom>
+          <a:noFill/>
+        </p:spPr>
+        <p:txBody>
+          <a:bodyPr wrap="square">
+            <a:spAutoFit/>
+          </a:bodyPr>
+          <a:lstStyle/>
+          <a:p>
+            <a:pPr algn="r" rtl="1">
+              <a:lnSpc>
+                <a:spcPct val="150000"/>
+              </a:lnSpc>
+            </a:pPr>
+            <a:r>
+              <a:rPr lang="fa-IR" sz="3200" b="1" dirty="0">
+                <a:latin typeface="Calibri" panose="020F0502020204030204" pitchFamily="34" charset="0"/>
+                <a:cs typeface="Calibri" panose="020F0502020204030204" pitchFamily="34" charset="0"/>
+              </a:rPr>
+              <a:t>هرم تست :</a:t>
+            </a:r>
+          </a:p>
+          <a:p>
+            <a:pPr marL="457200" indent="-457200" algn="r" rtl="1">
+              <a:lnSpc>
+                <a:spcPct val="150000"/>
+              </a:lnSpc>
+              <a:buFont typeface="Wingdings" panose="05000000000000000000" pitchFamily="2" charset="2"/>
+              <a:buChar char="ü"/>
+            </a:pPr>
+            <a:r>
+              <a:rPr lang="en-US" sz="2400" b="1" dirty="0">
+                <a:latin typeface="Calibri" panose="020F0502020204030204" pitchFamily="34" charset="0"/>
+                <a:cs typeface="Calibri" panose="020F0502020204030204" pitchFamily="34" charset="0"/>
+              </a:rPr>
+              <a:t>System</a:t>
+            </a:r>
+            <a:r>
+              <a:rPr lang="fa-IR" sz="2400" b="1" dirty="0">
+                <a:latin typeface="Calibri" panose="020F0502020204030204" pitchFamily="34" charset="0"/>
+                <a:cs typeface="Calibri" panose="020F0502020204030204" pitchFamily="34" charset="0"/>
+              </a:rPr>
+              <a:t> </a:t>
+            </a:r>
+            <a:r>
+              <a:rPr lang="en-US" sz="2400" b="1" dirty="0">
+                <a:latin typeface="Calibri" panose="020F0502020204030204" pitchFamily="34" charset="0"/>
+                <a:cs typeface="Calibri" panose="020F0502020204030204" pitchFamily="34" charset="0"/>
+              </a:rPr>
+              <a:t> Test</a:t>
+            </a:r>
+            <a:r>
+              <a:rPr lang="fa-IR" sz="2400" b="1" dirty="0">
+                <a:latin typeface="Calibri" panose="020F0502020204030204" pitchFamily="34" charset="0"/>
+                <a:cs typeface="Calibri" panose="020F0502020204030204" pitchFamily="34" charset="0"/>
+              </a:rPr>
+              <a:t> : </a:t>
+            </a:r>
+            <a:endParaRPr lang="en-US" sz="2400" b="1" dirty="0">
+              <a:latin typeface="Calibri" panose="020F0502020204030204" pitchFamily="34" charset="0"/>
+              <a:cs typeface="Calibri" panose="020F0502020204030204" pitchFamily="34" charset="0"/>
+            </a:endParaRPr>
+          </a:p>
+          <a:p>
+            <a:pPr marL="914400" lvl="1" indent="-457200" algn="r" rtl="1">
+              <a:lnSpc>
+                <a:spcPct val="150000"/>
+              </a:lnSpc>
+              <a:buFont typeface="Wingdings" panose="05000000000000000000" pitchFamily="2" charset="2"/>
+              <a:buChar char="ü"/>
+            </a:pPr>
+            <a:r>
+              <a:rPr lang="fa-IR" sz="2000" b="1" dirty="0">
+                <a:latin typeface="Calibri" panose="020F0502020204030204" pitchFamily="34" charset="0"/>
+                <a:cs typeface="Calibri" panose="020F0502020204030204" pitchFamily="34" charset="0"/>
+              </a:rPr>
+              <a:t>تست های نهایی </a:t>
+            </a:r>
+            <a:r>
+              <a:rPr lang="en-US" sz="2000" b="1" dirty="0">
+                <a:latin typeface="Calibri" panose="020F0502020204030204" pitchFamily="34" charset="0"/>
+                <a:cs typeface="Calibri" panose="020F0502020204030204" pitchFamily="34" charset="0"/>
+              </a:rPr>
+              <a:t>Integration </a:t>
+            </a:r>
+          </a:p>
+          <a:p>
+            <a:pPr marL="914400" lvl="1" indent="-457200" algn="r" rtl="1">
+              <a:lnSpc>
+                <a:spcPct val="150000"/>
+              </a:lnSpc>
+              <a:buFont typeface="Wingdings" panose="05000000000000000000" pitchFamily="2" charset="2"/>
+              <a:buChar char="ü"/>
+            </a:pPr>
+            <a:r>
+              <a:rPr lang="fa-IR" sz="2000" b="1" dirty="0">
+                <a:latin typeface="Calibri" panose="020F0502020204030204" pitchFamily="34" charset="0"/>
+                <a:cs typeface="Calibri" panose="020F0502020204030204" pitchFamily="34" charset="0"/>
+              </a:rPr>
+              <a:t>توسط معماران سیستم و رهبران فنی انجام می شود .</a:t>
+            </a:r>
+          </a:p>
+          <a:p>
+            <a:pPr marL="914400" lvl="1" indent="-457200" algn="r" rtl="1">
+              <a:lnSpc>
+                <a:spcPct val="150000"/>
+              </a:lnSpc>
+              <a:buFont typeface="Wingdings" panose="05000000000000000000" pitchFamily="2" charset="2"/>
+              <a:buChar char="ü"/>
+            </a:pPr>
+            <a:r>
+              <a:rPr lang="en-US" sz="2000" b="1" dirty="0">
+                <a:latin typeface="Calibri" panose="020F0502020204030204" pitchFamily="34" charset="0"/>
+                <a:cs typeface="Calibri" panose="020F0502020204030204" pitchFamily="34" charset="0"/>
+              </a:rPr>
+              <a:t>Throughput Tests</a:t>
+            </a:r>
+          </a:p>
+          <a:p>
+            <a:pPr marL="914400" lvl="1" indent="-457200" algn="r" rtl="1">
+              <a:lnSpc>
+                <a:spcPct val="150000"/>
+              </a:lnSpc>
+              <a:buFont typeface="Wingdings" panose="05000000000000000000" pitchFamily="2" charset="2"/>
+              <a:buChar char="ü"/>
+            </a:pPr>
+            <a:r>
+              <a:rPr lang="en-US" sz="2000" b="1" dirty="0">
+                <a:latin typeface="Calibri" panose="020F0502020204030204" pitchFamily="34" charset="0"/>
+                <a:cs typeface="Calibri" panose="020F0502020204030204" pitchFamily="34" charset="0"/>
+              </a:rPr>
+              <a:t>Performance Test</a:t>
+            </a:r>
+          </a:p>
+          <a:p>
+            <a:pPr marL="914400" lvl="1" indent="-457200" algn="r" rtl="1">
+              <a:lnSpc>
+                <a:spcPct val="150000"/>
+              </a:lnSpc>
+              <a:buFont typeface="Wingdings" panose="05000000000000000000" pitchFamily="2" charset="2"/>
+              <a:buChar char="ü"/>
+            </a:pPr>
+            <a:r>
+              <a:rPr lang="fa-IR" sz="2000" b="1" dirty="0">
+                <a:latin typeface="Calibri" panose="020F0502020204030204" pitchFamily="34" charset="0"/>
+                <a:cs typeface="Calibri" panose="020F0502020204030204" pitchFamily="34" charset="0"/>
+              </a:rPr>
+              <a:t> هدف این نوع تست ، بررسی صحت عملکرد کلی سیستم و کارایی مناسب آن است.</a:t>
+            </a:r>
+          </a:p>
+          <a:p>
+            <a:pPr marL="457200" indent="-457200" algn="r" rtl="1">
+              <a:lnSpc>
+                <a:spcPct val="150000"/>
+              </a:lnSpc>
+              <a:buFont typeface="Wingdings" panose="05000000000000000000" pitchFamily="2" charset="2"/>
+              <a:buChar char="ü"/>
+            </a:pPr>
+            <a:r>
+              <a:rPr lang="en-US" sz="2000" b="1" dirty="0">
+                <a:latin typeface="Calibri" panose="020F0502020204030204" pitchFamily="34" charset="0"/>
+                <a:cs typeface="Calibri" panose="020F0502020204030204" pitchFamily="34" charset="0"/>
+              </a:rPr>
+              <a:t>Manual  </a:t>
+            </a:r>
+            <a:r>
+              <a:rPr lang="en-US" sz="2000" b="1" dirty="0"/>
+              <a:t>Exploratory </a:t>
+            </a:r>
+            <a:r>
+              <a:rPr lang="en-US" sz="2000" b="1" dirty="0">
+                <a:latin typeface="Calibri" panose="020F0502020204030204" pitchFamily="34" charset="0"/>
+                <a:cs typeface="Calibri" panose="020F0502020204030204" pitchFamily="34" charset="0"/>
+              </a:rPr>
+              <a:t>Test</a:t>
+            </a:r>
+            <a:r>
+              <a:rPr lang="fa-IR" sz="2000" b="1" dirty="0">
+                <a:latin typeface="Calibri" panose="020F0502020204030204" pitchFamily="34" charset="0"/>
+                <a:cs typeface="Calibri" panose="020F0502020204030204" pitchFamily="34" charset="0"/>
+              </a:rPr>
+              <a:t> : </a:t>
+            </a:r>
+          </a:p>
+          <a:p>
+            <a:pPr marL="914400" lvl="1" indent="-457200" algn="r" rtl="1">
+              <a:lnSpc>
+                <a:spcPct val="150000"/>
+              </a:lnSpc>
+              <a:buFont typeface="Wingdings" panose="05000000000000000000" pitchFamily="2" charset="2"/>
+              <a:buChar char="ü"/>
+            </a:pPr>
+            <a:r>
+              <a:rPr lang="fa-IR" sz="2000" b="1" dirty="0">
+                <a:latin typeface="Calibri" panose="020F0502020204030204" pitchFamily="34" charset="0"/>
+                <a:cs typeface="Calibri" panose="020F0502020204030204" pitchFamily="34" charset="0"/>
+              </a:rPr>
+              <a:t>تست های دستی سیستم از دید کاربر نهایی است که در لحظه انجام می شوند . </a:t>
+            </a:r>
+          </a:p>
+          <a:p>
+            <a:pPr marL="914400" lvl="1" indent="-457200" algn="r" rtl="1">
+              <a:lnSpc>
+                <a:spcPct val="150000"/>
+              </a:lnSpc>
+              <a:buFont typeface="Wingdings" panose="05000000000000000000" pitchFamily="2" charset="2"/>
+              <a:buChar char="ü"/>
+            </a:pPr>
+            <a:r>
+              <a:rPr lang="fa-IR" sz="2000" b="1" dirty="0">
+                <a:latin typeface="Calibri" panose="020F0502020204030204" pitchFamily="34" charset="0"/>
+                <a:cs typeface="Calibri" panose="020F0502020204030204" pitchFamily="34" charset="0"/>
+              </a:rPr>
+              <a:t>در این تست ، تستر آزادی عمل کامل دارد. </a:t>
+            </a:r>
+          </a:p>
+        </p:txBody>
+      </p:sp>
+    </p:spTree>
+    <p:extLst>
+      <p:ext uri="{BB962C8B-B14F-4D97-AF65-F5344CB8AC3E}">
+        <p14:creationId xmlns:p14="http://schemas.microsoft.com/office/powerpoint/2010/main" val="1803362391"/>
+      </p:ext>
+    </p:extLst>
+  </p:cSld>
+  <p:clrMapOvr>
+    <a:masterClrMapping/>
+  </p:clrMapOvr>
+</p:sld>
+</file>
+
+<file path=ppt/slides/slide51.xml><?xml version="1.0" encoding="utf-8"?>
+<p:sld xmlns:a="http://schemas.openxmlformats.org/drawingml/2006/main" xmlns:r="http://schemas.openxmlformats.org/officeDocument/2006/relationships" xmlns:p="http://schemas.openxmlformats.org/presentationml/2006/main">
+  <p:cSld>
+    <p:spTree>
+      <p:nvGrpSpPr>
+        <p:cNvPr id="1" name=""/>
+        <p:cNvGrpSpPr/>
+        <p:nvPr/>
+      </p:nvGrpSpPr>
+      <p:grpSpPr>
+        <a:xfrm>
+          <a:off x="0" y="0"/>
+          <a:ext cx="0" cy="0"/>
+          <a:chOff x="0" y="0"/>
+          <a:chExt cx="0" cy="0"/>
+        </a:xfrm>
+      </p:grpSpPr>
+      <p:sp>
+        <p:nvSpPr>
+          <p:cNvPr id="2" name="Title 1"/>
+          <p:cNvSpPr>
+            <a:spLocks noGrp="1"/>
+          </p:cNvSpPr>
+          <p:nvPr>
+            <p:ph type="title"/>
+          </p:nvPr>
+        </p:nvSpPr>
+        <p:spPr>
+          <a:xfrm>
+            <a:off x="381000" y="571500"/>
+            <a:ext cx="11341100" cy="685800"/>
+          </a:xfrm>
+        </p:spPr>
+        <p:txBody>
+          <a:bodyPr/>
+          <a:lstStyle/>
+          <a:p>
+            <a:pPr algn="r" rtl="1"/>
+            <a:r>
+              <a:rPr lang="fa-IR" sz="4400" dirty="0">
+                <a:effectLst>
+                  <a:outerShdw blurRad="38100" dist="38100" dir="2700000" algn="tl">
+                    <a:srgbClr val="000000">
+                      <a:alpha val="43137"/>
+                    </a:srgbClr>
+                  </a:outerShdw>
+                </a:effectLst>
+                <a:latin typeface="Calibri" panose="020F0502020204030204" pitchFamily="34" charset="0"/>
+                <a:cs typeface="Calibri" panose="020F0502020204030204" pitchFamily="34" charset="0"/>
+              </a:rPr>
+              <a:t>فصل هشتم : استراتژی های تست</a:t>
+            </a:r>
+            <a:endParaRPr lang="en-US" sz="4400" dirty="0">
+              <a:effectLst>
+                <a:outerShdw blurRad="38100" dist="38100" dir="2700000" algn="tl">
+                  <a:srgbClr val="000000">
+                    <a:alpha val="43137"/>
+                  </a:srgbClr>
+                </a:outerShdw>
+              </a:effectLst>
+              <a:latin typeface="Calibri" panose="020F0502020204030204" pitchFamily="34" charset="0"/>
+              <a:cs typeface="Calibri" panose="020F0502020204030204" pitchFamily="34" charset="0"/>
+            </a:endParaRPr>
+          </a:p>
+        </p:txBody>
+      </p:sp>
+      <p:sp>
+        <p:nvSpPr>
+          <p:cNvPr id="9" name="TextBox 8">
+            <a:extLst>
+              <a:ext uri="{FF2B5EF4-FFF2-40B4-BE49-F238E27FC236}">
+                <a16:creationId xmlns:a16="http://schemas.microsoft.com/office/drawing/2014/main" id="{663D9B27-9BD9-46A2-9DE5-822BC3578145}"/>
+              </a:ext>
+            </a:extLst>
+          </p:cNvPr>
+          <p:cNvSpPr txBox="1"/>
+          <p:nvPr/>
+        </p:nvSpPr>
+        <p:spPr>
+          <a:xfrm>
+            <a:off x="133350" y="2713275"/>
+            <a:ext cx="11588750" cy="1983620"/>
+          </a:xfrm>
+          <a:prstGeom prst="rect">
+            <a:avLst/>
+          </a:prstGeom>
+          <a:noFill/>
+        </p:spPr>
+        <p:txBody>
+          <a:bodyPr wrap="square">
+            <a:spAutoFit/>
+          </a:bodyPr>
+          <a:lstStyle/>
+          <a:p>
+            <a:pPr algn="r" rtl="1">
+              <a:lnSpc>
+                <a:spcPct val="150000"/>
+              </a:lnSpc>
+            </a:pPr>
+            <a:r>
+              <a:rPr lang="fa-IR" sz="2400" b="1" dirty="0">
+                <a:latin typeface="Calibri" panose="020F0502020204030204" pitchFamily="34" charset="0"/>
+                <a:cs typeface="Calibri" panose="020F0502020204030204" pitchFamily="34" charset="0"/>
+              </a:rPr>
+              <a:t>منبع برای مطالعه بیشتر</a:t>
+            </a:r>
+            <a:r>
+              <a:rPr lang="en-US" sz="2400" b="1" dirty="0">
+                <a:latin typeface="Calibri" panose="020F0502020204030204" pitchFamily="34" charset="0"/>
+                <a:cs typeface="Calibri" panose="020F0502020204030204" pitchFamily="34" charset="0"/>
+              </a:rPr>
+              <a:t> </a:t>
+            </a:r>
+            <a:r>
+              <a:rPr lang="fa-IR" sz="2400" b="1" dirty="0">
+                <a:latin typeface="Calibri" panose="020F0502020204030204" pitchFamily="34" charset="0"/>
+                <a:cs typeface="Calibri" panose="020F0502020204030204" pitchFamily="34" charset="0"/>
+              </a:rPr>
+              <a:t> در مورد تستها :</a:t>
+            </a:r>
+          </a:p>
+          <a:p>
+            <a:pPr marL="800100" lvl="1" indent="-342900" algn="r" rtl="1">
+              <a:lnSpc>
+                <a:spcPct val="150000"/>
+              </a:lnSpc>
+              <a:buFont typeface="Wingdings" panose="05000000000000000000" pitchFamily="2" charset="2"/>
+              <a:buChar char="ü"/>
+            </a:pPr>
+            <a:r>
+              <a:rPr lang="en-US" sz="2000" dirty="0">
+                <a:latin typeface="Calibri" panose="020F0502020204030204" pitchFamily="34" charset="0"/>
+                <a:cs typeface="Calibri" panose="020F0502020204030204" pitchFamily="34" charset="0"/>
+              </a:rPr>
+              <a:t>https://www.onpathtesting.com/blog/qa-testers-what-is-the-agile-testing-pyramid</a:t>
+            </a:r>
+          </a:p>
+          <a:p>
+            <a:pPr marL="800100" lvl="1" indent="-342900" algn="r" rtl="1">
+              <a:lnSpc>
+                <a:spcPct val="150000"/>
+              </a:lnSpc>
+              <a:buFont typeface="Wingdings" panose="05000000000000000000" pitchFamily="2" charset="2"/>
+              <a:buChar char="ü"/>
+            </a:pPr>
+            <a:r>
+              <a:rPr lang="en-US" sz="2000" dirty="0">
+                <a:latin typeface="Calibri" panose="020F0502020204030204" pitchFamily="34" charset="0"/>
+                <a:cs typeface="Calibri" panose="020F0502020204030204" pitchFamily="34" charset="0"/>
+              </a:rPr>
+              <a:t>https://martinfowler.com/articles/practical-test-pyramid.html</a:t>
+            </a:r>
+          </a:p>
+          <a:p>
+            <a:pPr marL="800100" lvl="1" indent="-342900" algn="r" rtl="1">
+              <a:lnSpc>
+                <a:spcPct val="150000"/>
+              </a:lnSpc>
+              <a:buFont typeface="Wingdings" panose="05000000000000000000" pitchFamily="2" charset="2"/>
+              <a:buChar char="ü"/>
+            </a:pPr>
+            <a:r>
+              <a:rPr lang="en-US" sz="2000" dirty="0">
+                <a:latin typeface="Calibri" panose="020F0502020204030204" pitchFamily="34" charset="0"/>
+                <a:cs typeface="Calibri" panose="020F0502020204030204" pitchFamily="34" charset="0"/>
+              </a:rPr>
+              <a:t>https://www.guru99.com/exploratory-testing.html</a:t>
+            </a:r>
+            <a:endParaRPr lang="fa-IR" sz="2000" dirty="0">
+              <a:latin typeface="Calibri" panose="020F0502020204030204" pitchFamily="34" charset="0"/>
+              <a:cs typeface="Calibri" panose="020F0502020204030204" pitchFamily="34" charset="0"/>
+            </a:endParaRPr>
+          </a:p>
+        </p:txBody>
+      </p:sp>
+    </p:spTree>
+    <p:extLst>
+      <p:ext uri="{BB962C8B-B14F-4D97-AF65-F5344CB8AC3E}">
+        <p14:creationId xmlns:p14="http://schemas.microsoft.com/office/powerpoint/2010/main" val="383220842"/>
+      </p:ext>
+    </p:extLst>
+  </p:cSld>
+  <p:clrMapOvr>
+    <a:masterClrMapping/>
+  </p:clrMapOvr>
+</p:sld>
+</file>
+
+<file path=ppt/slides/slide52.xml><?xml version="1.0" encoding="utf-8"?>
+<p:sld xmlns:a="http://schemas.openxmlformats.org/drawingml/2006/main" xmlns:r="http://schemas.openxmlformats.org/officeDocument/2006/relationships" xmlns:p="http://schemas.openxmlformats.org/presentationml/2006/main">
+  <p:cSld>
+    <p:spTree>
+      <p:nvGrpSpPr>
+        <p:cNvPr id="1" name=""/>
+        <p:cNvGrpSpPr/>
+        <p:nvPr/>
+      </p:nvGrpSpPr>
+      <p:grpSpPr>
+        <a:xfrm>
+          <a:off x="0" y="0"/>
+          <a:ext cx="0" cy="0"/>
+          <a:chOff x="0" y="0"/>
+          <a:chExt cx="0" cy="0"/>
+        </a:xfrm>
+      </p:grpSpPr>
+      <p:sp>
+        <p:nvSpPr>
+          <p:cNvPr id="2" name="Title 1"/>
+          <p:cNvSpPr>
+            <a:spLocks noGrp="1"/>
+          </p:cNvSpPr>
+          <p:nvPr>
+            <p:ph type="title"/>
+          </p:nvPr>
+        </p:nvSpPr>
+        <p:spPr>
+          <a:xfrm>
+            <a:off x="381000" y="571500"/>
+            <a:ext cx="11341100" cy="685800"/>
+          </a:xfrm>
+        </p:spPr>
+        <p:txBody>
+          <a:bodyPr/>
+          <a:lstStyle/>
+          <a:p>
+            <a:pPr algn="r" rtl="1"/>
+            <a:r>
+              <a:rPr lang="fa-IR" sz="4400" dirty="0">
+                <a:effectLst>
+                  <a:outerShdw blurRad="38100" dist="38100" dir="2700000" algn="tl">
+                    <a:srgbClr val="000000">
+                      <a:alpha val="43137"/>
+                    </a:srgbClr>
+                  </a:outerShdw>
+                </a:effectLst>
+                <a:latin typeface="Calibri" panose="020F0502020204030204" pitchFamily="34" charset="0"/>
+                <a:cs typeface="Calibri" panose="020F0502020204030204" pitchFamily="34" charset="0"/>
+              </a:rPr>
+              <a:t>فصل نهم : مدیریت زمان</a:t>
+            </a:r>
+            <a:endParaRPr lang="en-US" sz="4400" dirty="0">
+              <a:effectLst>
+                <a:outerShdw blurRad="38100" dist="38100" dir="2700000" algn="tl">
+                  <a:srgbClr val="000000">
+                    <a:alpha val="43137"/>
+                  </a:srgbClr>
+                </a:outerShdw>
+              </a:effectLst>
+              <a:latin typeface="Calibri" panose="020F0502020204030204" pitchFamily="34" charset="0"/>
+              <a:cs typeface="Calibri" panose="020F0502020204030204" pitchFamily="34" charset="0"/>
+            </a:endParaRPr>
+          </a:p>
+        </p:txBody>
+      </p:sp>
+      <p:sp>
+        <p:nvSpPr>
+          <p:cNvPr id="9" name="TextBox 8">
+            <a:extLst>
+              <a:ext uri="{FF2B5EF4-FFF2-40B4-BE49-F238E27FC236}">
+                <a16:creationId xmlns:a16="http://schemas.microsoft.com/office/drawing/2014/main" id="{663D9B27-9BD9-46A2-9DE5-822BC3578145}"/>
+              </a:ext>
+            </a:extLst>
+          </p:cNvPr>
+          <p:cNvSpPr txBox="1"/>
+          <p:nvPr/>
+        </p:nvSpPr>
+        <p:spPr>
+          <a:xfrm>
+            <a:off x="828675" y="3429000"/>
+            <a:ext cx="11588750" cy="589072"/>
+          </a:xfrm>
+          <a:prstGeom prst="rect">
+            <a:avLst/>
+          </a:prstGeom>
+          <a:noFill/>
+        </p:spPr>
+        <p:txBody>
+          <a:bodyPr wrap="square">
+            <a:spAutoFit/>
+          </a:bodyPr>
+          <a:lstStyle/>
+          <a:p>
+            <a:pPr algn="ctr" rtl="1">
+              <a:lnSpc>
+                <a:spcPct val="150000"/>
+              </a:lnSpc>
+            </a:pPr>
+            <a:r>
+              <a:rPr lang="fa-IR" sz="2400" b="1" dirty="0">
+                <a:latin typeface="Calibri" panose="020F0502020204030204" pitchFamily="34" charset="0"/>
+                <a:cs typeface="Calibri" panose="020F0502020204030204" pitchFamily="34" charset="0"/>
+              </a:rPr>
+              <a:t>به عنوان یک حرفه ای ، وظیفه ی مدیریت زمانتان بر عهده ی خود شما است. </a:t>
+            </a:r>
+            <a:endParaRPr lang="fa-IR" sz="2000" dirty="0">
+              <a:latin typeface="Calibri" panose="020F0502020204030204" pitchFamily="34" charset="0"/>
+              <a:cs typeface="Calibri" panose="020F0502020204030204" pitchFamily="34" charset="0"/>
+            </a:endParaRPr>
+          </a:p>
+        </p:txBody>
+      </p:sp>
+    </p:spTree>
+    <p:extLst>
+      <p:ext uri="{BB962C8B-B14F-4D97-AF65-F5344CB8AC3E}">
+        <p14:creationId xmlns:p14="http://schemas.microsoft.com/office/powerpoint/2010/main" val="3353583505"/>
+      </p:ext>
+    </p:extLst>
+  </p:cSld>
+  <p:clrMapOvr>
+    <a:masterClrMapping/>
+  </p:clrMapOvr>
+</p:sld>
+</file>
+
+<file path=ppt/slides/slide53.xml><?xml version="1.0" encoding="utf-8"?>
+<p:sld xmlns:a="http://schemas.openxmlformats.org/drawingml/2006/main" xmlns:r="http://schemas.openxmlformats.org/officeDocument/2006/relationships" xmlns:p="http://schemas.openxmlformats.org/presentationml/2006/main">
+  <p:cSld>
+    <p:spTree>
+      <p:nvGrpSpPr>
+        <p:cNvPr id="1" name=""/>
+        <p:cNvGrpSpPr/>
+        <p:nvPr/>
+      </p:nvGrpSpPr>
+      <p:grpSpPr>
+        <a:xfrm>
+          <a:off x="0" y="0"/>
+          <a:ext cx="0" cy="0"/>
+          <a:chOff x="0" y="0"/>
+          <a:chExt cx="0" cy="0"/>
+        </a:xfrm>
+      </p:grpSpPr>
+      <p:sp>
+        <p:nvSpPr>
+          <p:cNvPr id="2" name="Title 1"/>
+          <p:cNvSpPr>
+            <a:spLocks noGrp="1"/>
+          </p:cNvSpPr>
+          <p:nvPr>
+            <p:ph type="title"/>
+          </p:nvPr>
+        </p:nvSpPr>
+        <p:spPr>
+          <a:xfrm>
+            <a:off x="381000" y="571500"/>
+            <a:ext cx="11341100" cy="685800"/>
+          </a:xfrm>
+        </p:spPr>
+        <p:txBody>
+          <a:bodyPr/>
+          <a:lstStyle/>
+          <a:p>
+            <a:pPr algn="r" rtl="1"/>
+            <a:r>
+              <a:rPr lang="fa-IR" sz="4400" dirty="0">
+                <a:effectLst>
+                  <a:outerShdw blurRad="38100" dist="38100" dir="2700000" algn="tl">
+                    <a:srgbClr val="000000">
+                      <a:alpha val="43137"/>
+                    </a:srgbClr>
+                  </a:outerShdw>
+                </a:effectLst>
+                <a:latin typeface="Calibri" panose="020F0502020204030204" pitchFamily="34" charset="0"/>
+                <a:cs typeface="Calibri" panose="020F0502020204030204" pitchFamily="34" charset="0"/>
+              </a:rPr>
+              <a:t>فصل نهم : مدیریت زمان</a:t>
+            </a:r>
+            <a:endParaRPr lang="en-US" sz="4400" dirty="0">
+              <a:effectLst>
+                <a:outerShdw blurRad="38100" dist="38100" dir="2700000" algn="tl">
+                  <a:srgbClr val="000000">
+                    <a:alpha val="43137"/>
+                  </a:srgbClr>
+                </a:outerShdw>
+              </a:effectLst>
+              <a:latin typeface="Calibri" panose="020F0502020204030204" pitchFamily="34" charset="0"/>
+              <a:cs typeface="Calibri" panose="020F0502020204030204" pitchFamily="34" charset="0"/>
+            </a:endParaRPr>
+          </a:p>
+        </p:txBody>
+      </p:sp>
+      <p:sp>
+        <p:nvSpPr>
+          <p:cNvPr id="5" name="TextBox 4">
+            <a:extLst>
+              <a:ext uri="{FF2B5EF4-FFF2-40B4-BE49-F238E27FC236}">
+                <a16:creationId xmlns:a16="http://schemas.microsoft.com/office/drawing/2014/main" id="{9A4CD663-1432-437D-A055-671337577ADC}"/>
+              </a:ext>
+            </a:extLst>
+          </p:cNvPr>
+          <p:cNvSpPr txBox="1"/>
+          <p:nvPr/>
+        </p:nvSpPr>
+        <p:spPr>
+          <a:xfrm>
+            <a:off x="381000" y="1899831"/>
+            <a:ext cx="11341100" cy="4559390"/>
+          </a:xfrm>
+          <a:prstGeom prst="rect">
+            <a:avLst/>
+          </a:prstGeom>
+          <a:noFill/>
+        </p:spPr>
+        <p:txBody>
+          <a:bodyPr wrap="square">
+            <a:spAutoFit/>
+          </a:bodyPr>
+          <a:lstStyle/>
+          <a:p>
+            <a:pPr algn="r" rtl="1">
+              <a:lnSpc>
+                <a:spcPct val="150000"/>
+              </a:lnSpc>
+            </a:pPr>
+            <a:r>
+              <a:rPr lang="fa-IR" sz="3200" b="1" dirty="0">
+                <a:latin typeface="Calibri" panose="020F0502020204030204" pitchFamily="34" charset="0"/>
+                <a:cs typeface="Calibri" panose="020F0502020204030204" pitchFamily="34" charset="0"/>
+              </a:rPr>
+              <a:t>مدیریت زمان : </a:t>
+            </a:r>
+          </a:p>
+          <a:p>
+            <a:pPr marL="457200" indent="-457200" algn="r" rtl="1">
+              <a:lnSpc>
+                <a:spcPct val="150000"/>
+              </a:lnSpc>
+              <a:buFont typeface="Wingdings" panose="05000000000000000000" pitchFamily="2" charset="2"/>
+              <a:buChar char="ü"/>
+            </a:pPr>
+            <a:r>
+              <a:rPr lang="fa-IR" sz="2800" b="1" dirty="0">
+                <a:latin typeface="Calibri" panose="020F0502020204030204" pitchFamily="34" charset="0"/>
+                <a:cs typeface="Calibri" panose="020F0502020204030204" pitchFamily="34" charset="0"/>
+              </a:rPr>
+              <a:t>جلسات : </a:t>
+            </a:r>
+          </a:p>
+          <a:p>
+            <a:pPr marL="914400" lvl="1" indent="-457200" algn="r" rtl="1">
+              <a:lnSpc>
+                <a:spcPct val="150000"/>
+              </a:lnSpc>
+              <a:buFont typeface="Wingdings" panose="05000000000000000000" pitchFamily="2" charset="2"/>
+              <a:buChar char="ü"/>
+            </a:pPr>
+            <a:r>
+              <a:rPr lang="fa-IR" sz="2400" b="1" dirty="0">
+                <a:latin typeface="Calibri" panose="020F0502020204030204" pitchFamily="34" charset="0"/>
+                <a:cs typeface="Calibri" panose="020F0502020204030204" pitchFamily="34" charset="0"/>
+              </a:rPr>
+              <a:t>باید هزینه هر جلسه به ازای هر نفر در هر ساعت در نظر گرفته شود . </a:t>
+            </a:r>
+            <a:endParaRPr lang="en-US" sz="2400" b="1" dirty="0">
+              <a:latin typeface="Calibri" panose="020F0502020204030204" pitchFamily="34" charset="0"/>
+              <a:cs typeface="Calibri" panose="020F0502020204030204" pitchFamily="34" charset="0"/>
+            </a:endParaRPr>
+          </a:p>
+          <a:p>
+            <a:pPr marL="914400" lvl="1" indent="-457200" algn="r" rtl="1">
+              <a:lnSpc>
+                <a:spcPct val="150000"/>
+              </a:lnSpc>
+              <a:buFont typeface="Wingdings" panose="05000000000000000000" pitchFamily="2" charset="2"/>
+              <a:buChar char="ü"/>
+            </a:pPr>
+            <a:r>
+              <a:rPr lang="fa-IR" sz="2400" b="1" dirty="0">
+                <a:latin typeface="Calibri" panose="020F0502020204030204" pitchFamily="34" charset="0"/>
+                <a:cs typeface="Calibri" panose="020F0502020204030204" pitchFamily="34" charset="0"/>
+              </a:rPr>
+              <a:t>2 حقیقت در مورد آنها وجود دارد :</a:t>
+            </a:r>
+          </a:p>
+          <a:p>
+            <a:pPr marL="1371600" lvl="2" indent="-457200" algn="r" rtl="1">
+              <a:lnSpc>
+                <a:spcPct val="150000"/>
+              </a:lnSpc>
+              <a:buFont typeface="Wingdings" panose="05000000000000000000" pitchFamily="2" charset="2"/>
+              <a:buChar char="ü"/>
+            </a:pPr>
+            <a:r>
+              <a:rPr lang="fa-IR" sz="2000" b="1" dirty="0">
+                <a:latin typeface="Calibri" panose="020F0502020204030204" pitchFamily="34" charset="0"/>
+                <a:cs typeface="Calibri" panose="020F0502020204030204" pitchFamily="34" charset="0"/>
+              </a:rPr>
+              <a:t>لازم هستند.</a:t>
+            </a:r>
+          </a:p>
+          <a:p>
+            <a:pPr marL="1371600" lvl="2" indent="-457200" algn="r" rtl="1">
+              <a:lnSpc>
+                <a:spcPct val="150000"/>
+              </a:lnSpc>
+              <a:buFont typeface="Wingdings" panose="05000000000000000000" pitchFamily="2" charset="2"/>
+              <a:buChar char="ü"/>
+            </a:pPr>
+            <a:r>
+              <a:rPr lang="fa-IR" sz="2000" b="1" dirty="0">
+                <a:latin typeface="Calibri" panose="020F0502020204030204" pitchFamily="34" charset="0"/>
+                <a:cs typeface="Calibri" panose="020F0502020204030204" pitchFamily="34" charset="0"/>
+              </a:rPr>
+              <a:t>کشنده ی زمان هستند.</a:t>
+            </a:r>
+          </a:p>
+          <a:p>
+            <a:pPr marL="914400" lvl="1" indent="-457200" algn="r" rtl="1">
+              <a:lnSpc>
+                <a:spcPct val="150000"/>
+              </a:lnSpc>
+              <a:buFont typeface="Wingdings" panose="05000000000000000000" pitchFamily="2" charset="2"/>
+              <a:buChar char="ü"/>
+            </a:pPr>
+            <a:r>
+              <a:rPr lang="fa-IR" sz="2400" b="1" dirty="0">
+                <a:latin typeface="Calibri" panose="020F0502020204030204" pitchFamily="34" charset="0"/>
+                <a:cs typeface="Calibri" panose="020F0502020204030204" pitchFamily="34" charset="0"/>
+              </a:rPr>
+              <a:t>حرفه ای ها می دانند که زمانشان ارزش دارد ، کدی برای نوشتن دارند و زمان بندی که باید به آن برسند ، برای همین سعی می کنند از جلسات غیر ضروری دوری کنند . </a:t>
+            </a:r>
+          </a:p>
+        </p:txBody>
+      </p:sp>
+    </p:spTree>
+    <p:extLst>
+      <p:ext uri="{BB962C8B-B14F-4D97-AF65-F5344CB8AC3E}">
+        <p14:creationId xmlns:p14="http://schemas.microsoft.com/office/powerpoint/2010/main" val="3005523592"/>
+      </p:ext>
+    </p:extLst>
+  </p:cSld>
+  <p:clrMapOvr>
+    <a:masterClrMapping/>
+  </p:clrMapOvr>
+</p:sld>
+</file>
+
+<file path=ppt/slides/slide54.xml><?xml version="1.0" encoding="utf-8"?>
+<p:sld xmlns:a="http://schemas.openxmlformats.org/drawingml/2006/main" xmlns:r="http://schemas.openxmlformats.org/officeDocument/2006/relationships" xmlns:p="http://schemas.openxmlformats.org/presentationml/2006/main">
+  <p:cSld>
+    <p:spTree>
+      <p:nvGrpSpPr>
+        <p:cNvPr id="1" name=""/>
+        <p:cNvGrpSpPr/>
+        <p:nvPr/>
+      </p:nvGrpSpPr>
+      <p:grpSpPr>
+        <a:xfrm>
+          <a:off x="0" y="0"/>
+          <a:ext cx="0" cy="0"/>
+          <a:chOff x="0" y="0"/>
+          <a:chExt cx="0" cy="0"/>
+        </a:xfrm>
+      </p:grpSpPr>
+      <p:sp>
+        <p:nvSpPr>
+          <p:cNvPr id="2" name="Title 1"/>
+          <p:cNvSpPr>
+            <a:spLocks noGrp="1"/>
+          </p:cNvSpPr>
+          <p:nvPr>
+            <p:ph type="title"/>
+          </p:nvPr>
+        </p:nvSpPr>
+        <p:spPr>
+          <a:xfrm>
+            <a:off x="381000" y="571500"/>
+            <a:ext cx="11341100" cy="685800"/>
+          </a:xfrm>
+        </p:spPr>
+        <p:txBody>
+          <a:bodyPr/>
+          <a:lstStyle/>
+          <a:p>
+            <a:pPr algn="r" rtl="1"/>
+            <a:r>
+              <a:rPr lang="fa-IR" sz="4400" dirty="0">
+                <a:effectLst>
+                  <a:outerShdw blurRad="38100" dist="38100" dir="2700000" algn="tl">
+                    <a:srgbClr val="000000">
+                      <a:alpha val="43137"/>
+                    </a:srgbClr>
+                  </a:outerShdw>
+                </a:effectLst>
+                <a:latin typeface="Calibri" panose="020F0502020204030204" pitchFamily="34" charset="0"/>
+                <a:cs typeface="Calibri" panose="020F0502020204030204" pitchFamily="34" charset="0"/>
+              </a:rPr>
+              <a:t>فصل نهم : مدیریت زمان</a:t>
+            </a:r>
+            <a:endParaRPr lang="en-US" sz="4400" dirty="0">
+              <a:effectLst>
+                <a:outerShdw blurRad="38100" dist="38100" dir="2700000" algn="tl">
+                  <a:srgbClr val="000000">
+                    <a:alpha val="43137"/>
+                  </a:srgbClr>
+                </a:outerShdw>
+              </a:effectLst>
+              <a:latin typeface="Calibri" panose="020F0502020204030204" pitchFamily="34" charset="0"/>
+              <a:cs typeface="Calibri" panose="020F0502020204030204" pitchFamily="34" charset="0"/>
+            </a:endParaRPr>
+          </a:p>
+        </p:txBody>
+      </p:sp>
+      <p:sp>
+        <p:nvSpPr>
+          <p:cNvPr id="5" name="TextBox 4">
+            <a:extLst>
+              <a:ext uri="{FF2B5EF4-FFF2-40B4-BE49-F238E27FC236}">
+                <a16:creationId xmlns:a16="http://schemas.microsoft.com/office/drawing/2014/main" id="{9A4CD663-1432-437D-A055-671337577ADC}"/>
+              </a:ext>
+            </a:extLst>
+          </p:cNvPr>
+          <p:cNvSpPr txBox="1"/>
+          <p:nvPr/>
+        </p:nvSpPr>
+        <p:spPr>
+          <a:xfrm>
+            <a:off x="381000" y="1899831"/>
+            <a:ext cx="11341100" cy="4190058"/>
+          </a:xfrm>
+          <a:prstGeom prst="rect">
+            <a:avLst/>
+          </a:prstGeom>
+          <a:noFill/>
+        </p:spPr>
+        <p:txBody>
+          <a:bodyPr wrap="square">
+            <a:spAutoFit/>
+          </a:bodyPr>
+          <a:lstStyle/>
+          <a:p>
+            <a:pPr algn="r" rtl="1">
+              <a:lnSpc>
+                <a:spcPct val="150000"/>
+              </a:lnSpc>
+            </a:pPr>
+            <a:r>
+              <a:rPr lang="fa-IR" sz="3200" b="1" dirty="0">
+                <a:latin typeface="Calibri" panose="020F0502020204030204" pitchFamily="34" charset="0"/>
+                <a:cs typeface="Calibri" panose="020F0502020204030204" pitchFamily="34" charset="0"/>
+              </a:rPr>
+              <a:t>مدیریت زمان : </a:t>
+            </a:r>
+          </a:p>
+          <a:p>
+            <a:pPr marL="457200" indent="-457200" algn="r" rtl="1">
+              <a:lnSpc>
+                <a:spcPct val="150000"/>
+              </a:lnSpc>
+              <a:buFont typeface="Wingdings" panose="05000000000000000000" pitchFamily="2" charset="2"/>
+              <a:buChar char="ü"/>
+            </a:pPr>
+            <a:r>
+              <a:rPr lang="fa-IR" sz="2800" b="1" dirty="0">
+                <a:latin typeface="Calibri" panose="020F0502020204030204" pitchFamily="34" charset="0"/>
+                <a:cs typeface="Calibri" panose="020F0502020204030204" pitchFamily="34" charset="0"/>
+              </a:rPr>
+              <a:t>رد کردن جلسات: </a:t>
+            </a:r>
+          </a:p>
+          <a:p>
+            <a:pPr marL="914400" lvl="1" indent="-457200" algn="r" rtl="1">
+              <a:lnSpc>
+                <a:spcPct val="150000"/>
+              </a:lnSpc>
+              <a:buFont typeface="Wingdings" panose="05000000000000000000" pitchFamily="2" charset="2"/>
+              <a:buChar char="ü"/>
+            </a:pPr>
+            <a:r>
+              <a:rPr lang="fa-IR" sz="2400" b="1" dirty="0">
+                <a:latin typeface="Calibri" panose="020F0502020204030204" pitchFamily="34" charset="0"/>
+                <a:cs typeface="Calibri" panose="020F0502020204030204" pitchFamily="34" charset="0"/>
+              </a:rPr>
+              <a:t>شما قرار نیست در هر جلسه ای که از شما خواسته شد ، شرکت کنید . </a:t>
+            </a:r>
+          </a:p>
+          <a:p>
+            <a:pPr marL="914400" lvl="1" indent="-457200" algn="r" rtl="1">
+              <a:lnSpc>
+                <a:spcPct val="150000"/>
+              </a:lnSpc>
+              <a:buFont typeface="Wingdings" panose="05000000000000000000" pitchFamily="2" charset="2"/>
+              <a:buChar char="ü"/>
+            </a:pPr>
+            <a:r>
+              <a:rPr lang="fa-IR" sz="2400" b="1" dirty="0">
+                <a:latin typeface="Calibri" panose="020F0502020204030204" pitchFamily="34" charset="0"/>
+                <a:cs typeface="Calibri" panose="020F0502020204030204" pitchFamily="34" charset="0"/>
+              </a:rPr>
+              <a:t>شرکت در جلسات زیاد ، غیر حرفه ای هست . </a:t>
+            </a:r>
+          </a:p>
+          <a:p>
+            <a:pPr marL="914400" lvl="1" indent="-457200" algn="r" rtl="1">
+              <a:lnSpc>
+                <a:spcPct val="150000"/>
+              </a:lnSpc>
+              <a:buFont typeface="Wingdings" panose="05000000000000000000" pitchFamily="2" charset="2"/>
+              <a:buChar char="ü"/>
+            </a:pPr>
+            <a:r>
+              <a:rPr lang="fa-IR" sz="2400" b="1" dirty="0">
+                <a:latin typeface="Calibri" panose="020F0502020204030204" pitchFamily="34" charset="0"/>
+                <a:cs typeface="Calibri" panose="020F0502020204030204" pitchFamily="34" charset="0"/>
+              </a:rPr>
+              <a:t>کسی که شما را به جلسه فرا می خواند ، مسئول مدیریت زمان شما نیست . </a:t>
+            </a:r>
+          </a:p>
+          <a:p>
+            <a:pPr marL="914400" lvl="1" indent="-457200" algn="r" rtl="1">
+              <a:lnSpc>
+                <a:spcPct val="150000"/>
+              </a:lnSpc>
+              <a:buFont typeface="Wingdings" panose="05000000000000000000" pitchFamily="2" charset="2"/>
+              <a:buChar char="ü"/>
+            </a:pPr>
+            <a:r>
+              <a:rPr lang="fa-IR" sz="2400" b="1" dirty="0">
+                <a:latin typeface="Calibri" panose="020F0502020204030204" pitchFamily="34" charset="0"/>
+                <a:cs typeface="Calibri" panose="020F0502020204030204" pitchFamily="34" charset="0"/>
+              </a:rPr>
+              <a:t>شما مسئول پروژه ی خود هستید.</a:t>
+            </a:r>
+          </a:p>
+          <a:p>
+            <a:pPr marL="914400" lvl="1" indent="-457200" algn="r" rtl="1">
+              <a:lnSpc>
+                <a:spcPct val="150000"/>
+              </a:lnSpc>
+              <a:buFont typeface="Wingdings" panose="05000000000000000000" pitchFamily="2" charset="2"/>
+              <a:buChar char="ü"/>
+            </a:pPr>
+            <a:r>
+              <a:rPr lang="fa-IR" sz="2400" b="1" dirty="0">
+                <a:latin typeface="Calibri" panose="020F0502020204030204" pitchFamily="34" charset="0"/>
+                <a:cs typeface="Calibri" panose="020F0502020204030204" pitchFamily="34" charset="0"/>
+              </a:rPr>
+              <a:t>یکی از وظایف اصلی مدیران ، دور نگه داشتن شما از جلسات هست . </a:t>
+            </a:r>
+            <a:endParaRPr lang="fa-IR" sz="2000" b="1" dirty="0">
+              <a:latin typeface="Calibri" panose="020F0502020204030204" pitchFamily="34" charset="0"/>
+              <a:cs typeface="Calibri" panose="020F0502020204030204" pitchFamily="34" charset="0"/>
+            </a:endParaRPr>
+          </a:p>
+        </p:txBody>
+      </p:sp>
+    </p:spTree>
+    <p:extLst>
+      <p:ext uri="{BB962C8B-B14F-4D97-AF65-F5344CB8AC3E}">
+        <p14:creationId xmlns:p14="http://schemas.microsoft.com/office/powerpoint/2010/main" val="3630849393"/>
+      </p:ext>
+    </p:extLst>
+  </p:cSld>
+  <p:clrMapOvr>
+    <a:masterClrMapping/>
+  </p:clrMapOvr>
+</p:sld>
+</file>
+
+<file path=ppt/slides/slide55.xml><?xml version="1.0" encoding="utf-8"?>
+<p:sld xmlns:a="http://schemas.openxmlformats.org/drawingml/2006/main" xmlns:r="http://schemas.openxmlformats.org/officeDocument/2006/relationships" xmlns:p="http://schemas.openxmlformats.org/presentationml/2006/main">
+  <p:cSld>
+    <p:spTree>
+      <p:nvGrpSpPr>
+        <p:cNvPr id="1" name=""/>
+        <p:cNvGrpSpPr/>
+        <p:nvPr/>
+      </p:nvGrpSpPr>
+      <p:grpSpPr>
+        <a:xfrm>
+          <a:off x="0" y="0"/>
+          <a:ext cx="0" cy="0"/>
+          <a:chOff x="0" y="0"/>
+          <a:chExt cx="0" cy="0"/>
+        </a:xfrm>
+      </p:grpSpPr>
+      <p:sp>
+        <p:nvSpPr>
+          <p:cNvPr id="2" name="Title 1"/>
+          <p:cNvSpPr>
+            <a:spLocks noGrp="1"/>
+          </p:cNvSpPr>
+          <p:nvPr>
+            <p:ph type="title"/>
+          </p:nvPr>
+        </p:nvSpPr>
+        <p:spPr>
+          <a:xfrm>
+            <a:off x="381000" y="571500"/>
+            <a:ext cx="11341100" cy="685800"/>
+          </a:xfrm>
+        </p:spPr>
+        <p:txBody>
+          <a:bodyPr/>
+          <a:lstStyle/>
+          <a:p>
+            <a:pPr algn="r" rtl="1"/>
+            <a:r>
+              <a:rPr lang="fa-IR" sz="4400" dirty="0">
+                <a:effectLst>
+                  <a:outerShdw blurRad="38100" dist="38100" dir="2700000" algn="tl">
+                    <a:srgbClr val="000000">
+                      <a:alpha val="43137"/>
+                    </a:srgbClr>
+                  </a:outerShdw>
+                </a:effectLst>
+                <a:latin typeface="Calibri" panose="020F0502020204030204" pitchFamily="34" charset="0"/>
+                <a:cs typeface="Calibri" panose="020F0502020204030204" pitchFamily="34" charset="0"/>
+              </a:rPr>
+              <a:t>فصل نهم : مدیریت زمان</a:t>
+            </a:r>
+            <a:endParaRPr lang="en-US" sz="4400" dirty="0">
+              <a:effectLst>
+                <a:outerShdw blurRad="38100" dist="38100" dir="2700000" algn="tl">
+                  <a:srgbClr val="000000">
+                    <a:alpha val="43137"/>
+                  </a:srgbClr>
+                </a:outerShdw>
+              </a:effectLst>
+              <a:latin typeface="Calibri" panose="020F0502020204030204" pitchFamily="34" charset="0"/>
+              <a:cs typeface="Calibri" panose="020F0502020204030204" pitchFamily="34" charset="0"/>
+            </a:endParaRPr>
+          </a:p>
+        </p:txBody>
+      </p:sp>
+      <p:sp>
+        <p:nvSpPr>
+          <p:cNvPr id="5" name="TextBox 4">
+            <a:extLst>
+              <a:ext uri="{FF2B5EF4-FFF2-40B4-BE49-F238E27FC236}">
+                <a16:creationId xmlns:a16="http://schemas.microsoft.com/office/drawing/2014/main" id="{9A4CD663-1432-437D-A055-671337577ADC}"/>
+              </a:ext>
+            </a:extLst>
+          </p:cNvPr>
+          <p:cNvSpPr txBox="1"/>
+          <p:nvPr/>
+        </p:nvSpPr>
+        <p:spPr>
+          <a:xfrm>
+            <a:off x="381000" y="1899831"/>
+            <a:ext cx="11341100" cy="3082062"/>
+          </a:xfrm>
+          <a:prstGeom prst="rect">
+            <a:avLst/>
+          </a:prstGeom>
+          <a:noFill/>
+        </p:spPr>
+        <p:txBody>
+          <a:bodyPr wrap="square">
+            <a:spAutoFit/>
+          </a:bodyPr>
+          <a:lstStyle/>
+          <a:p>
+            <a:pPr algn="r" rtl="1">
+              <a:lnSpc>
+                <a:spcPct val="150000"/>
+              </a:lnSpc>
+            </a:pPr>
+            <a:r>
+              <a:rPr lang="fa-IR" sz="3200" b="1" dirty="0">
+                <a:latin typeface="Calibri" panose="020F0502020204030204" pitchFamily="34" charset="0"/>
+                <a:cs typeface="Calibri" panose="020F0502020204030204" pitchFamily="34" charset="0"/>
+              </a:rPr>
+              <a:t>مدیریت زمان : </a:t>
+            </a:r>
+          </a:p>
+          <a:p>
+            <a:pPr marL="457200" indent="-457200" algn="r" rtl="1">
+              <a:lnSpc>
+                <a:spcPct val="150000"/>
+              </a:lnSpc>
+              <a:buFont typeface="Wingdings" panose="05000000000000000000" pitchFamily="2" charset="2"/>
+              <a:buChar char="ü"/>
+            </a:pPr>
+            <a:r>
+              <a:rPr lang="fa-IR" sz="2800" b="1" dirty="0">
+                <a:latin typeface="Calibri" panose="020F0502020204030204" pitchFamily="34" charset="0"/>
+                <a:cs typeface="Calibri" panose="020F0502020204030204" pitchFamily="34" charset="0"/>
+              </a:rPr>
+              <a:t>ترک کردن جلسه : </a:t>
+            </a:r>
+          </a:p>
+          <a:p>
+            <a:pPr marL="914400" lvl="1" indent="-457200" algn="r" rtl="1">
+              <a:lnSpc>
+                <a:spcPct val="150000"/>
+              </a:lnSpc>
+              <a:buFont typeface="Wingdings" panose="05000000000000000000" pitchFamily="2" charset="2"/>
+              <a:buChar char="ü"/>
+            </a:pPr>
+            <a:r>
+              <a:rPr lang="fa-IR" sz="2400" b="1" dirty="0">
+                <a:latin typeface="Calibri" panose="020F0502020204030204" pitchFamily="34" charset="0"/>
+                <a:cs typeface="Calibri" panose="020F0502020204030204" pitchFamily="34" charset="0"/>
+              </a:rPr>
+              <a:t>وقتی جلسه ای خسته کننده شد ، سعی کنید از آن خارج شوید . </a:t>
+            </a:r>
+          </a:p>
+          <a:p>
+            <a:pPr marL="914400" lvl="1" indent="-457200" algn="r" rtl="1">
+              <a:lnSpc>
+                <a:spcPct val="150000"/>
+              </a:lnSpc>
+              <a:buFont typeface="Wingdings" panose="05000000000000000000" pitchFamily="2" charset="2"/>
+              <a:buChar char="ü"/>
+            </a:pPr>
+            <a:r>
+              <a:rPr lang="fa-IR" sz="2400" b="1" dirty="0">
+                <a:latin typeface="Calibri" panose="020F0502020204030204" pitchFamily="34" charset="0"/>
+                <a:cs typeface="Calibri" panose="020F0502020204030204" pitchFamily="34" charset="0"/>
+              </a:rPr>
+              <a:t>بپرسید که آیا حضورتان ضروری هست ؟</a:t>
+            </a:r>
+          </a:p>
+          <a:p>
+            <a:pPr marL="914400" lvl="1" indent="-457200" algn="r" rtl="1">
+              <a:lnSpc>
+                <a:spcPct val="150000"/>
+              </a:lnSpc>
+              <a:buFont typeface="Wingdings" panose="05000000000000000000" pitchFamily="2" charset="2"/>
+              <a:buChar char="ü"/>
+            </a:pPr>
+            <a:r>
+              <a:rPr lang="fa-IR" sz="2400" b="1" dirty="0">
+                <a:latin typeface="Calibri" panose="020F0502020204030204" pitchFamily="34" charset="0"/>
+                <a:cs typeface="Calibri" panose="020F0502020204030204" pitchFamily="34" charset="0"/>
+              </a:rPr>
+              <a:t>مودبانه از جلسه خارج شوید . </a:t>
+            </a:r>
+            <a:endParaRPr lang="fa-IR" sz="2000" b="1" dirty="0">
+              <a:latin typeface="Calibri" panose="020F0502020204030204" pitchFamily="34" charset="0"/>
+              <a:cs typeface="Calibri" panose="020F0502020204030204" pitchFamily="34" charset="0"/>
+            </a:endParaRPr>
+          </a:p>
+        </p:txBody>
+      </p:sp>
+    </p:spTree>
+    <p:extLst>
+      <p:ext uri="{BB962C8B-B14F-4D97-AF65-F5344CB8AC3E}">
+        <p14:creationId xmlns:p14="http://schemas.microsoft.com/office/powerpoint/2010/main" val="988445269"/>
+      </p:ext>
+    </p:extLst>
+  </p:cSld>
+  <p:clrMapOvr>
+    <a:masterClrMapping/>
+  </p:clrMapOvr>
+</p:sld>
+</file>
+
+<file path=ppt/slides/slide56.xml><?xml version="1.0" encoding="utf-8"?>
+<p:sld xmlns:a="http://schemas.openxmlformats.org/drawingml/2006/main" xmlns:r="http://schemas.openxmlformats.org/officeDocument/2006/relationships" xmlns:p="http://schemas.openxmlformats.org/presentationml/2006/main">
+  <p:cSld>
+    <p:spTree>
+      <p:nvGrpSpPr>
+        <p:cNvPr id="1" name=""/>
+        <p:cNvGrpSpPr/>
+        <p:nvPr/>
+      </p:nvGrpSpPr>
+      <p:grpSpPr>
+        <a:xfrm>
+          <a:off x="0" y="0"/>
+          <a:ext cx="0" cy="0"/>
+          <a:chOff x="0" y="0"/>
+          <a:chExt cx="0" cy="0"/>
+        </a:xfrm>
+      </p:grpSpPr>
+      <p:sp>
+        <p:nvSpPr>
+          <p:cNvPr id="2" name="Title 1"/>
+          <p:cNvSpPr>
+            <a:spLocks noGrp="1"/>
+          </p:cNvSpPr>
+          <p:nvPr>
+            <p:ph type="title"/>
+          </p:nvPr>
+        </p:nvSpPr>
+        <p:spPr>
+          <a:xfrm>
+            <a:off x="381000" y="571500"/>
+            <a:ext cx="11341100" cy="685800"/>
+          </a:xfrm>
+        </p:spPr>
+        <p:txBody>
+          <a:bodyPr/>
+          <a:lstStyle/>
+          <a:p>
+            <a:pPr algn="r" rtl="1"/>
+            <a:r>
+              <a:rPr lang="fa-IR" sz="4400" dirty="0">
+                <a:effectLst>
+                  <a:outerShdw blurRad="38100" dist="38100" dir="2700000" algn="tl">
+                    <a:srgbClr val="000000">
+                      <a:alpha val="43137"/>
+                    </a:srgbClr>
+                  </a:outerShdw>
+                </a:effectLst>
+                <a:latin typeface="Calibri" panose="020F0502020204030204" pitchFamily="34" charset="0"/>
+                <a:cs typeface="Calibri" panose="020F0502020204030204" pitchFamily="34" charset="0"/>
+              </a:rPr>
+              <a:t>فصل نهم : مدیریت زمان</a:t>
+            </a:r>
+            <a:endParaRPr lang="en-US" sz="4400" dirty="0">
+              <a:effectLst>
+                <a:outerShdw blurRad="38100" dist="38100" dir="2700000" algn="tl">
+                  <a:srgbClr val="000000">
+                    <a:alpha val="43137"/>
+                  </a:srgbClr>
+                </a:outerShdw>
+              </a:effectLst>
+              <a:latin typeface="Calibri" panose="020F0502020204030204" pitchFamily="34" charset="0"/>
+              <a:cs typeface="Calibri" panose="020F0502020204030204" pitchFamily="34" charset="0"/>
+            </a:endParaRPr>
+          </a:p>
+        </p:txBody>
+      </p:sp>
+      <p:sp>
+        <p:nvSpPr>
+          <p:cNvPr id="5" name="TextBox 4">
+            <a:extLst>
+              <a:ext uri="{FF2B5EF4-FFF2-40B4-BE49-F238E27FC236}">
+                <a16:creationId xmlns:a16="http://schemas.microsoft.com/office/drawing/2014/main" id="{9A4CD663-1432-437D-A055-671337577ADC}"/>
+              </a:ext>
+            </a:extLst>
+          </p:cNvPr>
+          <p:cNvSpPr txBox="1"/>
+          <p:nvPr/>
+        </p:nvSpPr>
+        <p:spPr>
+          <a:xfrm>
+            <a:off x="381000" y="1899831"/>
+            <a:ext cx="11341100" cy="4753609"/>
+          </a:xfrm>
+          <a:prstGeom prst="rect">
+            <a:avLst/>
+          </a:prstGeom>
+          <a:noFill/>
+        </p:spPr>
+        <p:txBody>
+          <a:bodyPr wrap="square">
+            <a:spAutoFit/>
+          </a:bodyPr>
+          <a:lstStyle/>
+          <a:p>
+            <a:pPr algn="r" rtl="1">
+              <a:lnSpc>
+                <a:spcPct val="150000"/>
+              </a:lnSpc>
+            </a:pPr>
+            <a:r>
+              <a:rPr lang="fa-IR" sz="3200" b="1" dirty="0">
+                <a:latin typeface="Calibri" panose="020F0502020204030204" pitchFamily="34" charset="0"/>
+                <a:cs typeface="Calibri" panose="020F0502020204030204" pitchFamily="34" charset="0"/>
+              </a:rPr>
+              <a:t>مدیریت زمان : </a:t>
+            </a:r>
+          </a:p>
+          <a:p>
+            <a:pPr marL="457200" indent="-457200" algn="r" rtl="1">
+              <a:lnSpc>
+                <a:spcPct val="150000"/>
+              </a:lnSpc>
+              <a:buFont typeface="Wingdings" panose="05000000000000000000" pitchFamily="2" charset="2"/>
+              <a:buChar char="ü"/>
+            </a:pPr>
+            <a:r>
+              <a:rPr lang="fa-IR" sz="2800" b="1" dirty="0">
+                <a:latin typeface="Calibri" panose="020F0502020204030204" pitchFamily="34" charset="0"/>
+                <a:cs typeface="Calibri" panose="020F0502020204030204" pitchFamily="34" charset="0"/>
+              </a:rPr>
+              <a:t>جلساتتان با هدف باشد : </a:t>
+            </a:r>
+          </a:p>
+          <a:p>
+            <a:pPr marL="914400" lvl="1" indent="-457200" algn="r" rtl="1">
+              <a:lnSpc>
+                <a:spcPct val="150000"/>
+              </a:lnSpc>
+              <a:buFont typeface="Wingdings" panose="05000000000000000000" pitchFamily="2" charset="2"/>
+              <a:buChar char="ü"/>
+            </a:pPr>
+            <a:r>
+              <a:rPr lang="fa-IR" sz="2400" b="1" dirty="0">
+                <a:latin typeface="Calibri" panose="020F0502020204030204" pitchFamily="34" charset="0"/>
+                <a:cs typeface="Calibri" panose="020F0502020204030204" pitchFamily="34" charset="0"/>
+              </a:rPr>
+              <a:t>پیش از ورود به جلسه ، هدفتان از جلسه را مشخص کنید .</a:t>
+            </a:r>
+          </a:p>
+          <a:p>
+            <a:pPr marL="457200" indent="-457200" algn="r" rtl="1">
+              <a:lnSpc>
+                <a:spcPct val="150000"/>
+              </a:lnSpc>
+              <a:buFont typeface="Wingdings" panose="05000000000000000000" pitchFamily="2" charset="2"/>
+              <a:buChar char="ü"/>
+            </a:pPr>
+            <a:r>
+              <a:rPr lang="en-US" sz="2000" b="1" dirty="0">
+                <a:latin typeface="Calibri" panose="020F0502020204030204" pitchFamily="34" charset="0"/>
+                <a:cs typeface="Calibri" panose="020F0502020204030204" pitchFamily="34" charset="0"/>
+              </a:rPr>
+              <a:t>Stand up Meeting</a:t>
+            </a:r>
+            <a:r>
+              <a:rPr lang="fa-IR" sz="2000" b="1" dirty="0">
+                <a:latin typeface="Calibri" panose="020F0502020204030204" pitchFamily="34" charset="0"/>
+                <a:cs typeface="Calibri" panose="020F0502020204030204" pitchFamily="34" charset="0"/>
+              </a:rPr>
+              <a:t> : </a:t>
+            </a:r>
+          </a:p>
+          <a:p>
+            <a:pPr marL="914400" lvl="1" indent="-457200" algn="r" rtl="1">
+              <a:lnSpc>
+                <a:spcPct val="150000"/>
+              </a:lnSpc>
+              <a:buFont typeface="Wingdings" panose="05000000000000000000" pitchFamily="2" charset="2"/>
+              <a:buChar char="ü"/>
+            </a:pPr>
+            <a:r>
+              <a:rPr lang="fa-IR" sz="2000" b="1" dirty="0">
+                <a:latin typeface="Calibri" panose="020F0502020204030204" pitchFamily="34" charset="0"/>
+                <a:cs typeface="Calibri" panose="020F0502020204030204" pitchFamily="34" charset="0"/>
+              </a:rPr>
+              <a:t>اصل اساسی </a:t>
+            </a:r>
+            <a:r>
+              <a:rPr lang="en-US" sz="2000" b="1" dirty="0">
+                <a:latin typeface="Calibri" panose="020F0502020204030204" pitchFamily="34" charset="0"/>
+                <a:cs typeface="Calibri" panose="020F0502020204030204" pitchFamily="34" charset="0"/>
+              </a:rPr>
+              <a:t>Agile</a:t>
+            </a:r>
+            <a:r>
+              <a:rPr lang="fa-IR" sz="2000" b="1" dirty="0">
+                <a:latin typeface="Calibri" panose="020F0502020204030204" pitchFamily="34" charset="0"/>
+                <a:cs typeface="Calibri" panose="020F0502020204030204" pitchFamily="34" charset="0"/>
+              </a:rPr>
+              <a:t> هستند . </a:t>
+            </a:r>
+          </a:p>
+          <a:p>
+            <a:pPr marL="1371600" lvl="2" indent="-457200" algn="r" rtl="1">
+              <a:lnSpc>
+                <a:spcPct val="150000"/>
+              </a:lnSpc>
+              <a:buFont typeface="Wingdings" panose="05000000000000000000" pitchFamily="2" charset="2"/>
+              <a:buChar char="ü"/>
+            </a:pPr>
+            <a:r>
+              <a:rPr lang="fa-IR" sz="2000" b="1" dirty="0">
+                <a:latin typeface="Calibri" panose="020F0502020204030204" pitchFamily="34" charset="0"/>
+                <a:cs typeface="Calibri" panose="020F0502020204030204" pitchFamily="34" charset="0"/>
+              </a:rPr>
+              <a:t>باید به 3 سوال جواب بدهید ( جواب هر کدام در 20 ثانیه باید داده شود ) :</a:t>
+            </a:r>
+          </a:p>
+          <a:p>
+            <a:pPr marL="1828800" lvl="3" indent="-457200" algn="r" rtl="1">
+              <a:lnSpc>
+                <a:spcPct val="150000"/>
+              </a:lnSpc>
+              <a:buFont typeface="Wingdings" panose="05000000000000000000" pitchFamily="2" charset="2"/>
+              <a:buChar char="ü"/>
+            </a:pPr>
+            <a:r>
+              <a:rPr lang="fa-IR" sz="2000" b="1" dirty="0">
+                <a:latin typeface="Calibri" panose="020F0502020204030204" pitchFamily="34" charset="0"/>
+                <a:cs typeface="Calibri" panose="020F0502020204030204" pitchFamily="34" charset="0"/>
+              </a:rPr>
+              <a:t>دیروز چه می کردید ؟ </a:t>
+            </a:r>
+          </a:p>
+          <a:p>
+            <a:pPr marL="1828800" lvl="3" indent="-457200" algn="r" rtl="1">
+              <a:lnSpc>
+                <a:spcPct val="150000"/>
+              </a:lnSpc>
+              <a:buFont typeface="Wingdings" panose="05000000000000000000" pitchFamily="2" charset="2"/>
+              <a:buChar char="ü"/>
+            </a:pPr>
+            <a:r>
+              <a:rPr lang="fa-IR" sz="2000" b="1" dirty="0">
+                <a:latin typeface="Calibri" panose="020F0502020204030204" pitchFamily="34" charset="0"/>
+                <a:cs typeface="Calibri" panose="020F0502020204030204" pitchFamily="34" charset="0"/>
+              </a:rPr>
+              <a:t>امروز چه می کنم ؟</a:t>
+            </a:r>
+          </a:p>
+          <a:p>
+            <a:pPr marL="1828800" lvl="3" indent="-457200" algn="r" rtl="1">
+              <a:lnSpc>
+                <a:spcPct val="150000"/>
+              </a:lnSpc>
+              <a:buFont typeface="Wingdings" panose="05000000000000000000" pitchFamily="2" charset="2"/>
+              <a:buChar char="ü"/>
+            </a:pPr>
+            <a:r>
+              <a:rPr lang="fa-IR" sz="2000" b="1" dirty="0">
+                <a:latin typeface="Calibri" panose="020F0502020204030204" pitchFamily="34" charset="0"/>
+                <a:cs typeface="Calibri" panose="020F0502020204030204" pitchFamily="34" charset="0"/>
+              </a:rPr>
+              <a:t>چه مشکلی و چه چالشی دارم ؟ </a:t>
+            </a:r>
+          </a:p>
+        </p:txBody>
+      </p:sp>
+    </p:spTree>
+    <p:extLst>
+      <p:ext uri="{BB962C8B-B14F-4D97-AF65-F5344CB8AC3E}">
+        <p14:creationId xmlns:p14="http://schemas.microsoft.com/office/powerpoint/2010/main" val="538568076"/>
+      </p:ext>
+    </p:extLst>
+  </p:cSld>
+  <p:clrMapOvr>
+    <a:masterClrMapping/>
+  </p:clrMapOvr>
+</p:sld>
+</file>
+
+<file path=ppt/slides/slide57.xml><?xml version="1.0" encoding="utf-8"?>
+<p:sld xmlns:a="http://schemas.openxmlformats.org/drawingml/2006/main" xmlns:r="http://schemas.openxmlformats.org/officeDocument/2006/relationships" xmlns:p="http://schemas.openxmlformats.org/presentationml/2006/main">
+  <p:cSld>
+    <p:spTree>
+      <p:nvGrpSpPr>
+        <p:cNvPr id="1" name=""/>
+        <p:cNvGrpSpPr/>
+        <p:nvPr/>
+      </p:nvGrpSpPr>
+      <p:grpSpPr>
+        <a:xfrm>
+          <a:off x="0" y="0"/>
+          <a:ext cx="0" cy="0"/>
+          <a:chOff x="0" y="0"/>
+          <a:chExt cx="0" cy="0"/>
+        </a:xfrm>
+      </p:grpSpPr>
+      <p:sp>
+        <p:nvSpPr>
+          <p:cNvPr id="2" name="Title 1"/>
+          <p:cNvSpPr>
+            <a:spLocks noGrp="1"/>
+          </p:cNvSpPr>
+          <p:nvPr>
+            <p:ph type="title"/>
+          </p:nvPr>
+        </p:nvSpPr>
+        <p:spPr>
+          <a:xfrm>
+            <a:off x="381000" y="571500"/>
+            <a:ext cx="11341100" cy="685800"/>
+          </a:xfrm>
+        </p:spPr>
+        <p:txBody>
+          <a:bodyPr/>
+          <a:lstStyle/>
+          <a:p>
+            <a:pPr algn="r" rtl="1"/>
+            <a:r>
+              <a:rPr lang="fa-IR" sz="4400" dirty="0">
+                <a:effectLst>
+                  <a:outerShdw blurRad="38100" dist="38100" dir="2700000" algn="tl">
+                    <a:srgbClr val="000000">
+                      <a:alpha val="43137"/>
+                    </a:srgbClr>
+                  </a:outerShdw>
+                </a:effectLst>
+                <a:latin typeface="Calibri" panose="020F0502020204030204" pitchFamily="34" charset="0"/>
+                <a:cs typeface="Calibri" panose="020F0502020204030204" pitchFamily="34" charset="0"/>
+              </a:rPr>
+              <a:t>فصل نهم : مدیریت زمان</a:t>
+            </a:r>
+            <a:endParaRPr lang="en-US" sz="4400" dirty="0">
+              <a:effectLst>
+                <a:outerShdw blurRad="38100" dist="38100" dir="2700000" algn="tl">
+                  <a:srgbClr val="000000">
+                    <a:alpha val="43137"/>
+                  </a:srgbClr>
+                </a:outerShdw>
+              </a:effectLst>
+              <a:latin typeface="Calibri" panose="020F0502020204030204" pitchFamily="34" charset="0"/>
+              <a:cs typeface="Calibri" panose="020F0502020204030204" pitchFamily="34" charset="0"/>
+            </a:endParaRPr>
+          </a:p>
+        </p:txBody>
+      </p:sp>
+      <p:sp>
+        <p:nvSpPr>
+          <p:cNvPr id="5" name="TextBox 4">
+            <a:extLst>
+              <a:ext uri="{FF2B5EF4-FFF2-40B4-BE49-F238E27FC236}">
+                <a16:creationId xmlns:a16="http://schemas.microsoft.com/office/drawing/2014/main" id="{9A4CD663-1432-437D-A055-671337577ADC}"/>
+              </a:ext>
+            </a:extLst>
+          </p:cNvPr>
+          <p:cNvSpPr txBox="1"/>
+          <p:nvPr/>
+        </p:nvSpPr>
+        <p:spPr>
+          <a:xfrm>
+            <a:off x="381000" y="1899831"/>
+            <a:ext cx="11341100" cy="4199611"/>
+          </a:xfrm>
+          <a:prstGeom prst="rect">
+            <a:avLst/>
+          </a:prstGeom>
+          <a:noFill/>
+        </p:spPr>
+        <p:txBody>
+          <a:bodyPr wrap="square">
+            <a:spAutoFit/>
+          </a:bodyPr>
+          <a:lstStyle/>
+          <a:p>
+            <a:pPr algn="r" rtl="1">
+              <a:lnSpc>
+                <a:spcPct val="150000"/>
+              </a:lnSpc>
+            </a:pPr>
+            <a:r>
+              <a:rPr lang="fa-IR" sz="3200" b="1" dirty="0">
+                <a:latin typeface="Calibri" panose="020F0502020204030204" pitchFamily="34" charset="0"/>
+                <a:cs typeface="Calibri" panose="020F0502020204030204" pitchFamily="34" charset="0"/>
+              </a:rPr>
+              <a:t>مدیریت زمان : </a:t>
+            </a:r>
+          </a:p>
+          <a:p>
+            <a:pPr marL="457200" indent="-457200" algn="r" rtl="1">
+              <a:lnSpc>
+                <a:spcPct val="150000"/>
+              </a:lnSpc>
+              <a:buFont typeface="Wingdings" panose="05000000000000000000" pitchFamily="2" charset="2"/>
+              <a:buChar char="ü"/>
+            </a:pPr>
+            <a:r>
+              <a:rPr lang="en-US" sz="2400" b="1" dirty="0">
+                <a:latin typeface="Calibri" panose="020F0502020204030204" pitchFamily="34" charset="0"/>
+                <a:cs typeface="Calibri" panose="020F0502020204030204" pitchFamily="34" charset="0"/>
+              </a:rPr>
+              <a:t>Iteration and planning </a:t>
+            </a:r>
+            <a:endParaRPr lang="fa-IR" sz="2400" b="1" dirty="0">
+              <a:latin typeface="Calibri" panose="020F0502020204030204" pitchFamily="34" charset="0"/>
+              <a:cs typeface="Calibri" panose="020F0502020204030204" pitchFamily="34" charset="0"/>
+            </a:endParaRPr>
+          </a:p>
+          <a:p>
+            <a:pPr marL="914400" lvl="1" indent="-457200" algn="r" rtl="1">
+              <a:lnSpc>
+                <a:spcPct val="150000"/>
+              </a:lnSpc>
+              <a:buFont typeface="Wingdings" panose="05000000000000000000" pitchFamily="2" charset="2"/>
+              <a:buChar char="ü"/>
+            </a:pPr>
+            <a:r>
+              <a:rPr lang="fa-IR" sz="2000" b="1" dirty="0">
+                <a:latin typeface="Calibri" panose="020F0502020204030204" pitchFamily="34" charset="0"/>
+                <a:cs typeface="Calibri" panose="020F0502020204030204" pitchFamily="34" charset="0"/>
+              </a:rPr>
+              <a:t>تخصیص زمان باید انجام شده باشد . </a:t>
+            </a:r>
+          </a:p>
+          <a:p>
+            <a:pPr marL="914400" lvl="1" indent="-457200" algn="r" rtl="1">
+              <a:lnSpc>
+                <a:spcPct val="150000"/>
+              </a:lnSpc>
+              <a:buFont typeface="Wingdings" panose="05000000000000000000" pitchFamily="2" charset="2"/>
+              <a:buChar char="ü"/>
+            </a:pPr>
+            <a:r>
+              <a:rPr lang="fa-IR" sz="2000" b="1" dirty="0">
+                <a:latin typeface="Calibri" panose="020F0502020204030204" pitchFamily="34" charset="0"/>
+                <a:cs typeface="Calibri" panose="020F0502020204030204" pitchFamily="34" charset="0"/>
+              </a:rPr>
+              <a:t>ارزش تجاری هر بک لاگ باید قبلا انجام شده باشد .</a:t>
+            </a:r>
+          </a:p>
+          <a:p>
+            <a:pPr marL="914400" lvl="1" indent="-457200" algn="r" rtl="1">
+              <a:lnSpc>
+                <a:spcPct val="150000"/>
+              </a:lnSpc>
+              <a:buFont typeface="Wingdings" panose="05000000000000000000" pitchFamily="2" charset="2"/>
+              <a:buChar char="ü"/>
+            </a:pPr>
+            <a:r>
+              <a:rPr lang="fa-IR" sz="2000" b="1" dirty="0">
+                <a:latin typeface="Calibri" panose="020F0502020204030204" pitchFamily="34" charset="0"/>
+                <a:cs typeface="Calibri" panose="020F0502020204030204" pitchFamily="34" charset="0"/>
+              </a:rPr>
+              <a:t>در یک سازمان خوب  ، از قبل </a:t>
+            </a:r>
+            <a:r>
+              <a:rPr lang="en-US" sz="2000" b="1" dirty="0">
+                <a:latin typeface="Calibri" panose="020F0502020204030204" pitchFamily="34" charset="0"/>
+                <a:cs typeface="Calibri" panose="020F0502020204030204" pitchFamily="34" charset="0"/>
+              </a:rPr>
+              <a:t>Acceptance Test / Component Test</a:t>
+            </a:r>
+            <a:r>
+              <a:rPr lang="fa-IR" sz="2000" b="1" dirty="0">
+                <a:latin typeface="Calibri" panose="020F0502020204030204" pitchFamily="34" charset="0"/>
+                <a:cs typeface="Calibri" panose="020F0502020204030204" pitchFamily="34" charset="0"/>
+              </a:rPr>
+              <a:t> ها نوشته شده اند . </a:t>
+            </a:r>
+          </a:p>
+          <a:p>
+            <a:pPr marL="914400" lvl="1" indent="-457200" algn="r" rtl="1">
+              <a:lnSpc>
+                <a:spcPct val="150000"/>
+              </a:lnSpc>
+              <a:buFont typeface="Wingdings" panose="05000000000000000000" pitchFamily="2" charset="2"/>
+              <a:buChar char="ü"/>
+            </a:pPr>
+            <a:r>
+              <a:rPr lang="fa-IR" sz="2000" b="1" dirty="0">
+                <a:latin typeface="Calibri" panose="020F0502020204030204" pitchFamily="34" charset="0"/>
+                <a:cs typeface="Calibri" panose="020F0502020204030204" pitchFamily="34" charset="0"/>
+              </a:rPr>
+              <a:t>نهایتا باید 5 درصد زمان یک </a:t>
+            </a:r>
+            <a:r>
+              <a:rPr lang="en-US" sz="2000" b="1" dirty="0">
+                <a:latin typeface="Calibri" panose="020F0502020204030204" pitchFamily="34" charset="0"/>
+                <a:cs typeface="Calibri" panose="020F0502020204030204" pitchFamily="34" charset="0"/>
+              </a:rPr>
+              <a:t>Sprint</a:t>
+            </a:r>
+            <a:r>
+              <a:rPr lang="fa-IR" sz="2000" b="1" dirty="0">
+                <a:latin typeface="Calibri" panose="020F0502020204030204" pitchFamily="34" charset="0"/>
+                <a:cs typeface="Calibri" panose="020F0502020204030204" pitchFamily="34" charset="0"/>
+              </a:rPr>
+              <a:t> را بگیرند.</a:t>
+            </a:r>
+          </a:p>
+          <a:p>
+            <a:pPr marL="914400" lvl="1" indent="-457200" algn="r" rtl="1">
+              <a:lnSpc>
+                <a:spcPct val="150000"/>
+              </a:lnSpc>
+              <a:buFont typeface="Wingdings" panose="05000000000000000000" pitchFamily="2" charset="2"/>
+              <a:buChar char="ü"/>
+            </a:pPr>
+            <a:r>
+              <a:rPr lang="fa-IR" sz="2000" b="1" dirty="0">
+                <a:latin typeface="Calibri" panose="020F0502020204030204" pitchFamily="34" charset="0"/>
+                <a:cs typeface="Calibri" panose="020F0502020204030204" pitchFamily="34" charset="0"/>
+              </a:rPr>
+              <a:t>به ازای هر آیتم ، بیش از 5 تا 10 دقیقه وقت بیشتری نگذارید ، اگر وقت بیشتری نیاز داشت باید با بخشی از تیم در زمانی دیگر ، بررسی شود.</a:t>
+            </a:r>
+          </a:p>
+        </p:txBody>
+      </p:sp>
+    </p:spTree>
+    <p:extLst>
+      <p:ext uri="{BB962C8B-B14F-4D97-AF65-F5344CB8AC3E}">
+        <p14:creationId xmlns:p14="http://schemas.microsoft.com/office/powerpoint/2010/main" val="3090397982"/>
+      </p:ext>
+    </p:extLst>
+  </p:cSld>
+  <p:clrMapOvr>
+    <a:masterClrMapping/>
+  </p:clrMapOvr>
+</p:sld>
+</file>
+
+<file path=ppt/slides/slide58.xml><?xml version="1.0" encoding="utf-8"?>
+<p:sld xmlns:a="http://schemas.openxmlformats.org/drawingml/2006/main" xmlns:r="http://schemas.openxmlformats.org/officeDocument/2006/relationships" xmlns:p="http://schemas.openxmlformats.org/presentationml/2006/main">
+  <p:cSld>
+    <p:spTree>
+      <p:nvGrpSpPr>
+        <p:cNvPr id="1" name=""/>
+        <p:cNvGrpSpPr/>
+        <p:nvPr/>
+      </p:nvGrpSpPr>
+      <p:grpSpPr>
+        <a:xfrm>
+          <a:off x="0" y="0"/>
+          <a:ext cx="0" cy="0"/>
+          <a:chOff x="0" y="0"/>
+          <a:chExt cx="0" cy="0"/>
+        </a:xfrm>
+      </p:grpSpPr>
+      <p:sp>
+        <p:nvSpPr>
+          <p:cNvPr id="2" name="Title 1"/>
+          <p:cNvSpPr>
+            <a:spLocks noGrp="1"/>
+          </p:cNvSpPr>
+          <p:nvPr>
+            <p:ph type="title"/>
+          </p:nvPr>
+        </p:nvSpPr>
+        <p:spPr>
+          <a:xfrm>
+            <a:off x="381000" y="571500"/>
+            <a:ext cx="11341100" cy="685800"/>
+          </a:xfrm>
+        </p:spPr>
+        <p:txBody>
+          <a:bodyPr/>
+          <a:lstStyle/>
+          <a:p>
+            <a:pPr algn="r" rtl="1"/>
+            <a:r>
+              <a:rPr lang="fa-IR" sz="4400" dirty="0">
+                <a:effectLst>
+                  <a:outerShdw blurRad="38100" dist="38100" dir="2700000" algn="tl">
+                    <a:srgbClr val="000000">
+                      <a:alpha val="43137"/>
+                    </a:srgbClr>
+                  </a:outerShdw>
+                </a:effectLst>
+                <a:latin typeface="Calibri" panose="020F0502020204030204" pitchFamily="34" charset="0"/>
+                <a:cs typeface="Calibri" panose="020F0502020204030204" pitchFamily="34" charset="0"/>
+              </a:rPr>
+              <a:t>فصل نهم : مدیریت زمان</a:t>
+            </a:r>
+            <a:endParaRPr lang="en-US" sz="4400" dirty="0">
+              <a:effectLst>
+                <a:outerShdw blurRad="38100" dist="38100" dir="2700000" algn="tl">
+                  <a:srgbClr val="000000">
+                    <a:alpha val="43137"/>
+                  </a:srgbClr>
+                </a:outerShdw>
+              </a:effectLst>
+              <a:latin typeface="Calibri" panose="020F0502020204030204" pitchFamily="34" charset="0"/>
+              <a:cs typeface="Calibri" panose="020F0502020204030204" pitchFamily="34" charset="0"/>
+            </a:endParaRPr>
+          </a:p>
+        </p:txBody>
+      </p:sp>
+      <p:sp>
+        <p:nvSpPr>
+          <p:cNvPr id="5" name="TextBox 4">
+            <a:extLst>
+              <a:ext uri="{FF2B5EF4-FFF2-40B4-BE49-F238E27FC236}">
+                <a16:creationId xmlns:a16="http://schemas.microsoft.com/office/drawing/2014/main" id="{9A4CD663-1432-437D-A055-671337577ADC}"/>
+              </a:ext>
+            </a:extLst>
+          </p:cNvPr>
+          <p:cNvSpPr txBox="1"/>
+          <p:nvPr/>
+        </p:nvSpPr>
+        <p:spPr>
+          <a:xfrm>
+            <a:off x="381000" y="1899831"/>
+            <a:ext cx="11341100" cy="4568943"/>
+          </a:xfrm>
+          <a:prstGeom prst="rect">
+            <a:avLst/>
+          </a:prstGeom>
+          <a:noFill/>
+        </p:spPr>
+        <p:txBody>
+          <a:bodyPr wrap="square">
+            <a:spAutoFit/>
+          </a:bodyPr>
+          <a:lstStyle/>
+          <a:p>
+            <a:pPr algn="r" rtl="1">
+              <a:lnSpc>
+                <a:spcPct val="150000"/>
+              </a:lnSpc>
+            </a:pPr>
+            <a:r>
+              <a:rPr lang="fa-IR" sz="3200" b="1" dirty="0">
+                <a:latin typeface="Calibri" panose="020F0502020204030204" pitchFamily="34" charset="0"/>
+                <a:cs typeface="Calibri" panose="020F0502020204030204" pitchFamily="34" charset="0"/>
+              </a:rPr>
+              <a:t>مدیریت زمان : </a:t>
+            </a:r>
+          </a:p>
+          <a:p>
+            <a:pPr marL="457200" indent="-457200" algn="r" rtl="1">
+              <a:lnSpc>
+                <a:spcPct val="150000"/>
+              </a:lnSpc>
+              <a:buFont typeface="Wingdings" panose="05000000000000000000" pitchFamily="2" charset="2"/>
+              <a:buChar char="ü"/>
+            </a:pPr>
+            <a:r>
+              <a:rPr lang="en-US" sz="2400" b="1" dirty="0">
+                <a:latin typeface="Calibri" panose="020F0502020204030204" pitchFamily="34" charset="0"/>
+                <a:cs typeface="Calibri" panose="020F0502020204030204" pitchFamily="34" charset="0"/>
+              </a:rPr>
+              <a:t>Iteration Retrospective And Demo </a:t>
+            </a:r>
+            <a:endParaRPr lang="fa-IR" sz="2400" b="1" dirty="0">
+              <a:latin typeface="Calibri" panose="020F0502020204030204" pitchFamily="34" charset="0"/>
+              <a:cs typeface="Calibri" panose="020F0502020204030204" pitchFamily="34" charset="0"/>
+            </a:endParaRPr>
+          </a:p>
+          <a:p>
+            <a:pPr marL="914400" lvl="1" indent="-457200" algn="r" rtl="1">
+              <a:lnSpc>
+                <a:spcPct val="150000"/>
+              </a:lnSpc>
+              <a:buFont typeface="Wingdings" panose="05000000000000000000" pitchFamily="2" charset="2"/>
+              <a:buChar char="ü"/>
+            </a:pPr>
+            <a:r>
+              <a:rPr lang="fa-IR" sz="2000" b="1" dirty="0">
+                <a:latin typeface="Calibri" panose="020F0502020204030204" pitchFamily="34" charset="0"/>
+                <a:cs typeface="Calibri" panose="020F0502020204030204" pitchFamily="34" charset="0"/>
+              </a:rPr>
+              <a:t>رترو : نهایتا 10 دقیقه </a:t>
+            </a:r>
+          </a:p>
+          <a:p>
+            <a:pPr marL="914400" lvl="1" indent="-457200" algn="r" rtl="1">
+              <a:lnSpc>
+                <a:spcPct val="150000"/>
+              </a:lnSpc>
+              <a:buFont typeface="Wingdings" panose="05000000000000000000" pitchFamily="2" charset="2"/>
+              <a:buChar char="ü"/>
+            </a:pPr>
+            <a:r>
+              <a:rPr lang="fa-IR" sz="2000" b="1" dirty="0">
+                <a:latin typeface="Calibri" panose="020F0502020204030204" pitchFamily="34" charset="0"/>
+                <a:cs typeface="Calibri" panose="020F0502020204030204" pitchFamily="34" charset="0"/>
+              </a:rPr>
+              <a:t>دمو : نهایتان 25 دقیقه</a:t>
+            </a:r>
+          </a:p>
+          <a:p>
+            <a:pPr marL="457200" indent="-457200" algn="r" rtl="1">
+              <a:lnSpc>
+                <a:spcPct val="150000"/>
+              </a:lnSpc>
+              <a:buFont typeface="Wingdings" panose="05000000000000000000" pitchFamily="2" charset="2"/>
+              <a:buChar char="ü"/>
+            </a:pPr>
+            <a:r>
+              <a:rPr lang="fa-IR" sz="2000" b="1" dirty="0">
+                <a:latin typeface="Calibri" panose="020F0502020204030204" pitchFamily="34" charset="0"/>
+                <a:cs typeface="Calibri" panose="020F0502020204030204" pitchFamily="34" charset="0"/>
+              </a:rPr>
+              <a:t>بحث کردن / قبول نکردن </a:t>
+            </a:r>
+          </a:p>
+          <a:p>
+            <a:pPr marL="914400" lvl="1" indent="-457200" algn="r" rtl="1">
+              <a:lnSpc>
+                <a:spcPct val="150000"/>
+              </a:lnSpc>
+              <a:buFont typeface="Wingdings" panose="05000000000000000000" pitchFamily="2" charset="2"/>
+              <a:buChar char="ü"/>
+            </a:pPr>
+            <a:r>
+              <a:rPr lang="fa-IR" sz="2000" b="1" dirty="0">
+                <a:latin typeface="Calibri" panose="020F0502020204030204" pitchFamily="34" charset="0"/>
+                <a:cs typeface="Calibri" panose="020F0502020204030204" pitchFamily="34" charset="0"/>
+              </a:rPr>
+              <a:t>« هر موضوعی که در 5 دقیقه گفتگو حل نشود ، با بحث کردن ، حل نمی شود . »  کِنت بک</a:t>
+            </a:r>
+          </a:p>
+          <a:p>
+            <a:pPr marL="914400" lvl="1" indent="-457200" algn="r" rtl="1">
+              <a:lnSpc>
+                <a:spcPct val="150000"/>
+              </a:lnSpc>
+              <a:buFont typeface="Wingdings" panose="05000000000000000000" pitchFamily="2" charset="2"/>
+              <a:buChar char="ü"/>
+            </a:pPr>
+            <a:r>
+              <a:rPr lang="fa-IR" sz="2000" b="1" dirty="0">
+                <a:latin typeface="Calibri" panose="020F0502020204030204" pitchFamily="34" charset="0"/>
+                <a:cs typeface="Calibri" panose="020F0502020204030204" pitchFamily="34" charset="0"/>
+              </a:rPr>
+              <a:t>رفتار پرخاشگرانه نکنید .</a:t>
+            </a:r>
+          </a:p>
+          <a:p>
+            <a:pPr marL="914400" lvl="1" indent="-457200" algn="r" rtl="1">
+              <a:lnSpc>
+                <a:spcPct val="150000"/>
+              </a:lnSpc>
+              <a:buFont typeface="Wingdings" panose="05000000000000000000" pitchFamily="2" charset="2"/>
+              <a:buChar char="ü"/>
+            </a:pPr>
+            <a:r>
+              <a:rPr lang="fa-IR" sz="2000" b="1" dirty="0">
+                <a:latin typeface="Calibri" panose="020F0502020204030204" pitchFamily="34" charset="0"/>
+                <a:cs typeface="Calibri" panose="020F0502020204030204" pitchFamily="34" charset="0"/>
+              </a:rPr>
+              <a:t>پرخاشگری منفعلانه نکنید .</a:t>
+            </a:r>
+          </a:p>
+          <a:p>
+            <a:pPr marL="914400" lvl="1" indent="-457200" algn="r" rtl="1">
+              <a:lnSpc>
+                <a:spcPct val="150000"/>
+              </a:lnSpc>
+              <a:buFont typeface="Wingdings" panose="05000000000000000000" pitchFamily="2" charset="2"/>
+              <a:buChar char="ü"/>
+            </a:pPr>
+            <a:r>
+              <a:rPr lang="fa-IR" sz="2000" b="1" dirty="0">
+                <a:latin typeface="Calibri" panose="020F0502020204030204" pitchFamily="34" charset="0"/>
+                <a:cs typeface="Calibri" panose="020F0502020204030204" pitchFamily="34" charset="0"/>
+              </a:rPr>
+              <a:t>گاهی اوقات می توانید با پرتاب یک سکه ، نتیجه را مشخص کنید. </a:t>
+            </a:r>
+          </a:p>
+        </p:txBody>
+      </p:sp>
+    </p:spTree>
+    <p:extLst>
+      <p:ext uri="{BB962C8B-B14F-4D97-AF65-F5344CB8AC3E}">
+        <p14:creationId xmlns:p14="http://schemas.microsoft.com/office/powerpoint/2010/main" val="959128790"/>
       </p:ext>
     </p:extLst>
   </p:cSld>

--- a/The Clean Coder.pptx
+++ b/The Clean Coder.pptx
@@ -264,7 +264,7 @@
           <a:effectLst/>
           <a:extLst>
             <a:ext uri="{91240B29-F687-4f45-9708-019B960494DF}">
-              <a14:hiddenLine xmlns="" xmlns:a14="http://schemas.microsoft.com/office/drawing/2010/main" w="9525">
+              <a14:hiddenLine xmlns:a14="http://schemas.microsoft.com/office/drawing/2010/main" xmlns="" w="9525">
                 <a:solidFill>
                   <a:srgbClr val="000000"/>
                 </a:solidFill>
@@ -1794,7 +1794,7 @@
           <a:ln/>
           <a:extLst>
             <a:ext uri="{91240B29-F687-4f45-9708-019B960494DF}">
-              <a14:hiddenLine xmlns="" xmlns:a14="http://schemas.microsoft.com/office/drawing/2010/main" w="9525">
+              <a14:hiddenLine xmlns:a14="http://schemas.microsoft.com/office/drawing/2010/main" xmlns="" w="9525">
                 <a:solidFill>
                   <a:srgbClr val="000000"/>
                 </a:solidFill>
@@ -2071,7 +2071,7 @@
           <a:ln/>
           <a:extLst>
             <a:ext uri="{91240B29-F687-4f45-9708-019B960494DF}">
-              <a14:hiddenLine xmlns="" xmlns:a14="http://schemas.microsoft.com/office/drawing/2010/main" w="9525">
+              <a14:hiddenLine xmlns:a14="http://schemas.microsoft.com/office/drawing/2010/main" xmlns="" w="9525">
                 <a:solidFill>
                   <a:srgbClr val="000000"/>
                 </a:solidFill>
@@ -2356,7 +2356,7 @@
           <a:ln/>
           <a:extLst>
             <a:ext uri="{91240B29-F687-4f45-9708-019B960494DF}">
-              <a14:hiddenLine xmlns="" xmlns:a14="http://schemas.microsoft.com/office/drawing/2010/main" w="9525">
+              <a14:hiddenLine xmlns:a14="http://schemas.microsoft.com/office/drawing/2010/main" xmlns="" w="9525">
                 <a:solidFill>
                   <a:srgbClr val="000000"/>
                 </a:solidFill>
@@ -2986,7 +2986,7 @@
           <a:ln/>
           <a:extLst>
             <a:ext uri="{91240B29-F687-4f45-9708-019B960494DF}">
-              <a14:hiddenLine xmlns="" xmlns:a14="http://schemas.microsoft.com/office/drawing/2010/main" w="9525">
+              <a14:hiddenLine xmlns:a14="http://schemas.microsoft.com/office/drawing/2010/main" xmlns="" w="9525">
                 <a:solidFill>
                   <a:srgbClr val="000000"/>
                 </a:solidFill>
@@ -3327,7 +3327,7 @@
           <a:ln/>
           <a:extLst>
             <a:ext uri="{91240B29-F687-4f45-9708-019B960494DF}">
-              <a14:hiddenLine xmlns="" xmlns:a14="http://schemas.microsoft.com/office/drawing/2010/main" w="9525">
+              <a14:hiddenLine xmlns:a14="http://schemas.microsoft.com/office/drawing/2010/main" xmlns="" w="9525">
                 <a:solidFill>
                   <a:srgbClr val="000000"/>
                 </a:solidFill>
@@ -3806,7 +3806,7 @@
           <a:ln/>
           <a:extLst>
             <a:ext uri="{91240B29-F687-4f45-9708-019B960494DF}">
-              <a14:hiddenLine xmlns="" xmlns:a14="http://schemas.microsoft.com/office/drawing/2010/main" w="9525">
+              <a14:hiddenLine xmlns:a14="http://schemas.microsoft.com/office/drawing/2010/main" xmlns="" w="9525">
                 <a:solidFill>
                   <a:srgbClr val="000000"/>
                 </a:solidFill>
@@ -4239,7 +4239,7 @@
           <a:ln/>
           <a:extLst>
             <a:ext uri="{91240B29-F687-4f45-9708-019B960494DF}">
-              <a14:hiddenLine xmlns="" xmlns:a14="http://schemas.microsoft.com/office/drawing/2010/main" w="9525">
+              <a14:hiddenLine xmlns:a14="http://schemas.microsoft.com/office/drawing/2010/main" xmlns="" w="9525">
                 <a:solidFill>
                   <a:srgbClr val="000000"/>
                 </a:solidFill>
@@ -13715,7 +13715,7 @@
                 <a:latin typeface="Calibri" panose="020F0502020204030204" pitchFamily="34" charset="0"/>
                 <a:cs typeface="Calibri" panose="020F0502020204030204" pitchFamily="34" charset="0"/>
               </a:rPr>
-              <a:t>« تست های واحد » مستندهایی هستند که سیستم را در پائین ترین سطح خود ، شرح می دهند . اینها حقایق مض هستند.  </a:t>
+              <a:t>« تست های واحد » مستندهایی هستند که سیستم را در پائین ترین سطح خود ، شرح می دهند . اینها حقایق محض هستند.  </a:t>
             </a:r>
           </a:p>
         </p:txBody>
@@ -18335,7 +18335,7 @@
         </p:nvSpPr>
         <p:spPr>
           <a:xfrm>
-            <a:off x="828675" y="3429000"/>
+            <a:off x="257175" y="3429000"/>
             <a:ext cx="11588750" cy="589072"/>
           </a:xfrm>
           <a:prstGeom prst="rect">
@@ -19096,7 +19096,7 @@
         <p:spPr>
           <a:xfrm>
             <a:off x="381000" y="1899831"/>
-            <a:ext cx="11341100" cy="4753609"/>
+            <a:ext cx="11341100" cy="4845942"/>
           </a:xfrm>
           <a:prstGeom prst="rect">
             <a:avLst/>
@@ -19163,14 +19163,14 @@
               <a:buChar char="ü"/>
             </a:pPr>
             <a:r>
-              <a:rPr lang="en-US" sz="2000" b="1" dirty="0">
+              <a:rPr lang="en-US" sz="2400" b="1" dirty="0">
                 <a:latin typeface="Calibri" panose="020F0502020204030204" pitchFamily="34" charset="0"/>
                 <a:cs typeface="Calibri" panose="020F0502020204030204" pitchFamily="34" charset="0"/>
               </a:rPr>
               <a:t>Stand up Meeting</a:t>
             </a:r>
             <a:r>
-              <a:rPr lang="fa-IR" sz="2000" b="1" dirty="0">
+              <a:rPr lang="fa-IR" sz="2400" b="1" dirty="0">
                 <a:latin typeface="Calibri" panose="020F0502020204030204" pitchFamily="34" charset="0"/>
                 <a:cs typeface="Calibri" panose="020F0502020204030204" pitchFamily="34" charset="0"/>
               </a:rPr>
@@ -19617,7 +19617,7 @@
         <p:spPr>
           <a:xfrm>
             <a:off x="381000" y="1899831"/>
-            <a:ext cx="11341100" cy="4568943"/>
+            <a:ext cx="11341100" cy="4661276"/>
           </a:xfrm>
           <a:prstGeom prst="rect">
             <a:avLst/>
@@ -19704,7 +19704,7 @@
               <a:buChar char="ü"/>
             </a:pPr>
             <a:r>
-              <a:rPr lang="fa-IR" sz="2000" b="1" dirty="0">
+              <a:rPr lang="fa-IR" sz="2400" b="1" dirty="0">
                 <a:latin typeface="Calibri" panose="020F0502020204030204" pitchFamily="34" charset="0"/>
                 <a:cs typeface="Calibri" panose="020F0502020204030204" pitchFamily="34" charset="0"/>
               </a:rPr>
